--- a/images/graphics.pptx
+++ b/images/graphics.pptx
@@ -6,7 +6,7 @@
   </p:sldMasterIdLst>
   <p:sldIdLst>
     <p:sldId id="256" r:id="rId2"/>
-    <p:sldId id="257" r:id="rId3"/>
+    <p:sldId id="258" r:id="rId3"/>
   </p:sldIdLst>
   <p:sldSz cx="9144000" cy="6858000" type="letter"/>
   <p:notesSz cx="9144000" cy="6858000"/>
@@ -105,3962 +105,12 @@
       </a:defRPr>
     </a:lvl9pPr>
   </p:defaultTextStyle>
+  <p:extLst>
+    <p:ext uri="{EFAFB233-063F-42B5-8137-9DF3F51BA10A}">
+      <p15:sldGuideLst xmlns:p15="http://schemas.microsoft.com/office/powerpoint/2012/main"/>
+    </p:ext>
+  </p:extLst>
 </p:presentation>
-</file>
-
-<file path=ppt/diagrams/colors1.xml><?xml version="1.0" encoding="utf-8"?>
-<dgm:colorsDef xmlns:dgm="http://schemas.openxmlformats.org/drawingml/2006/diagram" xmlns:a="http://schemas.openxmlformats.org/drawingml/2006/main" uniqueId="urn:microsoft.com/office/officeart/2005/8/colors/accent1_2">
-  <dgm:title val=""/>
-  <dgm:desc val=""/>
-  <dgm:catLst>
-    <dgm:cat type="accent1" pri="11200"/>
-  </dgm:catLst>
-  <dgm:styleLbl name="node0">
-    <dgm:fillClrLst meth="repeat">
-      <a:schemeClr val="accent1"/>
-    </dgm:fillClrLst>
-    <dgm:linClrLst meth="repeat">
-      <a:schemeClr val="lt1"/>
-    </dgm:linClrLst>
-    <dgm:effectClrLst/>
-    <dgm:txLinClrLst/>
-    <dgm:txFillClrLst/>
-    <dgm:txEffectClrLst/>
-  </dgm:styleLbl>
-  <dgm:styleLbl name="alignNode1">
-    <dgm:fillClrLst meth="repeat">
-      <a:schemeClr val="accent1"/>
-    </dgm:fillClrLst>
-    <dgm:linClrLst meth="repeat">
-      <a:schemeClr val="accent1"/>
-    </dgm:linClrLst>
-    <dgm:effectClrLst/>
-    <dgm:txLinClrLst/>
-    <dgm:txFillClrLst/>
-    <dgm:txEffectClrLst/>
-  </dgm:styleLbl>
-  <dgm:styleLbl name="node1">
-    <dgm:fillClrLst meth="repeat">
-      <a:schemeClr val="accent1"/>
-    </dgm:fillClrLst>
-    <dgm:linClrLst meth="repeat">
-      <a:schemeClr val="lt1"/>
-    </dgm:linClrLst>
-    <dgm:effectClrLst/>
-    <dgm:txLinClrLst/>
-    <dgm:txFillClrLst/>
-    <dgm:txEffectClrLst/>
-  </dgm:styleLbl>
-  <dgm:styleLbl name="lnNode1">
-    <dgm:fillClrLst meth="repeat">
-      <a:schemeClr val="accent1"/>
-    </dgm:fillClrLst>
-    <dgm:linClrLst meth="repeat">
-      <a:schemeClr val="lt1"/>
-    </dgm:linClrLst>
-    <dgm:effectClrLst/>
-    <dgm:txLinClrLst/>
-    <dgm:txFillClrLst/>
-    <dgm:txEffectClrLst/>
-  </dgm:styleLbl>
-  <dgm:styleLbl name="vennNode1">
-    <dgm:fillClrLst meth="repeat">
-      <a:schemeClr val="accent1">
-        <a:alpha val="50000"/>
-      </a:schemeClr>
-    </dgm:fillClrLst>
-    <dgm:linClrLst meth="repeat">
-      <a:schemeClr val="lt1"/>
-    </dgm:linClrLst>
-    <dgm:effectClrLst/>
-    <dgm:txLinClrLst/>
-    <dgm:txFillClrLst/>
-    <dgm:txEffectClrLst/>
-  </dgm:styleLbl>
-  <dgm:styleLbl name="node2">
-    <dgm:fillClrLst meth="repeat">
-      <a:schemeClr val="accent1"/>
-    </dgm:fillClrLst>
-    <dgm:linClrLst meth="repeat">
-      <a:schemeClr val="lt1"/>
-    </dgm:linClrLst>
-    <dgm:effectClrLst/>
-    <dgm:txLinClrLst/>
-    <dgm:txFillClrLst/>
-    <dgm:txEffectClrLst/>
-  </dgm:styleLbl>
-  <dgm:styleLbl name="node3">
-    <dgm:fillClrLst meth="repeat">
-      <a:schemeClr val="accent1"/>
-    </dgm:fillClrLst>
-    <dgm:linClrLst meth="repeat">
-      <a:schemeClr val="lt1"/>
-    </dgm:linClrLst>
-    <dgm:effectClrLst/>
-    <dgm:txLinClrLst/>
-    <dgm:txFillClrLst/>
-    <dgm:txEffectClrLst/>
-  </dgm:styleLbl>
-  <dgm:styleLbl name="node4">
-    <dgm:fillClrLst meth="repeat">
-      <a:schemeClr val="accent1"/>
-    </dgm:fillClrLst>
-    <dgm:linClrLst meth="repeat">
-      <a:schemeClr val="lt1"/>
-    </dgm:linClrLst>
-    <dgm:effectClrLst/>
-    <dgm:txLinClrLst/>
-    <dgm:txFillClrLst/>
-    <dgm:txEffectClrLst/>
-  </dgm:styleLbl>
-  <dgm:styleLbl name="fgImgPlace1">
-    <dgm:fillClrLst meth="repeat">
-      <a:schemeClr val="accent1">
-        <a:tint val="50000"/>
-      </a:schemeClr>
-    </dgm:fillClrLst>
-    <dgm:linClrLst meth="repeat">
-      <a:schemeClr val="lt1"/>
-    </dgm:linClrLst>
-    <dgm:effectClrLst/>
-    <dgm:txLinClrLst/>
-    <dgm:txFillClrLst meth="repeat">
-      <a:schemeClr val="lt1"/>
-    </dgm:txFillClrLst>
-    <dgm:txEffectClrLst/>
-  </dgm:styleLbl>
-  <dgm:styleLbl name="alignImgPlace1">
-    <dgm:fillClrLst meth="repeat">
-      <a:schemeClr val="accent1">
-        <a:tint val="50000"/>
-      </a:schemeClr>
-    </dgm:fillClrLst>
-    <dgm:linClrLst meth="repeat">
-      <a:schemeClr val="lt1"/>
-    </dgm:linClrLst>
-    <dgm:effectClrLst/>
-    <dgm:txLinClrLst/>
-    <dgm:txFillClrLst meth="repeat">
-      <a:schemeClr val="lt1"/>
-    </dgm:txFillClrLst>
-    <dgm:txEffectClrLst/>
-  </dgm:styleLbl>
-  <dgm:styleLbl name="bgImgPlace1">
-    <dgm:fillClrLst meth="repeat">
-      <a:schemeClr val="accent1">
-        <a:tint val="50000"/>
-      </a:schemeClr>
-    </dgm:fillClrLst>
-    <dgm:linClrLst meth="repeat">
-      <a:schemeClr val="lt1"/>
-    </dgm:linClrLst>
-    <dgm:effectClrLst/>
-    <dgm:txLinClrLst/>
-    <dgm:txFillClrLst meth="repeat">
-      <a:schemeClr val="lt1"/>
-    </dgm:txFillClrLst>
-    <dgm:txEffectClrLst/>
-  </dgm:styleLbl>
-  <dgm:styleLbl name="sibTrans2D1">
-    <dgm:fillClrLst meth="repeat">
-      <a:schemeClr val="accent1">
-        <a:tint val="60000"/>
-      </a:schemeClr>
-    </dgm:fillClrLst>
-    <dgm:linClrLst meth="repeat">
-      <a:schemeClr val="accent1">
-        <a:tint val="60000"/>
-      </a:schemeClr>
-    </dgm:linClrLst>
-    <dgm:effectClrLst/>
-    <dgm:txLinClrLst/>
-    <dgm:txFillClrLst/>
-    <dgm:txEffectClrLst/>
-  </dgm:styleLbl>
-  <dgm:styleLbl name="fgSibTrans2D1">
-    <dgm:fillClrLst meth="repeat">
-      <a:schemeClr val="accent1">
-        <a:tint val="60000"/>
-      </a:schemeClr>
-    </dgm:fillClrLst>
-    <dgm:linClrLst meth="repeat">
-      <a:schemeClr val="accent1">
-        <a:tint val="60000"/>
-      </a:schemeClr>
-    </dgm:linClrLst>
-    <dgm:effectClrLst/>
-    <dgm:txLinClrLst/>
-    <dgm:txFillClrLst/>
-    <dgm:txEffectClrLst/>
-  </dgm:styleLbl>
-  <dgm:styleLbl name="bgSibTrans2D1">
-    <dgm:fillClrLst meth="repeat">
-      <a:schemeClr val="accent1">
-        <a:tint val="60000"/>
-      </a:schemeClr>
-    </dgm:fillClrLst>
-    <dgm:linClrLst meth="repeat">
-      <a:schemeClr val="accent1">
-        <a:tint val="60000"/>
-      </a:schemeClr>
-    </dgm:linClrLst>
-    <dgm:effectClrLst/>
-    <dgm:txLinClrLst/>
-    <dgm:txFillClrLst/>
-    <dgm:txEffectClrLst/>
-  </dgm:styleLbl>
-  <dgm:styleLbl name="sibTrans1D1">
-    <dgm:fillClrLst meth="repeat">
-      <a:schemeClr val="accent1"/>
-    </dgm:fillClrLst>
-    <dgm:linClrLst meth="repeat">
-      <a:schemeClr val="accent1"/>
-    </dgm:linClrLst>
-    <dgm:effectClrLst/>
-    <dgm:txLinClrLst/>
-    <dgm:txFillClrLst meth="repeat">
-      <a:schemeClr val="tx1"/>
-    </dgm:txFillClrLst>
-    <dgm:txEffectClrLst/>
-  </dgm:styleLbl>
-  <dgm:styleLbl name="callout">
-    <dgm:fillClrLst meth="repeat">
-      <a:schemeClr val="accent1"/>
-    </dgm:fillClrLst>
-    <dgm:linClrLst meth="repeat">
-      <a:schemeClr val="accent1">
-        <a:tint val="50000"/>
-      </a:schemeClr>
-    </dgm:linClrLst>
-    <dgm:effectClrLst/>
-    <dgm:txLinClrLst/>
-    <dgm:txFillClrLst meth="repeat">
-      <a:schemeClr val="tx1"/>
-    </dgm:txFillClrLst>
-    <dgm:txEffectClrLst/>
-  </dgm:styleLbl>
-  <dgm:styleLbl name="asst0">
-    <dgm:fillClrLst meth="repeat">
-      <a:schemeClr val="accent1"/>
-    </dgm:fillClrLst>
-    <dgm:linClrLst meth="repeat">
-      <a:schemeClr val="lt1"/>
-    </dgm:linClrLst>
-    <dgm:effectClrLst/>
-    <dgm:txLinClrLst/>
-    <dgm:txFillClrLst/>
-    <dgm:txEffectClrLst/>
-  </dgm:styleLbl>
-  <dgm:styleLbl name="asst1">
-    <dgm:fillClrLst meth="repeat">
-      <a:schemeClr val="accent1"/>
-    </dgm:fillClrLst>
-    <dgm:linClrLst meth="repeat">
-      <a:schemeClr val="lt1"/>
-    </dgm:linClrLst>
-    <dgm:effectClrLst/>
-    <dgm:txLinClrLst/>
-    <dgm:txFillClrLst/>
-    <dgm:txEffectClrLst/>
-  </dgm:styleLbl>
-  <dgm:styleLbl name="asst2">
-    <dgm:fillClrLst meth="repeat">
-      <a:schemeClr val="accent1"/>
-    </dgm:fillClrLst>
-    <dgm:linClrLst meth="repeat">
-      <a:schemeClr val="lt1"/>
-    </dgm:linClrLst>
-    <dgm:effectClrLst/>
-    <dgm:txLinClrLst/>
-    <dgm:txFillClrLst/>
-    <dgm:txEffectClrLst/>
-  </dgm:styleLbl>
-  <dgm:styleLbl name="asst3">
-    <dgm:fillClrLst meth="repeat">
-      <a:schemeClr val="accent1"/>
-    </dgm:fillClrLst>
-    <dgm:linClrLst meth="repeat">
-      <a:schemeClr val="lt1"/>
-    </dgm:linClrLst>
-    <dgm:effectClrLst/>
-    <dgm:txLinClrLst/>
-    <dgm:txFillClrLst/>
-    <dgm:txEffectClrLst/>
-  </dgm:styleLbl>
-  <dgm:styleLbl name="asst4">
-    <dgm:fillClrLst meth="repeat">
-      <a:schemeClr val="accent1"/>
-    </dgm:fillClrLst>
-    <dgm:linClrLst meth="repeat">
-      <a:schemeClr val="lt1"/>
-    </dgm:linClrLst>
-    <dgm:effectClrLst/>
-    <dgm:txLinClrLst/>
-    <dgm:txFillClrLst/>
-    <dgm:txEffectClrLst/>
-  </dgm:styleLbl>
-  <dgm:styleLbl name="parChTrans2D1">
-    <dgm:fillClrLst meth="repeat">
-      <a:schemeClr val="accent1">
-        <a:tint val="60000"/>
-      </a:schemeClr>
-    </dgm:fillClrLst>
-    <dgm:linClrLst meth="repeat">
-      <a:schemeClr val="accent1">
-        <a:tint val="60000"/>
-      </a:schemeClr>
-    </dgm:linClrLst>
-    <dgm:effectClrLst/>
-    <dgm:txLinClrLst/>
-    <dgm:txFillClrLst meth="repeat">
-      <a:schemeClr val="lt1"/>
-    </dgm:txFillClrLst>
-    <dgm:txEffectClrLst/>
-  </dgm:styleLbl>
-  <dgm:styleLbl name="parChTrans2D2">
-    <dgm:fillClrLst meth="repeat">
-      <a:schemeClr val="accent1"/>
-    </dgm:fillClrLst>
-    <dgm:linClrLst meth="repeat">
-      <a:schemeClr val="accent1"/>
-    </dgm:linClrLst>
-    <dgm:effectClrLst/>
-    <dgm:txLinClrLst/>
-    <dgm:txFillClrLst meth="repeat">
-      <a:schemeClr val="lt1"/>
-    </dgm:txFillClrLst>
-    <dgm:txEffectClrLst/>
-  </dgm:styleLbl>
-  <dgm:styleLbl name="parChTrans2D3">
-    <dgm:fillClrLst meth="repeat">
-      <a:schemeClr val="accent1"/>
-    </dgm:fillClrLst>
-    <dgm:linClrLst meth="repeat">
-      <a:schemeClr val="accent1"/>
-    </dgm:linClrLst>
-    <dgm:effectClrLst/>
-    <dgm:txLinClrLst/>
-    <dgm:txFillClrLst meth="repeat">
-      <a:schemeClr val="lt1"/>
-    </dgm:txFillClrLst>
-    <dgm:txEffectClrLst/>
-  </dgm:styleLbl>
-  <dgm:styleLbl name="parChTrans2D4">
-    <dgm:fillClrLst meth="repeat">
-      <a:schemeClr val="accent1"/>
-    </dgm:fillClrLst>
-    <dgm:linClrLst meth="repeat">
-      <a:schemeClr val="accent1"/>
-    </dgm:linClrLst>
-    <dgm:effectClrLst/>
-    <dgm:txLinClrLst/>
-    <dgm:txFillClrLst meth="repeat">
-      <a:schemeClr val="lt1"/>
-    </dgm:txFillClrLst>
-    <dgm:txEffectClrLst/>
-  </dgm:styleLbl>
-  <dgm:styleLbl name="parChTrans1D1">
-    <dgm:fillClrLst meth="repeat">
-      <a:schemeClr val="accent1"/>
-    </dgm:fillClrLst>
-    <dgm:linClrLst meth="repeat">
-      <a:schemeClr val="accent1">
-        <a:shade val="60000"/>
-      </a:schemeClr>
-    </dgm:linClrLst>
-    <dgm:effectClrLst/>
-    <dgm:txLinClrLst/>
-    <dgm:txFillClrLst meth="repeat">
-      <a:schemeClr val="tx1"/>
-    </dgm:txFillClrLst>
-    <dgm:txEffectClrLst/>
-  </dgm:styleLbl>
-  <dgm:styleLbl name="parChTrans1D2">
-    <dgm:fillClrLst meth="repeat">
-      <a:schemeClr val="accent1"/>
-    </dgm:fillClrLst>
-    <dgm:linClrLst meth="repeat">
-      <a:schemeClr val="accent1">
-        <a:shade val="60000"/>
-      </a:schemeClr>
-    </dgm:linClrLst>
-    <dgm:effectClrLst/>
-    <dgm:txLinClrLst/>
-    <dgm:txFillClrLst meth="repeat">
-      <a:schemeClr val="tx1"/>
-    </dgm:txFillClrLst>
-    <dgm:txEffectClrLst/>
-  </dgm:styleLbl>
-  <dgm:styleLbl name="parChTrans1D3">
-    <dgm:fillClrLst meth="repeat">
-      <a:schemeClr val="accent1"/>
-    </dgm:fillClrLst>
-    <dgm:linClrLst meth="repeat">
-      <a:schemeClr val="accent1">
-        <a:shade val="80000"/>
-      </a:schemeClr>
-    </dgm:linClrLst>
-    <dgm:effectClrLst/>
-    <dgm:txLinClrLst/>
-    <dgm:txFillClrLst meth="repeat">
-      <a:schemeClr val="tx1"/>
-    </dgm:txFillClrLst>
-    <dgm:txEffectClrLst/>
-  </dgm:styleLbl>
-  <dgm:styleLbl name="parChTrans1D4">
-    <dgm:fillClrLst meth="repeat">
-      <a:schemeClr val="accent1"/>
-    </dgm:fillClrLst>
-    <dgm:linClrLst meth="repeat">
-      <a:schemeClr val="accent1">
-        <a:shade val="80000"/>
-      </a:schemeClr>
-    </dgm:linClrLst>
-    <dgm:effectClrLst/>
-    <dgm:txLinClrLst/>
-    <dgm:txFillClrLst meth="repeat">
-      <a:schemeClr val="tx1"/>
-    </dgm:txFillClrLst>
-    <dgm:txEffectClrLst/>
-  </dgm:styleLbl>
-  <dgm:styleLbl name="fgAcc1">
-    <dgm:fillClrLst meth="repeat">
-      <a:schemeClr val="lt1">
-        <a:alpha val="90000"/>
-      </a:schemeClr>
-    </dgm:fillClrLst>
-    <dgm:linClrLst meth="repeat">
-      <a:schemeClr val="accent1"/>
-    </dgm:linClrLst>
-    <dgm:effectClrLst/>
-    <dgm:txLinClrLst/>
-    <dgm:txFillClrLst meth="repeat">
-      <a:schemeClr val="dk1"/>
-    </dgm:txFillClrLst>
-    <dgm:txEffectClrLst/>
-  </dgm:styleLbl>
-  <dgm:styleLbl name="conFgAcc1">
-    <dgm:fillClrLst meth="repeat">
-      <a:schemeClr val="lt1">
-        <a:alpha val="90000"/>
-      </a:schemeClr>
-    </dgm:fillClrLst>
-    <dgm:linClrLst meth="repeat">
-      <a:schemeClr val="accent1"/>
-    </dgm:linClrLst>
-    <dgm:effectClrLst/>
-    <dgm:txLinClrLst/>
-    <dgm:txFillClrLst meth="repeat">
-      <a:schemeClr val="dk1"/>
-    </dgm:txFillClrLst>
-    <dgm:txEffectClrLst/>
-  </dgm:styleLbl>
-  <dgm:styleLbl name="alignAcc1">
-    <dgm:fillClrLst meth="repeat">
-      <a:schemeClr val="lt1">
-        <a:alpha val="90000"/>
-      </a:schemeClr>
-    </dgm:fillClrLst>
-    <dgm:linClrLst meth="repeat">
-      <a:schemeClr val="accent1"/>
-    </dgm:linClrLst>
-    <dgm:effectClrLst/>
-    <dgm:txLinClrLst/>
-    <dgm:txFillClrLst meth="repeat">
-      <a:schemeClr val="dk1"/>
-    </dgm:txFillClrLst>
-    <dgm:txEffectClrLst/>
-  </dgm:styleLbl>
-  <dgm:styleLbl name="trAlignAcc1">
-    <dgm:fillClrLst meth="repeat">
-      <a:schemeClr val="lt1">
-        <a:alpha val="40000"/>
-      </a:schemeClr>
-    </dgm:fillClrLst>
-    <dgm:linClrLst meth="repeat">
-      <a:schemeClr val="accent1"/>
-    </dgm:linClrLst>
-    <dgm:effectClrLst/>
-    <dgm:txLinClrLst/>
-    <dgm:txFillClrLst meth="repeat">
-      <a:schemeClr val="dk1"/>
-    </dgm:txFillClrLst>
-    <dgm:txEffectClrLst/>
-  </dgm:styleLbl>
-  <dgm:styleLbl name="bgAcc1">
-    <dgm:fillClrLst meth="repeat">
-      <a:schemeClr val="lt1">
-        <a:alpha val="90000"/>
-      </a:schemeClr>
-    </dgm:fillClrLst>
-    <dgm:linClrLst meth="repeat">
-      <a:schemeClr val="accent1"/>
-    </dgm:linClrLst>
-    <dgm:effectClrLst/>
-    <dgm:txLinClrLst/>
-    <dgm:txFillClrLst meth="repeat">
-      <a:schemeClr val="dk1"/>
-    </dgm:txFillClrLst>
-    <dgm:txEffectClrLst/>
-  </dgm:styleLbl>
-  <dgm:styleLbl name="solidFgAcc1">
-    <dgm:fillClrLst meth="repeat">
-      <a:schemeClr val="lt1"/>
-    </dgm:fillClrLst>
-    <dgm:linClrLst meth="repeat">
-      <a:schemeClr val="accent1"/>
-    </dgm:linClrLst>
-    <dgm:effectClrLst/>
-    <dgm:txLinClrLst/>
-    <dgm:txFillClrLst meth="repeat">
-      <a:schemeClr val="dk1"/>
-    </dgm:txFillClrLst>
-    <dgm:txEffectClrLst/>
-  </dgm:styleLbl>
-  <dgm:styleLbl name="solidAlignAcc1">
-    <dgm:fillClrLst meth="repeat">
-      <a:schemeClr val="lt1"/>
-    </dgm:fillClrLst>
-    <dgm:linClrLst meth="repeat">
-      <a:schemeClr val="accent1"/>
-    </dgm:linClrLst>
-    <dgm:effectClrLst/>
-    <dgm:txLinClrLst/>
-    <dgm:txFillClrLst meth="repeat">
-      <a:schemeClr val="dk1"/>
-    </dgm:txFillClrLst>
-    <dgm:txEffectClrLst/>
-  </dgm:styleLbl>
-  <dgm:styleLbl name="solidBgAcc1">
-    <dgm:fillClrLst meth="repeat">
-      <a:schemeClr val="lt1"/>
-    </dgm:fillClrLst>
-    <dgm:linClrLst meth="repeat">
-      <a:schemeClr val="accent1"/>
-    </dgm:linClrLst>
-    <dgm:effectClrLst/>
-    <dgm:txLinClrLst/>
-    <dgm:txFillClrLst meth="repeat">
-      <a:schemeClr val="dk1"/>
-    </dgm:txFillClrLst>
-    <dgm:txEffectClrLst/>
-  </dgm:styleLbl>
-  <dgm:styleLbl name="fgAccFollowNode1">
-    <dgm:fillClrLst meth="repeat">
-      <a:schemeClr val="accent1">
-        <a:alpha val="90000"/>
-        <a:tint val="40000"/>
-      </a:schemeClr>
-    </dgm:fillClrLst>
-    <dgm:linClrLst meth="repeat">
-      <a:schemeClr val="accent1">
-        <a:alpha val="90000"/>
-        <a:tint val="40000"/>
-      </a:schemeClr>
-    </dgm:linClrLst>
-    <dgm:effectClrLst/>
-    <dgm:txLinClrLst/>
-    <dgm:txFillClrLst meth="repeat">
-      <a:schemeClr val="dk1"/>
-    </dgm:txFillClrLst>
-    <dgm:txEffectClrLst/>
-  </dgm:styleLbl>
-  <dgm:styleLbl name="alignAccFollowNode1">
-    <dgm:fillClrLst meth="repeat">
-      <a:schemeClr val="accent1">
-        <a:alpha val="90000"/>
-        <a:tint val="40000"/>
-      </a:schemeClr>
-    </dgm:fillClrLst>
-    <dgm:linClrLst meth="repeat">
-      <a:schemeClr val="accent1">
-        <a:alpha val="90000"/>
-        <a:tint val="40000"/>
-      </a:schemeClr>
-    </dgm:linClrLst>
-    <dgm:effectClrLst/>
-    <dgm:txLinClrLst/>
-    <dgm:txFillClrLst meth="repeat">
-      <a:schemeClr val="dk1"/>
-    </dgm:txFillClrLst>
-    <dgm:txEffectClrLst/>
-  </dgm:styleLbl>
-  <dgm:styleLbl name="bgAccFollowNode1">
-    <dgm:fillClrLst meth="repeat">
-      <a:schemeClr val="accent1">
-        <a:alpha val="90000"/>
-        <a:tint val="40000"/>
-      </a:schemeClr>
-    </dgm:fillClrLst>
-    <dgm:linClrLst meth="repeat">
-      <a:schemeClr val="accent1">
-        <a:alpha val="90000"/>
-        <a:tint val="40000"/>
-      </a:schemeClr>
-    </dgm:linClrLst>
-    <dgm:effectClrLst/>
-    <dgm:txLinClrLst/>
-    <dgm:txFillClrLst meth="repeat">
-      <a:schemeClr val="dk1"/>
-    </dgm:txFillClrLst>
-    <dgm:txEffectClrLst/>
-  </dgm:styleLbl>
-  <dgm:styleLbl name="fgAcc0">
-    <dgm:fillClrLst meth="repeat">
-      <a:schemeClr val="lt1">
-        <a:alpha val="90000"/>
-      </a:schemeClr>
-    </dgm:fillClrLst>
-    <dgm:linClrLst meth="repeat">
-      <a:schemeClr val="accent1"/>
-    </dgm:linClrLst>
-    <dgm:effectClrLst/>
-    <dgm:txLinClrLst/>
-    <dgm:txFillClrLst meth="repeat">
-      <a:schemeClr val="dk1"/>
-    </dgm:txFillClrLst>
-    <dgm:txEffectClrLst/>
-  </dgm:styleLbl>
-  <dgm:styleLbl name="fgAcc2">
-    <dgm:fillClrLst meth="repeat">
-      <a:schemeClr val="lt1">
-        <a:alpha val="90000"/>
-      </a:schemeClr>
-    </dgm:fillClrLst>
-    <dgm:linClrLst meth="repeat">
-      <a:schemeClr val="accent1"/>
-    </dgm:linClrLst>
-    <dgm:effectClrLst/>
-    <dgm:txLinClrLst/>
-    <dgm:txFillClrLst meth="repeat">
-      <a:schemeClr val="dk1"/>
-    </dgm:txFillClrLst>
-    <dgm:txEffectClrLst/>
-  </dgm:styleLbl>
-  <dgm:styleLbl name="fgAcc3">
-    <dgm:fillClrLst meth="repeat">
-      <a:schemeClr val="lt1">
-        <a:alpha val="90000"/>
-      </a:schemeClr>
-    </dgm:fillClrLst>
-    <dgm:linClrLst meth="repeat">
-      <a:schemeClr val="accent1"/>
-    </dgm:linClrLst>
-    <dgm:effectClrLst/>
-    <dgm:txLinClrLst/>
-    <dgm:txFillClrLst meth="repeat">
-      <a:schemeClr val="dk1"/>
-    </dgm:txFillClrLst>
-    <dgm:txEffectClrLst/>
-  </dgm:styleLbl>
-  <dgm:styleLbl name="fgAcc4">
-    <dgm:fillClrLst meth="repeat">
-      <a:schemeClr val="lt1">
-        <a:alpha val="90000"/>
-      </a:schemeClr>
-    </dgm:fillClrLst>
-    <dgm:linClrLst meth="repeat">
-      <a:schemeClr val="accent1"/>
-    </dgm:linClrLst>
-    <dgm:effectClrLst/>
-    <dgm:txLinClrLst/>
-    <dgm:txFillClrLst meth="repeat">
-      <a:schemeClr val="dk1"/>
-    </dgm:txFillClrLst>
-    <dgm:txEffectClrLst/>
-  </dgm:styleLbl>
-  <dgm:styleLbl name="bgShp">
-    <dgm:fillClrLst meth="repeat">
-      <a:schemeClr val="accent1">
-        <a:tint val="40000"/>
-      </a:schemeClr>
-    </dgm:fillClrLst>
-    <dgm:linClrLst meth="repeat">
-      <a:schemeClr val="accent1"/>
-    </dgm:linClrLst>
-    <dgm:effectClrLst/>
-    <dgm:txLinClrLst/>
-    <dgm:txFillClrLst meth="repeat">
-      <a:schemeClr val="dk1"/>
-    </dgm:txFillClrLst>
-    <dgm:txEffectClrLst/>
-  </dgm:styleLbl>
-  <dgm:styleLbl name="dkBgShp">
-    <dgm:fillClrLst meth="repeat">
-      <a:schemeClr val="accent1">
-        <a:shade val="80000"/>
-      </a:schemeClr>
-    </dgm:fillClrLst>
-    <dgm:linClrLst meth="repeat">
-      <a:schemeClr val="accent1"/>
-    </dgm:linClrLst>
-    <dgm:effectClrLst/>
-    <dgm:txLinClrLst/>
-    <dgm:txFillClrLst meth="repeat">
-      <a:schemeClr val="lt1"/>
-    </dgm:txFillClrLst>
-    <dgm:txEffectClrLst/>
-  </dgm:styleLbl>
-  <dgm:styleLbl name="trBgShp">
-    <dgm:fillClrLst meth="repeat">
-      <a:schemeClr val="accent1">
-        <a:tint val="50000"/>
-        <a:alpha val="40000"/>
-      </a:schemeClr>
-    </dgm:fillClrLst>
-    <dgm:linClrLst meth="repeat">
-      <a:schemeClr val="accent1"/>
-    </dgm:linClrLst>
-    <dgm:effectClrLst/>
-    <dgm:txLinClrLst/>
-    <dgm:txFillClrLst meth="repeat">
-      <a:schemeClr val="lt1"/>
-    </dgm:txFillClrLst>
-    <dgm:txEffectClrLst/>
-  </dgm:styleLbl>
-  <dgm:styleLbl name="fgShp">
-    <dgm:fillClrLst meth="repeat">
-      <a:schemeClr val="accent1">
-        <a:tint val="60000"/>
-      </a:schemeClr>
-    </dgm:fillClrLst>
-    <dgm:linClrLst meth="repeat">
-      <a:schemeClr val="lt1"/>
-    </dgm:linClrLst>
-    <dgm:effectClrLst/>
-    <dgm:txLinClrLst/>
-    <dgm:txFillClrLst meth="repeat">
-      <a:schemeClr val="dk1"/>
-    </dgm:txFillClrLst>
-    <dgm:txEffectClrLst/>
-  </dgm:styleLbl>
-  <dgm:styleLbl name="revTx">
-    <dgm:fillClrLst meth="repeat">
-      <a:schemeClr val="lt1">
-        <a:alpha val="0"/>
-      </a:schemeClr>
-    </dgm:fillClrLst>
-    <dgm:linClrLst meth="repeat">
-      <a:schemeClr val="dk1">
-        <a:alpha val="0"/>
-      </a:schemeClr>
-    </dgm:linClrLst>
-    <dgm:effectClrLst/>
-    <dgm:txLinClrLst/>
-    <dgm:txFillClrLst meth="repeat">
-      <a:schemeClr val="tx1"/>
-    </dgm:txFillClrLst>
-    <dgm:txEffectClrLst/>
-  </dgm:styleLbl>
-</dgm:colorsDef>
-</file>
-
-<file path=ppt/diagrams/data1.xml><?xml version="1.0" encoding="utf-8"?>
-<dgm:dataModel xmlns:dgm="http://schemas.openxmlformats.org/drawingml/2006/diagram" xmlns:a="http://schemas.openxmlformats.org/drawingml/2006/main">
-  <dgm:ptLst>
-    <dgm:pt modelId="{1219C97D-94AD-45BE-9269-2D166FAC7564}" type="doc">
-      <dgm:prSet loTypeId="urn:microsoft.com/office/officeart/2005/8/layout/hList1" loCatId="list" qsTypeId="urn:microsoft.com/office/officeart/2005/8/quickstyle/simple1" qsCatId="simple" csTypeId="urn:microsoft.com/office/officeart/2005/8/colors/accent1_2" csCatId="accent1" phldr="1"/>
-      <dgm:spPr/>
-      <dgm:t>
-        <a:bodyPr/>
-        <a:lstStyle/>
-        <a:p>
-          <a:endParaRPr lang="en-US"/>
-        </a:p>
-      </dgm:t>
-    </dgm:pt>
-    <dgm:pt modelId="{1F33CEF9-D0C9-4BB8-866D-418A7C69C33D}">
-      <dgm:prSet phldrT="[Text]" custT="1"/>
-      <dgm:spPr/>
-      <dgm:t>
-        <a:bodyPr/>
-        <a:lstStyle/>
-        <a:p>
-          <a:r>
-            <a:rPr lang="en-US" sz="1400" dirty="0"/>
-            <a:t>Technical Documentation</a:t>
-          </a:r>
-        </a:p>
-      </dgm:t>
-    </dgm:pt>
-    <dgm:pt modelId="{B06B7BFB-E9B5-4310-A42E-99A3527EE6A6}" type="parTrans" cxnId="{1DD78DB4-0252-4CCB-B7D8-23CCB6CC2E49}">
-      <dgm:prSet/>
-      <dgm:spPr/>
-      <dgm:t>
-        <a:bodyPr/>
-        <a:lstStyle/>
-        <a:p>
-          <a:endParaRPr lang="en-US"/>
-        </a:p>
-      </dgm:t>
-    </dgm:pt>
-    <dgm:pt modelId="{684BCEA2-07B9-4689-89B9-D1EA35761B32}" type="sibTrans" cxnId="{1DD78DB4-0252-4CCB-B7D8-23CCB6CC2E49}">
-      <dgm:prSet/>
-      <dgm:spPr/>
-      <dgm:t>
-        <a:bodyPr/>
-        <a:lstStyle/>
-        <a:p>
-          <a:endParaRPr lang="en-US"/>
-        </a:p>
-      </dgm:t>
-    </dgm:pt>
-    <dgm:pt modelId="{ADC18751-D384-48AE-99C1-1CB6D9226E99}">
-      <dgm:prSet phldrT="[Text]" custT="1"/>
-      <dgm:spPr/>
-      <dgm:t>
-        <a:bodyPr/>
-        <a:lstStyle/>
-        <a:p>
-          <a:pPr>
-            <a:lnSpc>
-              <a:spcPct val="100000"/>
-            </a:lnSpc>
-            <a:spcAft>
-              <a:spcPts val="500"/>
-            </a:spcAft>
-          </a:pPr>
-          <a:r>
-            <a:rPr lang="en-US" sz="1400" dirty="0"/>
-            <a:t>Data Workflow Diagrams</a:t>
-          </a:r>
-        </a:p>
-      </dgm:t>
-    </dgm:pt>
-    <dgm:pt modelId="{99FDA688-1326-4176-8757-51BD864C98F5}" type="parTrans" cxnId="{E45E692F-4B59-4D6A-8423-129E5664BA63}">
-      <dgm:prSet/>
-      <dgm:spPr/>
-      <dgm:t>
-        <a:bodyPr/>
-        <a:lstStyle/>
-        <a:p>
-          <a:endParaRPr lang="en-US"/>
-        </a:p>
-      </dgm:t>
-    </dgm:pt>
-    <dgm:pt modelId="{EC821F1C-9FDB-4A47-9216-7BA851928F53}" type="sibTrans" cxnId="{E45E692F-4B59-4D6A-8423-129E5664BA63}">
-      <dgm:prSet/>
-      <dgm:spPr/>
-      <dgm:t>
-        <a:bodyPr/>
-        <a:lstStyle/>
-        <a:p>
-          <a:endParaRPr lang="en-US"/>
-        </a:p>
-      </dgm:t>
-    </dgm:pt>
-    <dgm:pt modelId="{8370164C-A6F4-47C6-9F00-EBC4E38F9735}">
-      <dgm:prSet phldrT="[Text]" custT="1"/>
-      <dgm:spPr/>
-      <dgm:t>
-        <a:bodyPr/>
-        <a:lstStyle/>
-        <a:p>
-          <a:r>
-            <a:rPr lang="en-US" sz="1400" dirty="0"/>
-            <a:t>Team and Partner Documentation</a:t>
-          </a:r>
-        </a:p>
-      </dgm:t>
-    </dgm:pt>
-    <dgm:pt modelId="{FF2FC078-54B1-49FF-9A84-85C03A1A51BD}" type="parTrans" cxnId="{515F520D-EADD-407E-82DB-690F3D4CA4EF}">
-      <dgm:prSet/>
-      <dgm:spPr/>
-      <dgm:t>
-        <a:bodyPr/>
-        <a:lstStyle/>
-        <a:p>
-          <a:endParaRPr lang="en-US"/>
-        </a:p>
-      </dgm:t>
-    </dgm:pt>
-    <dgm:pt modelId="{D5B1236A-3BDD-438E-AE22-7997F939E2F3}" type="sibTrans" cxnId="{515F520D-EADD-407E-82DB-690F3D4CA4EF}">
-      <dgm:prSet/>
-      <dgm:spPr/>
-      <dgm:t>
-        <a:bodyPr/>
-        <a:lstStyle/>
-        <a:p>
-          <a:endParaRPr lang="en-US"/>
-        </a:p>
-      </dgm:t>
-    </dgm:pt>
-    <dgm:pt modelId="{397FA343-5F64-439F-9ED9-744143A2CACD}">
-      <dgm:prSet phldrT="[Text]" custT="1"/>
-      <dgm:spPr/>
-      <dgm:t>
-        <a:bodyPr/>
-        <a:lstStyle/>
-        <a:p>
-          <a:pPr>
-            <a:lnSpc>
-              <a:spcPct val="90000"/>
-            </a:lnSpc>
-            <a:spcAft>
-              <a:spcPct val="15000"/>
-            </a:spcAft>
-          </a:pPr>
-          <a:r>
-            <a:rPr lang="en-US" sz="1400" dirty="0"/>
-            <a:t>Project Team Onboarding &amp; Offboarding Resources</a:t>
-          </a:r>
-        </a:p>
-      </dgm:t>
-    </dgm:pt>
-    <dgm:pt modelId="{4A236762-22B9-470E-B6D4-387E9B16FE45}" type="parTrans" cxnId="{289C9E85-92DE-4B4C-8250-42AE3EB6F81A}">
-      <dgm:prSet/>
-      <dgm:spPr/>
-      <dgm:t>
-        <a:bodyPr/>
-        <a:lstStyle/>
-        <a:p>
-          <a:endParaRPr lang="en-US"/>
-        </a:p>
-      </dgm:t>
-    </dgm:pt>
-    <dgm:pt modelId="{CA869644-F52B-4102-9947-0784739658EF}" type="sibTrans" cxnId="{289C9E85-92DE-4B4C-8250-42AE3EB6F81A}">
-      <dgm:prSet/>
-      <dgm:spPr/>
-      <dgm:t>
-        <a:bodyPr/>
-        <a:lstStyle/>
-        <a:p>
-          <a:endParaRPr lang="en-US"/>
-        </a:p>
-      </dgm:t>
-    </dgm:pt>
-    <dgm:pt modelId="{D1ACF29E-C90E-4D70-B5F1-32045C99C32F}">
-      <dgm:prSet phldrT="[Text]" custT="1"/>
-      <dgm:spPr/>
-      <dgm:t>
-        <a:bodyPr/>
-        <a:lstStyle/>
-        <a:p>
-          <a:r>
-            <a:rPr lang="en-US" sz="1400" dirty="0"/>
-            <a:t>Process Documentation</a:t>
-          </a:r>
-        </a:p>
-      </dgm:t>
-    </dgm:pt>
-    <dgm:pt modelId="{F4F418B9-FB96-4366-ADFA-658C2C010FC7}" type="parTrans" cxnId="{AFDF3A7D-8050-4C93-AE31-938321C4276F}">
-      <dgm:prSet/>
-      <dgm:spPr/>
-      <dgm:t>
-        <a:bodyPr/>
-        <a:lstStyle/>
-        <a:p>
-          <a:endParaRPr lang="en-US"/>
-        </a:p>
-      </dgm:t>
-    </dgm:pt>
-    <dgm:pt modelId="{882CD287-82BD-47F5-B022-527DB91C79EA}" type="sibTrans" cxnId="{AFDF3A7D-8050-4C93-AE31-938321C4276F}">
-      <dgm:prSet/>
-      <dgm:spPr/>
-      <dgm:t>
-        <a:bodyPr/>
-        <a:lstStyle/>
-        <a:p>
-          <a:endParaRPr lang="en-US"/>
-        </a:p>
-      </dgm:t>
-    </dgm:pt>
-    <dgm:pt modelId="{5B947582-03D3-4A88-A058-83F5E98670CF}">
-      <dgm:prSet phldrT="[Text]" custT="1"/>
-      <dgm:spPr/>
-      <dgm:t>
-        <a:bodyPr/>
-        <a:lstStyle/>
-        <a:p>
-          <a:r>
-            <a:rPr lang="en-US" sz="1400" dirty="0"/>
-            <a:t>Strategic Documents</a:t>
-          </a:r>
-        </a:p>
-      </dgm:t>
-    </dgm:pt>
-    <dgm:pt modelId="{C6CB0F63-C2E0-4262-9E25-C9E5EB26EBCA}" type="parTrans" cxnId="{AF0F8079-00D6-455A-A4C6-63C782B49A6B}">
-      <dgm:prSet/>
-      <dgm:spPr/>
-      <dgm:t>
-        <a:bodyPr/>
-        <a:lstStyle/>
-        <a:p>
-          <a:endParaRPr lang="en-US"/>
-        </a:p>
-      </dgm:t>
-    </dgm:pt>
-    <dgm:pt modelId="{771D4067-65A0-4B1E-9D91-523CFE434ACD}" type="sibTrans" cxnId="{AF0F8079-00D6-455A-A4C6-63C782B49A6B}">
-      <dgm:prSet/>
-      <dgm:spPr/>
-      <dgm:t>
-        <a:bodyPr/>
-        <a:lstStyle/>
-        <a:p>
-          <a:endParaRPr lang="en-US"/>
-        </a:p>
-      </dgm:t>
-    </dgm:pt>
-    <dgm:pt modelId="{918BCD85-EFBC-4C00-AC12-C39BED7B7C69}">
-      <dgm:prSet phldrT="[Text]" custT="1"/>
-      <dgm:spPr/>
-      <dgm:t>
-        <a:bodyPr/>
-        <a:lstStyle/>
-        <a:p>
-          <a:pPr>
-            <a:lnSpc>
-              <a:spcPct val="100000"/>
-            </a:lnSpc>
-            <a:spcAft>
-              <a:spcPts val="500"/>
-            </a:spcAft>
-          </a:pPr>
-          <a:r>
-            <a:rPr lang="en-US" sz="1400" dirty="0"/>
-            <a:t>Data Dictionaries</a:t>
-          </a:r>
-        </a:p>
-      </dgm:t>
-    </dgm:pt>
-    <dgm:pt modelId="{068A7DA2-95B4-45A4-8FEF-3A0192D88ADC}" type="parTrans" cxnId="{716F347C-FD00-4A70-9D0A-2EE551A6C6CD}">
-      <dgm:prSet/>
-      <dgm:spPr/>
-      <dgm:t>
-        <a:bodyPr/>
-        <a:lstStyle/>
-        <a:p>
-          <a:endParaRPr lang="en-US"/>
-        </a:p>
-      </dgm:t>
-    </dgm:pt>
-    <dgm:pt modelId="{C1465551-7583-4274-9502-E4256BD02505}" type="sibTrans" cxnId="{716F347C-FD00-4A70-9D0A-2EE551A6C6CD}">
-      <dgm:prSet/>
-      <dgm:spPr/>
-      <dgm:t>
-        <a:bodyPr/>
-        <a:lstStyle/>
-        <a:p>
-          <a:endParaRPr lang="en-US"/>
-        </a:p>
-      </dgm:t>
-    </dgm:pt>
-    <dgm:pt modelId="{CEA05A7E-501C-473D-BF9D-A48C8249C7AA}">
-      <dgm:prSet phldrT="[Text]" custT="1"/>
-      <dgm:spPr/>
-      <dgm:t>
-        <a:bodyPr/>
-        <a:lstStyle/>
-        <a:p>
-          <a:pPr>
-            <a:lnSpc>
-              <a:spcPct val="100000"/>
-            </a:lnSpc>
-            <a:spcAft>
-              <a:spcPts val="500"/>
-            </a:spcAft>
-          </a:pPr>
-          <a:r>
-            <a:rPr lang="en-US" sz="1400" dirty="0"/>
-            <a:t>Source code</a:t>
-          </a:r>
-        </a:p>
-      </dgm:t>
-    </dgm:pt>
-    <dgm:pt modelId="{7D9A9655-7FD3-4C95-A8AC-A206FCE18B37}" type="parTrans" cxnId="{297B7593-5AE3-464C-AF22-4FB7410ADD84}">
-      <dgm:prSet/>
-      <dgm:spPr/>
-      <dgm:t>
-        <a:bodyPr/>
-        <a:lstStyle/>
-        <a:p>
-          <a:endParaRPr lang="en-US"/>
-        </a:p>
-      </dgm:t>
-    </dgm:pt>
-    <dgm:pt modelId="{ED041EEA-8F71-457B-BE18-88D08844506D}" type="sibTrans" cxnId="{297B7593-5AE3-464C-AF22-4FB7410ADD84}">
-      <dgm:prSet/>
-      <dgm:spPr/>
-      <dgm:t>
-        <a:bodyPr/>
-        <a:lstStyle/>
-        <a:p>
-          <a:endParaRPr lang="en-US"/>
-        </a:p>
-      </dgm:t>
-    </dgm:pt>
-    <dgm:pt modelId="{AA88AF7B-FB16-472D-9FC1-F8CC6652DF63}">
-      <dgm:prSet phldrT="[Text]" custT="1"/>
-      <dgm:spPr/>
-      <dgm:t>
-        <a:bodyPr/>
-        <a:lstStyle/>
-        <a:p>
-          <a:pPr>
-            <a:lnSpc>
-              <a:spcPct val="100000"/>
-            </a:lnSpc>
-            <a:spcAft>
-              <a:spcPts val="500"/>
-            </a:spcAft>
-          </a:pPr>
-          <a:r>
-            <a:rPr lang="en-US" sz="1400" dirty="0"/>
-            <a:t>Data Architecture &amp; Relationships</a:t>
-          </a:r>
-        </a:p>
-      </dgm:t>
-    </dgm:pt>
-    <dgm:pt modelId="{2C83E2EA-8EB9-4C1F-9C1A-536B8FB73586}" type="parTrans" cxnId="{2CBE39DA-81E3-4C52-9698-5DD8FE7E7565}">
-      <dgm:prSet/>
-      <dgm:spPr/>
-      <dgm:t>
-        <a:bodyPr/>
-        <a:lstStyle/>
-        <a:p>
-          <a:endParaRPr lang="en-US"/>
-        </a:p>
-      </dgm:t>
-    </dgm:pt>
-    <dgm:pt modelId="{E1C610C6-CA72-4054-832B-1639CFE36A97}" type="sibTrans" cxnId="{2CBE39DA-81E3-4C52-9698-5DD8FE7E7565}">
-      <dgm:prSet/>
-      <dgm:spPr/>
-      <dgm:t>
-        <a:bodyPr/>
-        <a:lstStyle/>
-        <a:p>
-          <a:endParaRPr lang="en-US"/>
-        </a:p>
-      </dgm:t>
-    </dgm:pt>
-    <dgm:pt modelId="{586C887A-C5F2-4F46-ABE8-166DA2F808AC}">
-      <dgm:prSet phldrT="[Text]" custT="1"/>
-      <dgm:spPr/>
-      <dgm:t>
-        <a:bodyPr/>
-        <a:lstStyle/>
-        <a:p>
-          <a:pPr>
-            <a:lnSpc>
-              <a:spcPct val="100000"/>
-            </a:lnSpc>
-            <a:spcAft>
-              <a:spcPts val="500"/>
-            </a:spcAft>
-          </a:pPr>
-          <a:r>
-            <a:rPr lang="en-US" sz="1400" dirty="0"/>
-            <a:t>Metadata</a:t>
-          </a:r>
-        </a:p>
-      </dgm:t>
-    </dgm:pt>
-    <dgm:pt modelId="{1D68CBB3-BAD2-4133-B1CA-F136F87E1A47}" type="parTrans" cxnId="{BFAAC75C-DC41-411F-90DE-49F6879C1992}">
-      <dgm:prSet/>
-      <dgm:spPr/>
-      <dgm:t>
-        <a:bodyPr/>
-        <a:lstStyle/>
-        <a:p>
-          <a:endParaRPr lang="en-US"/>
-        </a:p>
-      </dgm:t>
-    </dgm:pt>
-    <dgm:pt modelId="{66B6CEF4-24B0-4A3A-9137-CAF49A48A59C}" type="sibTrans" cxnId="{BFAAC75C-DC41-411F-90DE-49F6879C1992}">
-      <dgm:prSet/>
-      <dgm:spPr/>
-      <dgm:t>
-        <a:bodyPr/>
-        <a:lstStyle/>
-        <a:p>
-          <a:endParaRPr lang="en-US"/>
-        </a:p>
-      </dgm:t>
-    </dgm:pt>
-    <dgm:pt modelId="{6CBD3275-CF28-44D7-BD28-482B07E57612}">
-      <dgm:prSet phldrT="[Text]" custT="1"/>
-      <dgm:spPr/>
-      <dgm:t>
-        <a:bodyPr/>
-        <a:lstStyle/>
-        <a:p>
-          <a:pPr>
-            <a:lnSpc>
-              <a:spcPct val="90000"/>
-            </a:lnSpc>
-            <a:spcAft>
-              <a:spcPct val="15000"/>
-            </a:spcAft>
-          </a:pPr>
-          <a:r>
-            <a:rPr lang="en-US" sz="1400" dirty="0"/>
-            <a:t>Source code + comments for coders</a:t>
-          </a:r>
-        </a:p>
-      </dgm:t>
-    </dgm:pt>
-    <dgm:pt modelId="{3885EEBF-BC39-4E08-A07C-66C0A1CCF32D}" type="parTrans" cxnId="{E2F204FB-5A09-4D99-86A9-0A7D513E7ECA}">
-      <dgm:prSet/>
-      <dgm:spPr/>
-      <dgm:t>
-        <a:bodyPr/>
-        <a:lstStyle/>
-        <a:p>
-          <a:endParaRPr lang="en-US"/>
-        </a:p>
-      </dgm:t>
-    </dgm:pt>
-    <dgm:pt modelId="{E3E55DDA-2A71-4EB2-9AC9-00835C9AD153}" type="sibTrans" cxnId="{E2F204FB-5A09-4D99-86A9-0A7D513E7ECA}">
-      <dgm:prSet/>
-      <dgm:spPr/>
-      <dgm:t>
-        <a:bodyPr/>
-        <a:lstStyle/>
-        <a:p>
-          <a:endParaRPr lang="en-US"/>
-        </a:p>
-      </dgm:t>
-    </dgm:pt>
-    <dgm:pt modelId="{2977C62B-B499-42B4-823E-3480CDAFA1CC}">
-      <dgm:prSet phldrT="[Text]" custT="1"/>
-      <dgm:spPr/>
-      <dgm:t>
-        <a:bodyPr/>
-        <a:lstStyle/>
-        <a:p>
-          <a:r>
-            <a:rPr lang="en-US" sz="1400" dirty="0"/>
-            <a:t>End User Documentation</a:t>
-          </a:r>
-        </a:p>
-      </dgm:t>
-    </dgm:pt>
-    <dgm:pt modelId="{F3C1314A-9EF5-473E-8095-F87D94FCC894}" type="parTrans" cxnId="{363F106E-374B-4FEC-9197-9A38C926A176}">
-      <dgm:prSet/>
-      <dgm:spPr/>
-      <dgm:t>
-        <a:bodyPr/>
-        <a:lstStyle/>
-        <a:p>
-          <a:endParaRPr lang="en-US"/>
-        </a:p>
-      </dgm:t>
-    </dgm:pt>
-    <dgm:pt modelId="{09D523BC-1B11-40CB-A03E-D20337304583}" type="sibTrans" cxnId="{363F106E-374B-4FEC-9197-9A38C926A176}">
-      <dgm:prSet/>
-      <dgm:spPr/>
-      <dgm:t>
-        <a:bodyPr/>
-        <a:lstStyle/>
-        <a:p>
-          <a:endParaRPr lang="en-US"/>
-        </a:p>
-      </dgm:t>
-    </dgm:pt>
-    <dgm:pt modelId="{0ED89B54-7E67-4698-B418-1AC7168B4983}">
-      <dgm:prSet phldrT="[Text]" custT="1"/>
-      <dgm:spPr/>
-      <dgm:t>
-        <a:bodyPr/>
-        <a:lstStyle/>
-        <a:p>
-          <a:r>
-            <a:rPr lang="en-US" sz="1400" dirty="0"/>
-            <a:t>Product user guides &amp; tutorials</a:t>
-          </a:r>
-        </a:p>
-      </dgm:t>
-    </dgm:pt>
-    <dgm:pt modelId="{E89D978C-7502-4B97-B707-039F9141DAD2}" type="parTrans" cxnId="{07706408-66F9-498B-93C3-001088F065AF}">
-      <dgm:prSet/>
-      <dgm:spPr/>
-      <dgm:t>
-        <a:bodyPr/>
-        <a:lstStyle/>
-        <a:p>
-          <a:endParaRPr lang="en-US"/>
-        </a:p>
-      </dgm:t>
-    </dgm:pt>
-    <dgm:pt modelId="{B825B436-8F33-4981-BAD3-2F68E5E5EC8A}" type="sibTrans" cxnId="{07706408-66F9-498B-93C3-001088F065AF}">
-      <dgm:prSet/>
-      <dgm:spPr/>
-      <dgm:t>
-        <a:bodyPr/>
-        <a:lstStyle/>
-        <a:p>
-          <a:endParaRPr lang="en-US"/>
-        </a:p>
-      </dgm:t>
-    </dgm:pt>
-    <dgm:pt modelId="{B53C601B-E828-4495-9092-3B57177E4603}">
-      <dgm:prSet phldrT="[Text]" custT="1"/>
-      <dgm:spPr/>
-      <dgm:t>
-        <a:bodyPr/>
-        <a:lstStyle/>
-        <a:p>
-          <a:r>
-            <a:rPr lang="en-US" sz="1400" dirty="0"/>
-            <a:t>Fact Sheets</a:t>
-          </a:r>
-        </a:p>
-      </dgm:t>
-    </dgm:pt>
-    <dgm:pt modelId="{4965491B-042E-4F7D-98CF-7D4C1254F63B}" type="parTrans" cxnId="{84CFFDE4-F6E7-43F4-91AD-AFB2A5F00146}">
-      <dgm:prSet/>
-      <dgm:spPr/>
-      <dgm:t>
-        <a:bodyPr/>
-        <a:lstStyle/>
-        <a:p>
-          <a:endParaRPr lang="en-US"/>
-        </a:p>
-      </dgm:t>
-    </dgm:pt>
-    <dgm:pt modelId="{77B7106D-03E9-4528-AB7A-096087C05B4F}" type="sibTrans" cxnId="{84CFFDE4-F6E7-43F4-91AD-AFB2A5F00146}">
-      <dgm:prSet/>
-      <dgm:spPr/>
-      <dgm:t>
-        <a:bodyPr/>
-        <a:lstStyle/>
-        <a:p>
-          <a:endParaRPr lang="en-US"/>
-        </a:p>
-      </dgm:t>
-    </dgm:pt>
-    <dgm:pt modelId="{BC8C2029-88BF-4EA2-815D-C7A7260B3A52}">
-      <dgm:prSet phldrT="[Text]" custT="1"/>
-      <dgm:spPr/>
-      <dgm:t>
-        <a:bodyPr/>
-        <a:lstStyle/>
-        <a:p>
-          <a:r>
-            <a:rPr lang="en-US" sz="1400" dirty="0"/>
-            <a:t>Source code + comments for coders + explanations and context for non-coders</a:t>
-          </a:r>
-        </a:p>
-      </dgm:t>
-    </dgm:pt>
-    <dgm:pt modelId="{EA891728-985B-4D5D-B0DB-BBF16820959D}" type="parTrans" cxnId="{8176C2D6-DA30-495A-9C0F-95A5174E8E64}">
-      <dgm:prSet/>
-      <dgm:spPr/>
-      <dgm:t>
-        <a:bodyPr/>
-        <a:lstStyle/>
-        <a:p>
-          <a:endParaRPr lang="en-US"/>
-        </a:p>
-      </dgm:t>
-    </dgm:pt>
-    <dgm:pt modelId="{0E96D322-3356-4EC2-9468-6C53DF15F7B8}" type="sibTrans" cxnId="{8176C2D6-DA30-495A-9C0F-95A5174E8E64}">
-      <dgm:prSet/>
-      <dgm:spPr/>
-      <dgm:t>
-        <a:bodyPr/>
-        <a:lstStyle/>
-        <a:p>
-          <a:endParaRPr lang="en-US"/>
-        </a:p>
-      </dgm:t>
-    </dgm:pt>
-    <dgm:pt modelId="{BDE09819-8560-471C-965E-04E83DC35A2B}">
-      <dgm:prSet phldrT="[Text]" custT="1"/>
-      <dgm:spPr/>
-      <dgm:t>
-        <a:bodyPr/>
-        <a:lstStyle/>
-        <a:p>
-          <a:r>
-            <a:rPr lang="en-US" sz="1400" dirty="0"/>
-            <a:t>Planning Documents</a:t>
-          </a:r>
-        </a:p>
-      </dgm:t>
-    </dgm:pt>
-    <dgm:pt modelId="{9CFD18FC-B5A9-4B9D-B6C5-EA6DC3CF2761}" type="parTrans" cxnId="{68629FC8-E4B9-41BD-9AE6-E3EF3D2BA142}">
-      <dgm:prSet/>
-      <dgm:spPr/>
-      <dgm:t>
-        <a:bodyPr/>
-        <a:lstStyle/>
-        <a:p>
-          <a:endParaRPr lang="en-US"/>
-        </a:p>
-      </dgm:t>
-    </dgm:pt>
-    <dgm:pt modelId="{B16163ED-2382-42F9-9277-E1192359B3A0}" type="sibTrans" cxnId="{68629FC8-E4B9-41BD-9AE6-E3EF3D2BA142}">
-      <dgm:prSet/>
-      <dgm:spPr/>
-      <dgm:t>
-        <a:bodyPr/>
-        <a:lstStyle/>
-        <a:p>
-          <a:endParaRPr lang="en-US"/>
-        </a:p>
-      </dgm:t>
-    </dgm:pt>
-    <dgm:pt modelId="{15FCF762-F7E6-4ECD-B0E3-78FBDEDC3773}">
-      <dgm:prSet phldrT="[Text]" custT="1"/>
-      <dgm:spPr/>
-      <dgm:t>
-        <a:bodyPr/>
-        <a:lstStyle/>
-        <a:p>
-          <a:r>
-            <a:rPr lang="en-US" sz="1400" dirty="0"/>
-            <a:t>Standard Operating Procedures</a:t>
-          </a:r>
-        </a:p>
-      </dgm:t>
-    </dgm:pt>
-    <dgm:pt modelId="{6F699A52-3ACA-454C-89E5-178D8530D7DC}" type="parTrans" cxnId="{30C12EAB-361F-401D-BF48-10E49D07F898}">
-      <dgm:prSet/>
-      <dgm:spPr/>
-      <dgm:t>
-        <a:bodyPr/>
-        <a:lstStyle/>
-        <a:p>
-          <a:endParaRPr lang="en-US"/>
-        </a:p>
-      </dgm:t>
-    </dgm:pt>
-    <dgm:pt modelId="{9E947546-9197-4C78-A2EA-969964008EA0}" type="sibTrans" cxnId="{30C12EAB-361F-401D-BF48-10E49D07F898}">
-      <dgm:prSet/>
-      <dgm:spPr/>
-      <dgm:t>
-        <a:bodyPr/>
-        <a:lstStyle/>
-        <a:p>
-          <a:endParaRPr lang="en-US"/>
-        </a:p>
-      </dgm:t>
-    </dgm:pt>
-    <dgm:pt modelId="{7CCAEE14-7E78-4FF3-97C7-CF4B8BAF403F}">
-      <dgm:prSet phldrT="[Text]" custT="1"/>
-      <dgm:spPr/>
-      <dgm:t>
-        <a:bodyPr/>
-        <a:lstStyle/>
-        <a:p>
-          <a:r>
-            <a:rPr lang="en-US" sz="1400" dirty="0"/>
-            <a:t>Timelines</a:t>
-          </a:r>
-        </a:p>
-      </dgm:t>
-    </dgm:pt>
-    <dgm:pt modelId="{684CF59D-9275-41B2-85EC-489A99F99F5A}" type="parTrans" cxnId="{97B0309B-B8E9-4210-AE0E-A8D74CA0B942}">
-      <dgm:prSet/>
-      <dgm:spPr/>
-      <dgm:t>
-        <a:bodyPr/>
-        <a:lstStyle/>
-        <a:p>
-          <a:endParaRPr lang="en-US"/>
-        </a:p>
-      </dgm:t>
-    </dgm:pt>
-    <dgm:pt modelId="{286CBED7-9ADD-40B4-B1C4-48A928FDE7BB}" type="sibTrans" cxnId="{97B0309B-B8E9-4210-AE0E-A8D74CA0B942}">
-      <dgm:prSet/>
-      <dgm:spPr/>
-      <dgm:t>
-        <a:bodyPr/>
-        <a:lstStyle/>
-        <a:p>
-          <a:endParaRPr lang="en-US"/>
-        </a:p>
-      </dgm:t>
-    </dgm:pt>
-    <dgm:pt modelId="{0A50940F-31CC-4693-85E8-539B89073255}">
-      <dgm:prSet phldrT="[Text]" custT="1"/>
-      <dgm:spPr/>
-      <dgm:t>
-        <a:bodyPr/>
-        <a:lstStyle/>
-        <a:p>
-          <a:pPr>
-            <a:lnSpc>
-              <a:spcPct val="100000"/>
-            </a:lnSpc>
-            <a:spcAft>
-              <a:spcPts val="500"/>
-            </a:spcAft>
-          </a:pPr>
-          <a:r>
-            <a:rPr lang="en-US" sz="1400" dirty="0"/>
-            <a:t>Budget and Contracts</a:t>
-          </a:r>
-        </a:p>
-      </dgm:t>
-    </dgm:pt>
-    <dgm:pt modelId="{94D972DB-7CCB-4BCC-BAD2-7383ECBD62D0}" type="parTrans" cxnId="{0DFAD2DC-42F3-4993-80C8-D3EE4B92333C}">
-      <dgm:prSet/>
-      <dgm:spPr/>
-      <dgm:t>
-        <a:bodyPr/>
-        <a:lstStyle/>
-        <a:p>
-          <a:endParaRPr lang="en-US"/>
-        </a:p>
-      </dgm:t>
-    </dgm:pt>
-    <dgm:pt modelId="{6F0B45DC-16E1-4FAD-881B-247B92EB73D0}" type="sibTrans" cxnId="{0DFAD2DC-42F3-4993-80C8-D3EE4B92333C}">
-      <dgm:prSet/>
-      <dgm:spPr/>
-      <dgm:t>
-        <a:bodyPr/>
-        <a:lstStyle/>
-        <a:p>
-          <a:endParaRPr lang="en-US"/>
-        </a:p>
-      </dgm:t>
-    </dgm:pt>
-    <dgm:pt modelId="{09E2527C-33AB-4D93-AB2A-6DDB3CC50E4B}">
-      <dgm:prSet phldrT="[Text]" custT="1"/>
-      <dgm:spPr/>
-      <dgm:t>
-        <a:bodyPr/>
-        <a:lstStyle/>
-        <a:p>
-          <a:pPr>
-            <a:lnSpc>
-              <a:spcPct val="90000"/>
-            </a:lnSpc>
-            <a:spcAft>
-              <a:spcPct val="15000"/>
-            </a:spcAft>
-          </a:pPr>
-          <a:r>
-            <a:rPr lang="en-US" sz="1400" dirty="0"/>
-            <a:t>Project Management &amp; Tracking</a:t>
-          </a:r>
-        </a:p>
-      </dgm:t>
-    </dgm:pt>
-    <dgm:pt modelId="{41E7A671-3B18-445F-BE48-63A59A3B0ED5}" type="parTrans" cxnId="{B1564E0B-BCE3-4161-BDA0-94684495D382}">
-      <dgm:prSet/>
-      <dgm:spPr/>
-      <dgm:t>
-        <a:bodyPr/>
-        <a:lstStyle/>
-        <a:p>
-          <a:endParaRPr lang="en-US"/>
-        </a:p>
-      </dgm:t>
-    </dgm:pt>
-    <dgm:pt modelId="{C0FC33CE-5710-4FFC-A064-74BC12D96158}" type="sibTrans" cxnId="{B1564E0B-BCE3-4161-BDA0-94684495D382}">
-      <dgm:prSet/>
-      <dgm:spPr/>
-      <dgm:t>
-        <a:bodyPr/>
-        <a:lstStyle/>
-        <a:p>
-          <a:endParaRPr lang="en-US"/>
-        </a:p>
-      </dgm:t>
-    </dgm:pt>
-    <dgm:pt modelId="{9484405A-2B23-47A5-8D43-E04AA92AAE17}">
-      <dgm:prSet phldrT="[Text]" custT="1"/>
-      <dgm:spPr/>
-      <dgm:t>
-        <a:bodyPr/>
-        <a:lstStyle/>
-        <a:p>
-          <a:r>
-            <a:rPr lang="en-US" sz="1400" dirty="0"/>
-            <a:t>Data &amp; info interpretation</a:t>
-          </a:r>
-        </a:p>
-      </dgm:t>
-    </dgm:pt>
-    <dgm:pt modelId="{3760A84F-6078-468E-AAE2-B46D71A950A9}" type="parTrans" cxnId="{C009A541-E13B-4863-B23E-B22B9C6579FB}">
-      <dgm:prSet/>
-      <dgm:spPr/>
-      <dgm:t>
-        <a:bodyPr/>
-        <a:lstStyle/>
-        <a:p>
-          <a:endParaRPr lang="en-US"/>
-        </a:p>
-      </dgm:t>
-    </dgm:pt>
-    <dgm:pt modelId="{301190B2-3649-4248-86EC-EA93F3024438}" type="sibTrans" cxnId="{C009A541-E13B-4863-B23E-B22B9C6579FB}">
-      <dgm:prSet/>
-      <dgm:spPr/>
-      <dgm:t>
-        <a:bodyPr/>
-        <a:lstStyle/>
-        <a:p>
-          <a:endParaRPr lang="en-US"/>
-        </a:p>
-      </dgm:t>
-    </dgm:pt>
-    <dgm:pt modelId="{F43B2D31-1C40-4F08-BDD7-ABF934A25E21}">
-      <dgm:prSet phldrT="[Text]" custT="1"/>
-      <dgm:spPr/>
-      <dgm:t>
-        <a:bodyPr/>
-        <a:lstStyle/>
-        <a:p>
-          <a:r>
-            <a:rPr lang="en-US" sz="1400" dirty="0"/>
-            <a:t>Workplans</a:t>
-          </a:r>
-        </a:p>
-      </dgm:t>
-    </dgm:pt>
-    <dgm:pt modelId="{492A078A-23C2-4FF9-BDA0-E089CFCAE851}" type="parTrans" cxnId="{C4D1C73E-231C-4562-8DA3-61FCB0AA2348}">
-      <dgm:prSet/>
-      <dgm:spPr/>
-      <dgm:t>
-        <a:bodyPr/>
-        <a:lstStyle/>
-        <a:p>
-          <a:endParaRPr lang="en-US"/>
-        </a:p>
-      </dgm:t>
-    </dgm:pt>
-    <dgm:pt modelId="{4A9EF6E5-18A7-4E16-A405-7E80B3EE0EAD}" type="sibTrans" cxnId="{C4D1C73E-231C-4562-8DA3-61FCB0AA2348}">
-      <dgm:prSet/>
-      <dgm:spPr/>
-      <dgm:t>
-        <a:bodyPr/>
-        <a:lstStyle/>
-        <a:p>
-          <a:endParaRPr lang="en-US"/>
-        </a:p>
-      </dgm:t>
-    </dgm:pt>
-    <dgm:pt modelId="{4A5E1D46-2DE2-47F3-B19A-5D8B8DAAC41E}" type="pres">
-      <dgm:prSet presAssocID="{1219C97D-94AD-45BE-9269-2D166FAC7564}" presName="Name0" presStyleCnt="0">
-        <dgm:presLayoutVars>
-          <dgm:dir/>
-          <dgm:animLvl val="lvl"/>
-          <dgm:resizeHandles val="exact"/>
-        </dgm:presLayoutVars>
-      </dgm:prSet>
-      <dgm:spPr/>
-    </dgm:pt>
-    <dgm:pt modelId="{EA8E91FB-D4FB-44A9-AC4C-902F51D7D80C}" type="pres">
-      <dgm:prSet presAssocID="{1F33CEF9-D0C9-4BB8-866D-418A7C69C33D}" presName="composite" presStyleCnt="0"/>
-      <dgm:spPr/>
-    </dgm:pt>
-    <dgm:pt modelId="{B12BD8EB-6DBA-4ACB-AAE9-B5018D233F99}" type="pres">
-      <dgm:prSet presAssocID="{1F33CEF9-D0C9-4BB8-866D-418A7C69C33D}" presName="parTx" presStyleLbl="alignNode1" presStyleIdx="0" presStyleCnt="4">
-        <dgm:presLayoutVars>
-          <dgm:chMax val="0"/>
-          <dgm:chPref val="0"/>
-          <dgm:bulletEnabled val="1"/>
-        </dgm:presLayoutVars>
-      </dgm:prSet>
-      <dgm:spPr/>
-    </dgm:pt>
-    <dgm:pt modelId="{D349B4D6-71F7-4F88-A28B-ACBA0ADC0627}" type="pres">
-      <dgm:prSet presAssocID="{1F33CEF9-D0C9-4BB8-866D-418A7C69C33D}" presName="desTx" presStyleLbl="alignAccFollowNode1" presStyleIdx="0" presStyleCnt="4">
-        <dgm:presLayoutVars>
-          <dgm:bulletEnabled val="1"/>
-        </dgm:presLayoutVars>
-      </dgm:prSet>
-      <dgm:spPr/>
-    </dgm:pt>
-    <dgm:pt modelId="{EAC0946D-AFCD-4335-B8AA-16A5DF0FA49E}" type="pres">
-      <dgm:prSet presAssocID="{684BCEA2-07B9-4689-89B9-D1EA35761B32}" presName="space" presStyleCnt="0"/>
-      <dgm:spPr/>
-    </dgm:pt>
-    <dgm:pt modelId="{486DE4C1-C307-47CC-8264-E25473718DB1}" type="pres">
-      <dgm:prSet presAssocID="{8370164C-A6F4-47C6-9F00-EBC4E38F9735}" presName="composite" presStyleCnt="0"/>
-      <dgm:spPr/>
-    </dgm:pt>
-    <dgm:pt modelId="{B2E87A3E-BB17-4E5A-B80A-D9DBE28AF239}" type="pres">
-      <dgm:prSet presAssocID="{8370164C-A6F4-47C6-9F00-EBC4E38F9735}" presName="parTx" presStyleLbl="alignNode1" presStyleIdx="1" presStyleCnt="4">
-        <dgm:presLayoutVars>
-          <dgm:chMax val="0"/>
-          <dgm:chPref val="0"/>
-          <dgm:bulletEnabled val="1"/>
-        </dgm:presLayoutVars>
-      </dgm:prSet>
-      <dgm:spPr/>
-    </dgm:pt>
-    <dgm:pt modelId="{708CA1D3-B9BC-46CF-98F8-A155A87B13E2}" type="pres">
-      <dgm:prSet presAssocID="{8370164C-A6F4-47C6-9F00-EBC4E38F9735}" presName="desTx" presStyleLbl="alignAccFollowNode1" presStyleIdx="1" presStyleCnt="4">
-        <dgm:presLayoutVars>
-          <dgm:bulletEnabled val="1"/>
-        </dgm:presLayoutVars>
-      </dgm:prSet>
-      <dgm:spPr/>
-    </dgm:pt>
-    <dgm:pt modelId="{167C0953-CFA7-47F7-A921-BC9F9D71AE03}" type="pres">
-      <dgm:prSet presAssocID="{D5B1236A-3BDD-438E-AE22-7997F939E2F3}" presName="space" presStyleCnt="0"/>
-      <dgm:spPr/>
-    </dgm:pt>
-    <dgm:pt modelId="{ADADE884-806A-4693-B7C1-F8133369031D}" type="pres">
-      <dgm:prSet presAssocID="{2977C62B-B499-42B4-823E-3480CDAFA1CC}" presName="composite" presStyleCnt="0"/>
-      <dgm:spPr/>
-    </dgm:pt>
-    <dgm:pt modelId="{AAEC8811-9C8F-402D-8E4E-6E80681C8DF1}" type="pres">
-      <dgm:prSet presAssocID="{2977C62B-B499-42B4-823E-3480CDAFA1CC}" presName="parTx" presStyleLbl="alignNode1" presStyleIdx="2" presStyleCnt="4">
-        <dgm:presLayoutVars>
-          <dgm:chMax val="0"/>
-          <dgm:chPref val="0"/>
-          <dgm:bulletEnabled val="1"/>
-        </dgm:presLayoutVars>
-      </dgm:prSet>
-      <dgm:spPr/>
-    </dgm:pt>
-    <dgm:pt modelId="{09E8A8F4-4A90-464F-BC8F-528D7B28D416}" type="pres">
-      <dgm:prSet presAssocID="{2977C62B-B499-42B4-823E-3480CDAFA1CC}" presName="desTx" presStyleLbl="alignAccFollowNode1" presStyleIdx="2" presStyleCnt="4">
-        <dgm:presLayoutVars>
-          <dgm:bulletEnabled val="1"/>
-        </dgm:presLayoutVars>
-      </dgm:prSet>
-      <dgm:spPr/>
-    </dgm:pt>
-    <dgm:pt modelId="{589BF369-2EE9-4806-8199-2B9FA4960F66}" type="pres">
-      <dgm:prSet presAssocID="{09D523BC-1B11-40CB-A03E-D20337304583}" presName="space" presStyleCnt="0"/>
-      <dgm:spPr/>
-    </dgm:pt>
-    <dgm:pt modelId="{7E2B3273-812A-4F72-BE14-8A7126B51CD6}" type="pres">
-      <dgm:prSet presAssocID="{D1ACF29E-C90E-4D70-B5F1-32045C99C32F}" presName="composite" presStyleCnt="0"/>
-      <dgm:spPr/>
-    </dgm:pt>
-    <dgm:pt modelId="{B72BE5CB-CD9D-45D5-A29C-522A99ECF215}" type="pres">
-      <dgm:prSet presAssocID="{D1ACF29E-C90E-4D70-B5F1-32045C99C32F}" presName="parTx" presStyleLbl="alignNode1" presStyleIdx="3" presStyleCnt="4">
-        <dgm:presLayoutVars>
-          <dgm:chMax val="0"/>
-          <dgm:chPref val="0"/>
-          <dgm:bulletEnabled val="1"/>
-        </dgm:presLayoutVars>
-      </dgm:prSet>
-      <dgm:spPr/>
-    </dgm:pt>
-    <dgm:pt modelId="{33B03E82-C4A5-49AD-8D8D-3C35BC55B21F}" type="pres">
-      <dgm:prSet presAssocID="{D1ACF29E-C90E-4D70-B5F1-32045C99C32F}" presName="desTx" presStyleLbl="alignAccFollowNode1" presStyleIdx="3" presStyleCnt="4">
-        <dgm:presLayoutVars>
-          <dgm:bulletEnabled val="1"/>
-        </dgm:presLayoutVars>
-      </dgm:prSet>
-      <dgm:spPr/>
-    </dgm:pt>
-  </dgm:ptLst>
-  <dgm:cxnLst>
-    <dgm:cxn modelId="{B72AFF01-05FC-4129-8047-8BAE04938AA6}" type="presOf" srcId="{2977C62B-B499-42B4-823E-3480CDAFA1CC}" destId="{AAEC8811-9C8F-402D-8E4E-6E80681C8DF1}" srcOrd="0" destOrd="0" presId="urn:microsoft.com/office/officeart/2005/8/layout/hList1"/>
-    <dgm:cxn modelId="{C30E8C02-9602-44EE-BA74-6EE2EF9D565B}" type="presOf" srcId="{AA88AF7B-FB16-472D-9FC1-F8CC6652DF63}" destId="{D349B4D6-71F7-4F88-A28B-ACBA0ADC0627}" srcOrd="0" destOrd="1" presId="urn:microsoft.com/office/officeart/2005/8/layout/hList1"/>
-    <dgm:cxn modelId="{07706408-66F9-498B-93C3-001088F065AF}" srcId="{2977C62B-B499-42B4-823E-3480CDAFA1CC}" destId="{0ED89B54-7E67-4698-B418-1AC7168B4983}" srcOrd="0" destOrd="0" parTransId="{E89D978C-7502-4B97-B707-039F9141DAD2}" sibTransId="{B825B436-8F33-4981-BAD3-2F68E5E5EC8A}"/>
-    <dgm:cxn modelId="{B1564E0B-BCE3-4161-BDA0-94684495D382}" srcId="{8370164C-A6F4-47C6-9F00-EBC4E38F9735}" destId="{09E2527C-33AB-4D93-AB2A-6DDB3CC50E4B}" srcOrd="2" destOrd="0" parTransId="{41E7A671-3B18-445F-BE48-63A59A3B0ED5}" sibTransId="{C0FC33CE-5710-4FFC-A064-74BC12D96158}"/>
-    <dgm:cxn modelId="{515F520D-EADD-407E-82DB-690F3D4CA4EF}" srcId="{1219C97D-94AD-45BE-9269-2D166FAC7564}" destId="{8370164C-A6F4-47C6-9F00-EBC4E38F9735}" srcOrd="1" destOrd="0" parTransId="{FF2FC078-54B1-49FF-9A84-85C03A1A51BD}" sibTransId="{D5B1236A-3BDD-438E-AE22-7997F939E2F3}"/>
-    <dgm:cxn modelId="{26F76F1C-E40B-43A1-8168-5A4AF5B0E985}" type="presOf" srcId="{8370164C-A6F4-47C6-9F00-EBC4E38F9735}" destId="{B2E87A3E-BB17-4E5A-B80A-D9DBE28AF239}" srcOrd="0" destOrd="0" presId="urn:microsoft.com/office/officeart/2005/8/layout/hList1"/>
-    <dgm:cxn modelId="{F36F5620-DE7D-414C-B0DC-8AE0993F5F9B}" type="presOf" srcId="{BDE09819-8560-471C-965E-04E83DC35A2B}" destId="{33B03E82-C4A5-49AD-8D8D-3C35BC55B21F}" srcOrd="0" destOrd="1" presId="urn:microsoft.com/office/officeart/2005/8/layout/hList1"/>
-    <dgm:cxn modelId="{E45E692F-4B59-4D6A-8423-129E5664BA63}" srcId="{1F33CEF9-D0C9-4BB8-866D-418A7C69C33D}" destId="{ADC18751-D384-48AE-99C1-1CB6D9226E99}" srcOrd="0" destOrd="0" parTransId="{99FDA688-1326-4176-8757-51BD864C98F5}" sibTransId="{EC821F1C-9FDB-4A47-9216-7BA851928F53}"/>
-    <dgm:cxn modelId="{30BD763C-AE4F-4DD5-A5A6-3CE515007A19}" type="presOf" srcId="{5B947582-03D3-4A88-A058-83F5E98670CF}" destId="{33B03E82-C4A5-49AD-8D8D-3C35BC55B21F}" srcOrd="0" destOrd="0" presId="urn:microsoft.com/office/officeart/2005/8/layout/hList1"/>
-    <dgm:cxn modelId="{C4D1C73E-231C-4562-8DA3-61FCB0AA2348}" srcId="{D1ACF29E-C90E-4D70-B5F1-32045C99C32F}" destId="{F43B2D31-1C40-4F08-BDD7-ABF934A25E21}" srcOrd="3" destOrd="0" parTransId="{492A078A-23C2-4FF9-BDA0-E089CFCAE851}" sibTransId="{4A9EF6E5-18A7-4E16-A405-7E80B3EE0EAD}"/>
-    <dgm:cxn modelId="{BFAAC75C-DC41-411F-90DE-49F6879C1992}" srcId="{1F33CEF9-D0C9-4BB8-866D-418A7C69C33D}" destId="{586C887A-C5F2-4F46-ABE8-166DA2F808AC}" srcOrd="2" destOrd="0" parTransId="{1D68CBB3-BAD2-4133-B1CA-F136F87E1A47}" sibTransId="{66B6CEF4-24B0-4A3A-9137-CAF49A48A59C}"/>
-    <dgm:cxn modelId="{A15B6060-3445-43B6-83EA-E7D8B64BA408}" type="presOf" srcId="{1F33CEF9-D0C9-4BB8-866D-418A7C69C33D}" destId="{B12BD8EB-6DBA-4ACB-AAE9-B5018D233F99}" srcOrd="0" destOrd="0" presId="urn:microsoft.com/office/officeart/2005/8/layout/hList1"/>
-    <dgm:cxn modelId="{191BA261-2E6E-4CEF-B17E-BABAF002B6AB}" type="presOf" srcId="{1219C97D-94AD-45BE-9269-2D166FAC7564}" destId="{4A5E1D46-2DE2-47F3-B19A-5D8B8DAAC41E}" srcOrd="0" destOrd="0" presId="urn:microsoft.com/office/officeart/2005/8/layout/hList1"/>
-    <dgm:cxn modelId="{C009A541-E13B-4863-B23E-B22B9C6579FB}" srcId="{2977C62B-B499-42B4-823E-3480CDAFA1CC}" destId="{9484405A-2B23-47A5-8D43-E04AA92AAE17}" srcOrd="1" destOrd="0" parTransId="{3760A84F-6078-468E-AAE2-B46D71A950A9}" sibTransId="{301190B2-3649-4248-86EC-EA93F3024438}"/>
-    <dgm:cxn modelId="{D1CB4964-EDD6-4ABE-AEB9-948C373C5621}" type="presOf" srcId="{397FA343-5F64-439F-9ED9-744143A2CACD}" destId="{708CA1D3-B9BC-46CF-98F8-A155A87B13E2}" srcOrd="0" destOrd="0" presId="urn:microsoft.com/office/officeart/2005/8/layout/hList1"/>
-    <dgm:cxn modelId="{F7115865-F2DD-45AF-852C-A44426BF4ED3}" type="presOf" srcId="{ADC18751-D384-48AE-99C1-1CB6D9226E99}" destId="{D349B4D6-71F7-4F88-A28B-ACBA0ADC0627}" srcOrd="0" destOrd="0" presId="urn:microsoft.com/office/officeart/2005/8/layout/hList1"/>
-    <dgm:cxn modelId="{6F1BC445-3081-4CBA-A543-EB0A685BF391}" type="presOf" srcId="{0A50940F-31CC-4693-85E8-539B89073255}" destId="{708CA1D3-B9BC-46CF-98F8-A155A87B13E2}" srcOrd="0" destOrd="1" presId="urn:microsoft.com/office/officeart/2005/8/layout/hList1"/>
-    <dgm:cxn modelId="{2413F46D-9A6C-4EB3-BD55-27384A64D671}" type="presOf" srcId="{586C887A-C5F2-4F46-ABE8-166DA2F808AC}" destId="{D349B4D6-71F7-4F88-A28B-ACBA0ADC0627}" srcOrd="0" destOrd="2" presId="urn:microsoft.com/office/officeart/2005/8/layout/hList1"/>
-    <dgm:cxn modelId="{363F106E-374B-4FEC-9197-9A38C926A176}" srcId="{1219C97D-94AD-45BE-9269-2D166FAC7564}" destId="{2977C62B-B499-42B4-823E-3480CDAFA1CC}" srcOrd="2" destOrd="0" parTransId="{F3C1314A-9EF5-473E-8095-F87D94FCC894}" sibTransId="{09D523BC-1B11-40CB-A03E-D20337304583}"/>
-    <dgm:cxn modelId="{AF0F8079-00D6-455A-A4C6-63C782B49A6B}" srcId="{D1ACF29E-C90E-4D70-B5F1-32045C99C32F}" destId="{5B947582-03D3-4A88-A058-83F5E98670CF}" srcOrd="0" destOrd="0" parTransId="{C6CB0F63-C2E0-4262-9E25-C9E5EB26EBCA}" sibTransId="{771D4067-65A0-4B1E-9D91-523CFE434ACD}"/>
-    <dgm:cxn modelId="{716F347C-FD00-4A70-9D0A-2EE551A6C6CD}" srcId="{1F33CEF9-D0C9-4BB8-866D-418A7C69C33D}" destId="{918BCD85-EFBC-4C00-AC12-C39BED7B7C69}" srcOrd="3" destOrd="0" parTransId="{068A7DA2-95B4-45A4-8FEF-3A0192D88ADC}" sibTransId="{C1465551-7583-4274-9502-E4256BD02505}"/>
-    <dgm:cxn modelId="{AFDF3A7D-8050-4C93-AE31-938321C4276F}" srcId="{1219C97D-94AD-45BE-9269-2D166FAC7564}" destId="{D1ACF29E-C90E-4D70-B5F1-32045C99C32F}" srcOrd="3" destOrd="0" parTransId="{F4F418B9-FB96-4366-ADFA-658C2C010FC7}" sibTransId="{882CD287-82BD-47F5-B022-527DB91C79EA}"/>
-    <dgm:cxn modelId="{289C9E85-92DE-4B4C-8250-42AE3EB6F81A}" srcId="{8370164C-A6F4-47C6-9F00-EBC4E38F9735}" destId="{397FA343-5F64-439F-9ED9-744143A2CACD}" srcOrd="0" destOrd="0" parTransId="{4A236762-22B9-470E-B6D4-387E9B16FE45}" sibTransId="{CA869644-F52B-4102-9947-0784739658EF}"/>
-    <dgm:cxn modelId="{297B7593-5AE3-464C-AF22-4FB7410ADD84}" srcId="{1F33CEF9-D0C9-4BB8-866D-418A7C69C33D}" destId="{CEA05A7E-501C-473D-BF9D-A48C8249C7AA}" srcOrd="4" destOrd="0" parTransId="{7D9A9655-7FD3-4C95-A8AC-A206FCE18B37}" sibTransId="{ED041EEA-8F71-457B-BE18-88D08844506D}"/>
-    <dgm:cxn modelId="{2811EA99-8D9A-463E-A800-59FB7C234391}" type="presOf" srcId="{0ED89B54-7E67-4698-B418-1AC7168B4983}" destId="{09E8A8F4-4A90-464F-BC8F-528D7B28D416}" srcOrd="0" destOrd="0" presId="urn:microsoft.com/office/officeart/2005/8/layout/hList1"/>
-    <dgm:cxn modelId="{97B0309B-B8E9-4210-AE0E-A8D74CA0B942}" srcId="{D1ACF29E-C90E-4D70-B5F1-32045C99C32F}" destId="{7CCAEE14-7E78-4FF3-97C7-CF4B8BAF403F}" srcOrd="2" destOrd="0" parTransId="{684CF59D-9275-41B2-85EC-489A99F99F5A}" sibTransId="{286CBED7-9ADD-40B4-B1C4-48A928FDE7BB}"/>
-    <dgm:cxn modelId="{87A7FAA9-7FE9-40AE-899B-6B60F081A15F}" type="presOf" srcId="{6CBD3275-CF28-44D7-BD28-482B07E57612}" destId="{708CA1D3-B9BC-46CF-98F8-A155A87B13E2}" srcOrd="0" destOrd="3" presId="urn:microsoft.com/office/officeart/2005/8/layout/hList1"/>
-    <dgm:cxn modelId="{30C12EAB-361F-401D-BF48-10E49D07F898}" srcId="{D1ACF29E-C90E-4D70-B5F1-32045C99C32F}" destId="{15FCF762-F7E6-4ECD-B0E3-78FBDEDC3773}" srcOrd="4" destOrd="0" parTransId="{6F699A52-3ACA-454C-89E5-178D8530D7DC}" sibTransId="{9E947546-9197-4C78-A2EA-969964008EA0}"/>
-    <dgm:cxn modelId="{1DD78DB4-0252-4CCB-B7D8-23CCB6CC2E49}" srcId="{1219C97D-94AD-45BE-9269-2D166FAC7564}" destId="{1F33CEF9-D0C9-4BB8-866D-418A7C69C33D}" srcOrd="0" destOrd="0" parTransId="{B06B7BFB-E9B5-4310-A42E-99A3527EE6A6}" sibTransId="{684BCEA2-07B9-4689-89B9-D1EA35761B32}"/>
-    <dgm:cxn modelId="{5AF66FB5-1A29-457E-8436-A2EA880730D7}" type="presOf" srcId="{D1ACF29E-C90E-4D70-B5F1-32045C99C32F}" destId="{B72BE5CB-CD9D-45D5-A29C-522A99ECF215}" srcOrd="0" destOrd="0" presId="urn:microsoft.com/office/officeart/2005/8/layout/hList1"/>
-    <dgm:cxn modelId="{0593FAB6-4538-4CAD-A58E-755E8717C52D}" type="presOf" srcId="{F43B2D31-1C40-4F08-BDD7-ABF934A25E21}" destId="{33B03E82-C4A5-49AD-8D8D-3C35BC55B21F}" srcOrd="0" destOrd="3" presId="urn:microsoft.com/office/officeart/2005/8/layout/hList1"/>
-    <dgm:cxn modelId="{EF4A0CBF-2D16-4CEA-A3BF-952BF157EB17}" type="presOf" srcId="{09E2527C-33AB-4D93-AB2A-6DDB3CC50E4B}" destId="{708CA1D3-B9BC-46CF-98F8-A155A87B13E2}" srcOrd="0" destOrd="2" presId="urn:microsoft.com/office/officeart/2005/8/layout/hList1"/>
-    <dgm:cxn modelId="{D908C5C5-592F-49CF-A50E-8299014B2F82}" type="presOf" srcId="{7CCAEE14-7E78-4FF3-97C7-CF4B8BAF403F}" destId="{33B03E82-C4A5-49AD-8D8D-3C35BC55B21F}" srcOrd="0" destOrd="2" presId="urn:microsoft.com/office/officeart/2005/8/layout/hList1"/>
-    <dgm:cxn modelId="{68629FC8-E4B9-41BD-9AE6-E3EF3D2BA142}" srcId="{D1ACF29E-C90E-4D70-B5F1-32045C99C32F}" destId="{BDE09819-8560-471C-965E-04E83DC35A2B}" srcOrd="1" destOrd="0" parTransId="{9CFD18FC-B5A9-4B9D-B6C5-EA6DC3CF2761}" sibTransId="{B16163ED-2382-42F9-9277-E1192359B3A0}"/>
-    <dgm:cxn modelId="{84114FCD-31BF-4A47-BB79-FCD9EBA95D71}" type="presOf" srcId="{918BCD85-EFBC-4C00-AC12-C39BED7B7C69}" destId="{D349B4D6-71F7-4F88-A28B-ACBA0ADC0627}" srcOrd="0" destOrd="3" presId="urn:microsoft.com/office/officeart/2005/8/layout/hList1"/>
-    <dgm:cxn modelId="{470283D0-BB73-4A39-8B23-745373D906F0}" type="presOf" srcId="{BC8C2029-88BF-4EA2-815D-C7A7260B3A52}" destId="{09E8A8F4-4A90-464F-BC8F-528D7B28D416}" srcOrd="0" destOrd="3" presId="urn:microsoft.com/office/officeart/2005/8/layout/hList1"/>
-    <dgm:cxn modelId="{A5F6C0D3-F511-4A25-932D-B1091457F7EC}" type="presOf" srcId="{CEA05A7E-501C-473D-BF9D-A48C8249C7AA}" destId="{D349B4D6-71F7-4F88-A28B-ACBA0ADC0627}" srcOrd="0" destOrd="4" presId="urn:microsoft.com/office/officeart/2005/8/layout/hList1"/>
-    <dgm:cxn modelId="{0F1B42D6-A2EB-424A-852C-B2E4B8DB52D9}" type="presOf" srcId="{9484405A-2B23-47A5-8D43-E04AA92AAE17}" destId="{09E8A8F4-4A90-464F-BC8F-528D7B28D416}" srcOrd="0" destOrd="1" presId="urn:microsoft.com/office/officeart/2005/8/layout/hList1"/>
-    <dgm:cxn modelId="{8176C2D6-DA30-495A-9C0F-95A5174E8E64}" srcId="{2977C62B-B499-42B4-823E-3480CDAFA1CC}" destId="{BC8C2029-88BF-4EA2-815D-C7A7260B3A52}" srcOrd="3" destOrd="0" parTransId="{EA891728-985B-4D5D-B0DB-BBF16820959D}" sibTransId="{0E96D322-3356-4EC2-9468-6C53DF15F7B8}"/>
-    <dgm:cxn modelId="{2CBE39DA-81E3-4C52-9698-5DD8FE7E7565}" srcId="{1F33CEF9-D0C9-4BB8-866D-418A7C69C33D}" destId="{AA88AF7B-FB16-472D-9FC1-F8CC6652DF63}" srcOrd="1" destOrd="0" parTransId="{2C83E2EA-8EB9-4C1F-9C1A-536B8FB73586}" sibTransId="{E1C610C6-CA72-4054-832B-1639CFE36A97}"/>
-    <dgm:cxn modelId="{0DFAD2DC-42F3-4993-80C8-D3EE4B92333C}" srcId="{8370164C-A6F4-47C6-9F00-EBC4E38F9735}" destId="{0A50940F-31CC-4693-85E8-539B89073255}" srcOrd="1" destOrd="0" parTransId="{94D972DB-7CCB-4BCC-BAD2-7383ECBD62D0}" sibTransId="{6F0B45DC-16E1-4FAD-881B-247B92EB73D0}"/>
-    <dgm:cxn modelId="{84CFFDE4-F6E7-43F4-91AD-AFB2A5F00146}" srcId="{2977C62B-B499-42B4-823E-3480CDAFA1CC}" destId="{B53C601B-E828-4495-9092-3B57177E4603}" srcOrd="2" destOrd="0" parTransId="{4965491B-042E-4F7D-98CF-7D4C1254F63B}" sibTransId="{77B7106D-03E9-4528-AB7A-096087C05B4F}"/>
-    <dgm:cxn modelId="{0D190CEF-92E8-48D9-A4B4-1399A76D6596}" type="presOf" srcId="{15FCF762-F7E6-4ECD-B0E3-78FBDEDC3773}" destId="{33B03E82-C4A5-49AD-8D8D-3C35BC55B21F}" srcOrd="0" destOrd="4" presId="urn:microsoft.com/office/officeart/2005/8/layout/hList1"/>
-    <dgm:cxn modelId="{EE55DEF7-2841-4773-9A9A-A91A40C5890B}" type="presOf" srcId="{B53C601B-E828-4495-9092-3B57177E4603}" destId="{09E8A8F4-4A90-464F-BC8F-528D7B28D416}" srcOrd="0" destOrd="2" presId="urn:microsoft.com/office/officeart/2005/8/layout/hList1"/>
-    <dgm:cxn modelId="{E2F204FB-5A09-4D99-86A9-0A7D513E7ECA}" srcId="{8370164C-A6F4-47C6-9F00-EBC4E38F9735}" destId="{6CBD3275-CF28-44D7-BD28-482B07E57612}" srcOrd="3" destOrd="0" parTransId="{3885EEBF-BC39-4E08-A07C-66C0A1CCF32D}" sibTransId="{E3E55DDA-2A71-4EB2-9AC9-00835C9AD153}"/>
-    <dgm:cxn modelId="{FFB1748A-E115-46E1-81D5-4259541976AC}" type="presParOf" srcId="{4A5E1D46-2DE2-47F3-B19A-5D8B8DAAC41E}" destId="{EA8E91FB-D4FB-44A9-AC4C-902F51D7D80C}" srcOrd="0" destOrd="0" presId="urn:microsoft.com/office/officeart/2005/8/layout/hList1"/>
-    <dgm:cxn modelId="{571611DF-EE51-47A0-BB4C-CC95021E7F04}" type="presParOf" srcId="{EA8E91FB-D4FB-44A9-AC4C-902F51D7D80C}" destId="{B12BD8EB-6DBA-4ACB-AAE9-B5018D233F99}" srcOrd="0" destOrd="0" presId="urn:microsoft.com/office/officeart/2005/8/layout/hList1"/>
-    <dgm:cxn modelId="{DCCE267E-5FCF-4F23-990D-FB78221613D9}" type="presParOf" srcId="{EA8E91FB-D4FB-44A9-AC4C-902F51D7D80C}" destId="{D349B4D6-71F7-4F88-A28B-ACBA0ADC0627}" srcOrd="1" destOrd="0" presId="urn:microsoft.com/office/officeart/2005/8/layout/hList1"/>
-    <dgm:cxn modelId="{083AC3D2-5F67-4C31-A779-903274457443}" type="presParOf" srcId="{4A5E1D46-2DE2-47F3-B19A-5D8B8DAAC41E}" destId="{EAC0946D-AFCD-4335-B8AA-16A5DF0FA49E}" srcOrd="1" destOrd="0" presId="urn:microsoft.com/office/officeart/2005/8/layout/hList1"/>
-    <dgm:cxn modelId="{837EC6D2-9121-44AE-B18A-3B0538ABB49E}" type="presParOf" srcId="{4A5E1D46-2DE2-47F3-B19A-5D8B8DAAC41E}" destId="{486DE4C1-C307-47CC-8264-E25473718DB1}" srcOrd="2" destOrd="0" presId="urn:microsoft.com/office/officeart/2005/8/layout/hList1"/>
-    <dgm:cxn modelId="{F8C4C219-1780-4E2C-8632-923FD7D6AAF9}" type="presParOf" srcId="{486DE4C1-C307-47CC-8264-E25473718DB1}" destId="{B2E87A3E-BB17-4E5A-B80A-D9DBE28AF239}" srcOrd="0" destOrd="0" presId="urn:microsoft.com/office/officeart/2005/8/layout/hList1"/>
-    <dgm:cxn modelId="{B15871CC-ABE3-4CD4-8919-FAEB6DAE2005}" type="presParOf" srcId="{486DE4C1-C307-47CC-8264-E25473718DB1}" destId="{708CA1D3-B9BC-46CF-98F8-A155A87B13E2}" srcOrd="1" destOrd="0" presId="urn:microsoft.com/office/officeart/2005/8/layout/hList1"/>
-    <dgm:cxn modelId="{27603111-A1CF-42A8-9A6B-A04340073CB9}" type="presParOf" srcId="{4A5E1D46-2DE2-47F3-B19A-5D8B8DAAC41E}" destId="{167C0953-CFA7-47F7-A921-BC9F9D71AE03}" srcOrd="3" destOrd="0" presId="urn:microsoft.com/office/officeart/2005/8/layout/hList1"/>
-    <dgm:cxn modelId="{7493B911-F4C9-40B9-9997-1394DF6BD072}" type="presParOf" srcId="{4A5E1D46-2DE2-47F3-B19A-5D8B8DAAC41E}" destId="{ADADE884-806A-4693-B7C1-F8133369031D}" srcOrd="4" destOrd="0" presId="urn:microsoft.com/office/officeart/2005/8/layout/hList1"/>
-    <dgm:cxn modelId="{45499BC7-304A-4470-9CA5-7F967B0877FA}" type="presParOf" srcId="{ADADE884-806A-4693-B7C1-F8133369031D}" destId="{AAEC8811-9C8F-402D-8E4E-6E80681C8DF1}" srcOrd="0" destOrd="0" presId="urn:microsoft.com/office/officeart/2005/8/layout/hList1"/>
-    <dgm:cxn modelId="{A6A3E2C3-2012-4084-94A8-B1EE848C8163}" type="presParOf" srcId="{ADADE884-806A-4693-B7C1-F8133369031D}" destId="{09E8A8F4-4A90-464F-BC8F-528D7B28D416}" srcOrd="1" destOrd="0" presId="urn:microsoft.com/office/officeart/2005/8/layout/hList1"/>
-    <dgm:cxn modelId="{3AD2CF12-4B0D-4945-A751-AA684D212949}" type="presParOf" srcId="{4A5E1D46-2DE2-47F3-B19A-5D8B8DAAC41E}" destId="{589BF369-2EE9-4806-8199-2B9FA4960F66}" srcOrd="5" destOrd="0" presId="urn:microsoft.com/office/officeart/2005/8/layout/hList1"/>
-    <dgm:cxn modelId="{9DFE3929-5917-467C-9531-D082D74FCD3C}" type="presParOf" srcId="{4A5E1D46-2DE2-47F3-B19A-5D8B8DAAC41E}" destId="{7E2B3273-812A-4F72-BE14-8A7126B51CD6}" srcOrd="6" destOrd="0" presId="urn:microsoft.com/office/officeart/2005/8/layout/hList1"/>
-    <dgm:cxn modelId="{513CE33A-4B6D-42C6-88FE-6FEC17686AD8}" type="presParOf" srcId="{7E2B3273-812A-4F72-BE14-8A7126B51CD6}" destId="{B72BE5CB-CD9D-45D5-A29C-522A99ECF215}" srcOrd="0" destOrd="0" presId="urn:microsoft.com/office/officeart/2005/8/layout/hList1"/>
-    <dgm:cxn modelId="{78BE9328-3535-461E-B21F-4599001F8F6F}" type="presParOf" srcId="{7E2B3273-812A-4F72-BE14-8A7126B51CD6}" destId="{33B03E82-C4A5-49AD-8D8D-3C35BC55B21F}" srcOrd="1" destOrd="0" presId="urn:microsoft.com/office/officeart/2005/8/layout/hList1"/>
-  </dgm:cxnLst>
-  <dgm:bg/>
-  <dgm:whole/>
-  <dgm:extLst>
-    <a:ext uri="http://schemas.microsoft.com/office/drawing/2008/diagram">
-      <dsp:dataModelExt xmlns:dsp="http://schemas.microsoft.com/office/drawing/2008/diagram" relId="rId6" minVer="http://schemas.openxmlformats.org/drawingml/2006/diagram"/>
-    </a:ext>
-  </dgm:extLst>
-</dgm:dataModel>
-</file>
-
-<file path=ppt/diagrams/drawing1.xml><?xml version="1.0" encoding="utf-8"?>
-<dsp:drawing xmlns:dgm="http://schemas.openxmlformats.org/drawingml/2006/diagram" xmlns:dsp="http://schemas.microsoft.com/office/drawing/2008/diagram" xmlns:a="http://schemas.openxmlformats.org/drawingml/2006/main">
-  <dsp:spTree>
-    <dsp:nvGrpSpPr>
-      <dsp:cNvPr id="0" name=""/>
-      <dsp:cNvGrpSpPr/>
-    </dsp:nvGrpSpPr>
-    <dsp:grpSpPr/>
-    <dsp:sp modelId="{B12BD8EB-6DBA-4ACB-AAE9-B5018D233F99}">
-      <dsp:nvSpPr>
-        <dsp:cNvPr id="0" name=""/>
-        <dsp:cNvSpPr/>
-      </dsp:nvSpPr>
-      <dsp:spPr>
-        <a:xfrm>
-          <a:off x="9228" y="536325"/>
-          <a:ext cx="1540942" cy="513986"/>
-        </a:xfrm>
-        <a:prstGeom prst="rect">
-          <a:avLst/>
-        </a:prstGeom>
-        <a:solidFill>
-          <a:schemeClr val="accent1">
-            <a:hueOff val="0"/>
-            <a:satOff val="0"/>
-            <a:lumOff val="0"/>
-            <a:alphaOff val="0"/>
-          </a:schemeClr>
-        </a:solidFill>
-        <a:ln w="19050" cap="flat" cmpd="sng" algn="ctr">
-          <a:solidFill>
-            <a:schemeClr val="accent1">
-              <a:hueOff val="0"/>
-              <a:satOff val="0"/>
-              <a:lumOff val="0"/>
-              <a:alphaOff val="0"/>
-            </a:schemeClr>
-          </a:solidFill>
-          <a:prstDash val="solid"/>
-          <a:miter lim="800000"/>
-        </a:ln>
-        <a:effectLst/>
-      </dsp:spPr>
-      <dsp:style>
-        <a:lnRef idx="2">
-          <a:scrgbClr r="0" g="0" b="0"/>
-        </a:lnRef>
-        <a:fillRef idx="1">
-          <a:scrgbClr r="0" g="0" b="0"/>
-        </a:fillRef>
-        <a:effectRef idx="0">
-          <a:scrgbClr r="0" g="0" b="0"/>
-        </a:effectRef>
-        <a:fontRef idx="minor">
-          <a:schemeClr val="lt1"/>
-        </a:fontRef>
-      </dsp:style>
-      <dsp:txBody>
-        <a:bodyPr spcFirstLastPara="0" vert="horz" wrap="square" lIns="99568" tIns="56896" rIns="99568" bIns="56896" numCol="1" spcCol="1270" anchor="ctr" anchorCtr="0">
-          <a:noAutofit/>
-        </a:bodyPr>
-        <a:lstStyle/>
-        <a:p>
-          <a:pPr marL="0" lvl="0" indent="0" algn="ctr" defTabSz="622300">
-            <a:lnSpc>
-              <a:spcPct val="90000"/>
-            </a:lnSpc>
-            <a:spcBef>
-              <a:spcPct val="0"/>
-            </a:spcBef>
-            <a:spcAft>
-              <a:spcPct val="35000"/>
-            </a:spcAft>
-            <a:buNone/>
-          </a:pPr>
-          <a:r>
-            <a:rPr lang="en-US" sz="1400" kern="1200" dirty="0"/>
-            <a:t>Technical Documentation</a:t>
-          </a:r>
-        </a:p>
-      </dsp:txBody>
-      <dsp:txXfrm>
-        <a:off x="9228" y="536325"/>
-        <a:ext cx="1540942" cy="513986"/>
-      </dsp:txXfrm>
-    </dsp:sp>
-    <dsp:sp modelId="{D349B4D6-71F7-4F88-A28B-ACBA0ADC0627}">
-      <dsp:nvSpPr>
-        <dsp:cNvPr id="0" name=""/>
-        <dsp:cNvSpPr/>
-      </dsp:nvSpPr>
-      <dsp:spPr>
-        <a:xfrm>
-          <a:off x="9228" y="1050312"/>
-          <a:ext cx="1540942" cy="2477362"/>
-        </a:xfrm>
-        <a:prstGeom prst="rect">
-          <a:avLst/>
-        </a:prstGeom>
-        <a:solidFill>
-          <a:schemeClr val="accent1">
-            <a:alpha val="90000"/>
-            <a:tint val="40000"/>
-            <a:hueOff val="0"/>
-            <a:satOff val="0"/>
-            <a:lumOff val="0"/>
-            <a:alphaOff val="0"/>
-          </a:schemeClr>
-        </a:solidFill>
-        <a:ln w="19050" cap="flat" cmpd="sng" algn="ctr">
-          <a:solidFill>
-            <a:schemeClr val="accent1">
-              <a:alpha val="90000"/>
-              <a:tint val="40000"/>
-              <a:hueOff val="0"/>
-              <a:satOff val="0"/>
-              <a:lumOff val="0"/>
-              <a:alphaOff val="0"/>
-            </a:schemeClr>
-          </a:solidFill>
-          <a:prstDash val="solid"/>
-          <a:miter lim="800000"/>
-        </a:ln>
-        <a:effectLst/>
-      </dsp:spPr>
-      <dsp:style>
-        <a:lnRef idx="2">
-          <a:scrgbClr r="0" g="0" b="0"/>
-        </a:lnRef>
-        <a:fillRef idx="1">
-          <a:scrgbClr r="0" g="0" b="0"/>
-        </a:fillRef>
-        <a:effectRef idx="0">
-          <a:scrgbClr r="0" g="0" b="0"/>
-        </a:effectRef>
-        <a:fontRef idx="minor"/>
-      </dsp:style>
-      <dsp:txBody>
-        <a:bodyPr spcFirstLastPara="0" vert="horz" wrap="square" lIns="74676" tIns="74676" rIns="99568" bIns="112014" numCol="1" spcCol="1270" anchor="t" anchorCtr="0">
-          <a:noAutofit/>
-        </a:bodyPr>
-        <a:lstStyle/>
-        <a:p>
-          <a:pPr marL="114300" lvl="1" indent="-114300" algn="l" defTabSz="622300">
-            <a:lnSpc>
-              <a:spcPct val="90000"/>
-            </a:lnSpc>
-            <a:spcBef>
-              <a:spcPct val="0"/>
-            </a:spcBef>
-            <a:spcAft>
-              <a:spcPct val="15000"/>
-            </a:spcAft>
-            <a:buChar char="•"/>
-          </a:pPr>
-          <a:r>
-            <a:rPr lang="en-US" sz="1400" kern="1200" dirty="0"/>
-            <a:t>Data Workflow Diagrams</a:t>
-          </a:r>
-        </a:p>
-        <a:p>
-          <a:pPr marL="114300" lvl="1" indent="-114300" algn="l" defTabSz="622300">
-            <a:lnSpc>
-              <a:spcPct val="90000"/>
-            </a:lnSpc>
-            <a:spcBef>
-              <a:spcPct val="0"/>
-            </a:spcBef>
-            <a:spcAft>
-              <a:spcPct val="15000"/>
-            </a:spcAft>
-            <a:buChar char="•"/>
-          </a:pPr>
-          <a:r>
-            <a:rPr lang="en-US" sz="1400" kern="1200" dirty="0"/>
-            <a:t>Data Architecture &amp; Relationships</a:t>
-          </a:r>
-        </a:p>
-        <a:p>
-          <a:pPr marL="114300" lvl="1" indent="-114300" algn="l" defTabSz="622300">
-            <a:lnSpc>
-              <a:spcPct val="90000"/>
-            </a:lnSpc>
-            <a:spcBef>
-              <a:spcPct val="0"/>
-            </a:spcBef>
-            <a:spcAft>
-              <a:spcPct val="15000"/>
-            </a:spcAft>
-            <a:buChar char="•"/>
-          </a:pPr>
-          <a:r>
-            <a:rPr lang="en-US" sz="1400" kern="1200" dirty="0"/>
-            <a:t>Metadata</a:t>
-          </a:r>
-        </a:p>
-        <a:p>
-          <a:pPr marL="114300" lvl="1" indent="-114300" algn="l" defTabSz="622300">
-            <a:lnSpc>
-              <a:spcPct val="90000"/>
-            </a:lnSpc>
-            <a:spcBef>
-              <a:spcPct val="0"/>
-            </a:spcBef>
-            <a:spcAft>
-              <a:spcPct val="15000"/>
-            </a:spcAft>
-            <a:buChar char="•"/>
-          </a:pPr>
-          <a:r>
-            <a:rPr lang="en-US" sz="1400" kern="1200" dirty="0"/>
-            <a:t>Data Dictionaries</a:t>
-          </a:r>
-        </a:p>
-        <a:p>
-          <a:pPr marL="114300" lvl="1" indent="-114300" algn="l" defTabSz="622300">
-            <a:lnSpc>
-              <a:spcPct val="90000"/>
-            </a:lnSpc>
-            <a:spcBef>
-              <a:spcPct val="0"/>
-            </a:spcBef>
-            <a:spcAft>
-              <a:spcPct val="15000"/>
-            </a:spcAft>
-            <a:buChar char="•"/>
-          </a:pPr>
-          <a:r>
-            <a:rPr lang="en-US" sz="1400" kern="1200" dirty="0"/>
-            <a:t>Source code</a:t>
-          </a:r>
-        </a:p>
-      </dsp:txBody>
-      <dsp:txXfrm>
-        <a:off x="9228" y="1050312"/>
-        <a:ext cx="1540942" cy="2477362"/>
-      </dsp:txXfrm>
-    </dsp:sp>
-    <dsp:sp modelId="{B2E87A3E-BB17-4E5A-B80A-D9DBE28AF239}">
-      <dsp:nvSpPr>
-        <dsp:cNvPr id="0" name=""/>
-        <dsp:cNvSpPr/>
-      </dsp:nvSpPr>
-      <dsp:spPr>
-        <a:xfrm>
-          <a:off x="1765903" y="536325"/>
-          <a:ext cx="1540942" cy="513986"/>
-        </a:xfrm>
-        <a:prstGeom prst="rect">
-          <a:avLst/>
-        </a:prstGeom>
-        <a:solidFill>
-          <a:schemeClr val="accent1">
-            <a:hueOff val="0"/>
-            <a:satOff val="0"/>
-            <a:lumOff val="0"/>
-            <a:alphaOff val="0"/>
-          </a:schemeClr>
-        </a:solidFill>
-        <a:ln w="19050" cap="flat" cmpd="sng" algn="ctr">
-          <a:solidFill>
-            <a:schemeClr val="accent1">
-              <a:hueOff val="0"/>
-              <a:satOff val="0"/>
-              <a:lumOff val="0"/>
-              <a:alphaOff val="0"/>
-            </a:schemeClr>
-          </a:solidFill>
-          <a:prstDash val="solid"/>
-          <a:miter lim="800000"/>
-        </a:ln>
-        <a:effectLst/>
-      </dsp:spPr>
-      <dsp:style>
-        <a:lnRef idx="2">
-          <a:scrgbClr r="0" g="0" b="0"/>
-        </a:lnRef>
-        <a:fillRef idx="1">
-          <a:scrgbClr r="0" g="0" b="0"/>
-        </a:fillRef>
-        <a:effectRef idx="0">
-          <a:scrgbClr r="0" g="0" b="0"/>
-        </a:effectRef>
-        <a:fontRef idx="minor">
-          <a:schemeClr val="lt1"/>
-        </a:fontRef>
-      </dsp:style>
-      <dsp:txBody>
-        <a:bodyPr spcFirstLastPara="0" vert="horz" wrap="square" lIns="99568" tIns="56896" rIns="99568" bIns="56896" numCol="1" spcCol="1270" anchor="ctr" anchorCtr="0">
-          <a:noAutofit/>
-        </a:bodyPr>
-        <a:lstStyle/>
-        <a:p>
-          <a:pPr marL="0" lvl="0" indent="0" algn="ctr" defTabSz="622300">
-            <a:lnSpc>
-              <a:spcPct val="90000"/>
-            </a:lnSpc>
-            <a:spcBef>
-              <a:spcPct val="0"/>
-            </a:spcBef>
-            <a:spcAft>
-              <a:spcPct val="35000"/>
-            </a:spcAft>
-            <a:buNone/>
-          </a:pPr>
-          <a:r>
-            <a:rPr lang="en-US" sz="1400" kern="1200" dirty="0"/>
-            <a:t>Team and Partner Documentation</a:t>
-          </a:r>
-        </a:p>
-      </dsp:txBody>
-      <dsp:txXfrm>
-        <a:off x="1765903" y="536325"/>
-        <a:ext cx="1540942" cy="513986"/>
-      </dsp:txXfrm>
-    </dsp:sp>
-    <dsp:sp modelId="{708CA1D3-B9BC-46CF-98F8-A155A87B13E2}">
-      <dsp:nvSpPr>
-        <dsp:cNvPr id="0" name=""/>
-        <dsp:cNvSpPr/>
-      </dsp:nvSpPr>
-      <dsp:spPr>
-        <a:xfrm>
-          <a:off x="1765903" y="1050312"/>
-          <a:ext cx="1540942" cy="2477362"/>
-        </a:xfrm>
-        <a:prstGeom prst="rect">
-          <a:avLst/>
-        </a:prstGeom>
-        <a:solidFill>
-          <a:schemeClr val="accent1">
-            <a:alpha val="90000"/>
-            <a:tint val="40000"/>
-            <a:hueOff val="0"/>
-            <a:satOff val="0"/>
-            <a:lumOff val="0"/>
-            <a:alphaOff val="0"/>
-          </a:schemeClr>
-        </a:solidFill>
-        <a:ln w="19050" cap="flat" cmpd="sng" algn="ctr">
-          <a:solidFill>
-            <a:schemeClr val="accent1">
-              <a:alpha val="90000"/>
-              <a:tint val="40000"/>
-              <a:hueOff val="0"/>
-              <a:satOff val="0"/>
-              <a:lumOff val="0"/>
-              <a:alphaOff val="0"/>
-            </a:schemeClr>
-          </a:solidFill>
-          <a:prstDash val="solid"/>
-          <a:miter lim="800000"/>
-        </a:ln>
-        <a:effectLst/>
-      </dsp:spPr>
-      <dsp:style>
-        <a:lnRef idx="2">
-          <a:scrgbClr r="0" g="0" b="0"/>
-        </a:lnRef>
-        <a:fillRef idx="1">
-          <a:scrgbClr r="0" g="0" b="0"/>
-        </a:fillRef>
-        <a:effectRef idx="0">
-          <a:scrgbClr r="0" g="0" b="0"/>
-        </a:effectRef>
-        <a:fontRef idx="minor"/>
-      </dsp:style>
-      <dsp:txBody>
-        <a:bodyPr spcFirstLastPara="0" vert="horz" wrap="square" lIns="74676" tIns="74676" rIns="99568" bIns="112014" numCol="1" spcCol="1270" anchor="t" anchorCtr="0">
-          <a:noAutofit/>
-        </a:bodyPr>
-        <a:lstStyle/>
-        <a:p>
-          <a:pPr marL="114300" lvl="1" indent="-114300" algn="l" defTabSz="622300">
-            <a:lnSpc>
-              <a:spcPct val="90000"/>
-            </a:lnSpc>
-            <a:spcBef>
-              <a:spcPct val="0"/>
-            </a:spcBef>
-            <a:spcAft>
-              <a:spcPct val="15000"/>
-            </a:spcAft>
-            <a:buChar char="•"/>
-          </a:pPr>
-          <a:r>
-            <a:rPr lang="en-US" sz="1400" kern="1200" dirty="0"/>
-            <a:t>Project Team Onboarding &amp; Offboarding Resources</a:t>
-          </a:r>
-        </a:p>
-        <a:p>
-          <a:pPr marL="114300" lvl="1" indent="-114300" algn="l" defTabSz="622300">
-            <a:lnSpc>
-              <a:spcPct val="90000"/>
-            </a:lnSpc>
-            <a:spcBef>
-              <a:spcPct val="0"/>
-            </a:spcBef>
-            <a:spcAft>
-              <a:spcPct val="15000"/>
-            </a:spcAft>
-            <a:buChar char="•"/>
-          </a:pPr>
-          <a:r>
-            <a:rPr lang="en-US" sz="1400" kern="1200" dirty="0"/>
-            <a:t>Budget and Contracts</a:t>
-          </a:r>
-        </a:p>
-        <a:p>
-          <a:pPr marL="114300" lvl="1" indent="-114300" algn="l" defTabSz="622300">
-            <a:lnSpc>
-              <a:spcPct val="90000"/>
-            </a:lnSpc>
-            <a:spcBef>
-              <a:spcPct val="0"/>
-            </a:spcBef>
-            <a:spcAft>
-              <a:spcPct val="15000"/>
-            </a:spcAft>
-            <a:buChar char="•"/>
-          </a:pPr>
-          <a:r>
-            <a:rPr lang="en-US" sz="1400" kern="1200" dirty="0"/>
-            <a:t>Project Management &amp; Tracking</a:t>
-          </a:r>
-        </a:p>
-        <a:p>
-          <a:pPr marL="114300" lvl="1" indent="-114300" algn="l" defTabSz="622300">
-            <a:lnSpc>
-              <a:spcPct val="90000"/>
-            </a:lnSpc>
-            <a:spcBef>
-              <a:spcPct val="0"/>
-            </a:spcBef>
-            <a:spcAft>
-              <a:spcPct val="15000"/>
-            </a:spcAft>
-            <a:buChar char="•"/>
-          </a:pPr>
-          <a:r>
-            <a:rPr lang="en-US" sz="1400" kern="1200" dirty="0"/>
-            <a:t>Source code + comments for coders</a:t>
-          </a:r>
-        </a:p>
-      </dsp:txBody>
-      <dsp:txXfrm>
-        <a:off x="1765903" y="1050312"/>
-        <a:ext cx="1540942" cy="2477362"/>
-      </dsp:txXfrm>
-    </dsp:sp>
-    <dsp:sp modelId="{AAEC8811-9C8F-402D-8E4E-6E80681C8DF1}">
-      <dsp:nvSpPr>
-        <dsp:cNvPr id="0" name=""/>
-        <dsp:cNvSpPr/>
-      </dsp:nvSpPr>
-      <dsp:spPr>
-        <a:xfrm>
-          <a:off x="3522578" y="536325"/>
-          <a:ext cx="1540942" cy="513986"/>
-        </a:xfrm>
-        <a:prstGeom prst="rect">
-          <a:avLst/>
-        </a:prstGeom>
-        <a:solidFill>
-          <a:schemeClr val="accent1">
-            <a:hueOff val="0"/>
-            <a:satOff val="0"/>
-            <a:lumOff val="0"/>
-            <a:alphaOff val="0"/>
-          </a:schemeClr>
-        </a:solidFill>
-        <a:ln w="19050" cap="flat" cmpd="sng" algn="ctr">
-          <a:solidFill>
-            <a:schemeClr val="accent1">
-              <a:hueOff val="0"/>
-              <a:satOff val="0"/>
-              <a:lumOff val="0"/>
-              <a:alphaOff val="0"/>
-            </a:schemeClr>
-          </a:solidFill>
-          <a:prstDash val="solid"/>
-          <a:miter lim="800000"/>
-        </a:ln>
-        <a:effectLst/>
-      </dsp:spPr>
-      <dsp:style>
-        <a:lnRef idx="2">
-          <a:scrgbClr r="0" g="0" b="0"/>
-        </a:lnRef>
-        <a:fillRef idx="1">
-          <a:scrgbClr r="0" g="0" b="0"/>
-        </a:fillRef>
-        <a:effectRef idx="0">
-          <a:scrgbClr r="0" g="0" b="0"/>
-        </a:effectRef>
-        <a:fontRef idx="minor">
-          <a:schemeClr val="lt1"/>
-        </a:fontRef>
-      </dsp:style>
-      <dsp:txBody>
-        <a:bodyPr spcFirstLastPara="0" vert="horz" wrap="square" lIns="99568" tIns="56896" rIns="99568" bIns="56896" numCol="1" spcCol="1270" anchor="ctr" anchorCtr="0">
-          <a:noAutofit/>
-        </a:bodyPr>
-        <a:lstStyle/>
-        <a:p>
-          <a:pPr marL="0" lvl="0" indent="0" algn="ctr" defTabSz="622300">
-            <a:lnSpc>
-              <a:spcPct val="90000"/>
-            </a:lnSpc>
-            <a:spcBef>
-              <a:spcPct val="0"/>
-            </a:spcBef>
-            <a:spcAft>
-              <a:spcPct val="35000"/>
-            </a:spcAft>
-            <a:buNone/>
-          </a:pPr>
-          <a:r>
-            <a:rPr lang="en-US" sz="1400" kern="1200" dirty="0"/>
-            <a:t>End User Documentation</a:t>
-          </a:r>
-        </a:p>
-      </dsp:txBody>
-      <dsp:txXfrm>
-        <a:off x="3522578" y="536325"/>
-        <a:ext cx="1540942" cy="513986"/>
-      </dsp:txXfrm>
-    </dsp:sp>
-    <dsp:sp modelId="{09E8A8F4-4A90-464F-BC8F-528D7B28D416}">
-      <dsp:nvSpPr>
-        <dsp:cNvPr id="0" name=""/>
-        <dsp:cNvSpPr/>
-      </dsp:nvSpPr>
-      <dsp:spPr>
-        <a:xfrm>
-          <a:off x="3522578" y="1050312"/>
-          <a:ext cx="1540942" cy="2477362"/>
-        </a:xfrm>
-        <a:prstGeom prst="rect">
-          <a:avLst/>
-        </a:prstGeom>
-        <a:solidFill>
-          <a:schemeClr val="accent1">
-            <a:alpha val="90000"/>
-            <a:tint val="40000"/>
-            <a:hueOff val="0"/>
-            <a:satOff val="0"/>
-            <a:lumOff val="0"/>
-            <a:alphaOff val="0"/>
-          </a:schemeClr>
-        </a:solidFill>
-        <a:ln w="19050" cap="flat" cmpd="sng" algn="ctr">
-          <a:solidFill>
-            <a:schemeClr val="accent1">
-              <a:alpha val="90000"/>
-              <a:tint val="40000"/>
-              <a:hueOff val="0"/>
-              <a:satOff val="0"/>
-              <a:lumOff val="0"/>
-              <a:alphaOff val="0"/>
-            </a:schemeClr>
-          </a:solidFill>
-          <a:prstDash val="solid"/>
-          <a:miter lim="800000"/>
-        </a:ln>
-        <a:effectLst/>
-      </dsp:spPr>
-      <dsp:style>
-        <a:lnRef idx="2">
-          <a:scrgbClr r="0" g="0" b="0"/>
-        </a:lnRef>
-        <a:fillRef idx="1">
-          <a:scrgbClr r="0" g="0" b="0"/>
-        </a:fillRef>
-        <a:effectRef idx="0">
-          <a:scrgbClr r="0" g="0" b="0"/>
-        </a:effectRef>
-        <a:fontRef idx="minor"/>
-      </dsp:style>
-      <dsp:txBody>
-        <a:bodyPr spcFirstLastPara="0" vert="horz" wrap="square" lIns="74676" tIns="74676" rIns="99568" bIns="112014" numCol="1" spcCol="1270" anchor="t" anchorCtr="0">
-          <a:noAutofit/>
-        </a:bodyPr>
-        <a:lstStyle/>
-        <a:p>
-          <a:pPr marL="114300" lvl="1" indent="-114300" algn="l" defTabSz="622300">
-            <a:lnSpc>
-              <a:spcPct val="90000"/>
-            </a:lnSpc>
-            <a:spcBef>
-              <a:spcPct val="0"/>
-            </a:spcBef>
-            <a:spcAft>
-              <a:spcPct val="15000"/>
-            </a:spcAft>
-            <a:buChar char="•"/>
-          </a:pPr>
-          <a:r>
-            <a:rPr lang="en-US" sz="1400" kern="1200" dirty="0"/>
-            <a:t>Product user guides &amp; tutorials</a:t>
-          </a:r>
-        </a:p>
-        <a:p>
-          <a:pPr marL="114300" lvl="1" indent="-114300" algn="l" defTabSz="622300">
-            <a:lnSpc>
-              <a:spcPct val="90000"/>
-            </a:lnSpc>
-            <a:spcBef>
-              <a:spcPct val="0"/>
-            </a:spcBef>
-            <a:spcAft>
-              <a:spcPct val="15000"/>
-            </a:spcAft>
-            <a:buChar char="•"/>
-          </a:pPr>
-          <a:r>
-            <a:rPr lang="en-US" sz="1400" kern="1200" dirty="0"/>
-            <a:t>Data &amp; info interpretation</a:t>
-          </a:r>
-        </a:p>
-        <a:p>
-          <a:pPr marL="114300" lvl="1" indent="-114300" algn="l" defTabSz="622300">
-            <a:lnSpc>
-              <a:spcPct val="90000"/>
-            </a:lnSpc>
-            <a:spcBef>
-              <a:spcPct val="0"/>
-            </a:spcBef>
-            <a:spcAft>
-              <a:spcPct val="15000"/>
-            </a:spcAft>
-            <a:buChar char="•"/>
-          </a:pPr>
-          <a:r>
-            <a:rPr lang="en-US" sz="1400" kern="1200" dirty="0"/>
-            <a:t>Fact Sheets</a:t>
-          </a:r>
-        </a:p>
-        <a:p>
-          <a:pPr marL="114300" lvl="1" indent="-114300" algn="l" defTabSz="622300">
-            <a:lnSpc>
-              <a:spcPct val="90000"/>
-            </a:lnSpc>
-            <a:spcBef>
-              <a:spcPct val="0"/>
-            </a:spcBef>
-            <a:spcAft>
-              <a:spcPct val="15000"/>
-            </a:spcAft>
-            <a:buChar char="•"/>
-          </a:pPr>
-          <a:r>
-            <a:rPr lang="en-US" sz="1400" kern="1200" dirty="0"/>
-            <a:t>Source code + comments for coders + explanations and context for non-coders</a:t>
-          </a:r>
-        </a:p>
-      </dsp:txBody>
-      <dsp:txXfrm>
-        <a:off x="3522578" y="1050312"/>
-        <a:ext cx="1540942" cy="2477362"/>
-      </dsp:txXfrm>
-    </dsp:sp>
-    <dsp:sp modelId="{B72BE5CB-CD9D-45D5-A29C-522A99ECF215}">
-      <dsp:nvSpPr>
-        <dsp:cNvPr id="0" name=""/>
-        <dsp:cNvSpPr/>
-      </dsp:nvSpPr>
-      <dsp:spPr>
-        <a:xfrm>
-          <a:off x="5279253" y="536325"/>
-          <a:ext cx="1540942" cy="513986"/>
-        </a:xfrm>
-        <a:prstGeom prst="rect">
-          <a:avLst/>
-        </a:prstGeom>
-        <a:solidFill>
-          <a:schemeClr val="accent1">
-            <a:hueOff val="0"/>
-            <a:satOff val="0"/>
-            <a:lumOff val="0"/>
-            <a:alphaOff val="0"/>
-          </a:schemeClr>
-        </a:solidFill>
-        <a:ln w="19050" cap="flat" cmpd="sng" algn="ctr">
-          <a:solidFill>
-            <a:schemeClr val="accent1">
-              <a:hueOff val="0"/>
-              <a:satOff val="0"/>
-              <a:lumOff val="0"/>
-              <a:alphaOff val="0"/>
-            </a:schemeClr>
-          </a:solidFill>
-          <a:prstDash val="solid"/>
-          <a:miter lim="800000"/>
-        </a:ln>
-        <a:effectLst/>
-      </dsp:spPr>
-      <dsp:style>
-        <a:lnRef idx="2">
-          <a:scrgbClr r="0" g="0" b="0"/>
-        </a:lnRef>
-        <a:fillRef idx="1">
-          <a:scrgbClr r="0" g="0" b="0"/>
-        </a:fillRef>
-        <a:effectRef idx="0">
-          <a:scrgbClr r="0" g="0" b="0"/>
-        </a:effectRef>
-        <a:fontRef idx="minor">
-          <a:schemeClr val="lt1"/>
-        </a:fontRef>
-      </dsp:style>
-      <dsp:txBody>
-        <a:bodyPr spcFirstLastPara="0" vert="horz" wrap="square" lIns="99568" tIns="56896" rIns="99568" bIns="56896" numCol="1" spcCol="1270" anchor="ctr" anchorCtr="0">
-          <a:noAutofit/>
-        </a:bodyPr>
-        <a:lstStyle/>
-        <a:p>
-          <a:pPr marL="0" lvl="0" indent="0" algn="ctr" defTabSz="622300">
-            <a:lnSpc>
-              <a:spcPct val="90000"/>
-            </a:lnSpc>
-            <a:spcBef>
-              <a:spcPct val="0"/>
-            </a:spcBef>
-            <a:spcAft>
-              <a:spcPct val="35000"/>
-            </a:spcAft>
-            <a:buNone/>
-          </a:pPr>
-          <a:r>
-            <a:rPr lang="en-US" sz="1400" kern="1200" dirty="0"/>
-            <a:t>Process Documentation</a:t>
-          </a:r>
-        </a:p>
-      </dsp:txBody>
-      <dsp:txXfrm>
-        <a:off x="5279253" y="536325"/>
-        <a:ext cx="1540942" cy="513986"/>
-      </dsp:txXfrm>
-    </dsp:sp>
-    <dsp:sp modelId="{33B03E82-C4A5-49AD-8D8D-3C35BC55B21F}">
-      <dsp:nvSpPr>
-        <dsp:cNvPr id="0" name=""/>
-        <dsp:cNvSpPr/>
-      </dsp:nvSpPr>
-      <dsp:spPr>
-        <a:xfrm>
-          <a:off x="5279253" y="1050312"/>
-          <a:ext cx="1540942" cy="2477362"/>
-        </a:xfrm>
-        <a:prstGeom prst="rect">
-          <a:avLst/>
-        </a:prstGeom>
-        <a:solidFill>
-          <a:schemeClr val="accent1">
-            <a:alpha val="90000"/>
-            <a:tint val="40000"/>
-            <a:hueOff val="0"/>
-            <a:satOff val="0"/>
-            <a:lumOff val="0"/>
-            <a:alphaOff val="0"/>
-          </a:schemeClr>
-        </a:solidFill>
-        <a:ln w="19050" cap="flat" cmpd="sng" algn="ctr">
-          <a:solidFill>
-            <a:schemeClr val="accent1">
-              <a:alpha val="90000"/>
-              <a:tint val="40000"/>
-              <a:hueOff val="0"/>
-              <a:satOff val="0"/>
-              <a:lumOff val="0"/>
-              <a:alphaOff val="0"/>
-            </a:schemeClr>
-          </a:solidFill>
-          <a:prstDash val="solid"/>
-          <a:miter lim="800000"/>
-        </a:ln>
-        <a:effectLst/>
-      </dsp:spPr>
-      <dsp:style>
-        <a:lnRef idx="2">
-          <a:scrgbClr r="0" g="0" b="0"/>
-        </a:lnRef>
-        <a:fillRef idx="1">
-          <a:scrgbClr r="0" g="0" b="0"/>
-        </a:fillRef>
-        <a:effectRef idx="0">
-          <a:scrgbClr r="0" g="0" b="0"/>
-        </a:effectRef>
-        <a:fontRef idx="minor"/>
-      </dsp:style>
-      <dsp:txBody>
-        <a:bodyPr spcFirstLastPara="0" vert="horz" wrap="square" lIns="74676" tIns="74676" rIns="99568" bIns="112014" numCol="1" spcCol="1270" anchor="t" anchorCtr="0">
-          <a:noAutofit/>
-        </a:bodyPr>
-        <a:lstStyle/>
-        <a:p>
-          <a:pPr marL="114300" lvl="1" indent="-114300" algn="l" defTabSz="622300">
-            <a:lnSpc>
-              <a:spcPct val="90000"/>
-            </a:lnSpc>
-            <a:spcBef>
-              <a:spcPct val="0"/>
-            </a:spcBef>
-            <a:spcAft>
-              <a:spcPct val="15000"/>
-            </a:spcAft>
-            <a:buChar char="•"/>
-          </a:pPr>
-          <a:r>
-            <a:rPr lang="en-US" sz="1400" kern="1200" dirty="0"/>
-            <a:t>Strategic Documents</a:t>
-          </a:r>
-        </a:p>
-        <a:p>
-          <a:pPr marL="114300" lvl="1" indent="-114300" algn="l" defTabSz="622300">
-            <a:lnSpc>
-              <a:spcPct val="90000"/>
-            </a:lnSpc>
-            <a:spcBef>
-              <a:spcPct val="0"/>
-            </a:spcBef>
-            <a:spcAft>
-              <a:spcPct val="15000"/>
-            </a:spcAft>
-            <a:buChar char="•"/>
-          </a:pPr>
-          <a:r>
-            <a:rPr lang="en-US" sz="1400" kern="1200" dirty="0"/>
-            <a:t>Planning Documents</a:t>
-          </a:r>
-        </a:p>
-        <a:p>
-          <a:pPr marL="114300" lvl="1" indent="-114300" algn="l" defTabSz="622300">
-            <a:lnSpc>
-              <a:spcPct val="90000"/>
-            </a:lnSpc>
-            <a:spcBef>
-              <a:spcPct val="0"/>
-            </a:spcBef>
-            <a:spcAft>
-              <a:spcPct val="15000"/>
-            </a:spcAft>
-            <a:buChar char="•"/>
-          </a:pPr>
-          <a:r>
-            <a:rPr lang="en-US" sz="1400" kern="1200" dirty="0"/>
-            <a:t>Timelines</a:t>
-          </a:r>
-        </a:p>
-        <a:p>
-          <a:pPr marL="114300" lvl="1" indent="-114300" algn="l" defTabSz="622300">
-            <a:lnSpc>
-              <a:spcPct val="90000"/>
-            </a:lnSpc>
-            <a:spcBef>
-              <a:spcPct val="0"/>
-            </a:spcBef>
-            <a:spcAft>
-              <a:spcPct val="15000"/>
-            </a:spcAft>
-            <a:buChar char="•"/>
-          </a:pPr>
-          <a:r>
-            <a:rPr lang="en-US" sz="1400" kern="1200" dirty="0"/>
-            <a:t>Workplans</a:t>
-          </a:r>
-        </a:p>
-        <a:p>
-          <a:pPr marL="114300" lvl="1" indent="-114300" algn="l" defTabSz="622300">
-            <a:lnSpc>
-              <a:spcPct val="90000"/>
-            </a:lnSpc>
-            <a:spcBef>
-              <a:spcPct val="0"/>
-            </a:spcBef>
-            <a:spcAft>
-              <a:spcPct val="15000"/>
-            </a:spcAft>
-            <a:buChar char="•"/>
-          </a:pPr>
-          <a:r>
-            <a:rPr lang="en-US" sz="1400" kern="1200" dirty="0"/>
-            <a:t>Standard Operating Procedures</a:t>
-          </a:r>
-        </a:p>
-      </dsp:txBody>
-      <dsp:txXfrm>
-        <a:off x="5279253" y="1050312"/>
-        <a:ext cx="1540942" cy="2477362"/>
-      </dsp:txXfrm>
-    </dsp:sp>
-  </dsp:spTree>
-</dsp:drawing>
-</file>
-
-<file path=ppt/diagrams/layout1.xml><?xml version="1.0" encoding="utf-8"?>
-<dgm:layoutDef xmlns:dgm="http://schemas.openxmlformats.org/drawingml/2006/diagram" xmlns:a="http://schemas.openxmlformats.org/drawingml/2006/main" uniqueId="urn:microsoft.com/office/officeart/2005/8/layout/hList1">
-  <dgm:title val=""/>
-  <dgm:desc val=""/>
-  <dgm:catLst>
-    <dgm:cat type="list" pri="5000"/>
-    <dgm:cat type="convert" pri="5000"/>
-  </dgm:catLst>
-  <dgm:sampData>
-    <dgm:dataModel>
-      <dgm:ptLst>
-        <dgm:pt modelId="0" type="doc"/>
-        <dgm:pt modelId="1">
-          <dgm:prSet phldr="1"/>
-        </dgm:pt>
-        <dgm:pt modelId="11">
-          <dgm:prSet phldr="1"/>
-        </dgm:pt>
-        <dgm:pt modelId="12">
-          <dgm:prSet phldr="1"/>
-        </dgm:pt>
-        <dgm:pt modelId="2">
-          <dgm:prSet phldr="1"/>
-        </dgm:pt>
-        <dgm:pt modelId="21">
-          <dgm:prSet phldr="1"/>
-        </dgm:pt>
-        <dgm:pt modelId="22">
-          <dgm:prSet phldr="1"/>
-        </dgm:pt>
-        <dgm:pt modelId="3">
-          <dgm:prSet phldr="1"/>
-        </dgm:pt>
-        <dgm:pt modelId="31">
-          <dgm:prSet phldr="1"/>
-        </dgm:pt>
-        <dgm:pt modelId="32">
-          <dgm:prSet phldr="1"/>
-        </dgm:pt>
-      </dgm:ptLst>
-      <dgm:cxnLst>
-        <dgm:cxn modelId="4" srcId="0" destId="1" srcOrd="0" destOrd="0"/>
-        <dgm:cxn modelId="5" srcId="0" destId="2" srcOrd="1" destOrd="0"/>
-        <dgm:cxn modelId="6" srcId="0" destId="3" srcOrd="2" destOrd="0"/>
-        <dgm:cxn modelId="13" srcId="1" destId="11" srcOrd="0" destOrd="0"/>
-        <dgm:cxn modelId="14" srcId="1" destId="12" srcOrd="1" destOrd="0"/>
-        <dgm:cxn modelId="23" srcId="2" destId="21" srcOrd="0" destOrd="0"/>
-        <dgm:cxn modelId="24" srcId="2" destId="22" srcOrd="1" destOrd="0"/>
-        <dgm:cxn modelId="33" srcId="3" destId="31" srcOrd="0" destOrd="0"/>
-        <dgm:cxn modelId="34" srcId="3" destId="32" srcOrd="1" destOrd="0"/>
-      </dgm:cxnLst>
-      <dgm:bg/>
-      <dgm:whole/>
-    </dgm:dataModel>
-  </dgm:sampData>
-  <dgm:styleData>
-    <dgm:dataModel>
-      <dgm:ptLst>
-        <dgm:pt modelId="0" type="doc"/>
-        <dgm:pt modelId="1">
-          <dgm:prSet phldr="1"/>
-        </dgm:pt>
-        <dgm:pt modelId="2">
-          <dgm:prSet phldr="1"/>
-        </dgm:pt>
-      </dgm:ptLst>
-      <dgm:cxnLst>
-        <dgm:cxn modelId="3" srcId="0" destId="1" srcOrd="0" destOrd="0"/>
-        <dgm:cxn modelId="4" srcId="0" destId="2" srcOrd="1" destOrd="0"/>
-      </dgm:cxnLst>
-      <dgm:bg/>
-      <dgm:whole/>
-    </dgm:dataModel>
-  </dgm:styleData>
-  <dgm:clrData>
-    <dgm:dataModel>
-      <dgm:ptLst>
-        <dgm:pt modelId="0" type="doc"/>
-        <dgm:pt modelId="1">
-          <dgm:prSet phldr="1"/>
-        </dgm:pt>
-        <dgm:pt modelId="2">
-          <dgm:prSet phldr="1"/>
-        </dgm:pt>
-        <dgm:pt modelId="3">
-          <dgm:prSet phldr="1"/>
-        </dgm:pt>
-        <dgm:pt modelId="4">
-          <dgm:prSet phldr="1"/>
-        </dgm:pt>
-      </dgm:ptLst>
-      <dgm:cxnLst>
-        <dgm:cxn modelId="5" srcId="0" destId="1" srcOrd="0" destOrd="0"/>
-        <dgm:cxn modelId="6" srcId="0" destId="2" srcOrd="1" destOrd="0"/>
-        <dgm:cxn modelId="7" srcId="0" destId="3" srcOrd="2" destOrd="0"/>
-        <dgm:cxn modelId="8" srcId="0" destId="4" srcOrd="3" destOrd="0"/>
-      </dgm:cxnLst>
-      <dgm:bg/>
-      <dgm:whole/>
-    </dgm:dataModel>
-  </dgm:clrData>
-  <dgm:layoutNode name="Name0">
-    <dgm:varLst>
-      <dgm:dir/>
-      <dgm:animLvl val="lvl"/>
-      <dgm:resizeHandles val="exact"/>
-    </dgm:varLst>
-    <dgm:choose name="Name1">
-      <dgm:if name="Name2" func="var" arg="dir" op="equ" val="norm">
-        <dgm:alg type="lin"/>
-      </dgm:if>
-      <dgm:else name="Name3">
-        <dgm:alg type="lin">
-          <dgm:param type="linDir" val="fromR"/>
-        </dgm:alg>
-      </dgm:else>
-    </dgm:choose>
-    <dgm:shape xmlns:r="http://schemas.openxmlformats.org/officeDocument/2006/relationships" r:blip="">
-      <dgm:adjLst/>
-    </dgm:shape>
-    <dgm:presOf/>
-    <dgm:constrLst>
-      <dgm:constr type="h" for="ch" forName="composite" refType="h"/>
-      <dgm:constr type="w" for="ch" forName="composite" refType="w"/>
-      <dgm:constr type="w" for="des" forName="parTx"/>
-      <dgm:constr type="h" for="des" forName="parTx" op="equ"/>
-      <dgm:constr type="w" for="des" forName="desTx"/>
-      <dgm:constr type="h" for="des" forName="desTx" op="equ"/>
-      <dgm:constr type="primFontSz" for="des" forName="parTx" val="65"/>
-      <dgm:constr type="secFontSz" for="des" forName="desTx" refType="primFontSz" refFor="des" refForName="parTx" op="equ"/>
-      <dgm:constr type="h" for="des" forName="parTx" refType="primFontSz" refFor="des" refForName="parTx" fact="0.8"/>
-      <dgm:constr type="h" for="des" forName="desTx" refType="primFontSz" refFor="des" refForName="parTx" fact="1.22"/>
-      <dgm:constr type="w" for="ch" forName="space" refType="w" refFor="ch" refForName="composite" op="equ" fact="0.14"/>
-    </dgm:constrLst>
-    <dgm:ruleLst>
-      <dgm:rule type="w" for="ch" forName="composite" val="0" fact="NaN" max="NaN"/>
-      <dgm:rule type="primFontSz" for="des" forName="parTx" val="5" fact="NaN" max="NaN"/>
-    </dgm:ruleLst>
-    <dgm:forEach name="Name4" axis="ch" ptType="node">
-      <dgm:layoutNode name="composite">
-        <dgm:alg type="composite"/>
-        <dgm:shape xmlns:r="http://schemas.openxmlformats.org/officeDocument/2006/relationships" r:blip="">
-          <dgm:adjLst/>
-        </dgm:shape>
-        <dgm:presOf/>
-        <dgm:constrLst>
-          <dgm:constr type="l" for="ch" forName="parTx"/>
-          <dgm:constr type="w" for="ch" forName="parTx" refType="w"/>
-          <dgm:constr type="t" for="ch" forName="parTx"/>
-          <dgm:constr type="l" for="ch" forName="desTx"/>
-          <dgm:constr type="w" for="ch" forName="desTx" refType="w" refFor="ch" refForName="parTx"/>
-          <dgm:constr type="t" for="ch" forName="desTx" refType="h" refFor="ch" refForName="parTx"/>
-        </dgm:constrLst>
-        <dgm:ruleLst>
-          <dgm:rule type="h" val="INF" fact="NaN" max="NaN"/>
-        </dgm:ruleLst>
-        <dgm:layoutNode name="parTx" styleLbl="alignNode1">
-          <dgm:varLst>
-            <dgm:chMax val="0"/>
-            <dgm:chPref val="0"/>
-            <dgm:bulletEnabled val="1"/>
-          </dgm:varLst>
-          <dgm:alg type="tx"/>
-          <dgm:shape xmlns:r="http://schemas.openxmlformats.org/officeDocument/2006/relationships" type="rect" r:blip="">
-            <dgm:adjLst/>
-          </dgm:shape>
-          <dgm:presOf axis="self" ptType="node"/>
-          <dgm:constrLst>
-            <dgm:constr type="h" refType="w" op="lte" fact="0.4"/>
-            <dgm:constr type="h"/>
-            <dgm:constr type="tMarg" refType="primFontSz" fact="0.32"/>
-            <dgm:constr type="bMarg" refType="primFontSz" fact="0.32"/>
-          </dgm:constrLst>
-          <dgm:ruleLst>
-            <dgm:rule type="h" val="INF" fact="NaN" max="NaN"/>
-          </dgm:ruleLst>
-        </dgm:layoutNode>
-        <dgm:layoutNode name="desTx" styleLbl="alignAccFollowNode1">
-          <dgm:varLst>
-            <dgm:bulletEnabled val="1"/>
-          </dgm:varLst>
-          <dgm:alg type="tx">
-            <dgm:param type="stBulletLvl" val="1"/>
-          </dgm:alg>
-          <dgm:shape xmlns:r="http://schemas.openxmlformats.org/officeDocument/2006/relationships" type="rect" r:blip="">
-            <dgm:adjLst/>
-          </dgm:shape>
-          <dgm:presOf axis="des" ptType="node"/>
-          <dgm:constrLst>
-            <dgm:constr type="secFontSz" val="65"/>
-            <dgm:constr type="primFontSz" refType="secFontSz"/>
-            <dgm:constr type="h"/>
-            <dgm:constr type="lMarg" refType="primFontSz" fact="0.42"/>
-            <dgm:constr type="tMarg" refType="primFontSz" fact="0.42"/>
-            <dgm:constr type="bMarg" refType="primFontSz" fact="0.63"/>
-          </dgm:constrLst>
-          <dgm:ruleLst>
-            <dgm:rule type="h" val="INF" fact="NaN" max="NaN"/>
-          </dgm:ruleLst>
-        </dgm:layoutNode>
-      </dgm:layoutNode>
-      <dgm:forEach name="Name5" axis="followSib" ptType="sibTrans" cnt="1">
-        <dgm:layoutNode name="space">
-          <dgm:alg type="sp"/>
-          <dgm:shape xmlns:r="http://schemas.openxmlformats.org/officeDocument/2006/relationships" r:blip="">
-            <dgm:adjLst/>
-          </dgm:shape>
-          <dgm:presOf/>
-          <dgm:constrLst/>
-          <dgm:ruleLst/>
-        </dgm:layoutNode>
-      </dgm:forEach>
-    </dgm:forEach>
-  </dgm:layoutNode>
-</dgm:layoutDef>
-</file>
-
-<file path=ppt/diagrams/quickStyle1.xml><?xml version="1.0" encoding="utf-8"?>
-<dgm:styleDef xmlns:dgm="http://schemas.openxmlformats.org/drawingml/2006/diagram" xmlns:a="http://schemas.openxmlformats.org/drawingml/2006/main" uniqueId="urn:microsoft.com/office/officeart/2005/8/quickstyle/simple1">
-  <dgm:title val=""/>
-  <dgm:desc val=""/>
-  <dgm:catLst>
-    <dgm:cat type="simple" pri="10100"/>
-  </dgm:catLst>
-  <dgm:scene3d>
-    <a:camera prst="orthographicFront"/>
-    <a:lightRig rig="threePt" dir="t"/>
-  </dgm:scene3d>
-  <dgm:styleLbl name="node0">
-    <dgm:scene3d>
-      <a:camera prst="orthographicFront"/>
-      <a:lightRig rig="threePt" dir="t"/>
-    </dgm:scene3d>
-    <dgm:sp3d/>
-    <dgm:txPr/>
-    <dgm:style>
-      <a:lnRef idx="2">
-        <a:scrgbClr r="0" g="0" b="0"/>
-      </a:lnRef>
-      <a:fillRef idx="1">
-        <a:scrgbClr r="0" g="0" b="0"/>
-      </a:fillRef>
-      <a:effectRef idx="0">
-        <a:scrgbClr r="0" g="0" b="0"/>
-      </a:effectRef>
-      <a:fontRef idx="minor">
-        <a:schemeClr val="lt1"/>
-      </a:fontRef>
-    </dgm:style>
-  </dgm:styleLbl>
-  <dgm:styleLbl name="lnNode1">
-    <dgm:scene3d>
-      <a:camera prst="orthographicFront"/>
-      <a:lightRig rig="threePt" dir="t"/>
-    </dgm:scene3d>
-    <dgm:sp3d/>
-    <dgm:txPr/>
-    <dgm:style>
-      <a:lnRef idx="2">
-        <a:scrgbClr r="0" g="0" b="0"/>
-      </a:lnRef>
-      <a:fillRef idx="1">
-        <a:scrgbClr r="0" g="0" b="0"/>
-      </a:fillRef>
-      <a:effectRef idx="0">
-        <a:scrgbClr r="0" g="0" b="0"/>
-      </a:effectRef>
-      <a:fontRef idx="minor">
-        <a:schemeClr val="lt1"/>
-      </a:fontRef>
-    </dgm:style>
-  </dgm:styleLbl>
-  <dgm:styleLbl name="vennNode1">
-    <dgm:scene3d>
-      <a:camera prst="orthographicFront"/>
-      <a:lightRig rig="threePt" dir="t"/>
-    </dgm:scene3d>
-    <dgm:sp3d/>
-    <dgm:txPr/>
-    <dgm:style>
-      <a:lnRef idx="2">
-        <a:scrgbClr r="0" g="0" b="0"/>
-      </a:lnRef>
-      <a:fillRef idx="1">
-        <a:scrgbClr r="0" g="0" b="0"/>
-      </a:fillRef>
-      <a:effectRef idx="0">
-        <a:scrgbClr r="0" g="0" b="0"/>
-      </a:effectRef>
-      <a:fontRef idx="minor">
-        <a:schemeClr val="tx1"/>
-      </a:fontRef>
-    </dgm:style>
-  </dgm:styleLbl>
-  <dgm:styleLbl name="alignNode1">
-    <dgm:scene3d>
-      <a:camera prst="orthographicFront"/>
-      <a:lightRig rig="threePt" dir="t"/>
-    </dgm:scene3d>
-    <dgm:sp3d/>
-    <dgm:txPr/>
-    <dgm:style>
-      <a:lnRef idx="2">
-        <a:scrgbClr r="0" g="0" b="0"/>
-      </a:lnRef>
-      <a:fillRef idx="1">
-        <a:scrgbClr r="0" g="0" b="0"/>
-      </a:fillRef>
-      <a:effectRef idx="0">
-        <a:scrgbClr r="0" g="0" b="0"/>
-      </a:effectRef>
-      <a:fontRef idx="minor">
-        <a:schemeClr val="lt1"/>
-      </a:fontRef>
-    </dgm:style>
-  </dgm:styleLbl>
-  <dgm:styleLbl name="node1">
-    <dgm:scene3d>
-      <a:camera prst="orthographicFront"/>
-      <a:lightRig rig="threePt" dir="t"/>
-    </dgm:scene3d>
-    <dgm:sp3d/>
-    <dgm:txPr/>
-    <dgm:style>
-      <a:lnRef idx="2">
-        <a:scrgbClr r="0" g="0" b="0"/>
-      </a:lnRef>
-      <a:fillRef idx="1">
-        <a:scrgbClr r="0" g="0" b="0"/>
-      </a:fillRef>
-      <a:effectRef idx="0">
-        <a:scrgbClr r="0" g="0" b="0"/>
-      </a:effectRef>
-      <a:fontRef idx="minor">
-        <a:schemeClr val="lt1"/>
-      </a:fontRef>
-    </dgm:style>
-  </dgm:styleLbl>
-  <dgm:styleLbl name="node2">
-    <dgm:scene3d>
-      <a:camera prst="orthographicFront"/>
-      <a:lightRig rig="threePt" dir="t"/>
-    </dgm:scene3d>
-    <dgm:sp3d/>
-    <dgm:txPr/>
-    <dgm:style>
-      <a:lnRef idx="2">
-        <a:scrgbClr r="0" g="0" b="0"/>
-      </a:lnRef>
-      <a:fillRef idx="1">
-        <a:scrgbClr r="0" g="0" b="0"/>
-      </a:fillRef>
-      <a:effectRef idx="0">
-        <a:scrgbClr r="0" g="0" b="0"/>
-      </a:effectRef>
-      <a:fontRef idx="minor">
-        <a:schemeClr val="lt1"/>
-      </a:fontRef>
-    </dgm:style>
-  </dgm:styleLbl>
-  <dgm:styleLbl name="node3">
-    <dgm:scene3d>
-      <a:camera prst="orthographicFront"/>
-      <a:lightRig rig="threePt" dir="t"/>
-    </dgm:scene3d>
-    <dgm:sp3d/>
-    <dgm:txPr/>
-    <dgm:style>
-      <a:lnRef idx="2">
-        <a:scrgbClr r="0" g="0" b="0"/>
-      </a:lnRef>
-      <a:fillRef idx="1">
-        <a:scrgbClr r="0" g="0" b="0"/>
-      </a:fillRef>
-      <a:effectRef idx="0">
-        <a:scrgbClr r="0" g="0" b="0"/>
-      </a:effectRef>
-      <a:fontRef idx="minor">
-        <a:schemeClr val="lt1"/>
-      </a:fontRef>
-    </dgm:style>
-  </dgm:styleLbl>
-  <dgm:styleLbl name="node4">
-    <dgm:scene3d>
-      <a:camera prst="orthographicFront"/>
-      <a:lightRig rig="threePt" dir="t"/>
-    </dgm:scene3d>
-    <dgm:sp3d/>
-    <dgm:txPr/>
-    <dgm:style>
-      <a:lnRef idx="2">
-        <a:scrgbClr r="0" g="0" b="0"/>
-      </a:lnRef>
-      <a:fillRef idx="1">
-        <a:scrgbClr r="0" g="0" b="0"/>
-      </a:fillRef>
-      <a:effectRef idx="0">
-        <a:scrgbClr r="0" g="0" b="0"/>
-      </a:effectRef>
-      <a:fontRef idx="minor">
-        <a:schemeClr val="lt1"/>
-      </a:fontRef>
-    </dgm:style>
-  </dgm:styleLbl>
-  <dgm:styleLbl name="fgImgPlace1">
-    <dgm:scene3d>
-      <a:camera prst="orthographicFront"/>
-      <a:lightRig rig="threePt" dir="t"/>
-    </dgm:scene3d>
-    <dgm:sp3d/>
-    <dgm:txPr/>
-    <dgm:style>
-      <a:lnRef idx="2">
-        <a:scrgbClr r="0" g="0" b="0"/>
-      </a:lnRef>
-      <a:fillRef idx="1">
-        <a:scrgbClr r="0" g="0" b="0"/>
-      </a:fillRef>
-      <a:effectRef idx="0">
-        <a:scrgbClr r="0" g="0" b="0"/>
-      </a:effectRef>
-      <a:fontRef idx="minor"/>
-    </dgm:style>
-  </dgm:styleLbl>
-  <dgm:styleLbl name="alignImgPlace1">
-    <dgm:scene3d>
-      <a:camera prst="orthographicFront"/>
-      <a:lightRig rig="threePt" dir="t"/>
-    </dgm:scene3d>
-    <dgm:sp3d/>
-    <dgm:txPr/>
-    <dgm:style>
-      <a:lnRef idx="2">
-        <a:scrgbClr r="0" g="0" b="0"/>
-      </a:lnRef>
-      <a:fillRef idx="1">
-        <a:scrgbClr r="0" g="0" b="0"/>
-      </a:fillRef>
-      <a:effectRef idx="0">
-        <a:scrgbClr r="0" g="0" b="0"/>
-      </a:effectRef>
-      <a:fontRef idx="minor"/>
-    </dgm:style>
-  </dgm:styleLbl>
-  <dgm:styleLbl name="bgImgPlace1">
-    <dgm:scene3d>
-      <a:camera prst="orthographicFront"/>
-      <a:lightRig rig="threePt" dir="t"/>
-    </dgm:scene3d>
-    <dgm:sp3d/>
-    <dgm:txPr/>
-    <dgm:style>
-      <a:lnRef idx="2">
-        <a:scrgbClr r="0" g="0" b="0"/>
-      </a:lnRef>
-      <a:fillRef idx="1">
-        <a:scrgbClr r="0" g="0" b="0"/>
-      </a:fillRef>
-      <a:effectRef idx="0">
-        <a:scrgbClr r="0" g="0" b="0"/>
-      </a:effectRef>
-      <a:fontRef idx="minor"/>
-    </dgm:style>
-  </dgm:styleLbl>
-  <dgm:styleLbl name="sibTrans2D1">
-    <dgm:scene3d>
-      <a:camera prst="orthographicFront"/>
-      <a:lightRig rig="threePt" dir="t"/>
-    </dgm:scene3d>
-    <dgm:sp3d/>
-    <dgm:txPr/>
-    <dgm:style>
-      <a:lnRef idx="0">
-        <a:scrgbClr r="0" g="0" b="0"/>
-      </a:lnRef>
-      <a:fillRef idx="1">
-        <a:scrgbClr r="0" g="0" b="0"/>
-      </a:fillRef>
-      <a:effectRef idx="0">
-        <a:scrgbClr r="0" g="0" b="0"/>
-      </a:effectRef>
-      <a:fontRef idx="minor">
-        <a:schemeClr val="lt1"/>
-      </a:fontRef>
-    </dgm:style>
-  </dgm:styleLbl>
-  <dgm:styleLbl name="fgSibTrans2D1">
-    <dgm:scene3d>
-      <a:camera prst="orthographicFront"/>
-      <a:lightRig rig="threePt" dir="t"/>
-    </dgm:scene3d>
-    <dgm:sp3d/>
-    <dgm:txPr/>
-    <dgm:style>
-      <a:lnRef idx="0">
-        <a:scrgbClr r="0" g="0" b="0"/>
-      </a:lnRef>
-      <a:fillRef idx="1">
-        <a:scrgbClr r="0" g="0" b="0"/>
-      </a:fillRef>
-      <a:effectRef idx="0">
-        <a:scrgbClr r="0" g="0" b="0"/>
-      </a:effectRef>
-      <a:fontRef idx="minor">
-        <a:schemeClr val="lt1"/>
-      </a:fontRef>
-    </dgm:style>
-  </dgm:styleLbl>
-  <dgm:styleLbl name="bgSibTrans2D1">
-    <dgm:scene3d>
-      <a:camera prst="orthographicFront"/>
-      <a:lightRig rig="threePt" dir="t"/>
-    </dgm:scene3d>
-    <dgm:sp3d/>
-    <dgm:txPr/>
-    <dgm:style>
-      <a:lnRef idx="0">
-        <a:scrgbClr r="0" g="0" b="0"/>
-      </a:lnRef>
-      <a:fillRef idx="1">
-        <a:scrgbClr r="0" g="0" b="0"/>
-      </a:fillRef>
-      <a:effectRef idx="0">
-        <a:scrgbClr r="0" g="0" b="0"/>
-      </a:effectRef>
-      <a:fontRef idx="minor">
-        <a:schemeClr val="lt1"/>
-      </a:fontRef>
-    </dgm:style>
-  </dgm:styleLbl>
-  <dgm:styleLbl name="sibTrans1D1">
-    <dgm:scene3d>
-      <a:camera prst="orthographicFront"/>
-      <a:lightRig rig="threePt" dir="t"/>
-    </dgm:scene3d>
-    <dgm:sp3d/>
-    <dgm:txPr/>
-    <dgm:style>
-      <a:lnRef idx="1">
-        <a:scrgbClr r="0" g="0" b="0"/>
-      </a:lnRef>
-      <a:fillRef idx="0">
-        <a:scrgbClr r="0" g="0" b="0"/>
-      </a:fillRef>
-      <a:effectRef idx="0">
-        <a:scrgbClr r="0" g="0" b="0"/>
-      </a:effectRef>
-      <a:fontRef idx="minor"/>
-    </dgm:style>
-  </dgm:styleLbl>
-  <dgm:styleLbl name="callout">
-    <dgm:scene3d>
-      <a:camera prst="orthographicFront"/>
-      <a:lightRig rig="threePt" dir="t"/>
-    </dgm:scene3d>
-    <dgm:sp3d/>
-    <dgm:txPr/>
-    <dgm:style>
-      <a:lnRef idx="2">
-        <a:scrgbClr r="0" g="0" b="0"/>
-      </a:lnRef>
-      <a:fillRef idx="1">
-        <a:scrgbClr r="0" g="0" b="0"/>
-      </a:fillRef>
-      <a:effectRef idx="0">
-        <a:scrgbClr r="0" g="0" b="0"/>
-      </a:effectRef>
-      <a:fontRef idx="minor"/>
-    </dgm:style>
-  </dgm:styleLbl>
-  <dgm:styleLbl name="asst0">
-    <dgm:scene3d>
-      <a:camera prst="orthographicFront"/>
-      <a:lightRig rig="threePt" dir="t"/>
-    </dgm:scene3d>
-    <dgm:sp3d/>
-    <dgm:txPr/>
-    <dgm:style>
-      <a:lnRef idx="2">
-        <a:scrgbClr r="0" g="0" b="0"/>
-      </a:lnRef>
-      <a:fillRef idx="1">
-        <a:scrgbClr r="0" g="0" b="0"/>
-      </a:fillRef>
-      <a:effectRef idx="0">
-        <a:scrgbClr r="0" g="0" b="0"/>
-      </a:effectRef>
-      <a:fontRef idx="minor">
-        <a:schemeClr val="lt1"/>
-      </a:fontRef>
-    </dgm:style>
-  </dgm:styleLbl>
-  <dgm:styleLbl name="asst1">
-    <dgm:scene3d>
-      <a:camera prst="orthographicFront"/>
-      <a:lightRig rig="threePt" dir="t"/>
-    </dgm:scene3d>
-    <dgm:sp3d/>
-    <dgm:txPr/>
-    <dgm:style>
-      <a:lnRef idx="2">
-        <a:scrgbClr r="0" g="0" b="0"/>
-      </a:lnRef>
-      <a:fillRef idx="1">
-        <a:scrgbClr r="0" g="0" b="0"/>
-      </a:fillRef>
-      <a:effectRef idx="0">
-        <a:scrgbClr r="0" g="0" b="0"/>
-      </a:effectRef>
-      <a:fontRef idx="minor">
-        <a:schemeClr val="lt1"/>
-      </a:fontRef>
-    </dgm:style>
-  </dgm:styleLbl>
-  <dgm:styleLbl name="asst2">
-    <dgm:scene3d>
-      <a:camera prst="orthographicFront"/>
-      <a:lightRig rig="threePt" dir="t"/>
-    </dgm:scene3d>
-    <dgm:sp3d/>
-    <dgm:txPr/>
-    <dgm:style>
-      <a:lnRef idx="2">
-        <a:scrgbClr r="0" g="0" b="0"/>
-      </a:lnRef>
-      <a:fillRef idx="1">
-        <a:scrgbClr r="0" g="0" b="0"/>
-      </a:fillRef>
-      <a:effectRef idx="0">
-        <a:scrgbClr r="0" g="0" b="0"/>
-      </a:effectRef>
-      <a:fontRef idx="minor">
-        <a:schemeClr val="lt1"/>
-      </a:fontRef>
-    </dgm:style>
-  </dgm:styleLbl>
-  <dgm:styleLbl name="asst3">
-    <dgm:scene3d>
-      <a:camera prst="orthographicFront"/>
-      <a:lightRig rig="threePt" dir="t"/>
-    </dgm:scene3d>
-    <dgm:sp3d/>
-    <dgm:txPr/>
-    <dgm:style>
-      <a:lnRef idx="2">
-        <a:scrgbClr r="0" g="0" b="0"/>
-      </a:lnRef>
-      <a:fillRef idx="1">
-        <a:scrgbClr r="0" g="0" b="0"/>
-      </a:fillRef>
-      <a:effectRef idx="0">
-        <a:scrgbClr r="0" g="0" b="0"/>
-      </a:effectRef>
-      <a:fontRef idx="minor">
-        <a:schemeClr val="lt1"/>
-      </a:fontRef>
-    </dgm:style>
-  </dgm:styleLbl>
-  <dgm:styleLbl name="asst4">
-    <dgm:scene3d>
-      <a:camera prst="orthographicFront"/>
-      <a:lightRig rig="threePt" dir="t"/>
-    </dgm:scene3d>
-    <dgm:sp3d/>
-    <dgm:txPr/>
-    <dgm:style>
-      <a:lnRef idx="2">
-        <a:scrgbClr r="0" g="0" b="0"/>
-      </a:lnRef>
-      <a:fillRef idx="1">
-        <a:scrgbClr r="0" g="0" b="0"/>
-      </a:fillRef>
-      <a:effectRef idx="0">
-        <a:scrgbClr r="0" g="0" b="0"/>
-      </a:effectRef>
-      <a:fontRef idx="minor">
-        <a:schemeClr val="lt1"/>
-      </a:fontRef>
-    </dgm:style>
-  </dgm:styleLbl>
-  <dgm:styleLbl name="parChTrans2D1">
-    <dgm:scene3d>
-      <a:camera prst="orthographicFront"/>
-      <a:lightRig rig="threePt" dir="t"/>
-    </dgm:scene3d>
-    <dgm:sp3d/>
-    <dgm:txPr/>
-    <dgm:style>
-      <a:lnRef idx="2">
-        <a:scrgbClr r="0" g="0" b="0"/>
-      </a:lnRef>
-      <a:fillRef idx="1">
-        <a:scrgbClr r="0" g="0" b="0"/>
-      </a:fillRef>
-      <a:effectRef idx="0">
-        <a:scrgbClr r="0" g="0" b="0"/>
-      </a:effectRef>
-      <a:fontRef idx="minor">
-        <a:schemeClr val="lt1"/>
-      </a:fontRef>
-    </dgm:style>
-  </dgm:styleLbl>
-  <dgm:styleLbl name="parChTrans2D2">
-    <dgm:scene3d>
-      <a:camera prst="orthographicFront"/>
-      <a:lightRig rig="threePt" dir="t"/>
-    </dgm:scene3d>
-    <dgm:sp3d/>
-    <dgm:txPr/>
-    <dgm:style>
-      <a:lnRef idx="2">
-        <a:scrgbClr r="0" g="0" b="0"/>
-      </a:lnRef>
-      <a:fillRef idx="1">
-        <a:scrgbClr r="0" g="0" b="0"/>
-      </a:fillRef>
-      <a:effectRef idx="0">
-        <a:scrgbClr r="0" g="0" b="0"/>
-      </a:effectRef>
-      <a:fontRef idx="minor">
-        <a:schemeClr val="lt1"/>
-      </a:fontRef>
-    </dgm:style>
-  </dgm:styleLbl>
-  <dgm:styleLbl name="parChTrans2D3">
-    <dgm:scene3d>
-      <a:camera prst="orthographicFront"/>
-      <a:lightRig rig="threePt" dir="t"/>
-    </dgm:scene3d>
-    <dgm:sp3d/>
-    <dgm:txPr/>
-    <dgm:style>
-      <a:lnRef idx="2">
-        <a:scrgbClr r="0" g="0" b="0"/>
-      </a:lnRef>
-      <a:fillRef idx="1">
-        <a:scrgbClr r="0" g="0" b="0"/>
-      </a:fillRef>
-      <a:effectRef idx="0">
-        <a:scrgbClr r="0" g="0" b="0"/>
-      </a:effectRef>
-      <a:fontRef idx="minor">
-        <a:schemeClr val="lt1"/>
-      </a:fontRef>
-    </dgm:style>
-  </dgm:styleLbl>
-  <dgm:styleLbl name="parChTrans2D4">
-    <dgm:scene3d>
-      <a:camera prst="orthographicFront"/>
-      <a:lightRig rig="threePt" dir="t"/>
-    </dgm:scene3d>
-    <dgm:sp3d/>
-    <dgm:txPr/>
-    <dgm:style>
-      <a:lnRef idx="2">
-        <a:scrgbClr r="0" g="0" b="0"/>
-      </a:lnRef>
-      <a:fillRef idx="1">
-        <a:scrgbClr r="0" g="0" b="0"/>
-      </a:fillRef>
-      <a:effectRef idx="0">
-        <a:scrgbClr r="0" g="0" b="0"/>
-      </a:effectRef>
-      <a:fontRef idx="minor">
-        <a:schemeClr val="lt1"/>
-      </a:fontRef>
-    </dgm:style>
-  </dgm:styleLbl>
-  <dgm:styleLbl name="parChTrans1D1">
-    <dgm:scene3d>
-      <a:camera prst="orthographicFront"/>
-      <a:lightRig rig="threePt" dir="t"/>
-    </dgm:scene3d>
-    <dgm:sp3d/>
-    <dgm:txPr/>
-    <dgm:style>
-      <a:lnRef idx="2">
-        <a:scrgbClr r="0" g="0" b="0"/>
-      </a:lnRef>
-      <a:fillRef idx="0">
-        <a:scrgbClr r="0" g="0" b="0"/>
-      </a:fillRef>
-      <a:effectRef idx="0">
-        <a:scrgbClr r="0" g="0" b="0"/>
-      </a:effectRef>
-      <a:fontRef idx="minor"/>
-    </dgm:style>
-  </dgm:styleLbl>
-  <dgm:styleLbl name="parChTrans1D2">
-    <dgm:scene3d>
-      <a:camera prst="orthographicFront"/>
-      <a:lightRig rig="threePt" dir="t"/>
-    </dgm:scene3d>
-    <dgm:sp3d/>
-    <dgm:txPr/>
-    <dgm:style>
-      <a:lnRef idx="2">
-        <a:scrgbClr r="0" g="0" b="0"/>
-      </a:lnRef>
-      <a:fillRef idx="0">
-        <a:scrgbClr r="0" g="0" b="0"/>
-      </a:fillRef>
-      <a:effectRef idx="0">
-        <a:scrgbClr r="0" g="0" b="0"/>
-      </a:effectRef>
-      <a:fontRef idx="minor"/>
-    </dgm:style>
-  </dgm:styleLbl>
-  <dgm:styleLbl name="parChTrans1D3">
-    <dgm:scene3d>
-      <a:camera prst="orthographicFront"/>
-      <a:lightRig rig="threePt" dir="t"/>
-    </dgm:scene3d>
-    <dgm:sp3d/>
-    <dgm:txPr/>
-    <dgm:style>
-      <a:lnRef idx="2">
-        <a:scrgbClr r="0" g="0" b="0"/>
-      </a:lnRef>
-      <a:fillRef idx="0">
-        <a:scrgbClr r="0" g="0" b="0"/>
-      </a:fillRef>
-      <a:effectRef idx="0">
-        <a:scrgbClr r="0" g="0" b="0"/>
-      </a:effectRef>
-      <a:fontRef idx="minor"/>
-    </dgm:style>
-  </dgm:styleLbl>
-  <dgm:styleLbl name="parChTrans1D4">
-    <dgm:scene3d>
-      <a:camera prst="orthographicFront"/>
-      <a:lightRig rig="threePt" dir="t"/>
-    </dgm:scene3d>
-    <dgm:sp3d/>
-    <dgm:txPr/>
-    <dgm:style>
-      <a:lnRef idx="2">
-        <a:scrgbClr r="0" g="0" b="0"/>
-      </a:lnRef>
-      <a:fillRef idx="0">
-        <a:scrgbClr r="0" g="0" b="0"/>
-      </a:fillRef>
-      <a:effectRef idx="0">
-        <a:scrgbClr r="0" g="0" b="0"/>
-      </a:effectRef>
-      <a:fontRef idx="minor"/>
-    </dgm:style>
-  </dgm:styleLbl>
-  <dgm:styleLbl name="fgAcc1">
-    <dgm:scene3d>
-      <a:camera prst="orthographicFront"/>
-      <a:lightRig rig="threePt" dir="t"/>
-    </dgm:scene3d>
-    <dgm:sp3d/>
-    <dgm:txPr/>
-    <dgm:style>
-      <a:lnRef idx="2">
-        <a:scrgbClr r="0" g="0" b="0"/>
-      </a:lnRef>
-      <a:fillRef idx="1">
-        <a:scrgbClr r="0" g="0" b="0"/>
-      </a:fillRef>
-      <a:effectRef idx="0">
-        <a:scrgbClr r="0" g="0" b="0"/>
-      </a:effectRef>
-      <a:fontRef idx="minor"/>
-    </dgm:style>
-  </dgm:styleLbl>
-  <dgm:styleLbl name="conFgAcc1">
-    <dgm:scene3d>
-      <a:camera prst="orthographicFront"/>
-      <a:lightRig rig="threePt" dir="t"/>
-    </dgm:scene3d>
-    <dgm:sp3d/>
-    <dgm:txPr/>
-    <dgm:style>
-      <a:lnRef idx="2">
-        <a:scrgbClr r="0" g="0" b="0"/>
-      </a:lnRef>
-      <a:fillRef idx="1">
-        <a:scrgbClr r="0" g="0" b="0"/>
-      </a:fillRef>
-      <a:effectRef idx="0">
-        <a:scrgbClr r="0" g="0" b="0"/>
-      </a:effectRef>
-      <a:fontRef idx="minor"/>
-    </dgm:style>
-  </dgm:styleLbl>
-  <dgm:styleLbl name="alignAcc1">
-    <dgm:scene3d>
-      <a:camera prst="orthographicFront"/>
-      <a:lightRig rig="threePt" dir="t"/>
-    </dgm:scene3d>
-    <dgm:sp3d/>
-    <dgm:txPr/>
-    <dgm:style>
-      <a:lnRef idx="2">
-        <a:scrgbClr r="0" g="0" b="0"/>
-      </a:lnRef>
-      <a:fillRef idx="1">
-        <a:scrgbClr r="0" g="0" b="0"/>
-      </a:fillRef>
-      <a:effectRef idx="0">
-        <a:scrgbClr r="0" g="0" b="0"/>
-      </a:effectRef>
-      <a:fontRef idx="minor"/>
-    </dgm:style>
-  </dgm:styleLbl>
-  <dgm:styleLbl name="trAlignAcc1">
-    <dgm:scene3d>
-      <a:camera prst="orthographicFront"/>
-      <a:lightRig rig="threePt" dir="t"/>
-    </dgm:scene3d>
-    <dgm:sp3d/>
-    <dgm:txPr/>
-    <dgm:style>
-      <a:lnRef idx="1">
-        <a:scrgbClr r="0" g="0" b="0"/>
-      </a:lnRef>
-      <a:fillRef idx="1">
-        <a:scrgbClr r="0" g="0" b="0"/>
-      </a:fillRef>
-      <a:effectRef idx="0">
-        <a:scrgbClr r="0" g="0" b="0"/>
-      </a:effectRef>
-      <a:fontRef idx="minor"/>
-    </dgm:style>
-  </dgm:styleLbl>
-  <dgm:styleLbl name="bgAcc1">
-    <dgm:scene3d>
-      <a:camera prst="orthographicFront"/>
-      <a:lightRig rig="threePt" dir="t"/>
-    </dgm:scene3d>
-    <dgm:sp3d/>
-    <dgm:txPr/>
-    <dgm:style>
-      <a:lnRef idx="2">
-        <a:scrgbClr r="0" g="0" b="0"/>
-      </a:lnRef>
-      <a:fillRef idx="1">
-        <a:scrgbClr r="0" g="0" b="0"/>
-      </a:fillRef>
-      <a:effectRef idx="0">
-        <a:scrgbClr r="0" g="0" b="0"/>
-      </a:effectRef>
-      <a:fontRef idx="minor"/>
-    </dgm:style>
-  </dgm:styleLbl>
-  <dgm:styleLbl name="solidFgAcc1">
-    <dgm:scene3d>
-      <a:camera prst="orthographicFront"/>
-      <a:lightRig rig="threePt" dir="t"/>
-    </dgm:scene3d>
-    <dgm:sp3d/>
-    <dgm:txPr/>
-    <dgm:style>
-      <a:lnRef idx="2">
-        <a:scrgbClr r="0" g="0" b="0"/>
-      </a:lnRef>
-      <a:fillRef idx="1">
-        <a:scrgbClr r="0" g="0" b="0"/>
-      </a:fillRef>
-      <a:effectRef idx="0">
-        <a:scrgbClr r="0" g="0" b="0"/>
-      </a:effectRef>
-      <a:fontRef idx="minor"/>
-    </dgm:style>
-  </dgm:styleLbl>
-  <dgm:styleLbl name="solidAlignAcc1">
-    <dgm:scene3d>
-      <a:camera prst="orthographicFront"/>
-      <a:lightRig rig="threePt" dir="t"/>
-    </dgm:scene3d>
-    <dgm:sp3d/>
-    <dgm:txPr/>
-    <dgm:style>
-      <a:lnRef idx="2">
-        <a:scrgbClr r="0" g="0" b="0"/>
-      </a:lnRef>
-      <a:fillRef idx="1">
-        <a:scrgbClr r="0" g="0" b="0"/>
-      </a:fillRef>
-      <a:effectRef idx="0">
-        <a:scrgbClr r="0" g="0" b="0"/>
-      </a:effectRef>
-      <a:fontRef idx="minor"/>
-    </dgm:style>
-  </dgm:styleLbl>
-  <dgm:styleLbl name="solidBgAcc1">
-    <dgm:scene3d>
-      <a:camera prst="orthographicFront"/>
-      <a:lightRig rig="threePt" dir="t"/>
-    </dgm:scene3d>
-    <dgm:sp3d/>
-    <dgm:txPr/>
-    <dgm:style>
-      <a:lnRef idx="2">
-        <a:scrgbClr r="0" g="0" b="0"/>
-      </a:lnRef>
-      <a:fillRef idx="1">
-        <a:scrgbClr r="0" g="0" b="0"/>
-      </a:fillRef>
-      <a:effectRef idx="0">
-        <a:scrgbClr r="0" g="0" b="0"/>
-      </a:effectRef>
-      <a:fontRef idx="minor"/>
-    </dgm:style>
-  </dgm:styleLbl>
-  <dgm:styleLbl name="fgAccFollowNode1">
-    <dgm:scene3d>
-      <a:camera prst="orthographicFront"/>
-      <a:lightRig rig="threePt" dir="t"/>
-    </dgm:scene3d>
-    <dgm:sp3d/>
-    <dgm:txPr/>
-    <dgm:style>
-      <a:lnRef idx="2">
-        <a:scrgbClr r="0" g="0" b="0"/>
-      </a:lnRef>
-      <a:fillRef idx="1">
-        <a:scrgbClr r="0" g="0" b="0"/>
-      </a:fillRef>
-      <a:effectRef idx="0">
-        <a:scrgbClr r="0" g="0" b="0"/>
-      </a:effectRef>
-      <a:fontRef idx="minor"/>
-    </dgm:style>
-  </dgm:styleLbl>
-  <dgm:styleLbl name="alignAccFollowNode1">
-    <dgm:scene3d>
-      <a:camera prst="orthographicFront"/>
-      <a:lightRig rig="threePt" dir="t"/>
-    </dgm:scene3d>
-    <dgm:sp3d/>
-    <dgm:txPr/>
-    <dgm:style>
-      <a:lnRef idx="2">
-        <a:scrgbClr r="0" g="0" b="0"/>
-      </a:lnRef>
-      <a:fillRef idx="1">
-        <a:scrgbClr r="0" g="0" b="0"/>
-      </a:fillRef>
-      <a:effectRef idx="0">
-        <a:scrgbClr r="0" g="0" b="0"/>
-      </a:effectRef>
-      <a:fontRef idx="minor"/>
-    </dgm:style>
-  </dgm:styleLbl>
-  <dgm:styleLbl name="bgAccFollowNode1">
-    <dgm:scene3d>
-      <a:camera prst="orthographicFront"/>
-      <a:lightRig rig="threePt" dir="t"/>
-    </dgm:scene3d>
-    <dgm:sp3d/>
-    <dgm:txPr/>
-    <dgm:style>
-      <a:lnRef idx="2">
-        <a:scrgbClr r="0" g="0" b="0"/>
-      </a:lnRef>
-      <a:fillRef idx="1">
-        <a:scrgbClr r="0" g="0" b="0"/>
-      </a:fillRef>
-      <a:effectRef idx="0">
-        <a:scrgbClr r="0" g="0" b="0"/>
-      </a:effectRef>
-      <a:fontRef idx="minor"/>
-    </dgm:style>
-  </dgm:styleLbl>
-  <dgm:styleLbl name="fgAcc0">
-    <dgm:scene3d>
-      <a:camera prst="orthographicFront"/>
-      <a:lightRig rig="threePt" dir="t"/>
-    </dgm:scene3d>
-    <dgm:sp3d/>
-    <dgm:txPr/>
-    <dgm:style>
-      <a:lnRef idx="2">
-        <a:scrgbClr r="0" g="0" b="0"/>
-      </a:lnRef>
-      <a:fillRef idx="1">
-        <a:scrgbClr r="0" g="0" b="0"/>
-      </a:fillRef>
-      <a:effectRef idx="0">
-        <a:scrgbClr r="0" g="0" b="0"/>
-      </a:effectRef>
-      <a:fontRef idx="minor"/>
-    </dgm:style>
-  </dgm:styleLbl>
-  <dgm:styleLbl name="fgAcc2">
-    <dgm:scene3d>
-      <a:camera prst="orthographicFront"/>
-      <a:lightRig rig="threePt" dir="t"/>
-    </dgm:scene3d>
-    <dgm:sp3d/>
-    <dgm:txPr/>
-    <dgm:style>
-      <a:lnRef idx="2">
-        <a:scrgbClr r="0" g="0" b="0"/>
-      </a:lnRef>
-      <a:fillRef idx="1">
-        <a:scrgbClr r="0" g="0" b="0"/>
-      </a:fillRef>
-      <a:effectRef idx="0">
-        <a:scrgbClr r="0" g="0" b="0"/>
-      </a:effectRef>
-      <a:fontRef idx="minor"/>
-    </dgm:style>
-  </dgm:styleLbl>
-  <dgm:styleLbl name="fgAcc3">
-    <dgm:scene3d>
-      <a:camera prst="orthographicFront"/>
-      <a:lightRig rig="threePt" dir="t"/>
-    </dgm:scene3d>
-    <dgm:sp3d/>
-    <dgm:txPr/>
-    <dgm:style>
-      <a:lnRef idx="2">
-        <a:scrgbClr r="0" g="0" b="0"/>
-      </a:lnRef>
-      <a:fillRef idx="1">
-        <a:scrgbClr r="0" g="0" b="0"/>
-      </a:fillRef>
-      <a:effectRef idx="0">
-        <a:scrgbClr r="0" g="0" b="0"/>
-      </a:effectRef>
-      <a:fontRef idx="minor"/>
-    </dgm:style>
-  </dgm:styleLbl>
-  <dgm:styleLbl name="fgAcc4">
-    <dgm:scene3d>
-      <a:camera prst="orthographicFront"/>
-      <a:lightRig rig="threePt" dir="t"/>
-    </dgm:scene3d>
-    <dgm:sp3d/>
-    <dgm:txPr/>
-    <dgm:style>
-      <a:lnRef idx="2">
-        <a:scrgbClr r="0" g="0" b="0"/>
-      </a:lnRef>
-      <a:fillRef idx="1">
-        <a:scrgbClr r="0" g="0" b="0"/>
-      </a:fillRef>
-      <a:effectRef idx="0">
-        <a:scrgbClr r="0" g="0" b="0"/>
-      </a:effectRef>
-      <a:fontRef idx="minor"/>
-    </dgm:style>
-  </dgm:styleLbl>
-  <dgm:styleLbl name="bgShp">
-    <dgm:scene3d>
-      <a:camera prst="orthographicFront"/>
-      <a:lightRig rig="threePt" dir="t"/>
-    </dgm:scene3d>
-    <dgm:sp3d/>
-    <dgm:txPr/>
-    <dgm:style>
-      <a:lnRef idx="0">
-        <a:scrgbClr r="0" g="0" b="0"/>
-      </a:lnRef>
-      <a:fillRef idx="1">
-        <a:scrgbClr r="0" g="0" b="0"/>
-      </a:fillRef>
-      <a:effectRef idx="0">
-        <a:scrgbClr r="0" g="0" b="0"/>
-      </a:effectRef>
-      <a:fontRef idx="minor"/>
-    </dgm:style>
-  </dgm:styleLbl>
-  <dgm:styleLbl name="dkBgShp">
-    <dgm:scene3d>
-      <a:camera prst="orthographicFront"/>
-      <a:lightRig rig="threePt" dir="t"/>
-    </dgm:scene3d>
-    <dgm:sp3d/>
-    <dgm:txPr/>
-    <dgm:style>
-      <a:lnRef idx="0">
-        <a:scrgbClr r="0" g="0" b="0"/>
-      </a:lnRef>
-      <a:fillRef idx="1">
-        <a:scrgbClr r="0" g="0" b="0"/>
-      </a:fillRef>
-      <a:effectRef idx="0">
-        <a:scrgbClr r="0" g="0" b="0"/>
-      </a:effectRef>
-      <a:fontRef idx="minor"/>
-    </dgm:style>
-  </dgm:styleLbl>
-  <dgm:styleLbl name="trBgShp">
-    <dgm:scene3d>
-      <a:camera prst="orthographicFront"/>
-      <a:lightRig rig="threePt" dir="t"/>
-    </dgm:scene3d>
-    <dgm:sp3d/>
-    <dgm:txPr/>
-    <dgm:style>
-      <a:lnRef idx="0">
-        <a:scrgbClr r="0" g="0" b="0"/>
-      </a:lnRef>
-      <a:fillRef idx="1">
-        <a:scrgbClr r="0" g="0" b="0"/>
-      </a:fillRef>
-      <a:effectRef idx="0">
-        <a:scrgbClr r="0" g="0" b="0"/>
-      </a:effectRef>
-      <a:fontRef idx="minor"/>
-    </dgm:style>
-  </dgm:styleLbl>
-  <dgm:styleLbl name="fgShp">
-    <dgm:scene3d>
-      <a:camera prst="orthographicFront"/>
-      <a:lightRig rig="threePt" dir="t"/>
-    </dgm:scene3d>
-    <dgm:sp3d/>
-    <dgm:txPr/>
-    <dgm:style>
-      <a:lnRef idx="2">
-        <a:scrgbClr r="0" g="0" b="0"/>
-      </a:lnRef>
-      <a:fillRef idx="1">
-        <a:scrgbClr r="0" g="0" b="0"/>
-      </a:fillRef>
-      <a:effectRef idx="0">
-        <a:scrgbClr r="0" g="0" b="0"/>
-      </a:effectRef>
-      <a:fontRef idx="minor"/>
-    </dgm:style>
-  </dgm:styleLbl>
-  <dgm:styleLbl name="revTx">
-    <dgm:scene3d>
-      <a:camera prst="orthographicFront"/>
-      <a:lightRig rig="threePt" dir="t"/>
-    </dgm:scene3d>
-    <dgm:sp3d/>
-    <dgm:txPr/>
-    <dgm:style>
-      <a:lnRef idx="0">
-        <a:scrgbClr r="0" g="0" b="0"/>
-      </a:lnRef>
-      <a:fillRef idx="0">
-        <a:scrgbClr r="0" g="0" b="0"/>
-      </a:fillRef>
-      <a:effectRef idx="0">
-        <a:scrgbClr r="0" g="0" b="0"/>
-      </a:effectRef>
-      <a:fontRef idx="minor"/>
-    </dgm:style>
-  </dgm:styleLbl>
-</dgm:styleDef>
 </file>
 
 <file path=ppt/slideLayouts/slideLayout1.xml><?xml version="1.0" encoding="utf-8"?>
@@ -4194,7 +244,7 @@
           <a:p>
             <a:fld id="{367B1673-BAE8-457D-9A04-2BB6D1DDE3A6}" type="datetimeFigureOut">
               <a:rPr lang="en-US" smtClean="0"/>
-              <a:t>10/7/2024</a:t>
+              <a:t>11/21/2024</a:t>
             </a:fld>
             <a:endParaRPr lang="en-US"/>
           </a:p>
@@ -4364,7 +414,7 @@
           <a:p>
             <a:fld id="{367B1673-BAE8-457D-9A04-2BB6D1DDE3A6}" type="datetimeFigureOut">
               <a:rPr lang="en-US" smtClean="0"/>
-              <a:t>10/7/2024</a:t>
+              <a:t>11/21/2024</a:t>
             </a:fld>
             <a:endParaRPr lang="en-US"/>
           </a:p>
@@ -4544,7 +594,7 @@
           <a:p>
             <a:fld id="{367B1673-BAE8-457D-9A04-2BB6D1DDE3A6}" type="datetimeFigureOut">
               <a:rPr lang="en-US" smtClean="0"/>
-              <a:t>10/7/2024</a:t>
+              <a:t>11/21/2024</a:t>
             </a:fld>
             <a:endParaRPr lang="en-US"/>
           </a:p>
@@ -4714,7 +764,7 @@
           <a:p>
             <a:fld id="{367B1673-BAE8-457D-9A04-2BB6D1DDE3A6}" type="datetimeFigureOut">
               <a:rPr lang="en-US" smtClean="0"/>
-              <a:t>10/7/2024</a:t>
+              <a:t>11/21/2024</a:t>
             </a:fld>
             <a:endParaRPr lang="en-US"/>
           </a:p>
@@ -4960,7 +1010,7 @@
           <a:p>
             <a:fld id="{367B1673-BAE8-457D-9A04-2BB6D1DDE3A6}" type="datetimeFigureOut">
               <a:rPr lang="en-US" smtClean="0"/>
-              <a:t>10/7/2024</a:t>
+              <a:t>11/21/2024</a:t>
             </a:fld>
             <a:endParaRPr lang="en-US"/>
           </a:p>
@@ -5192,7 +1242,7 @@
           <a:p>
             <a:fld id="{367B1673-BAE8-457D-9A04-2BB6D1DDE3A6}" type="datetimeFigureOut">
               <a:rPr lang="en-US" smtClean="0"/>
-              <a:t>10/7/2024</a:t>
+              <a:t>11/21/2024</a:t>
             </a:fld>
             <a:endParaRPr lang="en-US"/>
           </a:p>
@@ -5559,7 +1609,7 @@
           <a:p>
             <a:fld id="{367B1673-BAE8-457D-9A04-2BB6D1DDE3A6}" type="datetimeFigureOut">
               <a:rPr lang="en-US" smtClean="0"/>
-              <a:t>10/7/2024</a:t>
+              <a:t>11/21/2024</a:t>
             </a:fld>
             <a:endParaRPr lang="en-US"/>
           </a:p>
@@ -5677,7 +1727,7 @@
           <a:p>
             <a:fld id="{367B1673-BAE8-457D-9A04-2BB6D1DDE3A6}" type="datetimeFigureOut">
               <a:rPr lang="en-US" smtClean="0"/>
-              <a:t>10/7/2024</a:t>
+              <a:t>11/21/2024</a:t>
             </a:fld>
             <a:endParaRPr lang="en-US"/>
           </a:p>
@@ -5772,7 +1822,7 @@
           <a:p>
             <a:fld id="{367B1673-BAE8-457D-9A04-2BB6D1DDE3A6}" type="datetimeFigureOut">
               <a:rPr lang="en-US" smtClean="0"/>
-              <a:t>10/7/2024</a:t>
+              <a:t>11/21/2024</a:t>
             </a:fld>
             <a:endParaRPr lang="en-US"/>
           </a:p>
@@ -6049,7 +2099,7 @@
           <a:p>
             <a:fld id="{367B1673-BAE8-457D-9A04-2BB6D1DDE3A6}" type="datetimeFigureOut">
               <a:rPr lang="en-US" smtClean="0"/>
-              <a:t>10/7/2024</a:t>
+              <a:t>11/21/2024</a:t>
             </a:fld>
             <a:endParaRPr lang="en-US"/>
           </a:p>
@@ -6306,7 +2356,7 @@
           <a:p>
             <a:fld id="{367B1673-BAE8-457D-9A04-2BB6D1DDE3A6}" type="datetimeFigureOut">
               <a:rPr lang="en-US" smtClean="0"/>
-              <a:t>10/7/2024</a:t>
+              <a:t>11/21/2024</a:t>
             </a:fld>
             <a:endParaRPr lang="en-US"/>
           </a:p>
@@ -6519,7 +2569,7 @@
           <a:p>
             <a:fld id="{367B1673-BAE8-457D-9A04-2BB6D1DDE3A6}" type="datetimeFigureOut">
               <a:rPr lang="en-US" smtClean="0"/>
-              <a:t>10/7/2024</a:t>
+              <a:t>11/21/2024</a:t>
             </a:fld>
             <a:endParaRPr lang="en-US"/>
           </a:p>
@@ -8156,38 +4206,1566 @@
           <a:chExt cx="0" cy="0"/>
         </a:xfrm>
       </p:grpSpPr>
-      <p:graphicFrame>
-        <p:nvGraphicFramePr>
-          <p:cNvPr id="28" name="Diagram 27">
+      <p:sp>
+        <p:nvSpPr>
+          <p:cNvPr id="2" name="Rectangle: Rounded Corners 1">
             <a:extLst>
               <a:ext uri="{FF2B5EF4-FFF2-40B4-BE49-F238E27FC236}">
-                <a16:creationId xmlns:a16="http://schemas.microsoft.com/office/drawing/2014/main" id="{A24FF81A-44CC-C755-CFD0-3E7DF1E01372}"/>
+                <a16:creationId xmlns:a16="http://schemas.microsoft.com/office/drawing/2014/main" id="{8F609B19-2FEB-CD5F-3E69-388D6E2DD923}"/>
               </a:ext>
             </a:extLst>
           </p:cNvPr>
-          <p:cNvGraphicFramePr/>
-          <p:nvPr>
-            <p:extLst>
-              <p:ext uri="{D42A27DB-BD31-4B8C-83A1-F6EECF244321}">
-                <p14:modId xmlns:p14="http://schemas.microsoft.com/office/powerpoint/2010/main" val="3669472258"/>
-              </p:ext>
-            </p:extLst>
-          </p:nvPr>
-        </p:nvGraphicFramePr>
-        <p:xfrm>
-          <a:off x="1157287" y="1063625"/>
-          <a:ext cx="6829425" cy="4064000"/>
-        </p:xfrm>
-        <a:graphic>
-          <a:graphicData uri="http://schemas.openxmlformats.org/drawingml/2006/diagram">
-            <dgm:relIds xmlns:dgm="http://schemas.openxmlformats.org/drawingml/2006/diagram" xmlns:r="http://schemas.openxmlformats.org/officeDocument/2006/relationships" r:dm="rId2" r:lo="rId3" r:qs="rId4" r:cs="rId5"/>
-          </a:graphicData>
-        </a:graphic>
-      </p:graphicFrame>
+          <p:cNvSpPr/>
+          <p:nvPr/>
+        </p:nvSpPr>
+        <p:spPr>
+          <a:xfrm>
+            <a:off x="3024187" y="104775"/>
+            <a:ext cx="3095625" cy="590550"/>
+          </a:xfrm>
+          <a:prstGeom prst="roundRect">
+            <a:avLst/>
+          </a:prstGeom>
+        </p:spPr>
+        <p:style>
+          <a:lnRef idx="2">
+            <a:schemeClr val="accent1">
+              <a:shade val="15000"/>
+            </a:schemeClr>
+          </a:lnRef>
+          <a:fillRef idx="1">
+            <a:schemeClr val="accent1"/>
+          </a:fillRef>
+          <a:effectRef idx="0">
+            <a:schemeClr val="accent1"/>
+          </a:effectRef>
+          <a:fontRef idx="minor">
+            <a:schemeClr val="lt1"/>
+          </a:fontRef>
+        </p:style>
+        <p:txBody>
+          <a:bodyPr rtlCol="0" anchor="ctr"/>
+          <a:lstStyle/>
+          <a:p>
+            <a:pPr algn="ctr"/>
+            <a:r>
+              <a:rPr lang="en-US" b="1" dirty="0"/>
+              <a:t>Project Documentation</a:t>
+            </a:r>
+          </a:p>
+        </p:txBody>
+      </p:sp>
+      <p:grpSp>
+        <p:nvGrpSpPr>
+          <p:cNvPr id="14" name="Group 13">
+            <a:extLst>
+              <a:ext uri="{FF2B5EF4-FFF2-40B4-BE49-F238E27FC236}">
+                <a16:creationId xmlns:a16="http://schemas.microsoft.com/office/drawing/2014/main" id="{7DB2B1D8-04AD-B7A5-8985-E647872A6A5A}"/>
+              </a:ext>
+            </a:extLst>
+          </p:cNvPr>
+          <p:cNvGrpSpPr/>
+          <p:nvPr/>
+        </p:nvGrpSpPr>
+        <p:grpSpPr>
+          <a:xfrm>
+            <a:off x="2330451" y="1228725"/>
+            <a:ext cx="2143123" cy="5610224"/>
+            <a:chOff x="2362201" y="1228725"/>
+            <a:chExt cx="2143123" cy="5610224"/>
+          </a:xfrm>
+        </p:grpSpPr>
+        <p:sp>
+          <p:nvSpPr>
+            <p:cNvPr id="4" name="Rectangle: Rounded Corners 3">
+              <a:extLst>
+                <a:ext uri="{FF2B5EF4-FFF2-40B4-BE49-F238E27FC236}">
+                  <a16:creationId xmlns:a16="http://schemas.microsoft.com/office/drawing/2014/main" id="{B55A7431-C831-2E08-72F3-5B1319414850}"/>
+                </a:ext>
+              </a:extLst>
+            </p:cNvPr>
+            <p:cNvSpPr/>
+            <p:nvPr/>
+          </p:nvSpPr>
+          <p:spPr>
+            <a:xfrm>
+              <a:off x="2362201" y="1752598"/>
+              <a:ext cx="2143123" cy="5086351"/>
+            </a:xfrm>
+            <a:prstGeom prst="roundRect">
+              <a:avLst>
+                <a:gd name="adj" fmla="val 3704"/>
+              </a:avLst>
+            </a:prstGeom>
+            <a:solidFill>
+              <a:schemeClr val="bg1">
+                <a:lumMod val="95000"/>
+              </a:schemeClr>
+            </a:solidFill>
+          </p:spPr>
+          <p:style>
+            <a:lnRef idx="2">
+              <a:schemeClr val="accent1">
+                <a:shade val="15000"/>
+              </a:schemeClr>
+            </a:lnRef>
+            <a:fillRef idx="1">
+              <a:schemeClr val="accent1"/>
+            </a:fillRef>
+            <a:effectRef idx="0">
+              <a:schemeClr val="accent1"/>
+            </a:effectRef>
+            <a:fontRef idx="minor">
+              <a:schemeClr val="lt1"/>
+            </a:fontRef>
+          </p:style>
+          <p:txBody>
+            <a:bodyPr tIns="91440" rtlCol="0" anchor="t" anchorCtr="0"/>
+            <a:lstStyle/>
+            <a:p>
+              <a:pPr>
+                <a:spcAft>
+                  <a:spcPts val="600"/>
+                </a:spcAft>
+              </a:pPr>
+              <a:r>
+                <a:rPr lang="en-US" sz="1400" dirty="0">
+                  <a:solidFill>
+                    <a:sysClr val="windowText" lastClr="000000"/>
+                  </a:solidFill>
+                </a:rPr>
+                <a:t>Strategic Documents</a:t>
+              </a:r>
+            </a:p>
+            <a:p>
+              <a:pPr>
+                <a:spcAft>
+                  <a:spcPts val="600"/>
+                </a:spcAft>
+              </a:pPr>
+              <a:r>
+                <a:rPr lang="en-US" sz="1400" dirty="0">
+                  <a:solidFill>
+                    <a:sysClr val="windowText" lastClr="000000"/>
+                  </a:solidFill>
+                </a:rPr>
+                <a:t>Planning Documents</a:t>
+              </a:r>
+            </a:p>
+            <a:p>
+              <a:pPr marL="285750" indent="-171450">
+                <a:spcAft>
+                  <a:spcPts val="600"/>
+                </a:spcAft>
+                <a:buFont typeface="Arial" panose="020B0604020202020204" pitchFamily="34" charset="0"/>
+                <a:buChar char="•"/>
+              </a:pPr>
+              <a:r>
+                <a:rPr lang="en-US" sz="1400" dirty="0">
+                  <a:solidFill>
+                    <a:sysClr val="windowText" lastClr="000000"/>
+                  </a:solidFill>
+                </a:rPr>
+                <a:t>Data Management Plans</a:t>
+              </a:r>
+            </a:p>
+            <a:p>
+              <a:pPr marL="285750" indent="-171450">
+                <a:spcAft>
+                  <a:spcPts val="600"/>
+                </a:spcAft>
+                <a:buFont typeface="Arial" panose="020B0604020202020204" pitchFamily="34" charset="0"/>
+                <a:buChar char="•"/>
+              </a:pPr>
+              <a:r>
+                <a:rPr lang="en-US" sz="1400" dirty="0">
+                  <a:solidFill>
+                    <a:sysClr val="windowText" lastClr="000000"/>
+                  </a:solidFill>
+                </a:rPr>
+                <a:t>Engagement / Outreach Plans</a:t>
+              </a:r>
+            </a:p>
+            <a:p>
+              <a:pPr marL="285750" indent="-171450">
+                <a:spcAft>
+                  <a:spcPts val="600"/>
+                </a:spcAft>
+                <a:buFont typeface="Arial" panose="020B0604020202020204" pitchFamily="34" charset="0"/>
+                <a:buChar char="•"/>
+              </a:pPr>
+              <a:r>
+                <a:rPr lang="en-US" sz="1400" dirty="0">
+                  <a:solidFill>
+                    <a:sysClr val="windowText" lastClr="000000"/>
+                  </a:solidFill>
+                </a:rPr>
+                <a:t>Quality Assurance Project Plans (QAPPs)</a:t>
+              </a:r>
+            </a:p>
+            <a:p>
+              <a:pPr marL="285750" indent="-171450">
+                <a:spcAft>
+                  <a:spcPts val="600"/>
+                </a:spcAft>
+                <a:buFont typeface="Arial" panose="020B0604020202020204" pitchFamily="34" charset="0"/>
+                <a:buChar char="•"/>
+              </a:pPr>
+              <a:r>
+                <a:rPr lang="en-US" sz="1400" dirty="0">
+                  <a:solidFill>
+                    <a:sysClr val="windowText" lastClr="000000"/>
+                  </a:solidFill>
+                </a:rPr>
+                <a:t>Work Plans</a:t>
+              </a:r>
+            </a:p>
+            <a:p>
+              <a:pPr marL="285750" indent="-171450">
+                <a:spcAft>
+                  <a:spcPts val="600"/>
+                </a:spcAft>
+                <a:buFont typeface="Arial" panose="020B0604020202020204" pitchFamily="34" charset="0"/>
+                <a:buChar char="•"/>
+              </a:pPr>
+              <a:r>
+                <a:rPr lang="en-US" sz="1400" dirty="0">
+                  <a:solidFill>
+                    <a:sysClr val="windowText" lastClr="000000"/>
+                  </a:solidFill>
+                </a:rPr>
+                <a:t>Timelines</a:t>
+              </a:r>
+            </a:p>
+            <a:p>
+              <a:pPr marL="285750" indent="-171450">
+                <a:spcAft>
+                  <a:spcPts val="600"/>
+                </a:spcAft>
+                <a:buFont typeface="Arial" panose="020B0604020202020204" pitchFamily="34" charset="0"/>
+                <a:buChar char="•"/>
+              </a:pPr>
+              <a:r>
+                <a:rPr lang="en-US" sz="1400" dirty="0">
+                  <a:solidFill>
+                    <a:sysClr val="windowText" lastClr="000000"/>
+                  </a:solidFill>
+                </a:rPr>
+                <a:t>Budget and Contracts</a:t>
+              </a:r>
+            </a:p>
+            <a:p>
+              <a:pPr>
+                <a:spcAft>
+                  <a:spcPts val="600"/>
+                </a:spcAft>
+              </a:pPr>
+              <a:r>
+                <a:rPr lang="en-US" sz="1400" dirty="0">
+                  <a:solidFill>
+                    <a:sysClr val="windowText" lastClr="000000"/>
+                  </a:solidFill>
+                </a:rPr>
+                <a:t>Standard Operating Procedures (SOPs)</a:t>
+              </a:r>
+              <a:endParaRPr lang="en-US" sz="1600" dirty="0">
+                <a:solidFill>
+                  <a:sysClr val="windowText" lastClr="000000"/>
+                </a:solidFill>
+              </a:endParaRPr>
+            </a:p>
+            <a:p>
+              <a:pPr>
+                <a:spcAft>
+                  <a:spcPts val="600"/>
+                </a:spcAft>
+              </a:pPr>
+              <a:r>
+                <a:rPr lang="en-US" sz="1400" dirty="0">
+                  <a:solidFill>
+                    <a:sysClr val="windowText" lastClr="000000"/>
+                  </a:solidFill>
+                </a:rPr>
+                <a:t>Product Review &amp; Feedback Process</a:t>
+              </a:r>
+            </a:p>
+          </p:txBody>
+        </p:sp>
+        <p:sp>
+          <p:nvSpPr>
+            <p:cNvPr id="3" name="Rectangle: Rounded Corners 2">
+              <a:extLst>
+                <a:ext uri="{FF2B5EF4-FFF2-40B4-BE49-F238E27FC236}">
+                  <a16:creationId xmlns:a16="http://schemas.microsoft.com/office/drawing/2014/main" id="{18E7D5E6-6618-86CF-6737-001B66538F89}"/>
+                </a:ext>
+              </a:extLst>
+            </p:cNvPr>
+            <p:cNvSpPr/>
+            <p:nvPr/>
+          </p:nvSpPr>
+          <p:spPr>
+            <a:xfrm>
+              <a:off x="2362201" y="1228725"/>
+              <a:ext cx="2143123" cy="590550"/>
+            </a:xfrm>
+            <a:prstGeom prst="roundRect">
+              <a:avLst/>
+            </a:prstGeom>
+          </p:spPr>
+          <p:style>
+            <a:lnRef idx="2">
+              <a:schemeClr val="accent1">
+                <a:shade val="15000"/>
+              </a:schemeClr>
+            </a:lnRef>
+            <a:fillRef idx="1">
+              <a:schemeClr val="accent1"/>
+            </a:fillRef>
+            <a:effectRef idx="0">
+              <a:schemeClr val="accent1"/>
+            </a:effectRef>
+            <a:fontRef idx="minor">
+              <a:schemeClr val="lt1"/>
+            </a:fontRef>
+          </p:style>
+          <p:txBody>
+            <a:bodyPr rtlCol="0" anchor="ctr"/>
+            <a:lstStyle/>
+            <a:p>
+              <a:pPr algn="ctr"/>
+              <a:r>
+                <a:rPr lang="en-US" sz="1600" b="1" dirty="0"/>
+                <a:t>Process</a:t>
+              </a:r>
+            </a:p>
+            <a:p>
+              <a:pPr algn="ctr"/>
+              <a:r>
+                <a:rPr lang="en-US" sz="1600" b="1" dirty="0"/>
+                <a:t>Documentation</a:t>
+              </a:r>
+            </a:p>
+          </p:txBody>
+        </p:sp>
+      </p:grpSp>
+      <p:grpSp>
+        <p:nvGrpSpPr>
+          <p:cNvPr id="13" name="Group 12">
+            <a:extLst>
+              <a:ext uri="{FF2B5EF4-FFF2-40B4-BE49-F238E27FC236}">
+                <a16:creationId xmlns:a16="http://schemas.microsoft.com/office/drawing/2014/main" id="{EFDE54A9-EDBF-4416-16F9-0E6D3FFC99EE}"/>
+              </a:ext>
+            </a:extLst>
+          </p:cNvPr>
+          <p:cNvGrpSpPr/>
+          <p:nvPr/>
+        </p:nvGrpSpPr>
+        <p:grpSpPr>
+          <a:xfrm>
+            <a:off x="4660902" y="1228725"/>
+            <a:ext cx="2143123" cy="5610224"/>
+            <a:chOff x="4714877" y="1228725"/>
+            <a:chExt cx="2143123" cy="5610224"/>
+          </a:xfrm>
+        </p:grpSpPr>
+        <p:sp>
+          <p:nvSpPr>
+            <p:cNvPr id="5" name="Rectangle: Rounded Corners 4">
+              <a:extLst>
+                <a:ext uri="{FF2B5EF4-FFF2-40B4-BE49-F238E27FC236}">
+                  <a16:creationId xmlns:a16="http://schemas.microsoft.com/office/drawing/2014/main" id="{6384F101-227D-5AAC-9FFB-D425FA4F39F6}"/>
+                </a:ext>
+              </a:extLst>
+            </p:cNvPr>
+            <p:cNvSpPr/>
+            <p:nvPr/>
+          </p:nvSpPr>
+          <p:spPr>
+            <a:xfrm>
+              <a:off x="4714877" y="1752598"/>
+              <a:ext cx="2143123" cy="5086351"/>
+            </a:xfrm>
+            <a:prstGeom prst="roundRect">
+              <a:avLst>
+                <a:gd name="adj" fmla="val 3704"/>
+              </a:avLst>
+            </a:prstGeom>
+            <a:solidFill>
+              <a:schemeClr val="bg1">
+                <a:lumMod val="95000"/>
+              </a:schemeClr>
+            </a:solidFill>
+          </p:spPr>
+          <p:style>
+            <a:lnRef idx="2">
+              <a:schemeClr val="accent1">
+                <a:shade val="15000"/>
+              </a:schemeClr>
+            </a:lnRef>
+            <a:fillRef idx="1">
+              <a:schemeClr val="accent1"/>
+            </a:fillRef>
+            <a:effectRef idx="0">
+              <a:schemeClr val="accent1"/>
+            </a:effectRef>
+            <a:fontRef idx="minor">
+              <a:schemeClr val="lt1"/>
+            </a:fontRef>
+          </p:style>
+          <p:txBody>
+            <a:bodyPr tIns="91440" rtlCol="0" anchor="t" anchorCtr="0"/>
+            <a:lstStyle/>
+            <a:p>
+              <a:pPr>
+                <a:spcAft>
+                  <a:spcPts val="600"/>
+                </a:spcAft>
+              </a:pPr>
+              <a:r>
+                <a:rPr lang="en-US" sz="1400" dirty="0">
+                  <a:solidFill>
+                    <a:sysClr val="windowText" lastClr="000000"/>
+                  </a:solidFill>
+                </a:rPr>
+                <a:t>Data Life Cycle Workflow Diagrams</a:t>
+              </a:r>
+            </a:p>
+            <a:p>
+              <a:pPr>
+                <a:spcAft>
+                  <a:spcPts val="600"/>
+                </a:spcAft>
+              </a:pPr>
+              <a:r>
+                <a:rPr lang="en-US" sz="1400" dirty="0">
+                  <a:solidFill>
+                    <a:sysClr val="windowText" lastClr="000000"/>
+                  </a:solidFill>
+                </a:rPr>
+                <a:t>Data Architecture &amp; Relationships</a:t>
+              </a:r>
+            </a:p>
+            <a:p>
+              <a:pPr>
+                <a:spcAft>
+                  <a:spcPts val="600"/>
+                </a:spcAft>
+              </a:pPr>
+              <a:r>
+                <a:rPr lang="en-US" sz="1400" dirty="0">
+                  <a:solidFill>
+                    <a:sysClr val="windowText" lastClr="000000"/>
+                  </a:solidFill>
+                </a:rPr>
+                <a:t>Metadata</a:t>
+              </a:r>
+            </a:p>
+            <a:p>
+              <a:pPr>
+                <a:spcAft>
+                  <a:spcPts val="600"/>
+                </a:spcAft>
+              </a:pPr>
+              <a:r>
+                <a:rPr lang="en-US" sz="1400" dirty="0">
+                  <a:solidFill>
+                    <a:sysClr val="windowText" lastClr="000000"/>
+                  </a:solidFill>
+                </a:rPr>
+                <a:t>Data Dictionaries</a:t>
+              </a:r>
+            </a:p>
+            <a:p>
+              <a:pPr>
+                <a:spcAft>
+                  <a:spcPts val="600"/>
+                </a:spcAft>
+              </a:pPr>
+              <a:r>
+                <a:rPr lang="en-US" sz="1400" dirty="0">
+                  <a:solidFill>
+                    <a:sysClr val="windowText" lastClr="000000"/>
+                  </a:solidFill>
+                </a:rPr>
+                <a:t>Data &amp; Product Governance</a:t>
+              </a:r>
+            </a:p>
+            <a:p>
+              <a:pPr marL="285750" indent="-171450">
+                <a:spcAft>
+                  <a:spcPts val="600"/>
+                </a:spcAft>
+                <a:buFont typeface="Arial" panose="020B0604020202020204" pitchFamily="34" charset="0"/>
+                <a:buChar char="•"/>
+              </a:pPr>
+              <a:r>
+                <a:rPr lang="en-US" sz="1400" dirty="0">
+                  <a:solidFill>
+                    <a:sysClr val="windowText" lastClr="000000"/>
+                  </a:solidFill>
+                </a:rPr>
+                <a:t>Data Categorization</a:t>
+              </a:r>
+            </a:p>
+            <a:p>
+              <a:pPr marL="285750" indent="-171450">
+                <a:spcAft>
+                  <a:spcPts val="600"/>
+                </a:spcAft>
+                <a:buFont typeface="Arial" panose="020B0604020202020204" pitchFamily="34" charset="0"/>
+                <a:buChar char="•"/>
+              </a:pPr>
+              <a:r>
+                <a:rPr lang="en-US" sz="1400" dirty="0">
+                  <a:solidFill>
+                    <a:sysClr val="windowText" lastClr="000000"/>
+                  </a:solidFill>
+                </a:rPr>
+                <a:t>Security Checklists</a:t>
+              </a:r>
+            </a:p>
+            <a:p>
+              <a:pPr marL="285750" indent="-171450">
+                <a:spcAft>
+                  <a:spcPts val="600"/>
+                </a:spcAft>
+                <a:buFont typeface="Arial" panose="020B0604020202020204" pitchFamily="34" charset="0"/>
+                <a:buChar char="•"/>
+              </a:pPr>
+              <a:r>
+                <a:rPr lang="en-US" sz="1400" dirty="0">
+                  <a:solidFill>
+                    <a:sysClr val="windowText" lastClr="000000"/>
+                  </a:solidFill>
+                </a:rPr>
+                <a:t>Code / Repository Access Settings</a:t>
+              </a:r>
+            </a:p>
+            <a:p>
+              <a:pPr>
+                <a:spcAft>
+                  <a:spcPts val="600"/>
+                </a:spcAft>
+              </a:pPr>
+              <a:r>
+                <a:rPr lang="en-US" sz="1400" dirty="0">
+                  <a:solidFill>
+                    <a:sysClr val="windowText" lastClr="000000"/>
+                  </a:solidFill>
+                </a:rPr>
+                <a:t>GitHub Repositories</a:t>
+              </a:r>
+            </a:p>
+            <a:p>
+              <a:pPr marL="285750" indent="-171450">
+                <a:spcAft>
+                  <a:spcPts val="600"/>
+                </a:spcAft>
+                <a:buFont typeface="Arial" panose="020B0604020202020204" pitchFamily="34" charset="0"/>
+                <a:buChar char="•"/>
+              </a:pPr>
+              <a:r>
+                <a:rPr lang="en-US" sz="1400" dirty="0">
+                  <a:solidFill>
+                    <a:sysClr val="windowText" lastClr="000000"/>
+                  </a:solidFill>
+                </a:rPr>
+                <a:t>Source code with inline comments</a:t>
+              </a:r>
+            </a:p>
+            <a:p>
+              <a:pPr marL="285750" indent="-171450">
+                <a:spcAft>
+                  <a:spcPts val="600"/>
+                </a:spcAft>
+                <a:buFont typeface="Arial" panose="020B0604020202020204" pitchFamily="34" charset="0"/>
+                <a:buChar char="•"/>
+              </a:pPr>
+              <a:r>
+                <a:rPr lang="en-US" sz="1400" dirty="0">
+                  <a:solidFill>
+                    <a:sysClr val="windowText" lastClr="000000"/>
+                  </a:solidFill>
+                </a:rPr>
+                <a:t>ReadMe</a:t>
+              </a:r>
+            </a:p>
+            <a:p>
+              <a:pPr marL="285750" indent="-171450">
+                <a:spcAft>
+                  <a:spcPts val="600"/>
+                </a:spcAft>
+                <a:buFont typeface="Arial" panose="020B0604020202020204" pitchFamily="34" charset="0"/>
+                <a:buChar char="•"/>
+              </a:pPr>
+              <a:r>
+                <a:rPr lang="en-US" sz="1400" dirty="0">
+                  <a:solidFill>
+                    <a:sysClr val="windowText" lastClr="000000"/>
+                  </a:solidFill>
+                </a:rPr>
+                <a:t>Code outputs</a:t>
+              </a:r>
+            </a:p>
+            <a:p>
+              <a:pPr>
+                <a:spcAft>
+                  <a:spcPts val="600"/>
+                </a:spcAft>
+              </a:pPr>
+              <a:endParaRPr lang="en-US" sz="1400" dirty="0">
+                <a:solidFill>
+                  <a:sysClr val="windowText" lastClr="000000"/>
+                </a:solidFill>
+              </a:endParaRPr>
+            </a:p>
+          </p:txBody>
+        </p:sp>
+        <p:sp>
+          <p:nvSpPr>
+            <p:cNvPr id="6" name="Rectangle: Rounded Corners 5">
+              <a:extLst>
+                <a:ext uri="{FF2B5EF4-FFF2-40B4-BE49-F238E27FC236}">
+                  <a16:creationId xmlns:a16="http://schemas.microsoft.com/office/drawing/2014/main" id="{B6FE7749-F166-A17C-3F34-E77DECBA0658}"/>
+                </a:ext>
+              </a:extLst>
+            </p:cNvPr>
+            <p:cNvSpPr/>
+            <p:nvPr/>
+          </p:nvSpPr>
+          <p:spPr>
+            <a:xfrm>
+              <a:off x="4714877" y="1228725"/>
+              <a:ext cx="2143123" cy="590550"/>
+            </a:xfrm>
+            <a:prstGeom prst="roundRect">
+              <a:avLst/>
+            </a:prstGeom>
+          </p:spPr>
+          <p:style>
+            <a:lnRef idx="2">
+              <a:schemeClr val="accent1">
+                <a:shade val="15000"/>
+              </a:schemeClr>
+            </a:lnRef>
+            <a:fillRef idx="1">
+              <a:schemeClr val="accent1"/>
+            </a:fillRef>
+            <a:effectRef idx="0">
+              <a:schemeClr val="accent1"/>
+            </a:effectRef>
+            <a:fontRef idx="minor">
+              <a:schemeClr val="lt1"/>
+            </a:fontRef>
+          </p:style>
+          <p:txBody>
+            <a:bodyPr rtlCol="0" anchor="ctr"/>
+            <a:lstStyle/>
+            <a:p>
+              <a:pPr algn="ctr"/>
+              <a:r>
+                <a:rPr lang="en-US" sz="1600" b="1" dirty="0"/>
+                <a:t>Technical</a:t>
+              </a:r>
+            </a:p>
+            <a:p>
+              <a:pPr algn="ctr"/>
+              <a:r>
+                <a:rPr lang="en-US" sz="1600" b="1" dirty="0"/>
+                <a:t>Documentation</a:t>
+              </a:r>
+            </a:p>
+          </p:txBody>
+        </p:sp>
+      </p:grpSp>
+      <p:grpSp>
+        <p:nvGrpSpPr>
+          <p:cNvPr id="11" name="Group 10">
+            <a:extLst>
+              <a:ext uri="{FF2B5EF4-FFF2-40B4-BE49-F238E27FC236}">
+                <a16:creationId xmlns:a16="http://schemas.microsoft.com/office/drawing/2014/main" id="{6A4F0222-D2D3-E991-26D8-A421DFA5ABBA}"/>
+              </a:ext>
+            </a:extLst>
+          </p:cNvPr>
+          <p:cNvGrpSpPr/>
+          <p:nvPr/>
+        </p:nvGrpSpPr>
+        <p:grpSpPr>
+          <a:xfrm>
+            <a:off x="0" y="1228725"/>
+            <a:ext cx="2143123" cy="5610224"/>
+            <a:chOff x="0" y="1228725"/>
+            <a:chExt cx="2143123" cy="5610224"/>
+          </a:xfrm>
+        </p:grpSpPr>
+        <p:sp>
+          <p:nvSpPr>
+            <p:cNvPr id="7" name="Rectangle: Rounded Corners 6">
+              <a:extLst>
+                <a:ext uri="{FF2B5EF4-FFF2-40B4-BE49-F238E27FC236}">
+                  <a16:creationId xmlns:a16="http://schemas.microsoft.com/office/drawing/2014/main" id="{57DF4364-36A0-7B1C-8E3F-1EDD10DBDD2B}"/>
+                </a:ext>
+              </a:extLst>
+            </p:cNvPr>
+            <p:cNvSpPr/>
+            <p:nvPr/>
+          </p:nvSpPr>
+          <p:spPr>
+            <a:xfrm>
+              <a:off x="0" y="1752598"/>
+              <a:ext cx="2143123" cy="5086351"/>
+            </a:xfrm>
+            <a:prstGeom prst="roundRect">
+              <a:avLst>
+                <a:gd name="adj" fmla="val 3704"/>
+              </a:avLst>
+            </a:prstGeom>
+            <a:solidFill>
+              <a:schemeClr val="bg1">
+                <a:lumMod val="95000"/>
+              </a:schemeClr>
+            </a:solidFill>
+          </p:spPr>
+          <p:style>
+            <a:lnRef idx="2">
+              <a:schemeClr val="accent1">
+                <a:shade val="15000"/>
+              </a:schemeClr>
+            </a:lnRef>
+            <a:fillRef idx="1">
+              <a:schemeClr val="accent1"/>
+            </a:fillRef>
+            <a:effectRef idx="0">
+              <a:schemeClr val="accent1"/>
+            </a:effectRef>
+            <a:fontRef idx="minor">
+              <a:schemeClr val="lt1"/>
+            </a:fontRef>
+          </p:style>
+          <p:txBody>
+            <a:bodyPr tIns="91440" rtlCol="0" anchor="t" anchorCtr="0"/>
+            <a:lstStyle/>
+            <a:p>
+              <a:pPr>
+                <a:spcAft>
+                  <a:spcPts val="600"/>
+                </a:spcAft>
+              </a:pPr>
+              <a:r>
+                <a:rPr lang="en-US" sz="1400" dirty="0">
+                  <a:solidFill>
+                    <a:sysClr val="windowText" lastClr="000000"/>
+                  </a:solidFill>
+                </a:rPr>
+                <a:t>Onboarding &amp; Offboarding Resources</a:t>
+              </a:r>
+            </a:p>
+            <a:p>
+              <a:pPr marL="285750" indent="-171450">
+                <a:spcAft>
+                  <a:spcPts val="600"/>
+                </a:spcAft>
+                <a:buFont typeface="Arial" panose="020B0604020202020204" pitchFamily="34" charset="0"/>
+                <a:buChar char="•"/>
+              </a:pPr>
+              <a:r>
+                <a:rPr lang="en-US" sz="1400" dirty="0">
+                  <a:solidFill>
+                    <a:sysClr val="windowText" lastClr="000000"/>
+                  </a:solidFill>
+                </a:rPr>
+                <a:t>Useful Background Information</a:t>
+              </a:r>
+            </a:p>
+            <a:p>
+              <a:pPr marL="285750" indent="-171450">
+                <a:spcAft>
+                  <a:spcPts val="600"/>
+                </a:spcAft>
+                <a:buFont typeface="Arial" panose="020B0604020202020204" pitchFamily="34" charset="0"/>
+                <a:buChar char="•"/>
+              </a:pPr>
+              <a:r>
+                <a:rPr lang="en-US" sz="1400" dirty="0">
+                  <a:solidFill>
+                    <a:sysClr val="windowText" lastClr="000000"/>
+                  </a:solidFill>
+                </a:rPr>
+                <a:t>Values, Culture</a:t>
+              </a:r>
+            </a:p>
+            <a:p>
+              <a:pPr marL="285750" indent="-171450">
+                <a:spcAft>
+                  <a:spcPts val="600"/>
+                </a:spcAft>
+                <a:buFont typeface="Arial" panose="020B0604020202020204" pitchFamily="34" charset="0"/>
+                <a:buChar char="•"/>
+              </a:pPr>
+              <a:r>
+                <a:rPr lang="en-US" sz="1400" dirty="0">
+                  <a:solidFill>
+                    <a:sysClr val="windowText" lastClr="000000"/>
+                  </a:solidFill>
+                </a:rPr>
+                <a:t>Expectations, Codes of Conduct</a:t>
+              </a:r>
+            </a:p>
+            <a:p>
+              <a:pPr marL="285750" indent="-171450">
+                <a:spcAft>
+                  <a:spcPts val="600"/>
+                </a:spcAft>
+                <a:buFont typeface="Arial" panose="020B0604020202020204" pitchFamily="34" charset="0"/>
+                <a:buChar char="•"/>
+              </a:pPr>
+              <a:r>
+                <a:rPr lang="en-US" sz="1400" dirty="0">
+                  <a:solidFill>
+                    <a:sysClr val="windowText" lastClr="000000"/>
+                  </a:solidFill>
+                </a:rPr>
+                <a:t>Roles, Responsibilities</a:t>
+              </a:r>
+            </a:p>
+            <a:p>
+              <a:pPr marL="285750" indent="-171450">
+                <a:spcAft>
+                  <a:spcPts val="600"/>
+                </a:spcAft>
+                <a:buFont typeface="Arial" panose="020B0604020202020204" pitchFamily="34" charset="0"/>
+                <a:buChar char="•"/>
+              </a:pPr>
+              <a:r>
+                <a:rPr lang="en-US" sz="1400" dirty="0">
+                  <a:solidFill>
+                    <a:sysClr val="windowText" lastClr="000000"/>
+                  </a:solidFill>
+                </a:rPr>
+                <a:t>Administrative Resources </a:t>
+              </a:r>
+            </a:p>
+            <a:p>
+              <a:pPr marL="285750" indent="-171450">
+                <a:spcAft>
+                  <a:spcPts val="600"/>
+                </a:spcAft>
+                <a:buFont typeface="Arial" panose="020B0604020202020204" pitchFamily="34" charset="0"/>
+                <a:buChar char="•"/>
+              </a:pPr>
+              <a:r>
+                <a:rPr lang="en-US" sz="1400" dirty="0">
+                  <a:solidFill>
+                    <a:sysClr val="windowText" lastClr="000000"/>
+                  </a:solidFill>
+                </a:rPr>
+                <a:t>Where to find things (e.g. data, products)</a:t>
+              </a:r>
+            </a:p>
+            <a:p>
+              <a:pPr>
+                <a:spcAft>
+                  <a:spcPts val="600"/>
+                </a:spcAft>
+              </a:pPr>
+              <a:r>
+                <a:rPr lang="en-US" sz="1400" dirty="0">
+                  <a:solidFill>
+                    <a:sysClr val="windowText" lastClr="000000"/>
+                  </a:solidFill>
+                </a:rPr>
+                <a:t>Training Materials</a:t>
+              </a:r>
+            </a:p>
+            <a:p>
+              <a:pPr>
+                <a:spcAft>
+                  <a:spcPts val="600"/>
+                </a:spcAft>
+              </a:pPr>
+              <a:r>
+                <a:rPr lang="en-US" sz="1400" dirty="0">
+                  <a:solidFill>
+                    <a:sysClr val="windowText" lastClr="000000"/>
+                  </a:solidFill>
+                </a:rPr>
+                <a:t>Project Management</a:t>
+              </a:r>
+            </a:p>
+            <a:p>
+              <a:pPr marL="285750" indent="-171450">
+                <a:spcAft>
+                  <a:spcPts val="600"/>
+                </a:spcAft>
+                <a:buFont typeface="Arial" panose="020B0604020202020204" pitchFamily="34" charset="0"/>
+                <a:buChar char="•"/>
+              </a:pPr>
+              <a:r>
+                <a:rPr lang="en-US" sz="1400" dirty="0">
+                  <a:solidFill>
+                    <a:sysClr val="windowText" lastClr="000000"/>
+                  </a:solidFill>
+                </a:rPr>
+                <a:t>Meeting Agendas, Notes</a:t>
+              </a:r>
+            </a:p>
+            <a:p>
+              <a:pPr marL="285750" indent="-171450">
+                <a:spcAft>
+                  <a:spcPts val="600"/>
+                </a:spcAft>
+                <a:buFont typeface="Arial" panose="020B0604020202020204" pitchFamily="34" charset="0"/>
+                <a:buChar char="•"/>
+              </a:pPr>
+              <a:r>
+                <a:rPr lang="en-US" sz="1400" dirty="0">
+                  <a:solidFill>
+                    <a:sysClr val="windowText" lastClr="000000"/>
+                  </a:solidFill>
+                </a:rPr>
+                <a:t>Tracking Systems</a:t>
+              </a:r>
+            </a:p>
+            <a:p>
+              <a:pPr>
+                <a:spcAft>
+                  <a:spcPts val="600"/>
+                </a:spcAft>
+              </a:pPr>
+              <a:endParaRPr lang="en-US" sz="1400" dirty="0">
+                <a:solidFill>
+                  <a:sysClr val="windowText" lastClr="000000"/>
+                </a:solidFill>
+              </a:endParaRPr>
+            </a:p>
+            <a:p>
+              <a:pPr>
+                <a:spcAft>
+                  <a:spcPts val="600"/>
+                </a:spcAft>
+              </a:pPr>
+              <a:endParaRPr lang="en-US" sz="1400" dirty="0">
+                <a:solidFill>
+                  <a:sysClr val="windowText" lastClr="000000"/>
+                </a:solidFill>
+              </a:endParaRPr>
+            </a:p>
+          </p:txBody>
+        </p:sp>
+        <p:sp>
+          <p:nvSpPr>
+            <p:cNvPr id="8" name="Rectangle: Rounded Corners 7">
+              <a:extLst>
+                <a:ext uri="{FF2B5EF4-FFF2-40B4-BE49-F238E27FC236}">
+                  <a16:creationId xmlns:a16="http://schemas.microsoft.com/office/drawing/2014/main" id="{88B35579-FF65-008F-0FFB-A68497F424A5}"/>
+                </a:ext>
+              </a:extLst>
+            </p:cNvPr>
+            <p:cNvSpPr/>
+            <p:nvPr/>
+          </p:nvSpPr>
+          <p:spPr>
+            <a:xfrm>
+              <a:off x="0" y="1228725"/>
+              <a:ext cx="2143123" cy="590550"/>
+            </a:xfrm>
+            <a:prstGeom prst="roundRect">
+              <a:avLst/>
+            </a:prstGeom>
+          </p:spPr>
+          <p:style>
+            <a:lnRef idx="2">
+              <a:schemeClr val="accent1">
+                <a:shade val="15000"/>
+              </a:schemeClr>
+            </a:lnRef>
+            <a:fillRef idx="1">
+              <a:schemeClr val="accent1"/>
+            </a:fillRef>
+            <a:effectRef idx="0">
+              <a:schemeClr val="accent1"/>
+            </a:effectRef>
+            <a:fontRef idx="minor">
+              <a:schemeClr val="lt1"/>
+            </a:fontRef>
+          </p:style>
+          <p:txBody>
+            <a:bodyPr rtlCol="0" anchor="ctr"/>
+            <a:lstStyle/>
+            <a:p>
+              <a:pPr algn="ctr"/>
+              <a:r>
+                <a:rPr lang="en-US" sz="1600" b="1" dirty="0"/>
+                <a:t>Team</a:t>
+              </a:r>
+            </a:p>
+            <a:p>
+              <a:pPr algn="ctr"/>
+              <a:r>
+                <a:rPr lang="en-US" sz="1600" b="1" dirty="0"/>
+                <a:t>Documentation</a:t>
+              </a:r>
+            </a:p>
+          </p:txBody>
+        </p:sp>
+      </p:grpSp>
+      <p:grpSp>
+        <p:nvGrpSpPr>
+          <p:cNvPr id="12" name="Group 11">
+            <a:extLst>
+              <a:ext uri="{FF2B5EF4-FFF2-40B4-BE49-F238E27FC236}">
+                <a16:creationId xmlns:a16="http://schemas.microsoft.com/office/drawing/2014/main" id="{EA9B8F25-05AD-74C2-23BA-ADB0A3E382A0}"/>
+              </a:ext>
+            </a:extLst>
+          </p:cNvPr>
+          <p:cNvGrpSpPr/>
+          <p:nvPr/>
+        </p:nvGrpSpPr>
+        <p:grpSpPr>
+          <a:xfrm>
+            <a:off x="6991352" y="1228725"/>
+            <a:ext cx="2143123" cy="5610224"/>
+            <a:chOff x="6991352" y="1228725"/>
+            <a:chExt cx="2143123" cy="5610224"/>
+          </a:xfrm>
+        </p:grpSpPr>
+        <p:sp>
+          <p:nvSpPr>
+            <p:cNvPr id="9" name="Rectangle: Rounded Corners 8">
+              <a:extLst>
+                <a:ext uri="{FF2B5EF4-FFF2-40B4-BE49-F238E27FC236}">
+                  <a16:creationId xmlns:a16="http://schemas.microsoft.com/office/drawing/2014/main" id="{F7D12119-756A-6655-8ED9-C4A32C16E1EA}"/>
+                </a:ext>
+              </a:extLst>
+            </p:cNvPr>
+            <p:cNvSpPr/>
+            <p:nvPr/>
+          </p:nvSpPr>
+          <p:spPr>
+            <a:xfrm>
+              <a:off x="6991352" y="1752598"/>
+              <a:ext cx="2143123" cy="5086351"/>
+            </a:xfrm>
+            <a:prstGeom prst="roundRect">
+              <a:avLst>
+                <a:gd name="adj" fmla="val 3704"/>
+              </a:avLst>
+            </a:prstGeom>
+            <a:solidFill>
+              <a:schemeClr val="bg1">
+                <a:lumMod val="95000"/>
+              </a:schemeClr>
+            </a:solidFill>
+          </p:spPr>
+          <p:style>
+            <a:lnRef idx="2">
+              <a:schemeClr val="accent1">
+                <a:shade val="15000"/>
+              </a:schemeClr>
+            </a:lnRef>
+            <a:fillRef idx="1">
+              <a:schemeClr val="accent1"/>
+            </a:fillRef>
+            <a:effectRef idx="0">
+              <a:schemeClr val="accent1"/>
+            </a:effectRef>
+            <a:fontRef idx="minor">
+              <a:schemeClr val="lt1"/>
+            </a:fontRef>
+          </p:style>
+          <p:txBody>
+            <a:bodyPr tIns="91440" rtlCol="0" anchor="t" anchorCtr="0"/>
+            <a:lstStyle/>
+            <a:p>
+              <a:pPr>
+                <a:spcAft>
+                  <a:spcPts val="600"/>
+                </a:spcAft>
+              </a:pPr>
+              <a:r>
+                <a:rPr lang="en-US" sz="1400" dirty="0">
+                  <a:solidFill>
+                    <a:sysClr val="windowText" lastClr="000000"/>
+                  </a:solidFill>
+                </a:rPr>
+                <a:t>Guides, Tutorials</a:t>
+              </a:r>
+            </a:p>
+            <a:p>
+              <a:pPr>
+                <a:spcAft>
+                  <a:spcPts val="600"/>
+                </a:spcAft>
+              </a:pPr>
+              <a:r>
+                <a:rPr lang="en-US" sz="1400" dirty="0">
+                  <a:solidFill>
+                    <a:sysClr val="windowText" lastClr="000000"/>
+                  </a:solidFill>
+                </a:rPr>
+                <a:t>Product Help, FAQs</a:t>
+              </a:r>
+            </a:p>
+            <a:p>
+              <a:pPr>
+                <a:spcAft>
+                  <a:spcPts val="600"/>
+                </a:spcAft>
+              </a:pPr>
+              <a:r>
+                <a:rPr lang="en-US" sz="1400" dirty="0">
+                  <a:solidFill>
+                    <a:sysClr val="windowText" lastClr="000000"/>
+                  </a:solidFill>
+                </a:rPr>
+                <a:t>Process Reporting</a:t>
+              </a:r>
+            </a:p>
+            <a:p>
+              <a:pPr marL="285750" indent="-171450">
+                <a:spcAft>
+                  <a:spcPts val="600"/>
+                </a:spcAft>
+                <a:buFont typeface="Arial" panose="020B0604020202020204" pitchFamily="34" charset="0"/>
+                <a:buChar char="•"/>
+              </a:pPr>
+              <a:r>
+                <a:rPr lang="en-US" sz="1400" dirty="0">
+                  <a:solidFill>
+                    <a:sysClr val="windowText" lastClr="000000"/>
+                  </a:solidFill>
+                </a:rPr>
+                <a:t>Updates</a:t>
+              </a:r>
+            </a:p>
+            <a:p>
+              <a:pPr marL="285750" indent="-171450">
+                <a:spcAft>
+                  <a:spcPts val="600"/>
+                </a:spcAft>
+                <a:buFont typeface="Arial" panose="020B0604020202020204" pitchFamily="34" charset="0"/>
+                <a:buChar char="•"/>
+              </a:pPr>
+              <a:r>
+                <a:rPr lang="en-US" sz="1400" dirty="0">
+                  <a:solidFill>
+                    <a:sysClr val="windowText" lastClr="000000"/>
+                  </a:solidFill>
+                </a:rPr>
+                <a:t>Responses to Feedback</a:t>
+              </a:r>
+            </a:p>
+            <a:p>
+              <a:pPr marL="285750" indent="-171450">
+                <a:spcAft>
+                  <a:spcPts val="600"/>
+                </a:spcAft>
+                <a:buFont typeface="Arial" panose="020B0604020202020204" pitchFamily="34" charset="0"/>
+                <a:buChar char="•"/>
+              </a:pPr>
+              <a:r>
+                <a:rPr lang="en-US" sz="1400" dirty="0">
+                  <a:solidFill>
+                    <a:sysClr val="windowText" lastClr="000000"/>
+                  </a:solidFill>
+                </a:rPr>
+                <a:t>Reasoning Behind Key Decisions</a:t>
+              </a:r>
+            </a:p>
+            <a:p>
+              <a:pPr>
+                <a:spcAft>
+                  <a:spcPts val="600"/>
+                </a:spcAft>
+              </a:pPr>
+              <a:r>
+                <a:rPr lang="en-US" sz="1400" dirty="0">
+                  <a:solidFill>
+                    <a:sysClr val="windowText" lastClr="000000"/>
+                  </a:solidFill>
+                </a:rPr>
+                <a:t>Fact Sheets</a:t>
+              </a:r>
+            </a:p>
+            <a:p>
+              <a:pPr>
+                <a:spcAft>
+                  <a:spcPts val="600"/>
+                </a:spcAft>
+              </a:pPr>
+              <a:r>
+                <a:rPr lang="en-US" sz="1400" dirty="0">
+                  <a:solidFill>
+                    <a:sysClr val="windowText" lastClr="000000"/>
+                  </a:solidFill>
+                </a:rPr>
+                <a:t>Reports, Publications</a:t>
+              </a:r>
+            </a:p>
+            <a:p>
+              <a:pPr>
+                <a:spcAft>
+                  <a:spcPts val="600"/>
+                </a:spcAft>
+              </a:pPr>
+              <a:r>
+                <a:rPr lang="en-US" sz="1400" dirty="0">
+                  <a:solidFill>
+                    <a:sysClr val="windowText" lastClr="000000"/>
+                  </a:solidFill>
+                </a:rPr>
+                <a:t>Event Materials</a:t>
+              </a:r>
+            </a:p>
+            <a:p>
+              <a:pPr marL="285750" indent="-171450">
+                <a:spcAft>
+                  <a:spcPts val="600"/>
+                </a:spcAft>
+                <a:buFont typeface="Arial" panose="020B0604020202020204" pitchFamily="34" charset="0"/>
+                <a:buChar char="•"/>
+              </a:pPr>
+              <a:r>
+                <a:rPr lang="en-US" sz="1400" dirty="0">
+                  <a:solidFill>
+                    <a:sysClr val="windowText" lastClr="000000"/>
+                  </a:solidFill>
+                </a:rPr>
+                <a:t>Agendas</a:t>
+              </a:r>
+            </a:p>
+            <a:p>
+              <a:pPr marL="285750" indent="-171450">
+                <a:spcAft>
+                  <a:spcPts val="600"/>
+                </a:spcAft>
+                <a:buFont typeface="Arial" panose="020B0604020202020204" pitchFamily="34" charset="0"/>
+                <a:buChar char="•"/>
+              </a:pPr>
+              <a:r>
+                <a:rPr lang="en-US" sz="1400" dirty="0">
+                  <a:solidFill>
+                    <a:sysClr val="windowText" lastClr="000000"/>
+                  </a:solidFill>
+                </a:rPr>
+                <a:t>Notes/Summaries</a:t>
+              </a:r>
+            </a:p>
+            <a:p>
+              <a:pPr marL="285750" indent="-171450">
+                <a:spcAft>
+                  <a:spcPts val="600"/>
+                </a:spcAft>
+                <a:buFont typeface="Arial" panose="020B0604020202020204" pitchFamily="34" charset="0"/>
+                <a:buChar char="•"/>
+              </a:pPr>
+              <a:r>
+                <a:rPr lang="en-US" sz="1400" dirty="0">
+                  <a:solidFill>
+                    <a:sysClr val="windowText" lastClr="000000"/>
+                  </a:solidFill>
+                </a:rPr>
+                <a:t>Recordings</a:t>
+              </a:r>
+            </a:p>
+            <a:p>
+              <a:pPr marL="285750" indent="-171450">
+                <a:spcAft>
+                  <a:spcPts val="600"/>
+                </a:spcAft>
+                <a:buFont typeface="Arial" panose="020B0604020202020204" pitchFamily="34" charset="0"/>
+                <a:buChar char="•"/>
+              </a:pPr>
+              <a:r>
+                <a:rPr lang="en-US" sz="1400" dirty="0">
+                  <a:solidFill>
+                    <a:sysClr val="windowText" lastClr="000000"/>
+                  </a:solidFill>
+                </a:rPr>
+                <a:t>Slides</a:t>
+              </a:r>
+            </a:p>
+            <a:p>
+              <a:pPr marL="285750" indent="-171450">
+                <a:spcAft>
+                  <a:spcPts val="600"/>
+                </a:spcAft>
+                <a:buFont typeface="Arial" panose="020B0604020202020204" pitchFamily="34" charset="0"/>
+                <a:buChar char="•"/>
+              </a:pPr>
+              <a:r>
+                <a:rPr lang="en-US" sz="1400" dirty="0">
+                  <a:solidFill>
+                    <a:sysClr val="windowText" lastClr="000000"/>
+                  </a:solidFill>
+                </a:rPr>
+                <a:t>Event Summaries </a:t>
+              </a:r>
+            </a:p>
+            <a:p>
+              <a:pPr>
+                <a:spcAft>
+                  <a:spcPts val="600"/>
+                </a:spcAft>
+              </a:pPr>
+              <a:endParaRPr lang="en-US" sz="1400" dirty="0">
+                <a:solidFill>
+                  <a:sysClr val="windowText" lastClr="000000"/>
+                </a:solidFill>
+              </a:endParaRPr>
+            </a:p>
+          </p:txBody>
+        </p:sp>
+        <p:sp>
+          <p:nvSpPr>
+            <p:cNvPr id="10" name="Rectangle: Rounded Corners 9">
+              <a:extLst>
+                <a:ext uri="{FF2B5EF4-FFF2-40B4-BE49-F238E27FC236}">
+                  <a16:creationId xmlns:a16="http://schemas.microsoft.com/office/drawing/2014/main" id="{1AF8F548-2C37-89F3-6335-DEA6FDA31DCF}"/>
+                </a:ext>
+              </a:extLst>
+            </p:cNvPr>
+            <p:cNvSpPr/>
+            <p:nvPr/>
+          </p:nvSpPr>
+          <p:spPr>
+            <a:xfrm>
+              <a:off x="6991352" y="1228725"/>
+              <a:ext cx="2143123" cy="590550"/>
+            </a:xfrm>
+            <a:prstGeom prst="roundRect">
+              <a:avLst/>
+            </a:prstGeom>
+          </p:spPr>
+          <p:style>
+            <a:lnRef idx="2">
+              <a:schemeClr val="accent1">
+                <a:shade val="15000"/>
+              </a:schemeClr>
+            </a:lnRef>
+            <a:fillRef idx="1">
+              <a:schemeClr val="accent1"/>
+            </a:fillRef>
+            <a:effectRef idx="0">
+              <a:schemeClr val="accent1"/>
+            </a:effectRef>
+            <a:fontRef idx="minor">
+              <a:schemeClr val="lt1"/>
+            </a:fontRef>
+          </p:style>
+          <p:txBody>
+            <a:bodyPr rtlCol="0" anchor="ctr"/>
+            <a:lstStyle/>
+            <a:p>
+              <a:pPr algn="ctr"/>
+              <a:r>
+                <a:rPr lang="en-US" sz="1600" b="1" dirty="0"/>
+                <a:t>User</a:t>
+              </a:r>
+            </a:p>
+            <a:p>
+              <a:pPr algn="ctr"/>
+              <a:r>
+                <a:rPr lang="en-US" sz="1600" b="1" dirty="0"/>
+                <a:t>Documentation</a:t>
+              </a:r>
+            </a:p>
+          </p:txBody>
+        </p:sp>
+      </p:grpSp>
+      <p:cxnSp>
+        <p:nvCxnSpPr>
+          <p:cNvPr id="16" name="Connector: Elbow 15">
+            <a:extLst>
+              <a:ext uri="{FF2B5EF4-FFF2-40B4-BE49-F238E27FC236}">
+                <a16:creationId xmlns:a16="http://schemas.microsoft.com/office/drawing/2014/main" id="{B68708F5-FF76-3BF8-57EE-8ECF37711EE0}"/>
+              </a:ext>
+            </a:extLst>
+          </p:cNvPr>
+          <p:cNvCxnSpPr>
+            <a:stCxn id="2" idx="2"/>
+            <a:endCxn id="8" idx="0"/>
+          </p:cNvCxnSpPr>
+          <p:nvPr/>
+        </p:nvCxnSpPr>
+        <p:spPr>
+          <a:xfrm rot="5400000">
+            <a:off x="2555081" y="-788194"/>
+            <a:ext cx="533400" cy="3500438"/>
+          </a:xfrm>
+          <a:prstGeom prst="bentConnector3">
+            <a:avLst/>
+          </a:prstGeom>
+          <a:ln>
+            <a:solidFill>
+              <a:schemeClr val="tx1"/>
+            </a:solidFill>
+            <a:tailEnd type="triangle"/>
+          </a:ln>
+        </p:spPr>
+        <p:style>
+          <a:lnRef idx="2">
+            <a:schemeClr val="accent1"/>
+          </a:lnRef>
+          <a:fillRef idx="0">
+            <a:schemeClr val="accent1"/>
+          </a:fillRef>
+          <a:effectRef idx="1">
+            <a:schemeClr val="accent1"/>
+          </a:effectRef>
+          <a:fontRef idx="minor">
+            <a:schemeClr val="tx1"/>
+          </a:fontRef>
+        </p:style>
+      </p:cxnSp>
+      <p:cxnSp>
+        <p:nvCxnSpPr>
+          <p:cNvPr id="17" name="Connector: Elbow 16">
+            <a:extLst>
+              <a:ext uri="{FF2B5EF4-FFF2-40B4-BE49-F238E27FC236}">
+                <a16:creationId xmlns:a16="http://schemas.microsoft.com/office/drawing/2014/main" id="{433201BD-76A6-E82F-824F-173A2182CDC0}"/>
+              </a:ext>
+            </a:extLst>
+          </p:cNvPr>
+          <p:cNvCxnSpPr>
+            <a:cxnSpLocks/>
+            <a:stCxn id="2" idx="2"/>
+            <a:endCxn id="3" idx="0"/>
+          </p:cNvCxnSpPr>
+          <p:nvPr/>
+        </p:nvCxnSpPr>
+        <p:spPr>
+          <a:xfrm rot="5400000">
+            <a:off x="3720307" y="377032"/>
+            <a:ext cx="533400" cy="1169987"/>
+          </a:xfrm>
+          <a:prstGeom prst="bentConnector3">
+            <a:avLst>
+              <a:gd name="adj1" fmla="val 50000"/>
+            </a:avLst>
+          </a:prstGeom>
+          <a:ln>
+            <a:solidFill>
+              <a:schemeClr val="tx1"/>
+            </a:solidFill>
+            <a:tailEnd type="triangle"/>
+          </a:ln>
+        </p:spPr>
+        <p:style>
+          <a:lnRef idx="2">
+            <a:schemeClr val="accent1"/>
+          </a:lnRef>
+          <a:fillRef idx="0">
+            <a:schemeClr val="accent1"/>
+          </a:fillRef>
+          <a:effectRef idx="1">
+            <a:schemeClr val="accent1"/>
+          </a:effectRef>
+          <a:fontRef idx="minor">
+            <a:schemeClr val="tx1"/>
+          </a:fontRef>
+        </p:style>
+      </p:cxnSp>
+      <p:cxnSp>
+        <p:nvCxnSpPr>
+          <p:cNvPr id="20" name="Connector: Elbow 19">
+            <a:extLst>
+              <a:ext uri="{FF2B5EF4-FFF2-40B4-BE49-F238E27FC236}">
+                <a16:creationId xmlns:a16="http://schemas.microsoft.com/office/drawing/2014/main" id="{0C2E5E4A-03EF-99AF-4929-6F975850E647}"/>
+              </a:ext>
+            </a:extLst>
+          </p:cNvPr>
+          <p:cNvCxnSpPr>
+            <a:cxnSpLocks/>
+            <a:stCxn id="2" idx="2"/>
+            <a:endCxn id="6" idx="0"/>
+          </p:cNvCxnSpPr>
+          <p:nvPr/>
+        </p:nvCxnSpPr>
+        <p:spPr>
+          <a:xfrm rot="16200000" flipH="1">
+            <a:off x="4885532" y="381793"/>
+            <a:ext cx="533400" cy="1160464"/>
+          </a:xfrm>
+          <a:prstGeom prst="bentConnector3">
+            <a:avLst>
+              <a:gd name="adj1" fmla="val 50000"/>
+            </a:avLst>
+          </a:prstGeom>
+          <a:ln>
+            <a:solidFill>
+              <a:schemeClr val="tx1"/>
+            </a:solidFill>
+            <a:tailEnd type="triangle"/>
+          </a:ln>
+        </p:spPr>
+        <p:style>
+          <a:lnRef idx="2">
+            <a:schemeClr val="accent1"/>
+          </a:lnRef>
+          <a:fillRef idx="0">
+            <a:schemeClr val="accent1"/>
+          </a:fillRef>
+          <a:effectRef idx="1">
+            <a:schemeClr val="accent1"/>
+          </a:effectRef>
+          <a:fontRef idx="minor">
+            <a:schemeClr val="tx1"/>
+          </a:fontRef>
+        </p:style>
+      </p:cxnSp>
+      <p:cxnSp>
+        <p:nvCxnSpPr>
+          <p:cNvPr id="23" name="Connector: Elbow 22">
+            <a:extLst>
+              <a:ext uri="{FF2B5EF4-FFF2-40B4-BE49-F238E27FC236}">
+                <a16:creationId xmlns:a16="http://schemas.microsoft.com/office/drawing/2014/main" id="{68BBA543-8084-755D-D2E7-D756EC970F82}"/>
+              </a:ext>
+            </a:extLst>
+          </p:cNvPr>
+          <p:cNvCxnSpPr>
+            <a:cxnSpLocks/>
+            <a:stCxn id="2" idx="2"/>
+            <a:endCxn id="10" idx="0"/>
+          </p:cNvCxnSpPr>
+          <p:nvPr/>
+        </p:nvCxnSpPr>
+        <p:spPr>
+          <a:xfrm rot="16200000" flipH="1">
+            <a:off x="6050757" y="-783432"/>
+            <a:ext cx="533400" cy="3490914"/>
+          </a:xfrm>
+          <a:prstGeom prst="bentConnector3">
+            <a:avLst>
+              <a:gd name="adj1" fmla="val 50000"/>
+            </a:avLst>
+          </a:prstGeom>
+          <a:ln>
+            <a:solidFill>
+              <a:schemeClr val="tx1"/>
+            </a:solidFill>
+            <a:tailEnd type="triangle"/>
+          </a:ln>
+        </p:spPr>
+        <p:style>
+          <a:lnRef idx="2">
+            <a:schemeClr val="accent1"/>
+          </a:lnRef>
+          <a:fillRef idx="0">
+            <a:schemeClr val="accent1"/>
+          </a:fillRef>
+          <a:effectRef idx="1">
+            <a:schemeClr val="accent1"/>
+          </a:effectRef>
+          <a:fontRef idx="minor">
+            <a:schemeClr val="tx1"/>
+          </a:fontRef>
+        </p:style>
+      </p:cxnSp>
     </p:spTree>
     <p:extLst>
       <p:ext uri="{BB962C8B-B14F-4D97-AF65-F5344CB8AC3E}">
-        <p14:creationId xmlns:p14="http://schemas.microsoft.com/office/powerpoint/2010/main" val="3499796996"/>
+        <p14:creationId xmlns:p14="http://schemas.microsoft.com/office/powerpoint/2010/main" val="2873474371"/>
       </p:ext>
     </p:extLst>
   </p:cSld>

--- a/images/graphics.pptx
+++ b/images/graphics.pptx
@@ -7,6 +7,10 @@
   <p:sldIdLst>
     <p:sldId id="256" r:id="rId2"/>
     <p:sldId id="258" r:id="rId3"/>
+    <p:sldId id="259" r:id="rId4"/>
+    <p:sldId id="260" r:id="rId5"/>
+    <p:sldId id="261" r:id="rId6"/>
+    <p:sldId id="262" r:id="rId7"/>
   </p:sldIdLst>
   <p:sldSz cx="9144000" cy="6858000" type="letter"/>
   <p:notesSz cx="9144000" cy="6858000"/>
@@ -244,7 +248,7 @@
           <a:p>
             <a:fld id="{367B1673-BAE8-457D-9A04-2BB6D1DDE3A6}" type="datetimeFigureOut">
               <a:rPr lang="en-US" smtClean="0"/>
-              <a:t>11/21/2024</a:t>
+              <a:t>11/25/2024</a:t>
             </a:fld>
             <a:endParaRPr lang="en-US"/>
           </a:p>
@@ -414,7 +418,7 @@
           <a:p>
             <a:fld id="{367B1673-BAE8-457D-9A04-2BB6D1DDE3A6}" type="datetimeFigureOut">
               <a:rPr lang="en-US" smtClean="0"/>
-              <a:t>11/21/2024</a:t>
+              <a:t>11/25/2024</a:t>
             </a:fld>
             <a:endParaRPr lang="en-US"/>
           </a:p>
@@ -594,7 +598,7 @@
           <a:p>
             <a:fld id="{367B1673-BAE8-457D-9A04-2BB6D1DDE3A6}" type="datetimeFigureOut">
               <a:rPr lang="en-US" smtClean="0"/>
-              <a:t>11/21/2024</a:t>
+              <a:t>11/25/2024</a:t>
             </a:fld>
             <a:endParaRPr lang="en-US"/>
           </a:p>
@@ -764,7 +768,7 @@
           <a:p>
             <a:fld id="{367B1673-BAE8-457D-9A04-2BB6D1DDE3A6}" type="datetimeFigureOut">
               <a:rPr lang="en-US" smtClean="0"/>
-              <a:t>11/21/2024</a:t>
+              <a:t>11/25/2024</a:t>
             </a:fld>
             <a:endParaRPr lang="en-US"/>
           </a:p>
@@ -1010,7 +1014,7 @@
           <a:p>
             <a:fld id="{367B1673-BAE8-457D-9A04-2BB6D1DDE3A6}" type="datetimeFigureOut">
               <a:rPr lang="en-US" smtClean="0"/>
-              <a:t>11/21/2024</a:t>
+              <a:t>11/25/2024</a:t>
             </a:fld>
             <a:endParaRPr lang="en-US"/>
           </a:p>
@@ -1242,7 +1246,7 @@
           <a:p>
             <a:fld id="{367B1673-BAE8-457D-9A04-2BB6D1DDE3A6}" type="datetimeFigureOut">
               <a:rPr lang="en-US" smtClean="0"/>
-              <a:t>11/21/2024</a:t>
+              <a:t>11/25/2024</a:t>
             </a:fld>
             <a:endParaRPr lang="en-US"/>
           </a:p>
@@ -1609,7 +1613,7 @@
           <a:p>
             <a:fld id="{367B1673-BAE8-457D-9A04-2BB6D1DDE3A6}" type="datetimeFigureOut">
               <a:rPr lang="en-US" smtClean="0"/>
-              <a:t>11/21/2024</a:t>
+              <a:t>11/25/2024</a:t>
             </a:fld>
             <a:endParaRPr lang="en-US"/>
           </a:p>
@@ -1727,7 +1731,7 @@
           <a:p>
             <a:fld id="{367B1673-BAE8-457D-9A04-2BB6D1DDE3A6}" type="datetimeFigureOut">
               <a:rPr lang="en-US" smtClean="0"/>
-              <a:t>11/21/2024</a:t>
+              <a:t>11/25/2024</a:t>
             </a:fld>
             <a:endParaRPr lang="en-US"/>
           </a:p>
@@ -1822,7 +1826,7 @@
           <a:p>
             <a:fld id="{367B1673-BAE8-457D-9A04-2BB6D1DDE3A6}" type="datetimeFigureOut">
               <a:rPr lang="en-US" smtClean="0"/>
-              <a:t>11/21/2024</a:t>
+              <a:t>11/25/2024</a:t>
             </a:fld>
             <a:endParaRPr lang="en-US"/>
           </a:p>
@@ -2099,7 +2103,7 @@
           <a:p>
             <a:fld id="{367B1673-BAE8-457D-9A04-2BB6D1DDE3A6}" type="datetimeFigureOut">
               <a:rPr lang="en-US" smtClean="0"/>
-              <a:t>11/21/2024</a:t>
+              <a:t>11/25/2024</a:t>
             </a:fld>
             <a:endParaRPr lang="en-US"/>
           </a:p>
@@ -2356,7 +2360,7 @@
           <a:p>
             <a:fld id="{367B1673-BAE8-457D-9A04-2BB6D1DDE3A6}" type="datetimeFigureOut">
               <a:rPr lang="en-US" smtClean="0"/>
-              <a:t>11/21/2024</a:t>
+              <a:t>11/25/2024</a:t>
             </a:fld>
             <a:endParaRPr lang="en-US"/>
           </a:p>
@@ -2569,7 +2573,7 @@
           <a:p>
             <a:fld id="{367B1673-BAE8-457D-9A04-2BB6D1DDE3A6}" type="datetimeFigureOut">
               <a:rPr lang="en-US" smtClean="0"/>
-              <a:t>11/21/2024</a:t>
+              <a:t>11/25/2024</a:t>
             </a:fld>
             <a:endParaRPr lang="en-US"/>
           </a:p>
@@ -5775,6 +5779,6470 @@
 </p:sld>
 </file>
 
+<file path=ppt/slides/slide3.xml><?xml version="1.0" encoding="utf-8"?>
+<p:sld xmlns:a="http://schemas.openxmlformats.org/drawingml/2006/main" xmlns:r="http://schemas.openxmlformats.org/officeDocument/2006/relationships" xmlns:p="http://schemas.openxmlformats.org/presentationml/2006/main">
+  <p:cSld>
+    <p:spTree>
+      <p:nvGrpSpPr>
+        <p:cNvPr id="1" name=""/>
+        <p:cNvGrpSpPr/>
+        <p:nvPr/>
+      </p:nvGrpSpPr>
+      <p:grpSpPr>
+        <a:xfrm>
+          <a:off x="0" y="0"/>
+          <a:ext cx="0" cy="0"/>
+          <a:chOff x="0" y="0"/>
+          <a:chExt cx="0" cy="0"/>
+        </a:xfrm>
+      </p:grpSpPr>
+      <p:sp>
+        <p:nvSpPr>
+          <p:cNvPr id="2" name="Rectangle: Rounded Corners 1">
+            <a:extLst>
+              <a:ext uri="{FF2B5EF4-FFF2-40B4-BE49-F238E27FC236}">
+                <a16:creationId xmlns:a16="http://schemas.microsoft.com/office/drawing/2014/main" id="{97FE3EF7-D7D3-05F9-EEEB-49E44CF1F227}"/>
+              </a:ext>
+            </a:extLst>
+          </p:cNvPr>
+          <p:cNvSpPr/>
+          <p:nvPr/>
+        </p:nvSpPr>
+        <p:spPr>
+          <a:xfrm>
+            <a:off x="223838" y="104775"/>
+            <a:ext cx="8696324" cy="590550"/>
+          </a:xfrm>
+          <a:prstGeom prst="roundRect">
+            <a:avLst/>
+          </a:prstGeom>
+          <a:solidFill>
+            <a:schemeClr val="bg1">
+              <a:lumMod val="85000"/>
+            </a:schemeClr>
+          </a:solidFill>
+          <a:ln>
+            <a:solidFill>
+              <a:schemeClr val="tx2"/>
+            </a:solidFill>
+          </a:ln>
+        </p:spPr>
+        <p:style>
+          <a:lnRef idx="2">
+            <a:schemeClr val="accent1">
+              <a:shade val="15000"/>
+            </a:schemeClr>
+          </a:lnRef>
+          <a:fillRef idx="1">
+            <a:schemeClr val="accent1"/>
+          </a:fillRef>
+          <a:effectRef idx="0">
+            <a:schemeClr val="accent1"/>
+          </a:effectRef>
+          <a:fontRef idx="minor">
+            <a:schemeClr val="lt1"/>
+          </a:fontRef>
+        </p:style>
+        <p:txBody>
+          <a:bodyPr rtlCol="0" anchor="ctr"/>
+          <a:lstStyle/>
+          <a:p>
+            <a:pPr algn="ctr"/>
+            <a:r>
+              <a:rPr lang="en-US" b="1" dirty="0">
+                <a:solidFill>
+                  <a:schemeClr val="tx1"/>
+                </a:solidFill>
+              </a:rPr>
+              <a:t>Problem Statement</a:t>
+            </a:r>
+          </a:p>
+          <a:p>
+            <a:pPr algn="ctr"/>
+            <a:endParaRPr lang="en-US" b="1" dirty="0"/>
+          </a:p>
+        </p:txBody>
+      </p:sp>
+      <p:sp>
+        <p:nvSpPr>
+          <p:cNvPr id="5" name="Rectangle: Rounded Corners 4">
+            <a:extLst>
+              <a:ext uri="{FF2B5EF4-FFF2-40B4-BE49-F238E27FC236}">
+                <a16:creationId xmlns:a16="http://schemas.microsoft.com/office/drawing/2014/main" id="{353C0C62-FAEF-AF71-1651-D4C6BB14ABA0}"/>
+              </a:ext>
+            </a:extLst>
+          </p:cNvPr>
+          <p:cNvSpPr/>
+          <p:nvPr/>
+        </p:nvSpPr>
+        <p:spPr>
+          <a:xfrm>
+            <a:off x="223838" y="1152525"/>
+            <a:ext cx="8696324" cy="590550"/>
+          </a:xfrm>
+          <a:prstGeom prst="roundRect">
+            <a:avLst/>
+          </a:prstGeom>
+          <a:solidFill>
+            <a:schemeClr val="bg1">
+              <a:lumMod val="95000"/>
+            </a:schemeClr>
+          </a:solidFill>
+          <a:ln>
+            <a:solidFill>
+              <a:schemeClr val="tx2"/>
+            </a:solidFill>
+          </a:ln>
+        </p:spPr>
+        <p:style>
+          <a:lnRef idx="2">
+            <a:schemeClr val="accent1">
+              <a:shade val="15000"/>
+            </a:schemeClr>
+          </a:lnRef>
+          <a:fillRef idx="1">
+            <a:schemeClr val="accent1"/>
+          </a:fillRef>
+          <a:effectRef idx="0">
+            <a:schemeClr val="accent1"/>
+          </a:effectRef>
+          <a:fontRef idx="minor">
+            <a:schemeClr val="lt1"/>
+          </a:fontRef>
+        </p:style>
+        <p:txBody>
+          <a:bodyPr rtlCol="0" anchor="ctr"/>
+          <a:lstStyle/>
+          <a:p>
+            <a:r>
+              <a:rPr lang="en-US" b="1" dirty="0">
+                <a:solidFill>
+                  <a:schemeClr val="tx1"/>
+                </a:solidFill>
+              </a:rPr>
+              <a:t>Cause(s):</a:t>
+            </a:r>
+          </a:p>
+        </p:txBody>
+      </p:sp>
+      <p:sp>
+        <p:nvSpPr>
+          <p:cNvPr id="3" name="Flowchart: Merge 2">
+            <a:extLst>
+              <a:ext uri="{FF2B5EF4-FFF2-40B4-BE49-F238E27FC236}">
+                <a16:creationId xmlns:a16="http://schemas.microsoft.com/office/drawing/2014/main" id="{EA060AA7-F62A-9025-B0A6-560CABA368C8}"/>
+              </a:ext>
+            </a:extLst>
+          </p:cNvPr>
+          <p:cNvSpPr/>
+          <p:nvPr/>
+        </p:nvSpPr>
+        <p:spPr>
+          <a:xfrm>
+            <a:off x="3805238" y="695325"/>
+            <a:ext cx="1533525" cy="428625"/>
+          </a:xfrm>
+          <a:prstGeom prst="flowChartMerge">
+            <a:avLst/>
+          </a:prstGeom>
+        </p:spPr>
+        <p:style>
+          <a:lnRef idx="2">
+            <a:schemeClr val="accent1">
+              <a:shade val="15000"/>
+            </a:schemeClr>
+          </a:lnRef>
+          <a:fillRef idx="1">
+            <a:schemeClr val="accent1"/>
+          </a:fillRef>
+          <a:effectRef idx="0">
+            <a:schemeClr val="accent1"/>
+          </a:effectRef>
+          <a:fontRef idx="minor">
+            <a:schemeClr val="lt1"/>
+          </a:fontRef>
+        </p:style>
+        <p:txBody>
+          <a:bodyPr rtlCol="0" anchor="t"/>
+          <a:lstStyle/>
+          <a:p>
+            <a:pPr algn="ctr"/>
+            <a:r>
+              <a:rPr lang="en-US" b="1" dirty="0"/>
+              <a:t>Why?</a:t>
+            </a:r>
+          </a:p>
+        </p:txBody>
+      </p:sp>
+      <p:sp>
+        <p:nvSpPr>
+          <p:cNvPr id="13" name="Rectangle: Rounded Corners 12">
+            <a:extLst>
+              <a:ext uri="{FF2B5EF4-FFF2-40B4-BE49-F238E27FC236}">
+                <a16:creationId xmlns:a16="http://schemas.microsoft.com/office/drawing/2014/main" id="{315317FF-F801-C493-3F87-35FEE90B6E17}"/>
+              </a:ext>
+            </a:extLst>
+          </p:cNvPr>
+          <p:cNvSpPr/>
+          <p:nvPr/>
+        </p:nvSpPr>
+        <p:spPr>
+          <a:xfrm>
+            <a:off x="223838" y="5343525"/>
+            <a:ext cx="8696324" cy="590550"/>
+          </a:xfrm>
+          <a:prstGeom prst="roundRect">
+            <a:avLst/>
+          </a:prstGeom>
+          <a:solidFill>
+            <a:schemeClr val="bg1">
+              <a:lumMod val="95000"/>
+            </a:schemeClr>
+          </a:solidFill>
+          <a:ln>
+            <a:solidFill>
+              <a:schemeClr val="tx2"/>
+            </a:solidFill>
+          </a:ln>
+        </p:spPr>
+        <p:style>
+          <a:lnRef idx="2">
+            <a:schemeClr val="accent1">
+              <a:shade val="15000"/>
+            </a:schemeClr>
+          </a:lnRef>
+          <a:fillRef idx="1">
+            <a:schemeClr val="accent1"/>
+          </a:fillRef>
+          <a:effectRef idx="0">
+            <a:schemeClr val="accent1"/>
+          </a:effectRef>
+          <a:fontRef idx="minor">
+            <a:schemeClr val="lt1"/>
+          </a:fontRef>
+        </p:style>
+        <p:txBody>
+          <a:bodyPr rtlCol="0" anchor="ctr"/>
+          <a:lstStyle/>
+          <a:p>
+            <a:r>
+              <a:rPr lang="en-US" b="1" dirty="0">
+                <a:solidFill>
+                  <a:schemeClr val="tx1"/>
+                </a:solidFill>
+              </a:rPr>
+              <a:t>Root Cause(s):</a:t>
+            </a:r>
+          </a:p>
+        </p:txBody>
+      </p:sp>
+      <p:sp>
+        <p:nvSpPr>
+          <p:cNvPr id="16" name="Rectangle: Rounded Corners 15">
+            <a:extLst>
+              <a:ext uri="{FF2B5EF4-FFF2-40B4-BE49-F238E27FC236}">
+                <a16:creationId xmlns:a16="http://schemas.microsoft.com/office/drawing/2014/main" id="{88EDBB45-81B4-73B7-E71F-4146C4CE817A}"/>
+              </a:ext>
+            </a:extLst>
+          </p:cNvPr>
+          <p:cNvSpPr/>
+          <p:nvPr/>
+        </p:nvSpPr>
+        <p:spPr>
+          <a:xfrm>
+            <a:off x="223838" y="2200275"/>
+            <a:ext cx="8696324" cy="590550"/>
+          </a:xfrm>
+          <a:prstGeom prst="roundRect">
+            <a:avLst/>
+          </a:prstGeom>
+          <a:solidFill>
+            <a:schemeClr val="bg1">
+              <a:lumMod val="95000"/>
+            </a:schemeClr>
+          </a:solidFill>
+          <a:ln>
+            <a:solidFill>
+              <a:schemeClr val="tx2"/>
+            </a:solidFill>
+          </a:ln>
+        </p:spPr>
+        <p:style>
+          <a:lnRef idx="2">
+            <a:schemeClr val="accent1">
+              <a:shade val="15000"/>
+            </a:schemeClr>
+          </a:lnRef>
+          <a:fillRef idx="1">
+            <a:schemeClr val="accent1"/>
+          </a:fillRef>
+          <a:effectRef idx="0">
+            <a:schemeClr val="accent1"/>
+          </a:effectRef>
+          <a:fontRef idx="minor">
+            <a:schemeClr val="lt1"/>
+          </a:fontRef>
+        </p:style>
+        <p:txBody>
+          <a:bodyPr rtlCol="0" anchor="ctr"/>
+          <a:lstStyle/>
+          <a:p>
+            <a:r>
+              <a:rPr lang="en-US" b="1" dirty="0">
+                <a:solidFill>
+                  <a:schemeClr val="tx1"/>
+                </a:solidFill>
+              </a:rPr>
+              <a:t>Cause(s):</a:t>
+            </a:r>
+          </a:p>
+        </p:txBody>
+      </p:sp>
+      <p:sp>
+        <p:nvSpPr>
+          <p:cNvPr id="17" name="Flowchart: Merge 16">
+            <a:extLst>
+              <a:ext uri="{FF2B5EF4-FFF2-40B4-BE49-F238E27FC236}">
+                <a16:creationId xmlns:a16="http://schemas.microsoft.com/office/drawing/2014/main" id="{D3325509-18A6-3BDF-ED1E-781F4F8BA59A}"/>
+              </a:ext>
+            </a:extLst>
+          </p:cNvPr>
+          <p:cNvSpPr/>
+          <p:nvPr/>
+        </p:nvSpPr>
+        <p:spPr>
+          <a:xfrm>
+            <a:off x="3805238" y="1743075"/>
+            <a:ext cx="1533525" cy="428625"/>
+          </a:xfrm>
+          <a:prstGeom prst="flowChartMerge">
+            <a:avLst/>
+          </a:prstGeom>
+        </p:spPr>
+        <p:style>
+          <a:lnRef idx="2">
+            <a:schemeClr val="accent1">
+              <a:shade val="15000"/>
+            </a:schemeClr>
+          </a:lnRef>
+          <a:fillRef idx="1">
+            <a:schemeClr val="accent1"/>
+          </a:fillRef>
+          <a:effectRef idx="0">
+            <a:schemeClr val="accent1"/>
+          </a:effectRef>
+          <a:fontRef idx="minor">
+            <a:schemeClr val="lt1"/>
+          </a:fontRef>
+        </p:style>
+        <p:txBody>
+          <a:bodyPr rtlCol="0" anchor="t"/>
+          <a:lstStyle/>
+          <a:p>
+            <a:pPr algn="ctr"/>
+            <a:r>
+              <a:rPr lang="en-US" b="1" dirty="0"/>
+              <a:t>Why?</a:t>
+            </a:r>
+          </a:p>
+        </p:txBody>
+      </p:sp>
+      <p:sp>
+        <p:nvSpPr>
+          <p:cNvPr id="18" name="Rectangle: Rounded Corners 17">
+            <a:extLst>
+              <a:ext uri="{FF2B5EF4-FFF2-40B4-BE49-F238E27FC236}">
+                <a16:creationId xmlns:a16="http://schemas.microsoft.com/office/drawing/2014/main" id="{26E7DDB3-3826-B54E-CED9-7B84738D4525}"/>
+              </a:ext>
+            </a:extLst>
+          </p:cNvPr>
+          <p:cNvSpPr/>
+          <p:nvPr/>
+        </p:nvSpPr>
+        <p:spPr>
+          <a:xfrm>
+            <a:off x="223838" y="3248025"/>
+            <a:ext cx="8696324" cy="590550"/>
+          </a:xfrm>
+          <a:prstGeom prst="roundRect">
+            <a:avLst/>
+          </a:prstGeom>
+          <a:solidFill>
+            <a:schemeClr val="bg1">
+              <a:lumMod val="95000"/>
+            </a:schemeClr>
+          </a:solidFill>
+          <a:ln>
+            <a:solidFill>
+              <a:schemeClr val="tx2"/>
+            </a:solidFill>
+          </a:ln>
+        </p:spPr>
+        <p:style>
+          <a:lnRef idx="2">
+            <a:schemeClr val="accent1">
+              <a:shade val="15000"/>
+            </a:schemeClr>
+          </a:lnRef>
+          <a:fillRef idx="1">
+            <a:schemeClr val="accent1"/>
+          </a:fillRef>
+          <a:effectRef idx="0">
+            <a:schemeClr val="accent1"/>
+          </a:effectRef>
+          <a:fontRef idx="minor">
+            <a:schemeClr val="lt1"/>
+          </a:fontRef>
+        </p:style>
+        <p:txBody>
+          <a:bodyPr rtlCol="0" anchor="ctr"/>
+          <a:lstStyle/>
+          <a:p>
+            <a:r>
+              <a:rPr lang="en-US" b="1" dirty="0">
+                <a:solidFill>
+                  <a:schemeClr val="tx1"/>
+                </a:solidFill>
+              </a:rPr>
+              <a:t>Cause(s):</a:t>
+            </a:r>
+          </a:p>
+        </p:txBody>
+      </p:sp>
+      <p:sp>
+        <p:nvSpPr>
+          <p:cNvPr id="19" name="Flowchart: Merge 18">
+            <a:extLst>
+              <a:ext uri="{FF2B5EF4-FFF2-40B4-BE49-F238E27FC236}">
+                <a16:creationId xmlns:a16="http://schemas.microsoft.com/office/drawing/2014/main" id="{29FB62FE-BF1B-0015-D11C-C2344BB9A578}"/>
+              </a:ext>
+            </a:extLst>
+          </p:cNvPr>
+          <p:cNvSpPr/>
+          <p:nvPr/>
+        </p:nvSpPr>
+        <p:spPr>
+          <a:xfrm>
+            <a:off x="3805238" y="2790825"/>
+            <a:ext cx="1533525" cy="428625"/>
+          </a:xfrm>
+          <a:prstGeom prst="flowChartMerge">
+            <a:avLst/>
+          </a:prstGeom>
+        </p:spPr>
+        <p:style>
+          <a:lnRef idx="2">
+            <a:schemeClr val="accent1">
+              <a:shade val="15000"/>
+            </a:schemeClr>
+          </a:lnRef>
+          <a:fillRef idx="1">
+            <a:schemeClr val="accent1"/>
+          </a:fillRef>
+          <a:effectRef idx="0">
+            <a:schemeClr val="accent1"/>
+          </a:effectRef>
+          <a:fontRef idx="minor">
+            <a:schemeClr val="lt1"/>
+          </a:fontRef>
+        </p:style>
+        <p:txBody>
+          <a:bodyPr rtlCol="0" anchor="t"/>
+          <a:lstStyle/>
+          <a:p>
+            <a:pPr algn="ctr"/>
+            <a:r>
+              <a:rPr lang="en-US" b="1" dirty="0"/>
+              <a:t>Why?</a:t>
+            </a:r>
+          </a:p>
+        </p:txBody>
+      </p:sp>
+      <p:sp>
+        <p:nvSpPr>
+          <p:cNvPr id="20" name="Rectangle: Rounded Corners 19">
+            <a:extLst>
+              <a:ext uri="{FF2B5EF4-FFF2-40B4-BE49-F238E27FC236}">
+                <a16:creationId xmlns:a16="http://schemas.microsoft.com/office/drawing/2014/main" id="{22114CBC-86AB-545E-A4B3-2D68965B1BE3}"/>
+              </a:ext>
+            </a:extLst>
+          </p:cNvPr>
+          <p:cNvSpPr/>
+          <p:nvPr/>
+        </p:nvSpPr>
+        <p:spPr>
+          <a:xfrm>
+            <a:off x="223838" y="4295775"/>
+            <a:ext cx="8696324" cy="590550"/>
+          </a:xfrm>
+          <a:prstGeom prst="roundRect">
+            <a:avLst/>
+          </a:prstGeom>
+          <a:solidFill>
+            <a:schemeClr val="bg1">
+              <a:lumMod val="95000"/>
+            </a:schemeClr>
+          </a:solidFill>
+          <a:ln>
+            <a:solidFill>
+              <a:schemeClr val="tx2"/>
+            </a:solidFill>
+          </a:ln>
+        </p:spPr>
+        <p:style>
+          <a:lnRef idx="2">
+            <a:schemeClr val="accent1">
+              <a:shade val="15000"/>
+            </a:schemeClr>
+          </a:lnRef>
+          <a:fillRef idx="1">
+            <a:schemeClr val="accent1"/>
+          </a:fillRef>
+          <a:effectRef idx="0">
+            <a:schemeClr val="accent1"/>
+          </a:effectRef>
+          <a:fontRef idx="minor">
+            <a:schemeClr val="lt1"/>
+          </a:fontRef>
+        </p:style>
+        <p:txBody>
+          <a:bodyPr rtlCol="0" anchor="ctr"/>
+          <a:lstStyle/>
+          <a:p>
+            <a:r>
+              <a:rPr lang="en-US" b="1" dirty="0">
+                <a:solidFill>
+                  <a:schemeClr val="tx1"/>
+                </a:solidFill>
+              </a:rPr>
+              <a:t>Cause(s):</a:t>
+            </a:r>
+          </a:p>
+        </p:txBody>
+      </p:sp>
+      <p:sp>
+        <p:nvSpPr>
+          <p:cNvPr id="21" name="Flowchart: Merge 20">
+            <a:extLst>
+              <a:ext uri="{FF2B5EF4-FFF2-40B4-BE49-F238E27FC236}">
+                <a16:creationId xmlns:a16="http://schemas.microsoft.com/office/drawing/2014/main" id="{48339C42-6B71-0992-CB56-255A952B3BF5}"/>
+              </a:ext>
+            </a:extLst>
+          </p:cNvPr>
+          <p:cNvSpPr/>
+          <p:nvPr/>
+        </p:nvSpPr>
+        <p:spPr>
+          <a:xfrm>
+            <a:off x="3805238" y="3838575"/>
+            <a:ext cx="1533525" cy="428625"/>
+          </a:xfrm>
+          <a:prstGeom prst="flowChartMerge">
+            <a:avLst/>
+          </a:prstGeom>
+        </p:spPr>
+        <p:style>
+          <a:lnRef idx="2">
+            <a:schemeClr val="accent1">
+              <a:shade val="15000"/>
+            </a:schemeClr>
+          </a:lnRef>
+          <a:fillRef idx="1">
+            <a:schemeClr val="accent1"/>
+          </a:fillRef>
+          <a:effectRef idx="0">
+            <a:schemeClr val="accent1"/>
+          </a:effectRef>
+          <a:fontRef idx="minor">
+            <a:schemeClr val="lt1"/>
+          </a:fontRef>
+        </p:style>
+        <p:txBody>
+          <a:bodyPr rtlCol="0" anchor="t"/>
+          <a:lstStyle/>
+          <a:p>
+            <a:pPr algn="ctr"/>
+            <a:r>
+              <a:rPr lang="en-US" b="1" dirty="0"/>
+              <a:t>Why?</a:t>
+            </a:r>
+          </a:p>
+        </p:txBody>
+      </p:sp>
+      <p:sp>
+        <p:nvSpPr>
+          <p:cNvPr id="22" name="Flowchart: Merge 21">
+            <a:extLst>
+              <a:ext uri="{FF2B5EF4-FFF2-40B4-BE49-F238E27FC236}">
+                <a16:creationId xmlns:a16="http://schemas.microsoft.com/office/drawing/2014/main" id="{7F106DA0-B970-67A7-86FD-142CAC0C6427}"/>
+              </a:ext>
+            </a:extLst>
+          </p:cNvPr>
+          <p:cNvSpPr/>
+          <p:nvPr/>
+        </p:nvSpPr>
+        <p:spPr>
+          <a:xfrm>
+            <a:off x="3805238" y="4886325"/>
+            <a:ext cx="1533525" cy="428625"/>
+          </a:xfrm>
+          <a:prstGeom prst="flowChartMerge">
+            <a:avLst/>
+          </a:prstGeom>
+        </p:spPr>
+        <p:style>
+          <a:lnRef idx="2">
+            <a:schemeClr val="accent1">
+              <a:shade val="15000"/>
+            </a:schemeClr>
+          </a:lnRef>
+          <a:fillRef idx="1">
+            <a:schemeClr val="accent1"/>
+          </a:fillRef>
+          <a:effectRef idx="0">
+            <a:schemeClr val="accent1"/>
+          </a:effectRef>
+          <a:fontRef idx="minor">
+            <a:schemeClr val="lt1"/>
+          </a:fontRef>
+        </p:style>
+        <p:txBody>
+          <a:bodyPr rtlCol="0" anchor="t"/>
+          <a:lstStyle/>
+          <a:p>
+            <a:pPr algn="ctr"/>
+            <a:r>
+              <a:rPr lang="en-US" b="1" dirty="0"/>
+              <a:t>Why?</a:t>
+            </a:r>
+          </a:p>
+        </p:txBody>
+      </p:sp>
+      <p:sp>
+        <p:nvSpPr>
+          <p:cNvPr id="23" name="Rectangle: Rounded Corners 22">
+            <a:extLst>
+              <a:ext uri="{FF2B5EF4-FFF2-40B4-BE49-F238E27FC236}">
+                <a16:creationId xmlns:a16="http://schemas.microsoft.com/office/drawing/2014/main" id="{62BBC47B-5223-DB14-3AB1-23D5210556CC}"/>
+              </a:ext>
+            </a:extLst>
+          </p:cNvPr>
+          <p:cNvSpPr/>
+          <p:nvPr/>
+        </p:nvSpPr>
+        <p:spPr>
+          <a:xfrm>
+            <a:off x="223838" y="6157913"/>
+            <a:ext cx="8696324" cy="590550"/>
+          </a:xfrm>
+          <a:prstGeom prst="roundRect">
+            <a:avLst/>
+          </a:prstGeom>
+          <a:solidFill>
+            <a:schemeClr val="bg1">
+              <a:lumMod val="85000"/>
+            </a:schemeClr>
+          </a:solidFill>
+          <a:ln w="38100">
+            <a:solidFill>
+              <a:schemeClr val="tx2"/>
+            </a:solidFill>
+          </a:ln>
+        </p:spPr>
+        <p:style>
+          <a:lnRef idx="2">
+            <a:schemeClr val="accent1">
+              <a:shade val="15000"/>
+            </a:schemeClr>
+          </a:lnRef>
+          <a:fillRef idx="1">
+            <a:schemeClr val="accent1"/>
+          </a:fillRef>
+          <a:effectRef idx="0">
+            <a:schemeClr val="accent1"/>
+          </a:effectRef>
+          <a:fontRef idx="minor">
+            <a:schemeClr val="lt1"/>
+          </a:fontRef>
+        </p:style>
+        <p:txBody>
+          <a:bodyPr rtlCol="0" anchor="ctr"/>
+          <a:lstStyle/>
+          <a:p>
+            <a:pPr algn="ctr"/>
+            <a:r>
+              <a:rPr lang="en-US" b="1" dirty="0">
+                <a:solidFill>
+                  <a:schemeClr val="tx1"/>
+                </a:solidFill>
+              </a:rPr>
+              <a:t>Priority Actions to Address Root Cause(s)</a:t>
+            </a:r>
+          </a:p>
+          <a:p>
+            <a:pPr algn="ctr"/>
+            <a:endParaRPr lang="en-US" b="1" dirty="0"/>
+          </a:p>
+        </p:txBody>
+      </p:sp>
+    </p:spTree>
+    <p:extLst>
+      <p:ext uri="{BB962C8B-B14F-4D97-AF65-F5344CB8AC3E}">
+        <p14:creationId xmlns:p14="http://schemas.microsoft.com/office/powerpoint/2010/main" val="10143012"/>
+      </p:ext>
+    </p:extLst>
+  </p:cSld>
+  <p:clrMapOvr>
+    <a:masterClrMapping/>
+  </p:clrMapOvr>
+</p:sld>
+</file>
+
+<file path=ppt/slides/slide4.xml><?xml version="1.0" encoding="utf-8"?>
+<p:sld xmlns:a="http://schemas.openxmlformats.org/drawingml/2006/main" xmlns:r="http://schemas.openxmlformats.org/officeDocument/2006/relationships" xmlns:p="http://schemas.openxmlformats.org/presentationml/2006/main">
+  <p:cSld>
+    <p:spTree>
+      <p:nvGrpSpPr>
+        <p:cNvPr id="1" name=""/>
+        <p:cNvGrpSpPr/>
+        <p:nvPr/>
+      </p:nvGrpSpPr>
+      <p:grpSpPr>
+        <a:xfrm>
+          <a:off x="0" y="0"/>
+          <a:ext cx="0" cy="0"/>
+          <a:chOff x="0" y="0"/>
+          <a:chExt cx="0" cy="0"/>
+        </a:xfrm>
+      </p:grpSpPr>
+      <p:sp>
+        <p:nvSpPr>
+          <p:cNvPr id="2" name="Rectangle: Rounded Corners 1">
+            <a:extLst>
+              <a:ext uri="{FF2B5EF4-FFF2-40B4-BE49-F238E27FC236}">
+                <a16:creationId xmlns:a16="http://schemas.microsoft.com/office/drawing/2014/main" id="{F044A57D-1361-0ABF-A038-2121C2A95012}"/>
+              </a:ext>
+            </a:extLst>
+          </p:cNvPr>
+          <p:cNvSpPr/>
+          <p:nvPr/>
+        </p:nvSpPr>
+        <p:spPr>
+          <a:xfrm>
+            <a:off x="223838" y="104775"/>
+            <a:ext cx="8696324" cy="590550"/>
+          </a:xfrm>
+          <a:prstGeom prst="roundRect">
+            <a:avLst/>
+          </a:prstGeom>
+          <a:solidFill>
+            <a:schemeClr val="bg1">
+              <a:lumMod val="85000"/>
+            </a:schemeClr>
+          </a:solidFill>
+          <a:ln>
+            <a:solidFill>
+              <a:schemeClr val="tx2"/>
+            </a:solidFill>
+          </a:ln>
+        </p:spPr>
+        <p:style>
+          <a:lnRef idx="2">
+            <a:schemeClr val="accent1">
+              <a:shade val="15000"/>
+            </a:schemeClr>
+          </a:lnRef>
+          <a:fillRef idx="1">
+            <a:schemeClr val="accent1"/>
+          </a:fillRef>
+          <a:effectRef idx="0">
+            <a:schemeClr val="accent1"/>
+          </a:effectRef>
+          <a:fontRef idx="minor">
+            <a:schemeClr val="lt1"/>
+          </a:fontRef>
+        </p:style>
+        <p:txBody>
+          <a:bodyPr rtlCol="0" anchor="ctr"/>
+          <a:lstStyle/>
+          <a:p>
+            <a:pPr algn="ctr"/>
+            <a:r>
+              <a:rPr lang="en-US" b="1" dirty="0">
+                <a:solidFill>
+                  <a:schemeClr val="tx1"/>
+                </a:solidFill>
+              </a:rPr>
+              <a:t>Problem Statement</a:t>
+            </a:r>
+          </a:p>
+          <a:p>
+            <a:pPr algn="ctr"/>
+            <a:endParaRPr lang="en-US" b="1" dirty="0"/>
+          </a:p>
+        </p:txBody>
+      </p:sp>
+      <p:sp>
+        <p:nvSpPr>
+          <p:cNvPr id="3" name="Rectangle: Rounded Corners 2">
+            <a:extLst>
+              <a:ext uri="{FF2B5EF4-FFF2-40B4-BE49-F238E27FC236}">
+                <a16:creationId xmlns:a16="http://schemas.microsoft.com/office/drawing/2014/main" id="{87DA5511-C68E-4565-CF09-A6D992058E61}"/>
+              </a:ext>
+            </a:extLst>
+          </p:cNvPr>
+          <p:cNvSpPr/>
+          <p:nvPr/>
+        </p:nvSpPr>
+        <p:spPr>
+          <a:xfrm>
+            <a:off x="223838" y="6157913"/>
+            <a:ext cx="8696324" cy="590550"/>
+          </a:xfrm>
+          <a:prstGeom prst="roundRect">
+            <a:avLst/>
+          </a:prstGeom>
+          <a:solidFill>
+            <a:schemeClr val="bg1">
+              <a:lumMod val="85000"/>
+            </a:schemeClr>
+          </a:solidFill>
+          <a:ln w="38100">
+            <a:solidFill>
+              <a:schemeClr val="tx2"/>
+            </a:solidFill>
+          </a:ln>
+        </p:spPr>
+        <p:style>
+          <a:lnRef idx="2">
+            <a:schemeClr val="accent1">
+              <a:shade val="15000"/>
+            </a:schemeClr>
+          </a:lnRef>
+          <a:fillRef idx="1">
+            <a:schemeClr val="accent1"/>
+          </a:fillRef>
+          <a:effectRef idx="0">
+            <a:schemeClr val="accent1"/>
+          </a:effectRef>
+          <a:fontRef idx="minor">
+            <a:schemeClr val="lt1"/>
+          </a:fontRef>
+        </p:style>
+        <p:txBody>
+          <a:bodyPr rtlCol="0" anchor="ctr"/>
+          <a:lstStyle/>
+          <a:p>
+            <a:pPr algn="ctr"/>
+            <a:r>
+              <a:rPr lang="en-US" b="1" dirty="0">
+                <a:solidFill>
+                  <a:schemeClr val="tx1"/>
+                </a:solidFill>
+              </a:rPr>
+              <a:t>Priority Actions to Address Root Cause(s)</a:t>
+            </a:r>
+          </a:p>
+          <a:p>
+            <a:pPr algn="ctr"/>
+            <a:endParaRPr lang="en-US" b="1" dirty="0"/>
+          </a:p>
+        </p:txBody>
+      </p:sp>
+      <p:sp>
+        <p:nvSpPr>
+          <p:cNvPr id="4" name="Rectangle: Rounded Corners 3">
+            <a:extLst>
+              <a:ext uri="{FF2B5EF4-FFF2-40B4-BE49-F238E27FC236}">
+                <a16:creationId xmlns:a16="http://schemas.microsoft.com/office/drawing/2014/main" id="{199BD442-B78D-A509-93C1-B810E184D9FC}"/>
+              </a:ext>
+            </a:extLst>
+          </p:cNvPr>
+          <p:cNvSpPr/>
+          <p:nvPr/>
+        </p:nvSpPr>
+        <p:spPr>
+          <a:xfrm>
+            <a:off x="1266822" y="885825"/>
+            <a:ext cx="2224087" cy="590550"/>
+          </a:xfrm>
+          <a:prstGeom prst="roundRect">
+            <a:avLst/>
+          </a:prstGeom>
+          <a:solidFill>
+            <a:schemeClr val="bg1">
+              <a:lumMod val="95000"/>
+            </a:schemeClr>
+          </a:solidFill>
+          <a:ln>
+            <a:solidFill>
+              <a:schemeClr val="tx2"/>
+            </a:solidFill>
+          </a:ln>
+        </p:spPr>
+        <p:style>
+          <a:lnRef idx="2">
+            <a:schemeClr val="accent1">
+              <a:shade val="15000"/>
+            </a:schemeClr>
+          </a:lnRef>
+          <a:fillRef idx="1">
+            <a:schemeClr val="accent1"/>
+          </a:fillRef>
+          <a:effectRef idx="0">
+            <a:schemeClr val="accent1"/>
+          </a:effectRef>
+          <a:fontRef idx="minor">
+            <a:schemeClr val="lt1"/>
+          </a:fontRef>
+        </p:style>
+        <p:txBody>
+          <a:bodyPr rtlCol="0" anchor="ctr"/>
+          <a:lstStyle/>
+          <a:p>
+            <a:pPr algn="ctr"/>
+            <a:r>
+              <a:rPr lang="en-US" sz="1600" b="1" dirty="0">
+                <a:solidFill>
+                  <a:schemeClr val="tx1"/>
+                </a:solidFill>
+              </a:rPr>
+              <a:t>Cause</a:t>
+            </a:r>
+            <a:endParaRPr lang="en-US" b="1" dirty="0">
+              <a:solidFill>
+                <a:schemeClr val="tx1"/>
+              </a:solidFill>
+            </a:endParaRPr>
+          </a:p>
+        </p:txBody>
+      </p:sp>
+      <p:sp>
+        <p:nvSpPr>
+          <p:cNvPr id="5" name="Rectangle: Rounded Corners 4">
+            <a:extLst>
+              <a:ext uri="{FF2B5EF4-FFF2-40B4-BE49-F238E27FC236}">
+                <a16:creationId xmlns:a16="http://schemas.microsoft.com/office/drawing/2014/main" id="{7960A036-A694-0EDC-745A-0989E9C52D34}"/>
+              </a:ext>
+            </a:extLst>
+          </p:cNvPr>
+          <p:cNvSpPr/>
+          <p:nvPr/>
+        </p:nvSpPr>
+        <p:spPr>
+          <a:xfrm>
+            <a:off x="223838" y="885825"/>
+            <a:ext cx="823911" cy="590550"/>
+          </a:xfrm>
+          <a:prstGeom prst="roundRect">
+            <a:avLst/>
+          </a:prstGeom>
+        </p:spPr>
+        <p:style>
+          <a:lnRef idx="2">
+            <a:schemeClr val="accent1">
+              <a:shade val="15000"/>
+            </a:schemeClr>
+          </a:lnRef>
+          <a:fillRef idx="1">
+            <a:schemeClr val="accent1"/>
+          </a:fillRef>
+          <a:effectRef idx="0">
+            <a:schemeClr val="accent1"/>
+          </a:effectRef>
+          <a:fontRef idx="minor">
+            <a:schemeClr val="lt1"/>
+          </a:fontRef>
+        </p:style>
+        <p:txBody>
+          <a:bodyPr rtlCol="0" anchor="ctr"/>
+          <a:lstStyle/>
+          <a:p>
+            <a:pPr algn="ctr"/>
+            <a:r>
+              <a:rPr lang="en-US" b="1" dirty="0"/>
+              <a:t>Why?</a:t>
+            </a:r>
+          </a:p>
+        </p:txBody>
+      </p:sp>
+      <p:sp>
+        <p:nvSpPr>
+          <p:cNvPr id="7" name="Rectangle: Rounded Corners 6">
+            <a:extLst>
+              <a:ext uri="{FF2B5EF4-FFF2-40B4-BE49-F238E27FC236}">
+                <a16:creationId xmlns:a16="http://schemas.microsoft.com/office/drawing/2014/main" id="{3CFB51E8-5F44-82AE-391A-8719FBFF9819}"/>
+              </a:ext>
+            </a:extLst>
+          </p:cNvPr>
+          <p:cNvSpPr/>
+          <p:nvPr/>
+        </p:nvSpPr>
+        <p:spPr>
+          <a:xfrm>
+            <a:off x="3876673" y="885825"/>
+            <a:ext cx="2224087" cy="590550"/>
+          </a:xfrm>
+          <a:prstGeom prst="roundRect">
+            <a:avLst/>
+          </a:prstGeom>
+          <a:solidFill>
+            <a:schemeClr val="bg1">
+              <a:lumMod val="95000"/>
+            </a:schemeClr>
+          </a:solidFill>
+          <a:ln>
+            <a:solidFill>
+              <a:schemeClr val="tx2"/>
+            </a:solidFill>
+          </a:ln>
+        </p:spPr>
+        <p:style>
+          <a:lnRef idx="2">
+            <a:schemeClr val="accent1">
+              <a:shade val="15000"/>
+            </a:schemeClr>
+          </a:lnRef>
+          <a:fillRef idx="1">
+            <a:schemeClr val="accent1"/>
+          </a:fillRef>
+          <a:effectRef idx="0">
+            <a:schemeClr val="accent1"/>
+          </a:effectRef>
+          <a:fontRef idx="minor">
+            <a:schemeClr val="lt1"/>
+          </a:fontRef>
+        </p:style>
+        <p:txBody>
+          <a:bodyPr rtlCol="0" anchor="ctr"/>
+          <a:lstStyle/>
+          <a:p>
+            <a:pPr algn="ctr"/>
+            <a:r>
+              <a:rPr lang="en-US" sz="1600" b="1" dirty="0">
+                <a:solidFill>
+                  <a:schemeClr val="tx1"/>
+                </a:solidFill>
+              </a:rPr>
+              <a:t>Cause</a:t>
+            </a:r>
+            <a:endParaRPr lang="en-US" b="1" dirty="0">
+              <a:solidFill>
+                <a:schemeClr val="tx1"/>
+              </a:solidFill>
+            </a:endParaRPr>
+          </a:p>
+        </p:txBody>
+      </p:sp>
+      <p:sp>
+        <p:nvSpPr>
+          <p:cNvPr id="8" name="Rectangle: Rounded Corners 7">
+            <a:extLst>
+              <a:ext uri="{FF2B5EF4-FFF2-40B4-BE49-F238E27FC236}">
+                <a16:creationId xmlns:a16="http://schemas.microsoft.com/office/drawing/2014/main" id="{70F387E9-07ED-1AD6-7326-8F433CA43CE9}"/>
+              </a:ext>
+            </a:extLst>
+          </p:cNvPr>
+          <p:cNvSpPr/>
+          <p:nvPr/>
+        </p:nvSpPr>
+        <p:spPr>
+          <a:xfrm>
+            <a:off x="6486524" y="885825"/>
+            <a:ext cx="2224087" cy="590550"/>
+          </a:xfrm>
+          <a:prstGeom prst="roundRect">
+            <a:avLst/>
+          </a:prstGeom>
+          <a:solidFill>
+            <a:schemeClr val="bg1">
+              <a:lumMod val="95000"/>
+            </a:schemeClr>
+          </a:solidFill>
+          <a:ln>
+            <a:solidFill>
+              <a:schemeClr val="tx2"/>
+            </a:solidFill>
+          </a:ln>
+        </p:spPr>
+        <p:style>
+          <a:lnRef idx="2">
+            <a:schemeClr val="accent1">
+              <a:shade val="15000"/>
+            </a:schemeClr>
+          </a:lnRef>
+          <a:fillRef idx="1">
+            <a:schemeClr val="accent1"/>
+          </a:fillRef>
+          <a:effectRef idx="0">
+            <a:schemeClr val="accent1"/>
+          </a:effectRef>
+          <a:fontRef idx="minor">
+            <a:schemeClr val="lt1"/>
+          </a:fontRef>
+        </p:style>
+        <p:txBody>
+          <a:bodyPr rtlCol="0" anchor="ctr"/>
+          <a:lstStyle/>
+          <a:p>
+            <a:pPr algn="ctr"/>
+            <a:r>
+              <a:rPr lang="en-US" sz="1600" b="1" dirty="0">
+                <a:solidFill>
+                  <a:schemeClr val="tx1"/>
+                </a:solidFill>
+              </a:rPr>
+              <a:t>Cause</a:t>
+            </a:r>
+            <a:endParaRPr lang="en-US" b="1" dirty="0">
+              <a:solidFill>
+                <a:schemeClr val="tx1"/>
+              </a:solidFill>
+            </a:endParaRPr>
+          </a:p>
+        </p:txBody>
+      </p:sp>
+      <p:sp>
+        <p:nvSpPr>
+          <p:cNvPr id="9" name="Rectangle: Rounded Corners 8">
+            <a:extLst>
+              <a:ext uri="{FF2B5EF4-FFF2-40B4-BE49-F238E27FC236}">
+                <a16:creationId xmlns:a16="http://schemas.microsoft.com/office/drawing/2014/main" id="{61C73856-E6F9-2984-CC6C-3DE9A9AAF9D9}"/>
+              </a:ext>
+            </a:extLst>
+          </p:cNvPr>
+          <p:cNvSpPr/>
+          <p:nvPr/>
+        </p:nvSpPr>
+        <p:spPr>
+          <a:xfrm>
+            <a:off x="1266822" y="1698650"/>
+            <a:ext cx="854869" cy="590550"/>
+          </a:xfrm>
+          <a:prstGeom prst="roundRect">
+            <a:avLst/>
+          </a:prstGeom>
+          <a:solidFill>
+            <a:schemeClr val="bg1">
+              <a:lumMod val="95000"/>
+            </a:schemeClr>
+          </a:solidFill>
+          <a:ln>
+            <a:solidFill>
+              <a:schemeClr val="tx2"/>
+            </a:solidFill>
+          </a:ln>
+        </p:spPr>
+        <p:style>
+          <a:lnRef idx="2">
+            <a:schemeClr val="accent1">
+              <a:shade val="15000"/>
+            </a:schemeClr>
+          </a:lnRef>
+          <a:fillRef idx="1">
+            <a:schemeClr val="accent1"/>
+          </a:fillRef>
+          <a:effectRef idx="0">
+            <a:schemeClr val="accent1"/>
+          </a:effectRef>
+          <a:fontRef idx="minor">
+            <a:schemeClr val="lt1"/>
+          </a:fontRef>
+        </p:style>
+        <p:txBody>
+          <a:bodyPr rtlCol="0" anchor="ctr"/>
+          <a:lstStyle/>
+          <a:p>
+            <a:r>
+              <a:rPr lang="en-US" sz="1600" b="1" dirty="0">
+                <a:solidFill>
+                  <a:schemeClr val="tx1"/>
+                </a:solidFill>
+              </a:rPr>
+              <a:t>Cause</a:t>
+            </a:r>
+          </a:p>
+        </p:txBody>
+      </p:sp>
+      <p:sp>
+        <p:nvSpPr>
+          <p:cNvPr id="10" name="Rectangle: Rounded Corners 9">
+            <a:extLst>
+              <a:ext uri="{FF2B5EF4-FFF2-40B4-BE49-F238E27FC236}">
+                <a16:creationId xmlns:a16="http://schemas.microsoft.com/office/drawing/2014/main" id="{20F18D00-3DF7-7F64-2EA2-5B3289CE3A78}"/>
+              </a:ext>
+            </a:extLst>
+          </p:cNvPr>
+          <p:cNvSpPr/>
+          <p:nvPr/>
+        </p:nvSpPr>
+        <p:spPr>
+          <a:xfrm>
+            <a:off x="223838" y="1698650"/>
+            <a:ext cx="823911" cy="590550"/>
+          </a:xfrm>
+          <a:prstGeom prst="roundRect">
+            <a:avLst/>
+          </a:prstGeom>
+        </p:spPr>
+        <p:style>
+          <a:lnRef idx="2">
+            <a:schemeClr val="accent1">
+              <a:shade val="15000"/>
+            </a:schemeClr>
+          </a:lnRef>
+          <a:fillRef idx="1">
+            <a:schemeClr val="accent1"/>
+          </a:fillRef>
+          <a:effectRef idx="0">
+            <a:schemeClr val="accent1"/>
+          </a:effectRef>
+          <a:fontRef idx="minor">
+            <a:schemeClr val="lt1"/>
+          </a:fontRef>
+        </p:style>
+        <p:txBody>
+          <a:bodyPr rtlCol="0" anchor="ctr"/>
+          <a:lstStyle/>
+          <a:p>
+            <a:pPr algn="ctr"/>
+            <a:r>
+              <a:rPr lang="en-US" b="1" dirty="0"/>
+              <a:t>Why?</a:t>
+            </a:r>
+          </a:p>
+        </p:txBody>
+      </p:sp>
+      <p:sp>
+        <p:nvSpPr>
+          <p:cNvPr id="32" name="Rectangle: Rounded Corners 31">
+            <a:extLst>
+              <a:ext uri="{FF2B5EF4-FFF2-40B4-BE49-F238E27FC236}">
+                <a16:creationId xmlns:a16="http://schemas.microsoft.com/office/drawing/2014/main" id="{BF740771-849C-CA22-BFD7-27F0C5C17336}"/>
+              </a:ext>
+            </a:extLst>
+          </p:cNvPr>
+          <p:cNvSpPr/>
+          <p:nvPr/>
+        </p:nvSpPr>
+        <p:spPr>
+          <a:xfrm>
+            <a:off x="2636040" y="1698650"/>
+            <a:ext cx="854869" cy="590550"/>
+          </a:xfrm>
+          <a:prstGeom prst="roundRect">
+            <a:avLst/>
+          </a:prstGeom>
+          <a:solidFill>
+            <a:schemeClr val="bg1">
+              <a:lumMod val="95000"/>
+            </a:schemeClr>
+          </a:solidFill>
+          <a:ln>
+            <a:solidFill>
+              <a:schemeClr val="tx2"/>
+            </a:solidFill>
+          </a:ln>
+        </p:spPr>
+        <p:style>
+          <a:lnRef idx="2">
+            <a:schemeClr val="accent1">
+              <a:shade val="15000"/>
+            </a:schemeClr>
+          </a:lnRef>
+          <a:fillRef idx="1">
+            <a:schemeClr val="accent1"/>
+          </a:fillRef>
+          <a:effectRef idx="0">
+            <a:schemeClr val="accent1"/>
+          </a:effectRef>
+          <a:fontRef idx="minor">
+            <a:schemeClr val="lt1"/>
+          </a:fontRef>
+        </p:style>
+        <p:txBody>
+          <a:bodyPr rtlCol="0" anchor="ctr"/>
+          <a:lstStyle/>
+          <a:p>
+            <a:r>
+              <a:rPr lang="en-US" sz="1600" b="1" dirty="0">
+                <a:solidFill>
+                  <a:schemeClr val="tx1"/>
+                </a:solidFill>
+              </a:rPr>
+              <a:t>Cause</a:t>
+            </a:r>
+          </a:p>
+        </p:txBody>
+      </p:sp>
+      <p:sp>
+        <p:nvSpPr>
+          <p:cNvPr id="33" name="Rectangle: Rounded Corners 32">
+            <a:extLst>
+              <a:ext uri="{FF2B5EF4-FFF2-40B4-BE49-F238E27FC236}">
+                <a16:creationId xmlns:a16="http://schemas.microsoft.com/office/drawing/2014/main" id="{CA80911A-474E-2519-5A9D-0291F86232BC}"/>
+              </a:ext>
+            </a:extLst>
+          </p:cNvPr>
+          <p:cNvSpPr/>
+          <p:nvPr/>
+        </p:nvSpPr>
+        <p:spPr>
+          <a:xfrm>
+            <a:off x="4561282" y="1698650"/>
+            <a:ext cx="854869" cy="590550"/>
+          </a:xfrm>
+          <a:prstGeom prst="roundRect">
+            <a:avLst/>
+          </a:prstGeom>
+          <a:solidFill>
+            <a:schemeClr val="bg1">
+              <a:lumMod val="95000"/>
+            </a:schemeClr>
+          </a:solidFill>
+          <a:ln>
+            <a:solidFill>
+              <a:schemeClr val="tx2"/>
+            </a:solidFill>
+          </a:ln>
+        </p:spPr>
+        <p:style>
+          <a:lnRef idx="2">
+            <a:schemeClr val="accent1">
+              <a:shade val="15000"/>
+            </a:schemeClr>
+          </a:lnRef>
+          <a:fillRef idx="1">
+            <a:schemeClr val="accent1"/>
+          </a:fillRef>
+          <a:effectRef idx="0">
+            <a:schemeClr val="accent1"/>
+          </a:effectRef>
+          <a:fontRef idx="minor">
+            <a:schemeClr val="lt1"/>
+          </a:fontRef>
+        </p:style>
+        <p:txBody>
+          <a:bodyPr rtlCol="0" anchor="ctr"/>
+          <a:lstStyle/>
+          <a:p>
+            <a:r>
+              <a:rPr lang="en-US" sz="1600" b="1" dirty="0">
+                <a:solidFill>
+                  <a:schemeClr val="tx1"/>
+                </a:solidFill>
+              </a:rPr>
+              <a:t>Cause</a:t>
+            </a:r>
+          </a:p>
+        </p:txBody>
+      </p:sp>
+      <p:sp>
+        <p:nvSpPr>
+          <p:cNvPr id="34" name="Rectangle: Rounded Corners 33">
+            <a:extLst>
+              <a:ext uri="{FF2B5EF4-FFF2-40B4-BE49-F238E27FC236}">
+                <a16:creationId xmlns:a16="http://schemas.microsoft.com/office/drawing/2014/main" id="{A636902F-53CF-B111-EFDA-BB127F9C687D}"/>
+              </a:ext>
+            </a:extLst>
+          </p:cNvPr>
+          <p:cNvSpPr/>
+          <p:nvPr/>
+        </p:nvSpPr>
+        <p:spPr>
+          <a:xfrm>
+            <a:off x="6507960" y="1698650"/>
+            <a:ext cx="854869" cy="590550"/>
+          </a:xfrm>
+          <a:prstGeom prst="roundRect">
+            <a:avLst/>
+          </a:prstGeom>
+          <a:solidFill>
+            <a:schemeClr val="bg1">
+              <a:lumMod val="95000"/>
+            </a:schemeClr>
+          </a:solidFill>
+          <a:ln>
+            <a:solidFill>
+              <a:schemeClr val="tx2"/>
+            </a:solidFill>
+          </a:ln>
+        </p:spPr>
+        <p:style>
+          <a:lnRef idx="2">
+            <a:schemeClr val="accent1">
+              <a:shade val="15000"/>
+            </a:schemeClr>
+          </a:lnRef>
+          <a:fillRef idx="1">
+            <a:schemeClr val="accent1"/>
+          </a:fillRef>
+          <a:effectRef idx="0">
+            <a:schemeClr val="accent1"/>
+          </a:effectRef>
+          <a:fontRef idx="minor">
+            <a:schemeClr val="lt1"/>
+          </a:fontRef>
+        </p:style>
+        <p:txBody>
+          <a:bodyPr rtlCol="0" anchor="ctr"/>
+          <a:lstStyle/>
+          <a:p>
+            <a:r>
+              <a:rPr lang="en-US" sz="1600" b="1" dirty="0">
+                <a:solidFill>
+                  <a:schemeClr val="tx1"/>
+                </a:solidFill>
+              </a:rPr>
+              <a:t>Cause</a:t>
+            </a:r>
+          </a:p>
+        </p:txBody>
+      </p:sp>
+      <p:sp>
+        <p:nvSpPr>
+          <p:cNvPr id="35" name="Rectangle: Rounded Corners 34">
+            <a:extLst>
+              <a:ext uri="{FF2B5EF4-FFF2-40B4-BE49-F238E27FC236}">
+                <a16:creationId xmlns:a16="http://schemas.microsoft.com/office/drawing/2014/main" id="{C95A5F70-19ED-53B8-B707-80FF53F987BA}"/>
+              </a:ext>
+            </a:extLst>
+          </p:cNvPr>
+          <p:cNvSpPr/>
+          <p:nvPr/>
+        </p:nvSpPr>
+        <p:spPr>
+          <a:xfrm>
+            <a:off x="7877178" y="1698650"/>
+            <a:ext cx="854869" cy="590550"/>
+          </a:xfrm>
+          <a:prstGeom prst="roundRect">
+            <a:avLst/>
+          </a:prstGeom>
+          <a:solidFill>
+            <a:schemeClr val="bg1">
+              <a:lumMod val="95000"/>
+            </a:schemeClr>
+          </a:solidFill>
+          <a:ln>
+            <a:solidFill>
+              <a:schemeClr val="tx2"/>
+            </a:solidFill>
+          </a:ln>
+        </p:spPr>
+        <p:style>
+          <a:lnRef idx="2">
+            <a:schemeClr val="accent1">
+              <a:shade val="15000"/>
+            </a:schemeClr>
+          </a:lnRef>
+          <a:fillRef idx="1">
+            <a:schemeClr val="accent1"/>
+          </a:fillRef>
+          <a:effectRef idx="0">
+            <a:schemeClr val="accent1"/>
+          </a:effectRef>
+          <a:fontRef idx="minor">
+            <a:schemeClr val="lt1"/>
+          </a:fontRef>
+        </p:style>
+        <p:txBody>
+          <a:bodyPr rtlCol="0" anchor="ctr"/>
+          <a:lstStyle/>
+          <a:p>
+            <a:r>
+              <a:rPr lang="en-US" sz="1600" b="1" dirty="0">
+                <a:solidFill>
+                  <a:schemeClr val="tx1"/>
+                </a:solidFill>
+              </a:rPr>
+              <a:t>Cause</a:t>
+            </a:r>
+          </a:p>
+        </p:txBody>
+      </p:sp>
+      <p:sp>
+        <p:nvSpPr>
+          <p:cNvPr id="19" name="Rectangle: Rounded Corners 18">
+            <a:extLst>
+              <a:ext uri="{FF2B5EF4-FFF2-40B4-BE49-F238E27FC236}">
+                <a16:creationId xmlns:a16="http://schemas.microsoft.com/office/drawing/2014/main" id="{CEBE653F-71C7-B0D5-BAB5-9B22C4415F55}"/>
+              </a:ext>
+            </a:extLst>
+          </p:cNvPr>
+          <p:cNvSpPr/>
+          <p:nvPr/>
+        </p:nvSpPr>
+        <p:spPr>
+          <a:xfrm>
+            <a:off x="223838" y="2549575"/>
+            <a:ext cx="823911" cy="590550"/>
+          </a:xfrm>
+          <a:prstGeom prst="roundRect">
+            <a:avLst/>
+          </a:prstGeom>
+        </p:spPr>
+        <p:style>
+          <a:lnRef idx="2">
+            <a:schemeClr val="accent1">
+              <a:shade val="15000"/>
+            </a:schemeClr>
+          </a:lnRef>
+          <a:fillRef idx="1">
+            <a:schemeClr val="accent1"/>
+          </a:fillRef>
+          <a:effectRef idx="0">
+            <a:schemeClr val="accent1"/>
+          </a:effectRef>
+          <a:fontRef idx="minor">
+            <a:schemeClr val="lt1"/>
+          </a:fontRef>
+        </p:style>
+        <p:txBody>
+          <a:bodyPr rtlCol="0" anchor="ctr"/>
+          <a:lstStyle/>
+          <a:p>
+            <a:pPr algn="ctr"/>
+            <a:r>
+              <a:rPr lang="en-US" b="1" dirty="0"/>
+              <a:t>Why?</a:t>
+            </a:r>
+          </a:p>
+        </p:txBody>
+      </p:sp>
+      <p:sp>
+        <p:nvSpPr>
+          <p:cNvPr id="38" name="Rectangle: Rounded Corners 37">
+            <a:extLst>
+              <a:ext uri="{FF2B5EF4-FFF2-40B4-BE49-F238E27FC236}">
+                <a16:creationId xmlns:a16="http://schemas.microsoft.com/office/drawing/2014/main" id="{D7D5B12B-DB2F-A937-B610-9F7D574EBF80}"/>
+              </a:ext>
+            </a:extLst>
+          </p:cNvPr>
+          <p:cNvSpPr/>
+          <p:nvPr/>
+        </p:nvSpPr>
+        <p:spPr>
+          <a:xfrm>
+            <a:off x="1266822" y="2549575"/>
+            <a:ext cx="854869" cy="590550"/>
+          </a:xfrm>
+          <a:prstGeom prst="roundRect">
+            <a:avLst/>
+          </a:prstGeom>
+          <a:solidFill>
+            <a:schemeClr val="bg1">
+              <a:lumMod val="95000"/>
+            </a:schemeClr>
+          </a:solidFill>
+          <a:ln>
+            <a:solidFill>
+              <a:schemeClr val="tx2"/>
+            </a:solidFill>
+          </a:ln>
+        </p:spPr>
+        <p:style>
+          <a:lnRef idx="2">
+            <a:schemeClr val="accent1">
+              <a:shade val="15000"/>
+            </a:schemeClr>
+          </a:lnRef>
+          <a:fillRef idx="1">
+            <a:schemeClr val="accent1"/>
+          </a:fillRef>
+          <a:effectRef idx="0">
+            <a:schemeClr val="accent1"/>
+          </a:effectRef>
+          <a:fontRef idx="minor">
+            <a:schemeClr val="lt1"/>
+          </a:fontRef>
+        </p:style>
+        <p:txBody>
+          <a:bodyPr rtlCol="0" anchor="ctr"/>
+          <a:lstStyle/>
+          <a:p>
+            <a:r>
+              <a:rPr lang="en-US" sz="1600" b="1" dirty="0">
+                <a:solidFill>
+                  <a:schemeClr val="tx1"/>
+                </a:solidFill>
+              </a:rPr>
+              <a:t>Cause</a:t>
+            </a:r>
+          </a:p>
+        </p:txBody>
+      </p:sp>
+      <p:sp>
+        <p:nvSpPr>
+          <p:cNvPr id="39" name="Rectangle: Rounded Corners 38">
+            <a:extLst>
+              <a:ext uri="{FF2B5EF4-FFF2-40B4-BE49-F238E27FC236}">
+                <a16:creationId xmlns:a16="http://schemas.microsoft.com/office/drawing/2014/main" id="{F00A1DC9-39C2-F0CC-D9C8-7D4CCFC3BD96}"/>
+              </a:ext>
+            </a:extLst>
+          </p:cNvPr>
+          <p:cNvSpPr/>
+          <p:nvPr/>
+        </p:nvSpPr>
+        <p:spPr>
+          <a:xfrm>
+            <a:off x="4561282" y="2549575"/>
+            <a:ext cx="854869" cy="590550"/>
+          </a:xfrm>
+          <a:prstGeom prst="roundRect">
+            <a:avLst/>
+          </a:prstGeom>
+          <a:solidFill>
+            <a:schemeClr val="bg1">
+              <a:lumMod val="95000"/>
+            </a:schemeClr>
+          </a:solidFill>
+          <a:ln>
+            <a:solidFill>
+              <a:schemeClr val="tx2"/>
+            </a:solidFill>
+          </a:ln>
+        </p:spPr>
+        <p:style>
+          <a:lnRef idx="2">
+            <a:schemeClr val="accent1">
+              <a:shade val="15000"/>
+            </a:schemeClr>
+          </a:lnRef>
+          <a:fillRef idx="1">
+            <a:schemeClr val="accent1"/>
+          </a:fillRef>
+          <a:effectRef idx="0">
+            <a:schemeClr val="accent1"/>
+          </a:effectRef>
+          <a:fontRef idx="minor">
+            <a:schemeClr val="lt1"/>
+          </a:fontRef>
+        </p:style>
+        <p:txBody>
+          <a:bodyPr rtlCol="0" anchor="ctr"/>
+          <a:lstStyle/>
+          <a:p>
+            <a:r>
+              <a:rPr lang="en-US" sz="1600" b="1" dirty="0">
+                <a:solidFill>
+                  <a:schemeClr val="tx1"/>
+                </a:solidFill>
+              </a:rPr>
+              <a:t>Cause</a:t>
+            </a:r>
+          </a:p>
+        </p:txBody>
+      </p:sp>
+      <p:sp>
+        <p:nvSpPr>
+          <p:cNvPr id="40" name="Rectangle: Rounded Corners 39">
+            <a:extLst>
+              <a:ext uri="{FF2B5EF4-FFF2-40B4-BE49-F238E27FC236}">
+                <a16:creationId xmlns:a16="http://schemas.microsoft.com/office/drawing/2014/main" id="{2A76CBB0-E21F-94DD-4E81-F63526D7C260}"/>
+              </a:ext>
+            </a:extLst>
+          </p:cNvPr>
+          <p:cNvSpPr/>
+          <p:nvPr/>
+        </p:nvSpPr>
+        <p:spPr>
+          <a:xfrm>
+            <a:off x="6143624" y="2549575"/>
+            <a:ext cx="854869" cy="590550"/>
+          </a:xfrm>
+          <a:prstGeom prst="roundRect">
+            <a:avLst/>
+          </a:prstGeom>
+          <a:solidFill>
+            <a:schemeClr val="bg1">
+              <a:lumMod val="95000"/>
+            </a:schemeClr>
+          </a:solidFill>
+          <a:ln>
+            <a:solidFill>
+              <a:schemeClr val="tx2"/>
+            </a:solidFill>
+          </a:ln>
+        </p:spPr>
+        <p:style>
+          <a:lnRef idx="2">
+            <a:schemeClr val="accent1">
+              <a:shade val="15000"/>
+            </a:schemeClr>
+          </a:lnRef>
+          <a:fillRef idx="1">
+            <a:schemeClr val="accent1"/>
+          </a:fillRef>
+          <a:effectRef idx="0">
+            <a:schemeClr val="accent1"/>
+          </a:effectRef>
+          <a:fontRef idx="minor">
+            <a:schemeClr val="lt1"/>
+          </a:fontRef>
+        </p:style>
+        <p:txBody>
+          <a:bodyPr rtlCol="0" anchor="ctr"/>
+          <a:lstStyle/>
+          <a:p>
+            <a:r>
+              <a:rPr lang="en-US" sz="1600" b="1" dirty="0">
+                <a:solidFill>
+                  <a:schemeClr val="tx1"/>
+                </a:solidFill>
+              </a:rPr>
+              <a:t>Cause</a:t>
+            </a:r>
+          </a:p>
+        </p:txBody>
+      </p:sp>
+      <p:sp>
+        <p:nvSpPr>
+          <p:cNvPr id="41" name="Rectangle: Rounded Corners 40">
+            <a:extLst>
+              <a:ext uri="{FF2B5EF4-FFF2-40B4-BE49-F238E27FC236}">
+                <a16:creationId xmlns:a16="http://schemas.microsoft.com/office/drawing/2014/main" id="{87FB9FB6-AAFE-9B04-9106-D319B3B32A7C}"/>
+              </a:ext>
+            </a:extLst>
+          </p:cNvPr>
+          <p:cNvSpPr/>
+          <p:nvPr/>
+        </p:nvSpPr>
+        <p:spPr>
+          <a:xfrm>
+            <a:off x="8065293" y="2549575"/>
+            <a:ext cx="854869" cy="590550"/>
+          </a:xfrm>
+          <a:prstGeom prst="roundRect">
+            <a:avLst/>
+          </a:prstGeom>
+          <a:solidFill>
+            <a:schemeClr val="bg1">
+              <a:lumMod val="95000"/>
+            </a:schemeClr>
+          </a:solidFill>
+          <a:ln>
+            <a:solidFill>
+              <a:schemeClr val="tx2"/>
+            </a:solidFill>
+          </a:ln>
+        </p:spPr>
+        <p:style>
+          <a:lnRef idx="2">
+            <a:schemeClr val="accent1">
+              <a:shade val="15000"/>
+            </a:schemeClr>
+          </a:lnRef>
+          <a:fillRef idx="1">
+            <a:schemeClr val="accent1"/>
+          </a:fillRef>
+          <a:effectRef idx="0">
+            <a:schemeClr val="accent1"/>
+          </a:effectRef>
+          <a:fontRef idx="minor">
+            <a:schemeClr val="lt1"/>
+          </a:fontRef>
+        </p:style>
+        <p:txBody>
+          <a:bodyPr rtlCol="0" anchor="ctr"/>
+          <a:lstStyle/>
+          <a:p>
+            <a:r>
+              <a:rPr lang="en-US" sz="1600" b="1" dirty="0">
+                <a:solidFill>
+                  <a:schemeClr val="tx1"/>
+                </a:solidFill>
+              </a:rPr>
+              <a:t>Cause</a:t>
+            </a:r>
+          </a:p>
+        </p:txBody>
+      </p:sp>
+      <p:sp>
+        <p:nvSpPr>
+          <p:cNvPr id="42" name="Rectangle: Rounded Corners 41">
+            <a:extLst>
+              <a:ext uri="{FF2B5EF4-FFF2-40B4-BE49-F238E27FC236}">
+                <a16:creationId xmlns:a16="http://schemas.microsoft.com/office/drawing/2014/main" id="{7464F0E9-E35F-3667-41A6-52A26CE3029F}"/>
+              </a:ext>
+            </a:extLst>
+          </p:cNvPr>
+          <p:cNvSpPr/>
+          <p:nvPr/>
+        </p:nvSpPr>
+        <p:spPr>
+          <a:xfrm>
+            <a:off x="7061006" y="2549575"/>
+            <a:ext cx="854869" cy="590550"/>
+          </a:xfrm>
+          <a:prstGeom prst="roundRect">
+            <a:avLst/>
+          </a:prstGeom>
+          <a:solidFill>
+            <a:schemeClr val="bg1">
+              <a:lumMod val="95000"/>
+            </a:schemeClr>
+          </a:solidFill>
+          <a:ln>
+            <a:solidFill>
+              <a:schemeClr val="tx2"/>
+            </a:solidFill>
+          </a:ln>
+        </p:spPr>
+        <p:style>
+          <a:lnRef idx="2">
+            <a:schemeClr val="accent1">
+              <a:shade val="15000"/>
+            </a:schemeClr>
+          </a:lnRef>
+          <a:fillRef idx="1">
+            <a:schemeClr val="accent1"/>
+          </a:fillRef>
+          <a:effectRef idx="0">
+            <a:schemeClr val="accent1"/>
+          </a:effectRef>
+          <a:fontRef idx="minor">
+            <a:schemeClr val="lt1"/>
+          </a:fontRef>
+        </p:style>
+        <p:txBody>
+          <a:bodyPr rtlCol="0" anchor="ctr"/>
+          <a:lstStyle/>
+          <a:p>
+            <a:r>
+              <a:rPr lang="en-US" sz="1600" b="1" dirty="0">
+                <a:solidFill>
+                  <a:schemeClr val="tx1"/>
+                </a:solidFill>
+              </a:rPr>
+              <a:t>Cause</a:t>
+            </a:r>
+          </a:p>
+        </p:txBody>
+      </p:sp>
+      <p:sp>
+        <p:nvSpPr>
+          <p:cNvPr id="26" name="Rectangle: Rounded Corners 25">
+            <a:extLst>
+              <a:ext uri="{FF2B5EF4-FFF2-40B4-BE49-F238E27FC236}">
+                <a16:creationId xmlns:a16="http://schemas.microsoft.com/office/drawing/2014/main" id="{329EB8B5-AE6E-2215-E2E8-3E5B09E57784}"/>
+              </a:ext>
+            </a:extLst>
+          </p:cNvPr>
+          <p:cNvSpPr/>
+          <p:nvPr/>
+        </p:nvSpPr>
+        <p:spPr>
+          <a:xfrm>
+            <a:off x="1266822" y="3477522"/>
+            <a:ext cx="854870" cy="590550"/>
+          </a:xfrm>
+          <a:prstGeom prst="roundRect">
+            <a:avLst/>
+          </a:prstGeom>
+          <a:solidFill>
+            <a:schemeClr val="bg1">
+              <a:lumMod val="95000"/>
+            </a:schemeClr>
+          </a:solidFill>
+          <a:ln>
+            <a:solidFill>
+              <a:schemeClr val="tx2"/>
+            </a:solidFill>
+          </a:ln>
+        </p:spPr>
+        <p:style>
+          <a:lnRef idx="2">
+            <a:schemeClr val="accent1">
+              <a:shade val="15000"/>
+            </a:schemeClr>
+          </a:lnRef>
+          <a:fillRef idx="1">
+            <a:schemeClr val="accent1"/>
+          </a:fillRef>
+          <a:effectRef idx="0">
+            <a:schemeClr val="accent1"/>
+          </a:effectRef>
+          <a:fontRef idx="minor">
+            <a:schemeClr val="lt1"/>
+          </a:fontRef>
+        </p:style>
+        <p:txBody>
+          <a:bodyPr rtlCol="0" anchor="ctr"/>
+          <a:lstStyle/>
+          <a:p>
+            <a:r>
+              <a:rPr lang="en-US" sz="1600" b="1" dirty="0">
+                <a:solidFill>
+                  <a:schemeClr val="tx1"/>
+                </a:solidFill>
+              </a:rPr>
+              <a:t>Cause</a:t>
+            </a:r>
+          </a:p>
+        </p:txBody>
+      </p:sp>
+      <p:sp>
+        <p:nvSpPr>
+          <p:cNvPr id="27" name="Rectangle: Rounded Corners 26">
+            <a:extLst>
+              <a:ext uri="{FF2B5EF4-FFF2-40B4-BE49-F238E27FC236}">
+                <a16:creationId xmlns:a16="http://schemas.microsoft.com/office/drawing/2014/main" id="{AE6D443C-C2E1-985D-82F6-F7487C76BB5A}"/>
+              </a:ext>
+            </a:extLst>
+          </p:cNvPr>
+          <p:cNvSpPr/>
+          <p:nvPr/>
+        </p:nvSpPr>
+        <p:spPr>
+          <a:xfrm>
+            <a:off x="223838" y="3477522"/>
+            <a:ext cx="823911" cy="590550"/>
+          </a:xfrm>
+          <a:prstGeom prst="roundRect">
+            <a:avLst/>
+          </a:prstGeom>
+        </p:spPr>
+        <p:style>
+          <a:lnRef idx="2">
+            <a:schemeClr val="accent1">
+              <a:shade val="15000"/>
+            </a:schemeClr>
+          </a:lnRef>
+          <a:fillRef idx="1">
+            <a:schemeClr val="accent1"/>
+          </a:fillRef>
+          <a:effectRef idx="0">
+            <a:schemeClr val="accent1"/>
+          </a:effectRef>
+          <a:fontRef idx="minor">
+            <a:schemeClr val="lt1"/>
+          </a:fontRef>
+        </p:style>
+        <p:txBody>
+          <a:bodyPr rtlCol="0" anchor="ctr"/>
+          <a:lstStyle/>
+          <a:p>
+            <a:pPr algn="ctr"/>
+            <a:r>
+              <a:rPr lang="en-US" b="1" dirty="0"/>
+              <a:t>Why?</a:t>
+            </a:r>
+          </a:p>
+        </p:txBody>
+      </p:sp>
+      <p:sp>
+        <p:nvSpPr>
+          <p:cNvPr id="46" name="Rectangle: Rounded Corners 45">
+            <a:extLst>
+              <a:ext uri="{FF2B5EF4-FFF2-40B4-BE49-F238E27FC236}">
+                <a16:creationId xmlns:a16="http://schemas.microsoft.com/office/drawing/2014/main" id="{F6A59F8B-82AD-9CFF-132B-0C57AF977652}"/>
+              </a:ext>
+            </a:extLst>
+          </p:cNvPr>
+          <p:cNvSpPr/>
+          <p:nvPr/>
+        </p:nvSpPr>
+        <p:spPr>
+          <a:xfrm>
+            <a:off x="5987657" y="3477522"/>
+            <a:ext cx="854870" cy="590550"/>
+          </a:xfrm>
+          <a:prstGeom prst="roundRect">
+            <a:avLst/>
+          </a:prstGeom>
+          <a:solidFill>
+            <a:schemeClr val="bg1">
+              <a:lumMod val="95000"/>
+            </a:schemeClr>
+          </a:solidFill>
+          <a:ln>
+            <a:solidFill>
+              <a:schemeClr val="tx2"/>
+            </a:solidFill>
+          </a:ln>
+        </p:spPr>
+        <p:style>
+          <a:lnRef idx="2">
+            <a:schemeClr val="accent1">
+              <a:shade val="15000"/>
+            </a:schemeClr>
+          </a:lnRef>
+          <a:fillRef idx="1">
+            <a:schemeClr val="accent1"/>
+          </a:fillRef>
+          <a:effectRef idx="0">
+            <a:schemeClr val="accent1"/>
+          </a:effectRef>
+          <a:fontRef idx="minor">
+            <a:schemeClr val="lt1"/>
+          </a:fontRef>
+        </p:style>
+        <p:txBody>
+          <a:bodyPr rtlCol="0" anchor="ctr"/>
+          <a:lstStyle/>
+          <a:p>
+            <a:r>
+              <a:rPr lang="en-US" sz="1600" b="1" dirty="0">
+                <a:solidFill>
+                  <a:schemeClr val="tx1"/>
+                </a:solidFill>
+              </a:rPr>
+              <a:t>Cause</a:t>
+            </a:r>
+          </a:p>
+        </p:txBody>
+      </p:sp>
+      <p:sp>
+        <p:nvSpPr>
+          <p:cNvPr id="49" name="Rectangle: Rounded Corners 48">
+            <a:extLst>
+              <a:ext uri="{FF2B5EF4-FFF2-40B4-BE49-F238E27FC236}">
+                <a16:creationId xmlns:a16="http://schemas.microsoft.com/office/drawing/2014/main" id="{AA2C4E1A-89BA-86ED-26F4-14ACAA136BC0}"/>
+              </a:ext>
+            </a:extLst>
+          </p:cNvPr>
+          <p:cNvSpPr/>
+          <p:nvPr/>
+        </p:nvSpPr>
+        <p:spPr>
+          <a:xfrm>
+            <a:off x="8610311" y="3477522"/>
+            <a:ext cx="854870" cy="590550"/>
+          </a:xfrm>
+          <a:prstGeom prst="roundRect">
+            <a:avLst/>
+          </a:prstGeom>
+          <a:solidFill>
+            <a:schemeClr val="bg1">
+              <a:lumMod val="95000"/>
+            </a:schemeClr>
+          </a:solidFill>
+          <a:ln>
+            <a:solidFill>
+              <a:schemeClr val="tx2"/>
+            </a:solidFill>
+          </a:ln>
+        </p:spPr>
+        <p:style>
+          <a:lnRef idx="2">
+            <a:schemeClr val="accent1">
+              <a:shade val="15000"/>
+            </a:schemeClr>
+          </a:lnRef>
+          <a:fillRef idx="1">
+            <a:schemeClr val="accent1"/>
+          </a:fillRef>
+          <a:effectRef idx="0">
+            <a:schemeClr val="accent1"/>
+          </a:effectRef>
+          <a:fontRef idx="minor">
+            <a:schemeClr val="lt1"/>
+          </a:fontRef>
+        </p:style>
+        <p:txBody>
+          <a:bodyPr rtlCol="0" anchor="ctr"/>
+          <a:lstStyle/>
+          <a:p>
+            <a:r>
+              <a:rPr lang="en-US" sz="1600" b="1" dirty="0">
+                <a:solidFill>
+                  <a:schemeClr val="tx1"/>
+                </a:solidFill>
+              </a:rPr>
+              <a:t>Cause</a:t>
+            </a:r>
+          </a:p>
+        </p:txBody>
+      </p:sp>
+      <p:sp>
+        <p:nvSpPr>
+          <p:cNvPr id="51" name="Rectangle: Rounded Corners 50">
+            <a:extLst>
+              <a:ext uri="{FF2B5EF4-FFF2-40B4-BE49-F238E27FC236}">
+                <a16:creationId xmlns:a16="http://schemas.microsoft.com/office/drawing/2014/main" id="{ACD3A0A8-2BD3-1718-38E3-9CC69D4921EA}"/>
+              </a:ext>
+            </a:extLst>
+          </p:cNvPr>
+          <p:cNvSpPr/>
+          <p:nvPr/>
+        </p:nvSpPr>
+        <p:spPr>
+          <a:xfrm>
+            <a:off x="223838" y="4822853"/>
+            <a:ext cx="823911" cy="590550"/>
+          </a:xfrm>
+          <a:prstGeom prst="roundRect">
+            <a:avLst/>
+          </a:prstGeom>
+        </p:spPr>
+        <p:style>
+          <a:lnRef idx="2">
+            <a:schemeClr val="accent1">
+              <a:shade val="15000"/>
+            </a:schemeClr>
+          </a:lnRef>
+          <a:fillRef idx="1">
+            <a:schemeClr val="accent1"/>
+          </a:fillRef>
+          <a:effectRef idx="0">
+            <a:schemeClr val="accent1"/>
+          </a:effectRef>
+          <a:fontRef idx="minor">
+            <a:schemeClr val="lt1"/>
+          </a:fontRef>
+        </p:style>
+        <p:txBody>
+          <a:bodyPr rtlCol="0" anchor="ctr"/>
+          <a:lstStyle/>
+          <a:p>
+            <a:pPr algn="ctr"/>
+            <a:r>
+              <a:rPr lang="en-US" b="1" dirty="0"/>
+              <a:t>Why?</a:t>
+            </a:r>
+          </a:p>
+        </p:txBody>
+      </p:sp>
+      <p:grpSp>
+        <p:nvGrpSpPr>
+          <p:cNvPr id="91" name="Group 90">
+            <a:extLst>
+              <a:ext uri="{FF2B5EF4-FFF2-40B4-BE49-F238E27FC236}">
+                <a16:creationId xmlns:a16="http://schemas.microsoft.com/office/drawing/2014/main" id="{80BED41E-CA80-E10B-7114-3038CF499C2F}"/>
+              </a:ext>
+            </a:extLst>
+          </p:cNvPr>
+          <p:cNvGrpSpPr/>
+          <p:nvPr/>
+        </p:nvGrpSpPr>
+        <p:grpSpPr>
+          <a:xfrm>
+            <a:off x="4127891" y="3477522"/>
+            <a:ext cx="1321601" cy="1220764"/>
+            <a:chOff x="4327916" y="3800550"/>
+            <a:chExt cx="1321601" cy="1220764"/>
+          </a:xfrm>
+        </p:grpSpPr>
+        <p:sp>
+          <p:nvSpPr>
+            <p:cNvPr id="45" name="Rectangle: Rounded Corners 44">
+              <a:extLst>
+                <a:ext uri="{FF2B5EF4-FFF2-40B4-BE49-F238E27FC236}">
+                  <a16:creationId xmlns:a16="http://schemas.microsoft.com/office/drawing/2014/main" id="{A529EED7-FE80-0808-AA8C-7F20220EB503}"/>
+                </a:ext>
+              </a:extLst>
+            </p:cNvPr>
+            <p:cNvSpPr/>
+            <p:nvPr/>
+          </p:nvSpPr>
+          <p:spPr>
+            <a:xfrm>
+              <a:off x="4327916" y="3800550"/>
+              <a:ext cx="1321601" cy="590550"/>
+            </a:xfrm>
+            <a:prstGeom prst="roundRect">
+              <a:avLst/>
+            </a:prstGeom>
+            <a:solidFill>
+              <a:schemeClr val="bg1">
+                <a:lumMod val="95000"/>
+              </a:schemeClr>
+            </a:solidFill>
+            <a:ln>
+              <a:solidFill>
+                <a:schemeClr val="tx2"/>
+              </a:solidFill>
+            </a:ln>
+          </p:spPr>
+          <p:style>
+            <a:lnRef idx="2">
+              <a:schemeClr val="accent1">
+                <a:shade val="15000"/>
+              </a:schemeClr>
+            </a:lnRef>
+            <a:fillRef idx="1">
+              <a:schemeClr val="accent1"/>
+            </a:fillRef>
+            <a:effectRef idx="0">
+              <a:schemeClr val="accent1"/>
+            </a:effectRef>
+            <a:fontRef idx="minor">
+              <a:schemeClr val="lt1"/>
+            </a:fontRef>
+          </p:style>
+          <p:txBody>
+            <a:bodyPr rtlCol="0" anchor="ctr"/>
+            <a:lstStyle/>
+            <a:p>
+              <a:r>
+                <a:rPr lang="en-US" sz="1600" b="1" dirty="0">
+                  <a:solidFill>
+                    <a:schemeClr val="accent1"/>
+                  </a:solidFill>
+                </a:rPr>
+                <a:t>Root Cause</a:t>
+              </a:r>
+            </a:p>
+          </p:txBody>
+        </p:sp>
+        <p:sp>
+          <p:nvSpPr>
+            <p:cNvPr id="65" name="Rectangle: Rounded Corners 64">
+              <a:extLst>
+                <a:ext uri="{FF2B5EF4-FFF2-40B4-BE49-F238E27FC236}">
+                  <a16:creationId xmlns:a16="http://schemas.microsoft.com/office/drawing/2014/main" id="{BCDE9A7E-5696-8046-E083-F22FF1E0EE43}"/>
+                </a:ext>
+              </a:extLst>
+            </p:cNvPr>
+            <p:cNvSpPr/>
+            <p:nvPr/>
+          </p:nvSpPr>
+          <p:spPr>
+            <a:xfrm>
+              <a:off x="4327916" y="4430764"/>
+              <a:ext cx="1321601" cy="590550"/>
+            </a:xfrm>
+            <a:prstGeom prst="roundRect">
+              <a:avLst/>
+            </a:prstGeom>
+            <a:solidFill>
+              <a:srgbClr val="9BD5EF"/>
+            </a:solidFill>
+            <a:ln>
+              <a:solidFill>
+                <a:schemeClr val="tx2"/>
+              </a:solidFill>
+            </a:ln>
+          </p:spPr>
+          <p:style>
+            <a:lnRef idx="2">
+              <a:schemeClr val="accent1">
+                <a:shade val="15000"/>
+              </a:schemeClr>
+            </a:lnRef>
+            <a:fillRef idx="1">
+              <a:schemeClr val="accent1"/>
+            </a:fillRef>
+            <a:effectRef idx="0">
+              <a:schemeClr val="accent1"/>
+            </a:effectRef>
+            <a:fontRef idx="minor">
+              <a:schemeClr val="lt1"/>
+            </a:fontRef>
+          </p:style>
+          <p:txBody>
+            <a:bodyPr rtlCol="0" anchor="ctr"/>
+            <a:lstStyle/>
+            <a:p>
+              <a:pPr algn="ctr"/>
+              <a:r>
+                <a:rPr lang="en-US" sz="1600" b="1" dirty="0">
+                  <a:solidFill>
+                    <a:schemeClr val="tx1"/>
+                  </a:solidFill>
+                </a:rPr>
+                <a:t>Potential Actions</a:t>
+              </a:r>
+            </a:p>
+          </p:txBody>
+        </p:sp>
+      </p:grpSp>
+      <p:cxnSp>
+        <p:nvCxnSpPr>
+          <p:cNvPr id="71" name="Straight Arrow Connector 70">
+            <a:extLst>
+              <a:ext uri="{FF2B5EF4-FFF2-40B4-BE49-F238E27FC236}">
+                <a16:creationId xmlns:a16="http://schemas.microsoft.com/office/drawing/2014/main" id="{09DF6501-91EB-5222-ADC1-75CFA0D2C4E0}"/>
+              </a:ext>
+            </a:extLst>
+          </p:cNvPr>
+          <p:cNvCxnSpPr>
+            <a:cxnSpLocks/>
+            <a:stCxn id="4" idx="0"/>
+          </p:cNvCxnSpPr>
+          <p:nvPr/>
+        </p:nvCxnSpPr>
+        <p:spPr>
+          <a:xfrm flipV="1">
+            <a:off x="2378866" y="706486"/>
+            <a:ext cx="176213" cy="179339"/>
+          </a:xfrm>
+          <a:prstGeom prst="straightConnector1">
+            <a:avLst/>
+          </a:prstGeom>
+          <a:ln>
+            <a:solidFill>
+              <a:schemeClr val="tx1"/>
+            </a:solidFill>
+            <a:tailEnd type="triangle"/>
+          </a:ln>
+        </p:spPr>
+        <p:style>
+          <a:lnRef idx="2">
+            <a:schemeClr val="accent1"/>
+          </a:lnRef>
+          <a:fillRef idx="0">
+            <a:schemeClr val="accent1"/>
+          </a:fillRef>
+          <a:effectRef idx="1">
+            <a:schemeClr val="accent1"/>
+          </a:effectRef>
+          <a:fontRef idx="minor">
+            <a:schemeClr val="tx1"/>
+          </a:fontRef>
+        </p:style>
+      </p:cxnSp>
+      <p:cxnSp>
+        <p:nvCxnSpPr>
+          <p:cNvPr id="72" name="Straight Arrow Connector 71">
+            <a:extLst>
+              <a:ext uri="{FF2B5EF4-FFF2-40B4-BE49-F238E27FC236}">
+                <a16:creationId xmlns:a16="http://schemas.microsoft.com/office/drawing/2014/main" id="{C2078E49-ED48-B16D-484C-A75103A1CA92}"/>
+              </a:ext>
+            </a:extLst>
+          </p:cNvPr>
+          <p:cNvCxnSpPr>
+            <a:cxnSpLocks/>
+            <a:stCxn id="7" idx="0"/>
+          </p:cNvCxnSpPr>
+          <p:nvPr/>
+        </p:nvCxnSpPr>
+        <p:spPr>
+          <a:xfrm flipV="1">
+            <a:off x="4988717" y="675531"/>
+            <a:ext cx="0" cy="210294"/>
+          </a:xfrm>
+          <a:prstGeom prst="straightConnector1">
+            <a:avLst/>
+          </a:prstGeom>
+          <a:ln>
+            <a:solidFill>
+              <a:schemeClr val="tx1"/>
+            </a:solidFill>
+            <a:tailEnd type="triangle"/>
+          </a:ln>
+        </p:spPr>
+        <p:style>
+          <a:lnRef idx="2">
+            <a:schemeClr val="accent1"/>
+          </a:lnRef>
+          <a:fillRef idx="0">
+            <a:schemeClr val="accent1"/>
+          </a:fillRef>
+          <a:effectRef idx="1">
+            <a:schemeClr val="accent1"/>
+          </a:effectRef>
+          <a:fontRef idx="minor">
+            <a:schemeClr val="tx1"/>
+          </a:fontRef>
+        </p:style>
+      </p:cxnSp>
+      <p:cxnSp>
+        <p:nvCxnSpPr>
+          <p:cNvPr id="79" name="Straight Arrow Connector 78">
+            <a:extLst>
+              <a:ext uri="{FF2B5EF4-FFF2-40B4-BE49-F238E27FC236}">
+                <a16:creationId xmlns:a16="http://schemas.microsoft.com/office/drawing/2014/main" id="{49934852-AE7A-AEB3-D1A9-8BA2E0F33A4E}"/>
+              </a:ext>
+            </a:extLst>
+          </p:cNvPr>
+          <p:cNvCxnSpPr>
+            <a:cxnSpLocks/>
+            <a:stCxn id="8" idx="0"/>
+          </p:cNvCxnSpPr>
+          <p:nvPr/>
+        </p:nvCxnSpPr>
+        <p:spPr>
+          <a:xfrm flipH="1" flipV="1">
+            <a:off x="7488440" y="695325"/>
+            <a:ext cx="110128" cy="190500"/>
+          </a:xfrm>
+          <a:prstGeom prst="straightConnector1">
+            <a:avLst/>
+          </a:prstGeom>
+          <a:ln>
+            <a:solidFill>
+              <a:schemeClr val="tx1"/>
+            </a:solidFill>
+            <a:tailEnd type="triangle"/>
+          </a:ln>
+        </p:spPr>
+        <p:style>
+          <a:lnRef idx="2">
+            <a:schemeClr val="accent1"/>
+          </a:lnRef>
+          <a:fillRef idx="0">
+            <a:schemeClr val="accent1"/>
+          </a:fillRef>
+          <a:effectRef idx="1">
+            <a:schemeClr val="accent1"/>
+          </a:effectRef>
+          <a:fontRef idx="minor">
+            <a:schemeClr val="tx1"/>
+          </a:fontRef>
+        </p:style>
+      </p:cxnSp>
+      <p:cxnSp>
+        <p:nvCxnSpPr>
+          <p:cNvPr id="82" name="Straight Arrow Connector 81">
+            <a:extLst>
+              <a:ext uri="{FF2B5EF4-FFF2-40B4-BE49-F238E27FC236}">
+                <a16:creationId xmlns:a16="http://schemas.microsoft.com/office/drawing/2014/main" id="{F9EB07E6-2505-3B34-9839-71FA33018171}"/>
+              </a:ext>
+            </a:extLst>
+          </p:cNvPr>
+          <p:cNvCxnSpPr>
+            <a:cxnSpLocks/>
+            <a:stCxn id="33" idx="0"/>
+            <a:endCxn id="7" idx="2"/>
+          </p:cNvCxnSpPr>
+          <p:nvPr/>
+        </p:nvCxnSpPr>
+        <p:spPr>
+          <a:xfrm flipV="1">
+            <a:off x="4988717" y="1476375"/>
+            <a:ext cx="0" cy="222275"/>
+          </a:xfrm>
+          <a:prstGeom prst="straightConnector1">
+            <a:avLst/>
+          </a:prstGeom>
+          <a:ln>
+            <a:solidFill>
+              <a:schemeClr val="tx1"/>
+            </a:solidFill>
+            <a:tailEnd type="triangle"/>
+          </a:ln>
+        </p:spPr>
+        <p:style>
+          <a:lnRef idx="2">
+            <a:schemeClr val="accent1"/>
+          </a:lnRef>
+          <a:fillRef idx="0">
+            <a:schemeClr val="accent1"/>
+          </a:fillRef>
+          <a:effectRef idx="1">
+            <a:schemeClr val="accent1"/>
+          </a:effectRef>
+          <a:fontRef idx="minor">
+            <a:schemeClr val="tx1"/>
+          </a:fontRef>
+        </p:style>
+      </p:cxnSp>
+      <p:cxnSp>
+        <p:nvCxnSpPr>
+          <p:cNvPr id="85" name="Straight Arrow Connector 84">
+            <a:extLst>
+              <a:ext uri="{FF2B5EF4-FFF2-40B4-BE49-F238E27FC236}">
+                <a16:creationId xmlns:a16="http://schemas.microsoft.com/office/drawing/2014/main" id="{B7EE482A-0D65-256E-B743-17C8D01407B4}"/>
+              </a:ext>
+            </a:extLst>
+          </p:cNvPr>
+          <p:cNvCxnSpPr>
+            <a:cxnSpLocks/>
+            <a:stCxn id="39" idx="0"/>
+            <a:endCxn id="33" idx="2"/>
+          </p:cNvCxnSpPr>
+          <p:nvPr/>
+        </p:nvCxnSpPr>
+        <p:spPr>
+          <a:xfrm flipV="1">
+            <a:off x="4988717" y="2289200"/>
+            <a:ext cx="0" cy="260375"/>
+          </a:xfrm>
+          <a:prstGeom prst="straightConnector1">
+            <a:avLst/>
+          </a:prstGeom>
+          <a:ln>
+            <a:solidFill>
+              <a:schemeClr val="tx1"/>
+            </a:solidFill>
+            <a:tailEnd type="triangle"/>
+          </a:ln>
+        </p:spPr>
+        <p:style>
+          <a:lnRef idx="2">
+            <a:schemeClr val="accent1"/>
+          </a:lnRef>
+          <a:fillRef idx="0">
+            <a:schemeClr val="accent1"/>
+          </a:fillRef>
+          <a:effectRef idx="1">
+            <a:schemeClr val="accent1"/>
+          </a:effectRef>
+          <a:fontRef idx="minor">
+            <a:schemeClr val="tx1"/>
+          </a:fontRef>
+        </p:style>
+      </p:cxnSp>
+      <p:cxnSp>
+        <p:nvCxnSpPr>
+          <p:cNvPr id="88" name="Straight Arrow Connector 87">
+            <a:extLst>
+              <a:ext uri="{FF2B5EF4-FFF2-40B4-BE49-F238E27FC236}">
+                <a16:creationId xmlns:a16="http://schemas.microsoft.com/office/drawing/2014/main" id="{FAEF947B-FCA2-4870-CCAB-B167D1D452B8}"/>
+              </a:ext>
+            </a:extLst>
+          </p:cNvPr>
+          <p:cNvCxnSpPr>
+            <a:cxnSpLocks/>
+            <a:stCxn id="45" idx="0"/>
+            <a:endCxn id="39" idx="2"/>
+          </p:cNvCxnSpPr>
+          <p:nvPr/>
+        </p:nvCxnSpPr>
+        <p:spPr>
+          <a:xfrm flipV="1">
+            <a:off x="4788692" y="3140125"/>
+            <a:ext cx="200025" cy="337397"/>
+          </a:xfrm>
+          <a:prstGeom prst="straightConnector1">
+            <a:avLst/>
+          </a:prstGeom>
+          <a:ln>
+            <a:solidFill>
+              <a:schemeClr val="tx1"/>
+            </a:solidFill>
+            <a:tailEnd type="triangle"/>
+          </a:ln>
+        </p:spPr>
+        <p:style>
+          <a:lnRef idx="2">
+            <a:schemeClr val="accent1"/>
+          </a:lnRef>
+          <a:fillRef idx="0">
+            <a:schemeClr val="accent1"/>
+          </a:fillRef>
+          <a:effectRef idx="1">
+            <a:schemeClr val="accent1"/>
+          </a:effectRef>
+          <a:fontRef idx="minor">
+            <a:schemeClr val="tx1"/>
+          </a:fontRef>
+        </p:style>
+      </p:cxnSp>
+      <p:cxnSp>
+        <p:nvCxnSpPr>
+          <p:cNvPr id="92" name="Straight Arrow Connector 91">
+            <a:extLst>
+              <a:ext uri="{FF2B5EF4-FFF2-40B4-BE49-F238E27FC236}">
+                <a16:creationId xmlns:a16="http://schemas.microsoft.com/office/drawing/2014/main" id="{6AE35D50-0D68-D79D-135F-EB0CE729EF9A}"/>
+              </a:ext>
+            </a:extLst>
+          </p:cNvPr>
+          <p:cNvCxnSpPr>
+            <a:cxnSpLocks/>
+            <a:stCxn id="9" idx="0"/>
+          </p:cNvCxnSpPr>
+          <p:nvPr/>
+        </p:nvCxnSpPr>
+        <p:spPr>
+          <a:xfrm flipV="1">
+            <a:off x="1694257" y="1481938"/>
+            <a:ext cx="188127" cy="216712"/>
+          </a:xfrm>
+          <a:prstGeom prst="straightConnector1">
+            <a:avLst/>
+          </a:prstGeom>
+          <a:ln>
+            <a:solidFill>
+              <a:schemeClr val="tx1"/>
+            </a:solidFill>
+            <a:tailEnd type="triangle"/>
+          </a:ln>
+        </p:spPr>
+        <p:style>
+          <a:lnRef idx="2">
+            <a:schemeClr val="accent1"/>
+          </a:lnRef>
+          <a:fillRef idx="0">
+            <a:schemeClr val="accent1"/>
+          </a:fillRef>
+          <a:effectRef idx="1">
+            <a:schemeClr val="accent1"/>
+          </a:effectRef>
+          <a:fontRef idx="minor">
+            <a:schemeClr val="tx1"/>
+          </a:fontRef>
+        </p:style>
+      </p:cxnSp>
+      <p:cxnSp>
+        <p:nvCxnSpPr>
+          <p:cNvPr id="95" name="Straight Arrow Connector 94">
+            <a:extLst>
+              <a:ext uri="{FF2B5EF4-FFF2-40B4-BE49-F238E27FC236}">
+                <a16:creationId xmlns:a16="http://schemas.microsoft.com/office/drawing/2014/main" id="{7C4543D7-51FA-A4C4-32C5-E790110BF552}"/>
+              </a:ext>
+            </a:extLst>
+          </p:cNvPr>
+          <p:cNvCxnSpPr>
+            <a:cxnSpLocks/>
+            <a:stCxn id="32" idx="0"/>
+          </p:cNvCxnSpPr>
+          <p:nvPr/>
+        </p:nvCxnSpPr>
+        <p:spPr>
+          <a:xfrm flipH="1" flipV="1">
+            <a:off x="2784864" y="1487536"/>
+            <a:ext cx="278611" cy="211114"/>
+          </a:xfrm>
+          <a:prstGeom prst="straightConnector1">
+            <a:avLst/>
+          </a:prstGeom>
+          <a:ln>
+            <a:solidFill>
+              <a:schemeClr val="tx1"/>
+            </a:solidFill>
+            <a:tailEnd type="triangle"/>
+          </a:ln>
+        </p:spPr>
+        <p:style>
+          <a:lnRef idx="2">
+            <a:schemeClr val="accent1"/>
+          </a:lnRef>
+          <a:fillRef idx="0">
+            <a:schemeClr val="accent1"/>
+          </a:fillRef>
+          <a:effectRef idx="1">
+            <a:schemeClr val="accent1"/>
+          </a:effectRef>
+          <a:fontRef idx="minor">
+            <a:schemeClr val="tx1"/>
+          </a:fontRef>
+        </p:style>
+      </p:cxnSp>
+      <p:grpSp>
+        <p:nvGrpSpPr>
+          <p:cNvPr id="99" name="Group 98">
+            <a:extLst>
+              <a:ext uri="{FF2B5EF4-FFF2-40B4-BE49-F238E27FC236}">
+                <a16:creationId xmlns:a16="http://schemas.microsoft.com/office/drawing/2014/main" id="{86D20D05-04F6-E2A4-9D74-610674481D56}"/>
+              </a:ext>
+            </a:extLst>
+          </p:cNvPr>
+          <p:cNvGrpSpPr/>
+          <p:nvPr/>
+        </p:nvGrpSpPr>
+        <p:grpSpPr>
+          <a:xfrm>
+            <a:off x="2402673" y="2549575"/>
+            <a:ext cx="1321601" cy="1220764"/>
+            <a:chOff x="4327916" y="3800550"/>
+            <a:chExt cx="1321601" cy="1220764"/>
+          </a:xfrm>
+        </p:grpSpPr>
+        <p:sp>
+          <p:nvSpPr>
+            <p:cNvPr id="100" name="Rectangle: Rounded Corners 99">
+              <a:extLst>
+                <a:ext uri="{FF2B5EF4-FFF2-40B4-BE49-F238E27FC236}">
+                  <a16:creationId xmlns:a16="http://schemas.microsoft.com/office/drawing/2014/main" id="{B8101614-3355-9A72-E6EA-6098D39DCF1A}"/>
+                </a:ext>
+              </a:extLst>
+            </p:cNvPr>
+            <p:cNvSpPr/>
+            <p:nvPr/>
+          </p:nvSpPr>
+          <p:spPr>
+            <a:xfrm>
+              <a:off x="4327916" y="3800550"/>
+              <a:ext cx="1321601" cy="590550"/>
+            </a:xfrm>
+            <a:prstGeom prst="roundRect">
+              <a:avLst/>
+            </a:prstGeom>
+            <a:solidFill>
+              <a:schemeClr val="bg1">
+                <a:lumMod val="95000"/>
+              </a:schemeClr>
+            </a:solidFill>
+            <a:ln>
+              <a:solidFill>
+                <a:schemeClr val="tx2"/>
+              </a:solidFill>
+            </a:ln>
+          </p:spPr>
+          <p:style>
+            <a:lnRef idx="2">
+              <a:schemeClr val="accent1">
+                <a:shade val="15000"/>
+              </a:schemeClr>
+            </a:lnRef>
+            <a:fillRef idx="1">
+              <a:schemeClr val="accent1"/>
+            </a:fillRef>
+            <a:effectRef idx="0">
+              <a:schemeClr val="accent1"/>
+            </a:effectRef>
+            <a:fontRef idx="minor">
+              <a:schemeClr val="lt1"/>
+            </a:fontRef>
+          </p:style>
+          <p:txBody>
+            <a:bodyPr rtlCol="0" anchor="ctr"/>
+            <a:lstStyle/>
+            <a:p>
+              <a:r>
+                <a:rPr lang="en-US" sz="1600" b="1" dirty="0">
+                  <a:solidFill>
+                    <a:schemeClr val="accent1"/>
+                  </a:solidFill>
+                </a:rPr>
+                <a:t>Root Cause</a:t>
+              </a:r>
+            </a:p>
+          </p:txBody>
+        </p:sp>
+        <p:sp>
+          <p:nvSpPr>
+            <p:cNvPr id="101" name="Rectangle: Rounded Corners 100">
+              <a:extLst>
+                <a:ext uri="{FF2B5EF4-FFF2-40B4-BE49-F238E27FC236}">
+                  <a16:creationId xmlns:a16="http://schemas.microsoft.com/office/drawing/2014/main" id="{C8F7FAA4-7B69-4859-A04F-FE9B48911B1D}"/>
+                </a:ext>
+              </a:extLst>
+            </p:cNvPr>
+            <p:cNvSpPr/>
+            <p:nvPr/>
+          </p:nvSpPr>
+          <p:spPr>
+            <a:xfrm>
+              <a:off x="4327916" y="4430764"/>
+              <a:ext cx="1321601" cy="590550"/>
+            </a:xfrm>
+            <a:prstGeom prst="roundRect">
+              <a:avLst/>
+            </a:prstGeom>
+            <a:solidFill>
+              <a:srgbClr val="9BD5EF"/>
+            </a:solidFill>
+            <a:ln>
+              <a:solidFill>
+                <a:schemeClr val="tx2"/>
+              </a:solidFill>
+            </a:ln>
+          </p:spPr>
+          <p:style>
+            <a:lnRef idx="2">
+              <a:schemeClr val="accent1">
+                <a:shade val="15000"/>
+              </a:schemeClr>
+            </a:lnRef>
+            <a:fillRef idx="1">
+              <a:schemeClr val="accent1"/>
+            </a:fillRef>
+            <a:effectRef idx="0">
+              <a:schemeClr val="accent1"/>
+            </a:effectRef>
+            <a:fontRef idx="minor">
+              <a:schemeClr val="lt1"/>
+            </a:fontRef>
+          </p:style>
+          <p:txBody>
+            <a:bodyPr rtlCol="0" anchor="ctr"/>
+            <a:lstStyle/>
+            <a:p>
+              <a:pPr algn="ctr"/>
+              <a:r>
+                <a:rPr lang="en-US" sz="1600" b="1" dirty="0">
+                  <a:solidFill>
+                    <a:schemeClr val="tx1"/>
+                  </a:solidFill>
+                </a:rPr>
+                <a:t>Potential Actions</a:t>
+              </a:r>
+            </a:p>
+          </p:txBody>
+        </p:sp>
+      </p:grpSp>
+      <p:cxnSp>
+        <p:nvCxnSpPr>
+          <p:cNvPr id="102" name="Straight Arrow Connector 101">
+            <a:extLst>
+              <a:ext uri="{FF2B5EF4-FFF2-40B4-BE49-F238E27FC236}">
+                <a16:creationId xmlns:a16="http://schemas.microsoft.com/office/drawing/2014/main" id="{180F442E-E6CA-16F5-2C99-CFAC7B0D559D}"/>
+              </a:ext>
+            </a:extLst>
+          </p:cNvPr>
+          <p:cNvCxnSpPr>
+            <a:cxnSpLocks/>
+            <a:stCxn id="100" idx="0"/>
+            <a:endCxn id="32" idx="2"/>
+          </p:cNvCxnSpPr>
+          <p:nvPr/>
+        </p:nvCxnSpPr>
+        <p:spPr>
+          <a:xfrm flipV="1">
+            <a:off x="3063474" y="2289200"/>
+            <a:ext cx="1" cy="260375"/>
+          </a:xfrm>
+          <a:prstGeom prst="straightConnector1">
+            <a:avLst/>
+          </a:prstGeom>
+          <a:ln>
+            <a:solidFill>
+              <a:schemeClr val="tx1"/>
+            </a:solidFill>
+            <a:tailEnd type="triangle"/>
+          </a:ln>
+        </p:spPr>
+        <p:style>
+          <a:lnRef idx="2">
+            <a:schemeClr val="accent1"/>
+          </a:lnRef>
+          <a:fillRef idx="0">
+            <a:schemeClr val="accent1"/>
+          </a:fillRef>
+          <a:effectRef idx="1">
+            <a:schemeClr val="accent1"/>
+          </a:effectRef>
+          <a:fontRef idx="minor">
+            <a:schemeClr val="tx1"/>
+          </a:fontRef>
+        </p:style>
+      </p:cxnSp>
+      <p:cxnSp>
+        <p:nvCxnSpPr>
+          <p:cNvPr id="105" name="Straight Arrow Connector 104">
+            <a:extLst>
+              <a:ext uri="{FF2B5EF4-FFF2-40B4-BE49-F238E27FC236}">
+                <a16:creationId xmlns:a16="http://schemas.microsoft.com/office/drawing/2014/main" id="{7B82F925-635D-B0D6-3A32-E502141DC907}"/>
+              </a:ext>
+            </a:extLst>
+          </p:cNvPr>
+          <p:cNvCxnSpPr>
+            <a:cxnSpLocks/>
+            <a:stCxn id="38" idx="0"/>
+            <a:endCxn id="9" idx="2"/>
+          </p:cNvCxnSpPr>
+          <p:nvPr/>
+        </p:nvCxnSpPr>
+        <p:spPr>
+          <a:xfrm flipV="1">
+            <a:off x="1694257" y="2289200"/>
+            <a:ext cx="0" cy="260375"/>
+          </a:xfrm>
+          <a:prstGeom prst="straightConnector1">
+            <a:avLst/>
+          </a:prstGeom>
+          <a:ln>
+            <a:solidFill>
+              <a:schemeClr val="tx1"/>
+            </a:solidFill>
+            <a:tailEnd type="triangle"/>
+          </a:ln>
+        </p:spPr>
+        <p:style>
+          <a:lnRef idx="2">
+            <a:schemeClr val="accent1"/>
+          </a:lnRef>
+          <a:fillRef idx="0">
+            <a:schemeClr val="accent1"/>
+          </a:fillRef>
+          <a:effectRef idx="1">
+            <a:schemeClr val="accent1"/>
+          </a:effectRef>
+          <a:fontRef idx="minor">
+            <a:schemeClr val="tx1"/>
+          </a:fontRef>
+        </p:style>
+      </p:cxnSp>
+      <p:cxnSp>
+        <p:nvCxnSpPr>
+          <p:cNvPr id="108" name="Straight Arrow Connector 107">
+            <a:extLst>
+              <a:ext uri="{FF2B5EF4-FFF2-40B4-BE49-F238E27FC236}">
+                <a16:creationId xmlns:a16="http://schemas.microsoft.com/office/drawing/2014/main" id="{8EBB2E07-824D-E8F7-C1CB-A881AEA534AB}"/>
+              </a:ext>
+            </a:extLst>
+          </p:cNvPr>
+          <p:cNvCxnSpPr>
+            <a:cxnSpLocks/>
+            <a:stCxn id="26" idx="0"/>
+            <a:endCxn id="38" idx="2"/>
+          </p:cNvCxnSpPr>
+          <p:nvPr/>
+        </p:nvCxnSpPr>
+        <p:spPr>
+          <a:xfrm flipV="1">
+            <a:off x="1694257" y="3140125"/>
+            <a:ext cx="0" cy="337397"/>
+          </a:xfrm>
+          <a:prstGeom prst="straightConnector1">
+            <a:avLst/>
+          </a:prstGeom>
+          <a:ln>
+            <a:solidFill>
+              <a:schemeClr val="tx1"/>
+            </a:solidFill>
+            <a:tailEnd type="triangle"/>
+          </a:ln>
+        </p:spPr>
+        <p:style>
+          <a:lnRef idx="2">
+            <a:schemeClr val="accent1"/>
+          </a:lnRef>
+          <a:fillRef idx="0">
+            <a:schemeClr val="accent1"/>
+          </a:fillRef>
+          <a:effectRef idx="1">
+            <a:schemeClr val="accent1"/>
+          </a:effectRef>
+          <a:fontRef idx="minor">
+            <a:schemeClr val="tx1"/>
+          </a:fontRef>
+        </p:style>
+      </p:cxnSp>
+      <p:grpSp>
+        <p:nvGrpSpPr>
+          <p:cNvPr id="112" name="Group 111">
+            <a:extLst>
+              <a:ext uri="{FF2B5EF4-FFF2-40B4-BE49-F238E27FC236}">
+                <a16:creationId xmlns:a16="http://schemas.microsoft.com/office/drawing/2014/main" id="{4E8341F5-0BC1-F0DF-6CFD-6C4B076265CC}"/>
+              </a:ext>
+            </a:extLst>
+          </p:cNvPr>
+          <p:cNvGrpSpPr/>
+          <p:nvPr/>
+        </p:nvGrpSpPr>
+        <p:grpSpPr>
+          <a:xfrm>
+            <a:off x="1266822" y="4822853"/>
+            <a:ext cx="1321601" cy="1220764"/>
+            <a:chOff x="4327916" y="3800550"/>
+            <a:chExt cx="1321601" cy="1220764"/>
+          </a:xfrm>
+        </p:grpSpPr>
+        <p:sp>
+          <p:nvSpPr>
+            <p:cNvPr id="113" name="Rectangle: Rounded Corners 112">
+              <a:extLst>
+                <a:ext uri="{FF2B5EF4-FFF2-40B4-BE49-F238E27FC236}">
+                  <a16:creationId xmlns:a16="http://schemas.microsoft.com/office/drawing/2014/main" id="{71E46A08-5995-1622-8B7C-FB6CE330501E}"/>
+                </a:ext>
+              </a:extLst>
+            </p:cNvPr>
+            <p:cNvSpPr/>
+            <p:nvPr/>
+          </p:nvSpPr>
+          <p:spPr>
+            <a:xfrm>
+              <a:off x="4327916" y="3800550"/>
+              <a:ext cx="1321601" cy="590550"/>
+            </a:xfrm>
+            <a:prstGeom prst="roundRect">
+              <a:avLst/>
+            </a:prstGeom>
+            <a:solidFill>
+              <a:schemeClr val="bg1">
+                <a:lumMod val="95000"/>
+              </a:schemeClr>
+            </a:solidFill>
+            <a:ln>
+              <a:solidFill>
+                <a:schemeClr val="tx2"/>
+              </a:solidFill>
+            </a:ln>
+          </p:spPr>
+          <p:style>
+            <a:lnRef idx="2">
+              <a:schemeClr val="accent1">
+                <a:shade val="15000"/>
+              </a:schemeClr>
+            </a:lnRef>
+            <a:fillRef idx="1">
+              <a:schemeClr val="accent1"/>
+            </a:fillRef>
+            <a:effectRef idx="0">
+              <a:schemeClr val="accent1"/>
+            </a:effectRef>
+            <a:fontRef idx="minor">
+              <a:schemeClr val="lt1"/>
+            </a:fontRef>
+          </p:style>
+          <p:txBody>
+            <a:bodyPr rtlCol="0" anchor="ctr"/>
+            <a:lstStyle/>
+            <a:p>
+              <a:r>
+                <a:rPr lang="en-US" sz="1600" b="1" dirty="0">
+                  <a:solidFill>
+                    <a:schemeClr val="accent1"/>
+                  </a:solidFill>
+                </a:rPr>
+                <a:t>Root Cause</a:t>
+              </a:r>
+            </a:p>
+          </p:txBody>
+        </p:sp>
+        <p:sp>
+          <p:nvSpPr>
+            <p:cNvPr id="114" name="Rectangle: Rounded Corners 113">
+              <a:extLst>
+                <a:ext uri="{FF2B5EF4-FFF2-40B4-BE49-F238E27FC236}">
+                  <a16:creationId xmlns:a16="http://schemas.microsoft.com/office/drawing/2014/main" id="{96490D67-FBD4-23C8-67E6-9B9622989888}"/>
+                </a:ext>
+              </a:extLst>
+            </p:cNvPr>
+            <p:cNvSpPr/>
+            <p:nvPr/>
+          </p:nvSpPr>
+          <p:spPr>
+            <a:xfrm>
+              <a:off x="4327916" y="4430764"/>
+              <a:ext cx="1321601" cy="590550"/>
+            </a:xfrm>
+            <a:prstGeom prst="roundRect">
+              <a:avLst/>
+            </a:prstGeom>
+            <a:solidFill>
+              <a:srgbClr val="9BD5EF"/>
+            </a:solidFill>
+            <a:ln>
+              <a:solidFill>
+                <a:schemeClr val="tx2"/>
+              </a:solidFill>
+            </a:ln>
+          </p:spPr>
+          <p:style>
+            <a:lnRef idx="2">
+              <a:schemeClr val="accent1">
+                <a:shade val="15000"/>
+              </a:schemeClr>
+            </a:lnRef>
+            <a:fillRef idx="1">
+              <a:schemeClr val="accent1"/>
+            </a:fillRef>
+            <a:effectRef idx="0">
+              <a:schemeClr val="accent1"/>
+            </a:effectRef>
+            <a:fontRef idx="minor">
+              <a:schemeClr val="lt1"/>
+            </a:fontRef>
+          </p:style>
+          <p:txBody>
+            <a:bodyPr rtlCol="0" anchor="ctr"/>
+            <a:lstStyle/>
+            <a:p>
+              <a:pPr algn="ctr"/>
+              <a:r>
+                <a:rPr lang="en-US" sz="1600" b="1" dirty="0">
+                  <a:solidFill>
+                    <a:schemeClr val="tx1"/>
+                  </a:solidFill>
+                </a:rPr>
+                <a:t>Potential Actions</a:t>
+              </a:r>
+            </a:p>
+          </p:txBody>
+        </p:sp>
+      </p:grpSp>
+      <p:grpSp>
+        <p:nvGrpSpPr>
+          <p:cNvPr id="115" name="Group 114">
+            <a:extLst>
+              <a:ext uri="{FF2B5EF4-FFF2-40B4-BE49-F238E27FC236}">
+                <a16:creationId xmlns:a16="http://schemas.microsoft.com/office/drawing/2014/main" id="{BBFC2C31-203E-5DE7-0A1E-1C996AF8349C}"/>
+              </a:ext>
+            </a:extLst>
+          </p:cNvPr>
+          <p:cNvGrpSpPr/>
+          <p:nvPr/>
+        </p:nvGrpSpPr>
+        <p:grpSpPr>
+          <a:xfrm>
+            <a:off x="2696185" y="4822853"/>
+            <a:ext cx="1321601" cy="1220764"/>
+            <a:chOff x="4327916" y="3800550"/>
+            <a:chExt cx="1321601" cy="1220764"/>
+          </a:xfrm>
+        </p:grpSpPr>
+        <p:sp>
+          <p:nvSpPr>
+            <p:cNvPr id="116" name="Rectangle: Rounded Corners 115">
+              <a:extLst>
+                <a:ext uri="{FF2B5EF4-FFF2-40B4-BE49-F238E27FC236}">
+                  <a16:creationId xmlns:a16="http://schemas.microsoft.com/office/drawing/2014/main" id="{A7EE1023-6014-3C95-F1BE-006367442782}"/>
+                </a:ext>
+              </a:extLst>
+            </p:cNvPr>
+            <p:cNvSpPr/>
+            <p:nvPr/>
+          </p:nvSpPr>
+          <p:spPr>
+            <a:xfrm>
+              <a:off x="4327916" y="3800550"/>
+              <a:ext cx="1321601" cy="590550"/>
+            </a:xfrm>
+            <a:prstGeom prst="roundRect">
+              <a:avLst/>
+            </a:prstGeom>
+            <a:solidFill>
+              <a:schemeClr val="bg1">
+                <a:lumMod val="95000"/>
+              </a:schemeClr>
+            </a:solidFill>
+            <a:ln>
+              <a:solidFill>
+                <a:schemeClr val="tx2"/>
+              </a:solidFill>
+            </a:ln>
+          </p:spPr>
+          <p:style>
+            <a:lnRef idx="2">
+              <a:schemeClr val="accent1">
+                <a:shade val="15000"/>
+              </a:schemeClr>
+            </a:lnRef>
+            <a:fillRef idx="1">
+              <a:schemeClr val="accent1"/>
+            </a:fillRef>
+            <a:effectRef idx="0">
+              <a:schemeClr val="accent1"/>
+            </a:effectRef>
+            <a:fontRef idx="minor">
+              <a:schemeClr val="lt1"/>
+            </a:fontRef>
+          </p:style>
+          <p:txBody>
+            <a:bodyPr rtlCol="0" anchor="ctr"/>
+            <a:lstStyle/>
+            <a:p>
+              <a:r>
+                <a:rPr lang="en-US" sz="1600" b="1" dirty="0">
+                  <a:solidFill>
+                    <a:schemeClr val="accent1"/>
+                  </a:solidFill>
+                </a:rPr>
+                <a:t>Root Cause</a:t>
+              </a:r>
+            </a:p>
+          </p:txBody>
+        </p:sp>
+        <p:sp>
+          <p:nvSpPr>
+            <p:cNvPr id="117" name="Rectangle: Rounded Corners 116">
+              <a:extLst>
+                <a:ext uri="{FF2B5EF4-FFF2-40B4-BE49-F238E27FC236}">
+                  <a16:creationId xmlns:a16="http://schemas.microsoft.com/office/drawing/2014/main" id="{72AF3CD4-B8AD-6629-FA2D-021F49A93F69}"/>
+                </a:ext>
+              </a:extLst>
+            </p:cNvPr>
+            <p:cNvSpPr/>
+            <p:nvPr/>
+          </p:nvSpPr>
+          <p:spPr>
+            <a:xfrm>
+              <a:off x="4327916" y="4430764"/>
+              <a:ext cx="1321601" cy="590550"/>
+            </a:xfrm>
+            <a:prstGeom prst="roundRect">
+              <a:avLst/>
+            </a:prstGeom>
+            <a:solidFill>
+              <a:srgbClr val="9BD5EF"/>
+            </a:solidFill>
+            <a:ln>
+              <a:solidFill>
+                <a:schemeClr val="tx2"/>
+              </a:solidFill>
+            </a:ln>
+          </p:spPr>
+          <p:style>
+            <a:lnRef idx="2">
+              <a:schemeClr val="accent1">
+                <a:shade val="15000"/>
+              </a:schemeClr>
+            </a:lnRef>
+            <a:fillRef idx="1">
+              <a:schemeClr val="accent1"/>
+            </a:fillRef>
+            <a:effectRef idx="0">
+              <a:schemeClr val="accent1"/>
+            </a:effectRef>
+            <a:fontRef idx="minor">
+              <a:schemeClr val="lt1"/>
+            </a:fontRef>
+          </p:style>
+          <p:txBody>
+            <a:bodyPr rtlCol="0" anchor="ctr"/>
+            <a:lstStyle/>
+            <a:p>
+              <a:pPr algn="ctr"/>
+              <a:r>
+                <a:rPr lang="en-US" sz="1600" b="1" dirty="0">
+                  <a:solidFill>
+                    <a:schemeClr val="tx1"/>
+                  </a:solidFill>
+                </a:rPr>
+                <a:t>Potential Actions</a:t>
+              </a:r>
+            </a:p>
+          </p:txBody>
+        </p:sp>
+      </p:grpSp>
+      <p:cxnSp>
+        <p:nvCxnSpPr>
+          <p:cNvPr id="118" name="Straight Arrow Connector 117">
+            <a:extLst>
+              <a:ext uri="{FF2B5EF4-FFF2-40B4-BE49-F238E27FC236}">
+                <a16:creationId xmlns:a16="http://schemas.microsoft.com/office/drawing/2014/main" id="{AE91FCF0-D14B-383F-7E7A-DE6598B867F0}"/>
+              </a:ext>
+            </a:extLst>
+          </p:cNvPr>
+          <p:cNvCxnSpPr>
+            <a:cxnSpLocks/>
+            <a:stCxn id="113" idx="0"/>
+            <a:endCxn id="26" idx="2"/>
+          </p:cNvCxnSpPr>
+          <p:nvPr/>
+        </p:nvCxnSpPr>
+        <p:spPr>
+          <a:xfrm flipH="1" flipV="1">
+            <a:off x="1694257" y="4068072"/>
+            <a:ext cx="233366" cy="754781"/>
+          </a:xfrm>
+          <a:prstGeom prst="straightConnector1">
+            <a:avLst/>
+          </a:prstGeom>
+          <a:ln>
+            <a:solidFill>
+              <a:schemeClr val="tx1"/>
+            </a:solidFill>
+            <a:tailEnd type="triangle"/>
+          </a:ln>
+        </p:spPr>
+        <p:style>
+          <a:lnRef idx="2">
+            <a:schemeClr val="accent1"/>
+          </a:lnRef>
+          <a:fillRef idx="0">
+            <a:schemeClr val="accent1"/>
+          </a:fillRef>
+          <a:effectRef idx="1">
+            <a:schemeClr val="accent1"/>
+          </a:effectRef>
+          <a:fontRef idx="minor">
+            <a:schemeClr val="tx1"/>
+          </a:fontRef>
+        </p:style>
+      </p:cxnSp>
+      <p:cxnSp>
+        <p:nvCxnSpPr>
+          <p:cNvPr id="121" name="Straight Arrow Connector 120">
+            <a:extLst>
+              <a:ext uri="{FF2B5EF4-FFF2-40B4-BE49-F238E27FC236}">
+                <a16:creationId xmlns:a16="http://schemas.microsoft.com/office/drawing/2014/main" id="{FC9891C7-4AE2-073F-CCEB-93C11CDBF004}"/>
+              </a:ext>
+            </a:extLst>
+          </p:cNvPr>
+          <p:cNvCxnSpPr>
+            <a:cxnSpLocks/>
+            <a:stCxn id="116" idx="0"/>
+            <a:endCxn id="26" idx="3"/>
+          </p:cNvCxnSpPr>
+          <p:nvPr/>
+        </p:nvCxnSpPr>
+        <p:spPr>
+          <a:xfrm flipH="1" flipV="1">
+            <a:off x="2121692" y="3772797"/>
+            <a:ext cx="1235294" cy="1050056"/>
+          </a:xfrm>
+          <a:prstGeom prst="straightConnector1">
+            <a:avLst/>
+          </a:prstGeom>
+          <a:ln>
+            <a:solidFill>
+              <a:schemeClr val="tx1"/>
+            </a:solidFill>
+            <a:tailEnd type="triangle"/>
+          </a:ln>
+        </p:spPr>
+        <p:style>
+          <a:lnRef idx="2">
+            <a:schemeClr val="accent1"/>
+          </a:lnRef>
+          <a:fillRef idx="0">
+            <a:schemeClr val="accent1"/>
+          </a:fillRef>
+          <a:effectRef idx="1">
+            <a:schemeClr val="accent1"/>
+          </a:effectRef>
+          <a:fontRef idx="minor">
+            <a:schemeClr val="tx1"/>
+          </a:fontRef>
+        </p:style>
+      </p:cxnSp>
+      <p:cxnSp>
+        <p:nvCxnSpPr>
+          <p:cNvPr id="124" name="Straight Arrow Connector 123">
+            <a:extLst>
+              <a:ext uri="{FF2B5EF4-FFF2-40B4-BE49-F238E27FC236}">
+                <a16:creationId xmlns:a16="http://schemas.microsoft.com/office/drawing/2014/main" id="{692FEBF2-69B1-717A-F65E-E8B75088FFBE}"/>
+              </a:ext>
+            </a:extLst>
+          </p:cNvPr>
+          <p:cNvCxnSpPr>
+            <a:cxnSpLocks/>
+            <a:stCxn id="34" idx="0"/>
+          </p:cNvCxnSpPr>
+          <p:nvPr/>
+        </p:nvCxnSpPr>
+        <p:spPr>
+          <a:xfrm flipV="1">
+            <a:off x="6935395" y="1499407"/>
+            <a:ext cx="257174" cy="199243"/>
+          </a:xfrm>
+          <a:prstGeom prst="straightConnector1">
+            <a:avLst/>
+          </a:prstGeom>
+          <a:ln>
+            <a:solidFill>
+              <a:schemeClr val="tx1"/>
+            </a:solidFill>
+            <a:tailEnd type="triangle"/>
+          </a:ln>
+        </p:spPr>
+        <p:style>
+          <a:lnRef idx="2">
+            <a:schemeClr val="accent1"/>
+          </a:lnRef>
+          <a:fillRef idx="0">
+            <a:schemeClr val="accent1"/>
+          </a:fillRef>
+          <a:effectRef idx="1">
+            <a:schemeClr val="accent1"/>
+          </a:effectRef>
+          <a:fontRef idx="minor">
+            <a:schemeClr val="tx1"/>
+          </a:fontRef>
+        </p:style>
+      </p:cxnSp>
+      <p:cxnSp>
+        <p:nvCxnSpPr>
+          <p:cNvPr id="127" name="Straight Arrow Connector 126">
+            <a:extLst>
+              <a:ext uri="{FF2B5EF4-FFF2-40B4-BE49-F238E27FC236}">
+                <a16:creationId xmlns:a16="http://schemas.microsoft.com/office/drawing/2014/main" id="{9C8F30E9-0D24-135E-A052-781C83F035C9}"/>
+              </a:ext>
+            </a:extLst>
+          </p:cNvPr>
+          <p:cNvCxnSpPr>
+            <a:cxnSpLocks/>
+            <a:stCxn id="35" idx="0"/>
+          </p:cNvCxnSpPr>
+          <p:nvPr/>
+        </p:nvCxnSpPr>
+        <p:spPr>
+          <a:xfrm flipH="1" flipV="1">
+            <a:off x="8095051" y="1487536"/>
+            <a:ext cx="209562" cy="211114"/>
+          </a:xfrm>
+          <a:prstGeom prst="straightConnector1">
+            <a:avLst/>
+          </a:prstGeom>
+          <a:ln>
+            <a:solidFill>
+              <a:schemeClr val="tx1"/>
+            </a:solidFill>
+            <a:tailEnd type="triangle"/>
+          </a:ln>
+        </p:spPr>
+        <p:style>
+          <a:lnRef idx="2">
+            <a:schemeClr val="accent1"/>
+          </a:lnRef>
+          <a:fillRef idx="0">
+            <a:schemeClr val="accent1"/>
+          </a:fillRef>
+          <a:effectRef idx="1">
+            <a:schemeClr val="accent1"/>
+          </a:effectRef>
+          <a:fontRef idx="minor">
+            <a:schemeClr val="tx1"/>
+          </a:fontRef>
+        </p:style>
+      </p:cxnSp>
+      <p:cxnSp>
+        <p:nvCxnSpPr>
+          <p:cNvPr id="130" name="Straight Arrow Connector 129">
+            <a:extLst>
+              <a:ext uri="{FF2B5EF4-FFF2-40B4-BE49-F238E27FC236}">
+                <a16:creationId xmlns:a16="http://schemas.microsoft.com/office/drawing/2014/main" id="{4BD87BD8-1536-BDAD-8CD8-161A3755AC9E}"/>
+              </a:ext>
+            </a:extLst>
+          </p:cNvPr>
+          <p:cNvCxnSpPr>
+            <a:cxnSpLocks/>
+            <a:stCxn id="40" idx="0"/>
+          </p:cNvCxnSpPr>
+          <p:nvPr/>
+        </p:nvCxnSpPr>
+        <p:spPr>
+          <a:xfrm flipV="1">
+            <a:off x="6571059" y="2298725"/>
+            <a:ext cx="250628" cy="250850"/>
+          </a:xfrm>
+          <a:prstGeom prst="straightConnector1">
+            <a:avLst/>
+          </a:prstGeom>
+          <a:ln>
+            <a:solidFill>
+              <a:schemeClr val="tx1"/>
+            </a:solidFill>
+            <a:tailEnd type="triangle"/>
+          </a:ln>
+        </p:spPr>
+        <p:style>
+          <a:lnRef idx="2">
+            <a:schemeClr val="accent1"/>
+          </a:lnRef>
+          <a:fillRef idx="0">
+            <a:schemeClr val="accent1"/>
+          </a:fillRef>
+          <a:effectRef idx="1">
+            <a:schemeClr val="accent1"/>
+          </a:effectRef>
+          <a:fontRef idx="minor">
+            <a:schemeClr val="tx1"/>
+          </a:fontRef>
+        </p:style>
+      </p:cxnSp>
+      <p:cxnSp>
+        <p:nvCxnSpPr>
+          <p:cNvPr id="133" name="Straight Arrow Connector 132">
+            <a:extLst>
+              <a:ext uri="{FF2B5EF4-FFF2-40B4-BE49-F238E27FC236}">
+                <a16:creationId xmlns:a16="http://schemas.microsoft.com/office/drawing/2014/main" id="{B8E31835-689D-83A7-5875-57D926A2E7D9}"/>
+              </a:ext>
+            </a:extLst>
+          </p:cNvPr>
+          <p:cNvCxnSpPr>
+            <a:cxnSpLocks/>
+            <a:stCxn id="42" idx="0"/>
+          </p:cNvCxnSpPr>
+          <p:nvPr/>
+        </p:nvCxnSpPr>
+        <p:spPr>
+          <a:xfrm flipH="1" flipV="1">
+            <a:off x="7175894" y="2289200"/>
+            <a:ext cx="312547" cy="260375"/>
+          </a:xfrm>
+          <a:prstGeom prst="straightConnector1">
+            <a:avLst/>
+          </a:prstGeom>
+          <a:ln>
+            <a:solidFill>
+              <a:schemeClr val="tx1"/>
+            </a:solidFill>
+            <a:tailEnd type="triangle"/>
+          </a:ln>
+        </p:spPr>
+        <p:style>
+          <a:lnRef idx="2">
+            <a:schemeClr val="accent1"/>
+          </a:lnRef>
+          <a:fillRef idx="0">
+            <a:schemeClr val="accent1"/>
+          </a:fillRef>
+          <a:effectRef idx="1">
+            <a:schemeClr val="accent1"/>
+          </a:effectRef>
+          <a:fontRef idx="minor">
+            <a:schemeClr val="tx1"/>
+          </a:fontRef>
+        </p:style>
+      </p:cxnSp>
+      <p:cxnSp>
+        <p:nvCxnSpPr>
+          <p:cNvPr id="137" name="Straight Arrow Connector 136">
+            <a:extLst>
+              <a:ext uri="{FF2B5EF4-FFF2-40B4-BE49-F238E27FC236}">
+                <a16:creationId xmlns:a16="http://schemas.microsoft.com/office/drawing/2014/main" id="{C1555CB5-E748-6005-2294-AD3097562A1E}"/>
+              </a:ext>
+            </a:extLst>
+          </p:cNvPr>
+          <p:cNvCxnSpPr>
+            <a:cxnSpLocks/>
+            <a:stCxn id="41" idx="0"/>
+            <a:endCxn id="35" idx="2"/>
+          </p:cNvCxnSpPr>
+          <p:nvPr/>
+        </p:nvCxnSpPr>
+        <p:spPr>
+          <a:xfrm flipH="1" flipV="1">
+            <a:off x="8304613" y="2289200"/>
+            <a:ext cx="188115" cy="260375"/>
+          </a:xfrm>
+          <a:prstGeom prst="straightConnector1">
+            <a:avLst/>
+          </a:prstGeom>
+          <a:ln>
+            <a:solidFill>
+              <a:schemeClr val="tx1"/>
+            </a:solidFill>
+            <a:tailEnd type="triangle"/>
+          </a:ln>
+        </p:spPr>
+        <p:style>
+          <a:lnRef idx="2">
+            <a:schemeClr val="accent1"/>
+          </a:lnRef>
+          <a:fillRef idx="0">
+            <a:schemeClr val="accent1"/>
+          </a:fillRef>
+          <a:effectRef idx="1">
+            <a:schemeClr val="accent1"/>
+          </a:effectRef>
+          <a:fontRef idx="minor">
+            <a:schemeClr val="tx1"/>
+          </a:fontRef>
+        </p:style>
+      </p:cxnSp>
+      <p:cxnSp>
+        <p:nvCxnSpPr>
+          <p:cNvPr id="143" name="Straight Arrow Connector 142">
+            <a:extLst>
+              <a:ext uri="{FF2B5EF4-FFF2-40B4-BE49-F238E27FC236}">
+                <a16:creationId xmlns:a16="http://schemas.microsoft.com/office/drawing/2014/main" id="{2480C209-DE66-E04E-1895-4B1D21AB0956}"/>
+              </a:ext>
+            </a:extLst>
+          </p:cNvPr>
+          <p:cNvCxnSpPr>
+            <a:cxnSpLocks/>
+            <a:stCxn id="46" idx="0"/>
+            <a:endCxn id="40" idx="2"/>
+          </p:cNvCxnSpPr>
+          <p:nvPr/>
+        </p:nvCxnSpPr>
+        <p:spPr>
+          <a:xfrm flipV="1">
+            <a:off x="6415092" y="3140125"/>
+            <a:ext cx="155967" cy="337397"/>
+          </a:xfrm>
+          <a:prstGeom prst="straightConnector1">
+            <a:avLst/>
+          </a:prstGeom>
+          <a:ln>
+            <a:solidFill>
+              <a:schemeClr val="tx1"/>
+            </a:solidFill>
+            <a:tailEnd type="triangle"/>
+          </a:ln>
+        </p:spPr>
+        <p:style>
+          <a:lnRef idx="2">
+            <a:schemeClr val="accent1"/>
+          </a:lnRef>
+          <a:fillRef idx="0">
+            <a:schemeClr val="accent1"/>
+          </a:fillRef>
+          <a:effectRef idx="1">
+            <a:schemeClr val="accent1"/>
+          </a:effectRef>
+          <a:fontRef idx="minor">
+            <a:schemeClr val="tx1"/>
+          </a:fontRef>
+        </p:style>
+      </p:cxnSp>
+      <p:cxnSp>
+        <p:nvCxnSpPr>
+          <p:cNvPr id="146" name="Straight Arrow Connector 145">
+            <a:extLst>
+              <a:ext uri="{FF2B5EF4-FFF2-40B4-BE49-F238E27FC236}">
+                <a16:creationId xmlns:a16="http://schemas.microsoft.com/office/drawing/2014/main" id="{847279FE-72ED-3150-A460-02001FD93530}"/>
+              </a:ext>
+            </a:extLst>
+          </p:cNvPr>
+          <p:cNvCxnSpPr>
+            <a:cxnSpLocks/>
+            <a:stCxn id="141" idx="0"/>
+            <a:endCxn id="42" idx="2"/>
+          </p:cNvCxnSpPr>
+          <p:nvPr/>
+        </p:nvCxnSpPr>
+        <p:spPr>
+          <a:xfrm flipH="1" flipV="1">
+            <a:off x="7488441" y="3140125"/>
+            <a:ext cx="237978" cy="337397"/>
+          </a:xfrm>
+          <a:prstGeom prst="straightConnector1">
+            <a:avLst/>
+          </a:prstGeom>
+          <a:ln>
+            <a:solidFill>
+              <a:schemeClr val="tx1"/>
+            </a:solidFill>
+            <a:tailEnd type="triangle"/>
+          </a:ln>
+        </p:spPr>
+        <p:style>
+          <a:lnRef idx="2">
+            <a:schemeClr val="accent1"/>
+          </a:lnRef>
+          <a:fillRef idx="0">
+            <a:schemeClr val="accent1"/>
+          </a:fillRef>
+          <a:effectRef idx="1">
+            <a:schemeClr val="accent1"/>
+          </a:effectRef>
+          <a:fontRef idx="minor">
+            <a:schemeClr val="tx1"/>
+          </a:fontRef>
+        </p:style>
+      </p:cxnSp>
+      <p:cxnSp>
+        <p:nvCxnSpPr>
+          <p:cNvPr id="149" name="Straight Arrow Connector 148">
+            <a:extLst>
+              <a:ext uri="{FF2B5EF4-FFF2-40B4-BE49-F238E27FC236}">
+                <a16:creationId xmlns:a16="http://schemas.microsoft.com/office/drawing/2014/main" id="{6AFDCBC7-11F4-E30D-F6D9-E97D961EE453}"/>
+              </a:ext>
+            </a:extLst>
+          </p:cNvPr>
+          <p:cNvCxnSpPr>
+            <a:cxnSpLocks/>
+            <a:stCxn id="49" idx="0"/>
+            <a:endCxn id="41" idx="2"/>
+          </p:cNvCxnSpPr>
+          <p:nvPr/>
+        </p:nvCxnSpPr>
+        <p:spPr>
+          <a:xfrm flipH="1" flipV="1">
+            <a:off x="8492728" y="3140125"/>
+            <a:ext cx="545018" cy="337397"/>
+          </a:xfrm>
+          <a:prstGeom prst="straightConnector1">
+            <a:avLst/>
+          </a:prstGeom>
+          <a:ln>
+            <a:solidFill>
+              <a:schemeClr val="tx1"/>
+            </a:solidFill>
+            <a:tailEnd type="triangle"/>
+          </a:ln>
+        </p:spPr>
+        <p:style>
+          <a:lnRef idx="2">
+            <a:schemeClr val="accent1"/>
+          </a:lnRef>
+          <a:fillRef idx="0">
+            <a:schemeClr val="accent1"/>
+          </a:fillRef>
+          <a:effectRef idx="1">
+            <a:schemeClr val="accent1"/>
+          </a:effectRef>
+          <a:fontRef idx="minor">
+            <a:schemeClr val="tx1"/>
+          </a:fontRef>
+        </p:style>
+      </p:cxnSp>
+      <p:grpSp>
+        <p:nvGrpSpPr>
+          <p:cNvPr id="152" name="Group 151">
+            <a:extLst>
+              <a:ext uri="{FF2B5EF4-FFF2-40B4-BE49-F238E27FC236}">
+                <a16:creationId xmlns:a16="http://schemas.microsoft.com/office/drawing/2014/main" id="{CDD3ADAD-E260-EDA2-EA65-20F459F82705}"/>
+              </a:ext>
+            </a:extLst>
+          </p:cNvPr>
+          <p:cNvGrpSpPr/>
+          <p:nvPr/>
+        </p:nvGrpSpPr>
+        <p:grpSpPr>
+          <a:xfrm>
+            <a:off x="5092911" y="4822853"/>
+            <a:ext cx="1321601" cy="1220764"/>
+            <a:chOff x="4327916" y="3800550"/>
+            <a:chExt cx="1321601" cy="1220764"/>
+          </a:xfrm>
+        </p:grpSpPr>
+        <p:sp>
+          <p:nvSpPr>
+            <p:cNvPr id="153" name="Rectangle: Rounded Corners 152">
+              <a:extLst>
+                <a:ext uri="{FF2B5EF4-FFF2-40B4-BE49-F238E27FC236}">
+                  <a16:creationId xmlns:a16="http://schemas.microsoft.com/office/drawing/2014/main" id="{3419D798-F1E8-3619-6B73-CF67AA329F4B}"/>
+                </a:ext>
+              </a:extLst>
+            </p:cNvPr>
+            <p:cNvSpPr/>
+            <p:nvPr/>
+          </p:nvSpPr>
+          <p:spPr>
+            <a:xfrm>
+              <a:off x="4327916" y="3800550"/>
+              <a:ext cx="1321601" cy="590550"/>
+            </a:xfrm>
+            <a:prstGeom prst="roundRect">
+              <a:avLst/>
+            </a:prstGeom>
+            <a:solidFill>
+              <a:schemeClr val="bg1">
+                <a:lumMod val="95000"/>
+              </a:schemeClr>
+            </a:solidFill>
+            <a:ln>
+              <a:solidFill>
+                <a:schemeClr val="tx2"/>
+              </a:solidFill>
+            </a:ln>
+          </p:spPr>
+          <p:style>
+            <a:lnRef idx="2">
+              <a:schemeClr val="accent1">
+                <a:shade val="15000"/>
+              </a:schemeClr>
+            </a:lnRef>
+            <a:fillRef idx="1">
+              <a:schemeClr val="accent1"/>
+            </a:fillRef>
+            <a:effectRef idx="0">
+              <a:schemeClr val="accent1"/>
+            </a:effectRef>
+            <a:fontRef idx="minor">
+              <a:schemeClr val="lt1"/>
+            </a:fontRef>
+          </p:style>
+          <p:txBody>
+            <a:bodyPr rtlCol="0" anchor="ctr"/>
+            <a:lstStyle/>
+            <a:p>
+              <a:r>
+                <a:rPr lang="en-US" sz="1600" b="1" dirty="0">
+                  <a:solidFill>
+                    <a:schemeClr val="accent1"/>
+                  </a:solidFill>
+                </a:rPr>
+                <a:t>Root Cause</a:t>
+              </a:r>
+            </a:p>
+          </p:txBody>
+        </p:sp>
+        <p:sp>
+          <p:nvSpPr>
+            <p:cNvPr id="154" name="Rectangle: Rounded Corners 153">
+              <a:extLst>
+                <a:ext uri="{FF2B5EF4-FFF2-40B4-BE49-F238E27FC236}">
+                  <a16:creationId xmlns:a16="http://schemas.microsoft.com/office/drawing/2014/main" id="{EACB31AC-D34B-F308-127B-6261B9389290}"/>
+                </a:ext>
+              </a:extLst>
+            </p:cNvPr>
+            <p:cNvSpPr/>
+            <p:nvPr/>
+          </p:nvSpPr>
+          <p:spPr>
+            <a:xfrm>
+              <a:off x="4327916" y="4430764"/>
+              <a:ext cx="1321601" cy="590550"/>
+            </a:xfrm>
+            <a:prstGeom prst="roundRect">
+              <a:avLst/>
+            </a:prstGeom>
+            <a:solidFill>
+              <a:srgbClr val="9BD5EF"/>
+            </a:solidFill>
+            <a:ln>
+              <a:solidFill>
+                <a:schemeClr val="tx2"/>
+              </a:solidFill>
+            </a:ln>
+          </p:spPr>
+          <p:style>
+            <a:lnRef idx="2">
+              <a:schemeClr val="accent1">
+                <a:shade val="15000"/>
+              </a:schemeClr>
+            </a:lnRef>
+            <a:fillRef idx="1">
+              <a:schemeClr val="accent1"/>
+            </a:fillRef>
+            <a:effectRef idx="0">
+              <a:schemeClr val="accent1"/>
+            </a:effectRef>
+            <a:fontRef idx="minor">
+              <a:schemeClr val="lt1"/>
+            </a:fontRef>
+          </p:style>
+          <p:txBody>
+            <a:bodyPr rtlCol="0" anchor="ctr"/>
+            <a:lstStyle/>
+            <a:p>
+              <a:pPr algn="ctr"/>
+              <a:r>
+                <a:rPr lang="en-US" sz="1600" b="1" dirty="0">
+                  <a:solidFill>
+                    <a:schemeClr val="tx1"/>
+                  </a:solidFill>
+                </a:rPr>
+                <a:t>Potential Actions</a:t>
+              </a:r>
+            </a:p>
+          </p:txBody>
+        </p:sp>
+      </p:grpSp>
+      <p:grpSp>
+        <p:nvGrpSpPr>
+          <p:cNvPr id="164" name="Group 163">
+            <a:extLst>
+              <a:ext uri="{FF2B5EF4-FFF2-40B4-BE49-F238E27FC236}">
+                <a16:creationId xmlns:a16="http://schemas.microsoft.com/office/drawing/2014/main" id="{4904BED4-7D67-10B0-C863-0647D3FB3344}"/>
+              </a:ext>
+            </a:extLst>
+          </p:cNvPr>
+          <p:cNvGrpSpPr/>
+          <p:nvPr/>
+        </p:nvGrpSpPr>
+        <p:grpSpPr>
+          <a:xfrm>
+            <a:off x="6493075" y="4822853"/>
+            <a:ext cx="1321601" cy="1220764"/>
+            <a:chOff x="4327916" y="3800550"/>
+            <a:chExt cx="1321601" cy="1220764"/>
+          </a:xfrm>
+        </p:grpSpPr>
+        <p:sp>
+          <p:nvSpPr>
+            <p:cNvPr id="165" name="Rectangle: Rounded Corners 164">
+              <a:extLst>
+                <a:ext uri="{FF2B5EF4-FFF2-40B4-BE49-F238E27FC236}">
+                  <a16:creationId xmlns:a16="http://schemas.microsoft.com/office/drawing/2014/main" id="{ED4B9AD1-1729-E561-20FF-A6600AA525EE}"/>
+                </a:ext>
+              </a:extLst>
+            </p:cNvPr>
+            <p:cNvSpPr/>
+            <p:nvPr/>
+          </p:nvSpPr>
+          <p:spPr>
+            <a:xfrm>
+              <a:off x="4327916" y="3800550"/>
+              <a:ext cx="1321601" cy="590550"/>
+            </a:xfrm>
+            <a:prstGeom prst="roundRect">
+              <a:avLst/>
+            </a:prstGeom>
+            <a:solidFill>
+              <a:schemeClr val="bg1">
+                <a:lumMod val="95000"/>
+              </a:schemeClr>
+            </a:solidFill>
+            <a:ln>
+              <a:solidFill>
+                <a:schemeClr val="tx2"/>
+              </a:solidFill>
+            </a:ln>
+          </p:spPr>
+          <p:style>
+            <a:lnRef idx="2">
+              <a:schemeClr val="accent1">
+                <a:shade val="15000"/>
+              </a:schemeClr>
+            </a:lnRef>
+            <a:fillRef idx="1">
+              <a:schemeClr val="accent1"/>
+            </a:fillRef>
+            <a:effectRef idx="0">
+              <a:schemeClr val="accent1"/>
+            </a:effectRef>
+            <a:fontRef idx="minor">
+              <a:schemeClr val="lt1"/>
+            </a:fontRef>
+          </p:style>
+          <p:txBody>
+            <a:bodyPr rtlCol="0" anchor="ctr"/>
+            <a:lstStyle/>
+            <a:p>
+              <a:r>
+                <a:rPr lang="en-US" sz="1600" b="1" dirty="0">
+                  <a:solidFill>
+                    <a:schemeClr val="accent1"/>
+                  </a:solidFill>
+                </a:rPr>
+                <a:t>Root Cause</a:t>
+              </a:r>
+            </a:p>
+          </p:txBody>
+        </p:sp>
+        <p:sp>
+          <p:nvSpPr>
+            <p:cNvPr id="166" name="Rectangle: Rounded Corners 165">
+              <a:extLst>
+                <a:ext uri="{FF2B5EF4-FFF2-40B4-BE49-F238E27FC236}">
+                  <a16:creationId xmlns:a16="http://schemas.microsoft.com/office/drawing/2014/main" id="{71932758-E19F-F776-E172-706FC3DC96AE}"/>
+                </a:ext>
+              </a:extLst>
+            </p:cNvPr>
+            <p:cNvSpPr/>
+            <p:nvPr/>
+          </p:nvSpPr>
+          <p:spPr>
+            <a:xfrm>
+              <a:off x="4327916" y="4430764"/>
+              <a:ext cx="1321601" cy="590550"/>
+            </a:xfrm>
+            <a:prstGeom prst="roundRect">
+              <a:avLst/>
+            </a:prstGeom>
+            <a:solidFill>
+              <a:srgbClr val="9BD5EF"/>
+            </a:solidFill>
+            <a:ln>
+              <a:solidFill>
+                <a:schemeClr val="tx2"/>
+              </a:solidFill>
+            </a:ln>
+          </p:spPr>
+          <p:style>
+            <a:lnRef idx="2">
+              <a:schemeClr val="accent1">
+                <a:shade val="15000"/>
+              </a:schemeClr>
+            </a:lnRef>
+            <a:fillRef idx="1">
+              <a:schemeClr val="accent1"/>
+            </a:fillRef>
+            <a:effectRef idx="0">
+              <a:schemeClr val="accent1"/>
+            </a:effectRef>
+            <a:fontRef idx="minor">
+              <a:schemeClr val="lt1"/>
+            </a:fontRef>
+          </p:style>
+          <p:txBody>
+            <a:bodyPr rtlCol="0" anchor="ctr"/>
+            <a:lstStyle/>
+            <a:p>
+              <a:pPr algn="ctr"/>
+              <a:r>
+                <a:rPr lang="en-US" sz="1600" b="1" dirty="0">
+                  <a:solidFill>
+                    <a:schemeClr val="tx1"/>
+                  </a:solidFill>
+                </a:rPr>
+                <a:t>Potential Actions</a:t>
+              </a:r>
+            </a:p>
+          </p:txBody>
+        </p:sp>
+      </p:grpSp>
+      <p:grpSp>
+        <p:nvGrpSpPr>
+          <p:cNvPr id="167" name="Group 166">
+            <a:extLst>
+              <a:ext uri="{FF2B5EF4-FFF2-40B4-BE49-F238E27FC236}">
+                <a16:creationId xmlns:a16="http://schemas.microsoft.com/office/drawing/2014/main" id="{A6B29AA5-4291-EA6E-7FA3-A407AA8622EA}"/>
+              </a:ext>
+            </a:extLst>
+          </p:cNvPr>
+          <p:cNvGrpSpPr/>
+          <p:nvPr/>
+        </p:nvGrpSpPr>
+        <p:grpSpPr>
+          <a:xfrm>
+            <a:off x="8143580" y="4822853"/>
+            <a:ext cx="1321601" cy="1220764"/>
+            <a:chOff x="4327916" y="3800550"/>
+            <a:chExt cx="1321601" cy="1220764"/>
+          </a:xfrm>
+        </p:grpSpPr>
+        <p:sp>
+          <p:nvSpPr>
+            <p:cNvPr id="168" name="Rectangle: Rounded Corners 167">
+              <a:extLst>
+                <a:ext uri="{FF2B5EF4-FFF2-40B4-BE49-F238E27FC236}">
+                  <a16:creationId xmlns:a16="http://schemas.microsoft.com/office/drawing/2014/main" id="{662780A6-D43D-24EB-0669-298E99210D39}"/>
+                </a:ext>
+              </a:extLst>
+            </p:cNvPr>
+            <p:cNvSpPr/>
+            <p:nvPr/>
+          </p:nvSpPr>
+          <p:spPr>
+            <a:xfrm>
+              <a:off x="4327916" y="3800550"/>
+              <a:ext cx="1321601" cy="590550"/>
+            </a:xfrm>
+            <a:prstGeom prst="roundRect">
+              <a:avLst/>
+            </a:prstGeom>
+            <a:solidFill>
+              <a:schemeClr val="bg1">
+                <a:lumMod val="95000"/>
+              </a:schemeClr>
+            </a:solidFill>
+            <a:ln>
+              <a:solidFill>
+                <a:schemeClr val="tx2"/>
+              </a:solidFill>
+            </a:ln>
+          </p:spPr>
+          <p:style>
+            <a:lnRef idx="2">
+              <a:schemeClr val="accent1">
+                <a:shade val="15000"/>
+              </a:schemeClr>
+            </a:lnRef>
+            <a:fillRef idx="1">
+              <a:schemeClr val="accent1"/>
+            </a:fillRef>
+            <a:effectRef idx="0">
+              <a:schemeClr val="accent1"/>
+            </a:effectRef>
+            <a:fontRef idx="minor">
+              <a:schemeClr val="lt1"/>
+            </a:fontRef>
+          </p:style>
+          <p:txBody>
+            <a:bodyPr rtlCol="0" anchor="ctr"/>
+            <a:lstStyle/>
+            <a:p>
+              <a:r>
+                <a:rPr lang="en-US" sz="1600" b="1" dirty="0">
+                  <a:solidFill>
+                    <a:schemeClr val="accent1"/>
+                  </a:solidFill>
+                </a:rPr>
+                <a:t>Root Cause</a:t>
+              </a:r>
+            </a:p>
+          </p:txBody>
+        </p:sp>
+        <p:sp>
+          <p:nvSpPr>
+            <p:cNvPr id="169" name="Rectangle: Rounded Corners 168">
+              <a:extLst>
+                <a:ext uri="{FF2B5EF4-FFF2-40B4-BE49-F238E27FC236}">
+                  <a16:creationId xmlns:a16="http://schemas.microsoft.com/office/drawing/2014/main" id="{885617A4-D5CE-262B-5563-AD645B07B9DA}"/>
+                </a:ext>
+              </a:extLst>
+            </p:cNvPr>
+            <p:cNvSpPr/>
+            <p:nvPr/>
+          </p:nvSpPr>
+          <p:spPr>
+            <a:xfrm>
+              <a:off x="4327916" y="4430764"/>
+              <a:ext cx="1321601" cy="590550"/>
+            </a:xfrm>
+            <a:prstGeom prst="roundRect">
+              <a:avLst/>
+            </a:prstGeom>
+            <a:solidFill>
+              <a:srgbClr val="9BD5EF"/>
+            </a:solidFill>
+            <a:ln>
+              <a:solidFill>
+                <a:schemeClr val="tx2"/>
+              </a:solidFill>
+            </a:ln>
+          </p:spPr>
+          <p:style>
+            <a:lnRef idx="2">
+              <a:schemeClr val="accent1">
+                <a:shade val="15000"/>
+              </a:schemeClr>
+            </a:lnRef>
+            <a:fillRef idx="1">
+              <a:schemeClr val="accent1"/>
+            </a:fillRef>
+            <a:effectRef idx="0">
+              <a:schemeClr val="accent1"/>
+            </a:effectRef>
+            <a:fontRef idx="minor">
+              <a:schemeClr val="lt1"/>
+            </a:fontRef>
+          </p:style>
+          <p:txBody>
+            <a:bodyPr rtlCol="0" anchor="ctr"/>
+            <a:lstStyle/>
+            <a:p>
+              <a:pPr algn="ctr"/>
+              <a:r>
+                <a:rPr lang="en-US" sz="1600" b="1" dirty="0">
+                  <a:solidFill>
+                    <a:schemeClr val="tx1"/>
+                  </a:solidFill>
+                </a:rPr>
+                <a:t>Potential Actions</a:t>
+              </a:r>
+            </a:p>
+          </p:txBody>
+        </p:sp>
+      </p:grpSp>
+      <p:cxnSp>
+        <p:nvCxnSpPr>
+          <p:cNvPr id="178" name="Straight Arrow Connector 177">
+            <a:extLst>
+              <a:ext uri="{FF2B5EF4-FFF2-40B4-BE49-F238E27FC236}">
+                <a16:creationId xmlns:a16="http://schemas.microsoft.com/office/drawing/2014/main" id="{46A5AC40-732C-D657-C9E5-9DF0DB410738}"/>
+              </a:ext>
+            </a:extLst>
+          </p:cNvPr>
+          <p:cNvCxnSpPr>
+            <a:cxnSpLocks/>
+            <a:stCxn id="153" idx="0"/>
+          </p:cNvCxnSpPr>
+          <p:nvPr/>
+        </p:nvCxnSpPr>
+        <p:spPr>
+          <a:xfrm flipV="1">
+            <a:off x="5753712" y="4067250"/>
+            <a:ext cx="410459" cy="755603"/>
+          </a:xfrm>
+          <a:prstGeom prst="straightConnector1">
+            <a:avLst/>
+          </a:prstGeom>
+          <a:ln>
+            <a:solidFill>
+              <a:schemeClr val="tx1"/>
+            </a:solidFill>
+            <a:tailEnd type="triangle"/>
+          </a:ln>
+        </p:spPr>
+        <p:style>
+          <a:lnRef idx="2">
+            <a:schemeClr val="accent1"/>
+          </a:lnRef>
+          <a:fillRef idx="0">
+            <a:schemeClr val="accent1"/>
+          </a:fillRef>
+          <a:effectRef idx="1">
+            <a:schemeClr val="accent1"/>
+          </a:effectRef>
+          <a:fontRef idx="minor">
+            <a:schemeClr val="tx1"/>
+          </a:fontRef>
+        </p:style>
+      </p:cxnSp>
+      <p:cxnSp>
+        <p:nvCxnSpPr>
+          <p:cNvPr id="181" name="Straight Arrow Connector 180">
+            <a:extLst>
+              <a:ext uri="{FF2B5EF4-FFF2-40B4-BE49-F238E27FC236}">
+                <a16:creationId xmlns:a16="http://schemas.microsoft.com/office/drawing/2014/main" id="{A00D8635-6569-7DD3-73AF-11044E378B6A}"/>
+              </a:ext>
+            </a:extLst>
+          </p:cNvPr>
+          <p:cNvCxnSpPr>
+            <a:cxnSpLocks/>
+            <a:stCxn id="165" idx="0"/>
+            <a:endCxn id="46" idx="2"/>
+          </p:cNvCxnSpPr>
+          <p:nvPr/>
+        </p:nvCxnSpPr>
+        <p:spPr>
+          <a:xfrm flipH="1" flipV="1">
+            <a:off x="6415092" y="4068072"/>
+            <a:ext cx="738784" cy="754781"/>
+          </a:xfrm>
+          <a:prstGeom prst="straightConnector1">
+            <a:avLst/>
+          </a:prstGeom>
+          <a:ln>
+            <a:solidFill>
+              <a:schemeClr val="tx1"/>
+            </a:solidFill>
+            <a:tailEnd type="triangle"/>
+          </a:ln>
+        </p:spPr>
+        <p:style>
+          <a:lnRef idx="2">
+            <a:schemeClr val="accent1"/>
+          </a:lnRef>
+          <a:fillRef idx="0">
+            <a:schemeClr val="accent1"/>
+          </a:fillRef>
+          <a:effectRef idx="1">
+            <a:schemeClr val="accent1"/>
+          </a:effectRef>
+          <a:fontRef idx="minor">
+            <a:schemeClr val="tx1"/>
+          </a:fontRef>
+        </p:style>
+      </p:cxnSp>
+      <p:grpSp>
+        <p:nvGrpSpPr>
+          <p:cNvPr id="140" name="Group 139">
+            <a:extLst>
+              <a:ext uri="{FF2B5EF4-FFF2-40B4-BE49-F238E27FC236}">
+                <a16:creationId xmlns:a16="http://schemas.microsoft.com/office/drawing/2014/main" id="{B4B36939-ACAC-6649-06FA-7F4CF7491475}"/>
+              </a:ext>
+            </a:extLst>
+          </p:cNvPr>
+          <p:cNvGrpSpPr/>
+          <p:nvPr/>
+        </p:nvGrpSpPr>
+        <p:grpSpPr>
+          <a:xfrm>
+            <a:off x="7065618" y="3477522"/>
+            <a:ext cx="1321601" cy="1220764"/>
+            <a:chOff x="4327916" y="3800550"/>
+            <a:chExt cx="1321601" cy="1220764"/>
+          </a:xfrm>
+        </p:grpSpPr>
+        <p:sp>
+          <p:nvSpPr>
+            <p:cNvPr id="141" name="Rectangle: Rounded Corners 140">
+              <a:extLst>
+                <a:ext uri="{FF2B5EF4-FFF2-40B4-BE49-F238E27FC236}">
+                  <a16:creationId xmlns:a16="http://schemas.microsoft.com/office/drawing/2014/main" id="{E07CC15A-6195-2524-6C5F-358C105AB1A9}"/>
+                </a:ext>
+              </a:extLst>
+            </p:cNvPr>
+            <p:cNvSpPr/>
+            <p:nvPr/>
+          </p:nvSpPr>
+          <p:spPr>
+            <a:xfrm>
+              <a:off x="4327916" y="3800550"/>
+              <a:ext cx="1321601" cy="590550"/>
+            </a:xfrm>
+            <a:prstGeom prst="roundRect">
+              <a:avLst/>
+            </a:prstGeom>
+            <a:solidFill>
+              <a:schemeClr val="bg1">
+                <a:lumMod val="95000"/>
+              </a:schemeClr>
+            </a:solidFill>
+            <a:ln>
+              <a:solidFill>
+                <a:schemeClr val="tx2"/>
+              </a:solidFill>
+            </a:ln>
+          </p:spPr>
+          <p:style>
+            <a:lnRef idx="2">
+              <a:schemeClr val="accent1">
+                <a:shade val="15000"/>
+              </a:schemeClr>
+            </a:lnRef>
+            <a:fillRef idx="1">
+              <a:schemeClr val="accent1"/>
+            </a:fillRef>
+            <a:effectRef idx="0">
+              <a:schemeClr val="accent1"/>
+            </a:effectRef>
+            <a:fontRef idx="minor">
+              <a:schemeClr val="lt1"/>
+            </a:fontRef>
+          </p:style>
+          <p:txBody>
+            <a:bodyPr rtlCol="0" anchor="ctr"/>
+            <a:lstStyle/>
+            <a:p>
+              <a:r>
+                <a:rPr lang="en-US" sz="1600" b="1" dirty="0">
+                  <a:solidFill>
+                    <a:schemeClr val="accent1"/>
+                  </a:solidFill>
+                </a:rPr>
+                <a:t>Root Cause</a:t>
+              </a:r>
+            </a:p>
+          </p:txBody>
+        </p:sp>
+        <p:sp>
+          <p:nvSpPr>
+            <p:cNvPr id="142" name="Rectangle: Rounded Corners 141">
+              <a:extLst>
+                <a:ext uri="{FF2B5EF4-FFF2-40B4-BE49-F238E27FC236}">
+                  <a16:creationId xmlns:a16="http://schemas.microsoft.com/office/drawing/2014/main" id="{15575C01-4BE8-B8A2-26F7-8210A316FECC}"/>
+                </a:ext>
+              </a:extLst>
+            </p:cNvPr>
+            <p:cNvSpPr/>
+            <p:nvPr/>
+          </p:nvSpPr>
+          <p:spPr>
+            <a:xfrm>
+              <a:off x="4327916" y="4430764"/>
+              <a:ext cx="1321601" cy="590550"/>
+            </a:xfrm>
+            <a:prstGeom prst="roundRect">
+              <a:avLst/>
+            </a:prstGeom>
+            <a:solidFill>
+              <a:srgbClr val="9BD5EF"/>
+            </a:solidFill>
+            <a:ln>
+              <a:solidFill>
+                <a:schemeClr val="tx2"/>
+              </a:solidFill>
+            </a:ln>
+          </p:spPr>
+          <p:style>
+            <a:lnRef idx="2">
+              <a:schemeClr val="accent1">
+                <a:shade val="15000"/>
+              </a:schemeClr>
+            </a:lnRef>
+            <a:fillRef idx="1">
+              <a:schemeClr val="accent1"/>
+            </a:fillRef>
+            <a:effectRef idx="0">
+              <a:schemeClr val="accent1"/>
+            </a:effectRef>
+            <a:fontRef idx="minor">
+              <a:schemeClr val="lt1"/>
+            </a:fontRef>
+          </p:style>
+          <p:txBody>
+            <a:bodyPr rtlCol="0" anchor="ctr"/>
+            <a:lstStyle/>
+            <a:p>
+              <a:pPr algn="ctr"/>
+              <a:r>
+                <a:rPr lang="en-US" sz="1600" b="1" dirty="0">
+                  <a:solidFill>
+                    <a:schemeClr val="tx1"/>
+                  </a:solidFill>
+                </a:rPr>
+                <a:t>Potential Actions</a:t>
+              </a:r>
+            </a:p>
+          </p:txBody>
+        </p:sp>
+      </p:grpSp>
+      <p:cxnSp>
+        <p:nvCxnSpPr>
+          <p:cNvPr id="184" name="Straight Arrow Connector 183">
+            <a:extLst>
+              <a:ext uri="{FF2B5EF4-FFF2-40B4-BE49-F238E27FC236}">
+                <a16:creationId xmlns:a16="http://schemas.microsoft.com/office/drawing/2014/main" id="{8DF195BD-25A6-537F-D97D-4CD4FF06DAFB}"/>
+              </a:ext>
+            </a:extLst>
+          </p:cNvPr>
+          <p:cNvCxnSpPr>
+            <a:cxnSpLocks/>
+            <a:stCxn id="168" idx="0"/>
+            <a:endCxn id="49" idx="2"/>
+          </p:cNvCxnSpPr>
+          <p:nvPr/>
+        </p:nvCxnSpPr>
+        <p:spPr>
+          <a:xfrm flipV="1">
+            <a:off x="8804381" y="4068072"/>
+            <a:ext cx="233365" cy="754781"/>
+          </a:xfrm>
+          <a:prstGeom prst="straightConnector1">
+            <a:avLst/>
+          </a:prstGeom>
+          <a:ln>
+            <a:solidFill>
+              <a:schemeClr val="tx1"/>
+            </a:solidFill>
+            <a:tailEnd type="triangle"/>
+          </a:ln>
+        </p:spPr>
+        <p:style>
+          <a:lnRef idx="2">
+            <a:schemeClr val="accent1"/>
+          </a:lnRef>
+          <a:fillRef idx="0">
+            <a:schemeClr val="accent1"/>
+          </a:fillRef>
+          <a:effectRef idx="1">
+            <a:schemeClr val="accent1"/>
+          </a:effectRef>
+          <a:fontRef idx="minor">
+            <a:schemeClr val="tx1"/>
+          </a:fontRef>
+        </p:style>
+      </p:cxnSp>
+    </p:spTree>
+    <p:extLst>
+      <p:ext uri="{BB962C8B-B14F-4D97-AF65-F5344CB8AC3E}">
+        <p14:creationId xmlns:p14="http://schemas.microsoft.com/office/powerpoint/2010/main" val="1595432300"/>
+      </p:ext>
+    </p:extLst>
+  </p:cSld>
+  <p:clrMapOvr>
+    <a:masterClrMapping/>
+  </p:clrMapOvr>
+</p:sld>
+</file>
+
+<file path=ppt/slides/slide5.xml><?xml version="1.0" encoding="utf-8"?>
+<p:sld xmlns:a="http://schemas.openxmlformats.org/drawingml/2006/main" xmlns:r="http://schemas.openxmlformats.org/officeDocument/2006/relationships" xmlns:p="http://schemas.openxmlformats.org/presentationml/2006/main">
+  <p:cSld>
+    <p:spTree>
+      <p:nvGrpSpPr>
+        <p:cNvPr id="1" name=""/>
+        <p:cNvGrpSpPr/>
+        <p:nvPr/>
+      </p:nvGrpSpPr>
+      <p:grpSpPr>
+        <a:xfrm>
+          <a:off x="0" y="0"/>
+          <a:ext cx="0" cy="0"/>
+          <a:chOff x="0" y="0"/>
+          <a:chExt cx="0" cy="0"/>
+        </a:xfrm>
+      </p:grpSpPr>
+      <p:sp>
+        <p:nvSpPr>
+          <p:cNvPr id="2" name="Rectangle: Rounded Corners 1">
+            <a:extLst>
+              <a:ext uri="{FF2B5EF4-FFF2-40B4-BE49-F238E27FC236}">
+                <a16:creationId xmlns:a16="http://schemas.microsoft.com/office/drawing/2014/main" id="{D9981411-2C28-DB75-7846-EFCF2425C5FB}"/>
+              </a:ext>
+            </a:extLst>
+          </p:cNvPr>
+          <p:cNvSpPr/>
+          <p:nvPr/>
+        </p:nvSpPr>
+        <p:spPr>
+          <a:xfrm>
+            <a:off x="223838" y="104775"/>
+            <a:ext cx="8696324" cy="590550"/>
+          </a:xfrm>
+          <a:prstGeom prst="roundRect">
+            <a:avLst/>
+          </a:prstGeom>
+          <a:solidFill>
+            <a:schemeClr val="bg1">
+              <a:lumMod val="85000"/>
+            </a:schemeClr>
+          </a:solidFill>
+          <a:ln>
+            <a:solidFill>
+              <a:schemeClr val="tx2"/>
+            </a:solidFill>
+          </a:ln>
+        </p:spPr>
+        <p:style>
+          <a:lnRef idx="2">
+            <a:schemeClr val="accent1">
+              <a:shade val="15000"/>
+            </a:schemeClr>
+          </a:lnRef>
+          <a:fillRef idx="1">
+            <a:schemeClr val="accent1"/>
+          </a:fillRef>
+          <a:effectRef idx="0">
+            <a:schemeClr val="accent1"/>
+          </a:effectRef>
+          <a:fontRef idx="minor">
+            <a:schemeClr val="lt1"/>
+          </a:fontRef>
+        </p:style>
+        <p:txBody>
+          <a:bodyPr rtlCol="0" anchor="ctr"/>
+          <a:lstStyle/>
+          <a:p>
+            <a:pPr algn="ctr"/>
+            <a:r>
+              <a:rPr lang="en-US" b="1" dirty="0">
+                <a:solidFill>
+                  <a:schemeClr val="tx1"/>
+                </a:solidFill>
+              </a:rPr>
+              <a:t>Problem Statement</a:t>
+            </a:r>
+          </a:p>
+          <a:p>
+            <a:pPr algn="ctr"/>
+            <a:endParaRPr lang="en-US" b="1" dirty="0"/>
+          </a:p>
+        </p:txBody>
+      </p:sp>
+      <p:sp>
+        <p:nvSpPr>
+          <p:cNvPr id="3" name="Rectangle: Rounded Corners 2">
+            <a:extLst>
+              <a:ext uri="{FF2B5EF4-FFF2-40B4-BE49-F238E27FC236}">
+                <a16:creationId xmlns:a16="http://schemas.microsoft.com/office/drawing/2014/main" id="{99EBB4BA-7BFB-60B0-4ED0-16C1B0F614F7}"/>
+              </a:ext>
+            </a:extLst>
+          </p:cNvPr>
+          <p:cNvSpPr/>
+          <p:nvPr/>
+        </p:nvSpPr>
+        <p:spPr>
+          <a:xfrm>
+            <a:off x="223838" y="6157913"/>
+            <a:ext cx="8696324" cy="590550"/>
+          </a:xfrm>
+          <a:prstGeom prst="roundRect">
+            <a:avLst/>
+          </a:prstGeom>
+          <a:solidFill>
+            <a:schemeClr val="bg1">
+              <a:lumMod val="85000"/>
+            </a:schemeClr>
+          </a:solidFill>
+          <a:ln w="38100">
+            <a:solidFill>
+              <a:schemeClr val="tx2"/>
+            </a:solidFill>
+          </a:ln>
+        </p:spPr>
+        <p:style>
+          <a:lnRef idx="2">
+            <a:schemeClr val="accent1">
+              <a:shade val="15000"/>
+            </a:schemeClr>
+          </a:lnRef>
+          <a:fillRef idx="1">
+            <a:schemeClr val="accent1"/>
+          </a:fillRef>
+          <a:effectRef idx="0">
+            <a:schemeClr val="accent1"/>
+          </a:effectRef>
+          <a:fontRef idx="minor">
+            <a:schemeClr val="lt1"/>
+          </a:fontRef>
+        </p:style>
+        <p:txBody>
+          <a:bodyPr rtlCol="0" anchor="ctr"/>
+          <a:lstStyle/>
+          <a:p>
+            <a:pPr algn="ctr"/>
+            <a:r>
+              <a:rPr lang="en-US" b="1" dirty="0">
+                <a:solidFill>
+                  <a:schemeClr val="tx1"/>
+                </a:solidFill>
+              </a:rPr>
+              <a:t>Priority Actions to Address Root Cause(s)</a:t>
+            </a:r>
+          </a:p>
+          <a:p>
+            <a:pPr algn="ctr"/>
+            <a:endParaRPr lang="en-US" b="1" dirty="0"/>
+          </a:p>
+        </p:txBody>
+      </p:sp>
+      <p:grpSp>
+        <p:nvGrpSpPr>
+          <p:cNvPr id="38" name="Group 37">
+            <a:extLst>
+              <a:ext uri="{FF2B5EF4-FFF2-40B4-BE49-F238E27FC236}">
+                <a16:creationId xmlns:a16="http://schemas.microsoft.com/office/drawing/2014/main" id="{3BAEAB6E-8837-D6A7-665B-A3F889E368FE}"/>
+              </a:ext>
+            </a:extLst>
+          </p:cNvPr>
+          <p:cNvGrpSpPr/>
+          <p:nvPr/>
+        </p:nvGrpSpPr>
+        <p:grpSpPr>
+          <a:xfrm>
+            <a:off x="223838" y="1520032"/>
+            <a:ext cx="8696323" cy="590550"/>
+            <a:chOff x="223838" y="1704975"/>
+            <a:chExt cx="8696323" cy="590550"/>
+          </a:xfrm>
+        </p:grpSpPr>
+        <p:sp>
+          <p:nvSpPr>
+            <p:cNvPr id="5" name="Rectangle: Rounded Corners 4">
+              <a:extLst>
+                <a:ext uri="{FF2B5EF4-FFF2-40B4-BE49-F238E27FC236}">
+                  <a16:creationId xmlns:a16="http://schemas.microsoft.com/office/drawing/2014/main" id="{FFBE4282-C28D-92EC-8BC8-8E8386044B94}"/>
+                </a:ext>
+              </a:extLst>
+            </p:cNvPr>
+            <p:cNvSpPr/>
+            <p:nvPr/>
+          </p:nvSpPr>
+          <p:spPr>
+            <a:xfrm>
+              <a:off x="223838" y="1704975"/>
+              <a:ext cx="823911" cy="590550"/>
+            </a:xfrm>
+            <a:prstGeom prst="roundRect">
+              <a:avLst/>
+            </a:prstGeom>
+          </p:spPr>
+          <p:style>
+            <a:lnRef idx="2">
+              <a:schemeClr val="accent1">
+                <a:shade val="15000"/>
+              </a:schemeClr>
+            </a:lnRef>
+            <a:fillRef idx="1">
+              <a:schemeClr val="accent1"/>
+            </a:fillRef>
+            <a:effectRef idx="0">
+              <a:schemeClr val="accent1"/>
+            </a:effectRef>
+            <a:fontRef idx="minor">
+              <a:schemeClr val="lt1"/>
+            </a:fontRef>
+          </p:style>
+          <p:txBody>
+            <a:bodyPr rtlCol="0" anchor="ctr"/>
+            <a:lstStyle/>
+            <a:p>
+              <a:pPr algn="ctr"/>
+              <a:r>
+                <a:rPr lang="en-US" b="1" dirty="0"/>
+                <a:t>Why?</a:t>
+              </a:r>
+            </a:p>
+          </p:txBody>
+        </p:sp>
+        <p:sp>
+          <p:nvSpPr>
+            <p:cNvPr id="4" name="Rectangle: Rounded Corners 3">
+              <a:extLst>
+                <a:ext uri="{FF2B5EF4-FFF2-40B4-BE49-F238E27FC236}">
+                  <a16:creationId xmlns:a16="http://schemas.microsoft.com/office/drawing/2014/main" id="{66BCAA1A-E470-9E7E-72E3-7EFFBCA80BC8}"/>
+                </a:ext>
+              </a:extLst>
+            </p:cNvPr>
+            <p:cNvSpPr/>
+            <p:nvPr/>
+          </p:nvSpPr>
+          <p:spPr>
+            <a:xfrm>
+              <a:off x="1266822" y="1704975"/>
+              <a:ext cx="2309809" cy="590550"/>
+            </a:xfrm>
+            <a:prstGeom prst="roundRect">
+              <a:avLst/>
+            </a:prstGeom>
+            <a:solidFill>
+              <a:schemeClr val="bg1">
+                <a:lumMod val="95000"/>
+              </a:schemeClr>
+            </a:solidFill>
+            <a:ln>
+              <a:solidFill>
+                <a:schemeClr val="tx2"/>
+              </a:solidFill>
+            </a:ln>
+          </p:spPr>
+          <p:style>
+            <a:lnRef idx="2">
+              <a:schemeClr val="accent1">
+                <a:shade val="15000"/>
+              </a:schemeClr>
+            </a:lnRef>
+            <a:fillRef idx="1">
+              <a:schemeClr val="accent1"/>
+            </a:fillRef>
+            <a:effectRef idx="0">
+              <a:schemeClr val="accent1"/>
+            </a:effectRef>
+            <a:fontRef idx="minor">
+              <a:schemeClr val="lt1"/>
+            </a:fontRef>
+          </p:style>
+          <p:txBody>
+            <a:bodyPr rtlCol="0" anchor="ctr"/>
+            <a:lstStyle/>
+            <a:p>
+              <a:pPr algn="ctr"/>
+              <a:endParaRPr lang="en-US" b="1" dirty="0">
+                <a:solidFill>
+                  <a:schemeClr val="tx1"/>
+                </a:solidFill>
+              </a:endParaRPr>
+            </a:p>
+          </p:txBody>
+        </p:sp>
+        <p:sp>
+          <p:nvSpPr>
+            <p:cNvPr id="6" name="Rectangle: Rounded Corners 5">
+              <a:extLst>
+                <a:ext uri="{FF2B5EF4-FFF2-40B4-BE49-F238E27FC236}">
+                  <a16:creationId xmlns:a16="http://schemas.microsoft.com/office/drawing/2014/main" id="{62A79E5A-47DF-33ED-9CB6-EBD084DDA388}"/>
+                </a:ext>
+              </a:extLst>
+            </p:cNvPr>
+            <p:cNvSpPr/>
+            <p:nvPr/>
+          </p:nvSpPr>
+          <p:spPr>
+            <a:xfrm>
+              <a:off x="3938587" y="1704975"/>
+              <a:ext cx="2309809" cy="590550"/>
+            </a:xfrm>
+            <a:prstGeom prst="roundRect">
+              <a:avLst/>
+            </a:prstGeom>
+            <a:solidFill>
+              <a:schemeClr val="bg1">
+                <a:lumMod val="95000"/>
+              </a:schemeClr>
+            </a:solidFill>
+            <a:ln>
+              <a:solidFill>
+                <a:schemeClr val="tx2"/>
+              </a:solidFill>
+            </a:ln>
+          </p:spPr>
+          <p:style>
+            <a:lnRef idx="2">
+              <a:schemeClr val="accent1">
+                <a:shade val="15000"/>
+              </a:schemeClr>
+            </a:lnRef>
+            <a:fillRef idx="1">
+              <a:schemeClr val="accent1"/>
+            </a:fillRef>
+            <a:effectRef idx="0">
+              <a:schemeClr val="accent1"/>
+            </a:effectRef>
+            <a:fontRef idx="minor">
+              <a:schemeClr val="lt1"/>
+            </a:fontRef>
+          </p:style>
+          <p:txBody>
+            <a:bodyPr rtlCol="0" anchor="ctr"/>
+            <a:lstStyle/>
+            <a:p>
+              <a:pPr algn="ctr"/>
+              <a:endParaRPr lang="en-US" b="1" dirty="0">
+                <a:solidFill>
+                  <a:schemeClr val="tx1"/>
+                </a:solidFill>
+              </a:endParaRPr>
+            </a:p>
+          </p:txBody>
+        </p:sp>
+        <p:sp>
+          <p:nvSpPr>
+            <p:cNvPr id="7" name="Rectangle: Rounded Corners 6">
+              <a:extLst>
+                <a:ext uri="{FF2B5EF4-FFF2-40B4-BE49-F238E27FC236}">
+                  <a16:creationId xmlns:a16="http://schemas.microsoft.com/office/drawing/2014/main" id="{20A0A8D2-867D-5649-F36C-C1ADA0F17361}"/>
+                </a:ext>
+              </a:extLst>
+            </p:cNvPr>
+            <p:cNvSpPr/>
+            <p:nvPr/>
+          </p:nvSpPr>
+          <p:spPr>
+            <a:xfrm>
+              <a:off x="6610352" y="1704975"/>
+              <a:ext cx="2309809" cy="590550"/>
+            </a:xfrm>
+            <a:prstGeom prst="roundRect">
+              <a:avLst/>
+            </a:prstGeom>
+            <a:solidFill>
+              <a:schemeClr val="bg1">
+                <a:lumMod val="95000"/>
+              </a:schemeClr>
+            </a:solidFill>
+            <a:ln>
+              <a:solidFill>
+                <a:schemeClr val="tx2"/>
+              </a:solidFill>
+            </a:ln>
+          </p:spPr>
+          <p:style>
+            <a:lnRef idx="2">
+              <a:schemeClr val="accent1">
+                <a:shade val="15000"/>
+              </a:schemeClr>
+            </a:lnRef>
+            <a:fillRef idx="1">
+              <a:schemeClr val="accent1"/>
+            </a:fillRef>
+            <a:effectRef idx="0">
+              <a:schemeClr val="accent1"/>
+            </a:effectRef>
+            <a:fontRef idx="minor">
+              <a:schemeClr val="lt1"/>
+            </a:fontRef>
+          </p:style>
+          <p:txBody>
+            <a:bodyPr rtlCol="0" anchor="ctr"/>
+            <a:lstStyle/>
+            <a:p>
+              <a:pPr algn="ctr"/>
+              <a:endParaRPr lang="en-US" b="1" dirty="0">
+                <a:solidFill>
+                  <a:schemeClr val="tx1"/>
+                </a:solidFill>
+              </a:endParaRPr>
+            </a:p>
+          </p:txBody>
+        </p:sp>
+      </p:grpSp>
+      <p:grpSp>
+        <p:nvGrpSpPr>
+          <p:cNvPr id="37" name="Group 36">
+            <a:extLst>
+              <a:ext uri="{FF2B5EF4-FFF2-40B4-BE49-F238E27FC236}">
+                <a16:creationId xmlns:a16="http://schemas.microsoft.com/office/drawing/2014/main" id="{ABBB059C-19A0-8C88-1F73-65DAF6BE1DB8}"/>
+              </a:ext>
+            </a:extLst>
+          </p:cNvPr>
+          <p:cNvGrpSpPr/>
+          <p:nvPr/>
+        </p:nvGrpSpPr>
+        <p:grpSpPr>
+          <a:xfrm>
+            <a:off x="1266822" y="821532"/>
+            <a:ext cx="7653339" cy="504825"/>
+            <a:chOff x="1266822" y="876299"/>
+            <a:chExt cx="7653339" cy="504825"/>
+          </a:xfrm>
+        </p:grpSpPr>
+        <p:sp>
+          <p:nvSpPr>
+            <p:cNvPr id="8" name="Arrow: Pentagon 7">
+              <a:extLst>
+                <a:ext uri="{FF2B5EF4-FFF2-40B4-BE49-F238E27FC236}">
+                  <a16:creationId xmlns:a16="http://schemas.microsoft.com/office/drawing/2014/main" id="{6C220026-0152-B2A6-99D6-70B4BE3D22B4}"/>
+                </a:ext>
+              </a:extLst>
+            </p:cNvPr>
+            <p:cNvSpPr/>
+            <p:nvPr/>
+          </p:nvSpPr>
+          <p:spPr>
+            <a:xfrm>
+              <a:off x="1266822" y="876299"/>
+              <a:ext cx="2309809" cy="504825"/>
+            </a:xfrm>
+            <a:prstGeom prst="homePlate">
+              <a:avLst/>
+            </a:prstGeom>
+            <a:solidFill>
+              <a:schemeClr val="bg1"/>
+            </a:solidFill>
+            <a:ln w="28575">
+              <a:solidFill>
+                <a:schemeClr val="accent1"/>
+              </a:solidFill>
+            </a:ln>
+          </p:spPr>
+          <p:style>
+            <a:lnRef idx="2">
+              <a:schemeClr val="accent1">
+                <a:shade val="15000"/>
+              </a:schemeClr>
+            </a:lnRef>
+            <a:fillRef idx="1">
+              <a:schemeClr val="accent1"/>
+            </a:fillRef>
+            <a:effectRef idx="0">
+              <a:schemeClr val="accent1"/>
+            </a:effectRef>
+            <a:fontRef idx="minor">
+              <a:schemeClr val="lt1"/>
+            </a:fontRef>
+          </p:style>
+          <p:txBody>
+            <a:bodyPr rtlCol="0" anchor="ctr"/>
+            <a:lstStyle/>
+            <a:p>
+              <a:pPr algn="ctr"/>
+              <a:r>
+                <a:rPr lang="en-US" sz="1600" b="1" dirty="0">
+                  <a:solidFill>
+                    <a:schemeClr val="accent1"/>
+                  </a:solidFill>
+                </a:rPr>
+                <a:t>Why did this specific issue occur?</a:t>
+              </a:r>
+            </a:p>
+          </p:txBody>
+        </p:sp>
+        <p:sp>
+          <p:nvSpPr>
+            <p:cNvPr id="13" name="Arrow: Pentagon 12">
+              <a:extLst>
+                <a:ext uri="{FF2B5EF4-FFF2-40B4-BE49-F238E27FC236}">
+                  <a16:creationId xmlns:a16="http://schemas.microsoft.com/office/drawing/2014/main" id="{72D870A0-995A-293C-96E2-8595753E0A6D}"/>
+                </a:ext>
+              </a:extLst>
+            </p:cNvPr>
+            <p:cNvSpPr/>
+            <p:nvPr/>
+          </p:nvSpPr>
+          <p:spPr>
+            <a:xfrm>
+              <a:off x="3938587" y="876299"/>
+              <a:ext cx="2309809" cy="504825"/>
+            </a:xfrm>
+            <a:prstGeom prst="homePlate">
+              <a:avLst/>
+            </a:prstGeom>
+            <a:solidFill>
+              <a:schemeClr val="bg1"/>
+            </a:solidFill>
+            <a:ln w="28575">
+              <a:solidFill>
+                <a:schemeClr val="accent1"/>
+              </a:solidFill>
+            </a:ln>
+          </p:spPr>
+          <p:style>
+            <a:lnRef idx="2">
+              <a:schemeClr val="accent1">
+                <a:shade val="15000"/>
+              </a:schemeClr>
+            </a:lnRef>
+            <a:fillRef idx="1">
+              <a:schemeClr val="accent1"/>
+            </a:fillRef>
+            <a:effectRef idx="0">
+              <a:schemeClr val="accent1"/>
+            </a:effectRef>
+            <a:fontRef idx="minor">
+              <a:schemeClr val="lt1"/>
+            </a:fontRef>
+          </p:style>
+          <p:txBody>
+            <a:bodyPr rtlCol="0" anchor="ctr"/>
+            <a:lstStyle/>
+            <a:p>
+              <a:pPr algn="ctr"/>
+              <a:r>
+                <a:rPr lang="en-US" sz="1600" b="1" dirty="0">
+                  <a:solidFill>
+                    <a:schemeClr val="accent1"/>
+                  </a:solidFill>
+                </a:rPr>
+                <a:t>Why did this problem go unnoticed?</a:t>
+              </a:r>
+            </a:p>
+          </p:txBody>
+        </p:sp>
+        <p:sp>
+          <p:nvSpPr>
+            <p:cNvPr id="14" name="Arrow: Pentagon 13">
+              <a:extLst>
+                <a:ext uri="{FF2B5EF4-FFF2-40B4-BE49-F238E27FC236}">
+                  <a16:creationId xmlns:a16="http://schemas.microsoft.com/office/drawing/2014/main" id="{AD9CF2B5-75BC-5D09-FBB5-01622A4C5476}"/>
+                </a:ext>
+              </a:extLst>
+            </p:cNvPr>
+            <p:cNvSpPr/>
+            <p:nvPr/>
+          </p:nvSpPr>
+          <p:spPr>
+            <a:xfrm>
+              <a:off x="6610352" y="876299"/>
+              <a:ext cx="2309809" cy="504825"/>
+            </a:xfrm>
+            <a:prstGeom prst="homePlate">
+              <a:avLst/>
+            </a:prstGeom>
+            <a:solidFill>
+              <a:schemeClr val="bg1"/>
+            </a:solidFill>
+            <a:ln w="28575">
+              <a:solidFill>
+                <a:schemeClr val="accent1"/>
+              </a:solidFill>
+            </a:ln>
+          </p:spPr>
+          <p:style>
+            <a:lnRef idx="2">
+              <a:schemeClr val="accent1">
+                <a:shade val="15000"/>
+              </a:schemeClr>
+            </a:lnRef>
+            <a:fillRef idx="1">
+              <a:schemeClr val="accent1"/>
+            </a:fillRef>
+            <a:effectRef idx="0">
+              <a:schemeClr val="accent1"/>
+            </a:effectRef>
+            <a:fontRef idx="minor">
+              <a:schemeClr val="lt1"/>
+            </a:fontRef>
+          </p:style>
+          <p:txBody>
+            <a:bodyPr rtlCol="0" anchor="ctr"/>
+            <a:lstStyle/>
+            <a:p>
+              <a:pPr algn="ctr"/>
+              <a:r>
+                <a:rPr lang="en-US" sz="1600" b="1" dirty="0">
+                  <a:solidFill>
+                    <a:schemeClr val="accent1"/>
+                  </a:solidFill>
+                </a:rPr>
+                <a:t>Why was the problem not prevented?</a:t>
+              </a:r>
+            </a:p>
+          </p:txBody>
+        </p:sp>
+      </p:grpSp>
+      <p:grpSp>
+        <p:nvGrpSpPr>
+          <p:cNvPr id="39" name="Group 38">
+            <a:extLst>
+              <a:ext uri="{FF2B5EF4-FFF2-40B4-BE49-F238E27FC236}">
+                <a16:creationId xmlns:a16="http://schemas.microsoft.com/office/drawing/2014/main" id="{29D3E5E9-25B9-440C-0D95-CA083F91C08D}"/>
+              </a:ext>
+            </a:extLst>
+          </p:cNvPr>
+          <p:cNvGrpSpPr/>
+          <p:nvPr/>
+        </p:nvGrpSpPr>
+        <p:grpSpPr>
+          <a:xfrm>
+            <a:off x="223838" y="2304257"/>
+            <a:ext cx="8696323" cy="590550"/>
+            <a:chOff x="223838" y="2540794"/>
+            <a:chExt cx="8696323" cy="590550"/>
+          </a:xfrm>
+        </p:grpSpPr>
+        <p:sp>
+          <p:nvSpPr>
+            <p:cNvPr id="18" name="Rectangle: Rounded Corners 17">
+              <a:extLst>
+                <a:ext uri="{FF2B5EF4-FFF2-40B4-BE49-F238E27FC236}">
+                  <a16:creationId xmlns:a16="http://schemas.microsoft.com/office/drawing/2014/main" id="{5C100C0F-47FA-484C-2432-F8C1B1987CE4}"/>
+                </a:ext>
+              </a:extLst>
+            </p:cNvPr>
+            <p:cNvSpPr/>
+            <p:nvPr/>
+          </p:nvSpPr>
+          <p:spPr>
+            <a:xfrm>
+              <a:off x="223838" y="2540794"/>
+              <a:ext cx="823911" cy="590550"/>
+            </a:xfrm>
+            <a:prstGeom prst="roundRect">
+              <a:avLst/>
+            </a:prstGeom>
+          </p:spPr>
+          <p:style>
+            <a:lnRef idx="2">
+              <a:schemeClr val="accent1">
+                <a:shade val="15000"/>
+              </a:schemeClr>
+            </a:lnRef>
+            <a:fillRef idx="1">
+              <a:schemeClr val="accent1"/>
+            </a:fillRef>
+            <a:effectRef idx="0">
+              <a:schemeClr val="accent1"/>
+            </a:effectRef>
+            <a:fontRef idx="minor">
+              <a:schemeClr val="lt1"/>
+            </a:fontRef>
+          </p:style>
+          <p:txBody>
+            <a:bodyPr rtlCol="0" anchor="ctr"/>
+            <a:lstStyle/>
+            <a:p>
+              <a:pPr algn="ctr"/>
+              <a:r>
+                <a:rPr lang="en-US" b="1" dirty="0"/>
+                <a:t>Why?</a:t>
+              </a:r>
+            </a:p>
+          </p:txBody>
+        </p:sp>
+        <p:sp>
+          <p:nvSpPr>
+            <p:cNvPr id="19" name="Rectangle: Rounded Corners 18">
+              <a:extLst>
+                <a:ext uri="{FF2B5EF4-FFF2-40B4-BE49-F238E27FC236}">
+                  <a16:creationId xmlns:a16="http://schemas.microsoft.com/office/drawing/2014/main" id="{B91CCBA4-8C1C-08AC-31FC-362227714BC9}"/>
+                </a:ext>
+              </a:extLst>
+            </p:cNvPr>
+            <p:cNvSpPr/>
+            <p:nvPr/>
+          </p:nvSpPr>
+          <p:spPr>
+            <a:xfrm>
+              <a:off x="1266822" y="2540794"/>
+              <a:ext cx="2309809" cy="590550"/>
+            </a:xfrm>
+            <a:prstGeom prst="roundRect">
+              <a:avLst/>
+            </a:prstGeom>
+            <a:solidFill>
+              <a:schemeClr val="bg1">
+                <a:lumMod val="95000"/>
+              </a:schemeClr>
+            </a:solidFill>
+            <a:ln>
+              <a:solidFill>
+                <a:schemeClr val="tx2"/>
+              </a:solidFill>
+            </a:ln>
+          </p:spPr>
+          <p:style>
+            <a:lnRef idx="2">
+              <a:schemeClr val="accent1">
+                <a:shade val="15000"/>
+              </a:schemeClr>
+            </a:lnRef>
+            <a:fillRef idx="1">
+              <a:schemeClr val="accent1"/>
+            </a:fillRef>
+            <a:effectRef idx="0">
+              <a:schemeClr val="accent1"/>
+            </a:effectRef>
+            <a:fontRef idx="minor">
+              <a:schemeClr val="lt1"/>
+            </a:fontRef>
+          </p:style>
+          <p:txBody>
+            <a:bodyPr rtlCol="0" anchor="ctr"/>
+            <a:lstStyle/>
+            <a:p>
+              <a:pPr algn="ctr"/>
+              <a:endParaRPr lang="en-US" b="1" dirty="0">
+                <a:solidFill>
+                  <a:schemeClr val="tx1"/>
+                </a:solidFill>
+              </a:endParaRPr>
+            </a:p>
+          </p:txBody>
+        </p:sp>
+        <p:sp>
+          <p:nvSpPr>
+            <p:cNvPr id="20" name="Rectangle: Rounded Corners 19">
+              <a:extLst>
+                <a:ext uri="{FF2B5EF4-FFF2-40B4-BE49-F238E27FC236}">
+                  <a16:creationId xmlns:a16="http://schemas.microsoft.com/office/drawing/2014/main" id="{D8CCF403-510D-6599-4BE1-BF01105EDBC1}"/>
+                </a:ext>
+              </a:extLst>
+            </p:cNvPr>
+            <p:cNvSpPr/>
+            <p:nvPr/>
+          </p:nvSpPr>
+          <p:spPr>
+            <a:xfrm>
+              <a:off x="3938587" y="2540794"/>
+              <a:ext cx="2309809" cy="590550"/>
+            </a:xfrm>
+            <a:prstGeom prst="roundRect">
+              <a:avLst/>
+            </a:prstGeom>
+            <a:solidFill>
+              <a:schemeClr val="bg1">
+                <a:lumMod val="95000"/>
+              </a:schemeClr>
+            </a:solidFill>
+            <a:ln>
+              <a:solidFill>
+                <a:schemeClr val="tx2"/>
+              </a:solidFill>
+            </a:ln>
+          </p:spPr>
+          <p:style>
+            <a:lnRef idx="2">
+              <a:schemeClr val="accent1">
+                <a:shade val="15000"/>
+              </a:schemeClr>
+            </a:lnRef>
+            <a:fillRef idx="1">
+              <a:schemeClr val="accent1"/>
+            </a:fillRef>
+            <a:effectRef idx="0">
+              <a:schemeClr val="accent1"/>
+            </a:effectRef>
+            <a:fontRef idx="minor">
+              <a:schemeClr val="lt1"/>
+            </a:fontRef>
+          </p:style>
+          <p:txBody>
+            <a:bodyPr rtlCol="0" anchor="ctr"/>
+            <a:lstStyle/>
+            <a:p>
+              <a:pPr algn="ctr"/>
+              <a:endParaRPr lang="en-US" b="1" dirty="0">
+                <a:solidFill>
+                  <a:schemeClr val="tx1"/>
+                </a:solidFill>
+              </a:endParaRPr>
+            </a:p>
+          </p:txBody>
+        </p:sp>
+        <p:sp>
+          <p:nvSpPr>
+            <p:cNvPr id="21" name="Rectangle: Rounded Corners 20">
+              <a:extLst>
+                <a:ext uri="{FF2B5EF4-FFF2-40B4-BE49-F238E27FC236}">
+                  <a16:creationId xmlns:a16="http://schemas.microsoft.com/office/drawing/2014/main" id="{016A68F0-8C05-D666-340A-F7E2B82A6507}"/>
+                </a:ext>
+              </a:extLst>
+            </p:cNvPr>
+            <p:cNvSpPr/>
+            <p:nvPr/>
+          </p:nvSpPr>
+          <p:spPr>
+            <a:xfrm>
+              <a:off x="6610352" y="2540794"/>
+              <a:ext cx="2309809" cy="590550"/>
+            </a:xfrm>
+            <a:prstGeom prst="roundRect">
+              <a:avLst/>
+            </a:prstGeom>
+            <a:solidFill>
+              <a:schemeClr val="bg1">
+                <a:lumMod val="95000"/>
+              </a:schemeClr>
+            </a:solidFill>
+            <a:ln>
+              <a:solidFill>
+                <a:schemeClr val="tx2"/>
+              </a:solidFill>
+            </a:ln>
+          </p:spPr>
+          <p:style>
+            <a:lnRef idx="2">
+              <a:schemeClr val="accent1">
+                <a:shade val="15000"/>
+              </a:schemeClr>
+            </a:lnRef>
+            <a:fillRef idx="1">
+              <a:schemeClr val="accent1"/>
+            </a:fillRef>
+            <a:effectRef idx="0">
+              <a:schemeClr val="accent1"/>
+            </a:effectRef>
+            <a:fontRef idx="minor">
+              <a:schemeClr val="lt1"/>
+            </a:fontRef>
+          </p:style>
+          <p:txBody>
+            <a:bodyPr rtlCol="0" anchor="ctr"/>
+            <a:lstStyle/>
+            <a:p>
+              <a:pPr algn="ctr"/>
+              <a:endParaRPr lang="en-US" b="1" dirty="0">
+                <a:solidFill>
+                  <a:schemeClr val="tx1"/>
+                </a:solidFill>
+              </a:endParaRPr>
+            </a:p>
+          </p:txBody>
+        </p:sp>
+      </p:grpSp>
+      <p:grpSp>
+        <p:nvGrpSpPr>
+          <p:cNvPr id="40" name="Group 39">
+            <a:extLst>
+              <a:ext uri="{FF2B5EF4-FFF2-40B4-BE49-F238E27FC236}">
+                <a16:creationId xmlns:a16="http://schemas.microsoft.com/office/drawing/2014/main" id="{90906621-C597-F128-CC32-6C4F4F6F00DE}"/>
+              </a:ext>
+            </a:extLst>
+          </p:cNvPr>
+          <p:cNvGrpSpPr/>
+          <p:nvPr/>
+        </p:nvGrpSpPr>
+        <p:grpSpPr>
+          <a:xfrm>
+            <a:off x="223838" y="3088482"/>
+            <a:ext cx="8696323" cy="590550"/>
+            <a:chOff x="223838" y="3340894"/>
+            <a:chExt cx="8696323" cy="590550"/>
+          </a:xfrm>
+        </p:grpSpPr>
+        <p:sp>
+          <p:nvSpPr>
+            <p:cNvPr id="22" name="Rectangle: Rounded Corners 21">
+              <a:extLst>
+                <a:ext uri="{FF2B5EF4-FFF2-40B4-BE49-F238E27FC236}">
+                  <a16:creationId xmlns:a16="http://schemas.microsoft.com/office/drawing/2014/main" id="{B351C6A2-8E93-B4D5-E986-8CAC23E57CA2}"/>
+                </a:ext>
+              </a:extLst>
+            </p:cNvPr>
+            <p:cNvSpPr/>
+            <p:nvPr/>
+          </p:nvSpPr>
+          <p:spPr>
+            <a:xfrm>
+              <a:off x="223838" y="3340894"/>
+              <a:ext cx="823911" cy="590550"/>
+            </a:xfrm>
+            <a:prstGeom prst="roundRect">
+              <a:avLst/>
+            </a:prstGeom>
+          </p:spPr>
+          <p:style>
+            <a:lnRef idx="2">
+              <a:schemeClr val="accent1">
+                <a:shade val="15000"/>
+              </a:schemeClr>
+            </a:lnRef>
+            <a:fillRef idx="1">
+              <a:schemeClr val="accent1"/>
+            </a:fillRef>
+            <a:effectRef idx="0">
+              <a:schemeClr val="accent1"/>
+            </a:effectRef>
+            <a:fontRef idx="minor">
+              <a:schemeClr val="lt1"/>
+            </a:fontRef>
+          </p:style>
+          <p:txBody>
+            <a:bodyPr rtlCol="0" anchor="ctr"/>
+            <a:lstStyle/>
+            <a:p>
+              <a:pPr algn="ctr"/>
+              <a:r>
+                <a:rPr lang="en-US" b="1" dirty="0"/>
+                <a:t>Why?</a:t>
+              </a:r>
+            </a:p>
+          </p:txBody>
+        </p:sp>
+        <p:sp>
+          <p:nvSpPr>
+            <p:cNvPr id="23" name="Rectangle: Rounded Corners 22">
+              <a:extLst>
+                <a:ext uri="{FF2B5EF4-FFF2-40B4-BE49-F238E27FC236}">
+                  <a16:creationId xmlns:a16="http://schemas.microsoft.com/office/drawing/2014/main" id="{913B5B7B-7790-B68B-8701-F7DBC623C585}"/>
+                </a:ext>
+              </a:extLst>
+            </p:cNvPr>
+            <p:cNvSpPr/>
+            <p:nvPr/>
+          </p:nvSpPr>
+          <p:spPr>
+            <a:xfrm>
+              <a:off x="1266822" y="3340894"/>
+              <a:ext cx="2309809" cy="590550"/>
+            </a:xfrm>
+            <a:prstGeom prst="roundRect">
+              <a:avLst/>
+            </a:prstGeom>
+            <a:solidFill>
+              <a:schemeClr val="bg1">
+                <a:lumMod val="95000"/>
+              </a:schemeClr>
+            </a:solidFill>
+            <a:ln>
+              <a:solidFill>
+                <a:schemeClr val="tx2"/>
+              </a:solidFill>
+            </a:ln>
+          </p:spPr>
+          <p:style>
+            <a:lnRef idx="2">
+              <a:schemeClr val="accent1">
+                <a:shade val="15000"/>
+              </a:schemeClr>
+            </a:lnRef>
+            <a:fillRef idx="1">
+              <a:schemeClr val="accent1"/>
+            </a:fillRef>
+            <a:effectRef idx="0">
+              <a:schemeClr val="accent1"/>
+            </a:effectRef>
+            <a:fontRef idx="minor">
+              <a:schemeClr val="lt1"/>
+            </a:fontRef>
+          </p:style>
+          <p:txBody>
+            <a:bodyPr rtlCol="0" anchor="ctr"/>
+            <a:lstStyle/>
+            <a:p>
+              <a:pPr algn="ctr"/>
+              <a:endParaRPr lang="en-US" b="1" dirty="0">
+                <a:solidFill>
+                  <a:schemeClr val="tx1"/>
+                </a:solidFill>
+              </a:endParaRPr>
+            </a:p>
+          </p:txBody>
+        </p:sp>
+        <p:sp>
+          <p:nvSpPr>
+            <p:cNvPr id="24" name="Rectangle: Rounded Corners 23">
+              <a:extLst>
+                <a:ext uri="{FF2B5EF4-FFF2-40B4-BE49-F238E27FC236}">
+                  <a16:creationId xmlns:a16="http://schemas.microsoft.com/office/drawing/2014/main" id="{7E286F11-874F-8B9B-BDFE-76A0CFF0CF98}"/>
+                </a:ext>
+              </a:extLst>
+            </p:cNvPr>
+            <p:cNvSpPr/>
+            <p:nvPr/>
+          </p:nvSpPr>
+          <p:spPr>
+            <a:xfrm>
+              <a:off x="3938587" y="3340894"/>
+              <a:ext cx="2309809" cy="590550"/>
+            </a:xfrm>
+            <a:prstGeom prst="roundRect">
+              <a:avLst/>
+            </a:prstGeom>
+            <a:solidFill>
+              <a:schemeClr val="bg1">
+                <a:lumMod val="95000"/>
+              </a:schemeClr>
+            </a:solidFill>
+            <a:ln>
+              <a:solidFill>
+                <a:schemeClr val="tx2"/>
+              </a:solidFill>
+            </a:ln>
+          </p:spPr>
+          <p:style>
+            <a:lnRef idx="2">
+              <a:schemeClr val="accent1">
+                <a:shade val="15000"/>
+              </a:schemeClr>
+            </a:lnRef>
+            <a:fillRef idx="1">
+              <a:schemeClr val="accent1"/>
+            </a:fillRef>
+            <a:effectRef idx="0">
+              <a:schemeClr val="accent1"/>
+            </a:effectRef>
+            <a:fontRef idx="minor">
+              <a:schemeClr val="lt1"/>
+            </a:fontRef>
+          </p:style>
+          <p:txBody>
+            <a:bodyPr rtlCol="0" anchor="ctr"/>
+            <a:lstStyle/>
+            <a:p>
+              <a:pPr algn="ctr"/>
+              <a:endParaRPr lang="en-US" b="1" dirty="0">
+                <a:solidFill>
+                  <a:schemeClr val="tx1"/>
+                </a:solidFill>
+              </a:endParaRPr>
+            </a:p>
+          </p:txBody>
+        </p:sp>
+        <p:sp>
+          <p:nvSpPr>
+            <p:cNvPr id="25" name="Rectangle: Rounded Corners 24">
+              <a:extLst>
+                <a:ext uri="{FF2B5EF4-FFF2-40B4-BE49-F238E27FC236}">
+                  <a16:creationId xmlns:a16="http://schemas.microsoft.com/office/drawing/2014/main" id="{EB460A99-5D21-BB99-C593-CA5AACBE9738}"/>
+                </a:ext>
+              </a:extLst>
+            </p:cNvPr>
+            <p:cNvSpPr/>
+            <p:nvPr/>
+          </p:nvSpPr>
+          <p:spPr>
+            <a:xfrm>
+              <a:off x="6610352" y="3340894"/>
+              <a:ext cx="2309809" cy="590550"/>
+            </a:xfrm>
+            <a:prstGeom prst="roundRect">
+              <a:avLst/>
+            </a:prstGeom>
+            <a:solidFill>
+              <a:schemeClr val="bg1">
+                <a:lumMod val="95000"/>
+              </a:schemeClr>
+            </a:solidFill>
+            <a:ln>
+              <a:solidFill>
+                <a:schemeClr val="tx2"/>
+              </a:solidFill>
+            </a:ln>
+          </p:spPr>
+          <p:style>
+            <a:lnRef idx="2">
+              <a:schemeClr val="accent1">
+                <a:shade val="15000"/>
+              </a:schemeClr>
+            </a:lnRef>
+            <a:fillRef idx="1">
+              <a:schemeClr val="accent1"/>
+            </a:fillRef>
+            <a:effectRef idx="0">
+              <a:schemeClr val="accent1"/>
+            </a:effectRef>
+            <a:fontRef idx="minor">
+              <a:schemeClr val="lt1"/>
+            </a:fontRef>
+          </p:style>
+          <p:txBody>
+            <a:bodyPr rtlCol="0" anchor="ctr"/>
+            <a:lstStyle/>
+            <a:p>
+              <a:pPr algn="ctr"/>
+              <a:endParaRPr lang="en-US" b="1" dirty="0">
+                <a:solidFill>
+                  <a:schemeClr val="tx1"/>
+                </a:solidFill>
+              </a:endParaRPr>
+            </a:p>
+          </p:txBody>
+        </p:sp>
+      </p:grpSp>
+      <p:grpSp>
+        <p:nvGrpSpPr>
+          <p:cNvPr id="41" name="Group 40">
+            <a:extLst>
+              <a:ext uri="{FF2B5EF4-FFF2-40B4-BE49-F238E27FC236}">
+                <a16:creationId xmlns:a16="http://schemas.microsoft.com/office/drawing/2014/main" id="{BDFFA321-BC1B-20E6-73AA-21997337512E}"/>
+              </a:ext>
+            </a:extLst>
+          </p:cNvPr>
+          <p:cNvGrpSpPr/>
+          <p:nvPr/>
+        </p:nvGrpSpPr>
+        <p:grpSpPr>
+          <a:xfrm>
+            <a:off x="223838" y="3872707"/>
+            <a:ext cx="8696323" cy="590550"/>
+            <a:chOff x="223838" y="4112418"/>
+            <a:chExt cx="8696323" cy="590550"/>
+          </a:xfrm>
+        </p:grpSpPr>
+        <p:sp>
+          <p:nvSpPr>
+            <p:cNvPr id="26" name="Rectangle: Rounded Corners 25">
+              <a:extLst>
+                <a:ext uri="{FF2B5EF4-FFF2-40B4-BE49-F238E27FC236}">
+                  <a16:creationId xmlns:a16="http://schemas.microsoft.com/office/drawing/2014/main" id="{3308A026-AF29-FA96-6AF8-A7707B0BFE70}"/>
+                </a:ext>
+              </a:extLst>
+            </p:cNvPr>
+            <p:cNvSpPr/>
+            <p:nvPr/>
+          </p:nvSpPr>
+          <p:spPr>
+            <a:xfrm>
+              <a:off x="223838" y="4112418"/>
+              <a:ext cx="823911" cy="590550"/>
+            </a:xfrm>
+            <a:prstGeom prst="roundRect">
+              <a:avLst/>
+            </a:prstGeom>
+          </p:spPr>
+          <p:style>
+            <a:lnRef idx="2">
+              <a:schemeClr val="accent1">
+                <a:shade val="15000"/>
+              </a:schemeClr>
+            </a:lnRef>
+            <a:fillRef idx="1">
+              <a:schemeClr val="accent1"/>
+            </a:fillRef>
+            <a:effectRef idx="0">
+              <a:schemeClr val="accent1"/>
+            </a:effectRef>
+            <a:fontRef idx="minor">
+              <a:schemeClr val="lt1"/>
+            </a:fontRef>
+          </p:style>
+          <p:txBody>
+            <a:bodyPr rtlCol="0" anchor="ctr"/>
+            <a:lstStyle/>
+            <a:p>
+              <a:pPr algn="ctr"/>
+              <a:r>
+                <a:rPr lang="en-US" b="1" dirty="0"/>
+                <a:t>Why?</a:t>
+              </a:r>
+            </a:p>
+          </p:txBody>
+        </p:sp>
+        <p:sp>
+          <p:nvSpPr>
+            <p:cNvPr id="27" name="Rectangle: Rounded Corners 26">
+              <a:extLst>
+                <a:ext uri="{FF2B5EF4-FFF2-40B4-BE49-F238E27FC236}">
+                  <a16:creationId xmlns:a16="http://schemas.microsoft.com/office/drawing/2014/main" id="{22B1B75B-5AFA-6E26-C862-90B93020C393}"/>
+                </a:ext>
+              </a:extLst>
+            </p:cNvPr>
+            <p:cNvSpPr/>
+            <p:nvPr/>
+          </p:nvSpPr>
+          <p:spPr>
+            <a:xfrm>
+              <a:off x="1266822" y="4112418"/>
+              <a:ext cx="2309809" cy="590550"/>
+            </a:xfrm>
+            <a:prstGeom prst="roundRect">
+              <a:avLst/>
+            </a:prstGeom>
+            <a:solidFill>
+              <a:schemeClr val="bg1">
+                <a:lumMod val="95000"/>
+              </a:schemeClr>
+            </a:solidFill>
+            <a:ln>
+              <a:solidFill>
+                <a:schemeClr val="tx2"/>
+              </a:solidFill>
+            </a:ln>
+          </p:spPr>
+          <p:style>
+            <a:lnRef idx="2">
+              <a:schemeClr val="accent1">
+                <a:shade val="15000"/>
+              </a:schemeClr>
+            </a:lnRef>
+            <a:fillRef idx="1">
+              <a:schemeClr val="accent1"/>
+            </a:fillRef>
+            <a:effectRef idx="0">
+              <a:schemeClr val="accent1"/>
+            </a:effectRef>
+            <a:fontRef idx="minor">
+              <a:schemeClr val="lt1"/>
+            </a:fontRef>
+          </p:style>
+          <p:txBody>
+            <a:bodyPr rtlCol="0" anchor="ctr"/>
+            <a:lstStyle/>
+            <a:p>
+              <a:pPr algn="ctr"/>
+              <a:endParaRPr lang="en-US" b="1" dirty="0">
+                <a:solidFill>
+                  <a:schemeClr val="tx1"/>
+                </a:solidFill>
+              </a:endParaRPr>
+            </a:p>
+          </p:txBody>
+        </p:sp>
+        <p:sp>
+          <p:nvSpPr>
+            <p:cNvPr id="28" name="Rectangle: Rounded Corners 27">
+              <a:extLst>
+                <a:ext uri="{FF2B5EF4-FFF2-40B4-BE49-F238E27FC236}">
+                  <a16:creationId xmlns:a16="http://schemas.microsoft.com/office/drawing/2014/main" id="{7948B80F-A53B-E66B-D35A-B91B647C4494}"/>
+                </a:ext>
+              </a:extLst>
+            </p:cNvPr>
+            <p:cNvSpPr/>
+            <p:nvPr/>
+          </p:nvSpPr>
+          <p:spPr>
+            <a:xfrm>
+              <a:off x="3938587" y="4112418"/>
+              <a:ext cx="2309809" cy="590550"/>
+            </a:xfrm>
+            <a:prstGeom prst="roundRect">
+              <a:avLst/>
+            </a:prstGeom>
+            <a:solidFill>
+              <a:schemeClr val="bg1">
+                <a:lumMod val="95000"/>
+              </a:schemeClr>
+            </a:solidFill>
+            <a:ln>
+              <a:solidFill>
+                <a:schemeClr val="tx2"/>
+              </a:solidFill>
+            </a:ln>
+          </p:spPr>
+          <p:style>
+            <a:lnRef idx="2">
+              <a:schemeClr val="accent1">
+                <a:shade val="15000"/>
+              </a:schemeClr>
+            </a:lnRef>
+            <a:fillRef idx="1">
+              <a:schemeClr val="accent1"/>
+            </a:fillRef>
+            <a:effectRef idx="0">
+              <a:schemeClr val="accent1"/>
+            </a:effectRef>
+            <a:fontRef idx="minor">
+              <a:schemeClr val="lt1"/>
+            </a:fontRef>
+          </p:style>
+          <p:txBody>
+            <a:bodyPr rtlCol="0" anchor="ctr"/>
+            <a:lstStyle/>
+            <a:p>
+              <a:pPr algn="ctr"/>
+              <a:endParaRPr lang="en-US" b="1" dirty="0">
+                <a:solidFill>
+                  <a:schemeClr val="tx1"/>
+                </a:solidFill>
+              </a:endParaRPr>
+            </a:p>
+          </p:txBody>
+        </p:sp>
+        <p:sp>
+          <p:nvSpPr>
+            <p:cNvPr id="29" name="Rectangle: Rounded Corners 28">
+              <a:extLst>
+                <a:ext uri="{FF2B5EF4-FFF2-40B4-BE49-F238E27FC236}">
+                  <a16:creationId xmlns:a16="http://schemas.microsoft.com/office/drawing/2014/main" id="{BCFE87FE-937E-6BD9-C312-34160D6B0B16}"/>
+                </a:ext>
+              </a:extLst>
+            </p:cNvPr>
+            <p:cNvSpPr/>
+            <p:nvPr/>
+          </p:nvSpPr>
+          <p:spPr>
+            <a:xfrm>
+              <a:off x="6610352" y="4112418"/>
+              <a:ext cx="2309809" cy="590550"/>
+            </a:xfrm>
+            <a:prstGeom prst="roundRect">
+              <a:avLst/>
+            </a:prstGeom>
+            <a:solidFill>
+              <a:schemeClr val="bg1">
+                <a:lumMod val="95000"/>
+              </a:schemeClr>
+            </a:solidFill>
+            <a:ln>
+              <a:solidFill>
+                <a:schemeClr val="tx2"/>
+              </a:solidFill>
+            </a:ln>
+          </p:spPr>
+          <p:style>
+            <a:lnRef idx="2">
+              <a:schemeClr val="accent1">
+                <a:shade val="15000"/>
+              </a:schemeClr>
+            </a:lnRef>
+            <a:fillRef idx="1">
+              <a:schemeClr val="accent1"/>
+            </a:fillRef>
+            <a:effectRef idx="0">
+              <a:schemeClr val="accent1"/>
+            </a:effectRef>
+            <a:fontRef idx="minor">
+              <a:schemeClr val="lt1"/>
+            </a:fontRef>
+          </p:style>
+          <p:txBody>
+            <a:bodyPr rtlCol="0" anchor="ctr"/>
+            <a:lstStyle/>
+            <a:p>
+              <a:pPr algn="ctr"/>
+              <a:endParaRPr lang="en-US" b="1" dirty="0">
+                <a:solidFill>
+                  <a:schemeClr val="tx1"/>
+                </a:solidFill>
+              </a:endParaRPr>
+            </a:p>
+          </p:txBody>
+        </p:sp>
+      </p:grpSp>
+      <p:grpSp>
+        <p:nvGrpSpPr>
+          <p:cNvPr id="42" name="Group 41">
+            <a:extLst>
+              <a:ext uri="{FF2B5EF4-FFF2-40B4-BE49-F238E27FC236}">
+                <a16:creationId xmlns:a16="http://schemas.microsoft.com/office/drawing/2014/main" id="{FB410209-9E20-5DEE-38B1-4A0483F7C128}"/>
+              </a:ext>
+            </a:extLst>
+          </p:cNvPr>
+          <p:cNvGrpSpPr/>
+          <p:nvPr/>
+        </p:nvGrpSpPr>
+        <p:grpSpPr>
+          <a:xfrm>
+            <a:off x="223838" y="4656932"/>
+            <a:ext cx="8696323" cy="590550"/>
+            <a:chOff x="223838" y="4857750"/>
+            <a:chExt cx="8696323" cy="590550"/>
+          </a:xfrm>
+        </p:grpSpPr>
+        <p:sp>
+          <p:nvSpPr>
+            <p:cNvPr id="30" name="Rectangle: Rounded Corners 29">
+              <a:extLst>
+                <a:ext uri="{FF2B5EF4-FFF2-40B4-BE49-F238E27FC236}">
+                  <a16:creationId xmlns:a16="http://schemas.microsoft.com/office/drawing/2014/main" id="{5AD385BB-75CA-B067-E303-4F023065C5D0}"/>
+                </a:ext>
+              </a:extLst>
+            </p:cNvPr>
+            <p:cNvSpPr/>
+            <p:nvPr/>
+          </p:nvSpPr>
+          <p:spPr>
+            <a:xfrm>
+              <a:off x="223838" y="4857750"/>
+              <a:ext cx="823911" cy="590550"/>
+            </a:xfrm>
+            <a:prstGeom prst="roundRect">
+              <a:avLst/>
+            </a:prstGeom>
+          </p:spPr>
+          <p:style>
+            <a:lnRef idx="2">
+              <a:schemeClr val="accent1">
+                <a:shade val="15000"/>
+              </a:schemeClr>
+            </a:lnRef>
+            <a:fillRef idx="1">
+              <a:schemeClr val="accent1"/>
+            </a:fillRef>
+            <a:effectRef idx="0">
+              <a:schemeClr val="accent1"/>
+            </a:effectRef>
+            <a:fontRef idx="minor">
+              <a:schemeClr val="lt1"/>
+            </a:fontRef>
+          </p:style>
+          <p:txBody>
+            <a:bodyPr rtlCol="0" anchor="ctr"/>
+            <a:lstStyle/>
+            <a:p>
+              <a:pPr algn="ctr"/>
+              <a:r>
+                <a:rPr lang="en-US" b="1" dirty="0"/>
+                <a:t>Why?</a:t>
+              </a:r>
+            </a:p>
+          </p:txBody>
+        </p:sp>
+        <p:sp>
+          <p:nvSpPr>
+            <p:cNvPr id="31" name="Rectangle: Rounded Corners 30">
+              <a:extLst>
+                <a:ext uri="{FF2B5EF4-FFF2-40B4-BE49-F238E27FC236}">
+                  <a16:creationId xmlns:a16="http://schemas.microsoft.com/office/drawing/2014/main" id="{2C80EAC6-BD1A-16C6-E161-830CBA819347}"/>
+                </a:ext>
+              </a:extLst>
+            </p:cNvPr>
+            <p:cNvSpPr/>
+            <p:nvPr/>
+          </p:nvSpPr>
+          <p:spPr>
+            <a:xfrm>
+              <a:off x="1266822" y="4857750"/>
+              <a:ext cx="2309809" cy="590550"/>
+            </a:xfrm>
+            <a:prstGeom prst="roundRect">
+              <a:avLst/>
+            </a:prstGeom>
+            <a:solidFill>
+              <a:schemeClr val="bg1">
+                <a:lumMod val="95000"/>
+              </a:schemeClr>
+            </a:solidFill>
+            <a:ln>
+              <a:solidFill>
+                <a:schemeClr val="tx2"/>
+              </a:solidFill>
+            </a:ln>
+          </p:spPr>
+          <p:style>
+            <a:lnRef idx="2">
+              <a:schemeClr val="accent1">
+                <a:shade val="15000"/>
+              </a:schemeClr>
+            </a:lnRef>
+            <a:fillRef idx="1">
+              <a:schemeClr val="accent1"/>
+            </a:fillRef>
+            <a:effectRef idx="0">
+              <a:schemeClr val="accent1"/>
+            </a:effectRef>
+            <a:fontRef idx="minor">
+              <a:schemeClr val="lt1"/>
+            </a:fontRef>
+          </p:style>
+          <p:txBody>
+            <a:bodyPr rtlCol="0" anchor="ctr"/>
+            <a:lstStyle/>
+            <a:p>
+              <a:pPr algn="ctr"/>
+              <a:r>
+                <a:rPr lang="en-US" sz="1800" b="1" dirty="0">
+                  <a:solidFill>
+                    <a:schemeClr val="accent1"/>
+                  </a:solidFill>
+                </a:rPr>
+                <a:t>Root Cause(</a:t>
+              </a:r>
+              <a:r>
+                <a:rPr lang="en-US" b="1" dirty="0">
+                  <a:solidFill>
+                    <a:schemeClr val="accent1"/>
+                  </a:solidFill>
+                </a:rPr>
+                <a:t>s)</a:t>
+              </a:r>
+            </a:p>
+          </p:txBody>
+        </p:sp>
+        <p:sp>
+          <p:nvSpPr>
+            <p:cNvPr id="32" name="Rectangle: Rounded Corners 31">
+              <a:extLst>
+                <a:ext uri="{FF2B5EF4-FFF2-40B4-BE49-F238E27FC236}">
+                  <a16:creationId xmlns:a16="http://schemas.microsoft.com/office/drawing/2014/main" id="{0F57BCED-58FF-BDC8-BF4A-B69477F5033A}"/>
+                </a:ext>
+              </a:extLst>
+            </p:cNvPr>
+            <p:cNvSpPr/>
+            <p:nvPr/>
+          </p:nvSpPr>
+          <p:spPr>
+            <a:xfrm>
+              <a:off x="3938587" y="4857750"/>
+              <a:ext cx="2309809" cy="590550"/>
+            </a:xfrm>
+            <a:prstGeom prst="roundRect">
+              <a:avLst/>
+            </a:prstGeom>
+            <a:solidFill>
+              <a:schemeClr val="bg1">
+                <a:lumMod val="95000"/>
+              </a:schemeClr>
+            </a:solidFill>
+            <a:ln>
+              <a:solidFill>
+                <a:schemeClr val="tx2"/>
+              </a:solidFill>
+            </a:ln>
+          </p:spPr>
+          <p:style>
+            <a:lnRef idx="2">
+              <a:schemeClr val="accent1">
+                <a:shade val="15000"/>
+              </a:schemeClr>
+            </a:lnRef>
+            <a:fillRef idx="1">
+              <a:schemeClr val="accent1"/>
+            </a:fillRef>
+            <a:effectRef idx="0">
+              <a:schemeClr val="accent1"/>
+            </a:effectRef>
+            <a:fontRef idx="minor">
+              <a:schemeClr val="lt1"/>
+            </a:fontRef>
+          </p:style>
+          <p:txBody>
+            <a:bodyPr rtlCol="0" anchor="ctr"/>
+            <a:lstStyle/>
+            <a:p>
+              <a:pPr algn="ctr"/>
+              <a:r>
+                <a:rPr lang="en-US" sz="1800" b="1" dirty="0">
+                  <a:solidFill>
+                    <a:schemeClr val="accent1"/>
+                  </a:solidFill>
+                </a:rPr>
+                <a:t>Root Cause(</a:t>
+              </a:r>
+              <a:r>
+                <a:rPr lang="en-US" b="1" dirty="0">
+                  <a:solidFill>
+                    <a:schemeClr val="accent1"/>
+                  </a:solidFill>
+                </a:rPr>
+                <a:t>s)</a:t>
+              </a:r>
+            </a:p>
+          </p:txBody>
+        </p:sp>
+        <p:sp>
+          <p:nvSpPr>
+            <p:cNvPr id="33" name="Rectangle: Rounded Corners 32">
+              <a:extLst>
+                <a:ext uri="{FF2B5EF4-FFF2-40B4-BE49-F238E27FC236}">
+                  <a16:creationId xmlns:a16="http://schemas.microsoft.com/office/drawing/2014/main" id="{7CFDE8FB-3E11-BC03-B132-49EB062F6726}"/>
+                </a:ext>
+              </a:extLst>
+            </p:cNvPr>
+            <p:cNvSpPr/>
+            <p:nvPr/>
+          </p:nvSpPr>
+          <p:spPr>
+            <a:xfrm>
+              <a:off x="6610352" y="4857750"/>
+              <a:ext cx="2309809" cy="590550"/>
+            </a:xfrm>
+            <a:prstGeom prst="roundRect">
+              <a:avLst/>
+            </a:prstGeom>
+            <a:solidFill>
+              <a:schemeClr val="bg1">
+                <a:lumMod val="95000"/>
+              </a:schemeClr>
+            </a:solidFill>
+            <a:ln>
+              <a:solidFill>
+                <a:schemeClr val="tx2"/>
+              </a:solidFill>
+            </a:ln>
+          </p:spPr>
+          <p:style>
+            <a:lnRef idx="2">
+              <a:schemeClr val="accent1">
+                <a:shade val="15000"/>
+              </a:schemeClr>
+            </a:lnRef>
+            <a:fillRef idx="1">
+              <a:schemeClr val="accent1"/>
+            </a:fillRef>
+            <a:effectRef idx="0">
+              <a:schemeClr val="accent1"/>
+            </a:effectRef>
+            <a:fontRef idx="minor">
+              <a:schemeClr val="lt1"/>
+            </a:fontRef>
+          </p:style>
+          <p:txBody>
+            <a:bodyPr rtlCol="0" anchor="ctr"/>
+            <a:lstStyle/>
+            <a:p>
+              <a:pPr algn="ctr"/>
+              <a:r>
+                <a:rPr lang="en-US" sz="1800" b="1" dirty="0">
+                  <a:solidFill>
+                    <a:schemeClr val="accent1"/>
+                  </a:solidFill>
+                </a:rPr>
+                <a:t>Root Cause(</a:t>
+              </a:r>
+              <a:r>
+                <a:rPr lang="en-US" b="1" dirty="0">
+                  <a:solidFill>
+                    <a:schemeClr val="accent1"/>
+                  </a:solidFill>
+                </a:rPr>
+                <a:t>s)</a:t>
+              </a:r>
+            </a:p>
+          </p:txBody>
+        </p:sp>
+      </p:grpSp>
+      <p:grpSp>
+        <p:nvGrpSpPr>
+          <p:cNvPr id="43" name="Group 42">
+            <a:extLst>
+              <a:ext uri="{FF2B5EF4-FFF2-40B4-BE49-F238E27FC236}">
+                <a16:creationId xmlns:a16="http://schemas.microsoft.com/office/drawing/2014/main" id="{755F3B7D-6F2F-3ACD-59FB-6628CF1B08DB}"/>
+              </a:ext>
+            </a:extLst>
+          </p:cNvPr>
+          <p:cNvGrpSpPr/>
+          <p:nvPr/>
+        </p:nvGrpSpPr>
+        <p:grpSpPr>
+          <a:xfrm>
+            <a:off x="1266822" y="5441156"/>
+            <a:ext cx="7653339" cy="590550"/>
+            <a:chOff x="1266822" y="5507831"/>
+            <a:chExt cx="7653339" cy="590550"/>
+          </a:xfrm>
+        </p:grpSpPr>
+        <p:sp>
+          <p:nvSpPr>
+            <p:cNvPr id="34" name="Rectangle: Rounded Corners 33">
+              <a:extLst>
+                <a:ext uri="{FF2B5EF4-FFF2-40B4-BE49-F238E27FC236}">
+                  <a16:creationId xmlns:a16="http://schemas.microsoft.com/office/drawing/2014/main" id="{92FF5836-D81B-152F-5D8E-E67587EEB248}"/>
+                </a:ext>
+              </a:extLst>
+            </p:cNvPr>
+            <p:cNvSpPr/>
+            <p:nvPr/>
+          </p:nvSpPr>
+          <p:spPr>
+            <a:xfrm>
+              <a:off x="1266822" y="5507831"/>
+              <a:ext cx="2309809" cy="590550"/>
+            </a:xfrm>
+            <a:prstGeom prst="roundRect">
+              <a:avLst/>
+            </a:prstGeom>
+            <a:solidFill>
+              <a:srgbClr val="9BD5EF"/>
+            </a:solidFill>
+            <a:ln>
+              <a:solidFill>
+                <a:schemeClr val="tx2"/>
+              </a:solidFill>
+            </a:ln>
+          </p:spPr>
+          <p:style>
+            <a:lnRef idx="2">
+              <a:schemeClr val="accent1">
+                <a:shade val="15000"/>
+              </a:schemeClr>
+            </a:lnRef>
+            <a:fillRef idx="1">
+              <a:schemeClr val="accent1"/>
+            </a:fillRef>
+            <a:effectRef idx="0">
+              <a:schemeClr val="accent1"/>
+            </a:effectRef>
+            <a:fontRef idx="minor">
+              <a:schemeClr val="lt1"/>
+            </a:fontRef>
+          </p:style>
+          <p:txBody>
+            <a:bodyPr rtlCol="0" anchor="ctr"/>
+            <a:lstStyle/>
+            <a:p>
+              <a:pPr algn="ctr"/>
+              <a:r>
+                <a:rPr lang="en-US" sz="1600" b="1" dirty="0">
+                  <a:solidFill>
+                    <a:schemeClr val="tx1"/>
+                  </a:solidFill>
+                </a:rPr>
+                <a:t>Potential Actions</a:t>
+              </a:r>
+            </a:p>
+          </p:txBody>
+        </p:sp>
+        <p:sp>
+          <p:nvSpPr>
+            <p:cNvPr id="35" name="Rectangle: Rounded Corners 34">
+              <a:extLst>
+                <a:ext uri="{FF2B5EF4-FFF2-40B4-BE49-F238E27FC236}">
+                  <a16:creationId xmlns:a16="http://schemas.microsoft.com/office/drawing/2014/main" id="{15C0C176-9108-7158-7725-9042AA9ED777}"/>
+                </a:ext>
+              </a:extLst>
+            </p:cNvPr>
+            <p:cNvSpPr/>
+            <p:nvPr/>
+          </p:nvSpPr>
+          <p:spPr>
+            <a:xfrm>
+              <a:off x="3938587" y="5507831"/>
+              <a:ext cx="2309809" cy="590550"/>
+            </a:xfrm>
+            <a:prstGeom prst="roundRect">
+              <a:avLst/>
+            </a:prstGeom>
+            <a:solidFill>
+              <a:srgbClr val="9BD5EF"/>
+            </a:solidFill>
+            <a:ln>
+              <a:solidFill>
+                <a:schemeClr val="tx2"/>
+              </a:solidFill>
+            </a:ln>
+          </p:spPr>
+          <p:style>
+            <a:lnRef idx="2">
+              <a:schemeClr val="accent1">
+                <a:shade val="15000"/>
+              </a:schemeClr>
+            </a:lnRef>
+            <a:fillRef idx="1">
+              <a:schemeClr val="accent1"/>
+            </a:fillRef>
+            <a:effectRef idx="0">
+              <a:schemeClr val="accent1"/>
+            </a:effectRef>
+            <a:fontRef idx="minor">
+              <a:schemeClr val="lt1"/>
+            </a:fontRef>
+          </p:style>
+          <p:txBody>
+            <a:bodyPr rtlCol="0" anchor="ctr"/>
+            <a:lstStyle/>
+            <a:p>
+              <a:pPr algn="ctr"/>
+              <a:r>
+                <a:rPr lang="en-US" sz="1600" b="1" dirty="0">
+                  <a:solidFill>
+                    <a:schemeClr val="tx1"/>
+                  </a:solidFill>
+                </a:rPr>
+                <a:t>Potential Actions</a:t>
+              </a:r>
+            </a:p>
+          </p:txBody>
+        </p:sp>
+        <p:sp>
+          <p:nvSpPr>
+            <p:cNvPr id="36" name="Rectangle: Rounded Corners 35">
+              <a:extLst>
+                <a:ext uri="{FF2B5EF4-FFF2-40B4-BE49-F238E27FC236}">
+                  <a16:creationId xmlns:a16="http://schemas.microsoft.com/office/drawing/2014/main" id="{4C7B8B9F-DCA8-2BDB-F4B9-0CFCD2673FB7}"/>
+                </a:ext>
+              </a:extLst>
+            </p:cNvPr>
+            <p:cNvSpPr/>
+            <p:nvPr/>
+          </p:nvSpPr>
+          <p:spPr>
+            <a:xfrm>
+              <a:off x="6610352" y="5507831"/>
+              <a:ext cx="2309809" cy="590550"/>
+            </a:xfrm>
+            <a:prstGeom prst="roundRect">
+              <a:avLst/>
+            </a:prstGeom>
+            <a:solidFill>
+              <a:srgbClr val="9BD5EF"/>
+            </a:solidFill>
+            <a:ln>
+              <a:solidFill>
+                <a:schemeClr val="tx2"/>
+              </a:solidFill>
+            </a:ln>
+          </p:spPr>
+          <p:style>
+            <a:lnRef idx="2">
+              <a:schemeClr val="accent1">
+                <a:shade val="15000"/>
+              </a:schemeClr>
+            </a:lnRef>
+            <a:fillRef idx="1">
+              <a:schemeClr val="accent1"/>
+            </a:fillRef>
+            <a:effectRef idx="0">
+              <a:schemeClr val="accent1"/>
+            </a:effectRef>
+            <a:fontRef idx="minor">
+              <a:schemeClr val="lt1"/>
+            </a:fontRef>
+          </p:style>
+          <p:txBody>
+            <a:bodyPr rtlCol="0" anchor="ctr"/>
+            <a:lstStyle/>
+            <a:p>
+              <a:pPr algn="ctr"/>
+              <a:r>
+                <a:rPr lang="en-US" sz="1600" b="1" dirty="0">
+                  <a:solidFill>
+                    <a:schemeClr val="tx1"/>
+                  </a:solidFill>
+                </a:rPr>
+                <a:t>Potential Actions</a:t>
+              </a:r>
+            </a:p>
+          </p:txBody>
+        </p:sp>
+      </p:grpSp>
+    </p:spTree>
+    <p:extLst>
+      <p:ext uri="{BB962C8B-B14F-4D97-AF65-F5344CB8AC3E}">
+        <p14:creationId xmlns:p14="http://schemas.microsoft.com/office/powerpoint/2010/main" val="4254559303"/>
+      </p:ext>
+    </p:extLst>
+  </p:cSld>
+  <p:clrMapOvr>
+    <a:masterClrMapping/>
+  </p:clrMapOvr>
+</p:sld>
+</file>
+
+<file path=ppt/slides/slide6.xml><?xml version="1.0" encoding="utf-8"?>
+<p:sld xmlns:a="http://schemas.openxmlformats.org/drawingml/2006/main" xmlns:r="http://schemas.openxmlformats.org/officeDocument/2006/relationships" xmlns:p="http://schemas.openxmlformats.org/presentationml/2006/main">
+  <p:cSld>
+    <p:spTree>
+      <p:nvGrpSpPr>
+        <p:cNvPr id="1" name=""/>
+        <p:cNvGrpSpPr/>
+        <p:nvPr/>
+      </p:nvGrpSpPr>
+      <p:grpSpPr>
+        <a:xfrm>
+          <a:off x="0" y="0"/>
+          <a:ext cx="0" cy="0"/>
+          <a:chOff x="0" y="0"/>
+          <a:chExt cx="0" cy="0"/>
+        </a:xfrm>
+      </p:grpSpPr>
+      <p:pic>
+        <p:nvPicPr>
+          <p:cNvPr id="2" name="Picture 1">
+            <a:extLst>
+              <a:ext uri="{FF2B5EF4-FFF2-40B4-BE49-F238E27FC236}">
+                <a16:creationId xmlns:a16="http://schemas.microsoft.com/office/drawing/2014/main" id="{98D3CE06-D93E-8722-55D2-6FF95E43F7EA}"/>
+              </a:ext>
+            </a:extLst>
+          </p:cNvPr>
+          <p:cNvPicPr>
+            <a:picLocks noChangeAspect="1"/>
+          </p:cNvPicPr>
+          <p:nvPr/>
+        </p:nvPicPr>
+        <p:blipFill>
+          <a:blip r:embed="rId2"/>
+          <a:stretch>
+            <a:fillRect/>
+          </a:stretch>
+        </p:blipFill>
+        <p:spPr>
+          <a:xfrm>
+            <a:off x="277474" y="72860"/>
+            <a:ext cx="4165460" cy="3200400"/>
+          </a:xfrm>
+          <a:prstGeom prst="rect">
+            <a:avLst/>
+          </a:prstGeom>
+        </p:spPr>
+      </p:pic>
+      <p:pic>
+        <p:nvPicPr>
+          <p:cNvPr id="3" name="Picture 2">
+            <a:extLst>
+              <a:ext uri="{FF2B5EF4-FFF2-40B4-BE49-F238E27FC236}">
+                <a16:creationId xmlns:a16="http://schemas.microsoft.com/office/drawing/2014/main" id="{EAB31924-0ECB-FDB9-103D-ADCE6DCAD630}"/>
+              </a:ext>
+            </a:extLst>
+          </p:cNvPr>
+          <p:cNvPicPr>
+            <a:picLocks noChangeAspect="1"/>
+          </p:cNvPicPr>
+          <p:nvPr/>
+        </p:nvPicPr>
+        <p:blipFill>
+          <a:blip r:embed="rId3"/>
+          <a:stretch>
+            <a:fillRect/>
+          </a:stretch>
+        </p:blipFill>
+        <p:spPr>
+          <a:xfrm>
+            <a:off x="2359916" y="3549981"/>
+            <a:ext cx="4424167" cy="3200400"/>
+          </a:xfrm>
+          <a:prstGeom prst="rect">
+            <a:avLst/>
+          </a:prstGeom>
+        </p:spPr>
+      </p:pic>
+      <p:pic>
+        <p:nvPicPr>
+          <p:cNvPr id="4" name="Picture 3">
+            <a:extLst>
+              <a:ext uri="{FF2B5EF4-FFF2-40B4-BE49-F238E27FC236}">
+                <a16:creationId xmlns:a16="http://schemas.microsoft.com/office/drawing/2014/main" id="{75EA001D-A61B-5E20-1B87-59525295CF70}"/>
+              </a:ext>
+            </a:extLst>
+          </p:cNvPr>
+          <p:cNvPicPr>
+            <a:picLocks noChangeAspect="1"/>
+          </p:cNvPicPr>
+          <p:nvPr/>
+        </p:nvPicPr>
+        <p:blipFill>
+          <a:blip r:embed="rId4"/>
+          <a:stretch>
+            <a:fillRect/>
+          </a:stretch>
+        </p:blipFill>
+        <p:spPr>
+          <a:xfrm>
+            <a:off x="4701068" y="72860"/>
+            <a:ext cx="4171275" cy="3200400"/>
+          </a:xfrm>
+          <a:prstGeom prst="rect">
+            <a:avLst/>
+          </a:prstGeom>
+        </p:spPr>
+      </p:pic>
+      <p:sp>
+        <p:nvSpPr>
+          <p:cNvPr id="5" name="TextBox 4">
+            <a:extLst>
+              <a:ext uri="{FF2B5EF4-FFF2-40B4-BE49-F238E27FC236}">
+                <a16:creationId xmlns:a16="http://schemas.microsoft.com/office/drawing/2014/main" id="{9E2E253A-09F0-570D-3ED9-BECFF38C7FF1}"/>
+              </a:ext>
+            </a:extLst>
+          </p:cNvPr>
+          <p:cNvSpPr txBox="1"/>
+          <p:nvPr/>
+        </p:nvSpPr>
+        <p:spPr>
+          <a:xfrm>
+            <a:off x="271657" y="53810"/>
+            <a:ext cx="328133" cy="369332"/>
+          </a:xfrm>
+          <a:prstGeom prst="rect">
+            <a:avLst/>
+          </a:prstGeom>
+          <a:noFill/>
+        </p:spPr>
+        <p:txBody>
+          <a:bodyPr wrap="square" rtlCol="0">
+            <a:spAutoFit/>
+          </a:bodyPr>
+          <a:lstStyle/>
+          <a:p>
+            <a:r>
+              <a:rPr lang="en-US" b="1" dirty="0"/>
+              <a:t>A</a:t>
+            </a:r>
+          </a:p>
+        </p:txBody>
+      </p:sp>
+      <p:sp>
+        <p:nvSpPr>
+          <p:cNvPr id="6" name="TextBox 5">
+            <a:extLst>
+              <a:ext uri="{FF2B5EF4-FFF2-40B4-BE49-F238E27FC236}">
+                <a16:creationId xmlns:a16="http://schemas.microsoft.com/office/drawing/2014/main" id="{A8408F93-21F1-60CB-4B09-77BBCF979260}"/>
+              </a:ext>
+            </a:extLst>
+          </p:cNvPr>
+          <p:cNvSpPr txBox="1"/>
+          <p:nvPr/>
+        </p:nvSpPr>
+        <p:spPr>
+          <a:xfrm>
+            <a:off x="4701068" y="53810"/>
+            <a:ext cx="328133" cy="369332"/>
+          </a:xfrm>
+          <a:prstGeom prst="rect">
+            <a:avLst/>
+          </a:prstGeom>
+          <a:noFill/>
+        </p:spPr>
+        <p:txBody>
+          <a:bodyPr wrap="square" rtlCol="0">
+            <a:spAutoFit/>
+          </a:bodyPr>
+          <a:lstStyle/>
+          <a:p>
+            <a:r>
+              <a:rPr lang="en-US" b="1" dirty="0"/>
+              <a:t>B</a:t>
+            </a:r>
+          </a:p>
+        </p:txBody>
+      </p:sp>
+      <p:sp>
+        <p:nvSpPr>
+          <p:cNvPr id="7" name="TextBox 6">
+            <a:extLst>
+              <a:ext uri="{FF2B5EF4-FFF2-40B4-BE49-F238E27FC236}">
+                <a16:creationId xmlns:a16="http://schemas.microsoft.com/office/drawing/2014/main" id="{95B8B2AB-369A-0A87-E293-B1232CC49EC6}"/>
+              </a:ext>
+            </a:extLst>
+          </p:cNvPr>
+          <p:cNvSpPr txBox="1"/>
+          <p:nvPr/>
+        </p:nvSpPr>
+        <p:spPr>
+          <a:xfrm>
+            <a:off x="2340866" y="3540456"/>
+            <a:ext cx="328133" cy="369332"/>
+          </a:xfrm>
+          <a:prstGeom prst="rect">
+            <a:avLst/>
+          </a:prstGeom>
+          <a:noFill/>
+        </p:spPr>
+        <p:txBody>
+          <a:bodyPr wrap="square" rtlCol="0">
+            <a:spAutoFit/>
+          </a:bodyPr>
+          <a:lstStyle/>
+          <a:p>
+            <a:r>
+              <a:rPr lang="en-US" b="1" dirty="0"/>
+              <a:t>C</a:t>
+            </a:r>
+          </a:p>
+        </p:txBody>
+      </p:sp>
+    </p:spTree>
+    <p:extLst>
+      <p:ext uri="{BB962C8B-B14F-4D97-AF65-F5344CB8AC3E}">
+        <p14:creationId xmlns:p14="http://schemas.microsoft.com/office/powerpoint/2010/main" val="2105669261"/>
+      </p:ext>
+    </p:extLst>
+  </p:cSld>
+  <p:clrMapOvr>
+    <a:masterClrMapping/>
+  </p:clrMapOvr>
+</p:sld>
+</file>
+
 <file path=ppt/theme/theme1.xml><?xml version="1.0" encoding="utf-8"?>
 <a:theme xmlns:a="http://schemas.openxmlformats.org/drawingml/2006/main" name="Office Theme">
   <a:themeElements>

--- a/images/graphics.pptx
+++ b/images/graphics.pptx
@@ -11,6 +11,7 @@
     <p:sldId id="260" r:id="rId5"/>
     <p:sldId id="261" r:id="rId6"/>
     <p:sldId id="262" r:id="rId7"/>
+    <p:sldId id="263" r:id="rId8"/>
   </p:sldIdLst>
   <p:sldSz cx="9144000" cy="6858000" type="letter"/>
   <p:notesSz cx="9144000" cy="6858000"/>
@@ -115,6 +116,6176 @@
     </p:ext>
   </p:extLst>
 </p:presentation>
+</file>
+
+<file path=ppt/diagrams/colors1.xml><?xml version="1.0" encoding="utf-8"?>
+<dgm:colorsDef xmlns:dgm="http://schemas.openxmlformats.org/drawingml/2006/diagram" xmlns:a="http://schemas.openxmlformats.org/drawingml/2006/main" uniqueId="urn:microsoft.com/office/officeart/2005/8/colors/accent1_3">
+  <dgm:title val=""/>
+  <dgm:desc val=""/>
+  <dgm:catLst>
+    <dgm:cat type="accent1" pri="11300"/>
+  </dgm:catLst>
+  <dgm:styleLbl name="node0">
+    <dgm:fillClrLst meth="repeat">
+      <a:schemeClr val="accent1">
+        <a:shade val="80000"/>
+      </a:schemeClr>
+    </dgm:fillClrLst>
+    <dgm:linClrLst meth="repeat">
+      <a:schemeClr val="lt1"/>
+    </dgm:linClrLst>
+    <dgm:effectClrLst/>
+    <dgm:txLinClrLst/>
+    <dgm:txFillClrLst/>
+    <dgm:txEffectClrLst/>
+  </dgm:styleLbl>
+  <dgm:styleLbl name="alignNode1">
+    <dgm:fillClrLst>
+      <a:schemeClr val="accent1">
+        <a:shade val="80000"/>
+      </a:schemeClr>
+      <a:schemeClr val="accent1">
+        <a:tint val="70000"/>
+      </a:schemeClr>
+    </dgm:fillClrLst>
+    <dgm:linClrLst>
+      <a:schemeClr val="accent1">
+        <a:shade val="80000"/>
+      </a:schemeClr>
+      <a:schemeClr val="accent1">
+        <a:tint val="70000"/>
+      </a:schemeClr>
+    </dgm:linClrLst>
+    <dgm:effectClrLst/>
+    <dgm:txLinClrLst/>
+    <dgm:txFillClrLst/>
+    <dgm:txEffectClrLst/>
+  </dgm:styleLbl>
+  <dgm:styleLbl name="node1">
+    <dgm:fillClrLst>
+      <a:schemeClr val="accent1">
+        <a:shade val="80000"/>
+      </a:schemeClr>
+      <a:schemeClr val="accent1">
+        <a:tint val="70000"/>
+      </a:schemeClr>
+    </dgm:fillClrLst>
+    <dgm:linClrLst meth="repeat">
+      <a:schemeClr val="lt1"/>
+    </dgm:linClrLst>
+    <dgm:effectClrLst/>
+    <dgm:txLinClrLst/>
+    <dgm:txFillClrLst/>
+    <dgm:txEffectClrLst/>
+  </dgm:styleLbl>
+  <dgm:styleLbl name="lnNode1">
+    <dgm:fillClrLst>
+      <a:schemeClr val="accent1">
+        <a:shade val="80000"/>
+      </a:schemeClr>
+      <a:schemeClr val="accent1">
+        <a:tint val="70000"/>
+      </a:schemeClr>
+    </dgm:fillClrLst>
+    <dgm:linClrLst meth="repeat">
+      <a:schemeClr val="lt1"/>
+    </dgm:linClrLst>
+    <dgm:effectClrLst/>
+    <dgm:txLinClrLst/>
+    <dgm:txFillClrLst/>
+    <dgm:txEffectClrLst/>
+  </dgm:styleLbl>
+  <dgm:styleLbl name="vennNode1">
+    <dgm:fillClrLst>
+      <a:schemeClr val="accent1">
+        <a:shade val="80000"/>
+        <a:alpha val="50000"/>
+      </a:schemeClr>
+      <a:schemeClr val="accent1">
+        <a:tint val="70000"/>
+        <a:alpha val="50000"/>
+      </a:schemeClr>
+    </dgm:fillClrLst>
+    <dgm:linClrLst meth="repeat">
+      <a:schemeClr val="lt1"/>
+    </dgm:linClrLst>
+    <dgm:effectClrLst/>
+    <dgm:txLinClrLst/>
+    <dgm:txFillClrLst/>
+    <dgm:txEffectClrLst/>
+  </dgm:styleLbl>
+  <dgm:styleLbl name="node2">
+    <dgm:fillClrLst>
+      <a:schemeClr val="accent1">
+        <a:tint val="99000"/>
+      </a:schemeClr>
+    </dgm:fillClrLst>
+    <dgm:linClrLst meth="repeat">
+      <a:schemeClr val="lt1"/>
+    </dgm:linClrLst>
+    <dgm:effectClrLst/>
+    <dgm:txLinClrLst/>
+    <dgm:txFillClrLst/>
+    <dgm:txEffectClrLst/>
+  </dgm:styleLbl>
+  <dgm:styleLbl name="node3">
+    <dgm:fillClrLst>
+      <a:schemeClr val="accent1">
+        <a:tint val="80000"/>
+      </a:schemeClr>
+    </dgm:fillClrLst>
+    <dgm:linClrLst meth="repeat">
+      <a:schemeClr val="lt1"/>
+    </dgm:linClrLst>
+    <dgm:effectClrLst/>
+    <dgm:txLinClrLst/>
+    <dgm:txFillClrLst/>
+    <dgm:txEffectClrLst/>
+  </dgm:styleLbl>
+  <dgm:styleLbl name="node4">
+    <dgm:fillClrLst>
+      <a:schemeClr val="accent1">
+        <a:tint val="70000"/>
+      </a:schemeClr>
+    </dgm:fillClrLst>
+    <dgm:linClrLst meth="repeat">
+      <a:schemeClr val="lt1"/>
+    </dgm:linClrLst>
+    <dgm:effectClrLst/>
+    <dgm:txLinClrLst/>
+    <dgm:txFillClrLst/>
+    <dgm:txEffectClrLst/>
+  </dgm:styleLbl>
+  <dgm:styleLbl name="fgImgPlace1">
+    <dgm:fillClrLst>
+      <a:schemeClr val="accent1">
+        <a:tint val="50000"/>
+      </a:schemeClr>
+      <a:schemeClr val="accent1">
+        <a:tint val="20000"/>
+      </a:schemeClr>
+    </dgm:fillClrLst>
+    <dgm:linClrLst meth="repeat">
+      <a:schemeClr val="lt1"/>
+    </dgm:linClrLst>
+    <dgm:effectClrLst/>
+    <dgm:txLinClrLst/>
+    <dgm:txFillClrLst meth="repeat">
+      <a:schemeClr val="lt1"/>
+    </dgm:txFillClrLst>
+    <dgm:txEffectClrLst/>
+  </dgm:styleLbl>
+  <dgm:styleLbl name="alignImgPlace1">
+    <dgm:fillClrLst>
+      <a:schemeClr val="accent1">
+        <a:tint val="50000"/>
+      </a:schemeClr>
+      <a:schemeClr val="accent1">
+        <a:tint val="20000"/>
+      </a:schemeClr>
+    </dgm:fillClrLst>
+    <dgm:linClrLst meth="repeat">
+      <a:schemeClr val="lt1"/>
+    </dgm:linClrLst>
+    <dgm:effectClrLst/>
+    <dgm:txLinClrLst/>
+    <dgm:txFillClrLst meth="repeat">
+      <a:schemeClr val="lt1"/>
+    </dgm:txFillClrLst>
+    <dgm:txEffectClrLst/>
+  </dgm:styleLbl>
+  <dgm:styleLbl name="bgImgPlace1">
+    <dgm:fillClrLst>
+      <a:schemeClr val="accent1">
+        <a:tint val="50000"/>
+      </a:schemeClr>
+      <a:schemeClr val="accent1">
+        <a:tint val="20000"/>
+      </a:schemeClr>
+    </dgm:fillClrLst>
+    <dgm:linClrLst meth="repeat">
+      <a:schemeClr val="lt1"/>
+    </dgm:linClrLst>
+    <dgm:effectClrLst/>
+    <dgm:txLinClrLst/>
+    <dgm:txFillClrLst meth="repeat">
+      <a:schemeClr val="lt1"/>
+    </dgm:txFillClrLst>
+    <dgm:txEffectClrLst/>
+  </dgm:styleLbl>
+  <dgm:styleLbl name="sibTrans2D1">
+    <dgm:fillClrLst>
+      <a:schemeClr val="accent1">
+        <a:shade val="90000"/>
+      </a:schemeClr>
+      <a:schemeClr val="accent1">
+        <a:tint val="70000"/>
+      </a:schemeClr>
+    </dgm:fillClrLst>
+    <dgm:linClrLst>
+      <a:schemeClr val="accent1">
+        <a:shade val="90000"/>
+      </a:schemeClr>
+      <a:schemeClr val="accent1">
+        <a:tint val="70000"/>
+      </a:schemeClr>
+    </dgm:linClrLst>
+    <dgm:effectClrLst/>
+    <dgm:txLinClrLst/>
+    <dgm:txFillClrLst/>
+    <dgm:txEffectClrLst/>
+  </dgm:styleLbl>
+  <dgm:styleLbl name="fgSibTrans2D1">
+    <dgm:fillClrLst>
+      <a:schemeClr val="accent1">
+        <a:shade val="90000"/>
+      </a:schemeClr>
+      <a:schemeClr val="accent1">
+        <a:tint val="70000"/>
+      </a:schemeClr>
+    </dgm:fillClrLst>
+    <dgm:linClrLst>
+      <a:schemeClr val="accent1">
+        <a:shade val="90000"/>
+      </a:schemeClr>
+      <a:schemeClr val="accent1">
+        <a:tint val="70000"/>
+      </a:schemeClr>
+    </dgm:linClrLst>
+    <dgm:effectClrLst/>
+    <dgm:txLinClrLst/>
+    <dgm:txFillClrLst meth="repeat">
+      <a:schemeClr val="lt1"/>
+    </dgm:txFillClrLst>
+    <dgm:txEffectClrLst/>
+  </dgm:styleLbl>
+  <dgm:styleLbl name="bgSibTrans2D1">
+    <dgm:fillClrLst>
+      <a:schemeClr val="accent1">
+        <a:shade val="90000"/>
+      </a:schemeClr>
+      <a:schemeClr val="accent1">
+        <a:tint val="70000"/>
+      </a:schemeClr>
+    </dgm:fillClrLst>
+    <dgm:linClrLst>
+      <a:schemeClr val="accent1">
+        <a:shade val="90000"/>
+      </a:schemeClr>
+      <a:schemeClr val="accent1">
+        <a:tint val="70000"/>
+      </a:schemeClr>
+    </dgm:linClrLst>
+    <dgm:effectClrLst/>
+    <dgm:txLinClrLst/>
+    <dgm:txFillClrLst meth="repeat">
+      <a:schemeClr val="lt1"/>
+    </dgm:txFillClrLst>
+    <dgm:txEffectClrLst/>
+  </dgm:styleLbl>
+  <dgm:styleLbl name="sibTrans1D1">
+    <dgm:fillClrLst>
+      <a:schemeClr val="accent1">
+        <a:shade val="90000"/>
+      </a:schemeClr>
+      <a:schemeClr val="accent1">
+        <a:tint val="70000"/>
+      </a:schemeClr>
+    </dgm:fillClrLst>
+    <dgm:linClrLst>
+      <a:schemeClr val="accent1">
+        <a:shade val="90000"/>
+      </a:schemeClr>
+      <a:schemeClr val="accent1">
+        <a:tint val="70000"/>
+      </a:schemeClr>
+    </dgm:linClrLst>
+    <dgm:effectClrLst/>
+    <dgm:txLinClrLst/>
+    <dgm:txFillClrLst meth="repeat">
+      <a:schemeClr val="tx1"/>
+    </dgm:txFillClrLst>
+    <dgm:txEffectClrLst/>
+  </dgm:styleLbl>
+  <dgm:styleLbl name="callout">
+    <dgm:fillClrLst meth="repeat">
+      <a:schemeClr val="accent1"/>
+    </dgm:fillClrLst>
+    <dgm:linClrLst meth="repeat">
+      <a:schemeClr val="accent1"/>
+    </dgm:linClrLst>
+    <dgm:effectClrLst/>
+    <dgm:txLinClrLst/>
+    <dgm:txFillClrLst meth="repeat">
+      <a:schemeClr val="tx1"/>
+    </dgm:txFillClrLst>
+    <dgm:txEffectClrLst/>
+  </dgm:styleLbl>
+  <dgm:styleLbl name="asst0">
+    <dgm:fillClrLst meth="repeat">
+      <a:schemeClr val="accent1">
+        <a:shade val="80000"/>
+      </a:schemeClr>
+    </dgm:fillClrLst>
+    <dgm:linClrLst meth="repeat">
+      <a:schemeClr val="lt1"/>
+    </dgm:linClrLst>
+    <dgm:effectClrLst/>
+    <dgm:txLinClrLst/>
+    <dgm:txFillClrLst/>
+    <dgm:txEffectClrLst/>
+  </dgm:styleLbl>
+  <dgm:styleLbl name="asst1">
+    <dgm:fillClrLst meth="repeat">
+      <a:schemeClr val="accent1">
+        <a:shade val="80000"/>
+      </a:schemeClr>
+    </dgm:fillClrLst>
+    <dgm:linClrLst meth="repeat">
+      <a:schemeClr val="lt1"/>
+    </dgm:linClrLst>
+    <dgm:effectClrLst/>
+    <dgm:txLinClrLst/>
+    <dgm:txFillClrLst/>
+    <dgm:txEffectClrLst/>
+  </dgm:styleLbl>
+  <dgm:styleLbl name="asst2">
+    <dgm:fillClrLst>
+      <a:schemeClr val="accent1">
+        <a:tint val="99000"/>
+      </a:schemeClr>
+    </dgm:fillClrLst>
+    <dgm:linClrLst meth="repeat">
+      <a:schemeClr val="lt1"/>
+    </dgm:linClrLst>
+    <dgm:effectClrLst/>
+    <dgm:txLinClrLst/>
+    <dgm:txFillClrLst/>
+    <dgm:txEffectClrLst/>
+  </dgm:styleLbl>
+  <dgm:styleLbl name="asst3">
+    <dgm:fillClrLst>
+      <a:schemeClr val="accent1">
+        <a:tint val="80000"/>
+      </a:schemeClr>
+    </dgm:fillClrLst>
+    <dgm:linClrLst meth="repeat">
+      <a:schemeClr val="lt1"/>
+    </dgm:linClrLst>
+    <dgm:effectClrLst/>
+    <dgm:txLinClrLst/>
+    <dgm:txFillClrLst/>
+    <dgm:txEffectClrLst/>
+  </dgm:styleLbl>
+  <dgm:styleLbl name="asst4">
+    <dgm:fillClrLst>
+      <a:schemeClr val="accent1">
+        <a:tint val="70000"/>
+      </a:schemeClr>
+    </dgm:fillClrLst>
+    <dgm:linClrLst meth="repeat">
+      <a:schemeClr val="lt1"/>
+    </dgm:linClrLst>
+    <dgm:effectClrLst/>
+    <dgm:txLinClrLst/>
+    <dgm:txFillClrLst/>
+    <dgm:txEffectClrLst/>
+  </dgm:styleLbl>
+  <dgm:styleLbl name="parChTrans2D1">
+    <dgm:fillClrLst meth="repeat">
+      <a:schemeClr val="accent1">
+        <a:tint val="60000"/>
+      </a:schemeClr>
+    </dgm:fillClrLst>
+    <dgm:linClrLst meth="repeat">
+      <a:schemeClr val="accent1">
+        <a:tint val="60000"/>
+      </a:schemeClr>
+    </dgm:linClrLst>
+    <dgm:effectClrLst/>
+    <dgm:txLinClrLst/>
+    <dgm:txFillClrLst meth="repeat">
+      <a:schemeClr val="lt1"/>
+    </dgm:txFillClrLst>
+    <dgm:txEffectClrLst/>
+  </dgm:styleLbl>
+  <dgm:styleLbl name="parChTrans2D2">
+    <dgm:fillClrLst meth="repeat">
+      <a:schemeClr val="accent1">
+        <a:tint val="90000"/>
+      </a:schemeClr>
+    </dgm:fillClrLst>
+    <dgm:linClrLst meth="repeat">
+      <a:schemeClr val="accent1">
+        <a:tint val="90000"/>
+      </a:schemeClr>
+    </dgm:linClrLst>
+    <dgm:effectClrLst/>
+    <dgm:txLinClrLst/>
+    <dgm:txFillClrLst/>
+    <dgm:txEffectClrLst/>
+  </dgm:styleLbl>
+  <dgm:styleLbl name="parChTrans2D3">
+    <dgm:fillClrLst meth="repeat">
+      <a:schemeClr val="accent1">
+        <a:tint val="70000"/>
+      </a:schemeClr>
+    </dgm:fillClrLst>
+    <dgm:linClrLst meth="repeat">
+      <a:schemeClr val="accent1">
+        <a:tint val="70000"/>
+      </a:schemeClr>
+    </dgm:linClrLst>
+    <dgm:effectClrLst/>
+    <dgm:txLinClrLst/>
+    <dgm:txFillClrLst/>
+    <dgm:txEffectClrLst/>
+  </dgm:styleLbl>
+  <dgm:styleLbl name="parChTrans2D4">
+    <dgm:fillClrLst meth="repeat">
+      <a:schemeClr val="accent1">
+        <a:tint val="50000"/>
+      </a:schemeClr>
+    </dgm:fillClrLst>
+    <dgm:linClrLst meth="repeat">
+      <a:schemeClr val="accent1">
+        <a:tint val="50000"/>
+      </a:schemeClr>
+    </dgm:linClrLst>
+    <dgm:effectClrLst/>
+    <dgm:txLinClrLst/>
+    <dgm:txFillClrLst meth="repeat">
+      <a:schemeClr val="lt1"/>
+    </dgm:txFillClrLst>
+    <dgm:txEffectClrLst/>
+  </dgm:styleLbl>
+  <dgm:styleLbl name="parChTrans1D1">
+    <dgm:fillClrLst meth="repeat">
+      <a:schemeClr val="accent1">
+        <a:shade val="80000"/>
+      </a:schemeClr>
+    </dgm:fillClrLst>
+    <dgm:linClrLst meth="repeat">
+      <a:schemeClr val="accent1">
+        <a:shade val="80000"/>
+      </a:schemeClr>
+    </dgm:linClrLst>
+    <dgm:effectClrLst/>
+    <dgm:txLinClrLst/>
+    <dgm:txFillClrLst meth="repeat">
+      <a:schemeClr val="tx1"/>
+    </dgm:txFillClrLst>
+    <dgm:txEffectClrLst/>
+  </dgm:styleLbl>
+  <dgm:styleLbl name="parChTrans1D2">
+    <dgm:fillClrLst meth="repeat">
+      <a:schemeClr val="accent1">
+        <a:tint val="99000"/>
+      </a:schemeClr>
+    </dgm:fillClrLst>
+    <dgm:linClrLst meth="repeat">
+      <a:schemeClr val="accent1">
+        <a:tint val="99000"/>
+      </a:schemeClr>
+    </dgm:linClrLst>
+    <dgm:effectClrLst/>
+    <dgm:txLinClrLst/>
+    <dgm:txFillClrLst meth="repeat">
+      <a:schemeClr val="tx1"/>
+    </dgm:txFillClrLst>
+    <dgm:txEffectClrLst/>
+  </dgm:styleLbl>
+  <dgm:styleLbl name="parChTrans1D3">
+    <dgm:fillClrLst meth="repeat">
+      <a:schemeClr val="accent1">
+        <a:tint val="80000"/>
+      </a:schemeClr>
+    </dgm:fillClrLst>
+    <dgm:linClrLst meth="repeat">
+      <a:schemeClr val="accent1">
+        <a:tint val="80000"/>
+      </a:schemeClr>
+    </dgm:linClrLst>
+    <dgm:effectClrLst/>
+    <dgm:txLinClrLst/>
+    <dgm:txFillClrLst meth="repeat">
+      <a:schemeClr val="tx1"/>
+    </dgm:txFillClrLst>
+    <dgm:txEffectClrLst/>
+  </dgm:styleLbl>
+  <dgm:styleLbl name="parChTrans1D4">
+    <dgm:fillClrLst meth="repeat">
+      <a:schemeClr val="accent1">
+        <a:tint val="70000"/>
+      </a:schemeClr>
+    </dgm:fillClrLst>
+    <dgm:linClrLst meth="repeat">
+      <a:schemeClr val="accent1">
+        <a:tint val="70000"/>
+      </a:schemeClr>
+    </dgm:linClrLst>
+    <dgm:effectClrLst/>
+    <dgm:txLinClrLst/>
+    <dgm:txFillClrLst meth="repeat">
+      <a:schemeClr val="tx1"/>
+    </dgm:txFillClrLst>
+    <dgm:txEffectClrLst/>
+  </dgm:styleLbl>
+  <dgm:styleLbl name="fgAcc1">
+    <dgm:fillClrLst meth="repeat">
+      <a:schemeClr val="lt1">
+        <a:alpha val="90000"/>
+      </a:schemeClr>
+    </dgm:fillClrLst>
+    <dgm:linClrLst>
+      <a:schemeClr val="accent1">
+        <a:shade val="80000"/>
+      </a:schemeClr>
+      <a:schemeClr val="accent1">
+        <a:tint val="70000"/>
+      </a:schemeClr>
+    </dgm:linClrLst>
+    <dgm:effectClrLst/>
+    <dgm:txLinClrLst/>
+    <dgm:txFillClrLst meth="repeat">
+      <a:schemeClr val="dk1"/>
+    </dgm:txFillClrLst>
+    <dgm:txEffectClrLst/>
+  </dgm:styleLbl>
+  <dgm:styleLbl name="conFgAcc1">
+    <dgm:fillClrLst meth="repeat">
+      <a:schemeClr val="lt1">
+        <a:alpha val="90000"/>
+      </a:schemeClr>
+    </dgm:fillClrLst>
+    <dgm:linClrLst>
+      <a:schemeClr val="accent1">
+        <a:shade val="80000"/>
+      </a:schemeClr>
+      <a:schemeClr val="accent1">
+        <a:tint val="70000"/>
+      </a:schemeClr>
+    </dgm:linClrLst>
+    <dgm:effectClrLst/>
+    <dgm:txLinClrLst/>
+    <dgm:txFillClrLst meth="repeat">
+      <a:schemeClr val="dk1"/>
+    </dgm:txFillClrLst>
+    <dgm:txEffectClrLst/>
+  </dgm:styleLbl>
+  <dgm:styleLbl name="alignAcc1">
+    <dgm:fillClrLst meth="repeat">
+      <a:schemeClr val="lt1">
+        <a:alpha val="90000"/>
+      </a:schemeClr>
+    </dgm:fillClrLst>
+    <dgm:linClrLst>
+      <a:schemeClr val="accent1">
+        <a:shade val="80000"/>
+      </a:schemeClr>
+      <a:schemeClr val="accent1">
+        <a:tint val="70000"/>
+      </a:schemeClr>
+    </dgm:linClrLst>
+    <dgm:effectClrLst/>
+    <dgm:txLinClrLst/>
+    <dgm:txFillClrLst meth="repeat">
+      <a:schemeClr val="dk1"/>
+    </dgm:txFillClrLst>
+    <dgm:txEffectClrLst/>
+  </dgm:styleLbl>
+  <dgm:styleLbl name="trAlignAcc1">
+    <dgm:fillClrLst meth="repeat">
+      <a:schemeClr val="lt1">
+        <a:alpha val="40000"/>
+      </a:schemeClr>
+    </dgm:fillClrLst>
+    <dgm:linClrLst meth="repeat">
+      <a:schemeClr val="accent1"/>
+    </dgm:linClrLst>
+    <dgm:effectClrLst/>
+    <dgm:txLinClrLst/>
+    <dgm:txFillClrLst meth="repeat">
+      <a:schemeClr val="dk1"/>
+    </dgm:txFillClrLst>
+    <dgm:txEffectClrLst/>
+  </dgm:styleLbl>
+  <dgm:styleLbl name="bgAcc1">
+    <dgm:fillClrLst meth="repeat">
+      <a:schemeClr val="lt1">
+        <a:alpha val="90000"/>
+      </a:schemeClr>
+    </dgm:fillClrLst>
+    <dgm:linClrLst>
+      <a:schemeClr val="accent1">
+        <a:shade val="80000"/>
+      </a:schemeClr>
+      <a:schemeClr val="accent1">
+        <a:tint val="70000"/>
+      </a:schemeClr>
+    </dgm:linClrLst>
+    <dgm:effectClrLst/>
+    <dgm:txLinClrLst/>
+    <dgm:txFillClrLst meth="repeat">
+      <a:schemeClr val="dk1"/>
+    </dgm:txFillClrLst>
+    <dgm:txEffectClrLst/>
+  </dgm:styleLbl>
+  <dgm:styleLbl name="solidFgAcc1">
+    <dgm:fillClrLst meth="repeat">
+      <a:schemeClr val="lt1"/>
+    </dgm:fillClrLst>
+    <dgm:linClrLst>
+      <a:schemeClr val="accent1">
+        <a:shade val="80000"/>
+      </a:schemeClr>
+      <a:schemeClr val="accent1">
+        <a:tint val="70000"/>
+      </a:schemeClr>
+    </dgm:linClrLst>
+    <dgm:effectClrLst/>
+    <dgm:txLinClrLst/>
+    <dgm:txFillClrLst meth="repeat">
+      <a:schemeClr val="dk1"/>
+    </dgm:txFillClrLst>
+    <dgm:txEffectClrLst/>
+  </dgm:styleLbl>
+  <dgm:styleLbl name="solidAlignAcc1">
+    <dgm:fillClrLst meth="repeat">
+      <a:schemeClr val="lt1"/>
+    </dgm:fillClrLst>
+    <dgm:linClrLst meth="repeat">
+      <a:schemeClr val="accent1"/>
+    </dgm:linClrLst>
+    <dgm:effectClrLst/>
+    <dgm:txLinClrLst/>
+    <dgm:txFillClrLst meth="repeat">
+      <a:schemeClr val="dk1"/>
+    </dgm:txFillClrLst>
+    <dgm:txEffectClrLst/>
+  </dgm:styleLbl>
+  <dgm:styleLbl name="solidBgAcc1">
+    <dgm:fillClrLst meth="repeat">
+      <a:schemeClr val="lt1"/>
+    </dgm:fillClrLst>
+    <dgm:linClrLst meth="repeat">
+      <a:schemeClr val="accent1"/>
+    </dgm:linClrLst>
+    <dgm:effectClrLst/>
+    <dgm:txLinClrLst/>
+    <dgm:txFillClrLst meth="repeat">
+      <a:schemeClr val="dk1"/>
+    </dgm:txFillClrLst>
+    <dgm:txEffectClrLst/>
+  </dgm:styleLbl>
+  <dgm:styleLbl name="fgAccFollowNode1">
+    <dgm:fillClrLst meth="repeat">
+      <a:schemeClr val="accent1">
+        <a:alpha val="90000"/>
+        <a:tint val="40000"/>
+      </a:schemeClr>
+    </dgm:fillClrLst>
+    <dgm:linClrLst meth="repeat">
+      <a:schemeClr val="accent1">
+        <a:alpha val="90000"/>
+        <a:tint val="40000"/>
+      </a:schemeClr>
+    </dgm:linClrLst>
+    <dgm:effectClrLst/>
+    <dgm:txLinClrLst/>
+    <dgm:txFillClrLst meth="repeat">
+      <a:schemeClr val="dk1"/>
+    </dgm:txFillClrLst>
+    <dgm:txEffectClrLst/>
+  </dgm:styleLbl>
+  <dgm:styleLbl name="alignAccFollowNode1">
+    <dgm:fillClrLst meth="repeat">
+      <a:schemeClr val="accent1">
+        <a:alpha val="90000"/>
+        <a:tint val="40000"/>
+      </a:schemeClr>
+    </dgm:fillClrLst>
+    <dgm:linClrLst meth="repeat">
+      <a:schemeClr val="accent1">
+        <a:alpha val="90000"/>
+        <a:tint val="40000"/>
+      </a:schemeClr>
+    </dgm:linClrLst>
+    <dgm:effectClrLst/>
+    <dgm:txLinClrLst/>
+    <dgm:txFillClrLst meth="repeat">
+      <a:schemeClr val="dk1"/>
+    </dgm:txFillClrLst>
+    <dgm:txEffectClrLst/>
+  </dgm:styleLbl>
+  <dgm:styleLbl name="bgAccFollowNode1">
+    <dgm:fillClrLst meth="repeat">
+      <a:schemeClr val="accent1">
+        <a:alpha val="90000"/>
+        <a:tint val="40000"/>
+      </a:schemeClr>
+    </dgm:fillClrLst>
+    <dgm:linClrLst meth="repeat">
+      <a:schemeClr val="lt1"/>
+    </dgm:linClrLst>
+    <dgm:effectClrLst/>
+    <dgm:txLinClrLst/>
+    <dgm:txFillClrLst meth="repeat">
+      <a:schemeClr val="dk1"/>
+    </dgm:txFillClrLst>
+    <dgm:txEffectClrLst/>
+  </dgm:styleLbl>
+  <dgm:styleLbl name="fgAcc0">
+    <dgm:fillClrLst meth="repeat">
+      <a:schemeClr val="lt1">
+        <a:alpha val="90000"/>
+      </a:schemeClr>
+    </dgm:fillClrLst>
+    <dgm:linClrLst meth="repeat">
+      <a:schemeClr val="accent1">
+        <a:shade val="80000"/>
+      </a:schemeClr>
+    </dgm:linClrLst>
+    <dgm:effectClrLst/>
+    <dgm:txLinClrLst/>
+    <dgm:txFillClrLst meth="repeat">
+      <a:schemeClr val="dk1"/>
+    </dgm:txFillClrLst>
+    <dgm:txEffectClrLst/>
+  </dgm:styleLbl>
+  <dgm:styleLbl name="fgAcc2">
+    <dgm:fillClrLst meth="repeat">
+      <a:schemeClr val="lt1">
+        <a:alpha val="90000"/>
+      </a:schemeClr>
+    </dgm:fillClrLst>
+    <dgm:linClrLst meth="repeat">
+      <a:schemeClr val="accent1">
+        <a:tint val="99000"/>
+      </a:schemeClr>
+    </dgm:linClrLst>
+    <dgm:effectClrLst/>
+    <dgm:txLinClrLst/>
+    <dgm:txFillClrLst meth="repeat">
+      <a:schemeClr val="dk1"/>
+    </dgm:txFillClrLst>
+    <dgm:txEffectClrLst/>
+  </dgm:styleLbl>
+  <dgm:styleLbl name="fgAcc3">
+    <dgm:fillClrLst meth="repeat">
+      <a:schemeClr val="lt1">
+        <a:alpha val="90000"/>
+      </a:schemeClr>
+    </dgm:fillClrLst>
+    <dgm:linClrLst meth="repeat">
+      <a:schemeClr val="accent1">
+        <a:tint val="80000"/>
+      </a:schemeClr>
+    </dgm:linClrLst>
+    <dgm:effectClrLst/>
+    <dgm:txLinClrLst/>
+    <dgm:txFillClrLst meth="repeat">
+      <a:schemeClr val="dk1"/>
+    </dgm:txFillClrLst>
+    <dgm:txEffectClrLst/>
+  </dgm:styleLbl>
+  <dgm:styleLbl name="fgAcc4">
+    <dgm:fillClrLst meth="repeat">
+      <a:schemeClr val="lt1">
+        <a:alpha val="90000"/>
+      </a:schemeClr>
+    </dgm:fillClrLst>
+    <dgm:linClrLst meth="repeat">
+      <a:schemeClr val="accent1">
+        <a:tint val="70000"/>
+      </a:schemeClr>
+    </dgm:linClrLst>
+    <dgm:effectClrLst/>
+    <dgm:txLinClrLst/>
+    <dgm:txFillClrLst meth="repeat">
+      <a:schemeClr val="dk1"/>
+    </dgm:txFillClrLst>
+    <dgm:txEffectClrLst/>
+  </dgm:styleLbl>
+  <dgm:styleLbl name="bgShp">
+    <dgm:fillClrLst meth="repeat">
+      <a:schemeClr val="accent1">
+        <a:tint val="40000"/>
+      </a:schemeClr>
+    </dgm:fillClrLst>
+    <dgm:linClrLst meth="repeat">
+      <a:schemeClr val="dk1"/>
+    </dgm:linClrLst>
+    <dgm:effectClrLst/>
+    <dgm:txLinClrLst/>
+    <dgm:txFillClrLst meth="repeat">
+      <a:schemeClr val="dk1"/>
+    </dgm:txFillClrLst>
+    <dgm:txEffectClrLst/>
+  </dgm:styleLbl>
+  <dgm:styleLbl name="dkBgShp">
+    <dgm:fillClrLst meth="repeat">
+      <a:schemeClr val="accent1">
+        <a:shade val="90000"/>
+      </a:schemeClr>
+    </dgm:fillClrLst>
+    <dgm:linClrLst meth="repeat">
+      <a:schemeClr val="dk1"/>
+    </dgm:linClrLst>
+    <dgm:effectClrLst/>
+    <dgm:txLinClrLst/>
+    <dgm:txFillClrLst meth="repeat">
+      <a:schemeClr val="lt1"/>
+    </dgm:txFillClrLst>
+    <dgm:txEffectClrLst/>
+  </dgm:styleLbl>
+  <dgm:styleLbl name="trBgShp">
+    <dgm:fillClrLst meth="repeat">
+      <a:schemeClr val="accent1">
+        <a:tint val="50000"/>
+        <a:alpha val="40000"/>
+      </a:schemeClr>
+    </dgm:fillClrLst>
+    <dgm:linClrLst meth="repeat">
+      <a:schemeClr val="accent1"/>
+    </dgm:linClrLst>
+    <dgm:effectClrLst/>
+    <dgm:txLinClrLst/>
+    <dgm:txFillClrLst meth="repeat">
+      <a:schemeClr val="lt1"/>
+    </dgm:txFillClrLst>
+    <dgm:txEffectClrLst/>
+  </dgm:styleLbl>
+  <dgm:styleLbl name="fgShp">
+    <dgm:fillClrLst meth="repeat">
+      <a:schemeClr val="accent1">
+        <a:tint val="40000"/>
+      </a:schemeClr>
+    </dgm:fillClrLst>
+    <dgm:linClrLst meth="repeat">
+      <a:schemeClr val="lt1"/>
+    </dgm:linClrLst>
+    <dgm:effectClrLst/>
+    <dgm:txLinClrLst/>
+    <dgm:txFillClrLst meth="repeat">
+      <a:schemeClr val="dk1"/>
+    </dgm:txFillClrLst>
+    <dgm:txEffectClrLst/>
+  </dgm:styleLbl>
+  <dgm:styleLbl name="revTx">
+    <dgm:fillClrLst meth="repeat">
+      <a:schemeClr val="lt1">
+        <a:alpha val="0"/>
+      </a:schemeClr>
+    </dgm:fillClrLst>
+    <dgm:linClrLst meth="repeat">
+      <a:schemeClr val="dk1">
+        <a:alpha val="0"/>
+      </a:schemeClr>
+    </dgm:linClrLst>
+    <dgm:effectClrLst/>
+    <dgm:txLinClrLst/>
+    <dgm:txFillClrLst meth="repeat">
+      <a:schemeClr val="tx1"/>
+    </dgm:txFillClrLst>
+    <dgm:txEffectClrLst/>
+  </dgm:styleLbl>
+</dgm:colorsDef>
+</file>
+
+<file path=ppt/diagrams/data1.xml><?xml version="1.0" encoding="utf-8"?>
+<dgm:dataModel xmlns:dgm="http://schemas.openxmlformats.org/drawingml/2006/diagram" xmlns:a="http://schemas.openxmlformats.org/drawingml/2006/main">
+  <dgm:ptLst>
+    <dgm:pt modelId="{11E34881-EC52-4CFF-8837-CE2A9E8151F1}" type="doc">
+      <dgm:prSet loTypeId="urn:microsoft.com/office/officeart/2005/8/layout/target3" loCatId="relationship" qsTypeId="urn:microsoft.com/office/officeart/2005/8/quickstyle/simple1" qsCatId="simple" csTypeId="urn:microsoft.com/office/officeart/2005/8/colors/accent1_3" csCatId="accent1" phldr="1"/>
+      <dgm:spPr/>
+      <dgm:t>
+        <a:bodyPr/>
+        <a:lstStyle/>
+        <a:p>
+          <a:endParaRPr lang="en-US"/>
+        </a:p>
+      </dgm:t>
+    </dgm:pt>
+    <dgm:pt modelId="{B31197C3-DEE9-4FF2-B3BE-4BF6767FCC44}">
+      <dgm:prSet phldrT="[Text]" custT="1"/>
+      <dgm:spPr>
+        <a:noFill/>
+      </dgm:spPr>
+      <dgm:t>
+        <a:bodyPr/>
+        <a:lstStyle/>
+        <a:p>
+          <a:r>
+            <a:rPr lang="en-US" sz="1800" b="0" dirty="0"/>
+            <a:t>Is anyone better off?</a:t>
+          </a:r>
+        </a:p>
+      </dgm:t>
+    </dgm:pt>
+    <dgm:pt modelId="{B159A212-D97C-46FF-AB20-CF5FD01CC22D}" type="parTrans" cxnId="{AE073E4B-3E8A-4137-BBF3-C576EFC738A8}">
+      <dgm:prSet/>
+      <dgm:spPr/>
+      <dgm:t>
+        <a:bodyPr/>
+        <a:lstStyle/>
+        <a:p>
+          <a:endParaRPr lang="en-US"/>
+        </a:p>
+      </dgm:t>
+    </dgm:pt>
+    <dgm:pt modelId="{63C21391-61D6-45A5-B56D-DD8EEE33DE11}" type="sibTrans" cxnId="{AE073E4B-3E8A-4137-BBF3-C576EFC738A8}">
+      <dgm:prSet/>
+      <dgm:spPr/>
+      <dgm:t>
+        <a:bodyPr/>
+        <a:lstStyle/>
+        <a:p>
+          <a:endParaRPr lang="en-US"/>
+        </a:p>
+      </dgm:t>
+    </dgm:pt>
+    <dgm:pt modelId="{76401613-3FC1-4D89-8105-992FD69927AD}">
+      <dgm:prSet phldrT="[Text]" custT="1"/>
+      <dgm:spPr/>
+      <dgm:t>
+        <a:bodyPr/>
+        <a:lstStyle/>
+        <a:p>
+          <a:pPr marL="0" indent="0">
+            <a:lnSpc>
+              <a:spcPct val="100000"/>
+            </a:lnSpc>
+            <a:spcAft>
+              <a:spcPts val="400"/>
+            </a:spcAft>
+            <a:buNone/>
+          </a:pPr>
+          <a:r>
+            <a:rPr lang="en-US" sz="1400" dirty="0"/>
+            <a:t>#/% skills/knowledge improvement</a:t>
+          </a:r>
+        </a:p>
+      </dgm:t>
+    </dgm:pt>
+    <dgm:pt modelId="{0A488853-1449-49CD-9722-7ADBB41F26F1}" type="parTrans" cxnId="{1A4ACAE6-2034-40FC-975A-D0F500C767AE}">
+      <dgm:prSet/>
+      <dgm:spPr/>
+      <dgm:t>
+        <a:bodyPr/>
+        <a:lstStyle/>
+        <a:p>
+          <a:endParaRPr lang="en-US"/>
+        </a:p>
+      </dgm:t>
+    </dgm:pt>
+    <dgm:pt modelId="{7E2367BB-2940-400F-AD08-70122C0B380B}" type="sibTrans" cxnId="{1A4ACAE6-2034-40FC-975A-D0F500C767AE}">
+      <dgm:prSet/>
+      <dgm:spPr/>
+      <dgm:t>
+        <a:bodyPr/>
+        <a:lstStyle/>
+        <a:p>
+          <a:endParaRPr lang="en-US"/>
+        </a:p>
+      </dgm:t>
+    </dgm:pt>
+    <dgm:pt modelId="{EC1CDB7E-2A58-4274-BAA7-654B92D3F26E}">
+      <dgm:prSet phldrT="[Text]" custT="1"/>
+      <dgm:spPr>
+        <a:noFill/>
+      </dgm:spPr>
+      <dgm:t>
+        <a:bodyPr/>
+        <a:lstStyle/>
+        <a:p>
+          <a:r>
+            <a:rPr lang="en-US" sz="1800" b="0" dirty="0"/>
+            <a:t>How well did we do it?</a:t>
+          </a:r>
+        </a:p>
+      </dgm:t>
+    </dgm:pt>
+    <dgm:pt modelId="{3033D32B-3B18-4F73-8A48-226B98B7F539}" type="parTrans" cxnId="{2E6F4DB0-3D27-4196-8F13-32D54265DE75}">
+      <dgm:prSet/>
+      <dgm:spPr/>
+      <dgm:t>
+        <a:bodyPr/>
+        <a:lstStyle/>
+        <a:p>
+          <a:endParaRPr lang="en-US"/>
+        </a:p>
+      </dgm:t>
+    </dgm:pt>
+    <dgm:pt modelId="{B8917862-7AC0-4A9C-9C54-16B07EB70A93}" type="sibTrans" cxnId="{2E6F4DB0-3D27-4196-8F13-32D54265DE75}">
+      <dgm:prSet/>
+      <dgm:spPr/>
+      <dgm:t>
+        <a:bodyPr/>
+        <a:lstStyle/>
+        <a:p>
+          <a:endParaRPr lang="en-US"/>
+        </a:p>
+      </dgm:t>
+    </dgm:pt>
+    <dgm:pt modelId="{B701F2A8-FDA6-4AF4-AC5D-60F7A3147C81}">
+      <dgm:prSet phldrT="[Text]" custT="1"/>
+      <dgm:spPr/>
+      <dgm:t>
+        <a:bodyPr/>
+        <a:lstStyle/>
+        <a:p>
+          <a:pPr marL="0" indent="0">
+            <a:lnSpc>
+              <a:spcPct val="100000"/>
+            </a:lnSpc>
+            <a:spcAft>
+              <a:spcPts val="400"/>
+            </a:spcAft>
+            <a:buNone/>
+          </a:pPr>
+          <a:r>
+            <a:rPr lang="en-US" sz="1400" dirty="0"/>
+            <a:t>% overall process measures           (e.g., % people trained, turnover)</a:t>
+          </a:r>
+        </a:p>
+      </dgm:t>
+    </dgm:pt>
+    <dgm:pt modelId="{C5B3B3CD-6813-475F-A663-B46882382D86}" type="parTrans" cxnId="{65BADE61-FBAF-4961-90E0-55D780FCEFF9}">
+      <dgm:prSet/>
+      <dgm:spPr/>
+      <dgm:t>
+        <a:bodyPr/>
+        <a:lstStyle/>
+        <a:p>
+          <a:endParaRPr lang="en-US"/>
+        </a:p>
+      </dgm:t>
+    </dgm:pt>
+    <dgm:pt modelId="{19773E79-275B-4A1E-9FD5-BB742BB29DCE}" type="sibTrans" cxnId="{65BADE61-FBAF-4961-90E0-55D780FCEFF9}">
+      <dgm:prSet/>
+      <dgm:spPr/>
+      <dgm:t>
+        <a:bodyPr/>
+        <a:lstStyle/>
+        <a:p>
+          <a:endParaRPr lang="en-US"/>
+        </a:p>
+      </dgm:t>
+    </dgm:pt>
+    <dgm:pt modelId="{2998C1EF-627C-4170-A300-371A30D4DCD4}">
+      <dgm:prSet phldrT="[Text]" custT="1"/>
+      <dgm:spPr/>
+      <dgm:t>
+        <a:bodyPr/>
+        <a:lstStyle/>
+        <a:p>
+          <a:pPr marL="0" indent="0">
+            <a:lnSpc>
+              <a:spcPct val="100000"/>
+            </a:lnSpc>
+            <a:spcAft>
+              <a:spcPts val="400"/>
+            </a:spcAft>
+            <a:buNone/>
+          </a:pPr>
+          <a:r>
+            <a:rPr lang="en-US" sz="1400" dirty="0"/>
+            <a:t>% activity-specific measures        (e.g., % completed activities, timely)</a:t>
+          </a:r>
+        </a:p>
+      </dgm:t>
+    </dgm:pt>
+    <dgm:pt modelId="{CD1A8D57-E731-4333-A157-34F835899671}" type="parTrans" cxnId="{8D04E91D-E24F-4FAE-B594-55007E53556E}">
+      <dgm:prSet/>
+      <dgm:spPr/>
+      <dgm:t>
+        <a:bodyPr/>
+        <a:lstStyle/>
+        <a:p>
+          <a:endParaRPr lang="en-US"/>
+        </a:p>
+      </dgm:t>
+    </dgm:pt>
+    <dgm:pt modelId="{0DBD9CAD-B322-4D0E-84A9-70CF465D1E15}" type="sibTrans" cxnId="{8D04E91D-E24F-4FAE-B594-55007E53556E}">
+      <dgm:prSet/>
+      <dgm:spPr/>
+      <dgm:t>
+        <a:bodyPr/>
+        <a:lstStyle/>
+        <a:p>
+          <a:endParaRPr lang="en-US"/>
+        </a:p>
+      </dgm:t>
+    </dgm:pt>
+    <dgm:pt modelId="{DE990FA3-105D-4D52-B9B2-A6F9F9502A72}">
+      <dgm:prSet phldrT="[Text]" custT="1"/>
+      <dgm:spPr>
+        <a:noFill/>
+      </dgm:spPr>
+      <dgm:t>
+        <a:bodyPr/>
+        <a:lstStyle/>
+        <a:p>
+          <a:r>
+            <a:rPr lang="en-US" sz="1800" b="0" dirty="0"/>
+            <a:t>How much did we do?</a:t>
+          </a:r>
+        </a:p>
+      </dgm:t>
+    </dgm:pt>
+    <dgm:pt modelId="{48E17DD3-F6ED-429E-B921-14A0CA841CA6}" type="parTrans" cxnId="{1AA4D3F3-EDEF-4429-9B3C-C18CA69C260A}">
+      <dgm:prSet/>
+      <dgm:spPr/>
+      <dgm:t>
+        <a:bodyPr/>
+        <a:lstStyle/>
+        <a:p>
+          <a:endParaRPr lang="en-US"/>
+        </a:p>
+      </dgm:t>
+    </dgm:pt>
+    <dgm:pt modelId="{A61FEE69-8764-4176-B70D-4E178C7B5E54}" type="sibTrans" cxnId="{1AA4D3F3-EDEF-4429-9B3C-C18CA69C260A}">
+      <dgm:prSet/>
+      <dgm:spPr/>
+      <dgm:t>
+        <a:bodyPr/>
+        <a:lstStyle/>
+        <a:p>
+          <a:endParaRPr lang="en-US"/>
+        </a:p>
+      </dgm:t>
+    </dgm:pt>
+    <dgm:pt modelId="{A495E990-E196-43DA-8F1F-559E7FF50D63}">
+      <dgm:prSet phldrT="[Text]" custT="1"/>
+      <dgm:spPr/>
+      <dgm:t>
+        <a:bodyPr/>
+        <a:lstStyle/>
+        <a:p>
+          <a:pPr marL="0" indent="0">
+            <a:lnSpc>
+              <a:spcPct val="100000"/>
+            </a:lnSpc>
+            <a:spcAft>
+              <a:spcPts val="400"/>
+            </a:spcAft>
+            <a:buNone/>
+          </a:pPr>
+          <a:r>
+            <a:rPr lang="en-US" sz="1400" dirty="0"/>
+            <a:t># people served</a:t>
+          </a:r>
+        </a:p>
+      </dgm:t>
+    </dgm:pt>
+    <dgm:pt modelId="{9DEE8451-54F5-4E1C-820A-AC73194E8D4A}" type="parTrans" cxnId="{C8D61D02-6EEF-40DD-A670-FF05265FE623}">
+      <dgm:prSet/>
+      <dgm:spPr/>
+      <dgm:t>
+        <a:bodyPr/>
+        <a:lstStyle/>
+        <a:p>
+          <a:endParaRPr lang="en-US"/>
+        </a:p>
+      </dgm:t>
+    </dgm:pt>
+    <dgm:pt modelId="{3C525205-35CD-4181-AAB4-2F09C57FFEC9}" type="sibTrans" cxnId="{C8D61D02-6EEF-40DD-A670-FF05265FE623}">
+      <dgm:prSet/>
+      <dgm:spPr/>
+      <dgm:t>
+        <a:bodyPr/>
+        <a:lstStyle/>
+        <a:p>
+          <a:endParaRPr lang="en-US"/>
+        </a:p>
+      </dgm:t>
+    </dgm:pt>
+    <dgm:pt modelId="{98044808-3FF1-4D50-80AE-8729AC01F3F6}">
+      <dgm:prSet custT="1"/>
+      <dgm:spPr/>
+      <dgm:t>
+        <a:bodyPr/>
+        <a:lstStyle/>
+        <a:p>
+          <a:pPr marL="0" indent="0">
+            <a:lnSpc>
+              <a:spcPct val="100000"/>
+            </a:lnSpc>
+            <a:spcAft>
+              <a:spcPts val="400"/>
+            </a:spcAft>
+            <a:buNone/>
+          </a:pPr>
+          <a:r>
+            <a:rPr lang="en-US" sz="1400" dirty="0"/>
+            <a:t># activities completed</a:t>
+          </a:r>
+        </a:p>
+      </dgm:t>
+    </dgm:pt>
+    <dgm:pt modelId="{1CB25235-A5A3-4EB8-B816-2FF585ECA2BC}" type="parTrans" cxnId="{DFC61C78-41FC-488C-B0E1-2EA9ED37A005}">
+      <dgm:prSet/>
+      <dgm:spPr/>
+      <dgm:t>
+        <a:bodyPr/>
+        <a:lstStyle/>
+        <a:p>
+          <a:endParaRPr lang="en-US"/>
+        </a:p>
+      </dgm:t>
+    </dgm:pt>
+    <dgm:pt modelId="{38A6F0B0-C868-4DE0-B016-095962DA86E1}" type="sibTrans" cxnId="{DFC61C78-41FC-488C-B0E1-2EA9ED37A005}">
+      <dgm:prSet/>
+      <dgm:spPr/>
+      <dgm:t>
+        <a:bodyPr/>
+        <a:lstStyle/>
+        <a:p>
+          <a:endParaRPr lang="en-US"/>
+        </a:p>
+      </dgm:t>
+    </dgm:pt>
+    <dgm:pt modelId="{DBD60F8E-A6C4-45D7-951C-039ABF758BC5}">
+      <dgm:prSet phldrT="[Text]" custT="1"/>
+      <dgm:spPr/>
+      <dgm:t>
+        <a:bodyPr/>
+        <a:lstStyle/>
+        <a:p>
+          <a:pPr marL="0" indent="0">
+            <a:lnSpc>
+              <a:spcPct val="100000"/>
+            </a:lnSpc>
+            <a:spcAft>
+              <a:spcPts val="400"/>
+            </a:spcAft>
+            <a:buNone/>
+          </a:pPr>
+          <a:r>
+            <a:rPr lang="en-US" sz="1400" dirty="0"/>
+            <a:t>#/% attitude/opinion shifts</a:t>
+          </a:r>
+        </a:p>
+      </dgm:t>
+    </dgm:pt>
+    <dgm:pt modelId="{3158AFA5-BE78-4670-A1F0-5687648339DA}" type="parTrans" cxnId="{383D0EAE-F20D-466B-9E25-388C2A2E7F5C}">
+      <dgm:prSet/>
+      <dgm:spPr/>
+      <dgm:t>
+        <a:bodyPr/>
+        <a:lstStyle/>
+        <a:p>
+          <a:endParaRPr lang="en-US"/>
+        </a:p>
+      </dgm:t>
+    </dgm:pt>
+    <dgm:pt modelId="{0BE432EE-0CDE-4C16-8F7C-F9CCF2708A81}" type="sibTrans" cxnId="{383D0EAE-F20D-466B-9E25-388C2A2E7F5C}">
+      <dgm:prSet/>
+      <dgm:spPr/>
+      <dgm:t>
+        <a:bodyPr/>
+        <a:lstStyle/>
+        <a:p>
+          <a:endParaRPr lang="en-US"/>
+        </a:p>
+      </dgm:t>
+    </dgm:pt>
+    <dgm:pt modelId="{FF3172B5-3472-4C2E-BE37-2BE722767AC1}">
+      <dgm:prSet phldrT="[Text]" custT="1"/>
+      <dgm:spPr/>
+      <dgm:t>
+        <a:bodyPr/>
+        <a:lstStyle/>
+        <a:p>
+          <a:pPr marL="0" indent="0">
+            <a:lnSpc>
+              <a:spcPct val="100000"/>
+            </a:lnSpc>
+            <a:spcAft>
+              <a:spcPts val="400"/>
+            </a:spcAft>
+            <a:buNone/>
+          </a:pPr>
+          <a:r>
+            <a:rPr lang="en-US" sz="1400" dirty="0"/>
+            <a:t>#/% behavior changes</a:t>
+          </a:r>
+        </a:p>
+      </dgm:t>
+    </dgm:pt>
+    <dgm:pt modelId="{45584DAF-D96F-48DE-9C43-DB39C600B21C}" type="parTrans" cxnId="{406014EB-72E8-478A-8B58-D644B8F6448F}">
+      <dgm:prSet/>
+      <dgm:spPr/>
+      <dgm:t>
+        <a:bodyPr/>
+        <a:lstStyle/>
+        <a:p>
+          <a:endParaRPr lang="en-US"/>
+        </a:p>
+      </dgm:t>
+    </dgm:pt>
+    <dgm:pt modelId="{8C568282-D183-4B3E-8CD9-49CCA9F0DBCA}" type="sibTrans" cxnId="{406014EB-72E8-478A-8B58-D644B8F6448F}">
+      <dgm:prSet/>
+      <dgm:spPr/>
+      <dgm:t>
+        <a:bodyPr/>
+        <a:lstStyle/>
+        <a:p>
+          <a:endParaRPr lang="en-US"/>
+        </a:p>
+      </dgm:t>
+    </dgm:pt>
+    <dgm:pt modelId="{6C164DF0-B14C-4F9B-8DB5-B596789B8F23}">
+      <dgm:prSet phldrT="[Text]" custT="1"/>
+      <dgm:spPr/>
+      <dgm:t>
+        <a:bodyPr/>
+        <a:lstStyle/>
+        <a:p>
+          <a:pPr marL="0" indent="0">
+            <a:lnSpc>
+              <a:spcPct val="100000"/>
+            </a:lnSpc>
+            <a:spcAft>
+              <a:spcPts val="400"/>
+            </a:spcAft>
+            <a:buNone/>
+          </a:pPr>
+          <a:r>
+            <a:rPr lang="en-US" sz="1400" dirty="0"/>
+            <a:t>#/% circumstance improvements</a:t>
+          </a:r>
+        </a:p>
+      </dgm:t>
+    </dgm:pt>
+    <dgm:pt modelId="{3FB80CAB-BCA3-4C9D-89AB-E226567875EF}" type="parTrans" cxnId="{4660214C-B8A5-43CF-8645-80933BDADEF9}">
+      <dgm:prSet/>
+      <dgm:spPr/>
+      <dgm:t>
+        <a:bodyPr/>
+        <a:lstStyle/>
+        <a:p>
+          <a:endParaRPr lang="en-US"/>
+        </a:p>
+      </dgm:t>
+    </dgm:pt>
+    <dgm:pt modelId="{5EF7A64C-8BD1-4720-B5BB-9630B6A27B4C}" type="sibTrans" cxnId="{4660214C-B8A5-43CF-8645-80933BDADEF9}">
+      <dgm:prSet/>
+      <dgm:spPr/>
+      <dgm:t>
+        <a:bodyPr/>
+        <a:lstStyle/>
+        <a:p>
+          <a:endParaRPr lang="en-US"/>
+        </a:p>
+      </dgm:t>
+    </dgm:pt>
+    <dgm:pt modelId="{8484283F-A54B-47D8-A108-0332C0D2515B}">
+      <dgm:prSet phldrT="[Text]" custT="1"/>
+      <dgm:spPr/>
+      <dgm:t>
+        <a:bodyPr/>
+        <a:lstStyle/>
+        <a:p>
+          <a:pPr marL="0" indent="0">
+            <a:lnSpc>
+              <a:spcPct val="100000"/>
+            </a:lnSpc>
+            <a:spcAft>
+              <a:spcPts val="400"/>
+            </a:spcAft>
+            <a:buNone/>
+          </a:pPr>
+          <a:r>
+            <a:rPr lang="en-US" sz="1400" dirty="0"/>
+            <a:t>#/%  cultural relevance</a:t>
+          </a:r>
+        </a:p>
+      </dgm:t>
+    </dgm:pt>
+    <dgm:pt modelId="{283660D4-9FB4-4654-A38A-04A1CE410809}" type="parTrans" cxnId="{25FE3258-FBA3-4F06-87CF-B4F28CC2B282}">
+      <dgm:prSet/>
+      <dgm:spPr/>
+      <dgm:t>
+        <a:bodyPr/>
+        <a:lstStyle/>
+        <a:p>
+          <a:endParaRPr lang="en-US"/>
+        </a:p>
+      </dgm:t>
+    </dgm:pt>
+    <dgm:pt modelId="{615559B4-7F8D-409A-8301-2EF531C0998E}" type="sibTrans" cxnId="{25FE3258-FBA3-4F06-87CF-B4F28CC2B282}">
+      <dgm:prSet/>
+      <dgm:spPr/>
+      <dgm:t>
+        <a:bodyPr/>
+        <a:lstStyle/>
+        <a:p>
+          <a:endParaRPr lang="en-US"/>
+        </a:p>
+      </dgm:t>
+    </dgm:pt>
+    <dgm:pt modelId="{65AB166B-7139-4C13-AB75-ECC1D99DBA7E}">
+      <dgm:prSet phldrT="[Text]" custT="1"/>
+      <dgm:spPr/>
+      <dgm:t>
+        <a:bodyPr/>
+        <a:lstStyle/>
+        <a:p>
+          <a:pPr marL="0" indent="0">
+            <a:lnSpc>
+              <a:spcPct val="100000"/>
+            </a:lnSpc>
+            <a:spcAft>
+              <a:spcPts val="400"/>
+            </a:spcAft>
+            <a:buNone/>
+          </a:pPr>
+          <a:r>
+            <a:rPr lang="en-US" sz="1400" dirty="0"/>
+            <a:t>#/%  language access</a:t>
+          </a:r>
+        </a:p>
+      </dgm:t>
+    </dgm:pt>
+    <dgm:pt modelId="{4B8A81EA-9161-46C5-B18A-748E09A13978}" type="parTrans" cxnId="{A5595E86-75CD-42AB-9350-903F5C77BBB5}">
+      <dgm:prSet/>
+      <dgm:spPr/>
+      <dgm:t>
+        <a:bodyPr/>
+        <a:lstStyle/>
+        <a:p>
+          <a:endParaRPr lang="en-US"/>
+        </a:p>
+      </dgm:t>
+    </dgm:pt>
+    <dgm:pt modelId="{3AF32059-737F-4001-B1F5-73DD05537DBD}" type="sibTrans" cxnId="{A5595E86-75CD-42AB-9350-903F5C77BBB5}">
+      <dgm:prSet/>
+      <dgm:spPr/>
+      <dgm:t>
+        <a:bodyPr/>
+        <a:lstStyle/>
+        <a:p>
+          <a:endParaRPr lang="en-US"/>
+        </a:p>
+      </dgm:t>
+    </dgm:pt>
+    <dgm:pt modelId="{EF332800-3EF1-4723-9643-FAE8040A6913}">
+      <dgm:prSet phldrT="[Text]" custT="1"/>
+      <dgm:spPr/>
+      <dgm:t>
+        <a:bodyPr/>
+        <a:lstStyle/>
+        <a:p>
+          <a:pPr marL="0" indent="0">
+            <a:lnSpc>
+              <a:spcPct val="100000"/>
+            </a:lnSpc>
+            <a:spcAft>
+              <a:spcPts val="400"/>
+            </a:spcAft>
+            <a:buNone/>
+          </a:pPr>
+          <a:r>
+            <a:rPr lang="en-US" sz="1400" dirty="0"/>
+            <a:t>#/%  participation and engagement</a:t>
+          </a:r>
+        </a:p>
+      </dgm:t>
+    </dgm:pt>
+    <dgm:pt modelId="{3BB89E4E-4522-43D3-80E5-B56D4CEEC53C}" type="parTrans" cxnId="{B58E9A8A-8146-4388-819D-7432B696FA0B}">
+      <dgm:prSet/>
+      <dgm:spPr/>
+      <dgm:t>
+        <a:bodyPr/>
+        <a:lstStyle/>
+        <a:p>
+          <a:endParaRPr lang="en-US"/>
+        </a:p>
+      </dgm:t>
+    </dgm:pt>
+    <dgm:pt modelId="{FB2EBDC0-B07B-49FF-BEF2-3754401CE83F}" type="sibTrans" cxnId="{B58E9A8A-8146-4388-819D-7432B696FA0B}">
+      <dgm:prSet/>
+      <dgm:spPr/>
+      <dgm:t>
+        <a:bodyPr/>
+        <a:lstStyle/>
+        <a:p>
+          <a:endParaRPr lang="en-US"/>
+        </a:p>
+      </dgm:t>
+    </dgm:pt>
+    <dgm:pt modelId="{3D6EDDCB-5C53-4B11-BF2C-422973A56FF8}">
+      <dgm:prSet phldrT="[Text]" custT="1"/>
+      <dgm:spPr>
+        <a:noFill/>
+      </dgm:spPr>
+      <dgm:t>
+        <a:bodyPr/>
+        <a:lstStyle/>
+        <a:p>
+          <a:pPr defTabSz="914400">
+            <a:tabLst/>
+          </a:pPr>
+          <a:r>
+            <a:rPr lang="en-US" sz="1800" b="0" dirty="0"/>
+            <a:t>What is the quality of the action?</a:t>
+          </a:r>
+        </a:p>
+      </dgm:t>
+    </dgm:pt>
+    <dgm:pt modelId="{82B0A1F0-07C1-4DA1-A6E4-00B4B828421D}" type="sibTrans" cxnId="{D163F165-BEDF-4132-AC06-576C247F133D}">
+      <dgm:prSet/>
+      <dgm:spPr/>
+      <dgm:t>
+        <a:bodyPr/>
+        <a:lstStyle/>
+        <a:p>
+          <a:endParaRPr lang="en-US"/>
+        </a:p>
+      </dgm:t>
+    </dgm:pt>
+    <dgm:pt modelId="{231DFDAA-EEAD-4A2B-8B54-1E2E430D5EDF}" type="parTrans" cxnId="{D163F165-BEDF-4132-AC06-576C247F133D}">
+      <dgm:prSet/>
+      <dgm:spPr/>
+      <dgm:t>
+        <a:bodyPr/>
+        <a:lstStyle/>
+        <a:p>
+          <a:endParaRPr lang="en-US"/>
+        </a:p>
+      </dgm:t>
+    </dgm:pt>
+    <dgm:pt modelId="{1DFC992C-A9D3-4975-95E4-EDAD1C9704A6}" type="pres">
+      <dgm:prSet presAssocID="{11E34881-EC52-4CFF-8837-CE2A9E8151F1}" presName="Name0" presStyleCnt="0">
+        <dgm:presLayoutVars>
+          <dgm:chMax val="7"/>
+          <dgm:dir/>
+          <dgm:animLvl val="lvl"/>
+          <dgm:resizeHandles val="exact"/>
+        </dgm:presLayoutVars>
+      </dgm:prSet>
+      <dgm:spPr/>
+    </dgm:pt>
+    <dgm:pt modelId="{31B5D5E2-9A4D-4BB6-A939-79E545679B5F}" type="pres">
+      <dgm:prSet presAssocID="{3D6EDDCB-5C53-4B11-BF2C-422973A56FF8}" presName="circle1" presStyleLbl="node1" presStyleIdx="0" presStyleCnt="4"/>
+      <dgm:spPr/>
+    </dgm:pt>
+    <dgm:pt modelId="{73C0D09D-024B-48FD-8F1D-D646A41D71D1}" type="pres">
+      <dgm:prSet presAssocID="{3D6EDDCB-5C53-4B11-BF2C-422973A56FF8}" presName="space" presStyleCnt="0"/>
+      <dgm:spPr/>
+    </dgm:pt>
+    <dgm:pt modelId="{5C83821B-2477-4517-AE31-7E3D96D53673}" type="pres">
+      <dgm:prSet presAssocID="{3D6EDDCB-5C53-4B11-BF2C-422973A56FF8}" presName="rect1" presStyleLbl="alignAcc1" presStyleIdx="0" presStyleCnt="4" custScaleX="100000" custLinFactNeighborX="0" custLinFactNeighborY="-596"/>
+      <dgm:spPr/>
+    </dgm:pt>
+    <dgm:pt modelId="{454D949B-3657-49A2-B490-F833C574FFE7}" type="pres">
+      <dgm:prSet presAssocID="{B31197C3-DEE9-4FF2-B3BE-4BF6767FCC44}" presName="vertSpace2" presStyleLbl="node1" presStyleIdx="0" presStyleCnt="4"/>
+      <dgm:spPr/>
+    </dgm:pt>
+    <dgm:pt modelId="{640CB6B2-B79C-418B-B148-2EFE31B2B784}" type="pres">
+      <dgm:prSet presAssocID="{B31197C3-DEE9-4FF2-B3BE-4BF6767FCC44}" presName="circle2" presStyleLbl="node1" presStyleIdx="1" presStyleCnt="4"/>
+      <dgm:spPr/>
+    </dgm:pt>
+    <dgm:pt modelId="{72300EB8-0D0F-4EB5-A72C-CFB6ADE2AC47}" type="pres">
+      <dgm:prSet presAssocID="{B31197C3-DEE9-4FF2-B3BE-4BF6767FCC44}" presName="rect2" presStyleLbl="alignAcc1" presStyleIdx="1" presStyleCnt="4"/>
+      <dgm:spPr/>
+    </dgm:pt>
+    <dgm:pt modelId="{99FFDC0D-0D6F-4F12-B109-4A8A3B7A4F4E}" type="pres">
+      <dgm:prSet presAssocID="{EC1CDB7E-2A58-4274-BAA7-654B92D3F26E}" presName="vertSpace3" presStyleLbl="node1" presStyleIdx="1" presStyleCnt="4"/>
+      <dgm:spPr/>
+    </dgm:pt>
+    <dgm:pt modelId="{1987E860-0940-493A-B043-E5DEA96D79CF}" type="pres">
+      <dgm:prSet presAssocID="{EC1CDB7E-2A58-4274-BAA7-654B92D3F26E}" presName="circle3" presStyleLbl="node1" presStyleIdx="2" presStyleCnt="4"/>
+      <dgm:spPr/>
+    </dgm:pt>
+    <dgm:pt modelId="{559EF32D-5E0D-413C-9CB4-D81CF4B72B4B}" type="pres">
+      <dgm:prSet presAssocID="{EC1CDB7E-2A58-4274-BAA7-654B92D3F26E}" presName="rect3" presStyleLbl="alignAcc1" presStyleIdx="2" presStyleCnt="4"/>
+      <dgm:spPr/>
+    </dgm:pt>
+    <dgm:pt modelId="{EB38DE29-867E-4E41-BDB1-4B46FC99B8EA}" type="pres">
+      <dgm:prSet presAssocID="{DE990FA3-105D-4D52-B9B2-A6F9F9502A72}" presName="vertSpace4" presStyleLbl="node1" presStyleIdx="2" presStyleCnt="4"/>
+      <dgm:spPr/>
+    </dgm:pt>
+    <dgm:pt modelId="{F9EA0064-7B90-419C-826C-9FD660515DD8}" type="pres">
+      <dgm:prSet presAssocID="{DE990FA3-105D-4D52-B9B2-A6F9F9502A72}" presName="circle4" presStyleLbl="node1" presStyleIdx="3" presStyleCnt="4"/>
+      <dgm:spPr/>
+    </dgm:pt>
+    <dgm:pt modelId="{91E8967C-5ABD-47B4-8E81-2515D883DA8B}" type="pres">
+      <dgm:prSet presAssocID="{DE990FA3-105D-4D52-B9B2-A6F9F9502A72}" presName="rect4" presStyleLbl="alignAcc1" presStyleIdx="3" presStyleCnt="4"/>
+      <dgm:spPr/>
+    </dgm:pt>
+    <dgm:pt modelId="{C9110478-99BC-4E8C-BD86-65EAB071986E}" type="pres">
+      <dgm:prSet presAssocID="{3D6EDDCB-5C53-4B11-BF2C-422973A56FF8}" presName="rect1ParTx" presStyleLbl="alignAcc1" presStyleIdx="3" presStyleCnt="4">
+        <dgm:presLayoutVars>
+          <dgm:chMax val="1"/>
+          <dgm:bulletEnabled val="1"/>
+        </dgm:presLayoutVars>
+      </dgm:prSet>
+      <dgm:spPr/>
+    </dgm:pt>
+    <dgm:pt modelId="{4E8AC991-ED7F-4410-8C3D-688793C5E959}" type="pres">
+      <dgm:prSet presAssocID="{3D6EDDCB-5C53-4B11-BF2C-422973A56FF8}" presName="rect1ChTx" presStyleLbl="alignAcc1" presStyleIdx="3" presStyleCnt="4">
+        <dgm:presLayoutVars>
+          <dgm:bulletEnabled val="1"/>
+        </dgm:presLayoutVars>
+      </dgm:prSet>
+      <dgm:spPr/>
+    </dgm:pt>
+    <dgm:pt modelId="{00865DBD-B125-4518-B323-50421219BA85}" type="pres">
+      <dgm:prSet presAssocID="{B31197C3-DEE9-4FF2-B3BE-4BF6767FCC44}" presName="rect2ParTx" presStyleLbl="alignAcc1" presStyleIdx="3" presStyleCnt="4">
+        <dgm:presLayoutVars>
+          <dgm:chMax val="1"/>
+          <dgm:bulletEnabled val="1"/>
+        </dgm:presLayoutVars>
+      </dgm:prSet>
+      <dgm:spPr/>
+    </dgm:pt>
+    <dgm:pt modelId="{5FBC8078-71A9-43F0-B923-E8C698FB7BF6}" type="pres">
+      <dgm:prSet presAssocID="{B31197C3-DEE9-4FF2-B3BE-4BF6767FCC44}" presName="rect2ChTx" presStyleLbl="alignAcc1" presStyleIdx="3" presStyleCnt="4">
+        <dgm:presLayoutVars>
+          <dgm:bulletEnabled val="1"/>
+        </dgm:presLayoutVars>
+      </dgm:prSet>
+      <dgm:spPr/>
+    </dgm:pt>
+    <dgm:pt modelId="{F76AB1B8-372F-455E-A4EE-C7558DCAA2EA}" type="pres">
+      <dgm:prSet presAssocID="{EC1CDB7E-2A58-4274-BAA7-654B92D3F26E}" presName="rect3ParTx" presStyleLbl="alignAcc1" presStyleIdx="3" presStyleCnt="4">
+        <dgm:presLayoutVars>
+          <dgm:chMax val="1"/>
+          <dgm:bulletEnabled val="1"/>
+        </dgm:presLayoutVars>
+      </dgm:prSet>
+      <dgm:spPr/>
+    </dgm:pt>
+    <dgm:pt modelId="{E56CAE11-1C0D-472A-B975-7AC61F86125B}" type="pres">
+      <dgm:prSet presAssocID="{EC1CDB7E-2A58-4274-BAA7-654B92D3F26E}" presName="rect3ChTx" presStyleLbl="alignAcc1" presStyleIdx="3" presStyleCnt="4">
+        <dgm:presLayoutVars>
+          <dgm:bulletEnabled val="1"/>
+        </dgm:presLayoutVars>
+      </dgm:prSet>
+      <dgm:spPr/>
+    </dgm:pt>
+    <dgm:pt modelId="{D029F93F-1408-4614-ABBF-01DC7E1850BD}" type="pres">
+      <dgm:prSet presAssocID="{DE990FA3-105D-4D52-B9B2-A6F9F9502A72}" presName="rect4ParTx" presStyleLbl="alignAcc1" presStyleIdx="3" presStyleCnt="4">
+        <dgm:presLayoutVars>
+          <dgm:chMax val="1"/>
+          <dgm:bulletEnabled val="1"/>
+        </dgm:presLayoutVars>
+      </dgm:prSet>
+      <dgm:spPr/>
+    </dgm:pt>
+    <dgm:pt modelId="{D16ACF8A-D871-4209-80C5-BCDEBEF3BB54}" type="pres">
+      <dgm:prSet presAssocID="{DE990FA3-105D-4D52-B9B2-A6F9F9502A72}" presName="rect4ChTx" presStyleLbl="alignAcc1" presStyleIdx="3" presStyleCnt="4">
+        <dgm:presLayoutVars>
+          <dgm:bulletEnabled val="1"/>
+        </dgm:presLayoutVars>
+      </dgm:prSet>
+      <dgm:spPr/>
+    </dgm:pt>
+  </dgm:ptLst>
+  <dgm:cxnLst>
+    <dgm:cxn modelId="{8703F301-68AE-4D7F-889F-0697866072DC}" type="presOf" srcId="{65AB166B-7139-4C13-AB75-ECC1D99DBA7E}" destId="{4E8AC991-ED7F-4410-8C3D-688793C5E959}" srcOrd="0" destOrd="1" presId="urn:microsoft.com/office/officeart/2005/8/layout/target3"/>
+    <dgm:cxn modelId="{C8D61D02-6EEF-40DD-A670-FF05265FE623}" srcId="{DE990FA3-105D-4D52-B9B2-A6F9F9502A72}" destId="{A495E990-E196-43DA-8F1F-559E7FF50D63}" srcOrd="0" destOrd="0" parTransId="{9DEE8451-54F5-4E1C-820A-AC73194E8D4A}" sibTransId="{3C525205-35CD-4181-AAB4-2F09C57FFEC9}"/>
+    <dgm:cxn modelId="{3FE5A40A-3A65-4DDF-A083-F4D208AEC2AC}" type="presOf" srcId="{DBD60F8E-A6C4-45D7-951C-039ABF758BC5}" destId="{5FBC8078-71A9-43F0-B923-E8C698FB7BF6}" srcOrd="0" destOrd="1" presId="urn:microsoft.com/office/officeart/2005/8/layout/target3"/>
+    <dgm:cxn modelId="{4FEDF815-E72A-4BEF-AE54-4C52C37A8AC6}" type="presOf" srcId="{A495E990-E196-43DA-8F1F-559E7FF50D63}" destId="{D16ACF8A-D871-4209-80C5-BCDEBEF3BB54}" srcOrd="0" destOrd="0" presId="urn:microsoft.com/office/officeart/2005/8/layout/target3"/>
+    <dgm:cxn modelId="{8D04E91D-E24F-4FAE-B594-55007E53556E}" srcId="{EC1CDB7E-2A58-4274-BAA7-654B92D3F26E}" destId="{2998C1EF-627C-4170-A300-371A30D4DCD4}" srcOrd="1" destOrd="0" parTransId="{CD1A8D57-E731-4333-A157-34F835899671}" sibTransId="{0DBD9CAD-B322-4D0E-84A9-70CF465D1E15}"/>
+    <dgm:cxn modelId="{86BA2E60-12C9-4503-8A6D-DADE449B6D88}" type="presOf" srcId="{FF3172B5-3472-4C2E-BE37-2BE722767AC1}" destId="{5FBC8078-71A9-43F0-B923-E8C698FB7BF6}" srcOrd="0" destOrd="2" presId="urn:microsoft.com/office/officeart/2005/8/layout/target3"/>
+    <dgm:cxn modelId="{65BADE61-FBAF-4961-90E0-55D780FCEFF9}" srcId="{EC1CDB7E-2A58-4274-BAA7-654B92D3F26E}" destId="{B701F2A8-FDA6-4AF4-AC5D-60F7A3147C81}" srcOrd="0" destOrd="0" parTransId="{C5B3B3CD-6813-475F-A663-B46882382D86}" sibTransId="{19773E79-275B-4A1E-9FD5-BB742BB29DCE}"/>
+    <dgm:cxn modelId="{C1120D42-27BA-427E-946C-5385B9C0DF21}" type="presOf" srcId="{98044808-3FF1-4D50-80AE-8729AC01F3F6}" destId="{D16ACF8A-D871-4209-80C5-BCDEBEF3BB54}" srcOrd="0" destOrd="1" presId="urn:microsoft.com/office/officeart/2005/8/layout/target3"/>
+    <dgm:cxn modelId="{D163F165-BEDF-4132-AC06-576C247F133D}" srcId="{11E34881-EC52-4CFF-8837-CE2A9E8151F1}" destId="{3D6EDDCB-5C53-4B11-BF2C-422973A56FF8}" srcOrd="0" destOrd="0" parTransId="{231DFDAA-EEAD-4A2B-8B54-1E2E430D5EDF}" sibTransId="{82B0A1F0-07C1-4DA1-A6E4-00B4B828421D}"/>
+    <dgm:cxn modelId="{AE073E4B-3E8A-4137-BBF3-C576EFC738A8}" srcId="{11E34881-EC52-4CFF-8837-CE2A9E8151F1}" destId="{B31197C3-DEE9-4FF2-B3BE-4BF6767FCC44}" srcOrd="1" destOrd="0" parTransId="{B159A212-D97C-46FF-AB20-CF5FD01CC22D}" sibTransId="{63C21391-61D6-45A5-B56D-DD8EEE33DE11}"/>
+    <dgm:cxn modelId="{0659864B-D01A-4043-9FC7-00A7D4C1E201}" type="presOf" srcId="{EC1CDB7E-2A58-4274-BAA7-654B92D3F26E}" destId="{559EF32D-5E0D-413C-9CB4-D81CF4B72B4B}" srcOrd="0" destOrd="0" presId="urn:microsoft.com/office/officeart/2005/8/layout/target3"/>
+    <dgm:cxn modelId="{4660214C-B8A5-43CF-8645-80933BDADEF9}" srcId="{B31197C3-DEE9-4FF2-B3BE-4BF6767FCC44}" destId="{6C164DF0-B14C-4F9B-8DB5-B596789B8F23}" srcOrd="3" destOrd="0" parTransId="{3FB80CAB-BCA3-4C9D-89AB-E226567875EF}" sibTransId="{5EF7A64C-8BD1-4720-B5BB-9630B6A27B4C}"/>
+    <dgm:cxn modelId="{DFC61C78-41FC-488C-B0E1-2EA9ED37A005}" srcId="{DE990FA3-105D-4D52-B9B2-A6F9F9502A72}" destId="{98044808-3FF1-4D50-80AE-8729AC01F3F6}" srcOrd="1" destOrd="0" parTransId="{1CB25235-A5A3-4EB8-B816-2FF585ECA2BC}" sibTransId="{38A6F0B0-C868-4DE0-B016-095962DA86E1}"/>
+    <dgm:cxn modelId="{25FE3258-FBA3-4F06-87CF-B4F28CC2B282}" srcId="{3D6EDDCB-5C53-4B11-BF2C-422973A56FF8}" destId="{8484283F-A54B-47D8-A108-0332C0D2515B}" srcOrd="0" destOrd="0" parTransId="{283660D4-9FB4-4654-A38A-04A1CE410809}" sibTransId="{615559B4-7F8D-409A-8301-2EF531C0998E}"/>
+    <dgm:cxn modelId="{6417AF7D-BFE9-4D00-BAEA-1C841EC0F8E6}" type="presOf" srcId="{11E34881-EC52-4CFF-8837-CE2A9E8151F1}" destId="{1DFC992C-A9D3-4975-95E4-EDAD1C9704A6}" srcOrd="0" destOrd="0" presId="urn:microsoft.com/office/officeart/2005/8/layout/target3"/>
+    <dgm:cxn modelId="{A5595E86-75CD-42AB-9350-903F5C77BBB5}" srcId="{3D6EDDCB-5C53-4B11-BF2C-422973A56FF8}" destId="{65AB166B-7139-4C13-AB75-ECC1D99DBA7E}" srcOrd="1" destOrd="0" parTransId="{4B8A81EA-9161-46C5-B18A-748E09A13978}" sibTransId="{3AF32059-737F-4001-B1F5-73DD05537DBD}"/>
+    <dgm:cxn modelId="{B58E9A8A-8146-4388-819D-7432B696FA0B}" srcId="{3D6EDDCB-5C53-4B11-BF2C-422973A56FF8}" destId="{EF332800-3EF1-4723-9643-FAE8040A6913}" srcOrd="2" destOrd="0" parTransId="{3BB89E4E-4522-43D3-80E5-B56D4CEEC53C}" sibTransId="{FB2EBDC0-B07B-49FF-BEF2-3754401CE83F}"/>
+    <dgm:cxn modelId="{7F0AD68C-A3DA-4E9E-AB89-E8D84E0F8652}" type="presOf" srcId="{B31197C3-DEE9-4FF2-B3BE-4BF6767FCC44}" destId="{72300EB8-0D0F-4EB5-A72C-CFB6ADE2AC47}" srcOrd="0" destOrd="0" presId="urn:microsoft.com/office/officeart/2005/8/layout/target3"/>
+    <dgm:cxn modelId="{CAFCB890-DBB2-496E-9741-E1BFE63A4646}" type="presOf" srcId="{EF332800-3EF1-4723-9643-FAE8040A6913}" destId="{4E8AC991-ED7F-4410-8C3D-688793C5E959}" srcOrd="0" destOrd="2" presId="urn:microsoft.com/office/officeart/2005/8/layout/target3"/>
+    <dgm:cxn modelId="{383D0EAE-F20D-466B-9E25-388C2A2E7F5C}" srcId="{B31197C3-DEE9-4FF2-B3BE-4BF6767FCC44}" destId="{DBD60F8E-A6C4-45D7-951C-039ABF758BC5}" srcOrd="1" destOrd="0" parTransId="{3158AFA5-BE78-4670-A1F0-5687648339DA}" sibTransId="{0BE432EE-0CDE-4C16-8F7C-F9CCF2708A81}"/>
+    <dgm:cxn modelId="{B0CA11B0-E4A3-4632-A7D7-2DBF1E7399FB}" type="presOf" srcId="{EC1CDB7E-2A58-4274-BAA7-654B92D3F26E}" destId="{F76AB1B8-372F-455E-A4EE-C7558DCAA2EA}" srcOrd="1" destOrd="0" presId="urn:microsoft.com/office/officeart/2005/8/layout/target3"/>
+    <dgm:cxn modelId="{2E6F4DB0-3D27-4196-8F13-32D54265DE75}" srcId="{11E34881-EC52-4CFF-8837-CE2A9E8151F1}" destId="{EC1CDB7E-2A58-4274-BAA7-654B92D3F26E}" srcOrd="2" destOrd="0" parTransId="{3033D32B-3B18-4F73-8A48-226B98B7F539}" sibTransId="{B8917862-7AC0-4A9C-9C54-16B07EB70A93}"/>
+    <dgm:cxn modelId="{36940CB4-2306-4D90-8C85-1B7BB495C098}" type="presOf" srcId="{DE990FA3-105D-4D52-B9B2-A6F9F9502A72}" destId="{91E8967C-5ABD-47B4-8E81-2515D883DA8B}" srcOrd="0" destOrd="0" presId="urn:microsoft.com/office/officeart/2005/8/layout/target3"/>
+    <dgm:cxn modelId="{A666ACB9-67BB-4264-9E57-198C05D61FF0}" type="presOf" srcId="{6C164DF0-B14C-4F9B-8DB5-B596789B8F23}" destId="{5FBC8078-71A9-43F0-B923-E8C698FB7BF6}" srcOrd="0" destOrd="3" presId="urn:microsoft.com/office/officeart/2005/8/layout/target3"/>
+    <dgm:cxn modelId="{6FF14DCD-0F41-4B1D-BD8D-EF960D294CFA}" type="presOf" srcId="{B701F2A8-FDA6-4AF4-AC5D-60F7A3147C81}" destId="{E56CAE11-1C0D-472A-B975-7AC61F86125B}" srcOrd="0" destOrd="0" presId="urn:microsoft.com/office/officeart/2005/8/layout/target3"/>
+    <dgm:cxn modelId="{1A4ACAE6-2034-40FC-975A-D0F500C767AE}" srcId="{B31197C3-DEE9-4FF2-B3BE-4BF6767FCC44}" destId="{76401613-3FC1-4D89-8105-992FD69927AD}" srcOrd="0" destOrd="0" parTransId="{0A488853-1449-49CD-9722-7ADBB41F26F1}" sibTransId="{7E2367BB-2940-400F-AD08-70122C0B380B}"/>
+    <dgm:cxn modelId="{5770B9E9-1C5A-4361-A6CB-9087AFA3CF60}" type="presOf" srcId="{8484283F-A54B-47D8-A108-0332C0D2515B}" destId="{4E8AC991-ED7F-4410-8C3D-688793C5E959}" srcOrd="0" destOrd="0" presId="urn:microsoft.com/office/officeart/2005/8/layout/target3"/>
+    <dgm:cxn modelId="{406014EB-72E8-478A-8B58-D644B8F6448F}" srcId="{B31197C3-DEE9-4FF2-B3BE-4BF6767FCC44}" destId="{FF3172B5-3472-4C2E-BE37-2BE722767AC1}" srcOrd="2" destOrd="0" parTransId="{45584DAF-D96F-48DE-9C43-DB39C600B21C}" sibTransId="{8C568282-D183-4B3E-8CD9-49CCA9F0DBCA}"/>
+    <dgm:cxn modelId="{F5DD61EB-923E-4894-9E9F-0DF6093E8E30}" type="presOf" srcId="{DE990FA3-105D-4D52-B9B2-A6F9F9502A72}" destId="{D029F93F-1408-4614-ABBF-01DC7E1850BD}" srcOrd="1" destOrd="0" presId="urn:microsoft.com/office/officeart/2005/8/layout/target3"/>
+    <dgm:cxn modelId="{4944D7ED-7017-4923-A6A6-E2C2D5ED3818}" type="presOf" srcId="{76401613-3FC1-4D89-8105-992FD69927AD}" destId="{5FBC8078-71A9-43F0-B923-E8C698FB7BF6}" srcOrd="0" destOrd="0" presId="urn:microsoft.com/office/officeart/2005/8/layout/target3"/>
+    <dgm:cxn modelId="{1AA4D3F3-EDEF-4429-9B3C-C18CA69C260A}" srcId="{11E34881-EC52-4CFF-8837-CE2A9E8151F1}" destId="{DE990FA3-105D-4D52-B9B2-A6F9F9502A72}" srcOrd="3" destOrd="0" parTransId="{48E17DD3-F6ED-429E-B921-14A0CA841CA6}" sibTransId="{A61FEE69-8764-4176-B70D-4E178C7B5E54}"/>
+    <dgm:cxn modelId="{D0BC02F9-9C25-4469-B09A-6D829C6D03D0}" type="presOf" srcId="{B31197C3-DEE9-4FF2-B3BE-4BF6767FCC44}" destId="{00865DBD-B125-4518-B323-50421219BA85}" srcOrd="1" destOrd="0" presId="urn:microsoft.com/office/officeart/2005/8/layout/target3"/>
+    <dgm:cxn modelId="{58A314FD-435B-4366-9BB0-B954A8CF589F}" type="presOf" srcId="{2998C1EF-627C-4170-A300-371A30D4DCD4}" destId="{E56CAE11-1C0D-472A-B975-7AC61F86125B}" srcOrd="0" destOrd="1" presId="urn:microsoft.com/office/officeart/2005/8/layout/target3"/>
+    <dgm:cxn modelId="{845E17FD-BFC7-4916-95A6-F8F891A61179}" type="presOf" srcId="{3D6EDDCB-5C53-4B11-BF2C-422973A56FF8}" destId="{C9110478-99BC-4E8C-BD86-65EAB071986E}" srcOrd="1" destOrd="0" presId="urn:microsoft.com/office/officeart/2005/8/layout/target3"/>
+    <dgm:cxn modelId="{574529FF-AB31-4BA3-8757-DC9CF500A65F}" type="presOf" srcId="{3D6EDDCB-5C53-4B11-BF2C-422973A56FF8}" destId="{5C83821B-2477-4517-AE31-7E3D96D53673}" srcOrd="0" destOrd="0" presId="urn:microsoft.com/office/officeart/2005/8/layout/target3"/>
+    <dgm:cxn modelId="{F9FA2E34-704D-4750-8328-6C5E044D4001}" type="presParOf" srcId="{1DFC992C-A9D3-4975-95E4-EDAD1C9704A6}" destId="{31B5D5E2-9A4D-4BB6-A939-79E545679B5F}" srcOrd="0" destOrd="0" presId="urn:microsoft.com/office/officeart/2005/8/layout/target3"/>
+    <dgm:cxn modelId="{1812A7A3-BFC8-4400-B689-E37AB9E6761F}" type="presParOf" srcId="{1DFC992C-A9D3-4975-95E4-EDAD1C9704A6}" destId="{73C0D09D-024B-48FD-8F1D-D646A41D71D1}" srcOrd="1" destOrd="0" presId="urn:microsoft.com/office/officeart/2005/8/layout/target3"/>
+    <dgm:cxn modelId="{F31D2685-6CEF-40D7-86B2-8CE98B9C975B}" type="presParOf" srcId="{1DFC992C-A9D3-4975-95E4-EDAD1C9704A6}" destId="{5C83821B-2477-4517-AE31-7E3D96D53673}" srcOrd="2" destOrd="0" presId="urn:microsoft.com/office/officeart/2005/8/layout/target3"/>
+    <dgm:cxn modelId="{41915799-57DC-4C9B-8154-252C0709502A}" type="presParOf" srcId="{1DFC992C-A9D3-4975-95E4-EDAD1C9704A6}" destId="{454D949B-3657-49A2-B490-F833C574FFE7}" srcOrd="3" destOrd="0" presId="urn:microsoft.com/office/officeart/2005/8/layout/target3"/>
+    <dgm:cxn modelId="{0766256D-ED45-4317-84D1-9CC396ACFC92}" type="presParOf" srcId="{1DFC992C-A9D3-4975-95E4-EDAD1C9704A6}" destId="{640CB6B2-B79C-418B-B148-2EFE31B2B784}" srcOrd="4" destOrd="0" presId="urn:microsoft.com/office/officeart/2005/8/layout/target3"/>
+    <dgm:cxn modelId="{D9B0C9DA-0BE8-42DB-A1E5-D0A2345DDF93}" type="presParOf" srcId="{1DFC992C-A9D3-4975-95E4-EDAD1C9704A6}" destId="{72300EB8-0D0F-4EB5-A72C-CFB6ADE2AC47}" srcOrd="5" destOrd="0" presId="urn:microsoft.com/office/officeart/2005/8/layout/target3"/>
+    <dgm:cxn modelId="{9B439226-B58B-4DEC-97AB-625FAA6A1EEB}" type="presParOf" srcId="{1DFC992C-A9D3-4975-95E4-EDAD1C9704A6}" destId="{99FFDC0D-0D6F-4F12-B109-4A8A3B7A4F4E}" srcOrd="6" destOrd="0" presId="urn:microsoft.com/office/officeart/2005/8/layout/target3"/>
+    <dgm:cxn modelId="{77153B56-9111-4753-9906-115D4102780C}" type="presParOf" srcId="{1DFC992C-A9D3-4975-95E4-EDAD1C9704A6}" destId="{1987E860-0940-493A-B043-E5DEA96D79CF}" srcOrd="7" destOrd="0" presId="urn:microsoft.com/office/officeart/2005/8/layout/target3"/>
+    <dgm:cxn modelId="{34CCAF30-5F7D-44A4-B580-DC0E6CCD829F}" type="presParOf" srcId="{1DFC992C-A9D3-4975-95E4-EDAD1C9704A6}" destId="{559EF32D-5E0D-413C-9CB4-D81CF4B72B4B}" srcOrd="8" destOrd="0" presId="urn:microsoft.com/office/officeart/2005/8/layout/target3"/>
+    <dgm:cxn modelId="{73D67C86-0842-49EB-AED2-22E20F135588}" type="presParOf" srcId="{1DFC992C-A9D3-4975-95E4-EDAD1C9704A6}" destId="{EB38DE29-867E-4E41-BDB1-4B46FC99B8EA}" srcOrd="9" destOrd="0" presId="urn:microsoft.com/office/officeart/2005/8/layout/target3"/>
+    <dgm:cxn modelId="{AC51B775-019E-463D-8720-DC403D7D9263}" type="presParOf" srcId="{1DFC992C-A9D3-4975-95E4-EDAD1C9704A6}" destId="{F9EA0064-7B90-419C-826C-9FD660515DD8}" srcOrd="10" destOrd="0" presId="urn:microsoft.com/office/officeart/2005/8/layout/target3"/>
+    <dgm:cxn modelId="{E142CFB4-8982-4DB1-8FCA-3769C5ECA8F3}" type="presParOf" srcId="{1DFC992C-A9D3-4975-95E4-EDAD1C9704A6}" destId="{91E8967C-5ABD-47B4-8E81-2515D883DA8B}" srcOrd="11" destOrd="0" presId="urn:microsoft.com/office/officeart/2005/8/layout/target3"/>
+    <dgm:cxn modelId="{4770A21B-4ACB-4C06-AB96-ABEAE074029C}" type="presParOf" srcId="{1DFC992C-A9D3-4975-95E4-EDAD1C9704A6}" destId="{C9110478-99BC-4E8C-BD86-65EAB071986E}" srcOrd="12" destOrd="0" presId="urn:microsoft.com/office/officeart/2005/8/layout/target3"/>
+    <dgm:cxn modelId="{A57A7362-9E23-44EC-9074-E420A85565D7}" type="presParOf" srcId="{1DFC992C-A9D3-4975-95E4-EDAD1C9704A6}" destId="{4E8AC991-ED7F-4410-8C3D-688793C5E959}" srcOrd="13" destOrd="0" presId="urn:microsoft.com/office/officeart/2005/8/layout/target3"/>
+    <dgm:cxn modelId="{A66B1244-FA60-48E2-8220-AA2F7E5866EF}" type="presParOf" srcId="{1DFC992C-A9D3-4975-95E4-EDAD1C9704A6}" destId="{00865DBD-B125-4518-B323-50421219BA85}" srcOrd="14" destOrd="0" presId="urn:microsoft.com/office/officeart/2005/8/layout/target3"/>
+    <dgm:cxn modelId="{C465DF23-7840-47FF-A10E-DEF02E753DA7}" type="presParOf" srcId="{1DFC992C-A9D3-4975-95E4-EDAD1C9704A6}" destId="{5FBC8078-71A9-43F0-B923-E8C698FB7BF6}" srcOrd="15" destOrd="0" presId="urn:microsoft.com/office/officeart/2005/8/layout/target3"/>
+    <dgm:cxn modelId="{BC2AB2AF-E900-403B-8DCE-3C2008F9D437}" type="presParOf" srcId="{1DFC992C-A9D3-4975-95E4-EDAD1C9704A6}" destId="{F76AB1B8-372F-455E-A4EE-C7558DCAA2EA}" srcOrd="16" destOrd="0" presId="urn:microsoft.com/office/officeart/2005/8/layout/target3"/>
+    <dgm:cxn modelId="{59E77527-79A8-4400-BC55-1D597B642328}" type="presParOf" srcId="{1DFC992C-A9D3-4975-95E4-EDAD1C9704A6}" destId="{E56CAE11-1C0D-472A-B975-7AC61F86125B}" srcOrd="17" destOrd="0" presId="urn:microsoft.com/office/officeart/2005/8/layout/target3"/>
+    <dgm:cxn modelId="{2F544EF8-C1DD-4328-A852-334993A14400}" type="presParOf" srcId="{1DFC992C-A9D3-4975-95E4-EDAD1C9704A6}" destId="{D029F93F-1408-4614-ABBF-01DC7E1850BD}" srcOrd="18" destOrd="0" presId="urn:microsoft.com/office/officeart/2005/8/layout/target3"/>
+    <dgm:cxn modelId="{23379BDC-3B09-4900-AFB2-E8DBA41085F7}" type="presParOf" srcId="{1DFC992C-A9D3-4975-95E4-EDAD1C9704A6}" destId="{D16ACF8A-D871-4209-80C5-BCDEBEF3BB54}" srcOrd="19" destOrd="0" presId="urn:microsoft.com/office/officeart/2005/8/layout/target3"/>
+  </dgm:cxnLst>
+  <dgm:bg>
+    <a:noFill/>
+  </dgm:bg>
+  <dgm:whole/>
+  <dgm:extLst>
+    <a:ext uri="http://schemas.microsoft.com/office/drawing/2008/diagram">
+      <dsp:dataModelExt xmlns:dsp="http://schemas.microsoft.com/office/drawing/2008/diagram" relId="rId6" minVer="http://schemas.openxmlformats.org/drawingml/2006/diagram"/>
+    </a:ext>
+  </dgm:extLst>
+</dgm:dataModel>
+</file>
+
+<file path=ppt/diagrams/drawing1.xml><?xml version="1.0" encoding="utf-8"?>
+<dsp:drawing xmlns:dgm="http://schemas.openxmlformats.org/drawingml/2006/diagram" xmlns:dsp="http://schemas.microsoft.com/office/drawing/2008/diagram" xmlns:a="http://schemas.openxmlformats.org/drawingml/2006/main">
+  <dsp:spTree>
+    <dsp:nvGrpSpPr>
+      <dsp:cNvPr id="0" name=""/>
+      <dsp:cNvGrpSpPr/>
+    </dsp:nvGrpSpPr>
+    <dsp:grpSpPr/>
+    <dsp:sp modelId="{31B5D5E2-9A4D-4BB6-A939-79E545679B5F}">
+      <dsp:nvSpPr>
+        <dsp:cNvPr id="0" name=""/>
+        <dsp:cNvSpPr/>
+      </dsp:nvSpPr>
+      <dsp:spPr>
+        <a:xfrm>
+          <a:off x="0" y="0"/>
+          <a:ext cx="4795032" cy="4795032"/>
+        </a:xfrm>
+        <a:prstGeom prst="pie">
+          <a:avLst>
+            <a:gd name="adj1" fmla="val 5400000"/>
+            <a:gd name="adj2" fmla="val 16200000"/>
+          </a:avLst>
+        </a:prstGeom>
+        <a:solidFill>
+          <a:schemeClr val="accent1">
+            <a:shade val="80000"/>
+            <a:hueOff val="0"/>
+            <a:satOff val="0"/>
+            <a:lumOff val="0"/>
+            <a:alphaOff val="0"/>
+          </a:schemeClr>
+        </a:solidFill>
+        <a:ln w="19050" cap="flat" cmpd="sng" algn="ctr">
+          <a:solidFill>
+            <a:schemeClr val="lt1">
+              <a:hueOff val="0"/>
+              <a:satOff val="0"/>
+              <a:lumOff val="0"/>
+              <a:alphaOff val="0"/>
+            </a:schemeClr>
+          </a:solidFill>
+          <a:prstDash val="solid"/>
+          <a:miter lim="800000"/>
+        </a:ln>
+        <a:effectLst/>
+      </dsp:spPr>
+      <dsp:style>
+        <a:lnRef idx="2">
+          <a:scrgbClr r="0" g="0" b="0"/>
+        </a:lnRef>
+        <a:fillRef idx="1">
+          <a:scrgbClr r="0" g="0" b="0"/>
+        </a:fillRef>
+        <a:effectRef idx="0">
+          <a:scrgbClr r="0" g="0" b="0"/>
+        </a:effectRef>
+        <a:fontRef idx="minor">
+          <a:schemeClr val="lt1"/>
+        </a:fontRef>
+      </dsp:style>
+    </dsp:sp>
+    <dsp:sp modelId="{5C83821B-2477-4517-AE31-7E3D96D53673}">
+      <dsp:nvSpPr>
+        <dsp:cNvPr id="0" name=""/>
+        <dsp:cNvSpPr/>
+      </dsp:nvSpPr>
+      <dsp:spPr>
+        <a:xfrm>
+          <a:off x="2397516" y="0"/>
+          <a:ext cx="6689334" cy="4795032"/>
+        </a:xfrm>
+        <a:prstGeom prst="rect">
+          <a:avLst/>
+        </a:prstGeom>
+        <a:noFill/>
+        <a:ln w="19050" cap="flat" cmpd="sng" algn="ctr">
+          <a:solidFill>
+            <a:schemeClr val="accent1">
+              <a:shade val="80000"/>
+              <a:hueOff val="0"/>
+              <a:satOff val="0"/>
+              <a:lumOff val="0"/>
+              <a:alphaOff val="0"/>
+            </a:schemeClr>
+          </a:solidFill>
+          <a:prstDash val="solid"/>
+          <a:miter lim="800000"/>
+        </a:ln>
+        <a:effectLst/>
+      </dsp:spPr>
+      <dsp:style>
+        <a:lnRef idx="2">
+          <a:scrgbClr r="0" g="0" b="0"/>
+        </a:lnRef>
+        <a:fillRef idx="1">
+          <a:scrgbClr r="0" g="0" b="0"/>
+        </a:fillRef>
+        <a:effectRef idx="0">
+          <a:scrgbClr r="0" g="0" b="0"/>
+        </a:effectRef>
+        <a:fontRef idx="minor"/>
+      </dsp:style>
+      <dsp:txBody>
+        <a:bodyPr spcFirstLastPara="0" vert="horz" wrap="square" lIns="68580" tIns="68580" rIns="68580" bIns="68580" numCol="1" spcCol="1270" anchor="ctr" anchorCtr="0">
+          <a:noAutofit/>
+        </a:bodyPr>
+        <a:lstStyle/>
+        <a:p>
+          <a:pPr marL="0" lvl="0" indent="0" algn="ctr" defTabSz="914400">
+            <a:lnSpc>
+              <a:spcPct val="90000"/>
+            </a:lnSpc>
+            <a:spcBef>
+              <a:spcPct val="0"/>
+            </a:spcBef>
+            <a:spcAft>
+              <a:spcPct val="35000"/>
+            </a:spcAft>
+            <a:buNone/>
+            <a:tabLst/>
+          </a:pPr>
+          <a:r>
+            <a:rPr lang="en-US" sz="1800" b="0" kern="1200" dirty="0"/>
+            <a:t>What is the quality of the action?</a:t>
+          </a:r>
+        </a:p>
+      </dsp:txBody>
+      <dsp:txXfrm>
+        <a:off x="2397516" y="0"/>
+        <a:ext cx="3344667" cy="1018944"/>
+      </dsp:txXfrm>
+    </dsp:sp>
+    <dsp:sp modelId="{640CB6B2-B79C-418B-B148-2EFE31B2B784}">
+      <dsp:nvSpPr>
+        <dsp:cNvPr id="0" name=""/>
+        <dsp:cNvSpPr/>
+      </dsp:nvSpPr>
+      <dsp:spPr>
+        <a:xfrm>
+          <a:off x="629348" y="1018944"/>
+          <a:ext cx="3536336" cy="3536336"/>
+        </a:xfrm>
+        <a:prstGeom prst="pie">
+          <a:avLst>
+            <a:gd name="adj1" fmla="val 5400000"/>
+            <a:gd name="adj2" fmla="val 16200000"/>
+          </a:avLst>
+        </a:prstGeom>
+        <a:solidFill>
+          <a:schemeClr val="accent1">
+            <a:shade val="80000"/>
+            <a:hueOff val="181866"/>
+            <a:satOff val="-18964"/>
+            <a:lumOff val="12740"/>
+            <a:alphaOff val="0"/>
+          </a:schemeClr>
+        </a:solidFill>
+        <a:ln w="19050" cap="flat" cmpd="sng" algn="ctr">
+          <a:solidFill>
+            <a:schemeClr val="lt1">
+              <a:hueOff val="0"/>
+              <a:satOff val="0"/>
+              <a:lumOff val="0"/>
+              <a:alphaOff val="0"/>
+            </a:schemeClr>
+          </a:solidFill>
+          <a:prstDash val="solid"/>
+          <a:miter lim="800000"/>
+        </a:ln>
+        <a:effectLst/>
+      </dsp:spPr>
+      <dsp:style>
+        <a:lnRef idx="2">
+          <a:scrgbClr r="0" g="0" b="0"/>
+        </a:lnRef>
+        <a:fillRef idx="1">
+          <a:scrgbClr r="0" g="0" b="0"/>
+        </a:fillRef>
+        <a:effectRef idx="0">
+          <a:scrgbClr r="0" g="0" b="0"/>
+        </a:effectRef>
+        <a:fontRef idx="minor">
+          <a:schemeClr val="lt1"/>
+        </a:fontRef>
+      </dsp:style>
+    </dsp:sp>
+    <dsp:sp modelId="{72300EB8-0D0F-4EB5-A72C-CFB6ADE2AC47}">
+      <dsp:nvSpPr>
+        <dsp:cNvPr id="0" name=""/>
+        <dsp:cNvSpPr/>
+      </dsp:nvSpPr>
+      <dsp:spPr>
+        <a:xfrm>
+          <a:off x="2397516" y="1018944"/>
+          <a:ext cx="6689334" cy="3536336"/>
+        </a:xfrm>
+        <a:prstGeom prst="rect">
+          <a:avLst/>
+        </a:prstGeom>
+        <a:noFill/>
+        <a:ln w="19050" cap="flat" cmpd="sng" algn="ctr">
+          <a:solidFill>
+            <a:schemeClr val="accent1">
+              <a:shade val="80000"/>
+              <a:hueOff val="181866"/>
+              <a:satOff val="-18964"/>
+              <a:lumOff val="12740"/>
+              <a:alphaOff val="0"/>
+            </a:schemeClr>
+          </a:solidFill>
+          <a:prstDash val="solid"/>
+          <a:miter lim="800000"/>
+        </a:ln>
+        <a:effectLst/>
+      </dsp:spPr>
+      <dsp:style>
+        <a:lnRef idx="2">
+          <a:scrgbClr r="0" g="0" b="0"/>
+        </a:lnRef>
+        <a:fillRef idx="1">
+          <a:scrgbClr r="0" g="0" b="0"/>
+        </a:fillRef>
+        <a:effectRef idx="0">
+          <a:scrgbClr r="0" g="0" b="0"/>
+        </a:effectRef>
+        <a:fontRef idx="minor"/>
+      </dsp:style>
+      <dsp:txBody>
+        <a:bodyPr spcFirstLastPara="0" vert="horz" wrap="square" lIns="68580" tIns="68580" rIns="68580" bIns="68580" numCol="1" spcCol="1270" anchor="ctr" anchorCtr="0">
+          <a:noAutofit/>
+        </a:bodyPr>
+        <a:lstStyle/>
+        <a:p>
+          <a:pPr marL="0" lvl="0" indent="0" algn="ctr" defTabSz="800100">
+            <a:lnSpc>
+              <a:spcPct val="90000"/>
+            </a:lnSpc>
+            <a:spcBef>
+              <a:spcPct val="0"/>
+            </a:spcBef>
+            <a:spcAft>
+              <a:spcPct val="35000"/>
+            </a:spcAft>
+            <a:buNone/>
+          </a:pPr>
+          <a:r>
+            <a:rPr lang="en-US" sz="1800" b="0" kern="1200" dirty="0"/>
+            <a:t>Is anyone better off?</a:t>
+          </a:r>
+        </a:p>
+      </dsp:txBody>
+      <dsp:txXfrm>
+        <a:off x="2397516" y="1018944"/>
+        <a:ext cx="3344667" cy="1018944"/>
+      </dsp:txXfrm>
+    </dsp:sp>
+    <dsp:sp modelId="{1987E860-0940-493A-B043-E5DEA96D79CF}">
+      <dsp:nvSpPr>
+        <dsp:cNvPr id="0" name=""/>
+        <dsp:cNvSpPr/>
+      </dsp:nvSpPr>
+      <dsp:spPr>
+        <a:xfrm>
+          <a:off x="1258696" y="2037889"/>
+          <a:ext cx="2277640" cy="2277640"/>
+        </a:xfrm>
+        <a:prstGeom prst="pie">
+          <a:avLst>
+            <a:gd name="adj1" fmla="val 5400000"/>
+            <a:gd name="adj2" fmla="val 16200000"/>
+          </a:avLst>
+        </a:prstGeom>
+        <a:solidFill>
+          <a:schemeClr val="accent1">
+            <a:shade val="80000"/>
+            <a:hueOff val="363732"/>
+            <a:satOff val="-37928"/>
+            <a:lumOff val="25481"/>
+            <a:alphaOff val="0"/>
+          </a:schemeClr>
+        </a:solidFill>
+        <a:ln w="19050" cap="flat" cmpd="sng" algn="ctr">
+          <a:solidFill>
+            <a:schemeClr val="lt1">
+              <a:hueOff val="0"/>
+              <a:satOff val="0"/>
+              <a:lumOff val="0"/>
+              <a:alphaOff val="0"/>
+            </a:schemeClr>
+          </a:solidFill>
+          <a:prstDash val="solid"/>
+          <a:miter lim="800000"/>
+        </a:ln>
+        <a:effectLst/>
+      </dsp:spPr>
+      <dsp:style>
+        <a:lnRef idx="2">
+          <a:scrgbClr r="0" g="0" b="0"/>
+        </a:lnRef>
+        <a:fillRef idx="1">
+          <a:scrgbClr r="0" g="0" b="0"/>
+        </a:fillRef>
+        <a:effectRef idx="0">
+          <a:scrgbClr r="0" g="0" b="0"/>
+        </a:effectRef>
+        <a:fontRef idx="minor">
+          <a:schemeClr val="lt1"/>
+        </a:fontRef>
+      </dsp:style>
+    </dsp:sp>
+    <dsp:sp modelId="{559EF32D-5E0D-413C-9CB4-D81CF4B72B4B}">
+      <dsp:nvSpPr>
+        <dsp:cNvPr id="0" name=""/>
+        <dsp:cNvSpPr/>
+      </dsp:nvSpPr>
+      <dsp:spPr>
+        <a:xfrm>
+          <a:off x="2397516" y="2037889"/>
+          <a:ext cx="6689334" cy="2277640"/>
+        </a:xfrm>
+        <a:prstGeom prst="rect">
+          <a:avLst/>
+        </a:prstGeom>
+        <a:noFill/>
+        <a:ln w="19050" cap="flat" cmpd="sng" algn="ctr">
+          <a:solidFill>
+            <a:schemeClr val="accent1">
+              <a:shade val="80000"/>
+              <a:hueOff val="363732"/>
+              <a:satOff val="-37928"/>
+              <a:lumOff val="25481"/>
+              <a:alphaOff val="0"/>
+            </a:schemeClr>
+          </a:solidFill>
+          <a:prstDash val="solid"/>
+          <a:miter lim="800000"/>
+        </a:ln>
+        <a:effectLst/>
+      </dsp:spPr>
+      <dsp:style>
+        <a:lnRef idx="2">
+          <a:scrgbClr r="0" g="0" b="0"/>
+        </a:lnRef>
+        <a:fillRef idx="1">
+          <a:scrgbClr r="0" g="0" b="0"/>
+        </a:fillRef>
+        <a:effectRef idx="0">
+          <a:scrgbClr r="0" g="0" b="0"/>
+        </a:effectRef>
+        <a:fontRef idx="minor"/>
+      </dsp:style>
+      <dsp:txBody>
+        <a:bodyPr spcFirstLastPara="0" vert="horz" wrap="square" lIns="68580" tIns="68580" rIns="68580" bIns="68580" numCol="1" spcCol="1270" anchor="ctr" anchorCtr="0">
+          <a:noAutofit/>
+        </a:bodyPr>
+        <a:lstStyle/>
+        <a:p>
+          <a:pPr marL="0" lvl="0" indent="0" algn="ctr" defTabSz="800100">
+            <a:lnSpc>
+              <a:spcPct val="90000"/>
+            </a:lnSpc>
+            <a:spcBef>
+              <a:spcPct val="0"/>
+            </a:spcBef>
+            <a:spcAft>
+              <a:spcPct val="35000"/>
+            </a:spcAft>
+            <a:buNone/>
+          </a:pPr>
+          <a:r>
+            <a:rPr lang="en-US" sz="1800" b="0" kern="1200" dirty="0"/>
+            <a:t>How well did we do it?</a:t>
+          </a:r>
+        </a:p>
+      </dsp:txBody>
+      <dsp:txXfrm>
+        <a:off x="2397516" y="2037889"/>
+        <a:ext cx="3344667" cy="1018944"/>
+      </dsp:txXfrm>
+    </dsp:sp>
+    <dsp:sp modelId="{F9EA0064-7B90-419C-826C-9FD660515DD8}">
+      <dsp:nvSpPr>
+        <dsp:cNvPr id="0" name=""/>
+        <dsp:cNvSpPr/>
+      </dsp:nvSpPr>
+      <dsp:spPr>
+        <a:xfrm>
+          <a:off x="1888044" y="3056833"/>
+          <a:ext cx="1018944" cy="1018944"/>
+        </a:xfrm>
+        <a:prstGeom prst="pie">
+          <a:avLst>
+            <a:gd name="adj1" fmla="val 5400000"/>
+            <a:gd name="adj2" fmla="val 16200000"/>
+          </a:avLst>
+        </a:prstGeom>
+        <a:solidFill>
+          <a:schemeClr val="accent1">
+            <a:shade val="80000"/>
+            <a:hueOff val="545598"/>
+            <a:satOff val="-56892"/>
+            <a:lumOff val="38221"/>
+            <a:alphaOff val="0"/>
+          </a:schemeClr>
+        </a:solidFill>
+        <a:ln w="19050" cap="flat" cmpd="sng" algn="ctr">
+          <a:solidFill>
+            <a:schemeClr val="lt1">
+              <a:hueOff val="0"/>
+              <a:satOff val="0"/>
+              <a:lumOff val="0"/>
+              <a:alphaOff val="0"/>
+            </a:schemeClr>
+          </a:solidFill>
+          <a:prstDash val="solid"/>
+          <a:miter lim="800000"/>
+        </a:ln>
+        <a:effectLst/>
+      </dsp:spPr>
+      <dsp:style>
+        <a:lnRef idx="2">
+          <a:scrgbClr r="0" g="0" b="0"/>
+        </a:lnRef>
+        <a:fillRef idx="1">
+          <a:scrgbClr r="0" g="0" b="0"/>
+        </a:fillRef>
+        <a:effectRef idx="0">
+          <a:scrgbClr r="0" g="0" b="0"/>
+        </a:effectRef>
+        <a:fontRef idx="minor">
+          <a:schemeClr val="lt1"/>
+        </a:fontRef>
+      </dsp:style>
+    </dsp:sp>
+    <dsp:sp modelId="{91E8967C-5ABD-47B4-8E81-2515D883DA8B}">
+      <dsp:nvSpPr>
+        <dsp:cNvPr id="0" name=""/>
+        <dsp:cNvSpPr/>
+      </dsp:nvSpPr>
+      <dsp:spPr>
+        <a:xfrm>
+          <a:off x="2397516" y="3056833"/>
+          <a:ext cx="6689334" cy="1018944"/>
+        </a:xfrm>
+        <a:prstGeom prst="rect">
+          <a:avLst/>
+        </a:prstGeom>
+        <a:noFill/>
+        <a:ln w="19050" cap="flat" cmpd="sng" algn="ctr">
+          <a:solidFill>
+            <a:schemeClr val="accent1">
+              <a:shade val="80000"/>
+              <a:hueOff val="545598"/>
+              <a:satOff val="-56892"/>
+              <a:lumOff val="38221"/>
+              <a:alphaOff val="0"/>
+            </a:schemeClr>
+          </a:solidFill>
+          <a:prstDash val="solid"/>
+          <a:miter lim="800000"/>
+        </a:ln>
+        <a:effectLst/>
+      </dsp:spPr>
+      <dsp:style>
+        <a:lnRef idx="2">
+          <a:scrgbClr r="0" g="0" b="0"/>
+        </a:lnRef>
+        <a:fillRef idx="1">
+          <a:scrgbClr r="0" g="0" b="0"/>
+        </a:fillRef>
+        <a:effectRef idx="0">
+          <a:scrgbClr r="0" g="0" b="0"/>
+        </a:effectRef>
+        <a:fontRef idx="minor"/>
+      </dsp:style>
+      <dsp:txBody>
+        <a:bodyPr spcFirstLastPara="0" vert="horz" wrap="square" lIns="68580" tIns="68580" rIns="68580" bIns="68580" numCol="1" spcCol="1270" anchor="ctr" anchorCtr="0">
+          <a:noAutofit/>
+        </a:bodyPr>
+        <a:lstStyle/>
+        <a:p>
+          <a:pPr marL="0" lvl="0" indent="0" algn="ctr" defTabSz="800100">
+            <a:lnSpc>
+              <a:spcPct val="90000"/>
+            </a:lnSpc>
+            <a:spcBef>
+              <a:spcPct val="0"/>
+            </a:spcBef>
+            <a:spcAft>
+              <a:spcPct val="35000"/>
+            </a:spcAft>
+            <a:buNone/>
+          </a:pPr>
+          <a:r>
+            <a:rPr lang="en-US" sz="1800" b="0" kern="1200" dirty="0"/>
+            <a:t>How much did we do?</a:t>
+          </a:r>
+        </a:p>
+      </dsp:txBody>
+      <dsp:txXfrm>
+        <a:off x="2397516" y="3056833"/>
+        <a:ext cx="3344667" cy="1018944"/>
+      </dsp:txXfrm>
+    </dsp:sp>
+    <dsp:sp modelId="{4E8AC991-ED7F-4410-8C3D-688793C5E959}">
+      <dsp:nvSpPr>
+        <dsp:cNvPr id="0" name=""/>
+        <dsp:cNvSpPr/>
+      </dsp:nvSpPr>
+      <dsp:spPr>
+        <a:xfrm>
+          <a:off x="5742183" y="0"/>
+          <a:ext cx="3344667" cy="1018944"/>
+        </a:xfrm>
+        <a:prstGeom prst="rect">
+          <a:avLst/>
+        </a:prstGeom>
+        <a:noFill/>
+        <a:ln w="19050" cap="flat" cmpd="sng" algn="ctr">
+          <a:noFill/>
+          <a:prstDash val="solid"/>
+          <a:miter lim="800000"/>
+        </a:ln>
+        <a:effectLst/>
+        <a:sp3d/>
+      </dsp:spPr>
+      <dsp:style>
+        <a:lnRef idx="2">
+          <a:scrgbClr r="0" g="0" b="0"/>
+        </a:lnRef>
+        <a:fillRef idx="1">
+          <a:scrgbClr r="0" g="0" b="0"/>
+        </a:fillRef>
+        <a:effectRef idx="0">
+          <a:scrgbClr r="0" g="0" b="0"/>
+        </a:effectRef>
+        <a:fontRef idx="minor"/>
+      </dsp:style>
+      <dsp:txBody>
+        <a:bodyPr spcFirstLastPara="0" vert="horz" wrap="square" lIns="247650" tIns="247650" rIns="247650" bIns="247650" numCol="1" spcCol="1270" anchor="ctr" anchorCtr="0">
+          <a:noAutofit/>
+        </a:bodyPr>
+        <a:lstStyle/>
+        <a:p>
+          <a:pPr marL="0" lvl="1" indent="0" algn="l" defTabSz="622300">
+            <a:lnSpc>
+              <a:spcPct val="100000"/>
+            </a:lnSpc>
+            <a:spcBef>
+              <a:spcPct val="0"/>
+            </a:spcBef>
+            <a:spcAft>
+              <a:spcPts val="400"/>
+            </a:spcAft>
+            <a:buNone/>
+          </a:pPr>
+          <a:r>
+            <a:rPr lang="en-US" sz="1400" kern="1200" dirty="0"/>
+            <a:t>#/%  cultural relevance</a:t>
+          </a:r>
+        </a:p>
+        <a:p>
+          <a:pPr marL="0" lvl="1" indent="0" algn="l" defTabSz="622300">
+            <a:lnSpc>
+              <a:spcPct val="100000"/>
+            </a:lnSpc>
+            <a:spcBef>
+              <a:spcPct val="0"/>
+            </a:spcBef>
+            <a:spcAft>
+              <a:spcPts val="400"/>
+            </a:spcAft>
+            <a:buNone/>
+          </a:pPr>
+          <a:r>
+            <a:rPr lang="en-US" sz="1400" kern="1200" dirty="0"/>
+            <a:t>#/%  language access</a:t>
+          </a:r>
+        </a:p>
+        <a:p>
+          <a:pPr marL="0" lvl="1" indent="0" algn="l" defTabSz="622300">
+            <a:lnSpc>
+              <a:spcPct val="100000"/>
+            </a:lnSpc>
+            <a:spcBef>
+              <a:spcPct val="0"/>
+            </a:spcBef>
+            <a:spcAft>
+              <a:spcPts val="400"/>
+            </a:spcAft>
+            <a:buNone/>
+          </a:pPr>
+          <a:r>
+            <a:rPr lang="en-US" sz="1400" kern="1200" dirty="0"/>
+            <a:t>#/%  participation and engagement</a:t>
+          </a:r>
+        </a:p>
+      </dsp:txBody>
+      <dsp:txXfrm>
+        <a:off x="5742183" y="0"/>
+        <a:ext cx="3344667" cy="1018944"/>
+      </dsp:txXfrm>
+    </dsp:sp>
+    <dsp:sp modelId="{5FBC8078-71A9-43F0-B923-E8C698FB7BF6}">
+      <dsp:nvSpPr>
+        <dsp:cNvPr id="0" name=""/>
+        <dsp:cNvSpPr/>
+      </dsp:nvSpPr>
+      <dsp:spPr>
+        <a:xfrm>
+          <a:off x="5742183" y="1018944"/>
+          <a:ext cx="3344667" cy="1018944"/>
+        </a:xfrm>
+        <a:prstGeom prst="rect">
+          <a:avLst/>
+        </a:prstGeom>
+        <a:noFill/>
+        <a:ln w="19050" cap="flat" cmpd="sng" algn="ctr">
+          <a:noFill/>
+          <a:prstDash val="solid"/>
+          <a:miter lim="800000"/>
+        </a:ln>
+        <a:effectLst/>
+        <a:sp3d/>
+      </dsp:spPr>
+      <dsp:style>
+        <a:lnRef idx="2">
+          <a:scrgbClr r="0" g="0" b="0"/>
+        </a:lnRef>
+        <a:fillRef idx="1">
+          <a:scrgbClr r="0" g="0" b="0"/>
+        </a:fillRef>
+        <a:effectRef idx="0">
+          <a:scrgbClr r="0" g="0" b="0"/>
+        </a:effectRef>
+        <a:fontRef idx="minor"/>
+      </dsp:style>
+      <dsp:txBody>
+        <a:bodyPr spcFirstLastPara="0" vert="horz" wrap="square" lIns="247650" tIns="247650" rIns="247650" bIns="247650" numCol="1" spcCol="1270" anchor="ctr" anchorCtr="0">
+          <a:noAutofit/>
+        </a:bodyPr>
+        <a:lstStyle/>
+        <a:p>
+          <a:pPr marL="0" lvl="1" indent="0" algn="l" defTabSz="622300">
+            <a:lnSpc>
+              <a:spcPct val="100000"/>
+            </a:lnSpc>
+            <a:spcBef>
+              <a:spcPct val="0"/>
+            </a:spcBef>
+            <a:spcAft>
+              <a:spcPts val="400"/>
+            </a:spcAft>
+            <a:buNone/>
+          </a:pPr>
+          <a:r>
+            <a:rPr lang="en-US" sz="1400" kern="1200" dirty="0"/>
+            <a:t>#/% skills/knowledge improvement</a:t>
+          </a:r>
+        </a:p>
+        <a:p>
+          <a:pPr marL="0" lvl="1" indent="0" algn="l" defTabSz="622300">
+            <a:lnSpc>
+              <a:spcPct val="100000"/>
+            </a:lnSpc>
+            <a:spcBef>
+              <a:spcPct val="0"/>
+            </a:spcBef>
+            <a:spcAft>
+              <a:spcPts val="400"/>
+            </a:spcAft>
+            <a:buNone/>
+          </a:pPr>
+          <a:r>
+            <a:rPr lang="en-US" sz="1400" kern="1200" dirty="0"/>
+            <a:t>#/% attitude/opinion shifts</a:t>
+          </a:r>
+        </a:p>
+        <a:p>
+          <a:pPr marL="0" lvl="1" indent="0" algn="l" defTabSz="622300">
+            <a:lnSpc>
+              <a:spcPct val="100000"/>
+            </a:lnSpc>
+            <a:spcBef>
+              <a:spcPct val="0"/>
+            </a:spcBef>
+            <a:spcAft>
+              <a:spcPts val="400"/>
+            </a:spcAft>
+            <a:buNone/>
+          </a:pPr>
+          <a:r>
+            <a:rPr lang="en-US" sz="1400" kern="1200" dirty="0"/>
+            <a:t>#/% behavior changes</a:t>
+          </a:r>
+        </a:p>
+        <a:p>
+          <a:pPr marL="0" lvl="1" indent="0" algn="l" defTabSz="622300">
+            <a:lnSpc>
+              <a:spcPct val="100000"/>
+            </a:lnSpc>
+            <a:spcBef>
+              <a:spcPct val="0"/>
+            </a:spcBef>
+            <a:spcAft>
+              <a:spcPts val="400"/>
+            </a:spcAft>
+            <a:buNone/>
+          </a:pPr>
+          <a:r>
+            <a:rPr lang="en-US" sz="1400" kern="1200" dirty="0"/>
+            <a:t>#/% circumstance improvements</a:t>
+          </a:r>
+        </a:p>
+      </dsp:txBody>
+      <dsp:txXfrm>
+        <a:off x="5742183" y="1018944"/>
+        <a:ext cx="3344667" cy="1018944"/>
+      </dsp:txXfrm>
+    </dsp:sp>
+    <dsp:sp modelId="{E56CAE11-1C0D-472A-B975-7AC61F86125B}">
+      <dsp:nvSpPr>
+        <dsp:cNvPr id="0" name=""/>
+        <dsp:cNvSpPr/>
+      </dsp:nvSpPr>
+      <dsp:spPr>
+        <a:xfrm>
+          <a:off x="5742183" y="2037889"/>
+          <a:ext cx="3344667" cy="1018944"/>
+        </a:xfrm>
+        <a:prstGeom prst="rect">
+          <a:avLst/>
+        </a:prstGeom>
+        <a:noFill/>
+        <a:ln w="19050" cap="flat" cmpd="sng" algn="ctr">
+          <a:noFill/>
+          <a:prstDash val="solid"/>
+          <a:miter lim="800000"/>
+        </a:ln>
+        <a:effectLst/>
+        <a:sp3d/>
+      </dsp:spPr>
+      <dsp:style>
+        <a:lnRef idx="2">
+          <a:scrgbClr r="0" g="0" b="0"/>
+        </a:lnRef>
+        <a:fillRef idx="1">
+          <a:scrgbClr r="0" g="0" b="0"/>
+        </a:fillRef>
+        <a:effectRef idx="0">
+          <a:scrgbClr r="0" g="0" b="0"/>
+        </a:effectRef>
+        <a:fontRef idx="minor"/>
+      </dsp:style>
+      <dsp:txBody>
+        <a:bodyPr spcFirstLastPara="0" vert="horz" wrap="square" lIns="247650" tIns="247650" rIns="247650" bIns="247650" numCol="1" spcCol="1270" anchor="ctr" anchorCtr="0">
+          <a:noAutofit/>
+        </a:bodyPr>
+        <a:lstStyle/>
+        <a:p>
+          <a:pPr marL="0" lvl="1" indent="0" algn="l" defTabSz="622300">
+            <a:lnSpc>
+              <a:spcPct val="100000"/>
+            </a:lnSpc>
+            <a:spcBef>
+              <a:spcPct val="0"/>
+            </a:spcBef>
+            <a:spcAft>
+              <a:spcPts val="400"/>
+            </a:spcAft>
+            <a:buNone/>
+          </a:pPr>
+          <a:r>
+            <a:rPr lang="en-US" sz="1400" kern="1200" dirty="0"/>
+            <a:t>% overall process measures           (e.g., % people trained, turnover)</a:t>
+          </a:r>
+        </a:p>
+        <a:p>
+          <a:pPr marL="0" lvl="1" indent="0" algn="l" defTabSz="622300">
+            <a:lnSpc>
+              <a:spcPct val="100000"/>
+            </a:lnSpc>
+            <a:spcBef>
+              <a:spcPct val="0"/>
+            </a:spcBef>
+            <a:spcAft>
+              <a:spcPts val="400"/>
+            </a:spcAft>
+            <a:buNone/>
+          </a:pPr>
+          <a:r>
+            <a:rPr lang="en-US" sz="1400" kern="1200" dirty="0"/>
+            <a:t>% activity-specific measures        (e.g., % completed activities, timely)</a:t>
+          </a:r>
+        </a:p>
+      </dsp:txBody>
+      <dsp:txXfrm>
+        <a:off x="5742183" y="2037889"/>
+        <a:ext cx="3344667" cy="1018944"/>
+      </dsp:txXfrm>
+    </dsp:sp>
+    <dsp:sp modelId="{D16ACF8A-D871-4209-80C5-BCDEBEF3BB54}">
+      <dsp:nvSpPr>
+        <dsp:cNvPr id="0" name=""/>
+        <dsp:cNvSpPr/>
+      </dsp:nvSpPr>
+      <dsp:spPr>
+        <a:xfrm>
+          <a:off x="5742183" y="3056833"/>
+          <a:ext cx="3344667" cy="1018944"/>
+        </a:xfrm>
+        <a:prstGeom prst="rect">
+          <a:avLst/>
+        </a:prstGeom>
+        <a:noFill/>
+        <a:ln w="19050" cap="flat" cmpd="sng" algn="ctr">
+          <a:noFill/>
+          <a:prstDash val="solid"/>
+          <a:miter lim="800000"/>
+        </a:ln>
+        <a:effectLst/>
+        <a:sp3d/>
+      </dsp:spPr>
+      <dsp:style>
+        <a:lnRef idx="2">
+          <a:scrgbClr r="0" g="0" b="0"/>
+        </a:lnRef>
+        <a:fillRef idx="1">
+          <a:scrgbClr r="0" g="0" b="0"/>
+        </a:fillRef>
+        <a:effectRef idx="0">
+          <a:scrgbClr r="0" g="0" b="0"/>
+        </a:effectRef>
+        <a:fontRef idx="minor"/>
+      </dsp:style>
+      <dsp:txBody>
+        <a:bodyPr spcFirstLastPara="0" vert="horz" wrap="square" lIns="247650" tIns="247650" rIns="247650" bIns="247650" numCol="1" spcCol="1270" anchor="ctr" anchorCtr="0">
+          <a:noAutofit/>
+        </a:bodyPr>
+        <a:lstStyle/>
+        <a:p>
+          <a:pPr marL="0" lvl="1" indent="0" algn="l" defTabSz="622300">
+            <a:lnSpc>
+              <a:spcPct val="100000"/>
+            </a:lnSpc>
+            <a:spcBef>
+              <a:spcPct val="0"/>
+            </a:spcBef>
+            <a:spcAft>
+              <a:spcPts val="400"/>
+            </a:spcAft>
+            <a:buNone/>
+          </a:pPr>
+          <a:r>
+            <a:rPr lang="en-US" sz="1400" kern="1200" dirty="0"/>
+            <a:t># people served</a:t>
+          </a:r>
+        </a:p>
+        <a:p>
+          <a:pPr marL="0" lvl="1" indent="0" algn="l" defTabSz="622300">
+            <a:lnSpc>
+              <a:spcPct val="100000"/>
+            </a:lnSpc>
+            <a:spcBef>
+              <a:spcPct val="0"/>
+            </a:spcBef>
+            <a:spcAft>
+              <a:spcPts val="400"/>
+            </a:spcAft>
+            <a:buNone/>
+          </a:pPr>
+          <a:r>
+            <a:rPr lang="en-US" sz="1400" kern="1200" dirty="0"/>
+            <a:t># activities completed</a:t>
+          </a:r>
+        </a:p>
+      </dsp:txBody>
+      <dsp:txXfrm>
+        <a:off x="5742183" y="3056833"/>
+        <a:ext cx="3344667" cy="1018944"/>
+      </dsp:txXfrm>
+    </dsp:sp>
+  </dsp:spTree>
+</dsp:drawing>
+</file>
+
+<file path=ppt/diagrams/layout1.xml><?xml version="1.0" encoding="utf-8"?>
+<dgm:layoutDef xmlns:dgm="http://schemas.openxmlformats.org/drawingml/2006/diagram" xmlns:a="http://schemas.openxmlformats.org/drawingml/2006/main" uniqueId="urn:microsoft.com/office/officeart/2005/8/layout/target3">
+  <dgm:title val=""/>
+  <dgm:desc val=""/>
+  <dgm:catLst>
+    <dgm:cat type="relationship" pri="11000"/>
+    <dgm:cat type="list" pri="22000"/>
+    <dgm:cat type="convert" pri="4000"/>
+  </dgm:catLst>
+  <dgm:sampData>
+    <dgm:dataModel>
+      <dgm:ptLst>
+        <dgm:pt modelId="0" type="doc"/>
+        <dgm:pt modelId="1">
+          <dgm:prSet phldr="1"/>
+        </dgm:pt>
+        <dgm:pt modelId="11">
+          <dgm:prSet phldr="1"/>
+        </dgm:pt>
+        <dgm:pt modelId="12">
+          <dgm:prSet phldr="1"/>
+        </dgm:pt>
+        <dgm:pt modelId="2">
+          <dgm:prSet phldr="1"/>
+        </dgm:pt>
+        <dgm:pt modelId="21">
+          <dgm:prSet phldr="1"/>
+        </dgm:pt>
+        <dgm:pt modelId="22">
+          <dgm:prSet phldr="1"/>
+        </dgm:pt>
+        <dgm:pt modelId="3">
+          <dgm:prSet phldr="1"/>
+        </dgm:pt>
+        <dgm:pt modelId="31">
+          <dgm:prSet phldr="1"/>
+        </dgm:pt>
+        <dgm:pt modelId="32">
+          <dgm:prSet phldr="1"/>
+        </dgm:pt>
+      </dgm:ptLst>
+      <dgm:cxnLst>
+        <dgm:cxn modelId="4" srcId="0" destId="1" srcOrd="0" destOrd="0"/>
+        <dgm:cxn modelId="5" srcId="0" destId="2" srcOrd="1" destOrd="0"/>
+        <dgm:cxn modelId="6" srcId="0" destId="3" srcOrd="2" destOrd="0"/>
+        <dgm:cxn modelId="41" srcId="1" destId="11" srcOrd="0" destOrd="0"/>
+        <dgm:cxn modelId="42" srcId="1" destId="12" srcOrd="1" destOrd="0"/>
+        <dgm:cxn modelId="51" srcId="2" destId="21" srcOrd="0" destOrd="0"/>
+        <dgm:cxn modelId="52" srcId="2" destId="22" srcOrd="1" destOrd="0"/>
+        <dgm:cxn modelId="61" srcId="3" destId="31" srcOrd="0" destOrd="0"/>
+        <dgm:cxn modelId="62" srcId="3" destId="32" srcOrd="1" destOrd="0"/>
+      </dgm:cxnLst>
+      <dgm:bg/>
+      <dgm:whole/>
+    </dgm:dataModel>
+  </dgm:sampData>
+  <dgm:styleData>
+    <dgm:dataModel>
+      <dgm:ptLst>
+        <dgm:pt modelId="0" type="doc"/>
+        <dgm:pt modelId="1"/>
+        <dgm:pt modelId="11"/>
+        <dgm:pt modelId="12"/>
+        <dgm:pt modelId="2"/>
+        <dgm:pt modelId="21"/>
+        <dgm:pt modelId="22"/>
+        <dgm:pt modelId="3"/>
+        <dgm:pt modelId="31"/>
+        <dgm:pt modelId="32"/>
+      </dgm:ptLst>
+      <dgm:cxnLst>
+        <dgm:cxn modelId="4" srcId="0" destId="1" srcOrd="0" destOrd="0"/>
+        <dgm:cxn modelId="5" srcId="0" destId="2" srcOrd="1" destOrd="0"/>
+        <dgm:cxn modelId="6" srcId="0" destId="3" srcOrd="2" destOrd="0"/>
+        <dgm:cxn modelId="41" srcId="1" destId="11" srcOrd="0" destOrd="0"/>
+        <dgm:cxn modelId="42" srcId="1" destId="12" srcOrd="1" destOrd="0"/>
+        <dgm:cxn modelId="51" srcId="2" destId="21" srcOrd="0" destOrd="0"/>
+        <dgm:cxn modelId="52" srcId="2" destId="22" srcOrd="1" destOrd="0"/>
+        <dgm:cxn modelId="61" srcId="3" destId="31" srcOrd="0" destOrd="0"/>
+        <dgm:cxn modelId="62" srcId="3" destId="32" srcOrd="1" destOrd="0"/>
+      </dgm:cxnLst>
+      <dgm:bg/>
+      <dgm:whole/>
+    </dgm:dataModel>
+  </dgm:styleData>
+  <dgm:clrData>
+    <dgm:dataModel>
+      <dgm:ptLst>
+        <dgm:pt modelId="0" type="doc"/>
+        <dgm:pt modelId="1"/>
+        <dgm:pt modelId="11"/>
+        <dgm:pt modelId="12"/>
+        <dgm:pt modelId="2"/>
+        <dgm:pt modelId="21"/>
+        <dgm:pt modelId="22"/>
+        <dgm:pt modelId="3"/>
+        <dgm:pt modelId="31"/>
+        <dgm:pt modelId="32"/>
+      </dgm:ptLst>
+      <dgm:cxnLst>
+        <dgm:cxn modelId="4" srcId="0" destId="1" srcOrd="0" destOrd="0"/>
+        <dgm:cxn modelId="5" srcId="0" destId="2" srcOrd="1" destOrd="0"/>
+        <dgm:cxn modelId="6" srcId="0" destId="3" srcOrd="2" destOrd="0"/>
+        <dgm:cxn modelId="41" srcId="1" destId="11" srcOrd="0" destOrd="0"/>
+        <dgm:cxn modelId="42" srcId="1" destId="12" srcOrd="1" destOrd="0"/>
+        <dgm:cxn modelId="51" srcId="2" destId="21" srcOrd="0" destOrd="0"/>
+        <dgm:cxn modelId="52" srcId="2" destId="22" srcOrd="1" destOrd="0"/>
+        <dgm:cxn modelId="61" srcId="3" destId="31" srcOrd="0" destOrd="0"/>
+        <dgm:cxn modelId="62" srcId="3" destId="32" srcOrd="1" destOrd="0"/>
+      </dgm:cxnLst>
+      <dgm:bg/>
+      <dgm:whole/>
+    </dgm:dataModel>
+  </dgm:clrData>
+  <dgm:layoutNode name="Name0">
+    <dgm:varLst>
+      <dgm:chMax val="7"/>
+      <dgm:dir/>
+      <dgm:animLvl val="lvl"/>
+      <dgm:resizeHandles val="exact"/>
+    </dgm:varLst>
+    <dgm:alg type="composite"/>
+    <dgm:shape xmlns:r="http://schemas.openxmlformats.org/officeDocument/2006/relationships" r:blip="">
+      <dgm:adjLst/>
+    </dgm:shape>
+    <dgm:presOf/>
+    <dgm:choose name="Name1">
+      <dgm:if name="Name2" func="var" arg="dir" op="equ" val="norm">
+        <dgm:choose name="Name3">
+          <dgm:if name="Name4" axis="ch" ptType="node" func="cnt" op="equ" val="1">
+            <dgm:constrLst>
+              <dgm:constr type="userA" refType="w" fact="0.3"/>
+              <dgm:constr type="w" for="ch" forName="circle1" refType="userA" fact="2"/>
+              <dgm:constr type="h" for="ch" forName="circle1" refType="w" refFor="ch" refForName="circle1" op="equ"/>
+              <dgm:constr type="l" for="ch" forName="circle1"/>
+              <dgm:constr type="ctrY" for="ch" forName="circle1" refType="h" fact="0.5"/>
+              <dgm:constr type="l" for="ch" forName="space" refType="ctrX" refFor="ch" refForName="circle1"/>
+              <dgm:constr type="w" for="ch" forName="space"/>
+              <dgm:constr type="h" for="ch" forName="space" refType="h" refFor="ch" refForName="circle1"/>
+              <dgm:constr type="b" for="ch" forName="space" refType="b" refFor="ch" refForName="circle1"/>
+              <dgm:constr type="l" for="ch" forName="rect1" refType="r" refFor="ch" refForName="space"/>
+              <dgm:constr type="r" for="ch" forName="rect1" refType="w"/>
+              <dgm:constr type="h" for="ch" forName="rect1" refType="h" refFor="ch" refForName="circle1"/>
+              <dgm:constr type="b" for="ch" forName="rect1" refType="b" refFor="ch" refForName="circle1"/>
+              <dgm:constr type="l" for="ch" forName="rect1ParTx" refType="r" refFor="ch" refForName="space"/>
+              <dgm:constr type="w" for="ch" forName="rect1ParTx" refType="w" refFor="ch" refForName="rect1" fact="0.5"/>
+              <dgm:constr type="t" for="ch" forName="rect1ParTx" refType="t" refFor="ch" refForName="rect1"/>
+              <dgm:constr type="b" for="ch" forName="rect1ParTx" refType="b" refFor="ch" refForName="rect1"/>
+              <dgm:constr type="l" for="ch" forName="rect1ChTx" refType="r" refFor="ch" refForName="rect1ParTx"/>
+              <dgm:constr type="w" for="ch" forName="rect1ChTx" refType="w" refFor="ch" refForName="rect1ParTx"/>
+              <dgm:constr type="t" for="ch" forName="rect1ChTx" refType="t" refFor="ch" refForName="rect1ParTx"/>
+              <dgm:constr type="b" for="ch" forName="rect1ChTx" refType="b" refFor="ch" refForName="rect1ParTx"/>
+              <dgm:constr type="l" for="ch" forName="rect1ParTxNoCh" refType="r" refFor="ch" refForName="space"/>
+              <dgm:constr type="w" for="ch" forName="rect1ParTxNoCh" refType="w" refFor="ch" refForName="rect1"/>
+              <dgm:constr type="t" for="ch" forName="rect1ParTxNoCh" refType="t" refFor="ch" refForName="rect1"/>
+              <dgm:constr type="b" for="ch" forName="rect1ParTxNoCh" refType="b" refFor="ch" refForName="rect1"/>
+              <dgm:constr type="primFontSz" for="ch" op="equ" val="65"/>
+              <dgm:constr type="secFontSz" for="ch" op="equ" val="65"/>
+            </dgm:constrLst>
+          </dgm:if>
+          <dgm:if name="Name5" axis="ch" ptType="node" func="cnt" op="equ" val="2">
+            <dgm:constrLst>
+              <dgm:constr type="userA" refType="w" fact="0.3"/>
+              <dgm:constr type="w" for="ch" forName="circle1" refType="userA" fact="2"/>
+              <dgm:constr type="h" for="ch" forName="circle1" refType="w" refFor="ch" refForName="circle1" op="equ"/>
+              <dgm:constr type="l" for="ch" forName="circle1"/>
+              <dgm:constr type="ctrY" for="ch" forName="circle1" refType="h" fact="0.5"/>
+              <dgm:constr type="l" for="ch" forName="space" refType="ctrX" refFor="ch" refForName="circle1"/>
+              <dgm:constr type="w" for="ch" forName="space"/>
+              <dgm:constr type="h" for="ch" forName="space" refType="h" refFor="ch" refForName="circle1"/>
+              <dgm:constr type="b" for="ch" forName="space" refType="b" refFor="ch" refForName="circle1"/>
+              <dgm:constr type="l" for="ch" forName="rect1" refType="r" refFor="ch" refForName="space"/>
+              <dgm:constr type="r" for="ch" forName="rect1" refType="w"/>
+              <dgm:constr type="h" for="ch" forName="rect1" refType="h" refFor="ch" refForName="circle1"/>
+              <dgm:constr type="b" for="ch" forName="rect1" refType="b" refFor="ch" refForName="circle1"/>
+              <dgm:constr type="l" for="ch" forName="vertSpace2"/>
+              <dgm:constr type="w" for="ch" forName="vertSpace2" refType="w"/>
+              <dgm:constr type="h" for="ch" forName="vertSpace2" refType="h" refFor="ch" refForName="circle1" fact="0.05"/>
+              <dgm:constr type="b" for="ch" forName="vertSpace2" refType="b" refFor="ch" refForName="circle1"/>
+              <dgm:constr type="ctrX" for="ch" forName="circle2" refType="l" refFor="ch" refForName="space"/>
+              <dgm:constr type="h" for="ch" forName="circle2" refType="h" refFor="ch" refForName="circle1" fact="0.5"/>
+              <dgm:constr type="hOff" for="ch" forName="circle2" refType="h" refFor="ch" refForName="vertSpace2" fact="-0.5"/>
+              <dgm:constr type="w" for="ch" forName="circle2" refType="h" refFor="ch" refForName="circle2" op="equ"/>
+              <dgm:constr type="wOff" for="ch" forName="circle2" refType="hOff" refFor="ch" refForName="circle2" op="equ"/>
+              <dgm:constr type="b" for="ch" forName="circle2" refType="t" refFor="ch" refForName="vertSpace2"/>
+              <dgm:constr type="l" for="ch" forName="rect2" refType="r" refFor="ch" refForName="space"/>
+              <dgm:constr type="r" for="ch" forName="rect2" refType="w"/>
+              <dgm:constr type="h" for="ch" forName="rect2" refType="h" refFor="ch" refForName="circle2"/>
+              <dgm:constr type="hOff" for="ch" forName="rect2" refType="hOff" refFor="ch" refForName="circle2"/>
+              <dgm:constr type="b" for="ch" forName="rect2" refType="b" refFor="ch" refForName="circle2"/>
+              <dgm:constr type="l" for="ch" forName="rect2ParTx" refType="r" refFor="ch" refForName="space"/>
+              <dgm:constr type="w" for="ch" forName="rect2ParTx" refType="w" refFor="ch" refForName="rect2" fact="0.5"/>
+              <dgm:constr type="t" for="ch" forName="rect2ParTx" refType="t" refFor="ch" refForName="rect2"/>
+              <dgm:constr type="b" for="ch" forName="rect2ParTx" refType="b" refFor="ch" refForName="rect2"/>
+              <dgm:constr type="l" for="ch" forName="rect2ChTx" refType="r" refFor="ch" refForName="rect2ParTx"/>
+              <dgm:constr type="w" for="ch" forName="rect2ChTx" refType="w" refFor="ch" refForName="rect2ParTx"/>
+              <dgm:constr type="t" for="ch" forName="rect2ChTx" refType="t" refFor="ch" refForName="rect2ParTx"/>
+              <dgm:constr type="b" for="ch" forName="rect2ChTx" refType="b" refFor="ch" refForName="rect2ParTx"/>
+              <dgm:constr type="l" for="ch" forName="rect2ParTxNoCh" refType="r" refFor="ch" refForName="space"/>
+              <dgm:constr type="w" for="ch" forName="rect2ParTxNoCh" refType="w" refFor="ch" refForName="rect2"/>
+              <dgm:constr type="t" for="ch" forName="rect2ParTxNoCh" refType="t" refFor="ch" refForName="rect2"/>
+              <dgm:constr type="b" for="ch" forName="rect2ParTxNoCh" refType="b" refFor="ch" refForName="rect2"/>
+              <dgm:constr type="l" for="ch" forName="rect1ParTx" refType="r" refFor="ch" refForName="space"/>
+              <dgm:constr type="w" for="ch" forName="rect1ParTx" refType="w" refFor="ch" refForName="rect1" fact="0.5"/>
+              <dgm:constr type="t" for="ch" forName="rect1ParTx" refType="t" refFor="ch" refForName="rect1"/>
+              <dgm:constr type="b" for="ch" forName="rect1ParTx" refType="t" refFor="ch" refForName="rect2"/>
+              <dgm:constr type="l" for="ch" forName="rect1ChTx" refType="r" refFor="ch" refForName="rect1ParTx"/>
+              <dgm:constr type="w" for="ch" forName="rect1ChTx" refType="w" refFor="ch" refForName="rect1ParTx"/>
+              <dgm:constr type="t" for="ch" forName="rect1ChTx" refType="t" refFor="ch" refForName="rect1ParTx"/>
+              <dgm:constr type="b" for="ch" forName="rect1ChTx" refType="b" refFor="ch" refForName="rect1ParTx"/>
+              <dgm:constr type="l" for="ch" forName="rect1ParTxNoCh" refType="r" refFor="ch" refForName="space"/>
+              <dgm:constr type="w" for="ch" forName="rect1ParTxNoCh" refType="w" refFor="ch" refForName="rect1"/>
+              <dgm:constr type="t" for="ch" forName="rect1ParTxNoCh" refType="t" refFor="ch" refForName="rect1"/>
+              <dgm:constr type="b" for="ch" forName="rect1ParTxNoCh" refType="t" refFor="ch" refForName="rect2"/>
+              <dgm:constr type="primFontSz" for="ch" op="equ" val="65"/>
+              <dgm:constr type="secFontSz" for="ch" op="equ" val="65"/>
+            </dgm:constrLst>
+          </dgm:if>
+          <dgm:if name="Name6" axis="ch" ptType="node" func="cnt" op="equ" val="3">
+            <dgm:constrLst>
+              <dgm:constr type="userA" refType="w" fact="0.3"/>
+              <dgm:constr type="w" for="ch" forName="circle1" refType="userA" fact="2"/>
+              <dgm:constr type="h" for="ch" forName="circle1" refType="w" refFor="ch" refForName="circle1" op="equ"/>
+              <dgm:constr type="l" for="ch" forName="circle1"/>
+              <dgm:constr type="ctrY" for="ch" forName="circle1" refType="h" fact="0.5"/>
+              <dgm:constr type="l" for="ch" forName="space" refType="ctrX" refFor="ch" refForName="circle1"/>
+              <dgm:constr type="w" for="ch" forName="space"/>
+              <dgm:constr type="h" for="ch" forName="space" refType="h" refFor="ch" refForName="circle1"/>
+              <dgm:constr type="b" for="ch" forName="space" refType="b" refFor="ch" refForName="circle1"/>
+              <dgm:constr type="l" for="ch" forName="rect1" refType="r" refFor="ch" refForName="space"/>
+              <dgm:constr type="r" for="ch" forName="rect1" refType="w"/>
+              <dgm:constr type="h" for="ch" forName="rect1" refType="h" refFor="ch" refForName="circle1"/>
+              <dgm:constr type="b" for="ch" forName="rect1" refType="b" refFor="ch" refForName="circle1"/>
+              <dgm:constr type="l" for="ch" forName="vertSpace2"/>
+              <dgm:constr type="w" for="ch" forName="vertSpace2" refType="w"/>
+              <dgm:constr type="h" for="ch" forName="vertSpace2" refType="h" refFor="ch" refForName="circle1" fact="0.05"/>
+              <dgm:constr type="b" for="ch" forName="vertSpace2" refType="b" refFor="ch" refForName="circle1"/>
+              <dgm:constr type="ctrX" for="ch" forName="circle2" refType="l" refFor="ch" refForName="space"/>
+              <dgm:constr type="h" for="ch" forName="circle2" refType="h" refFor="ch" refForName="circle1" fact="0.66667"/>
+              <dgm:constr type="hOff" for="ch" forName="circle2" refType="h" refFor="ch" refForName="vertSpace2" fact="-0.33333"/>
+              <dgm:constr type="w" for="ch" forName="circle2" refType="h" refFor="ch" refForName="circle2" op="equ"/>
+              <dgm:constr type="wOff" for="ch" forName="circle2" refType="hOff" refFor="ch" refForName="circle2" op="equ"/>
+              <dgm:constr type="b" for="ch" forName="circle2" refType="t" refFor="ch" refForName="vertSpace2"/>
+              <dgm:constr type="l" for="ch" forName="rect2" refType="r" refFor="ch" refForName="space"/>
+              <dgm:constr type="r" for="ch" forName="rect2" refType="w"/>
+              <dgm:constr type="h" for="ch" forName="rect2" refType="h" refFor="ch" refForName="circle2"/>
+              <dgm:constr type="hOff" for="ch" forName="rect2" refType="hOff" refFor="ch" refForName="circle2"/>
+              <dgm:constr type="b" for="ch" forName="rect2" refType="b" refFor="ch" refForName="circle2"/>
+              <dgm:constr type="l" for="ch" forName="vertSpace3"/>
+              <dgm:constr type="w" for="ch" forName="vertSpace3" refType="w"/>
+              <dgm:constr type="h" for="ch" forName="vertSpace3" refType="h" refFor="ch" refForName="vertSpace2"/>
+              <dgm:constr type="b" for="ch" forName="vertSpace3" refType="t" refFor="ch" refForName="vertSpace2"/>
+              <dgm:constr type="ctrX" for="ch" forName="circle3" refType="l" refFor="ch" refForName="space"/>
+              <dgm:constr type="h" for="ch" forName="circle3" refType="h" refFor="ch" refForName="circle1" fact="0.33333"/>
+              <dgm:constr type="hOff" for="ch" forName="circle3" refType="h" refFor="ch" refForName="vertSpace2" fact="-0.66667"/>
+              <dgm:constr type="w" for="ch" forName="circle3" refType="h" refFor="ch" refForName="circle3" op="equ"/>
+              <dgm:constr type="wOff" for="ch" forName="circle3" refType="hOff" refFor="ch" refForName="circle3" op="equ"/>
+              <dgm:constr type="b" for="ch" forName="circle3" refType="t" refFor="ch" refForName="vertSpace3"/>
+              <dgm:constr type="l" for="ch" forName="rect3" refType="r" refFor="ch" refForName="space"/>
+              <dgm:constr type="r" for="ch" forName="rect3" refType="w"/>
+              <dgm:constr type="h" for="ch" forName="rect3" refType="h" refFor="ch" refForName="circle3"/>
+              <dgm:constr type="hOff" for="ch" forName="rect3" refType="hOff" refFor="ch" refForName="circle3"/>
+              <dgm:constr type="b" for="ch" forName="rect3" refType="b" refFor="ch" refForName="circle3"/>
+              <dgm:constr type="l" for="ch" forName="rect3ParTx" refType="r" refFor="ch" refForName="space"/>
+              <dgm:constr type="w" for="ch" forName="rect3ParTx" refType="w" refFor="ch" refForName="rect3" fact="0.5"/>
+              <dgm:constr type="t" for="ch" forName="rect3ParTx" refType="t" refFor="ch" refForName="rect3"/>
+              <dgm:constr type="b" for="ch" forName="rect3ParTx" refType="b" refFor="ch" refForName="rect3"/>
+              <dgm:constr type="l" for="ch" forName="rect3ChTx" refType="r" refFor="ch" refForName="rect3ParTx"/>
+              <dgm:constr type="w" for="ch" forName="rect3ChTx" refType="w" refFor="ch" refForName="rect3ParTx"/>
+              <dgm:constr type="t" for="ch" forName="rect3ChTx" refType="t" refFor="ch" refForName="rect3ParTx"/>
+              <dgm:constr type="b" for="ch" forName="rect3ChTx" refType="b" refFor="ch" refForName="rect3ParTx"/>
+              <dgm:constr type="l" for="ch" forName="rect3ParTxNoCh" refType="r" refFor="ch" refForName="space"/>
+              <dgm:constr type="w" for="ch" forName="rect3ParTxNoCh" refType="w" refFor="ch" refForName="rect3"/>
+              <dgm:constr type="t" for="ch" forName="rect3ParTxNoCh" refType="t" refFor="ch" refForName="rect3"/>
+              <dgm:constr type="b" for="ch" forName="rect3ParTxNoCh" refType="b" refFor="ch" refForName="rect3"/>
+              <dgm:constr type="l" for="ch" forName="rect1ParTx" refType="r" refFor="ch" refForName="space"/>
+              <dgm:constr type="w" for="ch" forName="rect1ParTx" refType="w" refFor="ch" refForName="rect1" fact="0.5"/>
+              <dgm:constr type="t" for="ch" forName="rect1ParTx" refType="t" refFor="ch" refForName="rect1"/>
+              <dgm:constr type="b" for="ch" forName="rect1ParTx" refType="t" refFor="ch" refForName="rect2"/>
+              <dgm:constr type="l" for="ch" forName="rect1ChTx" refType="r" refFor="ch" refForName="rect1ParTx"/>
+              <dgm:constr type="w" for="ch" forName="rect1ChTx" refType="w" refFor="ch" refForName="rect1ParTx"/>
+              <dgm:constr type="t" for="ch" forName="rect1ChTx" refType="t" refFor="ch" refForName="rect1ParTx"/>
+              <dgm:constr type="b" for="ch" forName="rect1ChTx" refType="b" refFor="ch" refForName="rect1ParTx"/>
+              <dgm:constr type="l" for="ch" forName="rect1ParTxNoCh" refType="r" refFor="ch" refForName="space"/>
+              <dgm:constr type="w" for="ch" forName="rect1ParTxNoCh" refType="w" refFor="ch" refForName="rect1"/>
+              <dgm:constr type="t" for="ch" forName="rect1ParTxNoCh" refType="t" refFor="ch" refForName="rect1"/>
+              <dgm:constr type="b" for="ch" forName="rect1ParTxNoCh" refType="t" refFor="ch" refForName="rect2"/>
+              <dgm:constr type="l" for="ch" forName="rect2ParTx" refType="r" refFor="ch" refForName="space"/>
+              <dgm:constr type="w" for="ch" forName="rect2ParTx" refType="w" refFor="ch" refForName="rect2" fact="0.5"/>
+              <dgm:constr type="t" for="ch" forName="rect2ParTx" refType="t" refFor="ch" refForName="rect2"/>
+              <dgm:constr type="b" for="ch" forName="rect2ParTx" refType="t" refFor="ch" refForName="rect3"/>
+              <dgm:constr type="l" for="ch" forName="rect2ChTx" refType="r" refFor="ch" refForName="rect2ParTx"/>
+              <dgm:constr type="w" for="ch" forName="rect2ChTx" refType="w" refFor="ch" refForName="rect2ParTx"/>
+              <dgm:constr type="t" for="ch" forName="rect2ChTx" refType="t" refFor="ch" refForName="rect2ParTx"/>
+              <dgm:constr type="b" for="ch" forName="rect2ChTx" refType="b" refFor="ch" refForName="rect2ParTx"/>
+              <dgm:constr type="l" for="ch" forName="rect2ParTxNoCh" refType="r" refFor="ch" refForName="space"/>
+              <dgm:constr type="w" for="ch" forName="rect2ParTxNoCh" refType="w" refFor="ch" refForName="rect2"/>
+              <dgm:constr type="t" for="ch" forName="rect2ParTxNoCh" refType="t" refFor="ch" refForName="rect2"/>
+              <dgm:constr type="b" for="ch" forName="rect2ParTxNoCh" refType="t" refFor="ch" refForName="rect3"/>
+              <dgm:constr type="primFontSz" for="ch" op="equ" val="65"/>
+              <dgm:constr type="secFontSz" for="ch" op="equ" val="65"/>
+            </dgm:constrLst>
+          </dgm:if>
+          <dgm:if name="Name7" axis="ch" ptType="node" func="cnt" op="equ" val="4">
+            <dgm:constrLst>
+              <dgm:constr type="userA" refType="w" fact="0.3"/>
+              <dgm:constr type="w" for="ch" forName="circle1" refType="userA" fact="2"/>
+              <dgm:constr type="h" for="ch" forName="circle1" refType="w" refFor="ch" refForName="circle1" op="equ"/>
+              <dgm:constr type="l" for="ch" forName="circle1"/>
+              <dgm:constr type="ctrY" for="ch" forName="circle1" refType="h" fact="0.5"/>
+              <dgm:constr type="l" for="ch" forName="space" refType="ctrX" refFor="ch" refForName="circle1"/>
+              <dgm:constr type="w" for="ch" forName="space"/>
+              <dgm:constr type="h" for="ch" forName="space" refType="h" refFor="ch" refForName="circle1"/>
+              <dgm:constr type="b" for="ch" forName="space" refType="b" refFor="ch" refForName="circle1"/>
+              <dgm:constr type="l" for="ch" forName="rect1" refType="r" refFor="ch" refForName="space"/>
+              <dgm:constr type="r" for="ch" forName="rect1" refType="w"/>
+              <dgm:constr type="h" for="ch" forName="rect1" refType="h" refFor="ch" refForName="circle1"/>
+              <dgm:constr type="b" for="ch" forName="rect1" refType="b" refFor="ch" refForName="circle1"/>
+              <dgm:constr type="l" for="ch" forName="vertSpace2"/>
+              <dgm:constr type="w" for="ch" forName="vertSpace2" refType="w"/>
+              <dgm:constr type="h" for="ch" forName="vertSpace2" refType="h" refFor="ch" refForName="circle1" fact="0.05"/>
+              <dgm:constr type="b" for="ch" forName="vertSpace2" refType="b" refFor="ch" refForName="circle1"/>
+              <dgm:constr type="ctrX" for="ch" forName="circle2" refType="l" refFor="ch" refForName="space"/>
+              <dgm:constr type="h" for="ch" forName="circle2" refType="h" refFor="ch" refForName="circle1" fact="0.75"/>
+              <dgm:constr type="hOff" for="ch" forName="circle2" refType="h" refFor="ch" refForName="vertSpace2" fact="-0.25"/>
+              <dgm:constr type="w" for="ch" forName="circle2" refType="h" refFor="ch" refForName="circle2" op="equ"/>
+              <dgm:constr type="wOff" for="ch" forName="circle2" refType="hOff" refFor="ch" refForName="circle2" op="equ"/>
+              <dgm:constr type="b" for="ch" forName="circle2" refType="t" refFor="ch" refForName="vertSpace2"/>
+              <dgm:constr type="l" for="ch" forName="rect2" refType="r" refFor="ch" refForName="space"/>
+              <dgm:constr type="r" for="ch" forName="rect2" refType="w"/>
+              <dgm:constr type="h" for="ch" forName="rect2" refType="h" refFor="ch" refForName="circle2"/>
+              <dgm:constr type="hOff" for="ch" forName="rect2" refType="hOff" refFor="ch" refForName="circle2"/>
+              <dgm:constr type="b" for="ch" forName="rect2" refType="b" refFor="ch" refForName="circle2"/>
+              <dgm:constr type="l" for="ch" forName="vertSpace3"/>
+              <dgm:constr type="w" for="ch" forName="vertSpace3" refType="w"/>
+              <dgm:constr type="h" for="ch" forName="vertSpace3" refType="h" refFor="ch" refForName="vertSpace2"/>
+              <dgm:constr type="b" for="ch" forName="vertSpace3" refType="t" refFor="ch" refForName="vertSpace2"/>
+              <dgm:constr type="ctrX" for="ch" forName="circle3" refType="l" refFor="ch" refForName="space"/>
+              <dgm:constr type="h" for="ch" forName="circle3" refType="h" refFor="ch" refForName="circle1" fact="0.5"/>
+              <dgm:constr type="hOff" for="ch" forName="circle3" refType="h" refFor="ch" refForName="vertSpace2" fact="-0.5"/>
+              <dgm:constr type="w" for="ch" forName="circle3" refType="h" refFor="ch" refForName="circle3" op="equ"/>
+              <dgm:constr type="wOff" for="ch" forName="circle3" refType="hOff" refFor="ch" refForName="circle3" op="equ"/>
+              <dgm:constr type="b" for="ch" forName="circle3" refType="t" refFor="ch" refForName="vertSpace3"/>
+              <dgm:constr type="l" for="ch" forName="rect3" refType="r" refFor="ch" refForName="space"/>
+              <dgm:constr type="r" for="ch" forName="rect3" refType="w"/>
+              <dgm:constr type="h" for="ch" forName="rect3" refType="h" refFor="ch" refForName="circle3"/>
+              <dgm:constr type="hOff" for="ch" forName="rect3" refType="hOff" refFor="ch" refForName="circle3"/>
+              <dgm:constr type="b" for="ch" forName="rect3" refType="b" refFor="ch" refForName="circle3"/>
+              <dgm:constr type="l" for="ch" forName="vertSpace4"/>
+              <dgm:constr type="w" for="ch" forName="vertSpace4" refType="w"/>
+              <dgm:constr type="h" for="ch" forName="vertSpace4" refType="h" refFor="ch" refForName="vertSpace3"/>
+              <dgm:constr type="b" for="ch" forName="vertSpace4" refType="t" refFor="ch" refForName="vertSpace3"/>
+              <dgm:constr type="ctrX" for="ch" forName="circle4" refType="l" refFor="ch" refForName="space"/>
+              <dgm:constr type="h" for="ch" forName="circle4" refType="h" refFor="ch" refForName="circle1" fact="0.25"/>
+              <dgm:constr type="hOff" for="ch" forName="circle4" refType="h" refFor="ch" refForName="vertSpace2" fact="-0.75"/>
+              <dgm:constr type="w" for="ch" forName="circle4" refType="h" refFor="ch" refForName="circle4" op="equ"/>
+              <dgm:constr type="wOff" for="ch" forName="circle4" refType="hOff" refFor="ch" refForName="circle4" op="equ"/>
+              <dgm:constr type="b" for="ch" forName="circle4" refType="t" refFor="ch" refForName="vertSpace4"/>
+              <dgm:constr type="l" for="ch" forName="rect4" refType="r" refFor="ch" refForName="space"/>
+              <dgm:constr type="r" for="ch" forName="rect4" refType="w"/>
+              <dgm:constr type="h" for="ch" forName="rect4" refType="h" refFor="ch" refForName="circle4"/>
+              <dgm:constr type="hOff" for="ch" forName="rect4" refType="hOff" refFor="ch" refForName="circle4"/>
+              <dgm:constr type="b" for="ch" forName="rect4" refType="b" refFor="ch" refForName="circle4"/>
+              <dgm:constr type="l" for="ch" forName="rect4ParTx" refType="r" refFor="ch" refForName="space"/>
+              <dgm:constr type="w" for="ch" forName="rect4ParTx" refType="w" refFor="ch" refForName="rect4" fact="0.5"/>
+              <dgm:constr type="t" for="ch" forName="rect4ParTx" refType="t" refFor="ch" refForName="rect4"/>
+              <dgm:constr type="b" for="ch" forName="rect4ParTx" refType="b" refFor="ch" refForName="rect4"/>
+              <dgm:constr type="l" for="ch" forName="rect4ChTx" refType="r" refFor="ch" refForName="rect4ParTx"/>
+              <dgm:constr type="w" for="ch" forName="rect4ChTx" refType="w" refFor="ch" refForName="rect4ParTx"/>
+              <dgm:constr type="t" for="ch" forName="rect4ChTx" refType="t" refFor="ch" refForName="rect4ParTx"/>
+              <dgm:constr type="b" for="ch" forName="rect4ChTx" refType="b" refFor="ch" refForName="rect4ParTx"/>
+              <dgm:constr type="l" for="ch" forName="rect4ParTxNoCh" refType="r" refFor="ch" refForName="space"/>
+              <dgm:constr type="w" for="ch" forName="rect4ParTxNoCh" refType="w" refFor="ch" refForName="rect4"/>
+              <dgm:constr type="t" for="ch" forName="rect4ParTxNoCh" refType="t" refFor="ch" refForName="rect4"/>
+              <dgm:constr type="b" for="ch" forName="rect4ParTxNoCh" refType="b" refFor="ch" refForName="rect4"/>
+              <dgm:constr type="l" for="ch" forName="rect1ParTx" refType="r" refFor="ch" refForName="space"/>
+              <dgm:constr type="w" for="ch" forName="rect1ParTx" refType="w" refFor="ch" refForName="rect1" fact="0.5"/>
+              <dgm:constr type="t" for="ch" forName="rect1ParTx" refType="t" refFor="ch" refForName="rect1"/>
+              <dgm:constr type="b" for="ch" forName="rect1ParTx" refType="t" refFor="ch" refForName="rect2"/>
+              <dgm:constr type="l" for="ch" forName="rect1ChTx" refType="r" refFor="ch" refForName="rect1ParTx"/>
+              <dgm:constr type="w" for="ch" forName="rect1ChTx" refType="w" refFor="ch" refForName="rect1ParTx"/>
+              <dgm:constr type="t" for="ch" forName="rect1ChTx" refType="t" refFor="ch" refForName="rect1ParTx"/>
+              <dgm:constr type="b" for="ch" forName="rect1ChTx" refType="b" refFor="ch" refForName="rect1ParTx"/>
+              <dgm:constr type="l" for="ch" forName="rect1ParTxNoCh" refType="r" refFor="ch" refForName="space"/>
+              <dgm:constr type="w" for="ch" forName="rect1ParTxNoCh" refType="w" refFor="ch" refForName="rect1"/>
+              <dgm:constr type="t" for="ch" forName="rect1ParTxNoCh" refType="t" refFor="ch" refForName="rect1"/>
+              <dgm:constr type="b" for="ch" forName="rect1ParTxNoCh" refType="t" refFor="ch" refForName="rect2"/>
+              <dgm:constr type="l" for="ch" forName="rect2ParTx" refType="r" refFor="ch" refForName="space"/>
+              <dgm:constr type="w" for="ch" forName="rect2ParTx" refType="w" refFor="ch" refForName="rect2" fact="0.5"/>
+              <dgm:constr type="t" for="ch" forName="rect2ParTx" refType="t" refFor="ch" refForName="rect2"/>
+              <dgm:constr type="b" for="ch" forName="rect2ParTx" refType="t" refFor="ch" refForName="rect3"/>
+              <dgm:constr type="l" for="ch" forName="rect2ChTx" refType="r" refFor="ch" refForName="rect2ParTx"/>
+              <dgm:constr type="w" for="ch" forName="rect2ChTx" refType="w" refFor="ch" refForName="rect2ParTx"/>
+              <dgm:constr type="t" for="ch" forName="rect2ChTx" refType="t" refFor="ch" refForName="rect2ParTx"/>
+              <dgm:constr type="b" for="ch" forName="rect2ChTx" refType="b" refFor="ch" refForName="rect2ParTx"/>
+              <dgm:constr type="l" for="ch" forName="rect2ParTxNoCh" refType="r" refFor="ch" refForName="space"/>
+              <dgm:constr type="w" for="ch" forName="rect2ParTxNoCh" refType="w" refFor="ch" refForName="rect2"/>
+              <dgm:constr type="t" for="ch" forName="rect2ParTxNoCh" refType="t" refFor="ch" refForName="rect2"/>
+              <dgm:constr type="b" for="ch" forName="rect2ParTxNoCh" refType="t" refFor="ch" refForName="rect3"/>
+              <dgm:constr type="l" for="ch" forName="rect3ParTx" refType="r" refFor="ch" refForName="space"/>
+              <dgm:constr type="w" for="ch" forName="rect3ParTx" refType="w" refFor="ch" refForName="rect3" fact="0.5"/>
+              <dgm:constr type="t" for="ch" forName="rect3ParTx" refType="t" refFor="ch" refForName="rect3"/>
+              <dgm:constr type="b" for="ch" forName="rect3ParTx" refType="t" refFor="ch" refForName="rect4"/>
+              <dgm:constr type="l" for="ch" forName="rect3ChTx" refType="r" refFor="ch" refForName="rect3ParTx"/>
+              <dgm:constr type="w" for="ch" forName="rect3ChTx" refType="w" refFor="ch" refForName="rect3ParTx"/>
+              <dgm:constr type="t" for="ch" forName="rect3ChTx" refType="t" refFor="ch" refForName="rect3ParTx"/>
+              <dgm:constr type="b" for="ch" forName="rect3ChTx" refType="b" refFor="ch" refForName="rect3ParTx"/>
+              <dgm:constr type="l" for="ch" forName="rect3ParTxNoCh" refType="r" refFor="ch" refForName="space"/>
+              <dgm:constr type="w" for="ch" forName="rect3ParTxNoCh" refType="w" refFor="ch" refForName="rect3"/>
+              <dgm:constr type="t" for="ch" forName="rect3ParTxNoCh" refType="t" refFor="ch" refForName="rect3"/>
+              <dgm:constr type="b" for="ch" forName="rect3ParTxNoCh" refType="t" refFor="ch" refForName="rect4"/>
+              <dgm:constr type="primFontSz" for="ch" op="equ" val="65"/>
+              <dgm:constr type="secFontSz" for="ch" op="equ" val="65"/>
+            </dgm:constrLst>
+          </dgm:if>
+          <dgm:if name="Name8" axis="ch" ptType="node" func="cnt" op="equ" val="5">
+            <dgm:constrLst>
+              <dgm:constr type="userA" refType="w" fact="0.3"/>
+              <dgm:constr type="w" for="ch" forName="circle1" refType="userA" fact="2"/>
+              <dgm:constr type="h" for="ch" forName="circle1" refType="w" refFor="ch" refForName="circle1" op="equ"/>
+              <dgm:constr type="l" for="ch" forName="circle1"/>
+              <dgm:constr type="ctrY" for="ch" forName="circle1" refType="h" fact="0.5"/>
+              <dgm:constr type="l" for="ch" forName="space" refType="ctrX" refFor="ch" refForName="circle1"/>
+              <dgm:constr type="w" for="ch" forName="space"/>
+              <dgm:constr type="h" for="ch" forName="space" refType="h" refFor="ch" refForName="circle1"/>
+              <dgm:constr type="b" for="ch" forName="space" refType="b" refFor="ch" refForName="circle1"/>
+              <dgm:constr type="l" for="ch" forName="rect1" refType="r" refFor="ch" refForName="space"/>
+              <dgm:constr type="r" for="ch" forName="rect1" refType="w"/>
+              <dgm:constr type="h" for="ch" forName="rect1" refType="h" refFor="ch" refForName="circle1"/>
+              <dgm:constr type="b" for="ch" forName="rect1" refType="b" refFor="ch" refForName="circle1"/>
+              <dgm:constr type="l" for="ch" forName="vertSpace2"/>
+              <dgm:constr type="w" for="ch" forName="vertSpace2" refType="w"/>
+              <dgm:constr type="h" for="ch" forName="vertSpace2" refType="h" refFor="ch" refForName="circle1" fact="0.05"/>
+              <dgm:constr type="b" for="ch" forName="vertSpace2" refType="b" refFor="ch" refForName="circle1"/>
+              <dgm:constr type="ctrX" for="ch" forName="circle2" refType="l" refFor="ch" refForName="space"/>
+              <dgm:constr type="h" for="ch" forName="circle2" refType="h" refFor="ch" refForName="circle1" fact="0.8"/>
+              <dgm:constr type="hOff" for="ch" forName="circle2" refType="h" refFor="ch" refForName="vertSpace2" fact="-0.2"/>
+              <dgm:constr type="w" for="ch" forName="circle2" refType="h" refFor="ch" refForName="circle2" op="equ"/>
+              <dgm:constr type="wOff" for="ch" forName="circle2" refType="hOff" refFor="ch" refForName="circle2" op="equ"/>
+              <dgm:constr type="b" for="ch" forName="circle2" refType="t" refFor="ch" refForName="vertSpace2"/>
+              <dgm:constr type="l" for="ch" forName="rect2" refType="r" refFor="ch" refForName="space"/>
+              <dgm:constr type="r" for="ch" forName="rect2" refType="w"/>
+              <dgm:constr type="h" for="ch" forName="rect2" refType="h" refFor="ch" refForName="circle2"/>
+              <dgm:constr type="hOff" for="ch" forName="rect2" refType="hOff" refFor="ch" refForName="circle2"/>
+              <dgm:constr type="b" for="ch" forName="rect2" refType="b" refFor="ch" refForName="circle2"/>
+              <dgm:constr type="l" for="ch" forName="vertSpace3"/>
+              <dgm:constr type="w" for="ch" forName="vertSpace3" refType="w"/>
+              <dgm:constr type="h" for="ch" forName="vertSpace3" refType="h" refFor="ch" refForName="vertSpace2"/>
+              <dgm:constr type="b" for="ch" forName="vertSpace3" refType="t" refFor="ch" refForName="vertSpace2"/>
+              <dgm:constr type="ctrX" for="ch" forName="circle3" refType="l" refFor="ch" refForName="space"/>
+              <dgm:constr type="h" for="ch" forName="circle3" refType="h" refFor="ch" refForName="circle1" fact="0.6"/>
+              <dgm:constr type="hOff" for="ch" forName="circle3" refType="h" refFor="ch" refForName="vertSpace2" fact="-0.4"/>
+              <dgm:constr type="w" for="ch" forName="circle3" refType="h" refFor="ch" refForName="circle3" op="equ"/>
+              <dgm:constr type="wOff" for="ch" forName="circle3" refType="hOff" refFor="ch" refForName="circle3" op="equ"/>
+              <dgm:constr type="b" for="ch" forName="circle3" refType="t" refFor="ch" refForName="vertSpace3"/>
+              <dgm:constr type="l" for="ch" forName="rect3" refType="r" refFor="ch" refForName="space"/>
+              <dgm:constr type="r" for="ch" forName="rect3" refType="w"/>
+              <dgm:constr type="h" for="ch" forName="rect3" refType="h" refFor="ch" refForName="circle3"/>
+              <dgm:constr type="hOff" for="ch" forName="rect3" refType="hOff" refFor="ch" refForName="circle3"/>
+              <dgm:constr type="b" for="ch" forName="rect3" refType="b" refFor="ch" refForName="circle3"/>
+              <dgm:constr type="l" for="ch" forName="vertSpace4"/>
+              <dgm:constr type="w" for="ch" forName="vertSpace4" refType="w"/>
+              <dgm:constr type="h" for="ch" forName="vertSpace4" refType="h" refFor="ch" refForName="vertSpace3"/>
+              <dgm:constr type="b" for="ch" forName="vertSpace4" refType="t" refFor="ch" refForName="vertSpace3"/>
+              <dgm:constr type="ctrX" for="ch" forName="circle4" refType="l" refFor="ch" refForName="space"/>
+              <dgm:constr type="h" for="ch" forName="circle4" refType="h" refFor="ch" refForName="circle1" fact="0.4"/>
+              <dgm:constr type="hOff" for="ch" forName="circle4" refType="h" refFor="ch" refForName="vertSpace2" fact="-0.6"/>
+              <dgm:constr type="w" for="ch" forName="circle4" refType="h" refFor="ch" refForName="circle4" op="equ"/>
+              <dgm:constr type="wOff" for="ch" forName="circle4" refType="hOff" refFor="ch" refForName="circle4" op="equ"/>
+              <dgm:constr type="b" for="ch" forName="circle4" refType="t" refFor="ch" refForName="vertSpace4"/>
+              <dgm:constr type="l" for="ch" forName="rect4" refType="r" refFor="ch" refForName="space"/>
+              <dgm:constr type="r" for="ch" forName="rect4" refType="w"/>
+              <dgm:constr type="h" for="ch" forName="rect4" refType="h" refFor="ch" refForName="circle4"/>
+              <dgm:constr type="hOff" for="ch" forName="rect4" refType="hOff" refFor="ch" refForName="circle4"/>
+              <dgm:constr type="b" for="ch" forName="rect4" refType="b" refFor="ch" refForName="circle4"/>
+              <dgm:constr type="l" for="ch" forName="vertSpace5"/>
+              <dgm:constr type="w" for="ch" forName="vertSpace5" refType="w"/>
+              <dgm:constr type="h" for="ch" forName="vertSpace5" refType="h" refFor="ch" refForName="vertSpace4"/>
+              <dgm:constr type="b" for="ch" forName="vertSpace5" refType="t" refFor="ch" refForName="vertSpace4"/>
+              <dgm:constr type="ctrX" for="ch" forName="circle5" refType="l" refFor="ch" refForName="space"/>
+              <dgm:constr type="h" for="ch" forName="circle5" refType="h" refFor="ch" refForName="circle1" fact="0.2"/>
+              <dgm:constr type="hOff" for="ch" forName="circle5" refType="h" refFor="ch" refForName="vertSpace2" fact="-0.8"/>
+              <dgm:constr type="w" for="ch" forName="circle5" refType="h" refFor="ch" refForName="circle5" op="equ"/>
+              <dgm:constr type="wOff" for="ch" forName="circle5" refType="hOff" refFor="ch" refForName="circle5" op="equ"/>
+              <dgm:constr type="b" for="ch" forName="circle5" refType="t" refFor="ch" refForName="vertSpace5"/>
+              <dgm:constr type="l" for="ch" forName="rect5" refType="r" refFor="ch" refForName="space"/>
+              <dgm:constr type="r" for="ch" forName="rect5" refType="w"/>
+              <dgm:constr type="h" for="ch" forName="rect5" refType="h" refFor="ch" refForName="circle5"/>
+              <dgm:constr type="hOff" for="ch" forName="rect5" refType="hOff" refFor="ch" refForName="circle5"/>
+              <dgm:constr type="b" for="ch" forName="rect5" refType="b" refFor="ch" refForName="circle5"/>
+              <dgm:constr type="l" for="ch" forName="rect5ParTx" refType="r" refFor="ch" refForName="space"/>
+              <dgm:constr type="w" for="ch" forName="rect5ParTx" refType="w" refFor="ch" refForName="rect5" fact="0.5"/>
+              <dgm:constr type="t" for="ch" forName="rect5ParTx" refType="t" refFor="ch" refForName="rect5"/>
+              <dgm:constr type="b" for="ch" forName="rect5ParTx" refType="b" refFor="ch" refForName="rect5"/>
+              <dgm:constr type="l" for="ch" forName="rect5ChTx" refType="r" refFor="ch" refForName="rect5ParTx"/>
+              <dgm:constr type="w" for="ch" forName="rect5ChTx" refType="w" refFor="ch" refForName="rect5ParTx"/>
+              <dgm:constr type="t" for="ch" forName="rect5ChTx" refType="t" refFor="ch" refForName="rect5ParTx"/>
+              <dgm:constr type="b" for="ch" forName="rect5ChTx" refType="b" refFor="ch" refForName="rect5ParTx"/>
+              <dgm:constr type="l" for="ch" forName="rect5ParTxNoCh" refType="r" refFor="ch" refForName="space"/>
+              <dgm:constr type="w" for="ch" forName="rect5ParTxNoCh" refType="w" refFor="ch" refForName="rect5"/>
+              <dgm:constr type="t" for="ch" forName="rect5ParTxNoCh" refType="t" refFor="ch" refForName="rect5"/>
+              <dgm:constr type="b" for="ch" forName="rect5ParTxNoCh" refType="b" refFor="ch" refForName="rect5"/>
+              <dgm:constr type="l" for="ch" forName="rect1ParTx" refType="r" refFor="ch" refForName="space"/>
+              <dgm:constr type="w" for="ch" forName="rect1ParTx" refType="w" refFor="ch" refForName="rect1" fact="0.5"/>
+              <dgm:constr type="t" for="ch" forName="rect1ParTx" refType="t" refFor="ch" refForName="rect1"/>
+              <dgm:constr type="b" for="ch" forName="rect1ParTx" refType="t" refFor="ch" refForName="rect2"/>
+              <dgm:constr type="l" for="ch" forName="rect1ChTx" refType="r" refFor="ch" refForName="rect1ParTx"/>
+              <dgm:constr type="w" for="ch" forName="rect1ChTx" refType="w" refFor="ch" refForName="rect1ParTx"/>
+              <dgm:constr type="t" for="ch" forName="rect1ChTx" refType="t" refFor="ch" refForName="rect1ParTx"/>
+              <dgm:constr type="b" for="ch" forName="rect1ChTx" refType="b" refFor="ch" refForName="rect1ParTx"/>
+              <dgm:constr type="l" for="ch" forName="rect1ParTxNoCh" refType="r" refFor="ch" refForName="space"/>
+              <dgm:constr type="w" for="ch" forName="rect1ParTxNoCh" refType="w" refFor="ch" refForName="rect1"/>
+              <dgm:constr type="t" for="ch" forName="rect1ParTxNoCh" refType="t" refFor="ch" refForName="rect1"/>
+              <dgm:constr type="b" for="ch" forName="rect1ParTxNoCh" refType="t" refFor="ch" refForName="rect2"/>
+              <dgm:constr type="l" for="ch" forName="rect2ParTx" refType="r" refFor="ch" refForName="space"/>
+              <dgm:constr type="w" for="ch" forName="rect2ParTx" refType="w" refFor="ch" refForName="rect2" fact="0.5"/>
+              <dgm:constr type="t" for="ch" forName="rect2ParTx" refType="t" refFor="ch" refForName="rect2"/>
+              <dgm:constr type="b" for="ch" forName="rect2ParTx" refType="t" refFor="ch" refForName="rect3"/>
+              <dgm:constr type="l" for="ch" forName="rect2ChTx" refType="r" refFor="ch" refForName="rect2ParTx"/>
+              <dgm:constr type="w" for="ch" forName="rect2ChTx" refType="w" refFor="ch" refForName="rect2ParTx"/>
+              <dgm:constr type="t" for="ch" forName="rect2ChTx" refType="t" refFor="ch" refForName="rect2ParTx"/>
+              <dgm:constr type="b" for="ch" forName="rect2ChTx" refType="b" refFor="ch" refForName="rect2ParTx"/>
+              <dgm:constr type="l" for="ch" forName="rect2ParTxNoCh" refType="r" refFor="ch" refForName="space"/>
+              <dgm:constr type="w" for="ch" forName="rect2ParTxNoCh" refType="w" refFor="ch" refForName="rect2"/>
+              <dgm:constr type="t" for="ch" forName="rect2ParTxNoCh" refType="t" refFor="ch" refForName="rect2"/>
+              <dgm:constr type="b" for="ch" forName="rect2ParTxNoCh" refType="t" refFor="ch" refForName="rect3"/>
+              <dgm:constr type="l" for="ch" forName="rect3ParTx" refType="r" refFor="ch" refForName="space"/>
+              <dgm:constr type="w" for="ch" forName="rect3ParTx" refType="w" refFor="ch" refForName="rect3" fact="0.5"/>
+              <dgm:constr type="t" for="ch" forName="rect3ParTx" refType="t" refFor="ch" refForName="rect3"/>
+              <dgm:constr type="b" for="ch" forName="rect3ParTx" refType="t" refFor="ch" refForName="rect4"/>
+              <dgm:constr type="l" for="ch" forName="rect3ChTx" refType="r" refFor="ch" refForName="rect3ParTx"/>
+              <dgm:constr type="w" for="ch" forName="rect3ChTx" refType="w" refFor="ch" refForName="rect3ParTx"/>
+              <dgm:constr type="t" for="ch" forName="rect3ChTx" refType="t" refFor="ch" refForName="rect3ParTx"/>
+              <dgm:constr type="b" for="ch" forName="rect3ChTx" refType="b" refFor="ch" refForName="rect3ParTx"/>
+              <dgm:constr type="l" for="ch" forName="rect3ParTxNoCh" refType="r" refFor="ch" refForName="space"/>
+              <dgm:constr type="w" for="ch" forName="rect3ParTxNoCh" refType="w" refFor="ch" refForName="rect3"/>
+              <dgm:constr type="t" for="ch" forName="rect3ParTxNoCh" refType="t" refFor="ch" refForName="rect3"/>
+              <dgm:constr type="b" for="ch" forName="rect3ParTxNoCh" refType="t" refFor="ch" refForName="rect4"/>
+              <dgm:constr type="l" for="ch" forName="rect4ParTx" refType="r" refFor="ch" refForName="space"/>
+              <dgm:constr type="w" for="ch" forName="rect4ParTx" refType="w" refFor="ch" refForName="rect4" fact="0.5"/>
+              <dgm:constr type="t" for="ch" forName="rect4ParTx" refType="t" refFor="ch" refForName="rect4"/>
+              <dgm:constr type="b" for="ch" forName="rect4ParTx" refType="t" refFor="ch" refForName="rect5"/>
+              <dgm:constr type="l" for="ch" forName="rect4ChTx" refType="r" refFor="ch" refForName="rect4ParTx"/>
+              <dgm:constr type="w" for="ch" forName="rect4ChTx" refType="w" refFor="ch" refForName="rect4ParTx"/>
+              <dgm:constr type="t" for="ch" forName="rect4ChTx" refType="t" refFor="ch" refForName="rect4ParTx"/>
+              <dgm:constr type="b" for="ch" forName="rect4ChTx" refType="b" refFor="ch" refForName="rect4ParTx"/>
+              <dgm:constr type="l" for="ch" forName="rect4ParTxNoCh" refType="r" refFor="ch" refForName="space"/>
+              <dgm:constr type="w" for="ch" forName="rect4ParTxNoCh" refType="w" refFor="ch" refForName="rect4"/>
+              <dgm:constr type="t" for="ch" forName="rect4ParTxNoCh" refType="t" refFor="ch" refForName="rect4"/>
+              <dgm:constr type="b" for="ch" forName="rect4ParTxNoCh" refType="t" refFor="ch" refForName="rect5"/>
+              <dgm:constr type="primFontSz" for="ch" op="equ" val="65"/>
+              <dgm:constr type="secFontSz" for="ch" op="equ" val="65"/>
+            </dgm:constrLst>
+          </dgm:if>
+          <dgm:if name="Name9" axis="ch" ptType="node" func="cnt" op="equ" val="6">
+            <dgm:constrLst>
+              <dgm:constr type="userA" refType="w" fact="0.3"/>
+              <dgm:constr type="w" for="ch" forName="circle1" refType="userA" fact="2"/>
+              <dgm:constr type="h" for="ch" forName="circle1" refType="w" refFor="ch" refForName="circle1" op="equ"/>
+              <dgm:constr type="l" for="ch" forName="circle1"/>
+              <dgm:constr type="ctrY" for="ch" forName="circle1" refType="h" fact="0.5"/>
+              <dgm:constr type="l" for="ch" forName="space" refType="ctrX" refFor="ch" refForName="circle1"/>
+              <dgm:constr type="w" for="ch" forName="space"/>
+              <dgm:constr type="h" for="ch" forName="space" refType="h" refFor="ch" refForName="circle1"/>
+              <dgm:constr type="b" for="ch" forName="space" refType="b" refFor="ch" refForName="circle1"/>
+              <dgm:constr type="l" for="ch" forName="rect1" refType="r" refFor="ch" refForName="space"/>
+              <dgm:constr type="r" for="ch" forName="rect1" refType="w"/>
+              <dgm:constr type="h" for="ch" forName="rect1" refType="h" refFor="ch" refForName="circle1"/>
+              <dgm:constr type="b" for="ch" forName="rect1" refType="b" refFor="ch" refForName="circle1"/>
+              <dgm:constr type="l" for="ch" forName="vertSpace2"/>
+              <dgm:constr type="w" for="ch" forName="vertSpace2" refType="w"/>
+              <dgm:constr type="h" for="ch" forName="vertSpace2" refType="h" refFor="ch" refForName="circle1" fact="0.05"/>
+              <dgm:constr type="b" for="ch" forName="vertSpace2" refType="b" refFor="ch" refForName="circle1"/>
+              <dgm:constr type="ctrX" for="ch" forName="circle2" refType="l" refFor="ch" refForName="space"/>
+              <dgm:constr type="h" for="ch" forName="circle2" refType="h" refFor="ch" refForName="circle1" fact="0.83333"/>
+              <dgm:constr type="hOff" for="ch" forName="circle2" refType="h" refFor="ch" refForName="vertSpace2" fact="-0.16667"/>
+              <dgm:constr type="w" for="ch" forName="circle2" refType="h" refFor="ch" refForName="circle2" op="equ"/>
+              <dgm:constr type="wOff" for="ch" forName="circle2" refType="hOff" refFor="ch" refForName="circle2" op="equ"/>
+              <dgm:constr type="b" for="ch" forName="circle2" refType="t" refFor="ch" refForName="vertSpace2"/>
+              <dgm:constr type="l" for="ch" forName="rect2" refType="r" refFor="ch" refForName="space"/>
+              <dgm:constr type="r" for="ch" forName="rect2" refType="w"/>
+              <dgm:constr type="h" for="ch" forName="rect2" refType="h" refFor="ch" refForName="circle2"/>
+              <dgm:constr type="hOff" for="ch" forName="rect2" refType="hOff" refFor="ch" refForName="circle2"/>
+              <dgm:constr type="b" for="ch" forName="rect2" refType="b" refFor="ch" refForName="circle2"/>
+              <dgm:constr type="l" for="ch" forName="vertSpace3"/>
+              <dgm:constr type="w" for="ch" forName="vertSpace3" refType="w"/>
+              <dgm:constr type="h" for="ch" forName="vertSpace3" refType="h" refFor="ch" refForName="vertSpace2"/>
+              <dgm:constr type="b" for="ch" forName="vertSpace3" refType="t" refFor="ch" refForName="vertSpace2"/>
+              <dgm:constr type="ctrX" for="ch" forName="circle3" refType="l" refFor="ch" refForName="space"/>
+              <dgm:constr type="h" for="ch" forName="circle3" refType="h" refFor="ch" refForName="circle1" fact="0.66667"/>
+              <dgm:constr type="hOff" for="ch" forName="circle3" refType="h" refFor="ch" refForName="vertSpace2" fact="-0.33333"/>
+              <dgm:constr type="w" for="ch" forName="circle3" refType="h" refFor="ch" refForName="circle3" op="equ"/>
+              <dgm:constr type="wOff" for="ch" forName="circle3" refType="hOff" refFor="ch" refForName="circle3" op="equ"/>
+              <dgm:constr type="b" for="ch" forName="circle3" refType="t" refFor="ch" refForName="vertSpace3"/>
+              <dgm:constr type="l" for="ch" forName="rect3" refType="r" refFor="ch" refForName="space"/>
+              <dgm:constr type="r" for="ch" forName="rect3" refType="w"/>
+              <dgm:constr type="h" for="ch" forName="rect3" refType="h" refFor="ch" refForName="circle3"/>
+              <dgm:constr type="hOff" for="ch" forName="rect3" refType="hOff" refFor="ch" refForName="circle3"/>
+              <dgm:constr type="b" for="ch" forName="rect3" refType="b" refFor="ch" refForName="circle3"/>
+              <dgm:constr type="l" for="ch" forName="vertSpace4"/>
+              <dgm:constr type="w" for="ch" forName="vertSpace4" refType="w"/>
+              <dgm:constr type="h" for="ch" forName="vertSpace4" refType="h" refFor="ch" refForName="vertSpace3"/>
+              <dgm:constr type="b" for="ch" forName="vertSpace4" refType="t" refFor="ch" refForName="vertSpace3"/>
+              <dgm:constr type="ctrX" for="ch" forName="circle4" refType="l" refFor="ch" refForName="space"/>
+              <dgm:constr type="h" for="ch" forName="circle4" refType="h" refFor="ch" refForName="circle1" fact="0.5"/>
+              <dgm:constr type="hOff" for="ch" forName="circle4" refType="h" refFor="ch" refForName="vertSpace2" fact="-0.5"/>
+              <dgm:constr type="w" for="ch" forName="circle4" refType="h" refFor="ch" refForName="circle4" op="equ"/>
+              <dgm:constr type="wOff" for="ch" forName="circle4" refType="hOff" refFor="ch" refForName="circle4" op="equ"/>
+              <dgm:constr type="b" for="ch" forName="circle4" refType="t" refFor="ch" refForName="vertSpace4"/>
+              <dgm:constr type="l" for="ch" forName="rect4" refType="r" refFor="ch" refForName="space"/>
+              <dgm:constr type="r" for="ch" forName="rect4" refType="w"/>
+              <dgm:constr type="h" for="ch" forName="rect4" refType="h" refFor="ch" refForName="circle4"/>
+              <dgm:constr type="hOff" for="ch" forName="rect4" refType="hOff" refFor="ch" refForName="circle4"/>
+              <dgm:constr type="b" for="ch" forName="rect4" refType="b" refFor="ch" refForName="circle4"/>
+              <dgm:constr type="l" for="ch" forName="vertSpace5"/>
+              <dgm:constr type="w" for="ch" forName="vertSpace5" refType="w"/>
+              <dgm:constr type="h" for="ch" forName="vertSpace5" refType="h" refFor="ch" refForName="vertSpace4"/>
+              <dgm:constr type="b" for="ch" forName="vertSpace5" refType="t" refFor="ch" refForName="vertSpace4"/>
+              <dgm:constr type="ctrX" for="ch" forName="circle5" refType="l" refFor="ch" refForName="space"/>
+              <dgm:constr type="h" for="ch" forName="circle5" refType="h" refFor="ch" refForName="circle1" fact="0.33333"/>
+              <dgm:constr type="hOff" for="ch" forName="circle5" refType="h" refFor="ch" refForName="vertSpace2" fact="-0.66667"/>
+              <dgm:constr type="w" for="ch" forName="circle5" refType="h" refFor="ch" refForName="circle5" op="equ"/>
+              <dgm:constr type="wOff" for="ch" forName="circle5" refType="hOff" refFor="ch" refForName="circle5" op="equ"/>
+              <dgm:constr type="b" for="ch" forName="circle5" refType="t" refFor="ch" refForName="vertSpace5"/>
+              <dgm:constr type="l" for="ch" forName="rect5" refType="r" refFor="ch" refForName="space"/>
+              <dgm:constr type="r" for="ch" forName="rect5" refType="w"/>
+              <dgm:constr type="h" for="ch" forName="rect5" refType="h" refFor="ch" refForName="circle5"/>
+              <dgm:constr type="hOff" for="ch" forName="rect5" refType="hOff" refFor="ch" refForName="circle5"/>
+              <dgm:constr type="b" for="ch" forName="rect5" refType="b" refFor="ch" refForName="circle5"/>
+              <dgm:constr type="l" for="ch" forName="vertSpace6"/>
+              <dgm:constr type="w" for="ch" forName="vertSpace6" refType="w"/>
+              <dgm:constr type="h" for="ch" forName="vertSpace6" refType="h" refFor="ch" refForName="vertSpace5"/>
+              <dgm:constr type="b" for="ch" forName="vertSpace6" refType="t" refFor="ch" refForName="vertSpace5"/>
+              <dgm:constr type="ctrX" for="ch" forName="circle6" refType="l" refFor="ch" refForName="space"/>
+              <dgm:constr type="h" for="ch" forName="circle6" refType="h" refFor="ch" refForName="circle1" fact="0.16667"/>
+              <dgm:constr type="hOff" for="ch" forName="circle6" refType="h" refFor="ch" refForName="vertSpace2" fact="-0.83333"/>
+              <dgm:constr type="w" for="ch" forName="circle6" refType="h" refFor="ch" refForName="circle6" op="equ"/>
+              <dgm:constr type="wOff" for="ch" forName="circle6" refType="hOff" refFor="ch" refForName="circle6" op="equ"/>
+              <dgm:constr type="b" for="ch" forName="circle6" refType="t" refFor="ch" refForName="vertSpace6"/>
+              <dgm:constr type="l" for="ch" forName="rect6" refType="r" refFor="ch" refForName="space"/>
+              <dgm:constr type="r" for="ch" forName="rect6" refType="w"/>
+              <dgm:constr type="h" for="ch" forName="rect6" refType="h" refFor="ch" refForName="circle6"/>
+              <dgm:constr type="hOff" for="ch" forName="rect6" refType="hOff" refFor="ch" refForName="circle6"/>
+              <dgm:constr type="b" for="ch" forName="rect6" refType="b" refFor="ch" refForName="circle6"/>
+              <dgm:constr type="l" for="ch" forName="rect6ParTx" refType="r" refFor="ch" refForName="space"/>
+              <dgm:constr type="w" for="ch" forName="rect6ParTx" refType="w" refFor="ch" refForName="rect6" fact="0.5"/>
+              <dgm:constr type="t" for="ch" forName="rect6ParTx" refType="t" refFor="ch" refForName="rect6"/>
+              <dgm:constr type="b" for="ch" forName="rect6ParTx" refType="b" refFor="ch" refForName="rect6"/>
+              <dgm:constr type="l" for="ch" forName="rect6ChTx" refType="r" refFor="ch" refForName="rect6ParTx"/>
+              <dgm:constr type="w" for="ch" forName="rect6ChTx" refType="w" refFor="ch" refForName="rect6ParTx"/>
+              <dgm:constr type="t" for="ch" forName="rect6ChTx" refType="t" refFor="ch" refForName="rect6ParTx"/>
+              <dgm:constr type="b" for="ch" forName="rect6ChTx" refType="b" refFor="ch" refForName="rect6ParTx"/>
+              <dgm:constr type="l" for="ch" forName="rect6ParTxNoCh" refType="r" refFor="ch" refForName="space"/>
+              <dgm:constr type="w" for="ch" forName="rect6ParTxNoCh" refType="w" refFor="ch" refForName="rect6"/>
+              <dgm:constr type="t" for="ch" forName="rect6ParTxNoCh" refType="t" refFor="ch" refForName="rect6"/>
+              <dgm:constr type="b" for="ch" forName="rect6ParTxNoCh" refType="b" refFor="ch" refForName="rect6"/>
+              <dgm:constr type="l" for="ch" forName="rect1ParTx" refType="r" refFor="ch" refForName="space"/>
+              <dgm:constr type="w" for="ch" forName="rect1ParTx" refType="w" refFor="ch" refForName="rect1" fact="0.5"/>
+              <dgm:constr type="t" for="ch" forName="rect1ParTx" refType="t" refFor="ch" refForName="rect1"/>
+              <dgm:constr type="b" for="ch" forName="rect1ParTx" refType="t" refFor="ch" refForName="rect2"/>
+              <dgm:constr type="l" for="ch" forName="rect1ChTx" refType="r" refFor="ch" refForName="rect1ParTx"/>
+              <dgm:constr type="w" for="ch" forName="rect1ChTx" refType="w" refFor="ch" refForName="rect1ParTx"/>
+              <dgm:constr type="t" for="ch" forName="rect1ChTx" refType="t" refFor="ch" refForName="rect1ParTx"/>
+              <dgm:constr type="b" for="ch" forName="rect1ChTx" refType="b" refFor="ch" refForName="rect1ParTx"/>
+              <dgm:constr type="l" for="ch" forName="rect1ParTxNoCh" refType="r" refFor="ch" refForName="space"/>
+              <dgm:constr type="w" for="ch" forName="rect1ParTxNoCh" refType="w" refFor="ch" refForName="rect1"/>
+              <dgm:constr type="t" for="ch" forName="rect1ParTxNoCh" refType="t" refFor="ch" refForName="rect1"/>
+              <dgm:constr type="b" for="ch" forName="rect1ParTxNoCh" refType="t" refFor="ch" refForName="rect2"/>
+              <dgm:constr type="l" for="ch" forName="rect2ParTx" refType="r" refFor="ch" refForName="space"/>
+              <dgm:constr type="w" for="ch" forName="rect2ParTx" refType="w" refFor="ch" refForName="rect2" fact="0.5"/>
+              <dgm:constr type="t" for="ch" forName="rect2ParTx" refType="t" refFor="ch" refForName="rect2"/>
+              <dgm:constr type="b" for="ch" forName="rect2ParTx" refType="t" refFor="ch" refForName="rect3"/>
+              <dgm:constr type="l" for="ch" forName="rect2ChTx" refType="r" refFor="ch" refForName="rect2ParTx"/>
+              <dgm:constr type="w" for="ch" forName="rect2ChTx" refType="w" refFor="ch" refForName="rect2ParTx"/>
+              <dgm:constr type="t" for="ch" forName="rect2ChTx" refType="t" refFor="ch" refForName="rect2ParTx"/>
+              <dgm:constr type="b" for="ch" forName="rect2ChTx" refType="b" refFor="ch" refForName="rect2ParTx"/>
+              <dgm:constr type="l" for="ch" forName="rect2ParTxNoCh" refType="r" refFor="ch" refForName="space"/>
+              <dgm:constr type="w" for="ch" forName="rect2ParTxNoCh" refType="w" refFor="ch" refForName="rect2"/>
+              <dgm:constr type="t" for="ch" forName="rect2ParTxNoCh" refType="t" refFor="ch" refForName="rect2"/>
+              <dgm:constr type="b" for="ch" forName="rect2ParTxNoCh" refType="t" refFor="ch" refForName="rect3"/>
+              <dgm:constr type="l" for="ch" forName="rect3ParTx" refType="r" refFor="ch" refForName="space"/>
+              <dgm:constr type="w" for="ch" forName="rect3ParTx" refType="w" refFor="ch" refForName="rect3" fact="0.5"/>
+              <dgm:constr type="t" for="ch" forName="rect3ParTx" refType="t" refFor="ch" refForName="rect3"/>
+              <dgm:constr type="b" for="ch" forName="rect3ParTx" refType="t" refFor="ch" refForName="rect4"/>
+              <dgm:constr type="l" for="ch" forName="rect3ChTx" refType="r" refFor="ch" refForName="rect3ParTx"/>
+              <dgm:constr type="w" for="ch" forName="rect3ChTx" refType="w" refFor="ch" refForName="rect3ParTx"/>
+              <dgm:constr type="t" for="ch" forName="rect3ChTx" refType="t" refFor="ch" refForName="rect3ParTx"/>
+              <dgm:constr type="b" for="ch" forName="rect3ChTx" refType="b" refFor="ch" refForName="rect3ParTx"/>
+              <dgm:constr type="l" for="ch" forName="rect3ParTxNoCh" refType="r" refFor="ch" refForName="space"/>
+              <dgm:constr type="w" for="ch" forName="rect3ParTxNoCh" refType="w" refFor="ch" refForName="rect3"/>
+              <dgm:constr type="t" for="ch" forName="rect3ParTxNoCh" refType="t" refFor="ch" refForName="rect3"/>
+              <dgm:constr type="b" for="ch" forName="rect3ParTxNoCh" refType="t" refFor="ch" refForName="rect4"/>
+              <dgm:constr type="l" for="ch" forName="rect4ParTx" refType="r" refFor="ch" refForName="space"/>
+              <dgm:constr type="w" for="ch" forName="rect4ParTx" refType="w" refFor="ch" refForName="rect4" fact="0.5"/>
+              <dgm:constr type="t" for="ch" forName="rect4ParTx" refType="t" refFor="ch" refForName="rect4"/>
+              <dgm:constr type="b" for="ch" forName="rect4ParTx" refType="t" refFor="ch" refForName="rect5"/>
+              <dgm:constr type="l" for="ch" forName="rect4ChTx" refType="r" refFor="ch" refForName="rect4ParTx"/>
+              <dgm:constr type="w" for="ch" forName="rect4ChTx" refType="w" refFor="ch" refForName="rect4ParTx"/>
+              <dgm:constr type="t" for="ch" forName="rect4ChTx" refType="t" refFor="ch" refForName="rect4ParTx"/>
+              <dgm:constr type="b" for="ch" forName="rect4ChTx" refType="b" refFor="ch" refForName="rect4ParTx"/>
+              <dgm:constr type="l" for="ch" forName="rect4ParTxNoCh" refType="r" refFor="ch" refForName="space"/>
+              <dgm:constr type="w" for="ch" forName="rect4ParTxNoCh" refType="w" refFor="ch" refForName="rect4"/>
+              <dgm:constr type="t" for="ch" forName="rect4ParTxNoCh" refType="t" refFor="ch" refForName="rect4"/>
+              <dgm:constr type="b" for="ch" forName="rect4ParTxNoCh" refType="t" refFor="ch" refForName="rect5"/>
+              <dgm:constr type="l" for="ch" forName="rect5ParTx" refType="r" refFor="ch" refForName="space"/>
+              <dgm:constr type="w" for="ch" forName="rect5ParTx" refType="w" refFor="ch" refForName="rect5" fact="0.5"/>
+              <dgm:constr type="t" for="ch" forName="rect5ParTx" refType="t" refFor="ch" refForName="rect5"/>
+              <dgm:constr type="b" for="ch" forName="rect5ParTx" refType="t" refFor="ch" refForName="rect6"/>
+              <dgm:constr type="l" for="ch" forName="rect5ChTx" refType="r" refFor="ch" refForName="rect5ParTx"/>
+              <dgm:constr type="w" for="ch" forName="rect5ChTx" refType="w" refFor="ch" refForName="rect5ParTx"/>
+              <dgm:constr type="t" for="ch" forName="rect5ChTx" refType="t" refFor="ch" refForName="rect5ParTx"/>
+              <dgm:constr type="b" for="ch" forName="rect5ChTx" refType="b" refFor="ch" refForName="rect5ParTx"/>
+              <dgm:constr type="l" for="ch" forName="rect5ParTxNoCh" refType="r" refFor="ch" refForName="space"/>
+              <dgm:constr type="w" for="ch" forName="rect5ParTxNoCh" refType="w" refFor="ch" refForName="rect5"/>
+              <dgm:constr type="t" for="ch" forName="rect5ParTxNoCh" refType="t" refFor="ch" refForName="rect5"/>
+              <dgm:constr type="b" for="ch" forName="rect5ParTxNoCh" refType="t" refFor="ch" refForName="rect6"/>
+              <dgm:constr type="primFontSz" for="ch" op="equ" val="65"/>
+              <dgm:constr type="secFontSz" for="ch" op="equ" val="65"/>
+            </dgm:constrLst>
+          </dgm:if>
+          <dgm:if name="Name10" axis="ch" ptType="node" func="cnt" op="gte" val="7">
+            <dgm:constrLst>
+              <dgm:constr type="userA" refType="w" fact="0.3"/>
+              <dgm:constr type="w" for="ch" forName="circle1" refType="userA" fact="2"/>
+              <dgm:constr type="h" for="ch" forName="circle1" refType="w" refFor="ch" refForName="circle1" op="equ"/>
+              <dgm:constr type="l" for="ch" forName="circle1"/>
+              <dgm:constr type="ctrY" for="ch" forName="circle1" refType="h" fact="0.5"/>
+              <dgm:constr type="l" for="ch" forName="space" refType="ctrX" refFor="ch" refForName="circle1"/>
+              <dgm:constr type="w" for="ch" forName="space"/>
+              <dgm:constr type="h" for="ch" forName="space" refType="h" refFor="ch" refForName="circle1"/>
+              <dgm:constr type="b" for="ch" forName="space" refType="b" refFor="ch" refForName="circle1"/>
+              <dgm:constr type="l" for="ch" forName="rect1" refType="r" refFor="ch" refForName="space"/>
+              <dgm:constr type="r" for="ch" forName="rect1" refType="w"/>
+              <dgm:constr type="h" for="ch" forName="rect1" refType="h" refFor="ch" refForName="circle1"/>
+              <dgm:constr type="b" for="ch" forName="rect1" refType="b" refFor="ch" refForName="circle1"/>
+              <dgm:constr type="l" for="ch" forName="vertSpace2"/>
+              <dgm:constr type="w" for="ch" forName="vertSpace2" refType="w"/>
+              <dgm:constr type="h" for="ch" forName="vertSpace2" refType="h" refFor="ch" refForName="circle1" fact="0.05"/>
+              <dgm:constr type="b" for="ch" forName="vertSpace2" refType="b" refFor="ch" refForName="circle1"/>
+              <dgm:constr type="ctrX" for="ch" forName="circle2" refType="l" refFor="ch" refForName="space"/>
+              <dgm:constr type="h" for="ch" forName="circle2" refType="h" refFor="ch" refForName="circle1" fact="0.85714"/>
+              <dgm:constr type="hOff" for="ch" forName="circle2" refType="h" refFor="ch" refForName="vertSpace2" fact="-0.14286"/>
+              <dgm:constr type="w" for="ch" forName="circle2" refType="h" refFor="ch" refForName="circle2" op="equ"/>
+              <dgm:constr type="wOff" for="ch" forName="circle2" refType="hOff" refFor="ch" refForName="circle2" op="equ"/>
+              <dgm:constr type="b" for="ch" forName="circle2" refType="t" refFor="ch" refForName="vertSpace2"/>
+              <dgm:constr type="l" for="ch" forName="rect2" refType="r" refFor="ch" refForName="space"/>
+              <dgm:constr type="r" for="ch" forName="rect2" refType="w"/>
+              <dgm:constr type="h" for="ch" forName="rect2" refType="h" refFor="ch" refForName="circle2"/>
+              <dgm:constr type="hOff" for="ch" forName="rect2" refType="hOff" refFor="ch" refForName="circle2"/>
+              <dgm:constr type="b" for="ch" forName="rect2" refType="b" refFor="ch" refForName="circle2"/>
+              <dgm:constr type="l" for="ch" forName="vertSpace3"/>
+              <dgm:constr type="w" for="ch" forName="vertSpace3" refType="w"/>
+              <dgm:constr type="h" for="ch" forName="vertSpace3" refType="h" refFor="ch" refForName="vertSpace2"/>
+              <dgm:constr type="b" for="ch" forName="vertSpace3" refType="t" refFor="ch" refForName="vertSpace2"/>
+              <dgm:constr type="ctrX" for="ch" forName="circle3" refType="l" refFor="ch" refForName="space"/>
+              <dgm:constr type="h" for="ch" forName="circle3" refType="h" refFor="ch" refForName="circle1" fact="0.71429"/>
+              <dgm:constr type="hOff" for="ch" forName="circle3" refType="h" refFor="ch" refForName="vertSpace2" fact="-0.28571"/>
+              <dgm:constr type="w" for="ch" forName="circle3" refType="h" refFor="ch" refForName="circle3" op="equ"/>
+              <dgm:constr type="wOff" for="ch" forName="circle3" refType="hOff" refFor="ch" refForName="circle3" op="equ"/>
+              <dgm:constr type="b" for="ch" forName="circle3" refType="t" refFor="ch" refForName="vertSpace3"/>
+              <dgm:constr type="l" for="ch" forName="rect3" refType="r" refFor="ch" refForName="space"/>
+              <dgm:constr type="r" for="ch" forName="rect3" refType="w"/>
+              <dgm:constr type="h" for="ch" forName="rect3" refType="h" refFor="ch" refForName="circle3"/>
+              <dgm:constr type="hOff" for="ch" forName="rect3" refType="hOff" refFor="ch" refForName="circle3"/>
+              <dgm:constr type="b" for="ch" forName="rect3" refType="b" refFor="ch" refForName="circle3"/>
+              <dgm:constr type="l" for="ch" forName="vertSpace4"/>
+              <dgm:constr type="w" for="ch" forName="vertSpace4" refType="w"/>
+              <dgm:constr type="h" for="ch" forName="vertSpace4" refType="h" refFor="ch" refForName="vertSpace3"/>
+              <dgm:constr type="b" for="ch" forName="vertSpace4" refType="t" refFor="ch" refForName="vertSpace3"/>
+              <dgm:constr type="ctrX" for="ch" forName="circle4" refType="l" refFor="ch" refForName="space"/>
+              <dgm:constr type="h" for="ch" forName="circle4" refType="h" refFor="ch" refForName="circle1" fact="0.57143"/>
+              <dgm:constr type="hOff" for="ch" forName="circle4" refType="h" refFor="ch" refForName="vertSpace2" fact="-0.42857"/>
+              <dgm:constr type="w" for="ch" forName="circle4" refType="h" refFor="ch" refForName="circle4" op="equ"/>
+              <dgm:constr type="wOff" for="ch" forName="circle4" refType="hOff" refFor="ch" refForName="circle4" op="equ"/>
+              <dgm:constr type="b" for="ch" forName="circle4" refType="t" refFor="ch" refForName="vertSpace4"/>
+              <dgm:constr type="l" for="ch" forName="rect4" refType="r" refFor="ch" refForName="space"/>
+              <dgm:constr type="r" for="ch" forName="rect4" refType="w"/>
+              <dgm:constr type="h" for="ch" forName="rect4" refType="h" refFor="ch" refForName="circle4"/>
+              <dgm:constr type="hOff" for="ch" forName="rect4" refType="hOff" refFor="ch" refForName="circle4"/>
+              <dgm:constr type="b" for="ch" forName="rect4" refType="b" refFor="ch" refForName="circle4"/>
+              <dgm:constr type="l" for="ch" forName="vertSpace5"/>
+              <dgm:constr type="w" for="ch" forName="vertSpace5" refType="w"/>
+              <dgm:constr type="h" for="ch" forName="vertSpace5" refType="h" refFor="ch" refForName="vertSpace4"/>
+              <dgm:constr type="b" for="ch" forName="vertSpace5" refType="t" refFor="ch" refForName="vertSpace4"/>
+              <dgm:constr type="ctrX" for="ch" forName="circle5" refType="l" refFor="ch" refForName="space"/>
+              <dgm:constr type="h" for="ch" forName="circle5" refType="h" refFor="ch" refForName="circle1" fact="0.42857"/>
+              <dgm:constr type="hOff" for="ch" forName="circle5" refType="h" refFor="ch" refForName="vertSpace2" fact="-0.57143"/>
+              <dgm:constr type="w" for="ch" forName="circle5" refType="h" refFor="ch" refForName="circle5" op="equ"/>
+              <dgm:constr type="wOff" for="ch" forName="circle5" refType="hOff" refFor="ch" refForName="circle5" op="equ"/>
+              <dgm:constr type="b" for="ch" forName="circle5" refType="t" refFor="ch" refForName="vertSpace5"/>
+              <dgm:constr type="l" for="ch" forName="rect5" refType="r" refFor="ch" refForName="space"/>
+              <dgm:constr type="r" for="ch" forName="rect5" refType="w"/>
+              <dgm:constr type="h" for="ch" forName="rect5" refType="h" refFor="ch" refForName="circle5"/>
+              <dgm:constr type="hOff" for="ch" forName="rect5" refType="hOff" refFor="ch" refForName="circle5"/>
+              <dgm:constr type="b" for="ch" forName="rect5" refType="b" refFor="ch" refForName="circle5"/>
+              <dgm:constr type="l" for="ch" forName="vertSpace6"/>
+              <dgm:constr type="w" for="ch" forName="vertSpace6" refType="w"/>
+              <dgm:constr type="h" for="ch" forName="vertSpace6" refType="h" refFor="ch" refForName="vertSpace5"/>
+              <dgm:constr type="b" for="ch" forName="vertSpace6" refType="t" refFor="ch" refForName="vertSpace5"/>
+              <dgm:constr type="ctrX" for="ch" forName="circle6" refType="l" refFor="ch" refForName="space"/>
+              <dgm:constr type="h" for="ch" forName="circle6" refType="h" refFor="ch" refForName="circle1" fact="0.28571"/>
+              <dgm:constr type="hOff" for="ch" forName="circle6" refType="h" refFor="ch" refForName="vertSpace2" fact="-0.71429"/>
+              <dgm:constr type="w" for="ch" forName="circle6" refType="h" refFor="ch" refForName="circle6" op="equ"/>
+              <dgm:constr type="wOff" for="ch" forName="circle6" refType="hOff" refFor="ch" refForName="circle6" op="equ"/>
+              <dgm:constr type="b" for="ch" forName="circle6" refType="t" refFor="ch" refForName="vertSpace6"/>
+              <dgm:constr type="l" for="ch" forName="rect6" refType="r" refFor="ch" refForName="space"/>
+              <dgm:constr type="r" for="ch" forName="rect6" refType="w"/>
+              <dgm:constr type="h" for="ch" forName="rect6" refType="h" refFor="ch" refForName="circle6"/>
+              <dgm:constr type="hOff" for="ch" forName="rect6" refType="hOff" refFor="ch" refForName="circle6"/>
+              <dgm:constr type="b" for="ch" forName="rect6" refType="b" refFor="ch" refForName="circle6"/>
+              <dgm:constr type="l" for="ch" forName="vertSpace7"/>
+              <dgm:constr type="w" for="ch" forName="vertSpace7" refType="w"/>
+              <dgm:constr type="h" for="ch" forName="vertSpace7" refType="h" refFor="ch" refForName="vertSpace6"/>
+              <dgm:constr type="b" for="ch" forName="vertSpace7" refType="t" refFor="ch" refForName="vertSpace6"/>
+              <dgm:constr type="ctrX" for="ch" forName="circle7" refType="l" refFor="ch" refForName="space"/>
+              <dgm:constr type="h" for="ch" forName="circle7" refType="h" refFor="ch" refForName="circle1" fact="0.14286"/>
+              <dgm:constr type="hOff" for="ch" forName="circle7" refType="h" refFor="ch" refForName="vertSpace2" fact="-0.85714"/>
+              <dgm:constr type="w" for="ch" forName="circle7" refType="h" refFor="ch" refForName="circle7" op="equ"/>
+              <dgm:constr type="wOff" for="ch" forName="circle7" refType="hOff" refFor="ch" refForName="circle7" op="equ"/>
+              <dgm:constr type="b" for="ch" forName="circle7" refType="t" refFor="ch" refForName="vertSpace7"/>
+              <dgm:constr type="l" for="ch" forName="rect7" refType="r" refFor="ch" refForName="space"/>
+              <dgm:constr type="r" for="ch" forName="rect7" refType="w"/>
+              <dgm:constr type="h" for="ch" forName="rect7" refType="h" refFor="ch" refForName="circle7"/>
+              <dgm:constr type="hOff" for="ch" forName="rect7" refType="hOff" refFor="ch" refForName="circle7"/>
+              <dgm:constr type="b" for="ch" forName="rect7" refType="b" refFor="ch" refForName="circle7"/>
+              <dgm:constr type="l" for="ch" forName="rect7ParTx" refType="r" refFor="ch" refForName="space"/>
+              <dgm:constr type="w" for="ch" forName="rect7ParTx" refType="w" refFor="ch" refForName="rect7" fact="0.5"/>
+              <dgm:constr type="t" for="ch" forName="rect7ParTx" refType="t" refFor="ch" refForName="rect7"/>
+              <dgm:constr type="b" for="ch" forName="rect7ParTx" refType="b" refFor="ch" refForName="rect7"/>
+              <dgm:constr type="l" for="ch" forName="rect7ChTx" refType="r" refFor="ch" refForName="rect7ParTx"/>
+              <dgm:constr type="w" for="ch" forName="rect7ChTx" refType="w" refFor="ch" refForName="rect7ParTx"/>
+              <dgm:constr type="t" for="ch" forName="rect7ChTx" refType="t" refFor="ch" refForName="rect7ParTx"/>
+              <dgm:constr type="b" for="ch" forName="rect7ChTx" refType="b" refFor="ch" refForName="rect7ParTx"/>
+              <dgm:constr type="l" for="ch" forName="rect7ParTxNoCh" refType="r" refFor="ch" refForName="space"/>
+              <dgm:constr type="w" for="ch" forName="rect7ParTxNoCh" refType="w" refFor="ch" refForName="rect7"/>
+              <dgm:constr type="t" for="ch" forName="rect7ParTxNoCh" refType="t" refFor="ch" refForName="rect7"/>
+              <dgm:constr type="b" for="ch" forName="rect7ParTxNoCh" refType="b" refFor="ch" refForName="rect7"/>
+              <dgm:constr type="l" for="ch" forName="rect1ParTx" refType="r" refFor="ch" refForName="space"/>
+              <dgm:constr type="w" for="ch" forName="rect1ParTx" refType="w" refFor="ch" refForName="rect1" fact="0.5"/>
+              <dgm:constr type="t" for="ch" forName="rect1ParTx" refType="t" refFor="ch" refForName="rect1"/>
+              <dgm:constr type="b" for="ch" forName="rect1ParTx" refType="t" refFor="ch" refForName="rect2"/>
+              <dgm:constr type="l" for="ch" forName="rect1ChTx" refType="r" refFor="ch" refForName="rect1ParTx"/>
+              <dgm:constr type="w" for="ch" forName="rect1ChTx" refType="w" refFor="ch" refForName="rect1ParTx"/>
+              <dgm:constr type="t" for="ch" forName="rect1ChTx" refType="t" refFor="ch" refForName="rect1ParTx"/>
+              <dgm:constr type="b" for="ch" forName="rect1ChTx" refType="b" refFor="ch" refForName="rect1ParTx"/>
+              <dgm:constr type="l" for="ch" forName="rect1ParTxNoCh" refType="r" refFor="ch" refForName="space"/>
+              <dgm:constr type="w" for="ch" forName="rect1ParTxNoCh" refType="w" refFor="ch" refForName="rect1"/>
+              <dgm:constr type="t" for="ch" forName="rect1ParTxNoCh" refType="t" refFor="ch" refForName="rect1"/>
+              <dgm:constr type="b" for="ch" forName="rect1ParTxNoCh" refType="t" refFor="ch" refForName="rect2"/>
+              <dgm:constr type="l" for="ch" forName="rect2ParTx" refType="r" refFor="ch" refForName="space"/>
+              <dgm:constr type="w" for="ch" forName="rect2ParTx" refType="w" refFor="ch" refForName="rect2" fact="0.5"/>
+              <dgm:constr type="t" for="ch" forName="rect2ParTx" refType="t" refFor="ch" refForName="rect2"/>
+              <dgm:constr type="b" for="ch" forName="rect2ParTx" refType="t" refFor="ch" refForName="rect3"/>
+              <dgm:constr type="l" for="ch" forName="rect2ChTx" refType="r" refFor="ch" refForName="rect2ParTx"/>
+              <dgm:constr type="w" for="ch" forName="rect2ChTx" refType="w" refFor="ch" refForName="rect2ParTx"/>
+              <dgm:constr type="t" for="ch" forName="rect2ChTx" refType="t" refFor="ch" refForName="rect2ParTx"/>
+              <dgm:constr type="b" for="ch" forName="rect2ChTx" refType="b" refFor="ch" refForName="rect2ParTx"/>
+              <dgm:constr type="l" for="ch" forName="rect2ParTxNoCh" refType="r" refFor="ch" refForName="space"/>
+              <dgm:constr type="w" for="ch" forName="rect2ParTxNoCh" refType="w" refFor="ch" refForName="rect2"/>
+              <dgm:constr type="t" for="ch" forName="rect2ParTxNoCh" refType="t" refFor="ch" refForName="rect2"/>
+              <dgm:constr type="b" for="ch" forName="rect2ParTxNoCh" refType="t" refFor="ch" refForName="rect3"/>
+              <dgm:constr type="l" for="ch" forName="rect3ParTx" refType="r" refFor="ch" refForName="space"/>
+              <dgm:constr type="w" for="ch" forName="rect3ParTx" refType="w" refFor="ch" refForName="rect3" fact="0.5"/>
+              <dgm:constr type="t" for="ch" forName="rect3ParTx" refType="t" refFor="ch" refForName="rect3"/>
+              <dgm:constr type="b" for="ch" forName="rect3ParTx" refType="t" refFor="ch" refForName="rect4"/>
+              <dgm:constr type="l" for="ch" forName="rect3ChTx" refType="r" refFor="ch" refForName="rect3ParTx"/>
+              <dgm:constr type="w" for="ch" forName="rect3ChTx" refType="w" refFor="ch" refForName="rect3ParTx"/>
+              <dgm:constr type="t" for="ch" forName="rect3ChTx" refType="t" refFor="ch" refForName="rect3ParTx"/>
+              <dgm:constr type="b" for="ch" forName="rect3ChTx" refType="b" refFor="ch" refForName="rect3ParTx"/>
+              <dgm:constr type="l" for="ch" forName="rect3ParTxNoCh" refType="r" refFor="ch" refForName="space"/>
+              <dgm:constr type="w" for="ch" forName="rect3ParTxNoCh" refType="w" refFor="ch" refForName="rect3"/>
+              <dgm:constr type="t" for="ch" forName="rect3ParTxNoCh" refType="t" refFor="ch" refForName="rect3"/>
+              <dgm:constr type="b" for="ch" forName="rect3ParTxNoCh" refType="t" refFor="ch" refForName="rect4"/>
+              <dgm:constr type="l" for="ch" forName="rect4ParTx" refType="r" refFor="ch" refForName="space"/>
+              <dgm:constr type="w" for="ch" forName="rect4ParTx" refType="w" refFor="ch" refForName="rect4" fact="0.5"/>
+              <dgm:constr type="t" for="ch" forName="rect4ParTx" refType="t" refFor="ch" refForName="rect4"/>
+              <dgm:constr type="b" for="ch" forName="rect4ParTx" refType="t" refFor="ch" refForName="rect5"/>
+              <dgm:constr type="l" for="ch" forName="rect4ChTx" refType="r" refFor="ch" refForName="rect4ParTx"/>
+              <dgm:constr type="w" for="ch" forName="rect4ChTx" refType="w" refFor="ch" refForName="rect4ParTx"/>
+              <dgm:constr type="t" for="ch" forName="rect4ChTx" refType="t" refFor="ch" refForName="rect4ParTx"/>
+              <dgm:constr type="b" for="ch" forName="rect4ChTx" refType="b" refFor="ch" refForName="rect4ParTx"/>
+              <dgm:constr type="l" for="ch" forName="rect4ParTxNoCh" refType="r" refFor="ch" refForName="space"/>
+              <dgm:constr type="w" for="ch" forName="rect4ParTxNoCh" refType="w" refFor="ch" refForName="rect4"/>
+              <dgm:constr type="t" for="ch" forName="rect4ParTxNoCh" refType="t" refFor="ch" refForName="rect4"/>
+              <dgm:constr type="b" for="ch" forName="rect4ParTxNoCh" refType="t" refFor="ch" refForName="rect5"/>
+              <dgm:constr type="l" for="ch" forName="rect5ParTx" refType="r" refFor="ch" refForName="space"/>
+              <dgm:constr type="w" for="ch" forName="rect5ParTx" refType="w" refFor="ch" refForName="rect5" fact="0.5"/>
+              <dgm:constr type="t" for="ch" forName="rect5ParTx" refType="t" refFor="ch" refForName="rect5"/>
+              <dgm:constr type="b" for="ch" forName="rect5ParTx" refType="t" refFor="ch" refForName="rect6"/>
+              <dgm:constr type="l" for="ch" forName="rect5ChTx" refType="r" refFor="ch" refForName="rect5ParTx"/>
+              <dgm:constr type="w" for="ch" forName="rect5ChTx" refType="w" refFor="ch" refForName="rect5ParTx"/>
+              <dgm:constr type="t" for="ch" forName="rect5ChTx" refType="t" refFor="ch" refForName="rect5ParTx"/>
+              <dgm:constr type="b" for="ch" forName="rect5ChTx" refType="b" refFor="ch" refForName="rect5ParTx"/>
+              <dgm:constr type="l" for="ch" forName="rect5ParTxNoCh" refType="r" refFor="ch" refForName="space"/>
+              <dgm:constr type="w" for="ch" forName="rect5ParTxNoCh" refType="w" refFor="ch" refForName="rect5"/>
+              <dgm:constr type="t" for="ch" forName="rect5ParTxNoCh" refType="t" refFor="ch" refForName="rect5"/>
+              <dgm:constr type="b" for="ch" forName="rect5ParTxNoCh" refType="t" refFor="ch" refForName="rect6"/>
+              <dgm:constr type="l" for="ch" forName="rect6ParTx" refType="r" refFor="ch" refForName="space"/>
+              <dgm:constr type="w" for="ch" forName="rect6ParTx" refType="w" refFor="ch" refForName="rect6" fact="0.5"/>
+              <dgm:constr type="t" for="ch" forName="rect6ParTx" refType="t" refFor="ch" refForName="rect6"/>
+              <dgm:constr type="b" for="ch" forName="rect6ParTx" refType="t" refFor="ch" refForName="rect7"/>
+              <dgm:constr type="l" for="ch" forName="rect6ChTx" refType="r" refFor="ch" refForName="rect6ParTx"/>
+              <dgm:constr type="w" for="ch" forName="rect6ChTx" refType="w" refFor="ch" refForName="rect6ParTx"/>
+              <dgm:constr type="t" for="ch" forName="rect6ChTx" refType="t" refFor="ch" refForName="rect6ParTx"/>
+              <dgm:constr type="b" for="ch" forName="rect6ChTx" refType="b" refFor="ch" refForName="rect6ParTx"/>
+              <dgm:constr type="l" for="ch" forName="rect6ParTxNoCh" refType="r" refFor="ch" refForName="space"/>
+              <dgm:constr type="w" for="ch" forName="rect6ParTxNoCh" refType="w" refFor="ch" refForName="rect6"/>
+              <dgm:constr type="t" for="ch" forName="rect6ParTxNoCh" refType="t" refFor="ch" refForName="rect6"/>
+              <dgm:constr type="b" for="ch" forName="rect6ParTxNoCh" refType="t" refFor="ch" refForName="rect7"/>
+              <dgm:constr type="primFontSz" for="ch" op="equ" val="65"/>
+              <dgm:constr type="secFontSz" for="ch" op="equ" val="65"/>
+            </dgm:constrLst>
+          </dgm:if>
+          <dgm:else name="Name11">
+            <dgm:constrLst/>
+          </dgm:else>
+        </dgm:choose>
+      </dgm:if>
+      <dgm:else name="Name12">
+        <dgm:choose name="Name13">
+          <dgm:if name="Name14" axis="ch" ptType="node" func="cnt" op="equ" val="1">
+            <dgm:constrLst>
+              <dgm:constr type="userA" refType="w" fact="0.3"/>
+              <dgm:constr type="w" for="ch" forName="circle1" refType="userA" fact="2"/>
+              <dgm:constr type="h" for="ch" forName="circle1" refType="w" refFor="ch" refForName="circle1" op="equ"/>
+              <dgm:constr type="r" for="ch" forName="circle1" refType="w"/>
+              <dgm:constr type="ctrY" for="ch" forName="circle1" refType="h" fact="0.5"/>
+              <dgm:constr type="r" for="ch" forName="space" refType="ctrX" refFor="ch" refForName="circle1"/>
+              <dgm:constr type="w" for="ch" forName="space"/>
+              <dgm:constr type="h" for="ch" forName="space" refType="h" refFor="ch" refForName="circle1"/>
+              <dgm:constr type="b" for="ch" forName="space" refType="b" refFor="ch" refForName="circle1"/>
+              <dgm:constr type="r" for="ch" forName="rect1" refType="l" refFor="ch" refForName="space"/>
+              <dgm:constr type="l" for="ch" forName="rect1"/>
+              <dgm:constr type="h" for="ch" forName="rect1" refType="h" refFor="ch" refForName="circle1"/>
+              <dgm:constr type="b" for="ch" forName="rect1" refType="b" refFor="ch" refForName="circle1"/>
+              <dgm:constr type="r" for="ch" forName="rect1ParTx" refType="l" refFor="ch" refForName="space"/>
+              <dgm:constr type="w" for="ch" forName="rect1ParTx" refType="w" refFor="ch" refForName="rect1" fact="0.5"/>
+              <dgm:constr type="t" for="ch" forName="rect1ParTx" refType="t" refFor="ch" refForName="rect1"/>
+              <dgm:constr type="b" for="ch" forName="rect1ParTx" refType="b" refFor="ch" refForName="rect1"/>
+              <dgm:constr type="r" for="ch" forName="rect1ChTx" refType="l" refFor="ch" refForName="rect1ParTx"/>
+              <dgm:constr type="w" for="ch" forName="rect1ChTx" refType="w" refFor="ch" refForName="rect1ParTx"/>
+              <dgm:constr type="t" for="ch" forName="rect1ChTx" refType="t" refFor="ch" refForName="rect1ParTx"/>
+              <dgm:constr type="b" for="ch" forName="rect1ChTx" refType="b" refFor="ch" refForName="rect1ParTx"/>
+              <dgm:constr type="r" for="ch" forName="rect1ParTxNoCh" refType="l" refFor="ch" refForName="space"/>
+              <dgm:constr type="w" for="ch" forName="rect1ParTxNoCh" refType="w" refFor="ch" refForName="rect1"/>
+              <dgm:constr type="t" for="ch" forName="rect1ParTxNoCh" refType="t" refFor="ch" refForName="rect1"/>
+              <dgm:constr type="b" for="ch" forName="rect1ParTxNoCh" refType="b" refFor="ch" refForName="rect1"/>
+              <dgm:constr type="primFontSz" for="ch" op="equ" val="65"/>
+              <dgm:constr type="secFontSz" for="ch" op="equ" val="65"/>
+            </dgm:constrLst>
+          </dgm:if>
+          <dgm:if name="Name15" axis="ch" ptType="node" func="cnt" op="equ" val="2">
+            <dgm:constrLst>
+              <dgm:constr type="userA" refType="w" fact="0.3"/>
+              <dgm:constr type="w" for="ch" forName="circle1" refType="userA" fact="2"/>
+              <dgm:constr type="h" for="ch" forName="circle1" refType="w" refFor="ch" refForName="circle1" op="equ"/>
+              <dgm:constr type="r" for="ch" forName="circle1" refType="w"/>
+              <dgm:constr type="ctrY" for="ch" forName="circle1" refType="h" fact="0.5"/>
+              <dgm:constr type="r" for="ch" forName="space" refType="ctrX" refFor="ch" refForName="circle1"/>
+              <dgm:constr type="w" for="ch" forName="space"/>
+              <dgm:constr type="h" for="ch" forName="space" refType="h" refFor="ch" refForName="circle1"/>
+              <dgm:constr type="b" for="ch" forName="space" refType="b" refFor="ch" refForName="circle1"/>
+              <dgm:constr type="r" for="ch" forName="rect1" refType="l" refFor="ch" refForName="space"/>
+              <dgm:constr type="l" for="ch" forName="rect1"/>
+              <dgm:constr type="h" for="ch" forName="rect1" refType="h" refFor="ch" refForName="circle1"/>
+              <dgm:constr type="b" for="ch" forName="rect1" refType="b" refFor="ch" refForName="circle1"/>
+              <dgm:constr type="l" for="ch" forName="vertSpace2"/>
+              <dgm:constr type="w" for="ch" forName="vertSpace2" refType="w"/>
+              <dgm:constr type="h" for="ch" forName="vertSpace2" refType="h" refFor="ch" refForName="circle1" fact="0.05"/>
+              <dgm:constr type="b" for="ch" forName="vertSpace2" refType="b" refFor="ch" refForName="circle1"/>
+              <dgm:constr type="ctrX" for="ch" forName="circle2" refType="r" refFor="ch" refForName="space"/>
+              <dgm:constr type="h" for="ch" forName="circle2" refType="h" refFor="ch" refForName="circle1" fact="0.5"/>
+              <dgm:constr type="hOff" for="ch" forName="circle2" refType="h" refFor="ch" refForName="vertSpace2" fact="-0.5"/>
+              <dgm:constr type="w" for="ch" forName="circle2" refType="h" refFor="ch" refForName="circle2" op="equ"/>
+              <dgm:constr type="wOff" for="ch" forName="circle2" refType="hOff" refFor="ch" refForName="circle2" op="equ"/>
+              <dgm:constr type="b" for="ch" forName="circle2" refType="t" refFor="ch" refForName="vertSpace2"/>
+              <dgm:constr type="r" for="ch" forName="rect2" refType="l" refFor="ch" refForName="space"/>
+              <dgm:constr type="l" for="ch" forName="rect2"/>
+              <dgm:constr type="h" for="ch" forName="rect2" refType="h" refFor="ch" refForName="circle2"/>
+              <dgm:constr type="hOff" for="ch" forName="rect2" refType="hOff" refFor="ch" refForName="circle2"/>
+              <dgm:constr type="b" for="ch" forName="rect2" refType="b" refFor="ch" refForName="circle2"/>
+              <dgm:constr type="r" for="ch" forName="rect2ParTx" refType="l" refFor="ch" refForName="space"/>
+              <dgm:constr type="w" for="ch" forName="rect2ParTx" refType="w" refFor="ch" refForName="rect2" fact="0.5"/>
+              <dgm:constr type="t" for="ch" forName="rect2ParTx" refType="t" refFor="ch" refForName="rect2"/>
+              <dgm:constr type="b" for="ch" forName="rect2ParTx" refType="b" refFor="ch" refForName="rect2"/>
+              <dgm:constr type="r" for="ch" forName="rect2ChTx" refType="l" refFor="ch" refForName="rect2ParTx"/>
+              <dgm:constr type="w" for="ch" forName="rect2ChTx" refType="w" refFor="ch" refForName="rect2ParTx"/>
+              <dgm:constr type="t" for="ch" forName="rect2ChTx" refType="t" refFor="ch" refForName="rect2ParTx"/>
+              <dgm:constr type="b" for="ch" forName="rect2ChTx" refType="b" refFor="ch" refForName="rect2ParTx"/>
+              <dgm:constr type="r" for="ch" forName="rect2ParTxNoCh" refType="l" refFor="ch" refForName="space"/>
+              <dgm:constr type="w" for="ch" forName="rect2ParTxNoCh" refType="w" refFor="ch" refForName="rect2"/>
+              <dgm:constr type="t" for="ch" forName="rect2ParTxNoCh" refType="t" refFor="ch" refForName="rect2"/>
+              <dgm:constr type="b" for="ch" forName="rect2ParTxNoCh" refType="b" refFor="ch" refForName="rect2"/>
+              <dgm:constr type="r" for="ch" forName="rect1ParTx" refType="l" refFor="ch" refForName="space"/>
+              <dgm:constr type="w" for="ch" forName="rect1ParTx" refType="w" refFor="ch" refForName="rect1" fact="0.5"/>
+              <dgm:constr type="t" for="ch" forName="rect1ParTx" refType="t" refFor="ch" refForName="rect1"/>
+              <dgm:constr type="b" for="ch" forName="rect1ParTx" refType="t" refFor="ch" refForName="rect2"/>
+              <dgm:constr type="r" for="ch" forName="rect1ChTx" refType="l" refFor="ch" refForName="rect1ParTx"/>
+              <dgm:constr type="w" for="ch" forName="rect1ChTx" refType="w" refFor="ch" refForName="rect1ParTx"/>
+              <dgm:constr type="t" for="ch" forName="rect1ChTx" refType="t" refFor="ch" refForName="rect1ParTx"/>
+              <dgm:constr type="b" for="ch" forName="rect1ChTx" refType="b" refFor="ch" refForName="rect1ParTx"/>
+              <dgm:constr type="r" for="ch" forName="rect1ParTxNoCh" refType="l" refFor="ch" refForName="space"/>
+              <dgm:constr type="w" for="ch" forName="rect1ParTxNoCh" refType="w" refFor="ch" refForName="rect1"/>
+              <dgm:constr type="t" for="ch" forName="rect1ParTxNoCh" refType="t" refFor="ch" refForName="rect1"/>
+              <dgm:constr type="b" for="ch" forName="rect1ParTxNoCh" refType="t" refFor="ch" refForName="rect2"/>
+              <dgm:constr type="primFontSz" for="ch" op="equ" val="65"/>
+              <dgm:constr type="secFontSz" for="ch" op="equ" val="65"/>
+            </dgm:constrLst>
+          </dgm:if>
+          <dgm:if name="Name16" axis="ch" ptType="node" func="cnt" op="equ" val="3">
+            <dgm:constrLst>
+              <dgm:constr type="userA" refType="w" fact="0.3"/>
+              <dgm:constr type="w" for="ch" forName="circle1" refType="userA" fact="2"/>
+              <dgm:constr type="h" for="ch" forName="circle1" refType="w" refFor="ch" refForName="circle1" op="equ"/>
+              <dgm:constr type="r" for="ch" forName="circle1" refType="w"/>
+              <dgm:constr type="ctrY" for="ch" forName="circle1" refType="h" fact="0.5"/>
+              <dgm:constr type="r" for="ch" forName="space" refType="ctrX" refFor="ch" refForName="circle1"/>
+              <dgm:constr type="w" for="ch" forName="space"/>
+              <dgm:constr type="h" for="ch" forName="space" refType="h" refFor="ch" refForName="circle1"/>
+              <dgm:constr type="b" for="ch" forName="space" refType="b" refFor="ch" refForName="circle1"/>
+              <dgm:constr type="r" for="ch" forName="rect1" refType="l" refFor="ch" refForName="space"/>
+              <dgm:constr type="l" for="ch" forName="rect1"/>
+              <dgm:constr type="h" for="ch" forName="rect1" refType="h" refFor="ch" refForName="circle1"/>
+              <dgm:constr type="b" for="ch" forName="rect1" refType="b" refFor="ch" refForName="circle1"/>
+              <dgm:constr type="l" for="ch" forName="vertSpace2"/>
+              <dgm:constr type="w" for="ch" forName="vertSpace2" refType="w"/>
+              <dgm:constr type="h" for="ch" forName="vertSpace2" refType="h" refFor="ch" refForName="circle1" fact="0.05"/>
+              <dgm:constr type="b" for="ch" forName="vertSpace2" refType="b" refFor="ch" refForName="circle1"/>
+              <dgm:constr type="ctrX" for="ch" forName="circle2" refType="r" refFor="ch" refForName="space"/>
+              <dgm:constr type="h" for="ch" forName="circle2" refType="h" refFor="ch" refForName="circle1" fact="0.66667"/>
+              <dgm:constr type="hOff" for="ch" forName="circle2" refType="h" refFor="ch" refForName="vertSpace2" fact="-0.33333"/>
+              <dgm:constr type="w" for="ch" forName="circle2" refType="h" refFor="ch" refForName="circle2" op="equ"/>
+              <dgm:constr type="wOff" for="ch" forName="circle2" refType="hOff" refFor="ch" refForName="circle2" op="equ"/>
+              <dgm:constr type="b" for="ch" forName="circle2" refType="t" refFor="ch" refForName="vertSpace2"/>
+              <dgm:constr type="r" for="ch" forName="rect2" refType="l" refFor="ch" refForName="space"/>
+              <dgm:constr type="l" for="ch" forName="rect2"/>
+              <dgm:constr type="h" for="ch" forName="rect2" refType="h" refFor="ch" refForName="circle2"/>
+              <dgm:constr type="hOff" for="ch" forName="rect2" refType="hOff" refFor="ch" refForName="circle2"/>
+              <dgm:constr type="b" for="ch" forName="rect2" refType="b" refFor="ch" refForName="circle2"/>
+              <dgm:constr type="l" for="ch" forName="vertSpace3"/>
+              <dgm:constr type="w" for="ch" forName="vertSpace3" refType="w"/>
+              <dgm:constr type="h" for="ch" forName="vertSpace3" refType="h" refFor="ch" refForName="vertSpace2"/>
+              <dgm:constr type="b" for="ch" forName="vertSpace3" refType="t" refFor="ch" refForName="vertSpace2"/>
+              <dgm:constr type="ctrX" for="ch" forName="circle3" refType="r" refFor="ch" refForName="space"/>
+              <dgm:constr type="h" for="ch" forName="circle3" refType="h" refFor="ch" refForName="circle1" fact="0.33333"/>
+              <dgm:constr type="hOff" for="ch" forName="circle3" refType="h" refFor="ch" refForName="vertSpace2" fact="-0.66667"/>
+              <dgm:constr type="w" for="ch" forName="circle3" refType="h" refFor="ch" refForName="circle3" op="equ"/>
+              <dgm:constr type="wOff" for="ch" forName="circle3" refType="hOff" refFor="ch" refForName="circle3" op="equ"/>
+              <dgm:constr type="b" for="ch" forName="circle3" refType="t" refFor="ch" refForName="vertSpace3"/>
+              <dgm:constr type="r" for="ch" forName="rect3" refType="l" refFor="ch" refForName="space"/>
+              <dgm:constr type="l" for="ch" forName="rect3"/>
+              <dgm:constr type="h" for="ch" forName="rect3" refType="h" refFor="ch" refForName="circle3"/>
+              <dgm:constr type="hOff" for="ch" forName="rect3" refType="hOff" refFor="ch" refForName="circle3"/>
+              <dgm:constr type="b" for="ch" forName="rect3" refType="b" refFor="ch" refForName="circle3"/>
+              <dgm:constr type="r" for="ch" forName="rect3ParTx" refType="l" refFor="ch" refForName="space"/>
+              <dgm:constr type="w" for="ch" forName="rect3ParTx" refType="w" refFor="ch" refForName="rect3" fact="0.5"/>
+              <dgm:constr type="t" for="ch" forName="rect3ParTx" refType="t" refFor="ch" refForName="rect3"/>
+              <dgm:constr type="b" for="ch" forName="rect3ParTx" refType="b" refFor="ch" refForName="rect3"/>
+              <dgm:constr type="r" for="ch" forName="rect3ChTx" refType="l" refFor="ch" refForName="rect3ParTx"/>
+              <dgm:constr type="w" for="ch" forName="rect3ChTx" refType="w" refFor="ch" refForName="rect3ParTx"/>
+              <dgm:constr type="t" for="ch" forName="rect3ChTx" refType="t" refFor="ch" refForName="rect3ParTx"/>
+              <dgm:constr type="b" for="ch" forName="rect3ChTx" refType="b" refFor="ch" refForName="rect3ParTx"/>
+              <dgm:constr type="r" for="ch" forName="rect3ParTxNoCh" refType="l" refFor="ch" refForName="space"/>
+              <dgm:constr type="w" for="ch" forName="rect3ParTxNoCh" refType="w" refFor="ch" refForName="rect3"/>
+              <dgm:constr type="t" for="ch" forName="rect3ParTxNoCh" refType="t" refFor="ch" refForName="rect3"/>
+              <dgm:constr type="b" for="ch" forName="rect3ParTxNoCh" refType="b" refFor="ch" refForName="rect3"/>
+              <dgm:constr type="r" for="ch" forName="rect1ParTx" refType="l" refFor="ch" refForName="space"/>
+              <dgm:constr type="w" for="ch" forName="rect1ParTx" refType="w" refFor="ch" refForName="rect1" fact="0.5"/>
+              <dgm:constr type="t" for="ch" forName="rect1ParTx" refType="t" refFor="ch" refForName="rect1"/>
+              <dgm:constr type="b" for="ch" forName="rect1ParTx" refType="t" refFor="ch" refForName="rect2"/>
+              <dgm:constr type="r" for="ch" forName="rect1ChTx" refType="l" refFor="ch" refForName="rect1ParTx"/>
+              <dgm:constr type="w" for="ch" forName="rect1ChTx" refType="w" refFor="ch" refForName="rect1ParTx"/>
+              <dgm:constr type="t" for="ch" forName="rect1ChTx" refType="t" refFor="ch" refForName="rect1ParTx"/>
+              <dgm:constr type="b" for="ch" forName="rect1ChTx" refType="b" refFor="ch" refForName="rect1ParTx"/>
+              <dgm:constr type="r" for="ch" forName="rect1ParTxNoCh" refType="l" refFor="ch" refForName="space"/>
+              <dgm:constr type="w" for="ch" forName="rect1ParTxNoCh" refType="w" refFor="ch" refForName="rect1"/>
+              <dgm:constr type="t" for="ch" forName="rect1ParTxNoCh" refType="t" refFor="ch" refForName="rect1"/>
+              <dgm:constr type="b" for="ch" forName="rect1ParTxNoCh" refType="t" refFor="ch" refForName="rect2"/>
+              <dgm:constr type="r" for="ch" forName="rect2ParTx" refType="l" refFor="ch" refForName="space"/>
+              <dgm:constr type="w" for="ch" forName="rect2ParTx" refType="w" refFor="ch" refForName="rect2" fact="0.5"/>
+              <dgm:constr type="t" for="ch" forName="rect2ParTx" refType="t" refFor="ch" refForName="rect2"/>
+              <dgm:constr type="b" for="ch" forName="rect2ParTx" refType="t" refFor="ch" refForName="rect3"/>
+              <dgm:constr type="r" for="ch" forName="rect2ChTx" refType="l" refFor="ch" refForName="rect2ParTx"/>
+              <dgm:constr type="w" for="ch" forName="rect2ChTx" refType="w" refFor="ch" refForName="rect2ParTx"/>
+              <dgm:constr type="t" for="ch" forName="rect2ChTx" refType="t" refFor="ch" refForName="rect2ParTx"/>
+              <dgm:constr type="b" for="ch" forName="rect2ChTx" refType="b" refFor="ch" refForName="rect2ParTx"/>
+              <dgm:constr type="r" for="ch" forName="rect2ParTxNoCh" refType="l" refFor="ch" refForName="space"/>
+              <dgm:constr type="w" for="ch" forName="rect2ParTxNoCh" refType="w" refFor="ch" refForName="rect2"/>
+              <dgm:constr type="t" for="ch" forName="rect2ParTxNoCh" refType="t" refFor="ch" refForName="rect2"/>
+              <dgm:constr type="b" for="ch" forName="rect2ParTxNoCh" refType="t" refFor="ch" refForName="rect3"/>
+              <dgm:constr type="primFontSz" for="ch" op="equ" val="65"/>
+              <dgm:constr type="secFontSz" for="ch" op="equ" val="65"/>
+            </dgm:constrLst>
+          </dgm:if>
+          <dgm:if name="Name17" axis="ch" ptType="node" func="cnt" op="equ" val="4">
+            <dgm:constrLst>
+              <dgm:constr type="userA" refType="w" fact="0.3"/>
+              <dgm:constr type="w" for="ch" forName="circle1" refType="userA" fact="2"/>
+              <dgm:constr type="h" for="ch" forName="circle1" refType="w" refFor="ch" refForName="circle1" op="equ"/>
+              <dgm:constr type="r" for="ch" forName="circle1" refType="w"/>
+              <dgm:constr type="ctrY" for="ch" forName="circle1" refType="h" fact="0.5"/>
+              <dgm:constr type="r" for="ch" forName="space" refType="ctrX" refFor="ch" refForName="circle1"/>
+              <dgm:constr type="w" for="ch" forName="space"/>
+              <dgm:constr type="h" for="ch" forName="space" refType="h" refFor="ch" refForName="circle1"/>
+              <dgm:constr type="b" for="ch" forName="space" refType="b" refFor="ch" refForName="circle1"/>
+              <dgm:constr type="r" for="ch" forName="rect1" refType="l" refFor="ch" refForName="space"/>
+              <dgm:constr type="l" for="ch" forName="rect1"/>
+              <dgm:constr type="h" for="ch" forName="rect1" refType="h" refFor="ch" refForName="circle1"/>
+              <dgm:constr type="b" for="ch" forName="rect1" refType="b" refFor="ch" refForName="circle1"/>
+              <dgm:constr type="l" for="ch" forName="vertSpace2"/>
+              <dgm:constr type="w" for="ch" forName="vertSpace2" refType="w"/>
+              <dgm:constr type="h" for="ch" forName="vertSpace2" refType="h" refFor="ch" refForName="circle1" fact="0.05"/>
+              <dgm:constr type="b" for="ch" forName="vertSpace2" refType="b" refFor="ch" refForName="circle1"/>
+              <dgm:constr type="ctrX" for="ch" forName="circle2" refType="r" refFor="ch" refForName="space"/>
+              <dgm:constr type="h" for="ch" forName="circle2" refType="h" refFor="ch" refForName="circle1" fact="0.75"/>
+              <dgm:constr type="hOff" for="ch" forName="circle2" refType="h" refFor="ch" refForName="vertSpace2" fact="-0.25"/>
+              <dgm:constr type="w" for="ch" forName="circle2" refType="h" refFor="ch" refForName="circle2" op="equ"/>
+              <dgm:constr type="wOff" for="ch" forName="circle2" refType="hOff" refFor="ch" refForName="circle2" op="equ"/>
+              <dgm:constr type="b" for="ch" forName="circle2" refType="t" refFor="ch" refForName="vertSpace2"/>
+              <dgm:constr type="r" for="ch" forName="rect2" refType="l" refFor="ch" refForName="space"/>
+              <dgm:constr type="l" for="ch" forName="rect2"/>
+              <dgm:constr type="h" for="ch" forName="rect2" refType="h" refFor="ch" refForName="circle2"/>
+              <dgm:constr type="hOff" for="ch" forName="rect2" refType="hOff" refFor="ch" refForName="circle2"/>
+              <dgm:constr type="b" for="ch" forName="rect2" refType="b" refFor="ch" refForName="circle2"/>
+              <dgm:constr type="l" for="ch" forName="vertSpace3"/>
+              <dgm:constr type="w" for="ch" forName="vertSpace3" refType="w"/>
+              <dgm:constr type="h" for="ch" forName="vertSpace3" refType="h" refFor="ch" refForName="vertSpace2"/>
+              <dgm:constr type="b" for="ch" forName="vertSpace3" refType="t" refFor="ch" refForName="vertSpace2"/>
+              <dgm:constr type="ctrX" for="ch" forName="circle3" refType="r" refFor="ch" refForName="space"/>
+              <dgm:constr type="h" for="ch" forName="circle3" refType="h" refFor="ch" refForName="circle1" fact="0.5"/>
+              <dgm:constr type="hOff" for="ch" forName="circle3" refType="h" refFor="ch" refForName="vertSpace2" fact="-0.5"/>
+              <dgm:constr type="w" for="ch" forName="circle3" refType="h" refFor="ch" refForName="circle3" op="equ"/>
+              <dgm:constr type="wOff" for="ch" forName="circle3" refType="hOff" refFor="ch" refForName="circle3" op="equ"/>
+              <dgm:constr type="b" for="ch" forName="circle3" refType="t" refFor="ch" refForName="vertSpace3"/>
+              <dgm:constr type="r" for="ch" forName="rect3" refType="l" refFor="ch" refForName="space"/>
+              <dgm:constr type="l" for="ch" forName="rect3"/>
+              <dgm:constr type="h" for="ch" forName="rect3" refType="h" refFor="ch" refForName="circle3"/>
+              <dgm:constr type="hOff" for="ch" forName="rect3" refType="hOff" refFor="ch" refForName="circle3"/>
+              <dgm:constr type="b" for="ch" forName="rect3" refType="b" refFor="ch" refForName="circle3"/>
+              <dgm:constr type="l" for="ch" forName="vertSpace4"/>
+              <dgm:constr type="w" for="ch" forName="vertSpace4" refType="w"/>
+              <dgm:constr type="h" for="ch" forName="vertSpace4" refType="h" refFor="ch" refForName="vertSpace3"/>
+              <dgm:constr type="b" for="ch" forName="vertSpace4" refType="t" refFor="ch" refForName="vertSpace3"/>
+              <dgm:constr type="ctrX" for="ch" forName="circle4" refType="r" refFor="ch" refForName="space"/>
+              <dgm:constr type="h" for="ch" forName="circle4" refType="h" refFor="ch" refForName="circle1" fact="0.25"/>
+              <dgm:constr type="hOff" for="ch" forName="circle4" refType="h" refFor="ch" refForName="vertSpace2" fact="-0.75"/>
+              <dgm:constr type="w" for="ch" forName="circle4" refType="h" refFor="ch" refForName="circle4" op="equ"/>
+              <dgm:constr type="wOff" for="ch" forName="circle4" refType="hOff" refFor="ch" refForName="circle4" op="equ"/>
+              <dgm:constr type="b" for="ch" forName="circle4" refType="t" refFor="ch" refForName="vertSpace4"/>
+              <dgm:constr type="r" for="ch" forName="rect4" refType="l" refFor="ch" refForName="space"/>
+              <dgm:constr type="l" for="ch" forName="rect4"/>
+              <dgm:constr type="h" for="ch" forName="rect4" refType="h" refFor="ch" refForName="circle4"/>
+              <dgm:constr type="hOff" for="ch" forName="rect4" refType="hOff" refFor="ch" refForName="circle4"/>
+              <dgm:constr type="b" for="ch" forName="rect4" refType="b" refFor="ch" refForName="circle4"/>
+              <dgm:constr type="r" for="ch" forName="rect4ParTx" refType="l" refFor="ch" refForName="space"/>
+              <dgm:constr type="w" for="ch" forName="rect4ParTx" refType="w" refFor="ch" refForName="rect4" fact="0.5"/>
+              <dgm:constr type="t" for="ch" forName="rect4ParTx" refType="t" refFor="ch" refForName="rect4"/>
+              <dgm:constr type="b" for="ch" forName="rect4ParTx" refType="b" refFor="ch" refForName="rect4"/>
+              <dgm:constr type="r" for="ch" forName="rect4ChTx" refType="l" refFor="ch" refForName="rect4ParTx"/>
+              <dgm:constr type="w" for="ch" forName="rect4ChTx" refType="w" refFor="ch" refForName="rect4ParTx"/>
+              <dgm:constr type="t" for="ch" forName="rect4ChTx" refType="t" refFor="ch" refForName="rect4ParTx"/>
+              <dgm:constr type="b" for="ch" forName="rect4ChTx" refType="b" refFor="ch" refForName="rect4ParTx"/>
+              <dgm:constr type="r" for="ch" forName="rect4ParTxNoCh" refType="l" refFor="ch" refForName="space"/>
+              <dgm:constr type="w" for="ch" forName="rect4ParTxNoCh" refType="w" refFor="ch" refForName="rect4"/>
+              <dgm:constr type="t" for="ch" forName="rect4ParTxNoCh" refType="t" refFor="ch" refForName="rect4"/>
+              <dgm:constr type="b" for="ch" forName="rect4ParTxNoCh" refType="b" refFor="ch" refForName="rect4"/>
+              <dgm:constr type="r" for="ch" forName="rect1ParTx" refType="l" refFor="ch" refForName="space"/>
+              <dgm:constr type="w" for="ch" forName="rect1ParTx" refType="w" refFor="ch" refForName="rect1" fact="0.5"/>
+              <dgm:constr type="t" for="ch" forName="rect1ParTx" refType="t" refFor="ch" refForName="rect1"/>
+              <dgm:constr type="b" for="ch" forName="rect1ParTx" refType="t" refFor="ch" refForName="rect2"/>
+              <dgm:constr type="r" for="ch" forName="rect1ChTx" refType="l" refFor="ch" refForName="rect1ParTx"/>
+              <dgm:constr type="w" for="ch" forName="rect1ChTx" refType="w" refFor="ch" refForName="rect1ParTx"/>
+              <dgm:constr type="t" for="ch" forName="rect1ChTx" refType="t" refFor="ch" refForName="rect1ParTx"/>
+              <dgm:constr type="b" for="ch" forName="rect1ChTx" refType="b" refFor="ch" refForName="rect1ParTx"/>
+              <dgm:constr type="r" for="ch" forName="rect1ParTxNoCh" refType="l" refFor="ch" refForName="space"/>
+              <dgm:constr type="w" for="ch" forName="rect1ParTxNoCh" refType="w" refFor="ch" refForName="rect1"/>
+              <dgm:constr type="t" for="ch" forName="rect1ParTxNoCh" refType="t" refFor="ch" refForName="rect1"/>
+              <dgm:constr type="b" for="ch" forName="rect1ParTxNoCh" refType="t" refFor="ch" refForName="rect2"/>
+              <dgm:constr type="r" for="ch" forName="rect2ParTx" refType="l" refFor="ch" refForName="space"/>
+              <dgm:constr type="w" for="ch" forName="rect2ParTx" refType="w" refFor="ch" refForName="rect2" fact="0.5"/>
+              <dgm:constr type="t" for="ch" forName="rect2ParTx" refType="t" refFor="ch" refForName="rect2"/>
+              <dgm:constr type="b" for="ch" forName="rect2ParTx" refType="t" refFor="ch" refForName="rect3"/>
+              <dgm:constr type="r" for="ch" forName="rect2ChTx" refType="l" refFor="ch" refForName="rect2ParTx"/>
+              <dgm:constr type="w" for="ch" forName="rect2ChTx" refType="w" refFor="ch" refForName="rect2ParTx"/>
+              <dgm:constr type="t" for="ch" forName="rect2ChTx" refType="t" refFor="ch" refForName="rect2ParTx"/>
+              <dgm:constr type="b" for="ch" forName="rect2ChTx" refType="b" refFor="ch" refForName="rect2ParTx"/>
+              <dgm:constr type="r" for="ch" forName="rect2ParTxNoCh" refType="l" refFor="ch" refForName="space"/>
+              <dgm:constr type="w" for="ch" forName="rect2ParTxNoCh" refType="w" refFor="ch" refForName="rect2"/>
+              <dgm:constr type="t" for="ch" forName="rect2ParTxNoCh" refType="t" refFor="ch" refForName="rect2"/>
+              <dgm:constr type="b" for="ch" forName="rect2ParTxNoCh" refType="t" refFor="ch" refForName="rect3"/>
+              <dgm:constr type="r" for="ch" forName="rect3ParTx" refType="l" refFor="ch" refForName="space"/>
+              <dgm:constr type="w" for="ch" forName="rect3ParTx" refType="w" refFor="ch" refForName="rect3" fact="0.5"/>
+              <dgm:constr type="t" for="ch" forName="rect3ParTx" refType="t" refFor="ch" refForName="rect3"/>
+              <dgm:constr type="b" for="ch" forName="rect3ParTx" refType="t" refFor="ch" refForName="rect4"/>
+              <dgm:constr type="r" for="ch" forName="rect3ChTx" refType="l" refFor="ch" refForName="rect3ParTx"/>
+              <dgm:constr type="w" for="ch" forName="rect3ChTx" refType="w" refFor="ch" refForName="rect3ParTx"/>
+              <dgm:constr type="t" for="ch" forName="rect3ChTx" refType="t" refFor="ch" refForName="rect3ParTx"/>
+              <dgm:constr type="b" for="ch" forName="rect3ChTx" refType="b" refFor="ch" refForName="rect3ParTx"/>
+              <dgm:constr type="r" for="ch" forName="rect3ParTxNoCh" refType="l" refFor="ch" refForName="space"/>
+              <dgm:constr type="w" for="ch" forName="rect3ParTxNoCh" refType="w" refFor="ch" refForName="rect3"/>
+              <dgm:constr type="t" for="ch" forName="rect3ParTxNoCh" refType="t" refFor="ch" refForName="rect3"/>
+              <dgm:constr type="b" for="ch" forName="rect3ParTxNoCh" refType="t" refFor="ch" refForName="rect4"/>
+              <dgm:constr type="primFontSz" for="ch" op="equ" val="65"/>
+              <dgm:constr type="secFontSz" for="ch" op="equ" val="65"/>
+            </dgm:constrLst>
+          </dgm:if>
+          <dgm:if name="Name18" axis="ch" ptType="node" func="cnt" op="equ" val="5">
+            <dgm:constrLst>
+              <dgm:constr type="userA" refType="w" fact="0.3"/>
+              <dgm:constr type="w" for="ch" forName="circle1" refType="userA" fact="2"/>
+              <dgm:constr type="h" for="ch" forName="circle1" refType="w" refFor="ch" refForName="circle1" op="equ"/>
+              <dgm:constr type="r" for="ch" forName="circle1" refType="w"/>
+              <dgm:constr type="ctrY" for="ch" forName="circle1" refType="h" fact="0.5"/>
+              <dgm:constr type="r" for="ch" forName="space" refType="ctrX" refFor="ch" refForName="circle1"/>
+              <dgm:constr type="w" for="ch" forName="space"/>
+              <dgm:constr type="h" for="ch" forName="space" refType="h" refFor="ch" refForName="circle1"/>
+              <dgm:constr type="b" for="ch" forName="space" refType="b" refFor="ch" refForName="circle1"/>
+              <dgm:constr type="r" for="ch" forName="rect1" refType="l" refFor="ch" refForName="space"/>
+              <dgm:constr type="l" for="ch" forName="rect1"/>
+              <dgm:constr type="h" for="ch" forName="rect1" refType="h" refFor="ch" refForName="circle1"/>
+              <dgm:constr type="b" for="ch" forName="rect1" refType="b" refFor="ch" refForName="circle1"/>
+              <dgm:constr type="l" for="ch" forName="vertSpace2"/>
+              <dgm:constr type="w" for="ch" forName="vertSpace2" refType="w"/>
+              <dgm:constr type="h" for="ch" forName="vertSpace2" refType="h" refFor="ch" refForName="circle1" fact="0.05"/>
+              <dgm:constr type="b" for="ch" forName="vertSpace2" refType="b" refFor="ch" refForName="circle1"/>
+              <dgm:constr type="ctrX" for="ch" forName="circle2" refType="r" refFor="ch" refForName="space"/>
+              <dgm:constr type="h" for="ch" forName="circle2" refType="h" refFor="ch" refForName="circle1" fact="0.8"/>
+              <dgm:constr type="hOff" for="ch" forName="circle2" refType="h" refFor="ch" refForName="vertSpace2" fact="-0.2"/>
+              <dgm:constr type="w" for="ch" forName="circle2" refType="h" refFor="ch" refForName="circle2" op="equ"/>
+              <dgm:constr type="wOff" for="ch" forName="circle2" refType="hOff" refFor="ch" refForName="circle2" op="equ"/>
+              <dgm:constr type="b" for="ch" forName="circle2" refType="t" refFor="ch" refForName="vertSpace2"/>
+              <dgm:constr type="r" for="ch" forName="rect2" refType="l" refFor="ch" refForName="space"/>
+              <dgm:constr type="l" for="ch" forName="rect2"/>
+              <dgm:constr type="h" for="ch" forName="rect2" refType="h" refFor="ch" refForName="circle2"/>
+              <dgm:constr type="hOff" for="ch" forName="rect2" refType="hOff" refFor="ch" refForName="circle2"/>
+              <dgm:constr type="b" for="ch" forName="rect2" refType="b" refFor="ch" refForName="circle2"/>
+              <dgm:constr type="l" for="ch" forName="vertSpace3"/>
+              <dgm:constr type="w" for="ch" forName="vertSpace3" refType="w"/>
+              <dgm:constr type="h" for="ch" forName="vertSpace3" refType="h" refFor="ch" refForName="vertSpace2"/>
+              <dgm:constr type="b" for="ch" forName="vertSpace3" refType="t" refFor="ch" refForName="vertSpace2"/>
+              <dgm:constr type="ctrX" for="ch" forName="circle3" refType="r" refFor="ch" refForName="space"/>
+              <dgm:constr type="h" for="ch" forName="circle3" refType="h" refFor="ch" refForName="circle1" fact="0.6"/>
+              <dgm:constr type="hOff" for="ch" forName="circle3" refType="h" refFor="ch" refForName="vertSpace2" fact="-0.4"/>
+              <dgm:constr type="w" for="ch" forName="circle3" refType="h" refFor="ch" refForName="circle3" op="equ"/>
+              <dgm:constr type="wOff" for="ch" forName="circle3" refType="hOff" refFor="ch" refForName="circle3" op="equ"/>
+              <dgm:constr type="b" for="ch" forName="circle3" refType="t" refFor="ch" refForName="vertSpace3"/>
+              <dgm:constr type="r" for="ch" forName="rect3" refType="l" refFor="ch" refForName="space"/>
+              <dgm:constr type="l" for="ch" forName="rect3"/>
+              <dgm:constr type="h" for="ch" forName="rect3" refType="h" refFor="ch" refForName="circle3"/>
+              <dgm:constr type="hOff" for="ch" forName="rect3" refType="hOff" refFor="ch" refForName="circle3"/>
+              <dgm:constr type="b" for="ch" forName="rect3" refType="b" refFor="ch" refForName="circle3"/>
+              <dgm:constr type="l" for="ch" forName="vertSpace4"/>
+              <dgm:constr type="w" for="ch" forName="vertSpace4" refType="w"/>
+              <dgm:constr type="h" for="ch" forName="vertSpace4" refType="h" refFor="ch" refForName="vertSpace3"/>
+              <dgm:constr type="b" for="ch" forName="vertSpace4" refType="t" refFor="ch" refForName="vertSpace3"/>
+              <dgm:constr type="ctrX" for="ch" forName="circle4" refType="r" refFor="ch" refForName="space"/>
+              <dgm:constr type="h" for="ch" forName="circle4" refType="h" refFor="ch" refForName="circle1" fact="0.4"/>
+              <dgm:constr type="hOff" for="ch" forName="circle4" refType="h" refFor="ch" refForName="vertSpace2" fact="-0.6"/>
+              <dgm:constr type="w" for="ch" forName="circle4" refType="h" refFor="ch" refForName="circle4" op="equ"/>
+              <dgm:constr type="wOff" for="ch" forName="circle4" refType="hOff" refFor="ch" refForName="circle4" op="equ"/>
+              <dgm:constr type="b" for="ch" forName="circle4" refType="t" refFor="ch" refForName="vertSpace4"/>
+              <dgm:constr type="r" for="ch" forName="rect4" refType="l" refFor="ch" refForName="space"/>
+              <dgm:constr type="l" for="ch" forName="rect4"/>
+              <dgm:constr type="h" for="ch" forName="rect4" refType="h" refFor="ch" refForName="circle4"/>
+              <dgm:constr type="hOff" for="ch" forName="rect4" refType="hOff" refFor="ch" refForName="circle4"/>
+              <dgm:constr type="b" for="ch" forName="rect4" refType="b" refFor="ch" refForName="circle4"/>
+              <dgm:constr type="l" for="ch" forName="vertSpace5"/>
+              <dgm:constr type="w" for="ch" forName="vertSpace5" refType="w"/>
+              <dgm:constr type="h" for="ch" forName="vertSpace5" refType="h" refFor="ch" refForName="vertSpace4"/>
+              <dgm:constr type="b" for="ch" forName="vertSpace5" refType="t" refFor="ch" refForName="vertSpace4"/>
+              <dgm:constr type="ctrX" for="ch" forName="circle5" refType="r" refFor="ch" refForName="space"/>
+              <dgm:constr type="h" for="ch" forName="circle5" refType="h" refFor="ch" refForName="circle1" fact="0.2"/>
+              <dgm:constr type="hOff" for="ch" forName="circle5" refType="h" refFor="ch" refForName="vertSpace2" fact="-0.8"/>
+              <dgm:constr type="w" for="ch" forName="circle5" refType="h" refFor="ch" refForName="circle5" op="equ"/>
+              <dgm:constr type="wOff" for="ch" forName="circle5" refType="hOff" refFor="ch" refForName="circle5" op="equ"/>
+              <dgm:constr type="b" for="ch" forName="circle5" refType="t" refFor="ch" refForName="vertSpace5"/>
+              <dgm:constr type="r" for="ch" forName="rect5" refType="l" refFor="ch" refForName="space"/>
+              <dgm:constr type="l" for="ch" forName="rect5"/>
+              <dgm:constr type="h" for="ch" forName="rect5" refType="h" refFor="ch" refForName="circle5"/>
+              <dgm:constr type="hOff" for="ch" forName="rect5" refType="hOff" refFor="ch" refForName="circle5"/>
+              <dgm:constr type="b" for="ch" forName="rect5" refType="b" refFor="ch" refForName="circle5"/>
+              <dgm:constr type="r" for="ch" forName="rect5ParTx" refType="l" refFor="ch" refForName="space"/>
+              <dgm:constr type="w" for="ch" forName="rect5ParTx" refType="w" refFor="ch" refForName="rect5" fact="0.5"/>
+              <dgm:constr type="t" for="ch" forName="rect5ParTx" refType="t" refFor="ch" refForName="rect5"/>
+              <dgm:constr type="b" for="ch" forName="rect5ParTx" refType="b" refFor="ch" refForName="rect5"/>
+              <dgm:constr type="r" for="ch" forName="rect5ChTx" refType="l" refFor="ch" refForName="rect5ParTx"/>
+              <dgm:constr type="w" for="ch" forName="rect5ChTx" refType="w" refFor="ch" refForName="rect5ParTx"/>
+              <dgm:constr type="t" for="ch" forName="rect5ChTx" refType="t" refFor="ch" refForName="rect5ParTx"/>
+              <dgm:constr type="b" for="ch" forName="rect5ChTx" refType="b" refFor="ch" refForName="rect5ParTx"/>
+              <dgm:constr type="r" for="ch" forName="rect5ParTxNoCh" refType="l" refFor="ch" refForName="space"/>
+              <dgm:constr type="w" for="ch" forName="rect5ParTxNoCh" refType="w" refFor="ch" refForName="rect5"/>
+              <dgm:constr type="t" for="ch" forName="rect5ParTxNoCh" refType="t" refFor="ch" refForName="rect5"/>
+              <dgm:constr type="b" for="ch" forName="rect5ParTxNoCh" refType="b" refFor="ch" refForName="rect5"/>
+              <dgm:constr type="r" for="ch" forName="rect1ParTx" refType="l" refFor="ch" refForName="space"/>
+              <dgm:constr type="w" for="ch" forName="rect1ParTx" refType="w" refFor="ch" refForName="rect1" fact="0.5"/>
+              <dgm:constr type="t" for="ch" forName="rect1ParTx" refType="t" refFor="ch" refForName="rect1"/>
+              <dgm:constr type="b" for="ch" forName="rect1ParTx" refType="t" refFor="ch" refForName="rect2"/>
+              <dgm:constr type="r" for="ch" forName="rect1ChTx" refType="l" refFor="ch" refForName="rect1ParTx"/>
+              <dgm:constr type="w" for="ch" forName="rect1ChTx" refType="w" refFor="ch" refForName="rect1ParTx"/>
+              <dgm:constr type="t" for="ch" forName="rect1ChTx" refType="t" refFor="ch" refForName="rect1ParTx"/>
+              <dgm:constr type="b" for="ch" forName="rect1ChTx" refType="b" refFor="ch" refForName="rect1ParTx"/>
+              <dgm:constr type="r" for="ch" forName="rect1ParTxNoCh" refType="l" refFor="ch" refForName="space"/>
+              <dgm:constr type="w" for="ch" forName="rect1ParTxNoCh" refType="w" refFor="ch" refForName="rect1"/>
+              <dgm:constr type="t" for="ch" forName="rect1ParTxNoCh" refType="t" refFor="ch" refForName="rect1"/>
+              <dgm:constr type="b" for="ch" forName="rect1ParTxNoCh" refType="t" refFor="ch" refForName="rect2"/>
+              <dgm:constr type="r" for="ch" forName="rect2ParTx" refType="l" refFor="ch" refForName="space"/>
+              <dgm:constr type="w" for="ch" forName="rect2ParTx" refType="w" refFor="ch" refForName="rect2" fact="0.5"/>
+              <dgm:constr type="t" for="ch" forName="rect2ParTx" refType="t" refFor="ch" refForName="rect2"/>
+              <dgm:constr type="b" for="ch" forName="rect2ParTx" refType="t" refFor="ch" refForName="rect3"/>
+              <dgm:constr type="r" for="ch" forName="rect2ChTx" refType="l" refFor="ch" refForName="rect2ParTx"/>
+              <dgm:constr type="w" for="ch" forName="rect2ChTx" refType="w" refFor="ch" refForName="rect2ParTx"/>
+              <dgm:constr type="t" for="ch" forName="rect2ChTx" refType="t" refFor="ch" refForName="rect2ParTx"/>
+              <dgm:constr type="b" for="ch" forName="rect2ChTx" refType="b" refFor="ch" refForName="rect2ParTx"/>
+              <dgm:constr type="r" for="ch" forName="rect2ParTxNoCh" refType="l" refFor="ch" refForName="space"/>
+              <dgm:constr type="w" for="ch" forName="rect2ParTxNoCh" refType="w" refFor="ch" refForName="rect2"/>
+              <dgm:constr type="t" for="ch" forName="rect2ParTxNoCh" refType="t" refFor="ch" refForName="rect2"/>
+              <dgm:constr type="b" for="ch" forName="rect2ParTxNoCh" refType="t" refFor="ch" refForName="rect3"/>
+              <dgm:constr type="r" for="ch" forName="rect3ParTx" refType="l" refFor="ch" refForName="space"/>
+              <dgm:constr type="w" for="ch" forName="rect3ParTx" refType="w" refFor="ch" refForName="rect3" fact="0.5"/>
+              <dgm:constr type="t" for="ch" forName="rect3ParTx" refType="t" refFor="ch" refForName="rect3"/>
+              <dgm:constr type="b" for="ch" forName="rect3ParTx" refType="t" refFor="ch" refForName="rect4"/>
+              <dgm:constr type="r" for="ch" forName="rect3ChTx" refType="l" refFor="ch" refForName="rect3ParTx"/>
+              <dgm:constr type="w" for="ch" forName="rect3ChTx" refType="w" refFor="ch" refForName="rect3ParTx"/>
+              <dgm:constr type="t" for="ch" forName="rect3ChTx" refType="t" refFor="ch" refForName="rect3ParTx"/>
+              <dgm:constr type="b" for="ch" forName="rect3ChTx" refType="b" refFor="ch" refForName="rect3ParTx"/>
+              <dgm:constr type="r" for="ch" forName="rect3ParTxNoCh" refType="l" refFor="ch" refForName="space"/>
+              <dgm:constr type="w" for="ch" forName="rect3ParTxNoCh" refType="w" refFor="ch" refForName="rect3"/>
+              <dgm:constr type="t" for="ch" forName="rect3ParTxNoCh" refType="t" refFor="ch" refForName="rect3"/>
+              <dgm:constr type="b" for="ch" forName="rect3ParTxNoCh" refType="t" refFor="ch" refForName="rect4"/>
+              <dgm:constr type="r" for="ch" forName="rect4ParTx" refType="l" refFor="ch" refForName="space"/>
+              <dgm:constr type="w" for="ch" forName="rect4ParTx" refType="w" refFor="ch" refForName="rect4" fact="0.5"/>
+              <dgm:constr type="t" for="ch" forName="rect4ParTx" refType="t" refFor="ch" refForName="rect4"/>
+              <dgm:constr type="b" for="ch" forName="rect4ParTx" refType="t" refFor="ch" refForName="rect5"/>
+              <dgm:constr type="r" for="ch" forName="rect4ChTx" refType="l" refFor="ch" refForName="rect4ParTx"/>
+              <dgm:constr type="w" for="ch" forName="rect4ChTx" refType="w" refFor="ch" refForName="rect4ParTx"/>
+              <dgm:constr type="t" for="ch" forName="rect4ChTx" refType="t" refFor="ch" refForName="rect4ParTx"/>
+              <dgm:constr type="b" for="ch" forName="rect4ChTx" refType="b" refFor="ch" refForName="rect4ParTx"/>
+              <dgm:constr type="r" for="ch" forName="rect4ParTxNoCh" refType="l" refFor="ch" refForName="space"/>
+              <dgm:constr type="w" for="ch" forName="rect4ParTxNoCh" refType="w" refFor="ch" refForName="rect4"/>
+              <dgm:constr type="t" for="ch" forName="rect4ParTxNoCh" refType="t" refFor="ch" refForName="rect4"/>
+              <dgm:constr type="b" for="ch" forName="rect4ParTxNoCh" refType="t" refFor="ch" refForName="rect5"/>
+              <dgm:constr type="primFontSz" for="ch" op="equ" val="65"/>
+              <dgm:constr type="secFontSz" for="ch" op="equ" val="65"/>
+            </dgm:constrLst>
+          </dgm:if>
+          <dgm:if name="Name19" axis="ch" ptType="node" func="cnt" op="equ" val="6">
+            <dgm:constrLst>
+              <dgm:constr type="userA" refType="w" fact="0.3"/>
+              <dgm:constr type="w" for="ch" forName="circle1" refType="userA" fact="2"/>
+              <dgm:constr type="h" for="ch" forName="circle1" refType="w" refFor="ch" refForName="circle1" op="equ"/>
+              <dgm:constr type="r" for="ch" forName="circle1" refType="w"/>
+              <dgm:constr type="ctrY" for="ch" forName="circle1" refType="h" fact="0.5"/>
+              <dgm:constr type="r" for="ch" forName="space" refType="ctrX" refFor="ch" refForName="circle1"/>
+              <dgm:constr type="w" for="ch" forName="space"/>
+              <dgm:constr type="h" for="ch" forName="space" refType="h" refFor="ch" refForName="circle1"/>
+              <dgm:constr type="b" for="ch" forName="space" refType="b" refFor="ch" refForName="circle1"/>
+              <dgm:constr type="r" for="ch" forName="rect1" refType="l" refFor="ch" refForName="space"/>
+              <dgm:constr type="l" for="ch" forName="rect1"/>
+              <dgm:constr type="h" for="ch" forName="rect1" refType="h" refFor="ch" refForName="circle1"/>
+              <dgm:constr type="b" for="ch" forName="rect1" refType="b" refFor="ch" refForName="circle1"/>
+              <dgm:constr type="l" for="ch" forName="vertSpace2"/>
+              <dgm:constr type="w" for="ch" forName="vertSpace2" refType="w"/>
+              <dgm:constr type="h" for="ch" forName="vertSpace2" refType="h" refFor="ch" refForName="circle1" fact="0.05"/>
+              <dgm:constr type="b" for="ch" forName="vertSpace2" refType="b" refFor="ch" refForName="circle1"/>
+              <dgm:constr type="ctrX" for="ch" forName="circle2" refType="r" refFor="ch" refForName="space"/>
+              <dgm:constr type="h" for="ch" forName="circle2" refType="h" refFor="ch" refForName="circle1" fact="0.83333"/>
+              <dgm:constr type="hOff" for="ch" forName="circle2" refType="h" refFor="ch" refForName="vertSpace2" fact="-0.16667"/>
+              <dgm:constr type="w" for="ch" forName="circle2" refType="h" refFor="ch" refForName="circle2" op="equ"/>
+              <dgm:constr type="wOff" for="ch" forName="circle2" refType="hOff" refFor="ch" refForName="circle2" op="equ"/>
+              <dgm:constr type="b" for="ch" forName="circle2" refType="t" refFor="ch" refForName="vertSpace2"/>
+              <dgm:constr type="r" for="ch" forName="rect2" refType="l" refFor="ch" refForName="space"/>
+              <dgm:constr type="l" for="ch" forName="rect2"/>
+              <dgm:constr type="h" for="ch" forName="rect2" refType="h" refFor="ch" refForName="circle2"/>
+              <dgm:constr type="hOff" for="ch" forName="rect2" refType="hOff" refFor="ch" refForName="circle2"/>
+              <dgm:constr type="b" for="ch" forName="rect2" refType="b" refFor="ch" refForName="circle2"/>
+              <dgm:constr type="l" for="ch" forName="vertSpace3"/>
+              <dgm:constr type="w" for="ch" forName="vertSpace3" refType="w"/>
+              <dgm:constr type="h" for="ch" forName="vertSpace3" refType="h" refFor="ch" refForName="vertSpace2"/>
+              <dgm:constr type="b" for="ch" forName="vertSpace3" refType="t" refFor="ch" refForName="vertSpace2"/>
+              <dgm:constr type="ctrX" for="ch" forName="circle3" refType="r" refFor="ch" refForName="space"/>
+              <dgm:constr type="h" for="ch" forName="circle3" refType="h" refFor="ch" refForName="circle1" fact="0.66667"/>
+              <dgm:constr type="hOff" for="ch" forName="circle3" refType="h" refFor="ch" refForName="vertSpace2" fact="-0.33333"/>
+              <dgm:constr type="w" for="ch" forName="circle3" refType="h" refFor="ch" refForName="circle3" op="equ"/>
+              <dgm:constr type="wOff" for="ch" forName="circle3" refType="hOff" refFor="ch" refForName="circle3" op="equ"/>
+              <dgm:constr type="b" for="ch" forName="circle3" refType="t" refFor="ch" refForName="vertSpace3"/>
+              <dgm:constr type="r" for="ch" forName="rect3" refType="l" refFor="ch" refForName="space"/>
+              <dgm:constr type="l" for="ch" forName="rect3"/>
+              <dgm:constr type="h" for="ch" forName="rect3" refType="h" refFor="ch" refForName="circle3"/>
+              <dgm:constr type="hOff" for="ch" forName="rect3" refType="hOff" refFor="ch" refForName="circle3"/>
+              <dgm:constr type="b" for="ch" forName="rect3" refType="b" refFor="ch" refForName="circle3"/>
+              <dgm:constr type="l" for="ch" forName="vertSpace4"/>
+              <dgm:constr type="w" for="ch" forName="vertSpace4" refType="w"/>
+              <dgm:constr type="h" for="ch" forName="vertSpace4" refType="h" refFor="ch" refForName="vertSpace3"/>
+              <dgm:constr type="b" for="ch" forName="vertSpace4" refType="t" refFor="ch" refForName="vertSpace3"/>
+              <dgm:constr type="ctrX" for="ch" forName="circle4" refType="r" refFor="ch" refForName="space"/>
+              <dgm:constr type="h" for="ch" forName="circle4" refType="h" refFor="ch" refForName="circle1" fact="0.5"/>
+              <dgm:constr type="hOff" for="ch" forName="circle4" refType="h" refFor="ch" refForName="vertSpace2" fact="-0.5"/>
+              <dgm:constr type="w" for="ch" forName="circle4" refType="h" refFor="ch" refForName="circle4" op="equ"/>
+              <dgm:constr type="wOff" for="ch" forName="circle4" refType="hOff" refFor="ch" refForName="circle4" op="equ"/>
+              <dgm:constr type="b" for="ch" forName="circle4" refType="t" refFor="ch" refForName="vertSpace4"/>
+              <dgm:constr type="r" for="ch" forName="rect4" refType="l" refFor="ch" refForName="space"/>
+              <dgm:constr type="l" for="ch" forName="rect4"/>
+              <dgm:constr type="h" for="ch" forName="rect4" refType="h" refFor="ch" refForName="circle4"/>
+              <dgm:constr type="hOff" for="ch" forName="rect4" refType="hOff" refFor="ch" refForName="circle4"/>
+              <dgm:constr type="b" for="ch" forName="rect4" refType="b" refFor="ch" refForName="circle4"/>
+              <dgm:constr type="l" for="ch" forName="vertSpace5"/>
+              <dgm:constr type="w" for="ch" forName="vertSpace5" refType="w"/>
+              <dgm:constr type="h" for="ch" forName="vertSpace5" refType="h" refFor="ch" refForName="vertSpace4"/>
+              <dgm:constr type="b" for="ch" forName="vertSpace5" refType="t" refFor="ch" refForName="vertSpace4"/>
+              <dgm:constr type="ctrX" for="ch" forName="circle5" refType="r" refFor="ch" refForName="space"/>
+              <dgm:constr type="h" for="ch" forName="circle5" refType="h" refFor="ch" refForName="circle1" fact="0.33333"/>
+              <dgm:constr type="hOff" for="ch" forName="circle5" refType="h" refFor="ch" refForName="vertSpace2" fact="-0.66667"/>
+              <dgm:constr type="w" for="ch" forName="circle5" refType="h" refFor="ch" refForName="circle5" op="equ"/>
+              <dgm:constr type="wOff" for="ch" forName="circle5" refType="hOff" refFor="ch" refForName="circle5" op="equ"/>
+              <dgm:constr type="b" for="ch" forName="circle5" refType="t" refFor="ch" refForName="vertSpace5"/>
+              <dgm:constr type="r" for="ch" forName="rect5" refType="l" refFor="ch" refForName="space"/>
+              <dgm:constr type="l" for="ch" forName="rect5"/>
+              <dgm:constr type="h" for="ch" forName="rect5" refType="h" refFor="ch" refForName="circle5"/>
+              <dgm:constr type="hOff" for="ch" forName="rect5" refType="hOff" refFor="ch" refForName="circle5"/>
+              <dgm:constr type="b" for="ch" forName="rect5" refType="b" refFor="ch" refForName="circle5"/>
+              <dgm:constr type="l" for="ch" forName="vertSpace6"/>
+              <dgm:constr type="w" for="ch" forName="vertSpace6" refType="w"/>
+              <dgm:constr type="h" for="ch" forName="vertSpace6" refType="h" refFor="ch" refForName="vertSpace5"/>
+              <dgm:constr type="b" for="ch" forName="vertSpace6" refType="t" refFor="ch" refForName="vertSpace5"/>
+              <dgm:constr type="ctrX" for="ch" forName="circle6" refType="r" refFor="ch" refForName="space"/>
+              <dgm:constr type="h" for="ch" forName="circle6" refType="h" refFor="ch" refForName="circle1" fact="0.16667"/>
+              <dgm:constr type="hOff" for="ch" forName="circle6" refType="h" refFor="ch" refForName="vertSpace2" fact="-0.83333"/>
+              <dgm:constr type="w" for="ch" forName="circle6" refType="h" refFor="ch" refForName="circle6" op="equ"/>
+              <dgm:constr type="wOff" for="ch" forName="circle6" refType="hOff" refFor="ch" refForName="circle6" op="equ"/>
+              <dgm:constr type="b" for="ch" forName="circle6" refType="t" refFor="ch" refForName="vertSpace6"/>
+              <dgm:constr type="r" for="ch" forName="rect6" refType="l" refFor="ch" refForName="space"/>
+              <dgm:constr type="l" for="ch" forName="rect6"/>
+              <dgm:constr type="h" for="ch" forName="rect6" refType="h" refFor="ch" refForName="circle6"/>
+              <dgm:constr type="hOff" for="ch" forName="rect6" refType="hOff" refFor="ch" refForName="circle6"/>
+              <dgm:constr type="b" for="ch" forName="rect6" refType="b" refFor="ch" refForName="circle6"/>
+              <dgm:constr type="r" for="ch" forName="rect6ParTx" refType="l" refFor="ch" refForName="space"/>
+              <dgm:constr type="w" for="ch" forName="rect6ParTx" refType="w" refFor="ch" refForName="rect6" fact="0.5"/>
+              <dgm:constr type="t" for="ch" forName="rect6ParTx" refType="t" refFor="ch" refForName="rect6"/>
+              <dgm:constr type="b" for="ch" forName="rect6ParTx" refType="b" refFor="ch" refForName="rect6"/>
+              <dgm:constr type="r" for="ch" forName="rect6ChTx" refType="l" refFor="ch" refForName="rect6ParTx"/>
+              <dgm:constr type="w" for="ch" forName="rect6ChTx" refType="w" refFor="ch" refForName="rect6ParTx"/>
+              <dgm:constr type="t" for="ch" forName="rect6ChTx" refType="t" refFor="ch" refForName="rect6ParTx"/>
+              <dgm:constr type="b" for="ch" forName="rect6ChTx" refType="b" refFor="ch" refForName="rect6ParTx"/>
+              <dgm:constr type="r" for="ch" forName="rect6ParTxNoCh" refType="l" refFor="ch" refForName="space"/>
+              <dgm:constr type="w" for="ch" forName="rect6ParTxNoCh" refType="w" refFor="ch" refForName="rect6"/>
+              <dgm:constr type="t" for="ch" forName="rect6ParTxNoCh" refType="t" refFor="ch" refForName="rect6"/>
+              <dgm:constr type="b" for="ch" forName="rect6ParTxNoCh" refType="b" refFor="ch" refForName="rect6"/>
+              <dgm:constr type="r" for="ch" forName="rect1ParTx" refType="l" refFor="ch" refForName="space"/>
+              <dgm:constr type="w" for="ch" forName="rect1ParTx" refType="w" refFor="ch" refForName="rect1" fact="0.5"/>
+              <dgm:constr type="t" for="ch" forName="rect1ParTx" refType="t" refFor="ch" refForName="rect1"/>
+              <dgm:constr type="b" for="ch" forName="rect1ParTx" refType="t" refFor="ch" refForName="rect2"/>
+              <dgm:constr type="r" for="ch" forName="rect1ChTx" refType="l" refFor="ch" refForName="rect1ParTx"/>
+              <dgm:constr type="w" for="ch" forName="rect1ChTx" refType="w" refFor="ch" refForName="rect1ParTx"/>
+              <dgm:constr type="t" for="ch" forName="rect1ChTx" refType="t" refFor="ch" refForName="rect1ParTx"/>
+              <dgm:constr type="b" for="ch" forName="rect1ChTx" refType="b" refFor="ch" refForName="rect1ParTx"/>
+              <dgm:constr type="r" for="ch" forName="rect1ParTxNoCh" refType="l" refFor="ch" refForName="space"/>
+              <dgm:constr type="w" for="ch" forName="rect1ParTxNoCh" refType="w" refFor="ch" refForName="rect1"/>
+              <dgm:constr type="t" for="ch" forName="rect1ParTxNoCh" refType="t" refFor="ch" refForName="rect1"/>
+              <dgm:constr type="b" for="ch" forName="rect1ParTxNoCh" refType="t" refFor="ch" refForName="rect2"/>
+              <dgm:constr type="r" for="ch" forName="rect2ParTx" refType="l" refFor="ch" refForName="space"/>
+              <dgm:constr type="w" for="ch" forName="rect2ParTx" refType="w" refFor="ch" refForName="rect2" fact="0.5"/>
+              <dgm:constr type="t" for="ch" forName="rect2ParTx" refType="t" refFor="ch" refForName="rect2"/>
+              <dgm:constr type="b" for="ch" forName="rect2ParTx" refType="t" refFor="ch" refForName="rect3"/>
+              <dgm:constr type="r" for="ch" forName="rect2ChTx" refType="l" refFor="ch" refForName="rect2ParTx"/>
+              <dgm:constr type="w" for="ch" forName="rect2ChTx" refType="w" refFor="ch" refForName="rect2ParTx"/>
+              <dgm:constr type="t" for="ch" forName="rect2ChTx" refType="t" refFor="ch" refForName="rect2ParTx"/>
+              <dgm:constr type="b" for="ch" forName="rect2ChTx" refType="b" refFor="ch" refForName="rect2ParTx"/>
+              <dgm:constr type="r" for="ch" forName="rect2ParTxNoCh" refType="l" refFor="ch" refForName="space"/>
+              <dgm:constr type="w" for="ch" forName="rect2ParTxNoCh" refType="w" refFor="ch" refForName="rect2"/>
+              <dgm:constr type="t" for="ch" forName="rect2ParTxNoCh" refType="t" refFor="ch" refForName="rect2"/>
+              <dgm:constr type="b" for="ch" forName="rect2ParTxNoCh" refType="t" refFor="ch" refForName="rect3"/>
+              <dgm:constr type="r" for="ch" forName="rect3ParTx" refType="l" refFor="ch" refForName="space"/>
+              <dgm:constr type="w" for="ch" forName="rect3ParTx" refType="w" refFor="ch" refForName="rect3" fact="0.5"/>
+              <dgm:constr type="t" for="ch" forName="rect3ParTx" refType="t" refFor="ch" refForName="rect3"/>
+              <dgm:constr type="b" for="ch" forName="rect3ParTx" refType="t" refFor="ch" refForName="rect4"/>
+              <dgm:constr type="r" for="ch" forName="rect3ChTx" refType="l" refFor="ch" refForName="rect3ParTx"/>
+              <dgm:constr type="w" for="ch" forName="rect3ChTx" refType="w" refFor="ch" refForName="rect3ParTx"/>
+              <dgm:constr type="t" for="ch" forName="rect3ChTx" refType="t" refFor="ch" refForName="rect3ParTx"/>
+              <dgm:constr type="b" for="ch" forName="rect3ChTx" refType="b" refFor="ch" refForName="rect3ParTx"/>
+              <dgm:constr type="r" for="ch" forName="rect3ParTxNoCh" refType="l" refFor="ch" refForName="space"/>
+              <dgm:constr type="w" for="ch" forName="rect3ParTxNoCh" refType="w" refFor="ch" refForName="rect3"/>
+              <dgm:constr type="t" for="ch" forName="rect3ParTxNoCh" refType="t" refFor="ch" refForName="rect3"/>
+              <dgm:constr type="b" for="ch" forName="rect3ParTxNoCh" refType="t" refFor="ch" refForName="rect4"/>
+              <dgm:constr type="r" for="ch" forName="rect4ParTx" refType="l" refFor="ch" refForName="space"/>
+              <dgm:constr type="w" for="ch" forName="rect4ParTx" refType="w" refFor="ch" refForName="rect4" fact="0.5"/>
+              <dgm:constr type="t" for="ch" forName="rect4ParTx" refType="t" refFor="ch" refForName="rect4"/>
+              <dgm:constr type="b" for="ch" forName="rect4ParTx" refType="t" refFor="ch" refForName="rect5"/>
+              <dgm:constr type="r" for="ch" forName="rect4ChTx" refType="l" refFor="ch" refForName="rect4ParTx"/>
+              <dgm:constr type="w" for="ch" forName="rect4ChTx" refType="w" refFor="ch" refForName="rect4ParTx"/>
+              <dgm:constr type="t" for="ch" forName="rect4ChTx" refType="t" refFor="ch" refForName="rect4ParTx"/>
+              <dgm:constr type="b" for="ch" forName="rect4ChTx" refType="b" refFor="ch" refForName="rect4ParTx"/>
+              <dgm:constr type="r" for="ch" forName="rect4ParTxNoCh" refType="l" refFor="ch" refForName="space"/>
+              <dgm:constr type="w" for="ch" forName="rect4ParTxNoCh" refType="w" refFor="ch" refForName="rect4"/>
+              <dgm:constr type="t" for="ch" forName="rect4ParTxNoCh" refType="t" refFor="ch" refForName="rect4"/>
+              <dgm:constr type="b" for="ch" forName="rect4ParTxNoCh" refType="t" refFor="ch" refForName="rect5"/>
+              <dgm:constr type="r" for="ch" forName="rect5ParTx" refType="l" refFor="ch" refForName="space"/>
+              <dgm:constr type="w" for="ch" forName="rect5ParTx" refType="w" refFor="ch" refForName="rect5" fact="0.5"/>
+              <dgm:constr type="t" for="ch" forName="rect5ParTx" refType="t" refFor="ch" refForName="rect5"/>
+              <dgm:constr type="b" for="ch" forName="rect5ParTx" refType="t" refFor="ch" refForName="rect6"/>
+              <dgm:constr type="r" for="ch" forName="rect5ChTx" refType="l" refFor="ch" refForName="rect5ParTx"/>
+              <dgm:constr type="w" for="ch" forName="rect5ChTx" refType="w" refFor="ch" refForName="rect5ParTx"/>
+              <dgm:constr type="t" for="ch" forName="rect5ChTx" refType="t" refFor="ch" refForName="rect5ParTx"/>
+              <dgm:constr type="b" for="ch" forName="rect5ChTx" refType="b" refFor="ch" refForName="rect5ParTx"/>
+              <dgm:constr type="r" for="ch" forName="rect5ParTxNoCh" refType="l" refFor="ch" refForName="space"/>
+              <dgm:constr type="w" for="ch" forName="rect5ParTxNoCh" refType="w" refFor="ch" refForName="rect5"/>
+              <dgm:constr type="t" for="ch" forName="rect5ParTxNoCh" refType="t" refFor="ch" refForName="rect5"/>
+              <dgm:constr type="b" for="ch" forName="rect5ParTxNoCh" refType="t" refFor="ch" refForName="rect6"/>
+              <dgm:constr type="primFontSz" for="ch" op="equ" val="65"/>
+              <dgm:constr type="secFontSz" for="ch" op="equ" val="65"/>
+            </dgm:constrLst>
+          </dgm:if>
+          <dgm:if name="Name20" axis="ch" ptType="node" func="cnt" op="gte" val="7">
+            <dgm:constrLst>
+              <dgm:constr type="userA" refType="w" fact="0.3"/>
+              <dgm:constr type="w" for="ch" forName="circle1" refType="userA" fact="2"/>
+              <dgm:constr type="h" for="ch" forName="circle1" refType="w" refFor="ch" refForName="circle1" op="equ"/>
+              <dgm:constr type="r" for="ch" forName="circle1" refType="w"/>
+              <dgm:constr type="ctrY" for="ch" forName="circle1" refType="h" fact="0.5"/>
+              <dgm:constr type="r" for="ch" forName="space" refType="ctrX" refFor="ch" refForName="circle1"/>
+              <dgm:constr type="w" for="ch" forName="space"/>
+              <dgm:constr type="h" for="ch" forName="space" refType="h" refFor="ch" refForName="circle1"/>
+              <dgm:constr type="b" for="ch" forName="space" refType="b" refFor="ch" refForName="circle1"/>
+              <dgm:constr type="r" for="ch" forName="rect1" refType="l" refFor="ch" refForName="space"/>
+              <dgm:constr type="l" for="ch" forName="rect1"/>
+              <dgm:constr type="h" for="ch" forName="rect1" refType="h" refFor="ch" refForName="circle1"/>
+              <dgm:constr type="b" for="ch" forName="rect1" refType="b" refFor="ch" refForName="circle1"/>
+              <dgm:constr type="l" for="ch" forName="vertSpace2"/>
+              <dgm:constr type="w" for="ch" forName="vertSpace2" refType="w"/>
+              <dgm:constr type="h" for="ch" forName="vertSpace2" refType="h" refFor="ch" refForName="circle1" fact="0.05"/>
+              <dgm:constr type="b" for="ch" forName="vertSpace2" refType="b" refFor="ch" refForName="circle1"/>
+              <dgm:constr type="ctrX" for="ch" forName="circle2" refType="r" refFor="ch" refForName="space"/>
+              <dgm:constr type="h" for="ch" forName="circle2" refType="h" refFor="ch" refForName="circle1" fact="0.85714"/>
+              <dgm:constr type="hOff" for="ch" forName="circle2" refType="h" refFor="ch" refForName="vertSpace2" fact="-0.14286"/>
+              <dgm:constr type="w" for="ch" forName="circle2" refType="h" refFor="ch" refForName="circle2" op="equ"/>
+              <dgm:constr type="wOff" for="ch" forName="circle2" refType="hOff" refFor="ch" refForName="circle2" op="equ"/>
+              <dgm:constr type="b" for="ch" forName="circle2" refType="t" refFor="ch" refForName="vertSpace2"/>
+              <dgm:constr type="r" for="ch" forName="rect2" refType="l" refFor="ch" refForName="space"/>
+              <dgm:constr type="l" for="ch" forName="rect2"/>
+              <dgm:constr type="h" for="ch" forName="rect2" refType="h" refFor="ch" refForName="circle2"/>
+              <dgm:constr type="hOff" for="ch" forName="rect2" refType="hOff" refFor="ch" refForName="circle2"/>
+              <dgm:constr type="b" for="ch" forName="rect2" refType="b" refFor="ch" refForName="circle2"/>
+              <dgm:constr type="l" for="ch" forName="vertSpace3"/>
+              <dgm:constr type="w" for="ch" forName="vertSpace3" refType="w"/>
+              <dgm:constr type="h" for="ch" forName="vertSpace3" refType="h" refFor="ch" refForName="vertSpace2"/>
+              <dgm:constr type="b" for="ch" forName="vertSpace3" refType="t" refFor="ch" refForName="vertSpace2"/>
+              <dgm:constr type="ctrX" for="ch" forName="circle3" refType="r" refFor="ch" refForName="space"/>
+              <dgm:constr type="h" for="ch" forName="circle3" refType="h" refFor="ch" refForName="circle1" fact="0.71429"/>
+              <dgm:constr type="hOff" for="ch" forName="circle3" refType="h" refFor="ch" refForName="vertSpace2" fact="-0.28571"/>
+              <dgm:constr type="w" for="ch" forName="circle3" refType="h" refFor="ch" refForName="circle3" op="equ"/>
+              <dgm:constr type="wOff" for="ch" forName="circle3" refType="hOff" refFor="ch" refForName="circle3" op="equ"/>
+              <dgm:constr type="b" for="ch" forName="circle3" refType="t" refFor="ch" refForName="vertSpace3"/>
+              <dgm:constr type="r" for="ch" forName="rect3" refType="l" refFor="ch" refForName="space"/>
+              <dgm:constr type="l" for="ch" forName="rect3"/>
+              <dgm:constr type="h" for="ch" forName="rect3" refType="h" refFor="ch" refForName="circle3"/>
+              <dgm:constr type="hOff" for="ch" forName="rect3" refType="hOff" refFor="ch" refForName="circle3"/>
+              <dgm:constr type="b" for="ch" forName="rect3" refType="b" refFor="ch" refForName="circle3"/>
+              <dgm:constr type="l" for="ch" forName="vertSpace4"/>
+              <dgm:constr type="w" for="ch" forName="vertSpace4" refType="w"/>
+              <dgm:constr type="h" for="ch" forName="vertSpace4" refType="h" refFor="ch" refForName="vertSpace3"/>
+              <dgm:constr type="b" for="ch" forName="vertSpace4" refType="t" refFor="ch" refForName="vertSpace3"/>
+              <dgm:constr type="ctrX" for="ch" forName="circle4" refType="r" refFor="ch" refForName="space"/>
+              <dgm:constr type="h" for="ch" forName="circle4" refType="h" refFor="ch" refForName="circle1" fact="0.57143"/>
+              <dgm:constr type="hOff" for="ch" forName="circle4" refType="h" refFor="ch" refForName="vertSpace2" fact="-0.42857"/>
+              <dgm:constr type="w" for="ch" forName="circle4" refType="h" refFor="ch" refForName="circle4" op="equ"/>
+              <dgm:constr type="wOff" for="ch" forName="circle4" refType="hOff" refFor="ch" refForName="circle4" op="equ"/>
+              <dgm:constr type="b" for="ch" forName="circle4" refType="t" refFor="ch" refForName="vertSpace4"/>
+              <dgm:constr type="r" for="ch" forName="rect4" refType="l" refFor="ch" refForName="space"/>
+              <dgm:constr type="l" for="ch" forName="rect4"/>
+              <dgm:constr type="h" for="ch" forName="rect4" refType="h" refFor="ch" refForName="circle4"/>
+              <dgm:constr type="hOff" for="ch" forName="rect4" refType="hOff" refFor="ch" refForName="circle4"/>
+              <dgm:constr type="b" for="ch" forName="rect4" refType="b" refFor="ch" refForName="circle4"/>
+              <dgm:constr type="l" for="ch" forName="vertSpace5"/>
+              <dgm:constr type="w" for="ch" forName="vertSpace5" refType="w"/>
+              <dgm:constr type="h" for="ch" forName="vertSpace5" refType="h" refFor="ch" refForName="vertSpace4"/>
+              <dgm:constr type="b" for="ch" forName="vertSpace5" refType="t" refFor="ch" refForName="vertSpace4"/>
+              <dgm:constr type="ctrX" for="ch" forName="circle5" refType="r" refFor="ch" refForName="space"/>
+              <dgm:constr type="h" for="ch" forName="circle5" refType="h" refFor="ch" refForName="circle1" fact="0.42857"/>
+              <dgm:constr type="hOff" for="ch" forName="circle5" refType="h" refFor="ch" refForName="vertSpace2" fact="-0.57143"/>
+              <dgm:constr type="w" for="ch" forName="circle5" refType="h" refFor="ch" refForName="circle5" op="equ"/>
+              <dgm:constr type="wOff" for="ch" forName="circle5" refType="hOff" refFor="ch" refForName="circle5" op="equ"/>
+              <dgm:constr type="b" for="ch" forName="circle5" refType="t" refFor="ch" refForName="vertSpace5"/>
+              <dgm:constr type="r" for="ch" forName="rect5" refType="l" refFor="ch" refForName="space"/>
+              <dgm:constr type="l" for="ch" forName="rect5"/>
+              <dgm:constr type="h" for="ch" forName="rect5" refType="h" refFor="ch" refForName="circle5"/>
+              <dgm:constr type="hOff" for="ch" forName="rect5" refType="hOff" refFor="ch" refForName="circle5"/>
+              <dgm:constr type="b" for="ch" forName="rect5" refType="b" refFor="ch" refForName="circle5"/>
+              <dgm:constr type="l" for="ch" forName="vertSpace6"/>
+              <dgm:constr type="w" for="ch" forName="vertSpace6" refType="w"/>
+              <dgm:constr type="h" for="ch" forName="vertSpace6" refType="h" refFor="ch" refForName="vertSpace5"/>
+              <dgm:constr type="b" for="ch" forName="vertSpace6" refType="t" refFor="ch" refForName="vertSpace5"/>
+              <dgm:constr type="ctrX" for="ch" forName="circle6" refType="r" refFor="ch" refForName="space"/>
+              <dgm:constr type="h" for="ch" forName="circle6" refType="h" refFor="ch" refForName="circle1" fact="0.28571"/>
+              <dgm:constr type="hOff" for="ch" forName="circle6" refType="h" refFor="ch" refForName="vertSpace2" fact="-0.71429"/>
+              <dgm:constr type="w" for="ch" forName="circle6" refType="h" refFor="ch" refForName="circle6" op="equ"/>
+              <dgm:constr type="wOff" for="ch" forName="circle6" refType="hOff" refFor="ch" refForName="circle6" op="equ"/>
+              <dgm:constr type="b" for="ch" forName="circle6" refType="t" refFor="ch" refForName="vertSpace6"/>
+              <dgm:constr type="r" for="ch" forName="rect6" refType="l" refFor="ch" refForName="space"/>
+              <dgm:constr type="l" for="ch" forName="rect6"/>
+              <dgm:constr type="h" for="ch" forName="rect6" refType="h" refFor="ch" refForName="circle6"/>
+              <dgm:constr type="hOff" for="ch" forName="rect6" refType="hOff" refFor="ch" refForName="circle6"/>
+              <dgm:constr type="b" for="ch" forName="rect6" refType="b" refFor="ch" refForName="circle6"/>
+              <dgm:constr type="l" for="ch" forName="vertSpace7"/>
+              <dgm:constr type="w" for="ch" forName="vertSpace7" refType="w"/>
+              <dgm:constr type="h" for="ch" forName="vertSpace7" refType="h" refFor="ch" refForName="vertSpace6"/>
+              <dgm:constr type="b" for="ch" forName="vertSpace7" refType="t" refFor="ch" refForName="vertSpace6"/>
+              <dgm:constr type="ctrX" for="ch" forName="circle7" refType="r" refFor="ch" refForName="space"/>
+              <dgm:constr type="h" for="ch" forName="circle7" refType="h" refFor="ch" refForName="circle1" fact="0.14286"/>
+              <dgm:constr type="hOff" for="ch" forName="circle7" refType="h" refFor="ch" refForName="vertSpace2" fact="-0.85714"/>
+              <dgm:constr type="w" for="ch" forName="circle7" refType="h" refFor="ch" refForName="circle7" op="equ"/>
+              <dgm:constr type="wOff" for="ch" forName="circle7" refType="hOff" refFor="ch" refForName="circle7" op="equ"/>
+              <dgm:constr type="b" for="ch" forName="circle7" refType="t" refFor="ch" refForName="vertSpace7"/>
+              <dgm:constr type="r" for="ch" forName="rect7" refType="l" refFor="ch" refForName="space"/>
+              <dgm:constr type="l" for="ch" forName="rect7"/>
+              <dgm:constr type="h" for="ch" forName="rect7" refType="h" refFor="ch" refForName="circle7"/>
+              <dgm:constr type="hOff" for="ch" forName="rect7" refType="hOff" refFor="ch" refForName="circle7"/>
+              <dgm:constr type="b" for="ch" forName="rect7" refType="b" refFor="ch" refForName="circle7"/>
+              <dgm:constr type="r" for="ch" forName="rect7ParTx" refType="l" refFor="ch" refForName="space"/>
+              <dgm:constr type="w" for="ch" forName="rect7ParTx" refType="w" refFor="ch" refForName="rect7" fact="0.5"/>
+              <dgm:constr type="t" for="ch" forName="rect7ParTx" refType="t" refFor="ch" refForName="rect7"/>
+              <dgm:constr type="b" for="ch" forName="rect7ParTx" refType="b" refFor="ch" refForName="rect7"/>
+              <dgm:constr type="r" for="ch" forName="rect7ChTx" refType="l" refFor="ch" refForName="rect7ParTx"/>
+              <dgm:constr type="w" for="ch" forName="rect7ChTx" refType="w" refFor="ch" refForName="rect7ParTx"/>
+              <dgm:constr type="t" for="ch" forName="rect7ChTx" refType="t" refFor="ch" refForName="rect7ParTx"/>
+              <dgm:constr type="b" for="ch" forName="rect7ChTx" refType="b" refFor="ch" refForName="rect7ParTx"/>
+              <dgm:constr type="r" for="ch" forName="rect7ParTxNoCh" refType="l" refFor="ch" refForName="space"/>
+              <dgm:constr type="w" for="ch" forName="rect7ParTxNoCh" refType="w" refFor="ch" refForName="rect7"/>
+              <dgm:constr type="t" for="ch" forName="rect7ParTxNoCh" refType="t" refFor="ch" refForName="rect7"/>
+              <dgm:constr type="b" for="ch" forName="rect7ParTxNoCh" refType="b" refFor="ch" refForName="rect7"/>
+              <dgm:constr type="r" for="ch" forName="rect1ParTx" refType="l" refFor="ch" refForName="space"/>
+              <dgm:constr type="w" for="ch" forName="rect1ParTx" refType="w" refFor="ch" refForName="rect1" fact="0.5"/>
+              <dgm:constr type="t" for="ch" forName="rect1ParTx" refType="t" refFor="ch" refForName="rect1"/>
+              <dgm:constr type="b" for="ch" forName="rect1ParTx" refType="t" refFor="ch" refForName="rect2"/>
+              <dgm:constr type="r" for="ch" forName="rect1ChTx" refType="l" refFor="ch" refForName="rect1ParTx"/>
+              <dgm:constr type="w" for="ch" forName="rect1ChTx" refType="w" refFor="ch" refForName="rect1ParTx"/>
+              <dgm:constr type="t" for="ch" forName="rect1ChTx" refType="t" refFor="ch" refForName="rect1ParTx"/>
+              <dgm:constr type="b" for="ch" forName="rect1ChTx" refType="b" refFor="ch" refForName="rect1ParTx"/>
+              <dgm:constr type="r" for="ch" forName="rect1ParTxNoCh" refType="l" refFor="ch" refForName="space"/>
+              <dgm:constr type="w" for="ch" forName="rect1ParTxNoCh" refType="w" refFor="ch" refForName="rect1"/>
+              <dgm:constr type="t" for="ch" forName="rect1ParTxNoCh" refType="t" refFor="ch" refForName="rect1"/>
+              <dgm:constr type="b" for="ch" forName="rect1ParTxNoCh" refType="t" refFor="ch" refForName="rect2"/>
+              <dgm:constr type="r" for="ch" forName="rect2ParTx" refType="l" refFor="ch" refForName="space"/>
+              <dgm:constr type="w" for="ch" forName="rect2ParTx" refType="w" refFor="ch" refForName="rect2" fact="0.5"/>
+              <dgm:constr type="t" for="ch" forName="rect2ParTx" refType="t" refFor="ch" refForName="rect2"/>
+              <dgm:constr type="b" for="ch" forName="rect2ParTx" refType="t" refFor="ch" refForName="rect3"/>
+              <dgm:constr type="r" for="ch" forName="rect2ChTx" refType="l" refFor="ch" refForName="rect2ParTx"/>
+              <dgm:constr type="w" for="ch" forName="rect2ChTx" refType="w" refFor="ch" refForName="rect2ParTx"/>
+              <dgm:constr type="t" for="ch" forName="rect2ChTx" refType="t" refFor="ch" refForName="rect2ParTx"/>
+              <dgm:constr type="b" for="ch" forName="rect2ChTx" refType="b" refFor="ch" refForName="rect2ParTx"/>
+              <dgm:constr type="r" for="ch" forName="rect2ParTxNoCh" refType="l" refFor="ch" refForName="space"/>
+              <dgm:constr type="w" for="ch" forName="rect2ParTxNoCh" refType="w" refFor="ch" refForName="rect2"/>
+              <dgm:constr type="t" for="ch" forName="rect2ParTxNoCh" refType="t" refFor="ch" refForName="rect2"/>
+              <dgm:constr type="b" for="ch" forName="rect2ParTxNoCh" refType="t" refFor="ch" refForName="rect3"/>
+              <dgm:constr type="r" for="ch" forName="rect3ParTx" refType="l" refFor="ch" refForName="space"/>
+              <dgm:constr type="w" for="ch" forName="rect3ParTx" refType="w" refFor="ch" refForName="rect3" fact="0.5"/>
+              <dgm:constr type="t" for="ch" forName="rect3ParTx" refType="t" refFor="ch" refForName="rect3"/>
+              <dgm:constr type="b" for="ch" forName="rect3ParTx" refType="t" refFor="ch" refForName="rect4"/>
+              <dgm:constr type="r" for="ch" forName="rect3ChTx" refType="l" refFor="ch" refForName="rect3ParTx"/>
+              <dgm:constr type="w" for="ch" forName="rect3ChTx" refType="w" refFor="ch" refForName="rect3ParTx"/>
+              <dgm:constr type="t" for="ch" forName="rect3ChTx" refType="t" refFor="ch" refForName="rect3ParTx"/>
+              <dgm:constr type="b" for="ch" forName="rect3ChTx" refType="b" refFor="ch" refForName="rect3ParTx"/>
+              <dgm:constr type="r" for="ch" forName="rect3ParTxNoCh" refType="l" refFor="ch" refForName="space"/>
+              <dgm:constr type="w" for="ch" forName="rect3ParTxNoCh" refType="w" refFor="ch" refForName="rect3"/>
+              <dgm:constr type="t" for="ch" forName="rect3ParTxNoCh" refType="t" refFor="ch" refForName="rect3"/>
+              <dgm:constr type="b" for="ch" forName="rect3ParTxNoCh" refType="t" refFor="ch" refForName="rect4"/>
+              <dgm:constr type="r" for="ch" forName="rect4ParTx" refType="l" refFor="ch" refForName="space"/>
+              <dgm:constr type="w" for="ch" forName="rect4ParTx" refType="w" refFor="ch" refForName="rect4" fact="0.5"/>
+              <dgm:constr type="t" for="ch" forName="rect4ParTx" refType="t" refFor="ch" refForName="rect4"/>
+              <dgm:constr type="b" for="ch" forName="rect4ParTx" refType="t" refFor="ch" refForName="rect5"/>
+              <dgm:constr type="r" for="ch" forName="rect4ChTx" refType="l" refFor="ch" refForName="rect4ParTx"/>
+              <dgm:constr type="w" for="ch" forName="rect4ChTx" refType="w" refFor="ch" refForName="rect4ParTx"/>
+              <dgm:constr type="t" for="ch" forName="rect4ChTx" refType="t" refFor="ch" refForName="rect4ParTx"/>
+              <dgm:constr type="b" for="ch" forName="rect4ChTx" refType="b" refFor="ch" refForName="rect4ParTx"/>
+              <dgm:constr type="r" for="ch" forName="rect4ParTxNoCh" refType="l" refFor="ch" refForName="space"/>
+              <dgm:constr type="w" for="ch" forName="rect4ParTxNoCh" refType="w" refFor="ch" refForName="rect4"/>
+              <dgm:constr type="t" for="ch" forName="rect4ParTxNoCh" refType="t" refFor="ch" refForName="rect4"/>
+              <dgm:constr type="b" for="ch" forName="rect4ParTxNoCh" refType="t" refFor="ch" refForName="rect5"/>
+              <dgm:constr type="r" for="ch" forName="rect5ParTx" refType="l" refFor="ch" refForName="space"/>
+              <dgm:constr type="w" for="ch" forName="rect5ParTx" refType="w" refFor="ch" refForName="rect5" fact="0.5"/>
+              <dgm:constr type="t" for="ch" forName="rect5ParTx" refType="t" refFor="ch" refForName="rect5"/>
+              <dgm:constr type="b" for="ch" forName="rect5ParTx" refType="t" refFor="ch" refForName="rect6"/>
+              <dgm:constr type="r" for="ch" forName="rect5ChTx" refType="l" refFor="ch" refForName="rect5ParTx"/>
+              <dgm:constr type="w" for="ch" forName="rect5ChTx" refType="w" refFor="ch" refForName="rect5ParTx"/>
+              <dgm:constr type="t" for="ch" forName="rect5ChTx" refType="t" refFor="ch" refForName="rect5ParTx"/>
+              <dgm:constr type="b" for="ch" forName="rect5ChTx" refType="b" refFor="ch" refForName="rect5ParTx"/>
+              <dgm:constr type="r" for="ch" forName="rect5ParTxNoCh" refType="l" refFor="ch" refForName="space"/>
+              <dgm:constr type="w" for="ch" forName="rect5ParTxNoCh" refType="w" refFor="ch" refForName="rect5"/>
+              <dgm:constr type="t" for="ch" forName="rect5ParTxNoCh" refType="t" refFor="ch" refForName="rect5"/>
+              <dgm:constr type="b" for="ch" forName="rect5ParTxNoCh" refType="t" refFor="ch" refForName="rect6"/>
+              <dgm:constr type="r" for="ch" forName="rect6ParTx" refType="l" refFor="ch" refForName="space"/>
+              <dgm:constr type="w" for="ch" forName="rect6ParTx" refType="w" refFor="ch" refForName="rect6" fact="0.5"/>
+              <dgm:constr type="t" for="ch" forName="rect6ParTx" refType="t" refFor="ch" refForName="rect6"/>
+              <dgm:constr type="b" for="ch" forName="rect6ParTx" refType="t" refFor="ch" refForName="rect7"/>
+              <dgm:constr type="r" for="ch" forName="rect6ChTx" refType="l" refFor="ch" refForName="rect6ParTx"/>
+              <dgm:constr type="w" for="ch" forName="rect6ChTx" refType="w" refFor="ch" refForName="rect6ParTx"/>
+              <dgm:constr type="t" for="ch" forName="rect6ChTx" refType="t" refFor="ch" refForName="rect6ParTx"/>
+              <dgm:constr type="b" for="ch" forName="rect6ChTx" refType="b" refFor="ch" refForName="rect6ParTx"/>
+              <dgm:constr type="r" for="ch" forName="rect6ParTxNoCh" refType="l" refFor="ch" refForName="space"/>
+              <dgm:constr type="w" for="ch" forName="rect6ParTxNoCh" refType="w" refFor="ch" refForName="rect6"/>
+              <dgm:constr type="t" for="ch" forName="rect6ParTxNoCh" refType="t" refFor="ch" refForName="rect6"/>
+              <dgm:constr type="b" for="ch" forName="rect6ParTxNoCh" refType="t" refFor="ch" refForName="rect7"/>
+              <dgm:constr type="primFontSz" for="ch" op="equ" val="65"/>
+              <dgm:constr type="secFontSz" for="ch" op="equ" val="65"/>
+            </dgm:constrLst>
+          </dgm:if>
+          <dgm:else name="Name21">
+            <dgm:constrLst/>
+          </dgm:else>
+        </dgm:choose>
+      </dgm:else>
+    </dgm:choose>
+    <dgm:ruleLst/>
+    <dgm:forEach name="Name22" axis="ch" ptType="node" cnt="1">
+      <dgm:layoutNode name="circle1" styleLbl="node1">
+        <dgm:alg type="sp"/>
+        <dgm:choose name="Name23">
+          <dgm:if name="Name24" func="var" arg="dir" op="equ" val="norm">
+            <dgm:shape xmlns:r="http://schemas.openxmlformats.org/officeDocument/2006/relationships" type="pie" r:blip="">
+              <dgm:adjLst>
+                <dgm:adj idx="1" val="90"/>
+                <dgm:adj idx="2" val="270"/>
+              </dgm:adjLst>
+            </dgm:shape>
+          </dgm:if>
+          <dgm:else name="Name25">
+            <dgm:shape xmlns:r="http://schemas.openxmlformats.org/officeDocument/2006/relationships" type="pie" r:blip="">
+              <dgm:adjLst>
+                <dgm:adj idx="1" val="270"/>
+                <dgm:adj idx="2" val="90"/>
+              </dgm:adjLst>
+            </dgm:shape>
+          </dgm:else>
+        </dgm:choose>
+        <dgm:presOf/>
+        <dgm:constrLst/>
+        <dgm:ruleLst/>
+      </dgm:layoutNode>
+      <dgm:layoutNode name="space">
+        <dgm:alg type="sp"/>
+        <dgm:shape xmlns:r="http://schemas.openxmlformats.org/officeDocument/2006/relationships" r:blip="">
+          <dgm:adjLst/>
+        </dgm:shape>
+        <dgm:presOf/>
+        <dgm:constrLst/>
+        <dgm:ruleLst/>
+      </dgm:layoutNode>
+      <dgm:layoutNode name="rect1" styleLbl="alignAcc1">
+        <dgm:alg type="sp"/>
+        <dgm:shape xmlns:r="http://schemas.openxmlformats.org/officeDocument/2006/relationships" type="rect" r:blip="">
+          <dgm:adjLst/>
+        </dgm:shape>
+        <dgm:presOf axis="self"/>
+        <dgm:constrLst/>
+        <dgm:ruleLst/>
+      </dgm:layoutNode>
+    </dgm:forEach>
+    <dgm:forEach name="Name26" axis="ch" ptType="node" st="2" cnt="1">
+      <dgm:layoutNode name="vertSpace2">
+        <dgm:alg type="sp"/>
+        <dgm:shape xmlns:r="http://schemas.openxmlformats.org/officeDocument/2006/relationships" type="rect" r:blip="" hideGeom="1">
+          <dgm:adjLst/>
+        </dgm:shape>
+        <dgm:presOf/>
+        <dgm:constrLst/>
+        <dgm:ruleLst/>
+      </dgm:layoutNode>
+      <dgm:layoutNode name="circle2" styleLbl="node1">
+        <dgm:alg type="sp"/>
+        <dgm:choose name="Name27">
+          <dgm:if name="Name28" func="var" arg="dir" op="equ" val="norm">
+            <dgm:shape xmlns:r="http://schemas.openxmlformats.org/officeDocument/2006/relationships" type="pie" r:blip="">
+              <dgm:adjLst>
+                <dgm:adj idx="1" val="90"/>
+                <dgm:adj idx="2" val="270"/>
+              </dgm:adjLst>
+            </dgm:shape>
+          </dgm:if>
+          <dgm:else name="Name29">
+            <dgm:shape xmlns:r="http://schemas.openxmlformats.org/officeDocument/2006/relationships" type="pie" r:blip="">
+              <dgm:adjLst>
+                <dgm:adj idx="1" val="270"/>
+                <dgm:adj idx="2" val="90"/>
+              </dgm:adjLst>
+            </dgm:shape>
+          </dgm:else>
+        </dgm:choose>
+        <dgm:presOf/>
+        <dgm:constrLst/>
+        <dgm:ruleLst/>
+      </dgm:layoutNode>
+      <dgm:layoutNode name="rect2" styleLbl="alignAcc1">
+        <dgm:alg type="sp"/>
+        <dgm:shape xmlns:r="http://schemas.openxmlformats.org/officeDocument/2006/relationships" type="rect" r:blip="">
+          <dgm:adjLst/>
+        </dgm:shape>
+        <dgm:presOf axis="self"/>
+        <dgm:constrLst/>
+        <dgm:ruleLst/>
+      </dgm:layoutNode>
+    </dgm:forEach>
+    <dgm:forEach name="Name30" axis="ch" ptType="node" st="3" cnt="1">
+      <dgm:layoutNode name="vertSpace3">
+        <dgm:alg type="sp"/>
+        <dgm:shape xmlns:r="http://schemas.openxmlformats.org/officeDocument/2006/relationships" type="rect" r:blip="" hideGeom="1">
+          <dgm:adjLst/>
+        </dgm:shape>
+        <dgm:presOf/>
+        <dgm:constrLst/>
+        <dgm:ruleLst/>
+      </dgm:layoutNode>
+      <dgm:layoutNode name="circle3" styleLbl="node1">
+        <dgm:alg type="sp"/>
+        <dgm:choose name="Name31">
+          <dgm:if name="Name32" func="var" arg="dir" op="equ" val="norm">
+            <dgm:shape xmlns:r="http://schemas.openxmlformats.org/officeDocument/2006/relationships" type="pie" r:blip="">
+              <dgm:adjLst>
+                <dgm:adj idx="1" val="90"/>
+                <dgm:adj idx="2" val="270"/>
+              </dgm:adjLst>
+            </dgm:shape>
+          </dgm:if>
+          <dgm:else name="Name33">
+            <dgm:shape xmlns:r="http://schemas.openxmlformats.org/officeDocument/2006/relationships" type="pie" r:blip="">
+              <dgm:adjLst>
+                <dgm:adj idx="1" val="270"/>
+                <dgm:adj idx="2" val="90"/>
+              </dgm:adjLst>
+            </dgm:shape>
+          </dgm:else>
+        </dgm:choose>
+        <dgm:presOf/>
+        <dgm:constrLst/>
+        <dgm:ruleLst/>
+      </dgm:layoutNode>
+      <dgm:layoutNode name="rect3" styleLbl="alignAcc1">
+        <dgm:alg type="sp"/>
+        <dgm:shape xmlns:r="http://schemas.openxmlformats.org/officeDocument/2006/relationships" type="rect" r:blip="">
+          <dgm:adjLst/>
+        </dgm:shape>
+        <dgm:presOf axis="self"/>
+        <dgm:constrLst/>
+        <dgm:ruleLst/>
+      </dgm:layoutNode>
+    </dgm:forEach>
+    <dgm:forEach name="Name34" axis="ch" ptType="node" st="4" cnt="1">
+      <dgm:layoutNode name="vertSpace4">
+        <dgm:alg type="sp"/>
+        <dgm:shape xmlns:r="http://schemas.openxmlformats.org/officeDocument/2006/relationships" type="rect" r:blip="" hideGeom="1">
+          <dgm:adjLst/>
+        </dgm:shape>
+        <dgm:presOf/>
+        <dgm:constrLst/>
+        <dgm:ruleLst/>
+      </dgm:layoutNode>
+      <dgm:layoutNode name="circle4" styleLbl="node1">
+        <dgm:alg type="sp"/>
+        <dgm:choose name="Name35">
+          <dgm:if name="Name36" func="var" arg="dir" op="equ" val="norm">
+            <dgm:shape xmlns:r="http://schemas.openxmlformats.org/officeDocument/2006/relationships" type="pie" r:blip="">
+              <dgm:adjLst>
+                <dgm:adj idx="1" val="90"/>
+                <dgm:adj idx="2" val="270"/>
+              </dgm:adjLst>
+            </dgm:shape>
+          </dgm:if>
+          <dgm:else name="Name37">
+            <dgm:shape xmlns:r="http://schemas.openxmlformats.org/officeDocument/2006/relationships" type="pie" r:blip="">
+              <dgm:adjLst>
+                <dgm:adj idx="1" val="270"/>
+                <dgm:adj idx="2" val="90"/>
+              </dgm:adjLst>
+            </dgm:shape>
+          </dgm:else>
+        </dgm:choose>
+        <dgm:presOf/>
+        <dgm:constrLst/>
+        <dgm:ruleLst/>
+      </dgm:layoutNode>
+      <dgm:layoutNode name="rect4" styleLbl="alignAcc1">
+        <dgm:alg type="sp"/>
+        <dgm:shape xmlns:r="http://schemas.openxmlformats.org/officeDocument/2006/relationships" type="rect" r:blip="">
+          <dgm:adjLst/>
+        </dgm:shape>
+        <dgm:presOf axis="self"/>
+        <dgm:constrLst/>
+        <dgm:ruleLst/>
+      </dgm:layoutNode>
+    </dgm:forEach>
+    <dgm:forEach name="Name38" axis="ch" ptType="node" st="5" cnt="1">
+      <dgm:layoutNode name="vertSpace5">
+        <dgm:alg type="sp"/>
+        <dgm:shape xmlns:r="http://schemas.openxmlformats.org/officeDocument/2006/relationships" type="rect" r:blip="" hideGeom="1">
+          <dgm:adjLst/>
+        </dgm:shape>
+        <dgm:presOf/>
+        <dgm:constrLst/>
+        <dgm:ruleLst/>
+      </dgm:layoutNode>
+      <dgm:layoutNode name="circle5" styleLbl="node1">
+        <dgm:alg type="sp"/>
+        <dgm:choose name="Name39">
+          <dgm:if name="Name40" func="var" arg="dir" op="equ" val="norm">
+            <dgm:shape xmlns:r="http://schemas.openxmlformats.org/officeDocument/2006/relationships" type="pie" r:blip="">
+              <dgm:adjLst>
+                <dgm:adj idx="1" val="90"/>
+                <dgm:adj idx="2" val="270"/>
+              </dgm:adjLst>
+            </dgm:shape>
+          </dgm:if>
+          <dgm:else name="Name41">
+            <dgm:shape xmlns:r="http://schemas.openxmlformats.org/officeDocument/2006/relationships" type="pie" r:blip="">
+              <dgm:adjLst>
+                <dgm:adj idx="1" val="270"/>
+                <dgm:adj idx="2" val="90"/>
+              </dgm:adjLst>
+            </dgm:shape>
+          </dgm:else>
+        </dgm:choose>
+        <dgm:presOf/>
+        <dgm:constrLst/>
+        <dgm:ruleLst/>
+      </dgm:layoutNode>
+      <dgm:layoutNode name="rect5" styleLbl="alignAcc1">
+        <dgm:alg type="sp"/>
+        <dgm:shape xmlns:r="http://schemas.openxmlformats.org/officeDocument/2006/relationships" type="rect" r:blip="">
+          <dgm:adjLst/>
+        </dgm:shape>
+        <dgm:presOf axis="self"/>
+        <dgm:constrLst/>
+        <dgm:ruleLst/>
+      </dgm:layoutNode>
+    </dgm:forEach>
+    <dgm:forEach name="Name42" axis="ch" ptType="node" st="6" cnt="1">
+      <dgm:layoutNode name="vertSpace6">
+        <dgm:alg type="sp"/>
+        <dgm:shape xmlns:r="http://schemas.openxmlformats.org/officeDocument/2006/relationships" type="rect" r:blip="" hideGeom="1">
+          <dgm:adjLst/>
+        </dgm:shape>
+        <dgm:presOf/>
+        <dgm:constrLst/>
+        <dgm:ruleLst/>
+      </dgm:layoutNode>
+      <dgm:layoutNode name="circle6" styleLbl="node1">
+        <dgm:alg type="sp"/>
+        <dgm:choose name="Name43">
+          <dgm:if name="Name44" func="var" arg="dir" op="equ" val="norm">
+            <dgm:shape xmlns:r="http://schemas.openxmlformats.org/officeDocument/2006/relationships" type="pie" r:blip="">
+              <dgm:adjLst>
+                <dgm:adj idx="1" val="90"/>
+                <dgm:adj idx="2" val="270"/>
+              </dgm:adjLst>
+            </dgm:shape>
+          </dgm:if>
+          <dgm:else name="Name45">
+            <dgm:shape xmlns:r="http://schemas.openxmlformats.org/officeDocument/2006/relationships" type="pie" r:blip="">
+              <dgm:adjLst>
+                <dgm:adj idx="1" val="270"/>
+                <dgm:adj idx="2" val="90"/>
+              </dgm:adjLst>
+            </dgm:shape>
+          </dgm:else>
+        </dgm:choose>
+        <dgm:presOf/>
+        <dgm:constrLst/>
+        <dgm:ruleLst/>
+      </dgm:layoutNode>
+      <dgm:layoutNode name="rect6" styleLbl="alignAcc1">
+        <dgm:alg type="sp"/>
+        <dgm:shape xmlns:r="http://schemas.openxmlformats.org/officeDocument/2006/relationships" type="rect" r:blip="">
+          <dgm:adjLst/>
+        </dgm:shape>
+        <dgm:presOf axis="self"/>
+        <dgm:constrLst/>
+        <dgm:ruleLst/>
+      </dgm:layoutNode>
+    </dgm:forEach>
+    <dgm:forEach name="Name46" axis="ch" ptType="node" st="7" cnt="1">
+      <dgm:layoutNode name="vertSpace7">
+        <dgm:alg type="sp"/>
+        <dgm:shape xmlns:r="http://schemas.openxmlformats.org/officeDocument/2006/relationships" type="rect" r:blip="" hideGeom="1">
+          <dgm:adjLst/>
+        </dgm:shape>
+        <dgm:presOf/>
+        <dgm:constrLst/>
+        <dgm:ruleLst/>
+      </dgm:layoutNode>
+      <dgm:layoutNode name="circle7" styleLbl="node1">
+        <dgm:alg type="sp"/>
+        <dgm:choose name="Name47">
+          <dgm:if name="Name48" func="var" arg="dir" op="equ" val="norm">
+            <dgm:shape xmlns:r="http://schemas.openxmlformats.org/officeDocument/2006/relationships" type="pie" r:blip="">
+              <dgm:adjLst>
+                <dgm:adj idx="1" val="90"/>
+                <dgm:adj idx="2" val="270"/>
+              </dgm:adjLst>
+            </dgm:shape>
+          </dgm:if>
+          <dgm:else name="Name49">
+            <dgm:shape xmlns:r="http://schemas.openxmlformats.org/officeDocument/2006/relationships" type="pie" r:blip="">
+              <dgm:adjLst>
+                <dgm:adj idx="1" val="270"/>
+                <dgm:adj idx="2" val="90"/>
+              </dgm:adjLst>
+            </dgm:shape>
+          </dgm:else>
+        </dgm:choose>
+        <dgm:presOf/>
+        <dgm:constrLst/>
+        <dgm:ruleLst/>
+      </dgm:layoutNode>
+      <dgm:layoutNode name="rect7" styleLbl="alignAcc1">
+        <dgm:alg type="sp"/>
+        <dgm:shape xmlns:r="http://schemas.openxmlformats.org/officeDocument/2006/relationships" type="rect" r:blip="">
+          <dgm:adjLst/>
+        </dgm:shape>
+        <dgm:presOf axis="self"/>
+        <dgm:constrLst/>
+        <dgm:ruleLst/>
+      </dgm:layoutNode>
+    </dgm:forEach>
+    <dgm:forEach name="Name50" axis="ch" ptType="node" cnt="1">
+      <dgm:choose name="Name51">
+        <dgm:if name="Name52" axis="root des" ptType="all node" func="maxDepth" op="gte" val="2">
+          <dgm:layoutNode name="rect1ParTx" styleLbl="alignAcc1">
+            <dgm:varLst>
+              <dgm:chMax val="1"/>
+              <dgm:bulletEnabled val="1"/>
+            </dgm:varLst>
+            <dgm:alg type="tx"/>
+            <dgm:shape xmlns:r="http://schemas.openxmlformats.org/officeDocument/2006/relationships" type="rect" r:blip="" hideGeom="1">
+              <dgm:adjLst/>
+            </dgm:shape>
+            <dgm:presOf axis="self"/>
+            <dgm:constrLst>
+              <dgm:constr type="lMarg" refType="primFontSz" fact="0.3"/>
+              <dgm:constr type="rMarg" refType="primFontSz" fact="0.3"/>
+              <dgm:constr type="tMarg" refType="primFontSz" fact="0.3"/>
+              <dgm:constr type="bMarg" refType="primFontSz" fact="0.3"/>
+            </dgm:constrLst>
+            <dgm:ruleLst>
+              <dgm:rule type="primFontSz" val="5" fact="NaN" max="NaN"/>
+            </dgm:ruleLst>
+          </dgm:layoutNode>
+          <dgm:layoutNode name="rect1ChTx" styleLbl="alignAcc1">
+            <dgm:varLst>
+              <dgm:bulletEnabled val="1"/>
+            </dgm:varLst>
+            <dgm:alg type="tx">
+              <dgm:param type="stBulletLvl" val="1"/>
+              <dgm:param type="txAnchorVertCh" val="mid"/>
+            </dgm:alg>
+            <dgm:shape xmlns:r="http://schemas.openxmlformats.org/officeDocument/2006/relationships" type="rect" r:blip="" hideGeom="1">
+              <dgm:adjLst/>
+            </dgm:shape>
+            <dgm:presOf axis="des" ptType="node"/>
+            <dgm:constrLst>
+              <dgm:constr type="lMarg" refType="secFontSz" fact="0.3"/>
+              <dgm:constr type="rMarg" refType="secFontSz" fact="0.3"/>
+              <dgm:constr type="tMarg" refType="secFontSz" fact="0.3"/>
+              <dgm:constr type="bMarg" refType="secFontSz" fact="0.3"/>
+            </dgm:constrLst>
+            <dgm:ruleLst>
+              <dgm:rule type="secFontSz" val="5" fact="NaN" max="NaN"/>
+            </dgm:ruleLst>
+          </dgm:layoutNode>
+        </dgm:if>
+        <dgm:else name="Name53">
+          <dgm:layoutNode name="rect1ParTxNoCh" styleLbl="alignAcc1">
+            <dgm:varLst>
+              <dgm:chMax val="1"/>
+              <dgm:bulletEnabled val="1"/>
+            </dgm:varLst>
+            <dgm:alg type="tx"/>
+            <dgm:shape xmlns:r="http://schemas.openxmlformats.org/officeDocument/2006/relationships" type="rect" r:blip="" hideGeom="1">
+              <dgm:adjLst/>
+            </dgm:shape>
+            <dgm:presOf axis="self"/>
+            <dgm:constrLst>
+              <dgm:constr type="lMarg" refType="primFontSz" fact="0.3"/>
+              <dgm:constr type="rMarg" refType="primFontSz" fact="0.3"/>
+              <dgm:constr type="tMarg" refType="primFontSz" fact="0.3"/>
+              <dgm:constr type="bMarg" refType="primFontSz" fact="0.3"/>
+            </dgm:constrLst>
+            <dgm:ruleLst>
+              <dgm:rule type="primFontSz" val="5" fact="NaN" max="NaN"/>
+            </dgm:ruleLst>
+          </dgm:layoutNode>
+        </dgm:else>
+      </dgm:choose>
+    </dgm:forEach>
+    <dgm:forEach name="Name54" axis="ch" ptType="node" st="2" cnt="1">
+      <dgm:choose name="Name55">
+        <dgm:if name="Name56" axis="root des" ptType="all node" func="maxDepth" op="gte" val="2">
+          <dgm:layoutNode name="rect2ParTx" styleLbl="alignAcc1">
+            <dgm:varLst>
+              <dgm:chMax val="1"/>
+              <dgm:bulletEnabled val="1"/>
+            </dgm:varLst>
+            <dgm:alg type="tx"/>
+            <dgm:shape xmlns:r="http://schemas.openxmlformats.org/officeDocument/2006/relationships" type="rect" r:blip="" hideGeom="1">
+              <dgm:adjLst/>
+            </dgm:shape>
+            <dgm:presOf axis="self"/>
+            <dgm:constrLst>
+              <dgm:constr type="lMarg" refType="primFontSz" fact="0.3"/>
+              <dgm:constr type="rMarg" refType="primFontSz" fact="0.3"/>
+              <dgm:constr type="tMarg" refType="primFontSz" fact="0.3"/>
+              <dgm:constr type="bMarg" refType="primFontSz" fact="0.3"/>
+            </dgm:constrLst>
+            <dgm:ruleLst>
+              <dgm:rule type="primFontSz" val="5" fact="NaN" max="NaN"/>
+            </dgm:ruleLst>
+          </dgm:layoutNode>
+          <dgm:layoutNode name="rect2ChTx" styleLbl="alignAcc1">
+            <dgm:varLst>
+              <dgm:bulletEnabled val="1"/>
+            </dgm:varLst>
+            <dgm:alg type="tx">
+              <dgm:param type="stBulletLvl" val="1"/>
+              <dgm:param type="txAnchorVertCh" val="mid"/>
+            </dgm:alg>
+            <dgm:shape xmlns:r="http://schemas.openxmlformats.org/officeDocument/2006/relationships" type="rect" r:blip="" hideGeom="1">
+              <dgm:adjLst/>
+            </dgm:shape>
+            <dgm:presOf axis="des" ptType="node"/>
+            <dgm:constrLst>
+              <dgm:constr type="lMarg" refType="secFontSz" fact="0.3"/>
+              <dgm:constr type="rMarg" refType="secFontSz" fact="0.3"/>
+              <dgm:constr type="tMarg" refType="secFontSz" fact="0.3"/>
+              <dgm:constr type="bMarg" refType="secFontSz" fact="0.3"/>
+            </dgm:constrLst>
+            <dgm:ruleLst>
+              <dgm:rule type="secFontSz" val="5" fact="NaN" max="NaN"/>
+            </dgm:ruleLst>
+          </dgm:layoutNode>
+        </dgm:if>
+        <dgm:else name="Name57">
+          <dgm:layoutNode name="rect2ParTxNoCh" styleLbl="alignAcc1">
+            <dgm:varLst>
+              <dgm:chMax val="1"/>
+              <dgm:bulletEnabled val="1"/>
+            </dgm:varLst>
+            <dgm:alg type="tx"/>
+            <dgm:shape xmlns:r="http://schemas.openxmlformats.org/officeDocument/2006/relationships" type="rect" r:blip="" hideGeom="1">
+              <dgm:adjLst/>
+            </dgm:shape>
+            <dgm:presOf axis="self"/>
+            <dgm:constrLst>
+              <dgm:constr type="lMarg" refType="primFontSz" fact="0.3"/>
+              <dgm:constr type="rMarg" refType="primFontSz" fact="0.3"/>
+              <dgm:constr type="tMarg" refType="primFontSz" fact="0.3"/>
+              <dgm:constr type="bMarg" refType="primFontSz" fact="0.3"/>
+            </dgm:constrLst>
+            <dgm:ruleLst>
+              <dgm:rule type="primFontSz" val="5" fact="NaN" max="NaN"/>
+            </dgm:ruleLst>
+          </dgm:layoutNode>
+        </dgm:else>
+      </dgm:choose>
+    </dgm:forEach>
+    <dgm:forEach name="Name58" axis="ch" ptType="node" st="3" cnt="1">
+      <dgm:choose name="Name59">
+        <dgm:if name="Name60" axis="root des" ptType="all node" func="maxDepth" op="gte" val="2">
+          <dgm:layoutNode name="rect3ParTx" styleLbl="alignAcc1">
+            <dgm:varLst>
+              <dgm:chMax val="1"/>
+              <dgm:bulletEnabled val="1"/>
+            </dgm:varLst>
+            <dgm:alg type="tx"/>
+            <dgm:shape xmlns:r="http://schemas.openxmlformats.org/officeDocument/2006/relationships" type="rect" r:blip="" hideGeom="1">
+              <dgm:adjLst/>
+            </dgm:shape>
+            <dgm:presOf axis="self"/>
+            <dgm:constrLst>
+              <dgm:constr type="lMarg" refType="primFontSz" fact="0.3"/>
+              <dgm:constr type="rMarg" refType="primFontSz" fact="0.3"/>
+              <dgm:constr type="tMarg" refType="primFontSz" fact="0.3"/>
+              <dgm:constr type="bMarg" refType="primFontSz" fact="0.3"/>
+            </dgm:constrLst>
+            <dgm:ruleLst>
+              <dgm:rule type="primFontSz" val="5" fact="NaN" max="NaN"/>
+            </dgm:ruleLst>
+          </dgm:layoutNode>
+          <dgm:layoutNode name="rect3ChTx" styleLbl="alignAcc1">
+            <dgm:varLst>
+              <dgm:bulletEnabled val="1"/>
+            </dgm:varLst>
+            <dgm:alg type="tx">
+              <dgm:param type="stBulletLvl" val="1"/>
+              <dgm:param type="txAnchorVertCh" val="mid"/>
+            </dgm:alg>
+            <dgm:shape xmlns:r="http://schemas.openxmlformats.org/officeDocument/2006/relationships" type="rect" r:blip="" hideGeom="1">
+              <dgm:adjLst/>
+            </dgm:shape>
+            <dgm:presOf axis="des" ptType="node"/>
+            <dgm:constrLst>
+              <dgm:constr type="lMarg" refType="secFontSz" fact="0.3"/>
+              <dgm:constr type="rMarg" refType="secFontSz" fact="0.3"/>
+              <dgm:constr type="tMarg" refType="secFontSz" fact="0.3"/>
+              <dgm:constr type="bMarg" refType="secFontSz" fact="0.3"/>
+            </dgm:constrLst>
+            <dgm:ruleLst>
+              <dgm:rule type="secFontSz" val="5" fact="NaN" max="NaN"/>
+            </dgm:ruleLst>
+          </dgm:layoutNode>
+        </dgm:if>
+        <dgm:else name="Name61">
+          <dgm:layoutNode name="rect3ParTxNoCh" styleLbl="alignAcc1">
+            <dgm:varLst>
+              <dgm:chMax val="1"/>
+              <dgm:bulletEnabled val="1"/>
+            </dgm:varLst>
+            <dgm:alg type="tx"/>
+            <dgm:shape xmlns:r="http://schemas.openxmlformats.org/officeDocument/2006/relationships" type="rect" r:blip="" hideGeom="1">
+              <dgm:adjLst/>
+            </dgm:shape>
+            <dgm:presOf axis="self"/>
+            <dgm:constrLst>
+              <dgm:constr type="lMarg" refType="primFontSz" fact="0.3"/>
+              <dgm:constr type="rMarg" refType="primFontSz" fact="0.3"/>
+              <dgm:constr type="tMarg" refType="primFontSz" fact="0.3"/>
+              <dgm:constr type="bMarg" refType="primFontSz" fact="0.3"/>
+            </dgm:constrLst>
+            <dgm:ruleLst>
+              <dgm:rule type="primFontSz" val="5" fact="NaN" max="NaN"/>
+            </dgm:ruleLst>
+          </dgm:layoutNode>
+        </dgm:else>
+      </dgm:choose>
+    </dgm:forEach>
+    <dgm:forEach name="Name62" axis="ch" ptType="node" st="4" cnt="1">
+      <dgm:choose name="Name63">
+        <dgm:if name="Name64" axis="root des" ptType="all node" func="maxDepth" op="gte" val="2">
+          <dgm:layoutNode name="rect4ParTx" styleLbl="alignAcc1">
+            <dgm:varLst>
+              <dgm:chMax val="1"/>
+              <dgm:bulletEnabled val="1"/>
+            </dgm:varLst>
+            <dgm:alg type="tx"/>
+            <dgm:shape xmlns:r="http://schemas.openxmlformats.org/officeDocument/2006/relationships" type="rect" r:blip="" hideGeom="1">
+              <dgm:adjLst/>
+            </dgm:shape>
+            <dgm:presOf axis="self"/>
+            <dgm:constrLst>
+              <dgm:constr type="lMarg" refType="primFontSz" fact="0.3"/>
+              <dgm:constr type="rMarg" refType="primFontSz" fact="0.3"/>
+              <dgm:constr type="tMarg" refType="primFontSz" fact="0.3"/>
+              <dgm:constr type="bMarg" refType="primFontSz" fact="0.3"/>
+            </dgm:constrLst>
+            <dgm:ruleLst>
+              <dgm:rule type="primFontSz" val="5" fact="NaN" max="NaN"/>
+            </dgm:ruleLst>
+          </dgm:layoutNode>
+          <dgm:layoutNode name="rect4ChTx" styleLbl="alignAcc1">
+            <dgm:varLst>
+              <dgm:bulletEnabled val="1"/>
+            </dgm:varLst>
+            <dgm:alg type="tx">
+              <dgm:param type="stBulletLvl" val="1"/>
+              <dgm:param type="txAnchorVertCh" val="mid"/>
+            </dgm:alg>
+            <dgm:shape xmlns:r="http://schemas.openxmlformats.org/officeDocument/2006/relationships" type="rect" r:blip="" hideGeom="1">
+              <dgm:adjLst/>
+            </dgm:shape>
+            <dgm:presOf axis="des" ptType="node"/>
+            <dgm:constrLst>
+              <dgm:constr type="lMarg" refType="secFontSz" fact="0.3"/>
+              <dgm:constr type="rMarg" refType="secFontSz" fact="0.3"/>
+              <dgm:constr type="tMarg" refType="secFontSz" fact="0.3"/>
+              <dgm:constr type="bMarg" refType="secFontSz" fact="0.3"/>
+            </dgm:constrLst>
+            <dgm:ruleLst>
+              <dgm:rule type="secFontSz" val="5" fact="NaN" max="NaN"/>
+            </dgm:ruleLst>
+          </dgm:layoutNode>
+        </dgm:if>
+        <dgm:else name="Name65">
+          <dgm:layoutNode name="rect4ParTxNoCh" styleLbl="alignAcc1">
+            <dgm:varLst>
+              <dgm:chMax val="1"/>
+              <dgm:bulletEnabled val="1"/>
+            </dgm:varLst>
+            <dgm:alg type="tx"/>
+            <dgm:shape xmlns:r="http://schemas.openxmlformats.org/officeDocument/2006/relationships" type="rect" r:blip="" hideGeom="1">
+              <dgm:adjLst/>
+            </dgm:shape>
+            <dgm:presOf axis="self"/>
+            <dgm:constrLst>
+              <dgm:constr type="lMarg" refType="primFontSz" fact="0.3"/>
+              <dgm:constr type="rMarg" refType="primFontSz" fact="0.3"/>
+              <dgm:constr type="tMarg" refType="primFontSz" fact="0.3"/>
+              <dgm:constr type="bMarg" refType="primFontSz" fact="0.3"/>
+            </dgm:constrLst>
+            <dgm:ruleLst>
+              <dgm:rule type="primFontSz" val="5" fact="NaN" max="NaN"/>
+            </dgm:ruleLst>
+          </dgm:layoutNode>
+        </dgm:else>
+      </dgm:choose>
+    </dgm:forEach>
+    <dgm:forEach name="Name66" axis="ch" ptType="node" st="5" cnt="1">
+      <dgm:choose name="Name67">
+        <dgm:if name="Name68" axis="root des" ptType="all node" func="maxDepth" op="gte" val="2">
+          <dgm:layoutNode name="rect5ParTx" styleLbl="alignAcc1">
+            <dgm:varLst>
+              <dgm:chMax val="1"/>
+              <dgm:bulletEnabled val="1"/>
+            </dgm:varLst>
+            <dgm:alg type="tx"/>
+            <dgm:shape xmlns:r="http://schemas.openxmlformats.org/officeDocument/2006/relationships" type="rect" r:blip="" hideGeom="1">
+              <dgm:adjLst/>
+            </dgm:shape>
+            <dgm:presOf axis="self"/>
+            <dgm:constrLst>
+              <dgm:constr type="lMarg" refType="primFontSz" fact="0.3"/>
+              <dgm:constr type="rMarg" refType="primFontSz" fact="0.3"/>
+              <dgm:constr type="tMarg" refType="primFontSz" fact="0.3"/>
+              <dgm:constr type="bMarg" refType="primFontSz" fact="0.3"/>
+            </dgm:constrLst>
+            <dgm:ruleLst>
+              <dgm:rule type="primFontSz" val="5" fact="NaN" max="NaN"/>
+            </dgm:ruleLst>
+          </dgm:layoutNode>
+          <dgm:layoutNode name="rect5ChTx" styleLbl="alignAcc1">
+            <dgm:varLst>
+              <dgm:bulletEnabled val="1"/>
+            </dgm:varLst>
+            <dgm:alg type="tx">
+              <dgm:param type="stBulletLvl" val="1"/>
+              <dgm:param type="txAnchorVertCh" val="mid"/>
+            </dgm:alg>
+            <dgm:shape xmlns:r="http://schemas.openxmlformats.org/officeDocument/2006/relationships" type="rect" r:blip="" hideGeom="1">
+              <dgm:adjLst/>
+            </dgm:shape>
+            <dgm:presOf axis="des" ptType="node"/>
+            <dgm:constrLst>
+              <dgm:constr type="lMarg" refType="secFontSz" fact="0.3"/>
+              <dgm:constr type="rMarg" refType="secFontSz" fact="0.3"/>
+              <dgm:constr type="tMarg" refType="secFontSz" fact="0.3"/>
+              <dgm:constr type="bMarg" refType="secFontSz" fact="0.3"/>
+            </dgm:constrLst>
+            <dgm:ruleLst>
+              <dgm:rule type="secFontSz" val="5" fact="NaN" max="NaN"/>
+            </dgm:ruleLst>
+          </dgm:layoutNode>
+        </dgm:if>
+        <dgm:else name="Name69">
+          <dgm:layoutNode name="rect5ParTxNoCh" styleLbl="alignAcc1">
+            <dgm:varLst>
+              <dgm:chMax val="1"/>
+              <dgm:bulletEnabled val="1"/>
+            </dgm:varLst>
+            <dgm:alg type="tx"/>
+            <dgm:shape xmlns:r="http://schemas.openxmlformats.org/officeDocument/2006/relationships" type="rect" r:blip="" hideGeom="1">
+              <dgm:adjLst/>
+            </dgm:shape>
+            <dgm:presOf axis="self"/>
+            <dgm:constrLst>
+              <dgm:constr type="lMarg" refType="primFontSz" fact="0.3"/>
+              <dgm:constr type="rMarg" refType="primFontSz" fact="0.3"/>
+              <dgm:constr type="tMarg" refType="primFontSz" fact="0.3"/>
+              <dgm:constr type="bMarg" refType="primFontSz" fact="0.3"/>
+            </dgm:constrLst>
+            <dgm:ruleLst>
+              <dgm:rule type="primFontSz" val="5" fact="NaN" max="NaN"/>
+            </dgm:ruleLst>
+          </dgm:layoutNode>
+        </dgm:else>
+      </dgm:choose>
+    </dgm:forEach>
+    <dgm:forEach name="Name70" axis="ch" ptType="node" st="6" cnt="1">
+      <dgm:choose name="Name71">
+        <dgm:if name="Name72" axis="root des" ptType="all node" func="maxDepth" op="gte" val="2">
+          <dgm:layoutNode name="rect6ParTx" styleLbl="alignAcc1">
+            <dgm:varLst>
+              <dgm:chMax val="1"/>
+              <dgm:bulletEnabled val="1"/>
+            </dgm:varLst>
+            <dgm:alg type="tx"/>
+            <dgm:shape xmlns:r="http://schemas.openxmlformats.org/officeDocument/2006/relationships" type="rect" r:blip="" hideGeom="1">
+              <dgm:adjLst/>
+            </dgm:shape>
+            <dgm:presOf axis="self"/>
+            <dgm:constrLst>
+              <dgm:constr type="lMarg" refType="primFontSz" fact="0.3"/>
+              <dgm:constr type="rMarg" refType="primFontSz" fact="0.3"/>
+              <dgm:constr type="tMarg" refType="primFontSz" fact="0.3"/>
+              <dgm:constr type="bMarg" refType="primFontSz" fact="0.3"/>
+            </dgm:constrLst>
+            <dgm:ruleLst>
+              <dgm:rule type="primFontSz" val="5" fact="NaN" max="NaN"/>
+            </dgm:ruleLst>
+          </dgm:layoutNode>
+          <dgm:layoutNode name="rect6ChTx" styleLbl="alignAcc1">
+            <dgm:varLst>
+              <dgm:bulletEnabled val="1"/>
+            </dgm:varLst>
+            <dgm:alg type="tx">
+              <dgm:param type="stBulletLvl" val="1"/>
+              <dgm:param type="txAnchorVertCh" val="mid"/>
+            </dgm:alg>
+            <dgm:shape xmlns:r="http://schemas.openxmlformats.org/officeDocument/2006/relationships" type="rect" r:blip="" hideGeom="1">
+              <dgm:adjLst/>
+            </dgm:shape>
+            <dgm:presOf axis="des" ptType="node"/>
+            <dgm:constrLst>
+              <dgm:constr type="lMarg" refType="secFontSz" fact="0.3"/>
+              <dgm:constr type="rMarg" refType="secFontSz" fact="0.3"/>
+              <dgm:constr type="tMarg" refType="secFontSz" fact="0.3"/>
+              <dgm:constr type="bMarg" refType="secFontSz" fact="0.3"/>
+            </dgm:constrLst>
+            <dgm:ruleLst>
+              <dgm:rule type="secFontSz" val="5" fact="NaN" max="NaN"/>
+            </dgm:ruleLst>
+          </dgm:layoutNode>
+        </dgm:if>
+        <dgm:else name="Name73">
+          <dgm:layoutNode name="rect6ParTxNoCh" styleLbl="alignAcc1">
+            <dgm:varLst>
+              <dgm:chMax val="1"/>
+              <dgm:bulletEnabled val="1"/>
+            </dgm:varLst>
+            <dgm:alg type="tx"/>
+            <dgm:shape xmlns:r="http://schemas.openxmlformats.org/officeDocument/2006/relationships" type="rect" r:blip="" hideGeom="1">
+              <dgm:adjLst/>
+            </dgm:shape>
+            <dgm:presOf axis="self"/>
+            <dgm:constrLst>
+              <dgm:constr type="lMarg" refType="primFontSz" fact="0.3"/>
+              <dgm:constr type="rMarg" refType="primFontSz" fact="0.3"/>
+              <dgm:constr type="tMarg" refType="primFontSz" fact="0.3"/>
+              <dgm:constr type="bMarg" refType="primFontSz" fact="0.3"/>
+            </dgm:constrLst>
+            <dgm:ruleLst>
+              <dgm:rule type="primFontSz" val="5" fact="NaN" max="NaN"/>
+            </dgm:ruleLst>
+          </dgm:layoutNode>
+        </dgm:else>
+      </dgm:choose>
+    </dgm:forEach>
+    <dgm:forEach name="Name74" axis="ch" ptType="node" st="7" cnt="1">
+      <dgm:choose name="Name75">
+        <dgm:if name="Name76" axis="root des" ptType="all node" func="maxDepth" op="gte" val="2">
+          <dgm:layoutNode name="rect7ParTx" styleLbl="alignAcc1">
+            <dgm:varLst>
+              <dgm:chMax val="1"/>
+              <dgm:bulletEnabled val="1"/>
+            </dgm:varLst>
+            <dgm:alg type="tx"/>
+            <dgm:shape xmlns:r="http://schemas.openxmlformats.org/officeDocument/2006/relationships" type="rect" r:blip="" hideGeom="1">
+              <dgm:adjLst/>
+            </dgm:shape>
+            <dgm:presOf axis="self"/>
+            <dgm:constrLst>
+              <dgm:constr type="lMarg" refType="primFontSz" fact="0.3"/>
+              <dgm:constr type="rMarg" refType="primFontSz" fact="0.3"/>
+              <dgm:constr type="tMarg" refType="primFontSz" fact="0.3"/>
+              <dgm:constr type="bMarg" refType="primFontSz" fact="0.3"/>
+            </dgm:constrLst>
+            <dgm:ruleLst>
+              <dgm:rule type="primFontSz" val="5" fact="NaN" max="NaN"/>
+            </dgm:ruleLst>
+          </dgm:layoutNode>
+          <dgm:layoutNode name="rect7ChTx" styleLbl="alignAcc1">
+            <dgm:varLst>
+              <dgm:bulletEnabled val="1"/>
+            </dgm:varLst>
+            <dgm:alg type="tx">
+              <dgm:param type="stBulletLvl" val="1"/>
+              <dgm:param type="txAnchorVertCh" val="mid"/>
+            </dgm:alg>
+            <dgm:shape xmlns:r="http://schemas.openxmlformats.org/officeDocument/2006/relationships" type="rect" r:blip="" hideGeom="1">
+              <dgm:adjLst/>
+            </dgm:shape>
+            <dgm:presOf axis="des" ptType="node"/>
+            <dgm:constrLst>
+              <dgm:constr type="lMarg" refType="secFontSz" fact="0.3"/>
+              <dgm:constr type="rMarg" refType="secFontSz" fact="0.3"/>
+              <dgm:constr type="tMarg" refType="secFontSz" fact="0.3"/>
+              <dgm:constr type="bMarg" refType="secFontSz" fact="0.3"/>
+            </dgm:constrLst>
+            <dgm:ruleLst>
+              <dgm:rule type="secFontSz" val="5" fact="NaN" max="NaN"/>
+            </dgm:ruleLst>
+          </dgm:layoutNode>
+        </dgm:if>
+        <dgm:else name="Name77">
+          <dgm:layoutNode name="rect7ParTxNoCh" styleLbl="alignAcc1">
+            <dgm:varLst>
+              <dgm:chMax val="1"/>
+              <dgm:bulletEnabled val="1"/>
+            </dgm:varLst>
+            <dgm:alg type="tx"/>
+            <dgm:shape xmlns:r="http://schemas.openxmlformats.org/officeDocument/2006/relationships" type="rect" r:blip="" hideGeom="1">
+              <dgm:adjLst/>
+            </dgm:shape>
+            <dgm:presOf axis="self"/>
+            <dgm:constrLst>
+              <dgm:constr type="lMarg" refType="primFontSz" fact="0.3"/>
+              <dgm:constr type="rMarg" refType="primFontSz" fact="0.3"/>
+              <dgm:constr type="tMarg" refType="primFontSz" fact="0.3"/>
+              <dgm:constr type="bMarg" refType="primFontSz" fact="0.3"/>
+            </dgm:constrLst>
+            <dgm:ruleLst>
+              <dgm:rule type="primFontSz" val="5" fact="NaN" max="NaN"/>
+            </dgm:ruleLst>
+          </dgm:layoutNode>
+        </dgm:else>
+      </dgm:choose>
+    </dgm:forEach>
+  </dgm:layoutNode>
+</dgm:layoutDef>
+</file>
+
+<file path=ppt/diagrams/quickStyle1.xml><?xml version="1.0" encoding="utf-8"?>
+<dgm:styleDef xmlns:dgm="http://schemas.openxmlformats.org/drawingml/2006/diagram" xmlns:a="http://schemas.openxmlformats.org/drawingml/2006/main" uniqueId="urn:microsoft.com/office/officeart/2005/8/quickstyle/simple1">
+  <dgm:title val=""/>
+  <dgm:desc val=""/>
+  <dgm:catLst>
+    <dgm:cat type="simple" pri="10100"/>
+  </dgm:catLst>
+  <dgm:scene3d>
+    <a:camera prst="orthographicFront"/>
+    <a:lightRig rig="threePt" dir="t"/>
+  </dgm:scene3d>
+  <dgm:styleLbl name="node0">
+    <dgm:scene3d>
+      <a:camera prst="orthographicFront"/>
+      <a:lightRig rig="threePt" dir="t"/>
+    </dgm:scene3d>
+    <dgm:sp3d/>
+    <dgm:txPr/>
+    <dgm:style>
+      <a:lnRef idx="2">
+        <a:scrgbClr r="0" g="0" b="0"/>
+      </a:lnRef>
+      <a:fillRef idx="1">
+        <a:scrgbClr r="0" g="0" b="0"/>
+      </a:fillRef>
+      <a:effectRef idx="0">
+        <a:scrgbClr r="0" g="0" b="0"/>
+      </a:effectRef>
+      <a:fontRef idx="minor">
+        <a:schemeClr val="lt1"/>
+      </a:fontRef>
+    </dgm:style>
+  </dgm:styleLbl>
+  <dgm:styleLbl name="lnNode1">
+    <dgm:scene3d>
+      <a:camera prst="orthographicFront"/>
+      <a:lightRig rig="threePt" dir="t"/>
+    </dgm:scene3d>
+    <dgm:sp3d/>
+    <dgm:txPr/>
+    <dgm:style>
+      <a:lnRef idx="2">
+        <a:scrgbClr r="0" g="0" b="0"/>
+      </a:lnRef>
+      <a:fillRef idx="1">
+        <a:scrgbClr r="0" g="0" b="0"/>
+      </a:fillRef>
+      <a:effectRef idx="0">
+        <a:scrgbClr r="0" g="0" b="0"/>
+      </a:effectRef>
+      <a:fontRef idx="minor">
+        <a:schemeClr val="lt1"/>
+      </a:fontRef>
+    </dgm:style>
+  </dgm:styleLbl>
+  <dgm:styleLbl name="vennNode1">
+    <dgm:scene3d>
+      <a:camera prst="orthographicFront"/>
+      <a:lightRig rig="threePt" dir="t"/>
+    </dgm:scene3d>
+    <dgm:sp3d/>
+    <dgm:txPr/>
+    <dgm:style>
+      <a:lnRef idx="2">
+        <a:scrgbClr r="0" g="0" b="0"/>
+      </a:lnRef>
+      <a:fillRef idx="1">
+        <a:scrgbClr r="0" g="0" b="0"/>
+      </a:fillRef>
+      <a:effectRef idx="0">
+        <a:scrgbClr r="0" g="0" b="0"/>
+      </a:effectRef>
+      <a:fontRef idx="minor">
+        <a:schemeClr val="tx1"/>
+      </a:fontRef>
+    </dgm:style>
+  </dgm:styleLbl>
+  <dgm:styleLbl name="alignNode1">
+    <dgm:scene3d>
+      <a:camera prst="orthographicFront"/>
+      <a:lightRig rig="threePt" dir="t"/>
+    </dgm:scene3d>
+    <dgm:sp3d/>
+    <dgm:txPr/>
+    <dgm:style>
+      <a:lnRef idx="2">
+        <a:scrgbClr r="0" g="0" b="0"/>
+      </a:lnRef>
+      <a:fillRef idx="1">
+        <a:scrgbClr r="0" g="0" b="0"/>
+      </a:fillRef>
+      <a:effectRef idx="0">
+        <a:scrgbClr r="0" g="0" b="0"/>
+      </a:effectRef>
+      <a:fontRef idx="minor">
+        <a:schemeClr val="lt1"/>
+      </a:fontRef>
+    </dgm:style>
+  </dgm:styleLbl>
+  <dgm:styleLbl name="node1">
+    <dgm:scene3d>
+      <a:camera prst="orthographicFront"/>
+      <a:lightRig rig="threePt" dir="t"/>
+    </dgm:scene3d>
+    <dgm:sp3d/>
+    <dgm:txPr/>
+    <dgm:style>
+      <a:lnRef idx="2">
+        <a:scrgbClr r="0" g="0" b="0"/>
+      </a:lnRef>
+      <a:fillRef idx="1">
+        <a:scrgbClr r="0" g="0" b="0"/>
+      </a:fillRef>
+      <a:effectRef idx="0">
+        <a:scrgbClr r="0" g="0" b="0"/>
+      </a:effectRef>
+      <a:fontRef idx="minor">
+        <a:schemeClr val="lt1"/>
+      </a:fontRef>
+    </dgm:style>
+  </dgm:styleLbl>
+  <dgm:styleLbl name="node2">
+    <dgm:scene3d>
+      <a:camera prst="orthographicFront"/>
+      <a:lightRig rig="threePt" dir="t"/>
+    </dgm:scene3d>
+    <dgm:sp3d/>
+    <dgm:txPr/>
+    <dgm:style>
+      <a:lnRef idx="2">
+        <a:scrgbClr r="0" g="0" b="0"/>
+      </a:lnRef>
+      <a:fillRef idx="1">
+        <a:scrgbClr r="0" g="0" b="0"/>
+      </a:fillRef>
+      <a:effectRef idx="0">
+        <a:scrgbClr r="0" g="0" b="0"/>
+      </a:effectRef>
+      <a:fontRef idx="minor">
+        <a:schemeClr val="lt1"/>
+      </a:fontRef>
+    </dgm:style>
+  </dgm:styleLbl>
+  <dgm:styleLbl name="node3">
+    <dgm:scene3d>
+      <a:camera prst="orthographicFront"/>
+      <a:lightRig rig="threePt" dir="t"/>
+    </dgm:scene3d>
+    <dgm:sp3d/>
+    <dgm:txPr/>
+    <dgm:style>
+      <a:lnRef idx="2">
+        <a:scrgbClr r="0" g="0" b="0"/>
+      </a:lnRef>
+      <a:fillRef idx="1">
+        <a:scrgbClr r="0" g="0" b="0"/>
+      </a:fillRef>
+      <a:effectRef idx="0">
+        <a:scrgbClr r="0" g="0" b="0"/>
+      </a:effectRef>
+      <a:fontRef idx="minor">
+        <a:schemeClr val="lt1"/>
+      </a:fontRef>
+    </dgm:style>
+  </dgm:styleLbl>
+  <dgm:styleLbl name="node4">
+    <dgm:scene3d>
+      <a:camera prst="orthographicFront"/>
+      <a:lightRig rig="threePt" dir="t"/>
+    </dgm:scene3d>
+    <dgm:sp3d/>
+    <dgm:txPr/>
+    <dgm:style>
+      <a:lnRef idx="2">
+        <a:scrgbClr r="0" g="0" b="0"/>
+      </a:lnRef>
+      <a:fillRef idx="1">
+        <a:scrgbClr r="0" g="0" b="0"/>
+      </a:fillRef>
+      <a:effectRef idx="0">
+        <a:scrgbClr r="0" g="0" b="0"/>
+      </a:effectRef>
+      <a:fontRef idx="minor">
+        <a:schemeClr val="lt1"/>
+      </a:fontRef>
+    </dgm:style>
+  </dgm:styleLbl>
+  <dgm:styleLbl name="fgImgPlace1">
+    <dgm:scene3d>
+      <a:camera prst="orthographicFront"/>
+      <a:lightRig rig="threePt" dir="t"/>
+    </dgm:scene3d>
+    <dgm:sp3d/>
+    <dgm:txPr/>
+    <dgm:style>
+      <a:lnRef idx="2">
+        <a:scrgbClr r="0" g="0" b="0"/>
+      </a:lnRef>
+      <a:fillRef idx="1">
+        <a:scrgbClr r="0" g="0" b="0"/>
+      </a:fillRef>
+      <a:effectRef idx="0">
+        <a:scrgbClr r="0" g="0" b="0"/>
+      </a:effectRef>
+      <a:fontRef idx="minor"/>
+    </dgm:style>
+  </dgm:styleLbl>
+  <dgm:styleLbl name="alignImgPlace1">
+    <dgm:scene3d>
+      <a:camera prst="orthographicFront"/>
+      <a:lightRig rig="threePt" dir="t"/>
+    </dgm:scene3d>
+    <dgm:sp3d/>
+    <dgm:txPr/>
+    <dgm:style>
+      <a:lnRef idx="2">
+        <a:scrgbClr r="0" g="0" b="0"/>
+      </a:lnRef>
+      <a:fillRef idx="1">
+        <a:scrgbClr r="0" g="0" b="0"/>
+      </a:fillRef>
+      <a:effectRef idx="0">
+        <a:scrgbClr r="0" g="0" b="0"/>
+      </a:effectRef>
+      <a:fontRef idx="minor"/>
+    </dgm:style>
+  </dgm:styleLbl>
+  <dgm:styleLbl name="bgImgPlace1">
+    <dgm:scene3d>
+      <a:camera prst="orthographicFront"/>
+      <a:lightRig rig="threePt" dir="t"/>
+    </dgm:scene3d>
+    <dgm:sp3d/>
+    <dgm:txPr/>
+    <dgm:style>
+      <a:lnRef idx="2">
+        <a:scrgbClr r="0" g="0" b="0"/>
+      </a:lnRef>
+      <a:fillRef idx="1">
+        <a:scrgbClr r="0" g="0" b="0"/>
+      </a:fillRef>
+      <a:effectRef idx="0">
+        <a:scrgbClr r="0" g="0" b="0"/>
+      </a:effectRef>
+      <a:fontRef idx="minor"/>
+    </dgm:style>
+  </dgm:styleLbl>
+  <dgm:styleLbl name="sibTrans2D1">
+    <dgm:scene3d>
+      <a:camera prst="orthographicFront"/>
+      <a:lightRig rig="threePt" dir="t"/>
+    </dgm:scene3d>
+    <dgm:sp3d/>
+    <dgm:txPr/>
+    <dgm:style>
+      <a:lnRef idx="0">
+        <a:scrgbClr r="0" g="0" b="0"/>
+      </a:lnRef>
+      <a:fillRef idx="1">
+        <a:scrgbClr r="0" g="0" b="0"/>
+      </a:fillRef>
+      <a:effectRef idx="0">
+        <a:scrgbClr r="0" g="0" b="0"/>
+      </a:effectRef>
+      <a:fontRef idx="minor">
+        <a:schemeClr val="lt1"/>
+      </a:fontRef>
+    </dgm:style>
+  </dgm:styleLbl>
+  <dgm:styleLbl name="fgSibTrans2D1">
+    <dgm:scene3d>
+      <a:camera prst="orthographicFront"/>
+      <a:lightRig rig="threePt" dir="t"/>
+    </dgm:scene3d>
+    <dgm:sp3d/>
+    <dgm:txPr/>
+    <dgm:style>
+      <a:lnRef idx="0">
+        <a:scrgbClr r="0" g="0" b="0"/>
+      </a:lnRef>
+      <a:fillRef idx="1">
+        <a:scrgbClr r="0" g="0" b="0"/>
+      </a:fillRef>
+      <a:effectRef idx="0">
+        <a:scrgbClr r="0" g="0" b="0"/>
+      </a:effectRef>
+      <a:fontRef idx="minor">
+        <a:schemeClr val="lt1"/>
+      </a:fontRef>
+    </dgm:style>
+  </dgm:styleLbl>
+  <dgm:styleLbl name="bgSibTrans2D1">
+    <dgm:scene3d>
+      <a:camera prst="orthographicFront"/>
+      <a:lightRig rig="threePt" dir="t"/>
+    </dgm:scene3d>
+    <dgm:sp3d/>
+    <dgm:txPr/>
+    <dgm:style>
+      <a:lnRef idx="0">
+        <a:scrgbClr r="0" g="0" b="0"/>
+      </a:lnRef>
+      <a:fillRef idx="1">
+        <a:scrgbClr r="0" g="0" b="0"/>
+      </a:fillRef>
+      <a:effectRef idx="0">
+        <a:scrgbClr r="0" g="0" b="0"/>
+      </a:effectRef>
+      <a:fontRef idx="minor">
+        <a:schemeClr val="lt1"/>
+      </a:fontRef>
+    </dgm:style>
+  </dgm:styleLbl>
+  <dgm:styleLbl name="sibTrans1D1">
+    <dgm:scene3d>
+      <a:camera prst="orthographicFront"/>
+      <a:lightRig rig="threePt" dir="t"/>
+    </dgm:scene3d>
+    <dgm:sp3d/>
+    <dgm:txPr/>
+    <dgm:style>
+      <a:lnRef idx="1">
+        <a:scrgbClr r="0" g="0" b="0"/>
+      </a:lnRef>
+      <a:fillRef idx="0">
+        <a:scrgbClr r="0" g="0" b="0"/>
+      </a:fillRef>
+      <a:effectRef idx="0">
+        <a:scrgbClr r="0" g="0" b="0"/>
+      </a:effectRef>
+      <a:fontRef idx="minor"/>
+    </dgm:style>
+  </dgm:styleLbl>
+  <dgm:styleLbl name="callout">
+    <dgm:scene3d>
+      <a:camera prst="orthographicFront"/>
+      <a:lightRig rig="threePt" dir="t"/>
+    </dgm:scene3d>
+    <dgm:sp3d/>
+    <dgm:txPr/>
+    <dgm:style>
+      <a:lnRef idx="2">
+        <a:scrgbClr r="0" g="0" b="0"/>
+      </a:lnRef>
+      <a:fillRef idx="1">
+        <a:scrgbClr r="0" g="0" b="0"/>
+      </a:fillRef>
+      <a:effectRef idx="0">
+        <a:scrgbClr r="0" g="0" b="0"/>
+      </a:effectRef>
+      <a:fontRef idx="minor"/>
+    </dgm:style>
+  </dgm:styleLbl>
+  <dgm:styleLbl name="asst0">
+    <dgm:scene3d>
+      <a:camera prst="orthographicFront"/>
+      <a:lightRig rig="threePt" dir="t"/>
+    </dgm:scene3d>
+    <dgm:sp3d/>
+    <dgm:txPr/>
+    <dgm:style>
+      <a:lnRef idx="2">
+        <a:scrgbClr r="0" g="0" b="0"/>
+      </a:lnRef>
+      <a:fillRef idx="1">
+        <a:scrgbClr r="0" g="0" b="0"/>
+      </a:fillRef>
+      <a:effectRef idx="0">
+        <a:scrgbClr r="0" g="0" b="0"/>
+      </a:effectRef>
+      <a:fontRef idx="minor">
+        <a:schemeClr val="lt1"/>
+      </a:fontRef>
+    </dgm:style>
+  </dgm:styleLbl>
+  <dgm:styleLbl name="asst1">
+    <dgm:scene3d>
+      <a:camera prst="orthographicFront"/>
+      <a:lightRig rig="threePt" dir="t"/>
+    </dgm:scene3d>
+    <dgm:sp3d/>
+    <dgm:txPr/>
+    <dgm:style>
+      <a:lnRef idx="2">
+        <a:scrgbClr r="0" g="0" b="0"/>
+      </a:lnRef>
+      <a:fillRef idx="1">
+        <a:scrgbClr r="0" g="0" b="0"/>
+      </a:fillRef>
+      <a:effectRef idx="0">
+        <a:scrgbClr r="0" g="0" b="0"/>
+      </a:effectRef>
+      <a:fontRef idx="minor">
+        <a:schemeClr val="lt1"/>
+      </a:fontRef>
+    </dgm:style>
+  </dgm:styleLbl>
+  <dgm:styleLbl name="asst2">
+    <dgm:scene3d>
+      <a:camera prst="orthographicFront"/>
+      <a:lightRig rig="threePt" dir="t"/>
+    </dgm:scene3d>
+    <dgm:sp3d/>
+    <dgm:txPr/>
+    <dgm:style>
+      <a:lnRef idx="2">
+        <a:scrgbClr r="0" g="0" b="0"/>
+      </a:lnRef>
+      <a:fillRef idx="1">
+        <a:scrgbClr r="0" g="0" b="0"/>
+      </a:fillRef>
+      <a:effectRef idx="0">
+        <a:scrgbClr r="0" g="0" b="0"/>
+      </a:effectRef>
+      <a:fontRef idx="minor">
+        <a:schemeClr val="lt1"/>
+      </a:fontRef>
+    </dgm:style>
+  </dgm:styleLbl>
+  <dgm:styleLbl name="asst3">
+    <dgm:scene3d>
+      <a:camera prst="orthographicFront"/>
+      <a:lightRig rig="threePt" dir="t"/>
+    </dgm:scene3d>
+    <dgm:sp3d/>
+    <dgm:txPr/>
+    <dgm:style>
+      <a:lnRef idx="2">
+        <a:scrgbClr r="0" g="0" b="0"/>
+      </a:lnRef>
+      <a:fillRef idx="1">
+        <a:scrgbClr r="0" g="0" b="0"/>
+      </a:fillRef>
+      <a:effectRef idx="0">
+        <a:scrgbClr r="0" g="0" b="0"/>
+      </a:effectRef>
+      <a:fontRef idx="minor">
+        <a:schemeClr val="lt1"/>
+      </a:fontRef>
+    </dgm:style>
+  </dgm:styleLbl>
+  <dgm:styleLbl name="asst4">
+    <dgm:scene3d>
+      <a:camera prst="orthographicFront"/>
+      <a:lightRig rig="threePt" dir="t"/>
+    </dgm:scene3d>
+    <dgm:sp3d/>
+    <dgm:txPr/>
+    <dgm:style>
+      <a:lnRef idx="2">
+        <a:scrgbClr r="0" g="0" b="0"/>
+      </a:lnRef>
+      <a:fillRef idx="1">
+        <a:scrgbClr r="0" g="0" b="0"/>
+      </a:fillRef>
+      <a:effectRef idx="0">
+        <a:scrgbClr r="0" g="0" b="0"/>
+      </a:effectRef>
+      <a:fontRef idx="minor">
+        <a:schemeClr val="lt1"/>
+      </a:fontRef>
+    </dgm:style>
+  </dgm:styleLbl>
+  <dgm:styleLbl name="parChTrans2D1">
+    <dgm:scene3d>
+      <a:camera prst="orthographicFront"/>
+      <a:lightRig rig="threePt" dir="t"/>
+    </dgm:scene3d>
+    <dgm:sp3d/>
+    <dgm:txPr/>
+    <dgm:style>
+      <a:lnRef idx="2">
+        <a:scrgbClr r="0" g="0" b="0"/>
+      </a:lnRef>
+      <a:fillRef idx="1">
+        <a:scrgbClr r="0" g="0" b="0"/>
+      </a:fillRef>
+      <a:effectRef idx="0">
+        <a:scrgbClr r="0" g="0" b="0"/>
+      </a:effectRef>
+      <a:fontRef idx="minor">
+        <a:schemeClr val="lt1"/>
+      </a:fontRef>
+    </dgm:style>
+  </dgm:styleLbl>
+  <dgm:styleLbl name="parChTrans2D2">
+    <dgm:scene3d>
+      <a:camera prst="orthographicFront"/>
+      <a:lightRig rig="threePt" dir="t"/>
+    </dgm:scene3d>
+    <dgm:sp3d/>
+    <dgm:txPr/>
+    <dgm:style>
+      <a:lnRef idx="2">
+        <a:scrgbClr r="0" g="0" b="0"/>
+      </a:lnRef>
+      <a:fillRef idx="1">
+        <a:scrgbClr r="0" g="0" b="0"/>
+      </a:fillRef>
+      <a:effectRef idx="0">
+        <a:scrgbClr r="0" g="0" b="0"/>
+      </a:effectRef>
+      <a:fontRef idx="minor">
+        <a:schemeClr val="lt1"/>
+      </a:fontRef>
+    </dgm:style>
+  </dgm:styleLbl>
+  <dgm:styleLbl name="parChTrans2D3">
+    <dgm:scene3d>
+      <a:camera prst="orthographicFront"/>
+      <a:lightRig rig="threePt" dir="t"/>
+    </dgm:scene3d>
+    <dgm:sp3d/>
+    <dgm:txPr/>
+    <dgm:style>
+      <a:lnRef idx="2">
+        <a:scrgbClr r="0" g="0" b="0"/>
+      </a:lnRef>
+      <a:fillRef idx="1">
+        <a:scrgbClr r="0" g="0" b="0"/>
+      </a:fillRef>
+      <a:effectRef idx="0">
+        <a:scrgbClr r="0" g="0" b="0"/>
+      </a:effectRef>
+      <a:fontRef idx="minor">
+        <a:schemeClr val="lt1"/>
+      </a:fontRef>
+    </dgm:style>
+  </dgm:styleLbl>
+  <dgm:styleLbl name="parChTrans2D4">
+    <dgm:scene3d>
+      <a:camera prst="orthographicFront"/>
+      <a:lightRig rig="threePt" dir="t"/>
+    </dgm:scene3d>
+    <dgm:sp3d/>
+    <dgm:txPr/>
+    <dgm:style>
+      <a:lnRef idx="2">
+        <a:scrgbClr r="0" g="0" b="0"/>
+      </a:lnRef>
+      <a:fillRef idx="1">
+        <a:scrgbClr r="0" g="0" b="0"/>
+      </a:fillRef>
+      <a:effectRef idx="0">
+        <a:scrgbClr r="0" g="0" b="0"/>
+      </a:effectRef>
+      <a:fontRef idx="minor">
+        <a:schemeClr val="lt1"/>
+      </a:fontRef>
+    </dgm:style>
+  </dgm:styleLbl>
+  <dgm:styleLbl name="parChTrans1D1">
+    <dgm:scene3d>
+      <a:camera prst="orthographicFront"/>
+      <a:lightRig rig="threePt" dir="t"/>
+    </dgm:scene3d>
+    <dgm:sp3d/>
+    <dgm:txPr/>
+    <dgm:style>
+      <a:lnRef idx="2">
+        <a:scrgbClr r="0" g="0" b="0"/>
+      </a:lnRef>
+      <a:fillRef idx="0">
+        <a:scrgbClr r="0" g="0" b="0"/>
+      </a:fillRef>
+      <a:effectRef idx="0">
+        <a:scrgbClr r="0" g="0" b="0"/>
+      </a:effectRef>
+      <a:fontRef idx="minor"/>
+    </dgm:style>
+  </dgm:styleLbl>
+  <dgm:styleLbl name="parChTrans1D2">
+    <dgm:scene3d>
+      <a:camera prst="orthographicFront"/>
+      <a:lightRig rig="threePt" dir="t"/>
+    </dgm:scene3d>
+    <dgm:sp3d/>
+    <dgm:txPr/>
+    <dgm:style>
+      <a:lnRef idx="2">
+        <a:scrgbClr r="0" g="0" b="0"/>
+      </a:lnRef>
+      <a:fillRef idx="0">
+        <a:scrgbClr r="0" g="0" b="0"/>
+      </a:fillRef>
+      <a:effectRef idx="0">
+        <a:scrgbClr r="0" g="0" b="0"/>
+      </a:effectRef>
+      <a:fontRef idx="minor"/>
+    </dgm:style>
+  </dgm:styleLbl>
+  <dgm:styleLbl name="parChTrans1D3">
+    <dgm:scene3d>
+      <a:camera prst="orthographicFront"/>
+      <a:lightRig rig="threePt" dir="t"/>
+    </dgm:scene3d>
+    <dgm:sp3d/>
+    <dgm:txPr/>
+    <dgm:style>
+      <a:lnRef idx="2">
+        <a:scrgbClr r="0" g="0" b="0"/>
+      </a:lnRef>
+      <a:fillRef idx="0">
+        <a:scrgbClr r="0" g="0" b="0"/>
+      </a:fillRef>
+      <a:effectRef idx="0">
+        <a:scrgbClr r="0" g="0" b="0"/>
+      </a:effectRef>
+      <a:fontRef idx="minor"/>
+    </dgm:style>
+  </dgm:styleLbl>
+  <dgm:styleLbl name="parChTrans1D4">
+    <dgm:scene3d>
+      <a:camera prst="orthographicFront"/>
+      <a:lightRig rig="threePt" dir="t"/>
+    </dgm:scene3d>
+    <dgm:sp3d/>
+    <dgm:txPr/>
+    <dgm:style>
+      <a:lnRef idx="2">
+        <a:scrgbClr r="0" g="0" b="0"/>
+      </a:lnRef>
+      <a:fillRef idx="0">
+        <a:scrgbClr r="0" g="0" b="0"/>
+      </a:fillRef>
+      <a:effectRef idx="0">
+        <a:scrgbClr r="0" g="0" b="0"/>
+      </a:effectRef>
+      <a:fontRef idx="minor"/>
+    </dgm:style>
+  </dgm:styleLbl>
+  <dgm:styleLbl name="fgAcc1">
+    <dgm:scene3d>
+      <a:camera prst="orthographicFront"/>
+      <a:lightRig rig="threePt" dir="t"/>
+    </dgm:scene3d>
+    <dgm:sp3d/>
+    <dgm:txPr/>
+    <dgm:style>
+      <a:lnRef idx="2">
+        <a:scrgbClr r="0" g="0" b="0"/>
+      </a:lnRef>
+      <a:fillRef idx="1">
+        <a:scrgbClr r="0" g="0" b="0"/>
+      </a:fillRef>
+      <a:effectRef idx="0">
+        <a:scrgbClr r="0" g="0" b="0"/>
+      </a:effectRef>
+      <a:fontRef idx="minor"/>
+    </dgm:style>
+  </dgm:styleLbl>
+  <dgm:styleLbl name="conFgAcc1">
+    <dgm:scene3d>
+      <a:camera prst="orthographicFront"/>
+      <a:lightRig rig="threePt" dir="t"/>
+    </dgm:scene3d>
+    <dgm:sp3d/>
+    <dgm:txPr/>
+    <dgm:style>
+      <a:lnRef idx="2">
+        <a:scrgbClr r="0" g="0" b="0"/>
+      </a:lnRef>
+      <a:fillRef idx="1">
+        <a:scrgbClr r="0" g="0" b="0"/>
+      </a:fillRef>
+      <a:effectRef idx="0">
+        <a:scrgbClr r="0" g="0" b="0"/>
+      </a:effectRef>
+      <a:fontRef idx="minor"/>
+    </dgm:style>
+  </dgm:styleLbl>
+  <dgm:styleLbl name="alignAcc1">
+    <dgm:scene3d>
+      <a:camera prst="orthographicFront"/>
+      <a:lightRig rig="threePt" dir="t"/>
+    </dgm:scene3d>
+    <dgm:sp3d/>
+    <dgm:txPr/>
+    <dgm:style>
+      <a:lnRef idx="2">
+        <a:scrgbClr r="0" g="0" b="0"/>
+      </a:lnRef>
+      <a:fillRef idx="1">
+        <a:scrgbClr r="0" g="0" b="0"/>
+      </a:fillRef>
+      <a:effectRef idx="0">
+        <a:scrgbClr r="0" g="0" b="0"/>
+      </a:effectRef>
+      <a:fontRef idx="minor"/>
+    </dgm:style>
+  </dgm:styleLbl>
+  <dgm:styleLbl name="trAlignAcc1">
+    <dgm:scene3d>
+      <a:camera prst="orthographicFront"/>
+      <a:lightRig rig="threePt" dir="t"/>
+    </dgm:scene3d>
+    <dgm:sp3d/>
+    <dgm:txPr/>
+    <dgm:style>
+      <a:lnRef idx="1">
+        <a:scrgbClr r="0" g="0" b="0"/>
+      </a:lnRef>
+      <a:fillRef idx="1">
+        <a:scrgbClr r="0" g="0" b="0"/>
+      </a:fillRef>
+      <a:effectRef idx="0">
+        <a:scrgbClr r="0" g="0" b="0"/>
+      </a:effectRef>
+      <a:fontRef idx="minor"/>
+    </dgm:style>
+  </dgm:styleLbl>
+  <dgm:styleLbl name="bgAcc1">
+    <dgm:scene3d>
+      <a:camera prst="orthographicFront"/>
+      <a:lightRig rig="threePt" dir="t"/>
+    </dgm:scene3d>
+    <dgm:sp3d/>
+    <dgm:txPr/>
+    <dgm:style>
+      <a:lnRef idx="2">
+        <a:scrgbClr r="0" g="0" b="0"/>
+      </a:lnRef>
+      <a:fillRef idx="1">
+        <a:scrgbClr r="0" g="0" b="0"/>
+      </a:fillRef>
+      <a:effectRef idx="0">
+        <a:scrgbClr r="0" g="0" b="0"/>
+      </a:effectRef>
+      <a:fontRef idx="minor"/>
+    </dgm:style>
+  </dgm:styleLbl>
+  <dgm:styleLbl name="solidFgAcc1">
+    <dgm:scene3d>
+      <a:camera prst="orthographicFront"/>
+      <a:lightRig rig="threePt" dir="t"/>
+    </dgm:scene3d>
+    <dgm:sp3d/>
+    <dgm:txPr/>
+    <dgm:style>
+      <a:lnRef idx="2">
+        <a:scrgbClr r="0" g="0" b="0"/>
+      </a:lnRef>
+      <a:fillRef idx="1">
+        <a:scrgbClr r="0" g="0" b="0"/>
+      </a:fillRef>
+      <a:effectRef idx="0">
+        <a:scrgbClr r="0" g="0" b="0"/>
+      </a:effectRef>
+      <a:fontRef idx="minor"/>
+    </dgm:style>
+  </dgm:styleLbl>
+  <dgm:styleLbl name="solidAlignAcc1">
+    <dgm:scene3d>
+      <a:camera prst="orthographicFront"/>
+      <a:lightRig rig="threePt" dir="t"/>
+    </dgm:scene3d>
+    <dgm:sp3d/>
+    <dgm:txPr/>
+    <dgm:style>
+      <a:lnRef idx="2">
+        <a:scrgbClr r="0" g="0" b="0"/>
+      </a:lnRef>
+      <a:fillRef idx="1">
+        <a:scrgbClr r="0" g="0" b="0"/>
+      </a:fillRef>
+      <a:effectRef idx="0">
+        <a:scrgbClr r="0" g="0" b="0"/>
+      </a:effectRef>
+      <a:fontRef idx="minor"/>
+    </dgm:style>
+  </dgm:styleLbl>
+  <dgm:styleLbl name="solidBgAcc1">
+    <dgm:scene3d>
+      <a:camera prst="orthographicFront"/>
+      <a:lightRig rig="threePt" dir="t"/>
+    </dgm:scene3d>
+    <dgm:sp3d/>
+    <dgm:txPr/>
+    <dgm:style>
+      <a:lnRef idx="2">
+        <a:scrgbClr r="0" g="0" b="0"/>
+      </a:lnRef>
+      <a:fillRef idx="1">
+        <a:scrgbClr r="0" g="0" b="0"/>
+      </a:fillRef>
+      <a:effectRef idx="0">
+        <a:scrgbClr r="0" g="0" b="0"/>
+      </a:effectRef>
+      <a:fontRef idx="minor"/>
+    </dgm:style>
+  </dgm:styleLbl>
+  <dgm:styleLbl name="fgAccFollowNode1">
+    <dgm:scene3d>
+      <a:camera prst="orthographicFront"/>
+      <a:lightRig rig="threePt" dir="t"/>
+    </dgm:scene3d>
+    <dgm:sp3d/>
+    <dgm:txPr/>
+    <dgm:style>
+      <a:lnRef idx="2">
+        <a:scrgbClr r="0" g="0" b="0"/>
+      </a:lnRef>
+      <a:fillRef idx="1">
+        <a:scrgbClr r="0" g="0" b="0"/>
+      </a:fillRef>
+      <a:effectRef idx="0">
+        <a:scrgbClr r="0" g="0" b="0"/>
+      </a:effectRef>
+      <a:fontRef idx="minor"/>
+    </dgm:style>
+  </dgm:styleLbl>
+  <dgm:styleLbl name="alignAccFollowNode1">
+    <dgm:scene3d>
+      <a:camera prst="orthographicFront"/>
+      <a:lightRig rig="threePt" dir="t"/>
+    </dgm:scene3d>
+    <dgm:sp3d/>
+    <dgm:txPr/>
+    <dgm:style>
+      <a:lnRef idx="2">
+        <a:scrgbClr r="0" g="0" b="0"/>
+      </a:lnRef>
+      <a:fillRef idx="1">
+        <a:scrgbClr r="0" g="0" b="0"/>
+      </a:fillRef>
+      <a:effectRef idx="0">
+        <a:scrgbClr r="0" g="0" b="0"/>
+      </a:effectRef>
+      <a:fontRef idx="minor"/>
+    </dgm:style>
+  </dgm:styleLbl>
+  <dgm:styleLbl name="bgAccFollowNode1">
+    <dgm:scene3d>
+      <a:camera prst="orthographicFront"/>
+      <a:lightRig rig="threePt" dir="t"/>
+    </dgm:scene3d>
+    <dgm:sp3d/>
+    <dgm:txPr/>
+    <dgm:style>
+      <a:lnRef idx="2">
+        <a:scrgbClr r="0" g="0" b="0"/>
+      </a:lnRef>
+      <a:fillRef idx="1">
+        <a:scrgbClr r="0" g="0" b="0"/>
+      </a:fillRef>
+      <a:effectRef idx="0">
+        <a:scrgbClr r="0" g="0" b="0"/>
+      </a:effectRef>
+      <a:fontRef idx="minor"/>
+    </dgm:style>
+  </dgm:styleLbl>
+  <dgm:styleLbl name="fgAcc0">
+    <dgm:scene3d>
+      <a:camera prst="orthographicFront"/>
+      <a:lightRig rig="threePt" dir="t"/>
+    </dgm:scene3d>
+    <dgm:sp3d/>
+    <dgm:txPr/>
+    <dgm:style>
+      <a:lnRef idx="2">
+        <a:scrgbClr r="0" g="0" b="0"/>
+      </a:lnRef>
+      <a:fillRef idx="1">
+        <a:scrgbClr r="0" g="0" b="0"/>
+      </a:fillRef>
+      <a:effectRef idx="0">
+        <a:scrgbClr r="0" g="0" b="0"/>
+      </a:effectRef>
+      <a:fontRef idx="minor"/>
+    </dgm:style>
+  </dgm:styleLbl>
+  <dgm:styleLbl name="fgAcc2">
+    <dgm:scene3d>
+      <a:camera prst="orthographicFront"/>
+      <a:lightRig rig="threePt" dir="t"/>
+    </dgm:scene3d>
+    <dgm:sp3d/>
+    <dgm:txPr/>
+    <dgm:style>
+      <a:lnRef idx="2">
+        <a:scrgbClr r="0" g="0" b="0"/>
+      </a:lnRef>
+      <a:fillRef idx="1">
+        <a:scrgbClr r="0" g="0" b="0"/>
+      </a:fillRef>
+      <a:effectRef idx="0">
+        <a:scrgbClr r="0" g="0" b="0"/>
+      </a:effectRef>
+      <a:fontRef idx="minor"/>
+    </dgm:style>
+  </dgm:styleLbl>
+  <dgm:styleLbl name="fgAcc3">
+    <dgm:scene3d>
+      <a:camera prst="orthographicFront"/>
+      <a:lightRig rig="threePt" dir="t"/>
+    </dgm:scene3d>
+    <dgm:sp3d/>
+    <dgm:txPr/>
+    <dgm:style>
+      <a:lnRef idx="2">
+        <a:scrgbClr r="0" g="0" b="0"/>
+      </a:lnRef>
+      <a:fillRef idx="1">
+        <a:scrgbClr r="0" g="0" b="0"/>
+      </a:fillRef>
+      <a:effectRef idx="0">
+        <a:scrgbClr r="0" g="0" b="0"/>
+      </a:effectRef>
+      <a:fontRef idx="minor"/>
+    </dgm:style>
+  </dgm:styleLbl>
+  <dgm:styleLbl name="fgAcc4">
+    <dgm:scene3d>
+      <a:camera prst="orthographicFront"/>
+      <a:lightRig rig="threePt" dir="t"/>
+    </dgm:scene3d>
+    <dgm:sp3d/>
+    <dgm:txPr/>
+    <dgm:style>
+      <a:lnRef idx="2">
+        <a:scrgbClr r="0" g="0" b="0"/>
+      </a:lnRef>
+      <a:fillRef idx="1">
+        <a:scrgbClr r="0" g="0" b="0"/>
+      </a:fillRef>
+      <a:effectRef idx="0">
+        <a:scrgbClr r="0" g="0" b="0"/>
+      </a:effectRef>
+      <a:fontRef idx="minor"/>
+    </dgm:style>
+  </dgm:styleLbl>
+  <dgm:styleLbl name="bgShp">
+    <dgm:scene3d>
+      <a:camera prst="orthographicFront"/>
+      <a:lightRig rig="threePt" dir="t"/>
+    </dgm:scene3d>
+    <dgm:sp3d/>
+    <dgm:txPr/>
+    <dgm:style>
+      <a:lnRef idx="0">
+        <a:scrgbClr r="0" g="0" b="0"/>
+      </a:lnRef>
+      <a:fillRef idx="1">
+        <a:scrgbClr r="0" g="0" b="0"/>
+      </a:fillRef>
+      <a:effectRef idx="0">
+        <a:scrgbClr r="0" g="0" b="0"/>
+      </a:effectRef>
+      <a:fontRef idx="minor"/>
+    </dgm:style>
+  </dgm:styleLbl>
+  <dgm:styleLbl name="dkBgShp">
+    <dgm:scene3d>
+      <a:camera prst="orthographicFront"/>
+      <a:lightRig rig="threePt" dir="t"/>
+    </dgm:scene3d>
+    <dgm:sp3d/>
+    <dgm:txPr/>
+    <dgm:style>
+      <a:lnRef idx="0">
+        <a:scrgbClr r="0" g="0" b="0"/>
+      </a:lnRef>
+      <a:fillRef idx="1">
+        <a:scrgbClr r="0" g="0" b="0"/>
+      </a:fillRef>
+      <a:effectRef idx="0">
+        <a:scrgbClr r="0" g="0" b="0"/>
+      </a:effectRef>
+      <a:fontRef idx="minor"/>
+    </dgm:style>
+  </dgm:styleLbl>
+  <dgm:styleLbl name="trBgShp">
+    <dgm:scene3d>
+      <a:camera prst="orthographicFront"/>
+      <a:lightRig rig="threePt" dir="t"/>
+    </dgm:scene3d>
+    <dgm:sp3d/>
+    <dgm:txPr/>
+    <dgm:style>
+      <a:lnRef idx="0">
+        <a:scrgbClr r="0" g="0" b="0"/>
+      </a:lnRef>
+      <a:fillRef idx="1">
+        <a:scrgbClr r="0" g="0" b="0"/>
+      </a:fillRef>
+      <a:effectRef idx="0">
+        <a:scrgbClr r="0" g="0" b="0"/>
+      </a:effectRef>
+      <a:fontRef idx="minor"/>
+    </dgm:style>
+  </dgm:styleLbl>
+  <dgm:styleLbl name="fgShp">
+    <dgm:scene3d>
+      <a:camera prst="orthographicFront"/>
+      <a:lightRig rig="threePt" dir="t"/>
+    </dgm:scene3d>
+    <dgm:sp3d/>
+    <dgm:txPr/>
+    <dgm:style>
+      <a:lnRef idx="2">
+        <a:scrgbClr r="0" g="0" b="0"/>
+      </a:lnRef>
+      <a:fillRef idx="1">
+        <a:scrgbClr r="0" g="0" b="0"/>
+      </a:fillRef>
+      <a:effectRef idx="0">
+        <a:scrgbClr r="0" g="0" b="0"/>
+      </a:effectRef>
+      <a:fontRef idx="minor"/>
+    </dgm:style>
+  </dgm:styleLbl>
+  <dgm:styleLbl name="revTx">
+    <dgm:scene3d>
+      <a:camera prst="orthographicFront"/>
+      <a:lightRig rig="threePt" dir="t"/>
+    </dgm:scene3d>
+    <dgm:sp3d/>
+    <dgm:txPr/>
+    <dgm:style>
+      <a:lnRef idx="0">
+        <a:scrgbClr r="0" g="0" b="0"/>
+      </a:lnRef>
+      <a:fillRef idx="0">
+        <a:scrgbClr r="0" g="0" b="0"/>
+      </a:fillRef>
+      <a:effectRef idx="0">
+        <a:scrgbClr r="0" g="0" b="0"/>
+      </a:effectRef>
+      <a:fontRef idx="minor"/>
+    </dgm:style>
+  </dgm:styleLbl>
+</dgm:styleDef>
 </file>
 
 <file path=ppt/slideLayouts/slideLayout1.xml><?xml version="1.0" encoding="utf-8"?>
@@ -248,7 +6419,7 @@
           <a:p>
             <a:fld id="{367B1673-BAE8-457D-9A04-2BB6D1DDE3A6}" type="datetimeFigureOut">
               <a:rPr lang="en-US" smtClean="0"/>
-              <a:t>11/25/2024</a:t>
+              <a:t>11/26/2024</a:t>
             </a:fld>
             <a:endParaRPr lang="en-US"/>
           </a:p>
@@ -418,7 +6589,7 @@
           <a:p>
             <a:fld id="{367B1673-BAE8-457D-9A04-2BB6D1DDE3A6}" type="datetimeFigureOut">
               <a:rPr lang="en-US" smtClean="0"/>
-              <a:t>11/25/2024</a:t>
+              <a:t>11/26/2024</a:t>
             </a:fld>
             <a:endParaRPr lang="en-US"/>
           </a:p>
@@ -598,7 +6769,7 @@
           <a:p>
             <a:fld id="{367B1673-BAE8-457D-9A04-2BB6D1DDE3A6}" type="datetimeFigureOut">
               <a:rPr lang="en-US" smtClean="0"/>
-              <a:t>11/25/2024</a:t>
+              <a:t>11/26/2024</a:t>
             </a:fld>
             <a:endParaRPr lang="en-US"/>
           </a:p>
@@ -768,7 +6939,7 @@
           <a:p>
             <a:fld id="{367B1673-BAE8-457D-9A04-2BB6D1DDE3A6}" type="datetimeFigureOut">
               <a:rPr lang="en-US" smtClean="0"/>
-              <a:t>11/25/2024</a:t>
+              <a:t>11/26/2024</a:t>
             </a:fld>
             <a:endParaRPr lang="en-US"/>
           </a:p>
@@ -1014,7 +7185,7 @@
           <a:p>
             <a:fld id="{367B1673-BAE8-457D-9A04-2BB6D1DDE3A6}" type="datetimeFigureOut">
               <a:rPr lang="en-US" smtClean="0"/>
-              <a:t>11/25/2024</a:t>
+              <a:t>11/26/2024</a:t>
             </a:fld>
             <a:endParaRPr lang="en-US"/>
           </a:p>
@@ -1246,7 +7417,7 @@
           <a:p>
             <a:fld id="{367B1673-BAE8-457D-9A04-2BB6D1DDE3A6}" type="datetimeFigureOut">
               <a:rPr lang="en-US" smtClean="0"/>
-              <a:t>11/25/2024</a:t>
+              <a:t>11/26/2024</a:t>
             </a:fld>
             <a:endParaRPr lang="en-US"/>
           </a:p>
@@ -1613,7 +7784,7 @@
           <a:p>
             <a:fld id="{367B1673-BAE8-457D-9A04-2BB6D1DDE3A6}" type="datetimeFigureOut">
               <a:rPr lang="en-US" smtClean="0"/>
-              <a:t>11/25/2024</a:t>
+              <a:t>11/26/2024</a:t>
             </a:fld>
             <a:endParaRPr lang="en-US"/>
           </a:p>
@@ -1731,7 +7902,7 @@
           <a:p>
             <a:fld id="{367B1673-BAE8-457D-9A04-2BB6D1DDE3A6}" type="datetimeFigureOut">
               <a:rPr lang="en-US" smtClean="0"/>
-              <a:t>11/25/2024</a:t>
+              <a:t>11/26/2024</a:t>
             </a:fld>
             <a:endParaRPr lang="en-US"/>
           </a:p>
@@ -1826,7 +7997,7 @@
           <a:p>
             <a:fld id="{367B1673-BAE8-457D-9A04-2BB6D1DDE3A6}" type="datetimeFigureOut">
               <a:rPr lang="en-US" smtClean="0"/>
-              <a:t>11/25/2024</a:t>
+              <a:t>11/26/2024</a:t>
             </a:fld>
             <a:endParaRPr lang="en-US"/>
           </a:p>
@@ -2103,7 +8274,7 @@
           <a:p>
             <a:fld id="{367B1673-BAE8-457D-9A04-2BB6D1DDE3A6}" type="datetimeFigureOut">
               <a:rPr lang="en-US" smtClean="0"/>
-              <a:t>11/25/2024</a:t>
+              <a:t>11/26/2024</a:t>
             </a:fld>
             <a:endParaRPr lang="en-US"/>
           </a:p>
@@ -2360,7 +8531,7 @@
           <a:p>
             <a:fld id="{367B1673-BAE8-457D-9A04-2BB6D1DDE3A6}" type="datetimeFigureOut">
               <a:rPr lang="en-US" smtClean="0"/>
-              <a:t>11/25/2024</a:t>
+              <a:t>11/26/2024</a:t>
             </a:fld>
             <a:endParaRPr lang="en-US"/>
           </a:p>
@@ -2573,7 +8744,7 @@
           <a:p>
             <a:fld id="{367B1673-BAE8-457D-9A04-2BB6D1DDE3A6}" type="datetimeFigureOut">
               <a:rPr lang="en-US" smtClean="0"/>
-              <a:t>11/25/2024</a:t>
+              <a:t>11/26/2024</a:t>
             </a:fld>
             <a:endParaRPr lang="en-US"/>
           </a:p>
@@ -12243,6 +18414,357 @@
 </p:sld>
 </file>
 
+<file path=ppt/slides/slide7.xml><?xml version="1.0" encoding="utf-8"?>
+<p:sld xmlns:a="http://schemas.openxmlformats.org/drawingml/2006/main" xmlns:r="http://schemas.openxmlformats.org/officeDocument/2006/relationships" xmlns:p="http://schemas.openxmlformats.org/presentationml/2006/main">
+  <p:cSld>
+    <p:spTree>
+      <p:nvGrpSpPr>
+        <p:cNvPr id="1" name=""/>
+        <p:cNvGrpSpPr/>
+        <p:nvPr/>
+      </p:nvGrpSpPr>
+      <p:grpSpPr>
+        <a:xfrm>
+          <a:off x="0" y="0"/>
+          <a:ext cx="0" cy="0"/>
+          <a:chOff x="0" y="0"/>
+          <a:chExt cx="0" cy="0"/>
+        </a:xfrm>
+      </p:grpSpPr>
+      <p:graphicFrame>
+        <p:nvGraphicFramePr>
+          <p:cNvPr id="4" name="Diagram 3">
+            <a:extLst>
+              <a:ext uri="{FF2B5EF4-FFF2-40B4-BE49-F238E27FC236}">
+                <a16:creationId xmlns:a16="http://schemas.microsoft.com/office/drawing/2014/main" id="{65A49149-D05F-05B5-23C4-108499C2EC2C}"/>
+              </a:ext>
+            </a:extLst>
+          </p:cNvPr>
+          <p:cNvGraphicFramePr/>
+          <p:nvPr>
+            <p:extLst>
+              <p:ext uri="{D42A27DB-BD31-4B8C-83A1-F6EECF244321}">
+                <p14:modId xmlns:p14="http://schemas.microsoft.com/office/powerpoint/2010/main" val="671753679"/>
+              </p:ext>
+            </p:extLst>
+          </p:nvPr>
+        </p:nvGraphicFramePr>
+        <p:xfrm>
+          <a:off x="14287" y="1362075"/>
+          <a:ext cx="9086851" cy="4795033"/>
+        </p:xfrm>
+        <a:graphic>
+          <a:graphicData uri="http://schemas.openxmlformats.org/drawingml/2006/diagram">
+            <dgm:relIds xmlns:dgm="http://schemas.openxmlformats.org/drawingml/2006/diagram" xmlns:r="http://schemas.openxmlformats.org/officeDocument/2006/relationships" r:dm="rId2" r:lo="rId3" r:qs="rId4" r:cs="rId5"/>
+          </a:graphicData>
+        </a:graphic>
+      </p:graphicFrame>
+      <p:sp>
+        <p:nvSpPr>
+          <p:cNvPr id="5" name="Rectangle: Rounded Corners 4">
+            <a:extLst>
+              <a:ext uri="{FF2B5EF4-FFF2-40B4-BE49-F238E27FC236}">
+                <a16:creationId xmlns:a16="http://schemas.microsoft.com/office/drawing/2014/main" id="{A6221D72-888D-DD31-C3A0-0D48AD3D23CB}"/>
+              </a:ext>
+            </a:extLst>
+          </p:cNvPr>
+          <p:cNvSpPr/>
+          <p:nvPr/>
+        </p:nvSpPr>
+        <p:spPr>
+          <a:xfrm>
+            <a:off x="14287" y="28575"/>
+            <a:ext cx="9086851" cy="590550"/>
+          </a:xfrm>
+          <a:prstGeom prst="roundRect">
+            <a:avLst/>
+          </a:prstGeom>
+          <a:solidFill>
+            <a:schemeClr val="bg1">
+              <a:lumMod val="85000"/>
+            </a:schemeClr>
+          </a:solidFill>
+          <a:ln>
+            <a:solidFill>
+              <a:schemeClr val="tx2"/>
+            </a:solidFill>
+          </a:ln>
+        </p:spPr>
+        <p:style>
+          <a:lnRef idx="2">
+            <a:schemeClr val="accent1">
+              <a:shade val="15000"/>
+            </a:schemeClr>
+          </a:lnRef>
+          <a:fillRef idx="1">
+            <a:schemeClr val="accent1"/>
+          </a:fillRef>
+          <a:effectRef idx="0">
+            <a:schemeClr val="accent1"/>
+          </a:effectRef>
+          <a:fontRef idx="minor">
+            <a:schemeClr val="lt1"/>
+          </a:fontRef>
+        </p:style>
+        <p:txBody>
+          <a:bodyPr rtlCol="0" anchor="ctr"/>
+          <a:lstStyle/>
+          <a:p>
+            <a:pPr algn="ctr"/>
+            <a:r>
+              <a:rPr lang="en-US" b="1" dirty="0">
+                <a:solidFill>
+                  <a:schemeClr val="tx1"/>
+                </a:solidFill>
+              </a:rPr>
+              <a:t>Priority Action</a:t>
+            </a:r>
+          </a:p>
+          <a:p>
+            <a:pPr algn="ctr"/>
+            <a:endParaRPr lang="en-US" b="1" dirty="0"/>
+          </a:p>
+        </p:txBody>
+      </p:sp>
+      <p:grpSp>
+        <p:nvGrpSpPr>
+          <p:cNvPr id="10" name="Group 9">
+            <a:extLst>
+              <a:ext uri="{FF2B5EF4-FFF2-40B4-BE49-F238E27FC236}">
+                <a16:creationId xmlns:a16="http://schemas.microsoft.com/office/drawing/2014/main" id="{C98F4D99-E544-0E64-7EE3-B2EC96215329}"/>
+              </a:ext>
+            </a:extLst>
+          </p:cNvPr>
+          <p:cNvGrpSpPr/>
+          <p:nvPr/>
+        </p:nvGrpSpPr>
+        <p:grpSpPr>
+          <a:xfrm>
+            <a:off x="14287" y="695325"/>
+            <a:ext cx="9086851" cy="590550"/>
+            <a:chOff x="28574" y="733425"/>
+            <a:chExt cx="9086851" cy="590550"/>
+          </a:xfrm>
+        </p:grpSpPr>
+        <p:sp>
+          <p:nvSpPr>
+            <p:cNvPr id="7" name="Rectangle: Rounded Corners 6">
+              <a:extLst>
+                <a:ext uri="{FF2B5EF4-FFF2-40B4-BE49-F238E27FC236}">
+                  <a16:creationId xmlns:a16="http://schemas.microsoft.com/office/drawing/2014/main" id="{013313EF-8A26-83D4-6BD7-C281C7205D3E}"/>
+                </a:ext>
+              </a:extLst>
+            </p:cNvPr>
+            <p:cNvSpPr/>
+            <p:nvPr/>
+          </p:nvSpPr>
+          <p:spPr>
+            <a:xfrm>
+              <a:off x="28574" y="733425"/>
+              <a:ext cx="4429126" cy="590550"/>
+            </a:xfrm>
+            <a:prstGeom prst="roundRect">
+              <a:avLst/>
+            </a:prstGeom>
+            <a:solidFill>
+              <a:schemeClr val="bg1">
+                <a:lumMod val="95000"/>
+              </a:schemeClr>
+            </a:solidFill>
+            <a:ln>
+              <a:solidFill>
+                <a:schemeClr val="tx2"/>
+              </a:solidFill>
+            </a:ln>
+          </p:spPr>
+          <p:style>
+            <a:lnRef idx="2">
+              <a:schemeClr val="accent1">
+                <a:shade val="15000"/>
+              </a:schemeClr>
+            </a:lnRef>
+            <a:fillRef idx="1">
+              <a:schemeClr val="accent1"/>
+            </a:fillRef>
+            <a:effectRef idx="0">
+              <a:schemeClr val="accent1"/>
+            </a:effectRef>
+            <a:fontRef idx="minor">
+              <a:schemeClr val="lt1"/>
+            </a:fontRef>
+          </p:style>
+          <p:txBody>
+            <a:bodyPr rtlCol="0" anchor="ctr"/>
+            <a:lstStyle/>
+            <a:p>
+              <a:r>
+                <a:rPr lang="en-US" sz="1600" b="1" dirty="0">
+                  <a:solidFill>
+                    <a:schemeClr val="tx1"/>
+                  </a:solidFill>
+                </a:rPr>
+                <a:t>Who do we serve?</a:t>
+              </a:r>
+              <a:endParaRPr lang="en-US" b="1" dirty="0">
+                <a:solidFill>
+                  <a:schemeClr val="tx1"/>
+                </a:solidFill>
+              </a:endParaRPr>
+            </a:p>
+          </p:txBody>
+        </p:sp>
+        <p:sp>
+          <p:nvSpPr>
+            <p:cNvPr id="8" name="Rectangle: Rounded Corners 7">
+              <a:extLst>
+                <a:ext uri="{FF2B5EF4-FFF2-40B4-BE49-F238E27FC236}">
+                  <a16:creationId xmlns:a16="http://schemas.microsoft.com/office/drawing/2014/main" id="{558B1233-1FEF-8D7B-D20D-0F96B5BE658D}"/>
+                </a:ext>
+              </a:extLst>
+            </p:cNvPr>
+            <p:cNvSpPr/>
+            <p:nvPr/>
+          </p:nvSpPr>
+          <p:spPr>
+            <a:xfrm>
+              <a:off x="4686299" y="733425"/>
+              <a:ext cx="4429126" cy="590550"/>
+            </a:xfrm>
+            <a:prstGeom prst="roundRect">
+              <a:avLst/>
+            </a:prstGeom>
+            <a:solidFill>
+              <a:schemeClr val="bg1">
+                <a:lumMod val="95000"/>
+              </a:schemeClr>
+            </a:solidFill>
+            <a:ln>
+              <a:solidFill>
+                <a:schemeClr val="tx2"/>
+              </a:solidFill>
+            </a:ln>
+          </p:spPr>
+          <p:style>
+            <a:lnRef idx="2">
+              <a:schemeClr val="accent1">
+                <a:shade val="15000"/>
+              </a:schemeClr>
+            </a:lnRef>
+            <a:fillRef idx="1">
+              <a:schemeClr val="accent1"/>
+            </a:fillRef>
+            <a:effectRef idx="0">
+              <a:schemeClr val="accent1"/>
+            </a:effectRef>
+            <a:fontRef idx="minor">
+              <a:schemeClr val="lt1"/>
+            </a:fontRef>
+          </p:style>
+          <p:txBody>
+            <a:bodyPr rtlCol="0" anchor="ctr"/>
+            <a:lstStyle/>
+            <a:p>
+              <a:r>
+                <a:rPr lang="en-US" sz="1600" b="1" dirty="0">
+                  <a:solidFill>
+                    <a:schemeClr val="tx1"/>
+                  </a:solidFill>
+                </a:rPr>
+                <a:t>Who are our partners?</a:t>
+              </a:r>
+              <a:endParaRPr lang="en-US" b="1" dirty="0">
+                <a:solidFill>
+                  <a:schemeClr val="tx1"/>
+                </a:solidFill>
+              </a:endParaRPr>
+            </a:p>
+          </p:txBody>
+        </p:sp>
+      </p:grpSp>
+      <p:sp>
+        <p:nvSpPr>
+          <p:cNvPr id="9" name="Rectangle: Rounded Corners 8">
+            <a:extLst>
+              <a:ext uri="{FF2B5EF4-FFF2-40B4-BE49-F238E27FC236}">
+                <a16:creationId xmlns:a16="http://schemas.microsoft.com/office/drawing/2014/main" id="{70494A92-3B97-87F9-2E3B-97E14BF7D6D9}"/>
+              </a:ext>
+            </a:extLst>
+          </p:cNvPr>
+          <p:cNvSpPr/>
+          <p:nvPr/>
+        </p:nvSpPr>
+        <p:spPr>
+          <a:xfrm>
+            <a:off x="14287" y="6229350"/>
+            <a:ext cx="9086851" cy="590550"/>
+          </a:xfrm>
+          <a:prstGeom prst="roundRect">
+            <a:avLst/>
+          </a:prstGeom>
+          <a:solidFill>
+            <a:schemeClr val="bg1">
+              <a:lumMod val="85000"/>
+            </a:schemeClr>
+          </a:solidFill>
+          <a:ln w="38100">
+            <a:solidFill>
+              <a:schemeClr val="tx2"/>
+            </a:solidFill>
+          </a:ln>
+        </p:spPr>
+        <p:style>
+          <a:lnRef idx="2">
+            <a:schemeClr val="accent1">
+              <a:shade val="15000"/>
+            </a:schemeClr>
+          </a:lnRef>
+          <a:fillRef idx="1">
+            <a:schemeClr val="accent1"/>
+          </a:fillRef>
+          <a:effectRef idx="0">
+            <a:schemeClr val="accent1"/>
+          </a:effectRef>
+          <a:fontRef idx="minor">
+            <a:schemeClr val="lt1"/>
+          </a:fontRef>
+        </p:style>
+        <p:txBody>
+          <a:bodyPr rtlCol="0" anchor="ctr"/>
+          <a:lstStyle/>
+          <a:p>
+            <a:pPr algn="ctr"/>
+            <a:r>
+              <a:rPr lang="en-US" b="1" dirty="0">
+                <a:solidFill>
+                  <a:schemeClr val="tx1"/>
+                </a:solidFill>
+              </a:rPr>
+              <a:t>Next Steps</a:t>
+            </a:r>
+          </a:p>
+          <a:p>
+            <a:pPr algn="ctr"/>
+            <a:endParaRPr lang="en-US" b="1" dirty="0">
+              <a:solidFill>
+                <a:schemeClr val="tx1"/>
+              </a:solidFill>
+            </a:endParaRPr>
+          </a:p>
+        </p:txBody>
+      </p:sp>
+    </p:spTree>
+    <p:extLst>
+      <p:ext uri="{BB962C8B-B14F-4D97-AF65-F5344CB8AC3E}">
+        <p14:creationId xmlns:p14="http://schemas.microsoft.com/office/powerpoint/2010/main" val="1893443886"/>
+      </p:ext>
+    </p:extLst>
+  </p:cSld>
+  <p:clrMapOvr>
+    <a:masterClrMapping/>
+  </p:clrMapOvr>
+</p:sld>
+</file>
+
 <file path=ppt/theme/theme1.xml><?xml version="1.0" encoding="utf-8"?>
 <a:theme xmlns:a="http://schemas.openxmlformats.org/drawingml/2006/main" name="Office Theme">
   <a:themeElements>
